--- a/react_ts.pptx
+++ b/react_ts.pptx
@@ -345,7 +345,7 @@
           <a:p>
             <a:fld id="{4BDF68E2-58F2-4D09-BE8B-E3BD06533059}" type="datetimeFigureOut">
               <a:rPr lang="en-US" dirty="0"/>
-              <a:t>2024-06-25</a:t>
+              <a:t>2024-06-26</a:t>
             </a:fld>
             <a:endParaRPr lang="en-US" dirty="0"/>
           </a:p>
@@ -548,7 +548,7 @@
           <a:p>
             <a:fld id="{2E2D6473-DF6D-4702-B328-E0DD40540A4E}" type="datetimeFigureOut">
               <a:rPr lang="en-US" dirty="0"/>
-              <a:t>2024-06-25</a:t>
+              <a:t>2024-06-26</a:t>
             </a:fld>
             <a:endParaRPr lang="en-US" dirty="0"/>
           </a:p>
@@ -799,7 +799,7 @@
           <a:p>
             <a:fld id="{E26F7E3A-B166-407D-9866-32884E7D5B37}" type="datetimeFigureOut">
               <a:rPr lang="en-US" dirty="0"/>
-              <a:t>2024-06-25</a:t>
+              <a:t>2024-06-26</a:t>
             </a:fld>
             <a:endParaRPr lang="en-US" dirty="0"/>
           </a:p>
@@ -968,7 +968,7 @@
           <a:p>
             <a:fld id="{528FC5F6-F338-4AE4-BB23-26385BCFC423}" type="datetimeFigureOut">
               <a:rPr lang="en-US" dirty="0"/>
-              <a:t>2024-06-25</a:t>
+              <a:t>2024-06-26</a:t>
             </a:fld>
             <a:endParaRPr lang="en-US" dirty="0"/>
           </a:p>
@@ -1306,7 +1306,7 @@
           <a:p>
             <a:fld id="{20EBB0C4-6273-4C6E-B9BD-2EDC30F1CD52}" type="datetimeFigureOut">
               <a:rPr lang="en-US" dirty="0"/>
-              <a:t>2024-06-25</a:t>
+              <a:t>2024-06-26</a:t>
             </a:fld>
             <a:endParaRPr lang="en-US" dirty="0"/>
           </a:p>
@@ -1576,7 +1576,7 @@
           <a:p>
             <a:fld id="{19AB4D41-86C1-4908-B66A-0B50CEB3BF29}" type="datetimeFigureOut">
               <a:rPr lang="en-US" dirty="0"/>
-              <a:t>2024-06-25</a:t>
+              <a:t>2024-06-26</a:t>
             </a:fld>
             <a:endParaRPr lang="en-US" dirty="0"/>
           </a:p>
@@ -1950,7 +1950,7 @@
           <a:p>
             <a:fld id="{E6426E2C-56C1-4E0D-A793-0088A7FDD37E}" type="datetimeFigureOut">
               <a:rPr lang="en-US" dirty="0"/>
-              <a:t>2024-06-25</a:t>
+              <a:t>2024-06-26</a:t>
             </a:fld>
             <a:endParaRPr lang="en-US" dirty="0"/>
           </a:p>
@@ -2063,7 +2063,7 @@
           <a:p>
             <a:fld id="{C8C39B41-D8B5-4052-B551-9B5525EAA8B6}" type="datetimeFigureOut">
               <a:rPr lang="en-US" dirty="0"/>
-              <a:t>2024-06-25</a:t>
+              <a:t>2024-06-26</a:t>
             </a:fld>
             <a:endParaRPr lang="en-US" dirty="0"/>
           </a:p>
@@ -2229,7 +2229,7 @@
           <a:p>
             <a:fld id="{4D94136C-8742-45B2-AF27-D93DF72833A9}" type="datetimeFigureOut">
               <a:rPr lang="en-US" dirty="0"/>
-              <a:t>2024-06-25</a:t>
+              <a:t>2024-06-26</a:t>
             </a:fld>
             <a:endParaRPr lang="en-US" dirty="0"/>
           </a:p>
@@ -2579,7 +2579,7 @@
           <a:p>
             <a:fld id="{32ABBEA6-7C60-4B02-AE87-00D78D8422AF}" type="datetimeFigureOut">
               <a:rPr lang="en-US" dirty="0"/>
-              <a:t>2024-06-25</a:t>
+              <a:t>2024-06-26</a:t>
             </a:fld>
             <a:endParaRPr lang="en-US" dirty="0"/>
           </a:p>
@@ -2957,7 +2957,7 @@
           <a:p>
             <a:fld id="{C9CAD897-D46E-4AD2-BD9B-49DD3E640873}" type="datetimeFigureOut">
               <a:rPr lang="en-US" dirty="0"/>
-              <a:t>2024-06-25</a:t>
+              <a:t>2024-06-26</a:t>
             </a:fld>
             <a:endParaRPr lang="en-US" dirty="0"/>
           </a:p>
@@ -3239,7 +3239,7 @@
           <a:p>
             <a:fld id="{98624D31-43A5-475A-80CF-332C9F6DCF35}" type="datetimeFigureOut">
               <a:rPr lang="en-US" dirty="0"/>
-              <a:t>2024-06-25</a:t>
+              <a:t>2024-06-26</a:t>
             </a:fld>
             <a:endParaRPr lang="en-US" dirty="0"/>
           </a:p>
@@ -4041,14 +4041,30 @@
                 <a:latin typeface="Times New Roman" panose="02020603050405020304" pitchFamily="18" charset="0"/>
                 <a:cs typeface="Times New Roman" panose="02020603050405020304" pitchFamily="18" charset="0"/>
               </a:rPr>
-              <a:t> </a:t>
+              <a:t> JSX</a:t>
+            </a:r>
+          </a:p>
+          <a:p>
+            <a:r>
+              <a:rPr lang="en-US" sz="2400" dirty="0">
+                <a:latin typeface="Times New Roman" panose="02020603050405020304" pitchFamily="18" charset="0"/>
+                <a:cs typeface="Times New Roman" panose="02020603050405020304" pitchFamily="18" charset="0"/>
+              </a:rPr>
+              <a:t>3</a:t>
             </a:r>
             <a:r>
               <a:rPr lang="en-US" sz="2400" dirty="0" smtClean="0">
                 <a:latin typeface="Times New Roman" panose="02020603050405020304" pitchFamily="18" charset="0"/>
                 <a:cs typeface="Times New Roman" panose="02020603050405020304" pitchFamily="18" charset="0"/>
               </a:rPr>
-              <a:t>JSX</a:t>
+              <a:t>. React </a:t>
+            </a:r>
+            <a:r>
+              <a:rPr lang="en-US" sz="2400" dirty="0" smtClean="0">
+                <a:latin typeface="Times New Roman" panose="02020603050405020304" pitchFamily="18" charset="0"/>
+                <a:cs typeface="Times New Roman" panose="02020603050405020304" pitchFamily="18" charset="0"/>
+              </a:rPr>
+              <a:t>hooks</a:t>
             </a:r>
             <a:endParaRPr lang="en-US" sz="2400" dirty="0" smtClean="0">
               <a:latin typeface="Times New Roman" panose="02020603050405020304" pitchFamily="18" charset="0"/>
@@ -4057,101 +4073,60 @@
           </a:p>
           <a:p>
             <a:r>
-              <a:rPr lang="en-US" sz="2400" dirty="0">
-                <a:latin typeface="Times New Roman" panose="02020603050405020304" pitchFamily="18" charset="0"/>
-                <a:cs typeface="Times New Roman" panose="02020603050405020304" pitchFamily="18" charset="0"/>
-              </a:rPr>
-              <a:t>3</a:t>
-            </a:r>
-            <a:r>
               <a:rPr lang="en-US" sz="2400" dirty="0" smtClean="0">
                 <a:latin typeface="Times New Roman" panose="02020603050405020304" pitchFamily="18" charset="0"/>
                 <a:cs typeface="Times New Roman" panose="02020603050405020304" pitchFamily="18" charset="0"/>
               </a:rPr>
-              <a:t>. React hooks</a:t>
-            </a:r>
-            <a:endParaRPr lang="en-US" sz="2400" b="1" dirty="0" smtClean="0">
-              <a:latin typeface="Times New Roman" panose="02020603050405020304" pitchFamily="18" charset="0"/>
-              <a:cs typeface="Times New Roman" panose="02020603050405020304" pitchFamily="18" charset="0"/>
-            </a:endParaRPr>
-          </a:p>
-          <a:p>
+              <a:t>4</a:t>
+            </a:r>
             <a:r>
               <a:rPr lang="en-US" sz="2400" dirty="0" smtClean="0">
                 <a:latin typeface="Times New Roman" panose="02020603050405020304" pitchFamily="18" charset="0"/>
                 <a:cs typeface="Times New Roman" panose="02020603050405020304" pitchFamily="18" charset="0"/>
               </a:rPr>
-              <a:t>4. </a:t>
-            </a:r>
-            <a:r>
-              <a:rPr lang="en-US" sz="2400" dirty="0" err="1">
-                <a:latin typeface="Times New Roman" panose="02020603050405020304" pitchFamily="18" charset="0"/>
-                <a:cs typeface="Times New Roman" panose="02020603050405020304" pitchFamily="18" charset="0"/>
-              </a:rPr>
-              <a:t>Quản</a:t>
-            </a:r>
-            <a:r>
-              <a:rPr lang="en-US" sz="2400" dirty="0">
+              <a:t>. </a:t>
+            </a:r>
+            <a:r>
+              <a:rPr lang="en-US" sz="2400" dirty="0" err="1" smtClean="0">
+                <a:latin typeface="Times New Roman" panose="02020603050405020304" pitchFamily="18" charset="0"/>
+                <a:cs typeface="Times New Roman" panose="02020603050405020304" pitchFamily="18" charset="0"/>
+              </a:rPr>
+              <a:t>Redux</a:t>
+            </a:r>
+            <a:r>
+              <a:rPr lang="en-US" sz="2400" dirty="0" smtClean="0">
                 <a:latin typeface="Times New Roman" panose="02020603050405020304" pitchFamily="18" charset="0"/>
                 <a:cs typeface="Times New Roman" panose="02020603050405020304" pitchFamily="18" charset="0"/>
               </a:rPr>
               <a:t> </a:t>
             </a:r>
             <a:r>
-              <a:rPr lang="en-US" sz="2400" dirty="0" err="1">
-                <a:latin typeface="Times New Roman" panose="02020603050405020304" pitchFamily="18" charset="0"/>
-                <a:cs typeface="Times New Roman" panose="02020603050405020304" pitchFamily="18" charset="0"/>
-              </a:rPr>
-              <a:t>lý</a:t>
-            </a:r>
-            <a:r>
-              <a:rPr lang="en-US" sz="2400" dirty="0">
-                <a:latin typeface="Times New Roman" panose="02020603050405020304" pitchFamily="18" charset="0"/>
-                <a:cs typeface="Times New Roman" panose="02020603050405020304" pitchFamily="18" charset="0"/>
-              </a:rPr>
-              <a:t> state </a:t>
-            </a:r>
-            <a:r>
-              <a:rPr lang="en-US" sz="2400" dirty="0" err="1">
-                <a:latin typeface="Times New Roman" panose="02020603050405020304" pitchFamily="18" charset="0"/>
-                <a:cs typeface="Times New Roman" panose="02020603050405020304" pitchFamily="18" charset="0"/>
-              </a:rPr>
-              <a:t>và</a:t>
-            </a:r>
-            <a:r>
-              <a:rPr lang="en-US" sz="2400" dirty="0">
-                <a:latin typeface="Times New Roman" panose="02020603050405020304" pitchFamily="18" charset="0"/>
-                <a:cs typeface="Times New Roman" panose="02020603050405020304" pitchFamily="18" charset="0"/>
-              </a:rPr>
-              <a:t> props</a:t>
+              <a:rPr lang="en-US" sz="2400" dirty="0" smtClean="0">
+                <a:latin typeface="Times New Roman" panose="02020603050405020304" pitchFamily="18" charset="0"/>
+                <a:cs typeface="Times New Roman" panose="02020603050405020304" pitchFamily="18" charset="0"/>
+              </a:rPr>
+              <a:t>toolkit</a:t>
+            </a:r>
+          </a:p>
+          <a:p>
+            <a:r>
+              <a:rPr lang="en-US" sz="2400" dirty="0" smtClean="0">
+                <a:latin typeface="Times New Roman" panose="02020603050405020304" pitchFamily="18" charset="0"/>
+                <a:cs typeface="Times New Roman" panose="02020603050405020304" pitchFamily="18" charset="0"/>
+              </a:rPr>
+              <a:t>5. </a:t>
+            </a:r>
+            <a:r>
+              <a:rPr lang="en-US" sz="2400" smtClean="0">
+                <a:latin typeface="Times New Roman" panose="02020603050405020304" pitchFamily="18" charset="0"/>
+                <a:cs typeface="Times New Roman" panose="02020603050405020304" pitchFamily="18" charset="0"/>
+              </a:rPr>
+              <a:t>Router</a:t>
             </a:r>
             <a:endParaRPr lang="en-US" sz="2400" dirty="0" smtClean="0">
               <a:latin typeface="Times New Roman" panose="02020603050405020304" pitchFamily="18" charset="0"/>
               <a:cs typeface="Times New Roman" panose="02020603050405020304" pitchFamily="18" charset="0"/>
             </a:endParaRPr>
-          </a:p>
-          <a:p>
-            <a:r>
-              <a:rPr lang="en-US" sz="2400" dirty="0" smtClean="0">
-                <a:latin typeface="Times New Roman" panose="02020603050405020304" pitchFamily="18" charset="0"/>
-                <a:cs typeface="Times New Roman" panose="02020603050405020304" pitchFamily="18" charset="0"/>
-              </a:rPr>
-              <a:t>5. </a:t>
-            </a:r>
-            <a:r>
-              <a:rPr lang="en-US" sz="2400" dirty="0" err="1" smtClean="0">
-                <a:latin typeface="Times New Roman" panose="02020603050405020304" pitchFamily="18" charset="0"/>
-                <a:cs typeface="Times New Roman" panose="02020603050405020304" pitchFamily="18" charset="0"/>
-              </a:rPr>
-              <a:t>Redux</a:t>
-            </a:r>
-            <a:r>
-              <a:rPr lang="en-US" sz="2400" dirty="0" smtClean="0">
-                <a:latin typeface="Times New Roman" panose="02020603050405020304" pitchFamily="18" charset="0"/>
-                <a:cs typeface="Times New Roman" panose="02020603050405020304" pitchFamily="18" charset="0"/>
-              </a:rPr>
-              <a:t> toolkit</a:t>
-            </a:r>
           </a:p>
         </p:txBody>
       </p:sp>
@@ -4200,6 +4175,62 @@
           <a:bodyPr/>
           <a:lstStyle/>
           <a:p>
+            <a:r>
+              <a:rPr lang="en-US" dirty="0" err="1">
+                <a:latin typeface="Times New Roman" panose="02020603050405020304" pitchFamily="18" charset="0"/>
+                <a:cs typeface="Times New Roman" panose="02020603050405020304" pitchFamily="18" charset="0"/>
+              </a:rPr>
+              <a:t>Giới</a:t>
+            </a:r>
+            <a:r>
+              <a:rPr lang="en-US" dirty="0">
+                <a:latin typeface="Times New Roman" panose="02020603050405020304" pitchFamily="18" charset="0"/>
+                <a:cs typeface="Times New Roman" panose="02020603050405020304" pitchFamily="18" charset="0"/>
+              </a:rPr>
+              <a:t> </a:t>
+            </a:r>
+            <a:r>
+              <a:rPr lang="en-US" dirty="0" err="1">
+                <a:latin typeface="Times New Roman" panose="02020603050405020304" pitchFamily="18" charset="0"/>
+                <a:cs typeface="Times New Roman" panose="02020603050405020304" pitchFamily="18" charset="0"/>
+              </a:rPr>
+              <a:t>thiệu</a:t>
+            </a:r>
+            <a:r>
+              <a:rPr lang="en-US" dirty="0">
+                <a:latin typeface="Times New Roman" panose="02020603050405020304" pitchFamily="18" charset="0"/>
+                <a:cs typeface="Times New Roman" panose="02020603050405020304" pitchFamily="18" charset="0"/>
+              </a:rPr>
+              <a:t> R</a:t>
+            </a:r>
+            <a:r>
+              <a:rPr lang="en-US" dirty="0" smtClean="0">
+                <a:latin typeface="Times New Roman" panose="02020603050405020304" pitchFamily="18" charset="0"/>
+                <a:cs typeface="Times New Roman" panose="02020603050405020304" pitchFamily="18" charset="0"/>
+              </a:rPr>
+              <a:t>eact </a:t>
+            </a:r>
+            <a:r>
+              <a:rPr lang="en-US" dirty="0" err="1">
+                <a:latin typeface="Times New Roman" panose="02020603050405020304" pitchFamily="18" charset="0"/>
+                <a:cs typeface="Times New Roman" panose="02020603050405020304" pitchFamily="18" charset="0"/>
+              </a:rPr>
+              <a:t>và</a:t>
+            </a:r>
+            <a:r>
+              <a:rPr lang="en-US" dirty="0">
+                <a:latin typeface="Times New Roman" panose="02020603050405020304" pitchFamily="18" charset="0"/>
+                <a:cs typeface="Times New Roman" panose="02020603050405020304" pitchFamily="18" charset="0"/>
+              </a:rPr>
+              <a:t> T</a:t>
+            </a:r>
+            <a:r>
+              <a:rPr lang="en-US" dirty="0" smtClean="0">
+                <a:latin typeface="Times New Roman" panose="02020603050405020304" pitchFamily="18" charset="0"/>
+                <a:cs typeface="Times New Roman" panose="02020603050405020304" pitchFamily="18" charset="0"/>
+              </a:rPr>
+              <a:t>ypescript</a:t>
+            </a:r>
             <a:endParaRPr lang="en-US" dirty="0">
               <a:latin typeface="Times New Roman" panose="02020603050405020304" pitchFamily="18" charset="0"/>
               <a:cs typeface="Times New Roman" panose="02020603050405020304" pitchFamily="18" charset="0"/>
@@ -4222,6 +4253,117 @@
           <a:bodyPr/>
           <a:lstStyle/>
           <a:p>
+            <a:r>
+              <a:rPr lang="en-US" dirty="0" smtClean="0">
+                <a:latin typeface="Times New Roman" panose="02020603050405020304" pitchFamily="18" charset="0"/>
+                <a:cs typeface="Times New Roman" panose="02020603050405020304" pitchFamily="18" charset="0"/>
+              </a:rPr>
+              <a:t>1. </a:t>
+            </a:r>
+            <a:r>
+              <a:rPr lang="en-US" dirty="0" err="1" smtClean="0">
+                <a:latin typeface="Times New Roman" panose="02020603050405020304" pitchFamily="18" charset="0"/>
+                <a:cs typeface="Times New Roman" panose="02020603050405020304" pitchFamily="18" charset="0"/>
+              </a:rPr>
+              <a:t>Giới</a:t>
+            </a:r>
+            <a:r>
+              <a:rPr lang="en-US" dirty="0" smtClean="0">
+                <a:latin typeface="Times New Roman" panose="02020603050405020304" pitchFamily="18" charset="0"/>
+                <a:cs typeface="Times New Roman" panose="02020603050405020304" pitchFamily="18" charset="0"/>
+              </a:rPr>
+              <a:t> </a:t>
+            </a:r>
+            <a:r>
+              <a:rPr lang="en-US" dirty="0" err="1" smtClean="0">
+                <a:latin typeface="Times New Roman" panose="02020603050405020304" pitchFamily="18" charset="0"/>
+                <a:cs typeface="Times New Roman" panose="02020603050405020304" pitchFamily="18" charset="0"/>
+              </a:rPr>
+              <a:t>thiệu</a:t>
+            </a:r>
+            <a:endParaRPr lang="en-US" dirty="0" smtClean="0">
+              <a:latin typeface="Times New Roman" panose="02020603050405020304" pitchFamily="18" charset="0"/>
+              <a:cs typeface="Times New Roman" panose="02020603050405020304" pitchFamily="18" charset="0"/>
+            </a:endParaRPr>
+          </a:p>
+          <a:p>
+            <a:r>
+              <a:rPr lang="en-US" dirty="0" smtClean="0">
+                <a:latin typeface="Times New Roman" panose="02020603050405020304" pitchFamily="18" charset="0"/>
+                <a:cs typeface="Times New Roman" panose="02020603050405020304" pitchFamily="18" charset="0"/>
+              </a:rPr>
+              <a:t>2. </a:t>
+            </a:r>
+            <a:r>
+              <a:rPr lang="en-US" dirty="0" err="1" smtClean="0">
+                <a:latin typeface="Times New Roman" panose="02020603050405020304" pitchFamily="18" charset="0"/>
+                <a:cs typeface="Times New Roman" panose="02020603050405020304" pitchFamily="18" charset="0"/>
+              </a:rPr>
+              <a:t>Cài</a:t>
+            </a:r>
+            <a:r>
+              <a:rPr lang="en-US" dirty="0" smtClean="0">
+                <a:latin typeface="Times New Roman" panose="02020603050405020304" pitchFamily="18" charset="0"/>
+                <a:cs typeface="Times New Roman" panose="02020603050405020304" pitchFamily="18" charset="0"/>
+              </a:rPr>
+              <a:t> </a:t>
+            </a:r>
+            <a:r>
+              <a:rPr lang="en-US" dirty="0" err="1" smtClean="0">
+                <a:latin typeface="Times New Roman" panose="02020603050405020304" pitchFamily="18" charset="0"/>
+                <a:cs typeface="Times New Roman" panose="02020603050405020304" pitchFamily="18" charset="0"/>
+              </a:rPr>
+              <a:t>đặt</a:t>
+            </a:r>
+            <a:r>
+              <a:rPr lang="en-US" dirty="0" smtClean="0">
+                <a:latin typeface="Times New Roman" panose="02020603050405020304" pitchFamily="18" charset="0"/>
+                <a:cs typeface="Times New Roman" panose="02020603050405020304" pitchFamily="18" charset="0"/>
+              </a:rPr>
+              <a:t> (</a:t>
+            </a:r>
+            <a:r>
+              <a:rPr lang="en-US" dirty="0" err="1" smtClean="0">
+                <a:latin typeface="Times New Roman" panose="02020603050405020304" pitchFamily="18" charset="0"/>
+                <a:cs typeface="Times New Roman" panose="02020603050405020304" pitchFamily="18" charset="0"/>
+              </a:rPr>
+              <a:t>devtool</a:t>
+            </a:r>
+            <a:r>
+              <a:rPr lang="en-US" dirty="0" smtClean="0">
+                <a:latin typeface="Times New Roman" panose="02020603050405020304" pitchFamily="18" charset="0"/>
+                <a:cs typeface="Times New Roman" panose="02020603050405020304" pitchFamily="18" charset="0"/>
+              </a:rPr>
+              <a:t>, </a:t>
+            </a:r>
+            <a:r>
+              <a:rPr lang="en-US" dirty="0" err="1" smtClean="0">
+                <a:latin typeface="Times New Roman" panose="02020603050405020304" pitchFamily="18" charset="0"/>
+                <a:cs typeface="Times New Roman" panose="02020603050405020304" pitchFamily="18" charset="0"/>
+              </a:rPr>
+              <a:t>môi</a:t>
+            </a:r>
+            <a:r>
+              <a:rPr lang="en-US" dirty="0" smtClean="0">
+                <a:latin typeface="Times New Roman" panose="02020603050405020304" pitchFamily="18" charset="0"/>
+                <a:cs typeface="Times New Roman" panose="02020603050405020304" pitchFamily="18" charset="0"/>
+              </a:rPr>
+              <a:t> </a:t>
+            </a:r>
+            <a:r>
+              <a:rPr lang="en-US" dirty="0" err="1" smtClean="0">
+                <a:latin typeface="Times New Roman" panose="02020603050405020304" pitchFamily="18" charset="0"/>
+                <a:cs typeface="Times New Roman" panose="02020603050405020304" pitchFamily="18" charset="0"/>
+              </a:rPr>
+              <a:t>trường</a:t>
+            </a:r>
+            <a:r>
+              <a:rPr lang="en-US" dirty="0" smtClean="0">
+                <a:latin typeface="Times New Roman" panose="02020603050405020304" pitchFamily="18" charset="0"/>
+                <a:cs typeface="Times New Roman" panose="02020603050405020304" pitchFamily="18" charset="0"/>
+              </a:rPr>
+              <a:t>, create project)</a:t>
+            </a:r>
             <a:endParaRPr lang="en-US" dirty="0">
               <a:latin typeface="Times New Roman" panose="02020603050405020304" pitchFamily="18" charset="0"/>
               <a:cs typeface="Times New Roman" panose="02020603050405020304" pitchFamily="18" charset="0"/>
@@ -4274,6 +4416,76 @@
           <a:bodyPr/>
           <a:lstStyle/>
           <a:p>
+            <a:r>
+              <a:rPr lang="en-US" dirty="0" err="1">
+                <a:latin typeface="Times New Roman" panose="02020603050405020304" pitchFamily="18" charset="0"/>
+                <a:cs typeface="Times New Roman" panose="02020603050405020304" pitchFamily="18" charset="0"/>
+              </a:rPr>
+              <a:t>Cấu</a:t>
+            </a:r>
+            <a:r>
+              <a:rPr lang="en-US" dirty="0">
+                <a:latin typeface="Times New Roman" panose="02020603050405020304" pitchFamily="18" charset="0"/>
+                <a:cs typeface="Times New Roman" panose="02020603050405020304" pitchFamily="18" charset="0"/>
+              </a:rPr>
+              <a:t> </a:t>
+            </a:r>
+            <a:r>
+              <a:rPr lang="en-US" dirty="0" err="1">
+                <a:latin typeface="Times New Roman" panose="02020603050405020304" pitchFamily="18" charset="0"/>
+                <a:cs typeface="Times New Roman" panose="02020603050405020304" pitchFamily="18" charset="0"/>
+              </a:rPr>
+              <a:t>trúc</a:t>
+            </a:r>
+            <a:r>
+              <a:rPr lang="en-US" dirty="0">
+                <a:latin typeface="Times New Roman" panose="02020603050405020304" pitchFamily="18" charset="0"/>
+                <a:cs typeface="Times New Roman" panose="02020603050405020304" pitchFamily="18" charset="0"/>
+              </a:rPr>
+              <a:t> </a:t>
+            </a:r>
+            <a:r>
+              <a:rPr lang="en-US" dirty="0" err="1">
+                <a:latin typeface="Times New Roman" panose="02020603050405020304" pitchFamily="18" charset="0"/>
+                <a:cs typeface="Times New Roman" panose="02020603050405020304" pitchFamily="18" charset="0"/>
+              </a:rPr>
+              <a:t>dự</a:t>
+            </a:r>
+            <a:r>
+              <a:rPr lang="en-US" dirty="0">
+                <a:latin typeface="Times New Roman" panose="02020603050405020304" pitchFamily="18" charset="0"/>
+                <a:cs typeface="Times New Roman" panose="02020603050405020304" pitchFamily="18" charset="0"/>
+              </a:rPr>
+              <a:t> </a:t>
+            </a:r>
+            <a:r>
+              <a:rPr lang="en-US" dirty="0" err="1">
+                <a:latin typeface="Times New Roman" panose="02020603050405020304" pitchFamily="18" charset="0"/>
+                <a:cs typeface="Times New Roman" panose="02020603050405020304" pitchFamily="18" charset="0"/>
+              </a:rPr>
+              <a:t>án</a:t>
+            </a:r>
+            <a:r>
+              <a:rPr lang="en-US" dirty="0">
+                <a:latin typeface="Times New Roman" panose="02020603050405020304" pitchFamily="18" charset="0"/>
+                <a:cs typeface="Times New Roman" panose="02020603050405020304" pitchFamily="18" charset="0"/>
+              </a:rPr>
+              <a:t> </a:t>
+            </a:r>
+            <a:r>
+              <a:rPr lang="en-US" dirty="0" err="1">
+                <a:latin typeface="Times New Roman" panose="02020603050405020304" pitchFamily="18" charset="0"/>
+                <a:cs typeface="Times New Roman" panose="02020603050405020304" pitchFamily="18" charset="0"/>
+              </a:rPr>
+              <a:t>và</a:t>
+            </a:r>
+            <a:r>
+              <a:rPr lang="en-US" dirty="0">
+                <a:latin typeface="Times New Roman" panose="02020603050405020304" pitchFamily="18" charset="0"/>
+                <a:cs typeface="Times New Roman" panose="02020603050405020304" pitchFamily="18" charset="0"/>
+              </a:rPr>
+              <a:t> JSX</a:t>
+            </a:r>
             <a:endParaRPr lang="en-US" dirty="0">
               <a:latin typeface="Times New Roman" panose="02020603050405020304" pitchFamily="18" charset="0"/>
               <a:cs typeface="Times New Roman" panose="02020603050405020304" pitchFamily="18" charset="0"/>
@@ -4296,6 +4508,616 @@
           <a:bodyPr/>
           <a:lstStyle/>
           <a:p>
+            <a:r>
+              <a:rPr lang="en-US" dirty="0" smtClean="0">
+                <a:latin typeface="Times New Roman" panose="02020603050405020304" pitchFamily="18" charset="0"/>
+                <a:cs typeface="Times New Roman" panose="02020603050405020304" pitchFamily="18" charset="0"/>
+              </a:rPr>
+              <a:t>1. </a:t>
+            </a:r>
+            <a:r>
+              <a:rPr lang="en-US" dirty="0" err="1" smtClean="0">
+                <a:latin typeface="Times New Roman" panose="02020603050405020304" pitchFamily="18" charset="0"/>
+                <a:cs typeface="Times New Roman" panose="02020603050405020304" pitchFamily="18" charset="0"/>
+              </a:rPr>
+              <a:t>Cấu</a:t>
+            </a:r>
+            <a:r>
+              <a:rPr lang="en-US" dirty="0" smtClean="0">
+                <a:latin typeface="Times New Roman" panose="02020603050405020304" pitchFamily="18" charset="0"/>
+                <a:cs typeface="Times New Roman" panose="02020603050405020304" pitchFamily="18" charset="0"/>
+              </a:rPr>
+              <a:t> </a:t>
+            </a:r>
+            <a:r>
+              <a:rPr lang="en-US" dirty="0" err="1" smtClean="0">
+                <a:latin typeface="Times New Roman" panose="02020603050405020304" pitchFamily="18" charset="0"/>
+                <a:cs typeface="Times New Roman" panose="02020603050405020304" pitchFamily="18" charset="0"/>
+              </a:rPr>
+              <a:t>trúc</a:t>
+            </a:r>
+            <a:r>
+              <a:rPr lang="en-US" dirty="0" smtClean="0">
+                <a:latin typeface="Times New Roman" panose="02020603050405020304" pitchFamily="18" charset="0"/>
+                <a:cs typeface="Times New Roman" panose="02020603050405020304" pitchFamily="18" charset="0"/>
+              </a:rPr>
+              <a:t> </a:t>
+            </a:r>
+            <a:r>
+              <a:rPr lang="en-US" dirty="0" err="1" smtClean="0">
+                <a:latin typeface="Times New Roman" panose="02020603050405020304" pitchFamily="18" charset="0"/>
+                <a:cs typeface="Times New Roman" panose="02020603050405020304" pitchFamily="18" charset="0"/>
+              </a:rPr>
+              <a:t>dự</a:t>
+            </a:r>
+            <a:r>
+              <a:rPr lang="en-US" dirty="0" smtClean="0">
+                <a:latin typeface="Times New Roman" panose="02020603050405020304" pitchFamily="18" charset="0"/>
+                <a:cs typeface="Times New Roman" panose="02020603050405020304" pitchFamily="18" charset="0"/>
+              </a:rPr>
+              <a:t> </a:t>
+            </a:r>
+            <a:r>
+              <a:rPr lang="en-US" dirty="0" err="1" smtClean="0">
+                <a:latin typeface="Times New Roman" panose="02020603050405020304" pitchFamily="18" charset="0"/>
+                <a:cs typeface="Times New Roman" panose="02020603050405020304" pitchFamily="18" charset="0"/>
+              </a:rPr>
+              <a:t>án</a:t>
+            </a:r>
+            <a:endParaRPr lang="en-US" dirty="0" smtClean="0">
+              <a:latin typeface="Times New Roman" panose="02020603050405020304" pitchFamily="18" charset="0"/>
+              <a:cs typeface="Times New Roman" panose="02020603050405020304" pitchFamily="18" charset="0"/>
+            </a:endParaRPr>
+          </a:p>
+          <a:p>
+            <a:r>
+              <a:rPr lang="en-US" dirty="0" smtClean="0">
+                <a:latin typeface="Times New Roman" panose="02020603050405020304" pitchFamily="18" charset="0"/>
+                <a:cs typeface="Times New Roman" panose="02020603050405020304" pitchFamily="18" charset="0"/>
+              </a:rPr>
+              <a:t>- Strict mode</a:t>
+            </a:r>
+            <a:endParaRPr lang="en-US" dirty="0" smtClean="0">
+              <a:latin typeface="Times New Roman" panose="02020603050405020304" pitchFamily="18" charset="0"/>
+              <a:cs typeface="Times New Roman" panose="02020603050405020304" pitchFamily="18" charset="0"/>
+            </a:endParaRPr>
+          </a:p>
+          <a:p>
+            <a:r>
+              <a:rPr lang="en-US" dirty="0" smtClean="0">
+                <a:latin typeface="Times New Roman" panose="02020603050405020304" pitchFamily="18" charset="0"/>
+                <a:cs typeface="Times New Roman" panose="02020603050405020304" pitchFamily="18" charset="0"/>
+              </a:rPr>
+              <a:t>2. JSX </a:t>
+            </a:r>
+            <a:r>
+              <a:rPr lang="en-US" dirty="0" err="1" smtClean="0">
+                <a:latin typeface="Times New Roman" panose="02020603050405020304" pitchFamily="18" charset="0"/>
+                <a:cs typeface="Times New Roman" panose="02020603050405020304" pitchFamily="18" charset="0"/>
+              </a:rPr>
+              <a:t>và</a:t>
+            </a:r>
+            <a:r>
+              <a:rPr lang="en-US" dirty="0" smtClean="0">
+                <a:latin typeface="Times New Roman" panose="02020603050405020304" pitchFamily="18" charset="0"/>
+                <a:cs typeface="Times New Roman" panose="02020603050405020304" pitchFamily="18" charset="0"/>
+              </a:rPr>
+              <a:t> props, function component, &lt;&gt;&lt;/&gt;</a:t>
+            </a:r>
+          </a:p>
+          <a:p>
+            <a:r>
+              <a:rPr lang="en-US" dirty="0" smtClean="0">
+                <a:latin typeface="Times New Roman" panose="02020603050405020304" pitchFamily="18" charset="0"/>
+                <a:cs typeface="Times New Roman" panose="02020603050405020304" pitchFamily="18" charset="0"/>
+              </a:rPr>
+              <a:t>- </a:t>
+            </a:r>
+            <a:r>
+              <a:rPr lang="en-US" dirty="0" err="1" smtClean="0">
+                <a:latin typeface="Times New Roman" panose="02020603050405020304" pitchFamily="18" charset="0"/>
+                <a:cs typeface="Times New Roman" panose="02020603050405020304" pitchFamily="18" charset="0"/>
+              </a:rPr>
+              <a:t>Định</a:t>
+            </a:r>
+            <a:r>
+              <a:rPr lang="en-US" dirty="0" smtClean="0">
+                <a:latin typeface="Times New Roman" panose="02020603050405020304" pitchFamily="18" charset="0"/>
+                <a:cs typeface="Times New Roman" panose="02020603050405020304" pitchFamily="18" charset="0"/>
+              </a:rPr>
+              <a:t> </a:t>
+            </a:r>
+            <a:r>
+              <a:rPr lang="en-US" dirty="0" err="1" smtClean="0">
+                <a:latin typeface="Times New Roman" panose="02020603050405020304" pitchFamily="18" charset="0"/>
+                <a:cs typeface="Times New Roman" panose="02020603050405020304" pitchFamily="18" charset="0"/>
+              </a:rPr>
+              <a:t>nghĩa</a:t>
+            </a:r>
+            <a:endParaRPr lang="en-US" dirty="0" smtClean="0">
+              <a:latin typeface="Times New Roman" panose="02020603050405020304" pitchFamily="18" charset="0"/>
+              <a:cs typeface="Times New Roman" panose="02020603050405020304" pitchFamily="18" charset="0"/>
+            </a:endParaRPr>
+          </a:p>
+          <a:p>
+            <a:r>
+              <a:rPr lang="en-US" dirty="0" smtClean="0">
+                <a:latin typeface="Times New Roman" panose="02020603050405020304" pitchFamily="18" charset="0"/>
+                <a:cs typeface="Times New Roman" panose="02020603050405020304" pitchFamily="18" charset="0"/>
+              </a:rPr>
+              <a:t>- </a:t>
+            </a:r>
+            <a:r>
+              <a:rPr lang="en-US" dirty="0" err="1" smtClean="0">
+                <a:latin typeface="Times New Roman" panose="02020603050405020304" pitchFamily="18" charset="0"/>
+                <a:cs typeface="Times New Roman" panose="02020603050405020304" pitchFamily="18" charset="0"/>
+              </a:rPr>
+              <a:t>Nhúng</a:t>
+            </a:r>
+            <a:r>
+              <a:rPr lang="en-US" dirty="0" smtClean="0">
+                <a:latin typeface="Times New Roman" panose="02020603050405020304" pitchFamily="18" charset="0"/>
+                <a:cs typeface="Times New Roman" panose="02020603050405020304" pitchFamily="18" charset="0"/>
+              </a:rPr>
+              <a:t> </a:t>
+            </a:r>
+            <a:r>
+              <a:rPr lang="en-US" dirty="0" err="1" smtClean="0">
+                <a:latin typeface="Times New Roman" panose="02020603050405020304" pitchFamily="18" charset="0"/>
+                <a:cs typeface="Times New Roman" panose="02020603050405020304" pitchFamily="18" charset="0"/>
+              </a:rPr>
+              <a:t>biểu</a:t>
+            </a:r>
+            <a:r>
+              <a:rPr lang="en-US" dirty="0" smtClean="0">
+                <a:latin typeface="Times New Roman" panose="02020603050405020304" pitchFamily="18" charset="0"/>
+                <a:cs typeface="Times New Roman" panose="02020603050405020304" pitchFamily="18" charset="0"/>
+              </a:rPr>
+              <a:t> </a:t>
+            </a:r>
+            <a:r>
+              <a:rPr lang="en-US" dirty="0" err="1" smtClean="0">
+                <a:latin typeface="Times New Roman" panose="02020603050405020304" pitchFamily="18" charset="0"/>
+                <a:cs typeface="Times New Roman" panose="02020603050405020304" pitchFamily="18" charset="0"/>
+              </a:rPr>
+              <a:t>thức</a:t>
+            </a:r>
+            <a:r>
+              <a:rPr lang="en-US" dirty="0" smtClean="0">
+                <a:latin typeface="Times New Roman" panose="02020603050405020304" pitchFamily="18" charset="0"/>
+                <a:cs typeface="Times New Roman" panose="02020603050405020304" pitchFamily="18" charset="0"/>
+              </a:rPr>
+              <a:t>, </a:t>
+            </a:r>
+            <a:r>
+              <a:rPr lang="en-US" dirty="0" err="1" smtClean="0">
+                <a:latin typeface="Times New Roman" panose="02020603050405020304" pitchFamily="18" charset="0"/>
+                <a:cs typeface="Times New Roman" panose="02020603050405020304" pitchFamily="18" charset="0"/>
+              </a:rPr>
+              <a:t>sử</a:t>
+            </a:r>
+            <a:r>
+              <a:rPr lang="en-US" dirty="0" smtClean="0">
+                <a:latin typeface="Times New Roman" panose="02020603050405020304" pitchFamily="18" charset="0"/>
+                <a:cs typeface="Times New Roman" panose="02020603050405020304" pitchFamily="18" charset="0"/>
+              </a:rPr>
+              <a:t> </a:t>
+            </a:r>
+            <a:r>
+              <a:rPr lang="en-US" dirty="0" err="1" smtClean="0">
+                <a:latin typeface="Times New Roman" panose="02020603050405020304" pitchFamily="18" charset="0"/>
+                <a:cs typeface="Times New Roman" panose="02020603050405020304" pitchFamily="18" charset="0"/>
+              </a:rPr>
+              <a:t>dụng</a:t>
+            </a:r>
+            <a:r>
+              <a:rPr lang="en-US" dirty="0" smtClean="0">
+                <a:latin typeface="Times New Roman" panose="02020603050405020304" pitchFamily="18" charset="0"/>
+                <a:cs typeface="Times New Roman" panose="02020603050405020304" pitchFamily="18" charset="0"/>
+              </a:rPr>
+              <a:t> </a:t>
+            </a:r>
+            <a:r>
+              <a:rPr lang="en-US" dirty="0" err="1" smtClean="0">
+                <a:latin typeface="Times New Roman" panose="02020603050405020304" pitchFamily="18" charset="0"/>
+                <a:cs typeface="Times New Roman" panose="02020603050405020304" pitchFamily="18" charset="0"/>
+              </a:rPr>
+              <a:t>toán</a:t>
+            </a:r>
+            <a:r>
+              <a:rPr lang="en-US" dirty="0" smtClean="0">
+                <a:latin typeface="Times New Roman" panose="02020603050405020304" pitchFamily="18" charset="0"/>
+                <a:cs typeface="Times New Roman" panose="02020603050405020304" pitchFamily="18" charset="0"/>
+              </a:rPr>
+              <a:t> </a:t>
+            </a:r>
+            <a:r>
+              <a:rPr lang="en-US" dirty="0" err="1" smtClean="0">
+                <a:latin typeface="Times New Roman" panose="02020603050405020304" pitchFamily="18" charset="0"/>
+                <a:cs typeface="Times New Roman" panose="02020603050405020304" pitchFamily="18" charset="0"/>
+              </a:rPr>
+              <a:t>tử</a:t>
+            </a:r>
+            <a:r>
+              <a:rPr lang="en-US" dirty="0" smtClean="0">
+                <a:latin typeface="Times New Roman" panose="02020603050405020304" pitchFamily="18" charset="0"/>
+                <a:cs typeface="Times New Roman" panose="02020603050405020304" pitchFamily="18" charset="0"/>
+              </a:rPr>
+              <a:t> &amp;&amp;, ? :</a:t>
+            </a:r>
+          </a:p>
+          <a:p>
+            <a:r>
+              <a:rPr lang="en-US" dirty="0" smtClean="0">
+                <a:latin typeface="Times New Roman" panose="02020603050405020304" pitchFamily="18" charset="0"/>
+                <a:cs typeface="Times New Roman" panose="02020603050405020304" pitchFamily="18" charset="0"/>
+              </a:rPr>
+              <a:t>- </a:t>
+            </a:r>
+            <a:r>
+              <a:rPr lang="en-US" dirty="0" err="1" smtClean="0">
+                <a:latin typeface="Times New Roman" panose="02020603050405020304" pitchFamily="18" charset="0"/>
+                <a:cs typeface="Times New Roman" panose="02020603050405020304" pitchFamily="18" charset="0"/>
+              </a:rPr>
+              <a:t>Chống</a:t>
+            </a:r>
+            <a:r>
+              <a:rPr lang="en-US" dirty="0" smtClean="0">
+                <a:latin typeface="Times New Roman" panose="02020603050405020304" pitchFamily="18" charset="0"/>
+                <a:cs typeface="Times New Roman" panose="02020603050405020304" pitchFamily="18" charset="0"/>
+              </a:rPr>
+              <a:t> </a:t>
+            </a:r>
+            <a:r>
+              <a:rPr lang="en-US" dirty="0" err="1" smtClean="0">
+                <a:latin typeface="Times New Roman" panose="02020603050405020304" pitchFamily="18" charset="0"/>
+                <a:cs typeface="Times New Roman" panose="02020603050405020304" pitchFamily="18" charset="0"/>
+              </a:rPr>
+              <a:t>tấn</a:t>
+            </a:r>
+            <a:r>
+              <a:rPr lang="en-US" dirty="0" smtClean="0">
+                <a:latin typeface="Times New Roman" panose="02020603050405020304" pitchFamily="18" charset="0"/>
+                <a:cs typeface="Times New Roman" panose="02020603050405020304" pitchFamily="18" charset="0"/>
+              </a:rPr>
+              <a:t> </a:t>
+            </a:r>
+            <a:r>
+              <a:rPr lang="en-US" dirty="0" err="1" smtClean="0">
+                <a:latin typeface="Times New Roman" panose="02020603050405020304" pitchFamily="18" charset="0"/>
+                <a:cs typeface="Times New Roman" panose="02020603050405020304" pitchFamily="18" charset="0"/>
+              </a:rPr>
+              <a:t>công</a:t>
+            </a:r>
+            <a:r>
+              <a:rPr lang="en-US" dirty="0" smtClean="0">
+                <a:latin typeface="Times New Roman" panose="02020603050405020304" pitchFamily="18" charset="0"/>
+                <a:cs typeface="Times New Roman" panose="02020603050405020304" pitchFamily="18" charset="0"/>
+              </a:rPr>
+              <a:t> Injection</a:t>
+            </a:r>
+          </a:p>
+          <a:p>
+            <a:r>
+              <a:rPr lang="en-US" dirty="0" smtClean="0">
+                <a:latin typeface="Times New Roman" panose="02020603050405020304" pitchFamily="18" charset="0"/>
+                <a:cs typeface="Times New Roman" panose="02020603050405020304" pitchFamily="18" charset="0"/>
+              </a:rPr>
+              <a:t>- </a:t>
+            </a:r>
+            <a:r>
+              <a:rPr lang="en-US" dirty="0" err="1" smtClean="0">
+                <a:latin typeface="Times New Roman" panose="02020603050405020304" pitchFamily="18" charset="0"/>
+                <a:cs typeface="Times New Roman" panose="02020603050405020304" pitchFamily="18" charset="0"/>
+              </a:rPr>
+              <a:t>Quy</a:t>
+            </a:r>
+            <a:r>
+              <a:rPr lang="en-US" dirty="0" smtClean="0">
+                <a:latin typeface="Times New Roman" panose="02020603050405020304" pitchFamily="18" charset="0"/>
+                <a:cs typeface="Times New Roman" panose="02020603050405020304" pitchFamily="18" charset="0"/>
+              </a:rPr>
+              <a:t> </a:t>
+            </a:r>
+            <a:r>
+              <a:rPr lang="en-US" dirty="0" err="1" smtClean="0">
+                <a:latin typeface="Times New Roman" panose="02020603050405020304" pitchFamily="18" charset="0"/>
+                <a:cs typeface="Times New Roman" panose="02020603050405020304" pitchFamily="18" charset="0"/>
+              </a:rPr>
+              <a:t>tắc</a:t>
+            </a:r>
+            <a:r>
+              <a:rPr lang="en-US" dirty="0" smtClean="0">
+                <a:latin typeface="Times New Roman" panose="02020603050405020304" pitchFamily="18" charset="0"/>
+                <a:cs typeface="Times New Roman" panose="02020603050405020304" pitchFamily="18" charset="0"/>
+              </a:rPr>
+              <a:t> </a:t>
+            </a:r>
+            <a:r>
+              <a:rPr lang="en-US" dirty="0" err="1" smtClean="0">
+                <a:latin typeface="Times New Roman" panose="02020603050405020304" pitchFamily="18" charset="0"/>
+                <a:cs typeface="Times New Roman" panose="02020603050405020304" pitchFamily="18" charset="0"/>
+              </a:rPr>
+              <a:t>đặt</a:t>
+            </a:r>
+            <a:r>
+              <a:rPr lang="en-US" dirty="0" smtClean="0">
+                <a:latin typeface="Times New Roman" panose="02020603050405020304" pitchFamily="18" charset="0"/>
+                <a:cs typeface="Times New Roman" panose="02020603050405020304" pitchFamily="18" charset="0"/>
+              </a:rPr>
+              <a:t> </a:t>
+            </a:r>
+            <a:r>
+              <a:rPr lang="en-US" dirty="0" err="1" smtClean="0">
+                <a:latin typeface="Times New Roman" panose="02020603050405020304" pitchFamily="18" charset="0"/>
+                <a:cs typeface="Times New Roman" panose="02020603050405020304" pitchFamily="18" charset="0"/>
+              </a:rPr>
+              <a:t>tên</a:t>
+            </a:r>
+            <a:r>
+              <a:rPr lang="en-US" dirty="0" smtClean="0">
+                <a:latin typeface="Times New Roman" panose="02020603050405020304" pitchFamily="18" charset="0"/>
+                <a:cs typeface="Times New Roman" panose="02020603050405020304" pitchFamily="18" charset="0"/>
+              </a:rPr>
+              <a:t> class -&gt; </a:t>
+            </a:r>
+            <a:r>
+              <a:rPr lang="en-US" dirty="0" err="1" smtClean="0">
+                <a:latin typeface="Times New Roman" panose="02020603050405020304" pitchFamily="18" charset="0"/>
+                <a:cs typeface="Times New Roman" panose="02020603050405020304" pitchFamily="18" charset="0"/>
+              </a:rPr>
+              <a:t>className</a:t>
+            </a:r>
+            <a:endParaRPr lang="en-US" dirty="0" smtClean="0">
+              <a:latin typeface="Times New Roman" panose="02020603050405020304" pitchFamily="18" charset="0"/>
+              <a:cs typeface="Times New Roman" panose="02020603050405020304" pitchFamily="18" charset="0"/>
+            </a:endParaRPr>
+          </a:p>
+          <a:p>
+            <a:r>
+              <a:rPr lang="en-US" dirty="0" smtClean="0">
+                <a:latin typeface="Times New Roman" panose="02020603050405020304" pitchFamily="18" charset="0"/>
+                <a:cs typeface="Times New Roman" panose="02020603050405020304" pitchFamily="18" charset="0"/>
+              </a:rPr>
+              <a:t>- </a:t>
+            </a:r>
+            <a:r>
+              <a:rPr lang="en-US" dirty="0" err="1" smtClean="0">
+                <a:latin typeface="Times New Roman" panose="02020603050405020304" pitchFamily="18" charset="0"/>
+                <a:cs typeface="Times New Roman" panose="02020603050405020304" pitchFamily="18" charset="0"/>
+              </a:rPr>
+              <a:t>chỉ</a:t>
+            </a:r>
+            <a:r>
+              <a:rPr lang="en-US" dirty="0" smtClean="0">
+                <a:latin typeface="Times New Roman" panose="02020603050405020304" pitchFamily="18" charset="0"/>
+                <a:cs typeface="Times New Roman" panose="02020603050405020304" pitchFamily="18" charset="0"/>
+              </a:rPr>
+              <a:t> </a:t>
+            </a:r>
+            <a:r>
+              <a:rPr lang="en-US" dirty="0" err="1" smtClean="0">
+                <a:latin typeface="Times New Roman" panose="02020603050405020304" pitchFamily="18" charset="0"/>
+                <a:cs typeface="Times New Roman" panose="02020603050405020304" pitchFamily="18" charset="0"/>
+              </a:rPr>
+              <a:t>cập</a:t>
+            </a:r>
+            <a:r>
+              <a:rPr lang="en-US" dirty="0" smtClean="0">
+                <a:latin typeface="Times New Roman" panose="02020603050405020304" pitchFamily="18" charset="0"/>
+                <a:cs typeface="Times New Roman" panose="02020603050405020304" pitchFamily="18" charset="0"/>
+              </a:rPr>
+              <a:t> </a:t>
+            </a:r>
+            <a:r>
+              <a:rPr lang="en-US" dirty="0" err="1" smtClean="0">
+                <a:latin typeface="Times New Roman" panose="02020603050405020304" pitchFamily="18" charset="0"/>
+                <a:cs typeface="Times New Roman" panose="02020603050405020304" pitchFamily="18" charset="0"/>
+              </a:rPr>
+              <a:t>nhật</a:t>
+            </a:r>
+            <a:r>
+              <a:rPr lang="en-US" dirty="0" smtClean="0">
+                <a:latin typeface="Times New Roman" panose="02020603050405020304" pitchFamily="18" charset="0"/>
+                <a:cs typeface="Times New Roman" panose="02020603050405020304" pitchFamily="18" charset="0"/>
+              </a:rPr>
+              <a:t> </a:t>
+            </a:r>
+            <a:r>
+              <a:rPr lang="en-US" dirty="0" err="1" smtClean="0">
+                <a:latin typeface="Times New Roman" panose="02020603050405020304" pitchFamily="18" charset="0"/>
+                <a:cs typeface="Times New Roman" panose="02020603050405020304" pitchFamily="18" charset="0"/>
+              </a:rPr>
+              <a:t>những</a:t>
+            </a:r>
+            <a:r>
+              <a:rPr lang="en-US" dirty="0" smtClean="0">
+                <a:latin typeface="Times New Roman" panose="02020603050405020304" pitchFamily="18" charset="0"/>
+                <a:cs typeface="Times New Roman" panose="02020603050405020304" pitchFamily="18" charset="0"/>
+              </a:rPr>
+              <a:t> </a:t>
+            </a:r>
+            <a:r>
+              <a:rPr lang="en-US" dirty="0" err="1" smtClean="0">
+                <a:latin typeface="Times New Roman" panose="02020603050405020304" pitchFamily="18" charset="0"/>
+                <a:cs typeface="Times New Roman" panose="02020603050405020304" pitchFamily="18" charset="0"/>
+              </a:rPr>
+              <a:t>gì</a:t>
+            </a:r>
+            <a:r>
+              <a:rPr lang="en-US" dirty="0" smtClean="0">
+                <a:latin typeface="Times New Roman" panose="02020603050405020304" pitchFamily="18" charset="0"/>
+                <a:cs typeface="Times New Roman" panose="02020603050405020304" pitchFamily="18" charset="0"/>
+              </a:rPr>
+              <a:t> </a:t>
+            </a:r>
+            <a:r>
+              <a:rPr lang="en-US" dirty="0" err="1" smtClean="0">
+                <a:latin typeface="Times New Roman" panose="02020603050405020304" pitchFamily="18" charset="0"/>
+                <a:cs typeface="Times New Roman" panose="02020603050405020304" pitchFamily="18" charset="0"/>
+              </a:rPr>
+              <a:t>cần</a:t>
+            </a:r>
+            <a:r>
+              <a:rPr lang="en-US" dirty="0" smtClean="0">
+                <a:latin typeface="Times New Roman" panose="02020603050405020304" pitchFamily="18" charset="0"/>
+                <a:cs typeface="Times New Roman" panose="02020603050405020304" pitchFamily="18" charset="0"/>
+              </a:rPr>
+              <a:t> </a:t>
+            </a:r>
+            <a:r>
+              <a:rPr lang="en-US" dirty="0" err="1" smtClean="0">
+                <a:latin typeface="Times New Roman" panose="02020603050405020304" pitchFamily="18" charset="0"/>
+                <a:cs typeface="Times New Roman" panose="02020603050405020304" pitchFamily="18" charset="0"/>
+              </a:rPr>
+              <a:t>thiết</a:t>
+            </a:r>
+            <a:endParaRPr lang="en-US" dirty="0" smtClean="0">
+              <a:latin typeface="Times New Roman" panose="02020603050405020304" pitchFamily="18" charset="0"/>
+              <a:cs typeface="Times New Roman" panose="02020603050405020304" pitchFamily="18" charset="0"/>
+            </a:endParaRPr>
+          </a:p>
+          <a:p>
+            <a:r>
+              <a:rPr lang="en-US" dirty="0" smtClean="0">
+                <a:latin typeface="Times New Roman" panose="02020603050405020304" pitchFamily="18" charset="0"/>
+                <a:cs typeface="Times New Roman" panose="02020603050405020304" pitchFamily="18" charset="0"/>
+              </a:rPr>
+              <a:t>- </a:t>
+            </a:r>
+            <a:r>
+              <a:rPr lang="en-US" dirty="0" err="1" smtClean="0">
+                <a:latin typeface="Times New Roman" panose="02020603050405020304" pitchFamily="18" charset="0"/>
+                <a:cs typeface="Times New Roman" panose="02020603050405020304" pitchFamily="18" charset="0"/>
+              </a:rPr>
+              <a:t>ví</a:t>
+            </a:r>
+            <a:r>
+              <a:rPr lang="en-US" dirty="0" smtClean="0">
+                <a:latin typeface="Times New Roman" panose="02020603050405020304" pitchFamily="18" charset="0"/>
+                <a:cs typeface="Times New Roman" panose="02020603050405020304" pitchFamily="18" charset="0"/>
+              </a:rPr>
+              <a:t> </a:t>
+            </a:r>
+            <a:r>
+              <a:rPr lang="en-US" dirty="0" err="1" smtClean="0">
+                <a:latin typeface="Times New Roman" panose="02020603050405020304" pitchFamily="18" charset="0"/>
+                <a:cs typeface="Times New Roman" panose="02020603050405020304" pitchFamily="18" charset="0"/>
+              </a:rPr>
+              <a:t>dụ</a:t>
+            </a:r>
+            <a:r>
+              <a:rPr lang="en-US" dirty="0" smtClean="0">
+                <a:latin typeface="Times New Roman" panose="02020603050405020304" pitchFamily="18" charset="0"/>
+                <a:cs typeface="Times New Roman" panose="02020603050405020304" pitchFamily="18" charset="0"/>
+              </a:rPr>
+              <a:t>: </a:t>
+            </a:r>
+            <a:r>
+              <a:rPr lang="en-US" dirty="0" err="1" smtClean="0">
+                <a:latin typeface="Times New Roman" panose="02020603050405020304" pitchFamily="18" charset="0"/>
+                <a:cs typeface="Times New Roman" panose="02020603050405020304" pitchFamily="18" charset="0"/>
+              </a:rPr>
+              <a:t>trước</a:t>
+            </a:r>
+            <a:r>
+              <a:rPr lang="en-US" dirty="0" smtClean="0">
+                <a:latin typeface="Times New Roman" panose="02020603050405020304" pitchFamily="18" charset="0"/>
+                <a:cs typeface="Times New Roman" panose="02020603050405020304" pitchFamily="18" charset="0"/>
+              </a:rPr>
+              <a:t> html </a:t>
+            </a:r>
+            <a:r>
+              <a:rPr lang="en-US" dirty="0" err="1" smtClean="0">
+                <a:latin typeface="Times New Roman" panose="02020603050405020304" pitchFamily="18" charset="0"/>
+                <a:cs typeface="Times New Roman" panose="02020603050405020304" pitchFamily="18" charset="0"/>
+              </a:rPr>
+              <a:t>tách</a:t>
+            </a:r>
+            <a:r>
+              <a:rPr lang="en-US" dirty="0" smtClean="0">
+                <a:latin typeface="Times New Roman" panose="02020603050405020304" pitchFamily="18" charset="0"/>
+                <a:cs typeface="Times New Roman" panose="02020603050405020304" pitchFamily="18" charset="0"/>
+              </a:rPr>
+              <a:t> </a:t>
+            </a:r>
+            <a:r>
+              <a:rPr lang="en-US" dirty="0" err="1" smtClean="0">
+                <a:latin typeface="Times New Roman" panose="02020603050405020304" pitchFamily="18" charset="0"/>
+                <a:cs typeface="Times New Roman" panose="02020603050405020304" pitchFamily="18" charset="0"/>
+              </a:rPr>
+              <a:t>biệt</a:t>
+            </a:r>
+            <a:r>
+              <a:rPr lang="en-US" dirty="0" smtClean="0">
+                <a:latin typeface="Times New Roman" panose="02020603050405020304" pitchFamily="18" charset="0"/>
+                <a:cs typeface="Times New Roman" panose="02020603050405020304" pitchFamily="18" charset="0"/>
+              </a:rPr>
+              <a:t> </a:t>
+            </a:r>
+            <a:r>
+              <a:rPr lang="en-US" dirty="0" err="1" smtClean="0">
+                <a:latin typeface="Times New Roman" panose="02020603050405020304" pitchFamily="18" charset="0"/>
+                <a:cs typeface="Times New Roman" panose="02020603050405020304" pitchFamily="18" charset="0"/>
+              </a:rPr>
+              <a:t>với</a:t>
+            </a:r>
+            <a:r>
+              <a:rPr lang="en-US" dirty="0" smtClean="0">
+                <a:latin typeface="Times New Roman" panose="02020603050405020304" pitchFamily="18" charset="0"/>
+                <a:cs typeface="Times New Roman" panose="02020603050405020304" pitchFamily="18" charset="0"/>
+              </a:rPr>
+              <a:t> </a:t>
+            </a:r>
+            <a:r>
+              <a:rPr lang="en-US" dirty="0" err="1" smtClean="0">
+                <a:latin typeface="Times New Roman" panose="02020603050405020304" pitchFamily="18" charset="0"/>
+                <a:cs typeface="Times New Roman" panose="02020603050405020304" pitchFamily="18" charset="0"/>
+              </a:rPr>
+              <a:t>js</a:t>
+            </a:r>
+            <a:r>
+              <a:rPr lang="en-US" dirty="0" smtClean="0">
+                <a:latin typeface="Times New Roman" panose="02020603050405020304" pitchFamily="18" charset="0"/>
+                <a:cs typeface="Times New Roman" panose="02020603050405020304" pitchFamily="18" charset="0"/>
+              </a:rPr>
+              <a:t>, nay </a:t>
+            </a:r>
+            <a:r>
+              <a:rPr lang="en-US" dirty="0" err="1" smtClean="0">
+                <a:latin typeface="Times New Roman" panose="02020603050405020304" pitchFamily="18" charset="0"/>
+                <a:cs typeface="Times New Roman" panose="02020603050405020304" pitchFamily="18" charset="0"/>
+              </a:rPr>
+              <a:t>thì</a:t>
+            </a:r>
+            <a:r>
+              <a:rPr lang="en-US" dirty="0" smtClean="0">
+                <a:latin typeface="Times New Roman" panose="02020603050405020304" pitchFamily="18" charset="0"/>
+                <a:cs typeface="Times New Roman" panose="02020603050405020304" pitchFamily="18" charset="0"/>
+              </a:rPr>
+              <a:t> </a:t>
+            </a:r>
+            <a:r>
+              <a:rPr lang="en-US" dirty="0" err="1" smtClean="0">
+                <a:latin typeface="Times New Roman" panose="02020603050405020304" pitchFamily="18" charset="0"/>
+                <a:cs typeface="Times New Roman" panose="02020603050405020304" pitchFamily="18" charset="0"/>
+              </a:rPr>
+              <a:t>viết</a:t>
+            </a:r>
+            <a:r>
+              <a:rPr lang="en-US" dirty="0" smtClean="0">
+                <a:latin typeface="Times New Roman" panose="02020603050405020304" pitchFamily="18" charset="0"/>
+                <a:cs typeface="Times New Roman" panose="02020603050405020304" pitchFamily="18" charset="0"/>
+              </a:rPr>
+              <a:t> </a:t>
+            </a:r>
+            <a:r>
+              <a:rPr lang="en-US" dirty="0" err="1" smtClean="0">
+                <a:latin typeface="Times New Roman" panose="02020603050405020304" pitchFamily="18" charset="0"/>
+                <a:cs typeface="Times New Roman" panose="02020603050405020304" pitchFamily="18" charset="0"/>
+              </a:rPr>
+              <a:t>chung</a:t>
+            </a:r>
             <a:endParaRPr lang="en-US" dirty="0">
               <a:latin typeface="Times New Roman" panose="02020603050405020304" pitchFamily="18" charset="0"/>
               <a:cs typeface="Times New Roman" panose="02020603050405020304" pitchFamily="18" charset="0"/>
@@ -4348,6 +5170,13 @@
           <a:bodyPr/>
           <a:lstStyle/>
           <a:p>
+            <a:r>
+              <a:rPr lang="en-US" dirty="0">
+                <a:latin typeface="Times New Roman" panose="02020603050405020304" pitchFamily="18" charset="0"/>
+                <a:cs typeface="Times New Roman" panose="02020603050405020304" pitchFamily="18" charset="0"/>
+              </a:rPr>
+              <a:t>React hooks</a:t>
+            </a:r>
             <a:endParaRPr lang="en-US" dirty="0">
               <a:latin typeface="Times New Roman" panose="02020603050405020304" pitchFamily="18" charset="0"/>
               <a:cs typeface="Times New Roman" panose="02020603050405020304" pitchFamily="18" charset="0"/>
@@ -4370,10 +5199,453 @@
           <a:bodyPr/>
           <a:lstStyle/>
           <a:p>
+            <a:r>
+              <a:rPr lang="en-US" dirty="0" smtClean="0">
+                <a:latin typeface="Times New Roman" panose="02020603050405020304" pitchFamily="18" charset="0"/>
+                <a:cs typeface="Times New Roman" panose="02020603050405020304" pitchFamily="18" charset="0"/>
+              </a:rPr>
+              <a:t>- </a:t>
+            </a:r>
+            <a:r>
+              <a:rPr lang="en-US" dirty="0" err="1" smtClean="0">
+                <a:latin typeface="Times New Roman" panose="02020603050405020304" pitchFamily="18" charset="0"/>
+                <a:cs typeface="Times New Roman" panose="02020603050405020304" pitchFamily="18" charset="0"/>
+              </a:rPr>
+              <a:t>Giới</a:t>
+            </a:r>
+            <a:r>
+              <a:rPr lang="en-US" dirty="0" smtClean="0">
+                <a:latin typeface="Times New Roman" panose="02020603050405020304" pitchFamily="18" charset="0"/>
+                <a:cs typeface="Times New Roman" panose="02020603050405020304" pitchFamily="18" charset="0"/>
+              </a:rPr>
+              <a:t> </a:t>
+            </a:r>
+            <a:r>
+              <a:rPr lang="en-US" dirty="0" err="1" smtClean="0">
+                <a:latin typeface="Times New Roman" panose="02020603050405020304" pitchFamily="18" charset="0"/>
+                <a:cs typeface="Times New Roman" panose="02020603050405020304" pitchFamily="18" charset="0"/>
+              </a:rPr>
+              <a:t>thiệu</a:t>
+            </a:r>
+            <a:r>
+              <a:rPr lang="en-US" dirty="0" smtClean="0">
+                <a:latin typeface="Times New Roman" panose="02020603050405020304" pitchFamily="18" charset="0"/>
+                <a:cs typeface="Times New Roman" panose="02020603050405020304" pitchFamily="18" charset="0"/>
+              </a:rPr>
+              <a:t>, </a:t>
+            </a:r>
+            <a:r>
+              <a:rPr lang="en-US" dirty="0" err="1" smtClean="0">
+                <a:latin typeface="Times New Roman" panose="02020603050405020304" pitchFamily="18" charset="0"/>
+                <a:cs typeface="Times New Roman" panose="02020603050405020304" pitchFamily="18" charset="0"/>
+              </a:rPr>
+              <a:t>ghi</a:t>
+            </a:r>
+            <a:r>
+              <a:rPr lang="en-US" dirty="0" smtClean="0">
+                <a:latin typeface="Times New Roman" panose="02020603050405020304" pitchFamily="18" charset="0"/>
+                <a:cs typeface="Times New Roman" panose="02020603050405020304" pitchFamily="18" charset="0"/>
+              </a:rPr>
+              <a:t> </a:t>
+            </a:r>
+            <a:r>
+              <a:rPr lang="en-US" dirty="0" err="1" smtClean="0">
+                <a:latin typeface="Times New Roman" panose="02020603050405020304" pitchFamily="18" charset="0"/>
+                <a:cs typeface="Times New Roman" panose="02020603050405020304" pitchFamily="18" charset="0"/>
+              </a:rPr>
+              <a:t>chú</a:t>
+            </a:r>
+            <a:endParaRPr lang="en-US" dirty="0" smtClean="0">
+              <a:latin typeface="Times New Roman" panose="02020603050405020304" pitchFamily="18" charset="0"/>
+              <a:cs typeface="Times New Roman" panose="02020603050405020304" pitchFamily="18" charset="0"/>
+            </a:endParaRPr>
+          </a:p>
+          <a:p>
+            <a:r>
+              <a:rPr lang="en-US" dirty="0" smtClean="0">
+                <a:latin typeface="Times New Roman" panose="02020603050405020304" pitchFamily="18" charset="0"/>
+                <a:cs typeface="Times New Roman" panose="02020603050405020304" pitchFamily="18" charset="0"/>
+              </a:rPr>
+              <a:t>- </a:t>
+            </a:r>
+            <a:r>
+              <a:rPr lang="en-US" dirty="0" err="1" smtClean="0">
+                <a:latin typeface="Times New Roman" panose="02020603050405020304" pitchFamily="18" charset="0"/>
+                <a:cs typeface="Times New Roman" panose="02020603050405020304" pitchFamily="18" charset="0"/>
+              </a:rPr>
+              <a:t>useState</a:t>
+            </a:r>
+            <a:r>
+              <a:rPr lang="en-US" dirty="0" smtClean="0">
+                <a:latin typeface="Times New Roman" panose="02020603050405020304" pitchFamily="18" charset="0"/>
+                <a:cs typeface="Times New Roman" panose="02020603050405020304" pitchFamily="18" charset="0"/>
+              </a:rPr>
+              <a:t>: </a:t>
+            </a:r>
+            <a:r>
+              <a:rPr lang="en-US" dirty="0" err="1" smtClean="0">
+                <a:latin typeface="Times New Roman" panose="02020603050405020304" pitchFamily="18" charset="0"/>
+                <a:cs typeface="Times New Roman" panose="02020603050405020304" pitchFamily="18" charset="0"/>
+              </a:rPr>
+              <a:t>ví</a:t>
+            </a:r>
+            <a:r>
+              <a:rPr lang="en-US" dirty="0" smtClean="0">
+                <a:latin typeface="Times New Roman" panose="02020603050405020304" pitchFamily="18" charset="0"/>
+                <a:cs typeface="Times New Roman" panose="02020603050405020304" pitchFamily="18" charset="0"/>
+              </a:rPr>
+              <a:t> </a:t>
+            </a:r>
+            <a:r>
+              <a:rPr lang="en-US" dirty="0" err="1" smtClean="0">
+                <a:latin typeface="Times New Roman" panose="02020603050405020304" pitchFamily="18" charset="0"/>
+                <a:cs typeface="Times New Roman" panose="02020603050405020304" pitchFamily="18" charset="0"/>
+              </a:rPr>
+              <a:t>dụ</a:t>
+            </a:r>
+            <a:r>
+              <a:rPr lang="en-US" dirty="0" smtClean="0">
+                <a:latin typeface="Times New Roman" panose="02020603050405020304" pitchFamily="18" charset="0"/>
+                <a:cs typeface="Times New Roman" panose="02020603050405020304" pitchFamily="18" charset="0"/>
+              </a:rPr>
+              <a:t> click count </a:t>
+            </a:r>
+            <a:r>
+              <a:rPr lang="en-US" dirty="0" err="1" smtClean="0">
+                <a:latin typeface="Times New Roman" panose="02020603050405020304" pitchFamily="18" charset="0"/>
+                <a:cs typeface="Times New Roman" panose="02020603050405020304" pitchFamily="18" charset="0"/>
+              </a:rPr>
+              <a:t>nhiều</a:t>
+            </a:r>
+            <a:r>
+              <a:rPr lang="en-US" dirty="0" smtClean="0">
+                <a:latin typeface="Times New Roman" panose="02020603050405020304" pitchFamily="18" charset="0"/>
+                <a:cs typeface="Times New Roman" panose="02020603050405020304" pitchFamily="18" charset="0"/>
+              </a:rPr>
+              <a:t> </a:t>
+            </a:r>
+            <a:r>
+              <a:rPr lang="en-US" dirty="0" err="1" smtClean="0">
+                <a:latin typeface="Times New Roman" panose="02020603050405020304" pitchFamily="18" charset="0"/>
+                <a:cs typeface="Times New Roman" panose="02020603050405020304" pitchFamily="18" charset="0"/>
+              </a:rPr>
+              <a:t>lần</a:t>
+            </a:r>
+            <a:r>
+              <a:rPr lang="en-US" dirty="0" smtClean="0">
+                <a:latin typeface="Times New Roman" panose="02020603050405020304" pitchFamily="18" charset="0"/>
+                <a:cs typeface="Times New Roman" panose="02020603050405020304" pitchFamily="18" charset="0"/>
+              </a:rPr>
+              <a:t>, </a:t>
+            </a:r>
+            <a:r>
+              <a:rPr lang="en-US" dirty="0" err="1" smtClean="0">
+                <a:latin typeface="Times New Roman" panose="02020603050405020304" pitchFamily="18" charset="0"/>
+                <a:cs typeface="Times New Roman" panose="02020603050405020304" pitchFamily="18" charset="0"/>
+              </a:rPr>
+              <a:t>cập</a:t>
+            </a:r>
+            <a:r>
+              <a:rPr lang="en-US" dirty="0" smtClean="0">
+                <a:latin typeface="Times New Roman" panose="02020603050405020304" pitchFamily="18" charset="0"/>
+                <a:cs typeface="Times New Roman" panose="02020603050405020304" pitchFamily="18" charset="0"/>
+              </a:rPr>
+              <a:t> </a:t>
+            </a:r>
+            <a:r>
+              <a:rPr lang="en-US" dirty="0" err="1" smtClean="0">
+                <a:latin typeface="Times New Roman" panose="02020603050405020304" pitchFamily="18" charset="0"/>
+                <a:cs typeface="Times New Roman" panose="02020603050405020304" pitchFamily="18" charset="0"/>
+              </a:rPr>
+              <a:t>nhật</a:t>
+            </a:r>
+            <a:r>
+              <a:rPr lang="en-US" dirty="0" smtClean="0">
+                <a:latin typeface="Times New Roman" panose="02020603050405020304" pitchFamily="18" charset="0"/>
+                <a:cs typeface="Times New Roman" panose="02020603050405020304" pitchFamily="18" charset="0"/>
+              </a:rPr>
+              <a:t> state vs </a:t>
+            </a:r>
+            <a:r>
+              <a:rPr lang="en-US" dirty="0" err="1" smtClean="0">
+                <a:latin typeface="Times New Roman" panose="02020603050405020304" pitchFamily="18" charset="0"/>
+                <a:cs typeface="Times New Roman" panose="02020603050405020304" pitchFamily="18" charset="0"/>
+              </a:rPr>
+              <a:t>preState</a:t>
+            </a:r>
+            <a:endParaRPr lang="en-US" dirty="0" smtClean="0">
+              <a:latin typeface="Times New Roman" panose="02020603050405020304" pitchFamily="18" charset="0"/>
+              <a:cs typeface="Times New Roman" panose="02020603050405020304" pitchFamily="18" charset="0"/>
+            </a:endParaRPr>
+          </a:p>
+          <a:p>
+            <a:r>
+              <a:rPr lang="en-US" dirty="0" smtClean="0">
+                <a:latin typeface="Times New Roman" panose="02020603050405020304" pitchFamily="18" charset="0"/>
+                <a:cs typeface="Times New Roman" panose="02020603050405020304" pitchFamily="18" charset="0"/>
+              </a:rPr>
+              <a:t>- </a:t>
+            </a:r>
+            <a:r>
+              <a:rPr lang="en-US" dirty="0" err="1" smtClean="0">
+                <a:latin typeface="Times New Roman" panose="02020603050405020304" pitchFamily="18" charset="0"/>
+                <a:cs typeface="Times New Roman" panose="02020603050405020304" pitchFamily="18" charset="0"/>
+              </a:rPr>
+              <a:t>useEffect</a:t>
+            </a:r>
+            <a:r>
+              <a:rPr lang="en-US" dirty="0" smtClean="0">
+                <a:latin typeface="Times New Roman" panose="02020603050405020304" pitchFamily="18" charset="0"/>
+                <a:cs typeface="Times New Roman" panose="02020603050405020304" pitchFamily="18" charset="0"/>
+              </a:rPr>
+              <a:t>: </a:t>
+            </a:r>
+            <a:r>
+              <a:rPr lang="en-US" dirty="0" err="1" smtClean="0">
+                <a:latin typeface="Times New Roman" panose="02020603050405020304" pitchFamily="18" charset="0"/>
+                <a:cs typeface="Times New Roman" panose="02020603050405020304" pitchFamily="18" charset="0"/>
+              </a:rPr>
+              <a:t>ví</a:t>
+            </a:r>
+            <a:r>
+              <a:rPr lang="en-US" dirty="0" smtClean="0">
+                <a:latin typeface="Times New Roman" panose="02020603050405020304" pitchFamily="18" charset="0"/>
+                <a:cs typeface="Times New Roman" panose="02020603050405020304" pitchFamily="18" charset="0"/>
+              </a:rPr>
+              <a:t> </a:t>
+            </a:r>
+            <a:r>
+              <a:rPr lang="en-US" dirty="0" err="1" smtClean="0">
+                <a:latin typeface="Times New Roman" panose="02020603050405020304" pitchFamily="18" charset="0"/>
+                <a:cs typeface="Times New Roman" panose="02020603050405020304" pitchFamily="18" charset="0"/>
+              </a:rPr>
+              <a:t>dụ</a:t>
+            </a:r>
+            <a:r>
+              <a:rPr lang="en-US" dirty="0" smtClean="0">
+                <a:latin typeface="Times New Roman" panose="02020603050405020304" pitchFamily="18" charset="0"/>
+                <a:cs typeface="Times New Roman" panose="02020603050405020304" pitchFamily="18" charset="0"/>
+              </a:rPr>
+              <a:t> </a:t>
+            </a:r>
+            <a:r>
+              <a:rPr lang="en-US" dirty="0" err="1" smtClean="0">
+                <a:latin typeface="Times New Roman" panose="02020603050405020304" pitchFamily="18" charset="0"/>
+                <a:cs typeface="Times New Roman" panose="02020603050405020304" pitchFamily="18" charset="0"/>
+              </a:rPr>
+              <a:t>hàm</a:t>
+            </a:r>
+            <a:r>
+              <a:rPr lang="en-US" dirty="0" smtClean="0">
+                <a:latin typeface="Times New Roman" panose="02020603050405020304" pitchFamily="18" charset="0"/>
+                <a:cs typeface="Times New Roman" panose="02020603050405020304" pitchFamily="18" charset="0"/>
+              </a:rPr>
+              <a:t> </a:t>
+            </a:r>
+            <a:r>
+              <a:rPr lang="en-US" dirty="0" err="1" smtClean="0">
+                <a:latin typeface="Times New Roman" panose="02020603050405020304" pitchFamily="18" charset="0"/>
+                <a:cs typeface="Times New Roman" panose="02020603050405020304" pitchFamily="18" charset="0"/>
+              </a:rPr>
+              <a:t>hủy</a:t>
+            </a:r>
+            <a:r>
+              <a:rPr lang="en-US" dirty="0" smtClean="0">
+                <a:latin typeface="Times New Roman" panose="02020603050405020304" pitchFamily="18" charset="0"/>
+                <a:cs typeface="Times New Roman" panose="02020603050405020304" pitchFamily="18" charset="0"/>
+              </a:rPr>
+              <a:t>, timer</a:t>
+            </a:r>
+          </a:p>
+          <a:p>
+            <a:r>
+              <a:rPr lang="en-US" dirty="0" smtClean="0">
+                <a:latin typeface="Times New Roman" panose="02020603050405020304" pitchFamily="18" charset="0"/>
+                <a:cs typeface="Times New Roman" panose="02020603050405020304" pitchFamily="18" charset="0"/>
+              </a:rPr>
+              <a:t>- </a:t>
+            </a:r>
+            <a:r>
+              <a:rPr lang="en-US" dirty="0" err="1" smtClean="0">
+                <a:latin typeface="Times New Roman" panose="02020603050405020304" pitchFamily="18" charset="0"/>
+                <a:cs typeface="Times New Roman" panose="02020603050405020304" pitchFamily="18" charset="0"/>
+              </a:rPr>
+              <a:t>useRef</a:t>
+            </a:r>
+            <a:endParaRPr lang="en-US" dirty="0" smtClean="0">
+              <a:latin typeface="Times New Roman" panose="02020603050405020304" pitchFamily="18" charset="0"/>
+              <a:cs typeface="Times New Roman" panose="02020603050405020304" pitchFamily="18" charset="0"/>
+            </a:endParaRPr>
+          </a:p>
+          <a:p>
+            <a:r>
+              <a:rPr lang="en-US" dirty="0" smtClean="0">
+                <a:latin typeface="Times New Roman" panose="02020603050405020304" pitchFamily="18" charset="0"/>
+                <a:cs typeface="Times New Roman" panose="02020603050405020304" pitchFamily="18" charset="0"/>
+              </a:rPr>
+              <a:t>- </a:t>
+            </a:r>
+            <a:r>
+              <a:rPr lang="en-US" dirty="0" err="1" smtClean="0">
+                <a:latin typeface="Times New Roman" panose="02020603050405020304" pitchFamily="18" charset="0"/>
+                <a:cs typeface="Times New Roman" panose="02020603050405020304" pitchFamily="18" charset="0"/>
+              </a:rPr>
+              <a:t>useCallback</a:t>
+            </a:r>
             <a:endParaRPr lang="en-US" dirty="0">
               <a:latin typeface="Times New Roman" panose="02020603050405020304" pitchFamily="18" charset="0"/>
               <a:cs typeface="Times New Roman" panose="02020603050405020304" pitchFamily="18" charset="0"/>
             </a:endParaRPr>
+          </a:p>
+          <a:p>
+            <a:r>
+              <a:rPr lang="en-US" dirty="0" smtClean="0">
+                <a:latin typeface="Times New Roman" panose="02020603050405020304" pitchFamily="18" charset="0"/>
+                <a:cs typeface="Times New Roman" panose="02020603050405020304" pitchFamily="18" charset="0"/>
+              </a:rPr>
+              <a:t>- </a:t>
+            </a:r>
+            <a:r>
+              <a:rPr lang="en-US" dirty="0" err="1" smtClean="0">
+                <a:latin typeface="Times New Roman" panose="02020603050405020304" pitchFamily="18" charset="0"/>
+                <a:cs typeface="Times New Roman" panose="02020603050405020304" pitchFamily="18" charset="0"/>
+              </a:rPr>
+              <a:t>useMemo</a:t>
+            </a:r>
+            <a:endParaRPr lang="en-US" dirty="0" smtClean="0">
+              <a:latin typeface="Times New Roman" panose="02020603050405020304" pitchFamily="18" charset="0"/>
+              <a:cs typeface="Times New Roman" panose="02020603050405020304" pitchFamily="18" charset="0"/>
+            </a:endParaRPr>
+          </a:p>
+          <a:p>
+            <a:r>
+              <a:rPr lang="en-US" dirty="0" smtClean="0">
+                <a:latin typeface="Times New Roman" panose="02020603050405020304" pitchFamily="18" charset="0"/>
+                <a:cs typeface="Times New Roman" panose="02020603050405020304" pitchFamily="18" charset="0"/>
+              </a:rPr>
+              <a:t>- </a:t>
+            </a:r>
+            <a:r>
+              <a:rPr lang="en-US" dirty="0" err="1" smtClean="0">
+                <a:latin typeface="Times New Roman" panose="02020603050405020304" pitchFamily="18" charset="0"/>
+                <a:cs typeface="Times New Roman" panose="02020603050405020304" pitchFamily="18" charset="0"/>
+              </a:rPr>
+              <a:t>xây</a:t>
+            </a:r>
+            <a:r>
+              <a:rPr lang="en-US" dirty="0" smtClean="0">
+                <a:latin typeface="Times New Roman" panose="02020603050405020304" pitchFamily="18" charset="0"/>
+                <a:cs typeface="Times New Roman" panose="02020603050405020304" pitchFamily="18" charset="0"/>
+              </a:rPr>
+              <a:t> </a:t>
+            </a:r>
+            <a:r>
+              <a:rPr lang="en-US" dirty="0" err="1" smtClean="0">
+                <a:latin typeface="Times New Roman" panose="02020603050405020304" pitchFamily="18" charset="0"/>
+                <a:cs typeface="Times New Roman" panose="02020603050405020304" pitchFamily="18" charset="0"/>
+              </a:rPr>
+              <a:t>dựng</a:t>
+            </a:r>
+            <a:r>
+              <a:rPr lang="en-US" dirty="0" smtClean="0">
+                <a:latin typeface="Times New Roman" panose="02020603050405020304" pitchFamily="18" charset="0"/>
+                <a:cs typeface="Times New Roman" panose="02020603050405020304" pitchFamily="18" charset="0"/>
+              </a:rPr>
+              <a:t> hooks</a:t>
+            </a:r>
+          </a:p>
+          <a:p>
+            <a:r>
+              <a:rPr lang="en-US" dirty="0" smtClean="0">
+                <a:latin typeface="Times New Roman" panose="02020603050405020304" pitchFamily="18" charset="0"/>
+                <a:cs typeface="Times New Roman" panose="02020603050405020304" pitchFamily="18" charset="0"/>
+              </a:rPr>
+              <a:t>- </a:t>
+            </a:r>
+            <a:r>
+              <a:rPr lang="en-US" dirty="0" err="1" smtClean="0">
+                <a:latin typeface="Times New Roman" panose="02020603050405020304" pitchFamily="18" charset="0"/>
+                <a:cs typeface="Times New Roman" panose="02020603050405020304" pitchFamily="18" charset="0"/>
+              </a:rPr>
+              <a:t>xử</a:t>
+            </a:r>
+            <a:r>
+              <a:rPr lang="en-US" dirty="0" smtClean="0">
+                <a:latin typeface="Times New Roman" panose="02020603050405020304" pitchFamily="18" charset="0"/>
+                <a:cs typeface="Times New Roman" panose="02020603050405020304" pitchFamily="18" charset="0"/>
+              </a:rPr>
+              <a:t> </a:t>
+            </a:r>
+            <a:r>
+              <a:rPr lang="en-US" dirty="0" err="1" smtClean="0">
+                <a:latin typeface="Times New Roman" panose="02020603050405020304" pitchFamily="18" charset="0"/>
+                <a:cs typeface="Times New Roman" panose="02020603050405020304" pitchFamily="18" charset="0"/>
+              </a:rPr>
+              <a:t>lý</a:t>
+            </a:r>
+            <a:r>
+              <a:rPr lang="en-US" dirty="0" smtClean="0">
+                <a:latin typeface="Times New Roman" panose="02020603050405020304" pitchFamily="18" charset="0"/>
+                <a:cs typeface="Times New Roman" panose="02020603050405020304" pitchFamily="18" charset="0"/>
+              </a:rPr>
+              <a:t> </a:t>
+            </a:r>
+            <a:r>
+              <a:rPr lang="en-US" dirty="0" err="1" smtClean="0">
+                <a:latin typeface="Times New Roman" panose="02020603050405020304" pitchFamily="18" charset="0"/>
+                <a:cs typeface="Times New Roman" panose="02020603050405020304" pitchFamily="18" charset="0"/>
+              </a:rPr>
+              <a:t>các</a:t>
+            </a:r>
+            <a:r>
+              <a:rPr lang="en-US" dirty="0">
+                <a:latin typeface="Times New Roman" panose="02020603050405020304" pitchFamily="18" charset="0"/>
+                <a:cs typeface="Times New Roman" panose="02020603050405020304" pitchFamily="18" charset="0"/>
+              </a:rPr>
+              <a:t> </a:t>
+            </a:r>
+            <a:r>
+              <a:rPr lang="en-US" dirty="0" err="1" smtClean="0">
+                <a:latin typeface="Times New Roman" panose="02020603050405020304" pitchFamily="18" charset="0"/>
+                <a:cs typeface="Times New Roman" panose="02020603050405020304" pitchFamily="18" charset="0"/>
+              </a:rPr>
+              <a:t>sự</a:t>
+            </a:r>
+            <a:r>
+              <a:rPr lang="en-US" dirty="0" smtClean="0">
+                <a:latin typeface="Times New Roman" panose="02020603050405020304" pitchFamily="18" charset="0"/>
+                <a:cs typeface="Times New Roman" panose="02020603050405020304" pitchFamily="18" charset="0"/>
+              </a:rPr>
+              <a:t> </a:t>
+            </a:r>
+            <a:r>
+              <a:rPr lang="en-US" dirty="0" err="1" smtClean="0">
+                <a:latin typeface="Times New Roman" panose="02020603050405020304" pitchFamily="18" charset="0"/>
+                <a:cs typeface="Times New Roman" panose="02020603050405020304" pitchFamily="18" charset="0"/>
+              </a:rPr>
+              <a:t>kiện</a:t>
+            </a:r>
+            <a:r>
+              <a:rPr lang="en-US" dirty="0" smtClean="0">
+                <a:latin typeface="Times New Roman" panose="02020603050405020304" pitchFamily="18" charset="0"/>
+                <a:cs typeface="Times New Roman" panose="02020603050405020304" pitchFamily="18" charset="0"/>
+              </a:rPr>
+              <a:t>: </a:t>
+            </a:r>
+            <a:r>
+              <a:rPr lang="en-US" dirty="0" err="1" smtClean="0">
+                <a:latin typeface="Times New Roman" panose="02020603050405020304" pitchFamily="18" charset="0"/>
+                <a:cs typeface="Times New Roman" panose="02020603050405020304" pitchFamily="18" charset="0"/>
+              </a:rPr>
+              <a:t>onClick</a:t>
+            </a:r>
+            <a:r>
+              <a:rPr lang="en-US" dirty="0" smtClean="0">
+                <a:latin typeface="Times New Roman" panose="02020603050405020304" pitchFamily="18" charset="0"/>
+                <a:cs typeface="Times New Roman" panose="02020603050405020304" pitchFamily="18" charset="0"/>
+              </a:rPr>
+              <a:t>, …</a:t>
+            </a:r>
           </a:p>
         </p:txBody>
       </p:sp>
@@ -4422,6 +5694,20 @@
           <a:bodyPr/>
           <a:lstStyle/>
           <a:p>
+            <a:r>
+              <a:rPr lang="en-US" dirty="0" err="1">
+                <a:latin typeface="Times New Roman" panose="02020603050405020304" pitchFamily="18" charset="0"/>
+                <a:cs typeface="Times New Roman" panose="02020603050405020304" pitchFamily="18" charset="0"/>
+              </a:rPr>
+              <a:t>Redux</a:t>
+            </a:r>
+            <a:r>
+              <a:rPr lang="en-US" dirty="0">
+                <a:latin typeface="Times New Roman" panose="02020603050405020304" pitchFamily="18" charset="0"/>
+                <a:cs typeface="Times New Roman" panose="02020603050405020304" pitchFamily="18" charset="0"/>
+              </a:rPr>
+              <a:t> toolkit</a:t>
+            </a:r>
             <a:endParaRPr lang="en-US" dirty="0">
               <a:latin typeface="Times New Roman" panose="02020603050405020304" pitchFamily="18" charset="0"/>
               <a:cs typeface="Times New Roman" panose="02020603050405020304" pitchFamily="18" charset="0"/>
@@ -4444,7 +5730,215 @@
           <a:bodyPr/>
           <a:lstStyle/>
           <a:p>
-            <a:endParaRPr lang="en-US" dirty="0">
+            <a:r>
+              <a:rPr lang="en-US" dirty="0" smtClean="0">
+                <a:latin typeface="Times New Roman" panose="02020603050405020304" pitchFamily="18" charset="0"/>
+                <a:cs typeface="Times New Roman" panose="02020603050405020304" pitchFamily="18" charset="0"/>
+              </a:rPr>
+              <a:t>- </a:t>
+            </a:r>
+            <a:r>
+              <a:rPr lang="en-US" dirty="0" err="1" smtClean="0">
+                <a:latin typeface="Times New Roman" panose="02020603050405020304" pitchFamily="18" charset="0"/>
+                <a:cs typeface="Times New Roman" panose="02020603050405020304" pitchFamily="18" charset="0"/>
+              </a:rPr>
+              <a:t>Giới</a:t>
+            </a:r>
+            <a:r>
+              <a:rPr lang="en-US" dirty="0" smtClean="0">
+                <a:latin typeface="Times New Roman" panose="02020603050405020304" pitchFamily="18" charset="0"/>
+                <a:cs typeface="Times New Roman" panose="02020603050405020304" pitchFamily="18" charset="0"/>
+              </a:rPr>
+              <a:t> </a:t>
+            </a:r>
+            <a:r>
+              <a:rPr lang="en-US" dirty="0" err="1" smtClean="0">
+                <a:latin typeface="Times New Roman" panose="02020603050405020304" pitchFamily="18" charset="0"/>
+                <a:cs typeface="Times New Roman" panose="02020603050405020304" pitchFamily="18" charset="0"/>
+              </a:rPr>
+              <a:t>thiệu</a:t>
+            </a:r>
+            <a:endParaRPr lang="en-US" dirty="0" smtClean="0">
+              <a:latin typeface="Times New Roman" panose="02020603050405020304" pitchFamily="18" charset="0"/>
+              <a:cs typeface="Times New Roman" panose="02020603050405020304" pitchFamily="18" charset="0"/>
+            </a:endParaRPr>
+          </a:p>
+          <a:p>
+            <a:r>
+              <a:rPr lang="en-US" dirty="0" smtClean="0">
+                <a:latin typeface="Times New Roman" panose="02020603050405020304" pitchFamily="18" charset="0"/>
+                <a:cs typeface="Times New Roman" panose="02020603050405020304" pitchFamily="18" charset="0"/>
+              </a:rPr>
+              <a:t>- </a:t>
+            </a:r>
+            <a:r>
+              <a:rPr lang="en-US" dirty="0" err="1" smtClean="0">
+                <a:latin typeface="Times New Roman" panose="02020603050405020304" pitchFamily="18" charset="0"/>
+                <a:cs typeface="Times New Roman" panose="02020603050405020304" pitchFamily="18" charset="0"/>
+              </a:rPr>
+              <a:t>các</a:t>
+            </a:r>
+            <a:r>
+              <a:rPr lang="en-US" dirty="0" smtClean="0">
+                <a:latin typeface="Times New Roman" panose="02020603050405020304" pitchFamily="18" charset="0"/>
+                <a:cs typeface="Times New Roman" panose="02020603050405020304" pitchFamily="18" charset="0"/>
+              </a:rPr>
+              <a:t> </a:t>
+            </a:r>
+            <a:r>
+              <a:rPr lang="en-US" dirty="0" err="1" smtClean="0">
+                <a:latin typeface="Times New Roman" panose="02020603050405020304" pitchFamily="18" charset="0"/>
+                <a:cs typeface="Times New Roman" panose="02020603050405020304" pitchFamily="18" charset="0"/>
+              </a:rPr>
+              <a:t>thành</a:t>
+            </a:r>
+            <a:r>
+              <a:rPr lang="en-US" dirty="0" smtClean="0">
+                <a:latin typeface="Times New Roman" panose="02020603050405020304" pitchFamily="18" charset="0"/>
+                <a:cs typeface="Times New Roman" panose="02020603050405020304" pitchFamily="18" charset="0"/>
+              </a:rPr>
+              <a:t> </a:t>
+            </a:r>
+            <a:r>
+              <a:rPr lang="en-US" dirty="0" err="1" smtClean="0">
+                <a:latin typeface="Times New Roman" panose="02020603050405020304" pitchFamily="18" charset="0"/>
+                <a:cs typeface="Times New Roman" panose="02020603050405020304" pitchFamily="18" charset="0"/>
+              </a:rPr>
+              <a:t>phần</a:t>
+            </a:r>
+            <a:r>
+              <a:rPr lang="en-US" dirty="0" smtClean="0">
+                <a:latin typeface="Times New Roman" panose="02020603050405020304" pitchFamily="18" charset="0"/>
+                <a:cs typeface="Times New Roman" panose="02020603050405020304" pitchFamily="18" charset="0"/>
+              </a:rPr>
+              <a:t> </a:t>
+            </a:r>
+            <a:r>
+              <a:rPr lang="en-US" dirty="0" err="1" smtClean="0">
+                <a:latin typeface="Times New Roman" panose="02020603050405020304" pitchFamily="18" charset="0"/>
+                <a:cs typeface="Times New Roman" panose="02020603050405020304" pitchFamily="18" charset="0"/>
+              </a:rPr>
+              <a:t>chính</a:t>
+            </a:r>
+            <a:r>
+              <a:rPr lang="en-US" dirty="0" smtClean="0">
+                <a:latin typeface="Times New Roman" panose="02020603050405020304" pitchFamily="18" charset="0"/>
+                <a:cs typeface="Times New Roman" panose="02020603050405020304" pitchFamily="18" charset="0"/>
+              </a:rPr>
+              <a:t>: </a:t>
+            </a:r>
+            <a:r>
+              <a:rPr lang="en-US" dirty="0" err="1" smtClean="0">
+                <a:latin typeface="Times New Roman" panose="02020603050405020304" pitchFamily="18" charset="0"/>
+                <a:cs typeface="Times New Roman" panose="02020603050405020304" pitchFamily="18" charset="0"/>
+              </a:rPr>
+              <a:t>configureStore</a:t>
+            </a:r>
+            <a:r>
+              <a:rPr lang="en-US" dirty="0" smtClean="0">
+                <a:latin typeface="Times New Roman" panose="02020603050405020304" pitchFamily="18" charset="0"/>
+                <a:cs typeface="Times New Roman" panose="02020603050405020304" pitchFamily="18" charset="0"/>
+              </a:rPr>
+              <a:t>, </a:t>
+            </a:r>
+            <a:r>
+              <a:rPr lang="en-US" dirty="0" err="1" smtClean="0">
+                <a:latin typeface="Times New Roman" panose="02020603050405020304" pitchFamily="18" charset="0"/>
+                <a:cs typeface="Times New Roman" panose="02020603050405020304" pitchFamily="18" charset="0"/>
+              </a:rPr>
+              <a:t>createSlice</a:t>
+            </a:r>
+            <a:r>
+              <a:rPr lang="en-US" dirty="0" smtClean="0">
+                <a:latin typeface="Times New Roman" panose="02020603050405020304" pitchFamily="18" charset="0"/>
+                <a:cs typeface="Times New Roman" panose="02020603050405020304" pitchFamily="18" charset="0"/>
+              </a:rPr>
+              <a:t>, </a:t>
+            </a:r>
+            <a:r>
+              <a:rPr lang="en-US" dirty="0" err="1" smtClean="0">
+                <a:latin typeface="Times New Roman" panose="02020603050405020304" pitchFamily="18" charset="0"/>
+                <a:cs typeface="Times New Roman" panose="02020603050405020304" pitchFamily="18" charset="0"/>
+              </a:rPr>
+              <a:t>createAsyncThunk</a:t>
+            </a:r>
+            <a:r>
+              <a:rPr lang="en-US" dirty="0" smtClean="0">
+                <a:latin typeface="Times New Roman" panose="02020603050405020304" pitchFamily="18" charset="0"/>
+                <a:cs typeface="Times New Roman" panose="02020603050405020304" pitchFamily="18" charset="0"/>
+              </a:rPr>
+              <a:t>, </a:t>
+            </a:r>
+            <a:r>
+              <a:rPr lang="en-US" dirty="0" err="1" smtClean="0">
+                <a:latin typeface="Times New Roman" panose="02020603050405020304" pitchFamily="18" charset="0"/>
+                <a:cs typeface="Times New Roman" panose="02020603050405020304" pitchFamily="18" charset="0"/>
+              </a:rPr>
+              <a:t>extraReducers</a:t>
+            </a:r>
+            <a:endParaRPr lang="en-US" dirty="0" smtClean="0">
+              <a:latin typeface="Times New Roman" panose="02020603050405020304" pitchFamily="18" charset="0"/>
+              <a:cs typeface="Times New Roman" panose="02020603050405020304" pitchFamily="18" charset="0"/>
+            </a:endParaRPr>
+          </a:p>
+          <a:p>
+            <a:r>
+              <a:rPr lang="en-US" dirty="0" smtClean="0">
+                <a:latin typeface="Times New Roman" panose="02020603050405020304" pitchFamily="18" charset="0"/>
+                <a:cs typeface="Times New Roman" panose="02020603050405020304" pitchFamily="18" charset="0"/>
+              </a:rPr>
+              <a:t>- </a:t>
+            </a:r>
+            <a:r>
+              <a:rPr lang="en-US" dirty="0" err="1" smtClean="0">
+                <a:latin typeface="Times New Roman" panose="02020603050405020304" pitchFamily="18" charset="0"/>
+                <a:cs typeface="Times New Roman" panose="02020603050405020304" pitchFamily="18" charset="0"/>
+              </a:rPr>
+              <a:t>cấu</a:t>
+            </a:r>
+            <a:r>
+              <a:rPr lang="en-US" dirty="0" smtClean="0">
+                <a:latin typeface="Times New Roman" panose="02020603050405020304" pitchFamily="18" charset="0"/>
+                <a:cs typeface="Times New Roman" panose="02020603050405020304" pitchFamily="18" charset="0"/>
+              </a:rPr>
+              <a:t> </a:t>
+            </a:r>
+            <a:r>
+              <a:rPr lang="en-US" dirty="0" err="1" smtClean="0">
+                <a:latin typeface="Times New Roman" panose="02020603050405020304" pitchFamily="18" charset="0"/>
+                <a:cs typeface="Times New Roman" panose="02020603050405020304" pitchFamily="18" charset="0"/>
+              </a:rPr>
+              <a:t>trúc</a:t>
+            </a:r>
+            <a:r>
+              <a:rPr lang="en-US" dirty="0" smtClean="0">
+                <a:latin typeface="Times New Roman" panose="02020603050405020304" pitchFamily="18" charset="0"/>
+                <a:cs typeface="Times New Roman" panose="02020603050405020304" pitchFamily="18" charset="0"/>
+              </a:rPr>
+              <a:t>, </a:t>
+            </a:r>
+            <a:r>
+              <a:rPr lang="en-US" dirty="0" err="1" smtClean="0">
+                <a:latin typeface="Times New Roman" panose="02020603050405020304" pitchFamily="18" charset="0"/>
+                <a:cs typeface="Times New Roman" panose="02020603050405020304" pitchFamily="18" charset="0"/>
+              </a:rPr>
+              <a:t>ví</a:t>
+            </a:r>
+            <a:r>
+              <a:rPr lang="en-US" dirty="0" smtClean="0">
+                <a:latin typeface="Times New Roman" panose="02020603050405020304" pitchFamily="18" charset="0"/>
+                <a:cs typeface="Times New Roman" panose="02020603050405020304" pitchFamily="18" charset="0"/>
+              </a:rPr>
+              <a:t> </a:t>
+            </a:r>
+            <a:r>
+              <a:rPr lang="en-US" dirty="0" err="1" smtClean="0">
+                <a:latin typeface="Times New Roman" panose="02020603050405020304" pitchFamily="18" charset="0"/>
+                <a:cs typeface="Times New Roman" panose="02020603050405020304" pitchFamily="18" charset="0"/>
+              </a:rPr>
+              <a:t>dụ</a:t>
+            </a:r>
+            <a:endParaRPr lang="en-US" dirty="0" smtClean="0">
               <a:latin typeface="Times New Roman" panose="02020603050405020304" pitchFamily="18" charset="0"/>
               <a:cs typeface="Times New Roman" panose="02020603050405020304" pitchFamily="18" charset="0"/>
             </a:endParaRPr>

--- a/react_ts.pptx
+++ b/react_ts.pptx
@@ -4057,41 +4057,62 @@
                 <a:latin typeface="Times New Roman" panose="02020603050405020304" pitchFamily="18" charset="0"/>
                 <a:cs typeface="Times New Roman" panose="02020603050405020304" pitchFamily="18" charset="0"/>
               </a:rPr>
-              <a:t>. React </a:t>
-            </a:r>
+              <a:t>. React hooks</a:t>
+            </a:r>
+          </a:p>
+          <a:p>
             <a:r>
               <a:rPr lang="en-US" sz="2400" dirty="0" smtClean="0">
                 <a:latin typeface="Times New Roman" panose="02020603050405020304" pitchFamily="18" charset="0"/>
                 <a:cs typeface="Times New Roman" panose="02020603050405020304" pitchFamily="18" charset="0"/>
               </a:rPr>
-              <a:t>hooks</a:t>
-            </a:r>
-            <a:endParaRPr lang="en-US" sz="2400" dirty="0" smtClean="0">
-              <a:latin typeface="Times New Roman" panose="02020603050405020304" pitchFamily="18" charset="0"/>
-              <a:cs typeface="Times New Roman" panose="02020603050405020304" pitchFamily="18" charset="0"/>
-            </a:endParaRPr>
-          </a:p>
-          <a:p>
+              <a:t>4. </a:t>
+            </a:r>
+            <a:r>
+              <a:rPr lang="en-US" sz="2400" dirty="0" err="1" smtClean="0">
+                <a:latin typeface="Times New Roman" panose="02020603050405020304" pitchFamily="18" charset="0"/>
+                <a:cs typeface="Times New Roman" panose="02020603050405020304" pitchFamily="18" charset="0"/>
+              </a:rPr>
+              <a:t>Redux</a:t>
+            </a:r>
             <a:r>
               <a:rPr lang="en-US" sz="2400" dirty="0" smtClean="0">
                 <a:latin typeface="Times New Roman" panose="02020603050405020304" pitchFamily="18" charset="0"/>
                 <a:cs typeface="Times New Roman" panose="02020603050405020304" pitchFamily="18" charset="0"/>
               </a:rPr>
-              <a:t>4</a:t>
-            </a:r>
+              <a:t> toolkit</a:t>
+            </a:r>
+          </a:p>
+          <a:p>
             <a:r>
               <a:rPr lang="en-US" sz="2400" dirty="0" smtClean="0">
                 <a:latin typeface="Times New Roman" panose="02020603050405020304" pitchFamily="18" charset="0"/>
                 <a:cs typeface="Times New Roman" panose="02020603050405020304" pitchFamily="18" charset="0"/>
               </a:rPr>
-              <a:t>. </a:t>
+              <a:t>5. </a:t>
+            </a:r>
+            <a:r>
+              <a:rPr lang="en-US" sz="2400" dirty="0" smtClean="0">
+                <a:latin typeface="Times New Roman" panose="02020603050405020304" pitchFamily="18" charset="0"/>
+                <a:cs typeface="Times New Roman" panose="02020603050405020304" pitchFamily="18" charset="0"/>
+              </a:rPr>
+              <a:t>Router</a:t>
+            </a:r>
+          </a:p>
+          <a:p>
+            <a:r>
+              <a:rPr lang="en-US" sz="2400" dirty="0" smtClean="0">
+                <a:latin typeface="Times New Roman" panose="02020603050405020304" pitchFamily="18" charset="0"/>
+                <a:cs typeface="Times New Roman" panose="02020603050405020304" pitchFamily="18" charset="0"/>
+              </a:rPr>
+              <a:t>6. </a:t>
             </a:r>
             <a:r>
               <a:rPr lang="en-US" sz="2400" dirty="0" err="1" smtClean="0">
                 <a:latin typeface="Times New Roman" panose="02020603050405020304" pitchFamily="18" charset="0"/>
                 <a:cs typeface="Times New Roman" panose="02020603050405020304" pitchFamily="18" charset="0"/>
               </a:rPr>
-              <a:t>Redux</a:t>
+              <a:t>Thực</a:t>
             </a:r>
             <a:r>
               <a:rPr lang="en-US" sz="2400" dirty="0" smtClean="0">
@@ -4101,27 +4122,11 @@
               <a:t> </a:t>
             </a:r>
             <a:r>
-              <a:rPr lang="en-US" sz="2400" dirty="0" smtClean="0">
-                <a:latin typeface="Times New Roman" panose="02020603050405020304" pitchFamily="18" charset="0"/>
-                <a:cs typeface="Times New Roman" panose="02020603050405020304" pitchFamily="18" charset="0"/>
-              </a:rPr>
-              <a:t>toolkit</a:t>
-            </a:r>
-          </a:p>
-          <a:p>
-            <a:r>
-              <a:rPr lang="en-US" sz="2400" dirty="0" smtClean="0">
-                <a:latin typeface="Times New Roman" panose="02020603050405020304" pitchFamily="18" charset="0"/>
-                <a:cs typeface="Times New Roman" panose="02020603050405020304" pitchFamily="18" charset="0"/>
-              </a:rPr>
-              <a:t>5. </a:t>
-            </a:r>
-            <a:r>
-              <a:rPr lang="en-US" sz="2400" smtClean="0">
-                <a:latin typeface="Times New Roman" panose="02020603050405020304" pitchFamily="18" charset="0"/>
-                <a:cs typeface="Times New Roman" panose="02020603050405020304" pitchFamily="18" charset="0"/>
-              </a:rPr>
-              <a:t>Router</a:t>
+              <a:rPr lang="en-US" sz="2400" dirty="0" err="1" smtClean="0">
+                <a:latin typeface="Times New Roman" panose="02020603050405020304" pitchFamily="18" charset="0"/>
+                <a:cs typeface="Times New Roman" panose="02020603050405020304" pitchFamily="18" charset="0"/>
+              </a:rPr>
+              <a:t>hành</a:t>
             </a:r>
             <a:endParaRPr lang="en-US" sz="2400" dirty="0" smtClean="0">
               <a:latin typeface="Times New Roman" panose="02020603050405020304" pitchFamily="18" charset="0"/>
@@ -4486,10 +4491,6 @@
               </a:rPr>
               <a:t> JSX</a:t>
             </a:r>
-            <a:endParaRPr lang="en-US" dirty="0">
-              <a:latin typeface="Times New Roman" panose="02020603050405020304" pitchFamily="18" charset="0"/>
-              <a:cs typeface="Times New Roman" panose="02020603050405020304" pitchFamily="18" charset="0"/>
-            </a:endParaRPr>
           </a:p>
         </p:txBody>
       </p:sp>
@@ -4505,7 +4506,9 @@
         </p:nvSpPr>
         <p:spPr/>
         <p:txBody>
-          <a:bodyPr/>
+          <a:bodyPr>
+            <a:normAutofit lnSpcReduction="10000"/>
+          </a:bodyPr>
           <a:lstStyle/>
           <a:p>
             <a:r>
@@ -4577,6 +4580,129 @@
               </a:rPr>
               <a:t>- Strict mode</a:t>
             </a:r>
+          </a:p>
+          <a:p>
+            <a:r>
+              <a:rPr lang="en-US" dirty="0" smtClean="0">
+                <a:latin typeface="Times New Roman" panose="02020603050405020304" pitchFamily="18" charset="0"/>
+                <a:cs typeface="Times New Roman" panose="02020603050405020304" pitchFamily="18" charset="0"/>
+              </a:rPr>
+              <a:t>2. JSX </a:t>
+            </a:r>
+            <a:r>
+              <a:rPr lang="en-US" dirty="0" err="1" smtClean="0">
+                <a:latin typeface="Times New Roman" panose="02020603050405020304" pitchFamily="18" charset="0"/>
+                <a:cs typeface="Times New Roman" panose="02020603050405020304" pitchFamily="18" charset="0"/>
+              </a:rPr>
+              <a:t>và</a:t>
+            </a:r>
+            <a:r>
+              <a:rPr lang="en-US" dirty="0" smtClean="0">
+                <a:latin typeface="Times New Roman" panose="02020603050405020304" pitchFamily="18" charset="0"/>
+                <a:cs typeface="Times New Roman" panose="02020603050405020304" pitchFamily="18" charset="0"/>
+              </a:rPr>
+              <a:t> </a:t>
+            </a:r>
+            <a:r>
+              <a:rPr lang="en-US" dirty="0" smtClean="0">
+                <a:latin typeface="Times New Roman" panose="02020603050405020304" pitchFamily="18" charset="0"/>
+                <a:cs typeface="Times New Roman" panose="02020603050405020304" pitchFamily="18" charset="0"/>
+              </a:rPr>
+              <a:t>props (props </a:t>
+            </a:r>
+            <a:r>
+              <a:rPr lang="en-US" dirty="0" err="1" smtClean="0">
+                <a:latin typeface="Times New Roman" panose="02020603050405020304" pitchFamily="18" charset="0"/>
+                <a:cs typeface="Times New Roman" panose="02020603050405020304" pitchFamily="18" charset="0"/>
+              </a:rPr>
+              <a:t>giá</a:t>
+            </a:r>
+            <a:r>
+              <a:rPr lang="en-US" dirty="0" smtClean="0">
+                <a:latin typeface="Times New Roman" panose="02020603050405020304" pitchFamily="18" charset="0"/>
+                <a:cs typeface="Times New Roman" panose="02020603050405020304" pitchFamily="18" charset="0"/>
+              </a:rPr>
+              <a:t> </a:t>
+            </a:r>
+            <a:r>
+              <a:rPr lang="en-US" dirty="0" err="1" smtClean="0">
+                <a:latin typeface="Times New Roman" panose="02020603050405020304" pitchFamily="18" charset="0"/>
+                <a:cs typeface="Times New Roman" panose="02020603050405020304" pitchFamily="18" charset="0"/>
+              </a:rPr>
+              <a:t>trị</a:t>
+            </a:r>
+            <a:r>
+              <a:rPr lang="en-US" dirty="0" smtClean="0">
+                <a:latin typeface="Times New Roman" panose="02020603050405020304" pitchFamily="18" charset="0"/>
+                <a:cs typeface="Times New Roman" panose="02020603050405020304" pitchFamily="18" charset="0"/>
+              </a:rPr>
+              <a:t> </a:t>
+            </a:r>
+            <a:r>
+              <a:rPr lang="en-US" dirty="0" err="1" smtClean="0">
+                <a:latin typeface="Times New Roman" panose="02020603050405020304" pitchFamily="18" charset="0"/>
+                <a:cs typeface="Times New Roman" panose="02020603050405020304" pitchFamily="18" charset="0"/>
+              </a:rPr>
+              <a:t>và</a:t>
+            </a:r>
+            <a:r>
+              <a:rPr lang="en-US" dirty="0" smtClean="0">
+                <a:latin typeface="Times New Roman" panose="02020603050405020304" pitchFamily="18" charset="0"/>
+                <a:cs typeface="Times New Roman" panose="02020603050405020304" pitchFamily="18" charset="0"/>
+              </a:rPr>
+              <a:t> props </a:t>
+            </a:r>
+            <a:r>
+              <a:rPr lang="en-US" dirty="0" err="1" smtClean="0">
+                <a:latin typeface="Times New Roman" panose="02020603050405020304" pitchFamily="18" charset="0"/>
+                <a:cs typeface="Times New Roman" panose="02020603050405020304" pitchFamily="18" charset="0"/>
+              </a:rPr>
+              <a:t>func</a:t>
+            </a:r>
+            <a:r>
+              <a:rPr lang="en-US" dirty="0" smtClean="0">
+                <a:latin typeface="Times New Roman" panose="02020603050405020304" pitchFamily="18" charset="0"/>
+                <a:cs typeface="Times New Roman" panose="02020603050405020304" pitchFamily="18" charset="0"/>
+              </a:rPr>
+              <a:t>), </a:t>
+            </a:r>
+            <a:r>
+              <a:rPr lang="en-US" dirty="0" smtClean="0">
+                <a:latin typeface="Times New Roman" panose="02020603050405020304" pitchFamily="18" charset="0"/>
+                <a:cs typeface="Times New Roman" panose="02020603050405020304" pitchFamily="18" charset="0"/>
+              </a:rPr>
+              <a:t>function component, &lt;&gt;&lt;/&gt;</a:t>
+            </a:r>
+          </a:p>
+          <a:p>
+            <a:r>
+              <a:rPr lang="en-US" dirty="0" smtClean="0">
+                <a:latin typeface="Times New Roman" panose="02020603050405020304" pitchFamily="18" charset="0"/>
+                <a:cs typeface="Times New Roman" panose="02020603050405020304" pitchFamily="18" charset="0"/>
+              </a:rPr>
+              <a:t>- </a:t>
+            </a:r>
+            <a:r>
+              <a:rPr lang="en-US" dirty="0" err="1" smtClean="0">
+                <a:latin typeface="Times New Roman" panose="02020603050405020304" pitchFamily="18" charset="0"/>
+                <a:cs typeface="Times New Roman" panose="02020603050405020304" pitchFamily="18" charset="0"/>
+              </a:rPr>
+              <a:t>Định</a:t>
+            </a:r>
+            <a:r>
+              <a:rPr lang="en-US" dirty="0" smtClean="0">
+                <a:latin typeface="Times New Roman" panose="02020603050405020304" pitchFamily="18" charset="0"/>
+                <a:cs typeface="Times New Roman" panose="02020603050405020304" pitchFamily="18" charset="0"/>
+              </a:rPr>
+              <a:t> </a:t>
+            </a:r>
+            <a:r>
+              <a:rPr lang="en-US" dirty="0" err="1" smtClean="0">
+                <a:latin typeface="Times New Roman" panose="02020603050405020304" pitchFamily="18" charset="0"/>
+                <a:cs typeface="Times New Roman" panose="02020603050405020304" pitchFamily="18" charset="0"/>
+              </a:rPr>
+              <a:t>nghĩa</a:t>
+            </a:r>
             <a:endParaRPr lang="en-US" dirty="0" smtClean="0">
               <a:latin typeface="Times New Roman" panose="02020603050405020304" pitchFamily="18" charset="0"/>
               <a:cs typeface="Times New Roman" panose="02020603050405020304" pitchFamily="18" charset="0"/>
@@ -4588,29 +4714,6 @@
                 <a:latin typeface="Times New Roman" panose="02020603050405020304" pitchFamily="18" charset="0"/>
                 <a:cs typeface="Times New Roman" panose="02020603050405020304" pitchFamily="18" charset="0"/>
               </a:rPr>
-              <a:t>2. JSX </a:t>
-            </a:r>
-            <a:r>
-              <a:rPr lang="en-US" dirty="0" err="1" smtClean="0">
-                <a:latin typeface="Times New Roman" panose="02020603050405020304" pitchFamily="18" charset="0"/>
-                <a:cs typeface="Times New Roman" panose="02020603050405020304" pitchFamily="18" charset="0"/>
-              </a:rPr>
-              <a:t>và</a:t>
-            </a:r>
-            <a:r>
-              <a:rPr lang="en-US" dirty="0" smtClean="0">
-                <a:latin typeface="Times New Roman" panose="02020603050405020304" pitchFamily="18" charset="0"/>
-                <a:cs typeface="Times New Roman" panose="02020603050405020304" pitchFamily="18" charset="0"/>
-              </a:rPr>
-              <a:t> props, function component, &lt;&gt;&lt;/&gt;</a:t>
-            </a:r>
-          </a:p>
-          <a:p>
-            <a:r>
-              <a:rPr lang="en-US" dirty="0" smtClean="0">
-                <a:latin typeface="Times New Roman" panose="02020603050405020304" pitchFamily="18" charset="0"/>
-                <a:cs typeface="Times New Roman" panose="02020603050405020304" pitchFamily="18" charset="0"/>
-              </a:rPr>
               <a:t>- </a:t>
             </a:r>
             <a:r>
@@ -4618,21 +4721,221 @@
                 <a:latin typeface="Times New Roman" panose="02020603050405020304" pitchFamily="18" charset="0"/>
                 <a:cs typeface="Times New Roman" panose="02020603050405020304" pitchFamily="18" charset="0"/>
               </a:rPr>
-              <a:t>Định</a:t>
-            </a:r>
-            <a:r>
-              <a:rPr lang="en-US" dirty="0" smtClean="0">
-                <a:latin typeface="Times New Roman" panose="02020603050405020304" pitchFamily="18" charset="0"/>
-                <a:cs typeface="Times New Roman" panose="02020603050405020304" pitchFamily="18" charset="0"/>
-              </a:rPr>
-              <a:t> </a:t>
-            </a:r>
-            <a:r>
-              <a:rPr lang="en-US" dirty="0" err="1" smtClean="0">
-                <a:latin typeface="Times New Roman" panose="02020603050405020304" pitchFamily="18" charset="0"/>
-                <a:cs typeface="Times New Roman" panose="02020603050405020304" pitchFamily="18" charset="0"/>
-              </a:rPr>
-              <a:t>nghĩa</a:t>
+              <a:t>Nhúng</a:t>
+            </a:r>
+            <a:r>
+              <a:rPr lang="en-US" dirty="0" smtClean="0">
+                <a:latin typeface="Times New Roman" panose="02020603050405020304" pitchFamily="18" charset="0"/>
+                <a:cs typeface="Times New Roman" panose="02020603050405020304" pitchFamily="18" charset="0"/>
+              </a:rPr>
+              <a:t> </a:t>
+            </a:r>
+            <a:r>
+              <a:rPr lang="en-US" dirty="0" err="1" smtClean="0">
+                <a:latin typeface="Times New Roman" panose="02020603050405020304" pitchFamily="18" charset="0"/>
+                <a:cs typeface="Times New Roman" panose="02020603050405020304" pitchFamily="18" charset="0"/>
+              </a:rPr>
+              <a:t>biểu</a:t>
+            </a:r>
+            <a:r>
+              <a:rPr lang="en-US" dirty="0" smtClean="0">
+                <a:latin typeface="Times New Roman" panose="02020603050405020304" pitchFamily="18" charset="0"/>
+                <a:cs typeface="Times New Roman" panose="02020603050405020304" pitchFamily="18" charset="0"/>
+              </a:rPr>
+              <a:t> </a:t>
+            </a:r>
+            <a:r>
+              <a:rPr lang="en-US" dirty="0" err="1" smtClean="0">
+                <a:latin typeface="Times New Roman" panose="02020603050405020304" pitchFamily="18" charset="0"/>
+                <a:cs typeface="Times New Roman" panose="02020603050405020304" pitchFamily="18" charset="0"/>
+              </a:rPr>
+              <a:t>thức</a:t>
+            </a:r>
+            <a:r>
+              <a:rPr lang="en-US" dirty="0" smtClean="0">
+                <a:latin typeface="Times New Roman" panose="02020603050405020304" pitchFamily="18" charset="0"/>
+                <a:cs typeface="Times New Roman" panose="02020603050405020304" pitchFamily="18" charset="0"/>
+              </a:rPr>
+              <a:t>, </a:t>
+            </a:r>
+            <a:r>
+              <a:rPr lang="en-US" dirty="0" err="1" smtClean="0">
+                <a:latin typeface="Times New Roman" panose="02020603050405020304" pitchFamily="18" charset="0"/>
+                <a:cs typeface="Times New Roman" panose="02020603050405020304" pitchFamily="18" charset="0"/>
+              </a:rPr>
+              <a:t>sử</a:t>
+            </a:r>
+            <a:r>
+              <a:rPr lang="en-US" dirty="0" smtClean="0">
+                <a:latin typeface="Times New Roman" panose="02020603050405020304" pitchFamily="18" charset="0"/>
+                <a:cs typeface="Times New Roman" panose="02020603050405020304" pitchFamily="18" charset="0"/>
+              </a:rPr>
+              <a:t> </a:t>
+            </a:r>
+            <a:r>
+              <a:rPr lang="en-US" dirty="0" err="1" smtClean="0">
+                <a:latin typeface="Times New Roman" panose="02020603050405020304" pitchFamily="18" charset="0"/>
+                <a:cs typeface="Times New Roman" panose="02020603050405020304" pitchFamily="18" charset="0"/>
+              </a:rPr>
+              <a:t>dụng</a:t>
+            </a:r>
+            <a:r>
+              <a:rPr lang="en-US" dirty="0" smtClean="0">
+                <a:latin typeface="Times New Roman" panose="02020603050405020304" pitchFamily="18" charset="0"/>
+                <a:cs typeface="Times New Roman" panose="02020603050405020304" pitchFamily="18" charset="0"/>
+              </a:rPr>
+              <a:t> </a:t>
+            </a:r>
+            <a:r>
+              <a:rPr lang="en-US" dirty="0" err="1" smtClean="0">
+                <a:latin typeface="Times New Roman" panose="02020603050405020304" pitchFamily="18" charset="0"/>
+                <a:cs typeface="Times New Roman" panose="02020603050405020304" pitchFamily="18" charset="0"/>
+              </a:rPr>
+              <a:t>toán</a:t>
+            </a:r>
+            <a:r>
+              <a:rPr lang="en-US" dirty="0" smtClean="0">
+                <a:latin typeface="Times New Roman" panose="02020603050405020304" pitchFamily="18" charset="0"/>
+                <a:cs typeface="Times New Roman" panose="02020603050405020304" pitchFamily="18" charset="0"/>
+              </a:rPr>
+              <a:t> </a:t>
+            </a:r>
+            <a:r>
+              <a:rPr lang="en-US" dirty="0" err="1" smtClean="0">
+                <a:latin typeface="Times New Roman" panose="02020603050405020304" pitchFamily="18" charset="0"/>
+                <a:cs typeface="Times New Roman" panose="02020603050405020304" pitchFamily="18" charset="0"/>
+              </a:rPr>
+              <a:t>tử</a:t>
+            </a:r>
+            <a:r>
+              <a:rPr lang="en-US" dirty="0" smtClean="0">
+                <a:latin typeface="Times New Roman" panose="02020603050405020304" pitchFamily="18" charset="0"/>
+                <a:cs typeface="Times New Roman" panose="02020603050405020304" pitchFamily="18" charset="0"/>
+              </a:rPr>
+              <a:t> &amp;&amp;, ? :</a:t>
+            </a:r>
+          </a:p>
+          <a:p>
+            <a:r>
+              <a:rPr lang="en-US" dirty="0" smtClean="0">
+                <a:latin typeface="Times New Roman" panose="02020603050405020304" pitchFamily="18" charset="0"/>
+                <a:cs typeface="Times New Roman" panose="02020603050405020304" pitchFamily="18" charset="0"/>
+              </a:rPr>
+              <a:t>- </a:t>
+            </a:r>
+            <a:r>
+              <a:rPr lang="en-US" dirty="0" err="1" smtClean="0">
+                <a:latin typeface="Times New Roman" panose="02020603050405020304" pitchFamily="18" charset="0"/>
+                <a:cs typeface="Times New Roman" panose="02020603050405020304" pitchFamily="18" charset="0"/>
+              </a:rPr>
+              <a:t>Chống</a:t>
+            </a:r>
+            <a:r>
+              <a:rPr lang="en-US" dirty="0" smtClean="0">
+                <a:latin typeface="Times New Roman" panose="02020603050405020304" pitchFamily="18" charset="0"/>
+                <a:cs typeface="Times New Roman" panose="02020603050405020304" pitchFamily="18" charset="0"/>
+              </a:rPr>
+              <a:t> </a:t>
+            </a:r>
+            <a:r>
+              <a:rPr lang="en-US" dirty="0" err="1" smtClean="0">
+                <a:latin typeface="Times New Roman" panose="02020603050405020304" pitchFamily="18" charset="0"/>
+                <a:cs typeface="Times New Roman" panose="02020603050405020304" pitchFamily="18" charset="0"/>
+              </a:rPr>
+              <a:t>tấn</a:t>
+            </a:r>
+            <a:r>
+              <a:rPr lang="en-US" dirty="0" smtClean="0">
+                <a:latin typeface="Times New Roman" panose="02020603050405020304" pitchFamily="18" charset="0"/>
+                <a:cs typeface="Times New Roman" panose="02020603050405020304" pitchFamily="18" charset="0"/>
+              </a:rPr>
+              <a:t> </a:t>
+            </a:r>
+            <a:r>
+              <a:rPr lang="en-US" dirty="0" err="1" smtClean="0">
+                <a:latin typeface="Times New Roman" panose="02020603050405020304" pitchFamily="18" charset="0"/>
+                <a:cs typeface="Times New Roman" panose="02020603050405020304" pitchFamily="18" charset="0"/>
+              </a:rPr>
+              <a:t>công</a:t>
+            </a:r>
+            <a:r>
+              <a:rPr lang="en-US" dirty="0" smtClean="0">
+                <a:latin typeface="Times New Roman" panose="02020603050405020304" pitchFamily="18" charset="0"/>
+                <a:cs typeface="Times New Roman" panose="02020603050405020304" pitchFamily="18" charset="0"/>
+              </a:rPr>
+              <a:t> Injection</a:t>
+            </a:r>
+          </a:p>
+          <a:p>
+            <a:r>
+              <a:rPr lang="en-US" dirty="0" smtClean="0">
+                <a:latin typeface="Times New Roman" panose="02020603050405020304" pitchFamily="18" charset="0"/>
+                <a:cs typeface="Times New Roman" panose="02020603050405020304" pitchFamily="18" charset="0"/>
+              </a:rPr>
+              <a:t>- </a:t>
+            </a:r>
+            <a:r>
+              <a:rPr lang="en-US" dirty="0" err="1" smtClean="0">
+                <a:latin typeface="Times New Roman" panose="02020603050405020304" pitchFamily="18" charset="0"/>
+                <a:cs typeface="Times New Roman" panose="02020603050405020304" pitchFamily="18" charset="0"/>
+              </a:rPr>
+              <a:t>Quy</a:t>
+            </a:r>
+            <a:r>
+              <a:rPr lang="en-US" dirty="0" smtClean="0">
+                <a:latin typeface="Times New Roman" panose="02020603050405020304" pitchFamily="18" charset="0"/>
+                <a:cs typeface="Times New Roman" panose="02020603050405020304" pitchFamily="18" charset="0"/>
+              </a:rPr>
+              <a:t> </a:t>
+            </a:r>
+            <a:r>
+              <a:rPr lang="en-US" dirty="0" err="1" smtClean="0">
+                <a:latin typeface="Times New Roman" panose="02020603050405020304" pitchFamily="18" charset="0"/>
+                <a:cs typeface="Times New Roman" panose="02020603050405020304" pitchFamily="18" charset="0"/>
+              </a:rPr>
+              <a:t>tắc</a:t>
+            </a:r>
+            <a:r>
+              <a:rPr lang="en-US" dirty="0" smtClean="0">
+                <a:latin typeface="Times New Roman" panose="02020603050405020304" pitchFamily="18" charset="0"/>
+                <a:cs typeface="Times New Roman" panose="02020603050405020304" pitchFamily="18" charset="0"/>
+              </a:rPr>
+              <a:t> </a:t>
+            </a:r>
+            <a:r>
+              <a:rPr lang="en-US" dirty="0" err="1" smtClean="0">
+                <a:latin typeface="Times New Roman" panose="02020603050405020304" pitchFamily="18" charset="0"/>
+                <a:cs typeface="Times New Roman" panose="02020603050405020304" pitchFamily="18" charset="0"/>
+              </a:rPr>
+              <a:t>đặt</a:t>
+            </a:r>
+            <a:r>
+              <a:rPr lang="en-US" dirty="0" smtClean="0">
+                <a:latin typeface="Times New Roman" panose="02020603050405020304" pitchFamily="18" charset="0"/>
+                <a:cs typeface="Times New Roman" panose="02020603050405020304" pitchFamily="18" charset="0"/>
+              </a:rPr>
+              <a:t> </a:t>
+            </a:r>
+            <a:r>
+              <a:rPr lang="en-US" dirty="0" err="1" smtClean="0">
+                <a:latin typeface="Times New Roman" panose="02020603050405020304" pitchFamily="18" charset="0"/>
+                <a:cs typeface="Times New Roman" panose="02020603050405020304" pitchFamily="18" charset="0"/>
+              </a:rPr>
+              <a:t>tên</a:t>
+            </a:r>
+            <a:r>
+              <a:rPr lang="en-US" dirty="0" smtClean="0">
+                <a:latin typeface="Times New Roman" panose="02020603050405020304" pitchFamily="18" charset="0"/>
+                <a:cs typeface="Times New Roman" panose="02020603050405020304" pitchFamily="18" charset="0"/>
+              </a:rPr>
+              <a:t> class -&gt; </a:t>
+            </a:r>
+            <a:r>
+              <a:rPr lang="en-US" dirty="0" err="1" smtClean="0">
+                <a:latin typeface="Times New Roman" panose="02020603050405020304" pitchFamily="18" charset="0"/>
+                <a:cs typeface="Times New Roman" panose="02020603050405020304" pitchFamily="18" charset="0"/>
+              </a:rPr>
+              <a:t>className</a:t>
             </a:r>
             <a:endParaRPr lang="en-US" dirty="0" smtClean="0">
               <a:latin typeface="Times New Roman" panose="02020603050405020304" pitchFamily="18" charset="0"/>
@@ -4652,221 +4955,91 @@
                 <a:latin typeface="Times New Roman" panose="02020603050405020304" pitchFamily="18" charset="0"/>
                 <a:cs typeface="Times New Roman" panose="02020603050405020304" pitchFamily="18" charset="0"/>
               </a:rPr>
-              <a:t>Nhúng</a:t>
-            </a:r>
-            <a:r>
-              <a:rPr lang="en-US" dirty="0" smtClean="0">
-                <a:latin typeface="Times New Roman" panose="02020603050405020304" pitchFamily="18" charset="0"/>
-                <a:cs typeface="Times New Roman" panose="02020603050405020304" pitchFamily="18" charset="0"/>
-              </a:rPr>
-              <a:t> </a:t>
-            </a:r>
-            <a:r>
-              <a:rPr lang="en-US" dirty="0" err="1" smtClean="0">
-                <a:latin typeface="Times New Roman" panose="02020603050405020304" pitchFamily="18" charset="0"/>
-                <a:cs typeface="Times New Roman" panose="02020603050405020304" pitchFamily="18" charset="0"/>
-              </a:rPr>
-              <a:t>biểu</a:t>
-            </a:r>
-            <a:r>
-              <a:rPr lang="en-US" dirty="0" smtClean="0">
-                <a:latin typeface="Times New Roman" panose="02020603050405020304" pitchFamily="18" charset="0"/>
-                <a:cs typeface="Times New Roman" panose="02020603050405020304" pitchFamily="18" charset="0"/>
-              </a:rPr>
-              <a:t> </a:t>
-            </a:r>
-            <a:r>
-              <a:rPr lang="en-US" dirty="0" err="1" smtClean="0">
-                <a:latin typeface="Times New Roman" panose="02020603050405020304" pitchFamily="18" charset="0"/>
-                <a:cs typeface="Times New Roman" panose="02020603050405020304" pitchFamily="18" charset="0"/>
-              </a:rPr>
-              <a:t>thức</a:t>
-            </a:r>
-            <a:r>
-              <a:rPr lang="en-US" dirty="0" smtClean="0">
-                <a:latin typeface="Times New Roman" panose="02020603050405020304" pitchFamily="18" charset="0"/>
-                <a:cs typeface="Times New Roman" panose="02020603050405020304" pitchFamily="18" charset="0"/>
-              </a:rPr>
-              <a:t>, </a:t>
-            </a:r>
-            <a:r>
-              <a:rPr lang="en-US" dirty="0" err="1" smtClean="0">
-                <a:latin typeface="Times New Roman" panose="02020603050405020304" pitchFamily="18" charset="0"/>
-                <a:cs typeface="Times New Roman" panose="02020603050405020304" pitchFamily="18" charset="0"/>
-              </a:rPr>
-              <a:t>sử</a:t>
-            </a:r>
-            <a:r>
-              <a:rPr lang="en-US" dirty="0" smtClean="0">
-                <a:latin typeface="Times New Roman" panose="02020603050405020304" pitchFamily="18" charset="0"/>
-                <a:cs typeface="Times New Roman" panose="02020603050405020304" pitchFamily="18" charset="0"/>
-              </a:rPr>
-              <a:t> </a:t>
-            </a:r>
-            <a:r>
-              <a:rPr lang="en-US" dirty="0" err="1" smtClean="0">
-                <a:latin typeface="Times New Roman" panose="02020603050405020304" pitchFamily="18" charset="0"/>
-                <a:cs typeface="Times New Roman" panose="02020603050405020304" pitchFamily="18" charset="0"/>
-              </a:rPr>
-              <a:t>dụng</a:t>
-            </a:r>
-            <a:r>
-              <a:rPr lang="en-US" dirty="0" smtClean="0">
-                <a:latin typeface="Times New Roman" panose="02020603050405020304" pitchFamily="18" charset="0"/>
-                <a:cs typeface="Times New Roman" panose="02020603050405020304" pitchFamily="18" charset="0"/>
-              </a:rPr>
-              <a:t> </a:t>
-            </a:r>
-            <a:r>
-              <a:rPr lang="en-US" dirty="0" err="1" smtClean="0">
-                <a:latin typeface="Times New Roman" panose="02020603050405020304" pitchFamily="18" charset="0"/>
-                <a:cs typeface="Times New Roman" panose="02020603050405020304" pitchFamily="18" charset="0"/>
-              </a:rPr>
-              <a:t>toán</a:t>
-            </a:r>
-            <a:r>
-              <a:rPr lang="en-US" dirty="0" smtClean="0">
-                <a:latin typeface="Times New Roman" panose="02020603050405020304" pitchFamily="18" charset="0"/>
-                <a:cs typeface="Times New Roman" panose="02020603050405020304" pitchFamily="18" charset="0"/>
-              </a:rPr>
-              <a:t> </a:t>
-            </a:r>
-            <a:r>
-              <a:rPr lang="en-US" dirty="0" err="1" smtClean="0">
-                <a:latin typeface="Times New Roman" panose="02020603050405020304" pitchFamily="18" charset="0"/>
-                <a:cs typeface="Times New Roman" panose="02020603050405020304" pitchFamily="18" charset="0"/>
-              </a:rPr>
-              <a:t>tử</a:t>
-            </a:r>
-            <a:r>
-              <a:rPr lang="en-US" dirty="0" smtClean="0">
-                <a:latin typeface="Times New Roman" panose="02020603050405020304" pitchFamily="18" charset="0"/>
-                <a:cs typeface="Times New Roman" panose="02020603050405020304" pitchFamily="18" charset="0"/>
-              </a:rPr>
-              <a:t> &amp;&amp;, ? :</a:t>
-            </a:r>
-          </a:p>
-          <a:p>
-            <a:r>
-              <a:rPr lang="en-US" dirty="0" smtClean="0">
-                <a:latin typeface="Times New Roman" panose="02020603050405020304" pitchFamily="18" charset="0"/>
-                <a:cs typeface="Times New Roman" panose="02020603050405020304" pitchFamily="18" charset="0"/>
-              </a:rPr>
-              <a:t>- </a:t>
-            </a:r>
-            <a:r>
-              <a:rPr lang="en-US" dirty="0" err="1" smtClean="0">
-                <a:latin typeface="Times New Roman" panose="02020603050405020304" pitchFamily="18" charset="0"/>
-                <a:cs typeface="Times New Roman" panose="02020603050405020304" pitchFamily="18" charset="0"/>
-              </a:rPr>
-              <a:t>Chống</a:t>
-            </a:r>
-            <a:r>
-              <a:rPr lang="en-US" dirty="0" smtClean="0">
-                <a:latin typeface="Times New Roman" panose="02020603050405020304" pitchFamily="18" charset="0"/>
-                <a:cs typeface="Times New Roman" panose="02020603050405020304" pitchFamily="18" charset="0"/>
-              </a:rPr>
-              <a:t> </a:t>
-            </a:r>
-            <a:r>
-              <a:rPr lang="en-US" dirty="0" err="1" smtClean="0">
-                <a:latin typeface="Times New Roman" panose="02020603050405020304" pitchFamily="18" charset="0"/>
-                <a:cs typeface="Times New Roman" panose="02020603050405020304" pitchFamily="18" charset="0"/>
-              </a:rPr>
-              <a:t>tấn</a:t>
-            </a:r>
-            <a:r>
-              <a:rPr lang="en-US" dirty="0" smtClean="0">
-                <a:latin typeface="Times New Roman" panose="02020603050405020304" pitchFamily="18" charset="0"/>
-                <a:cs typeface="Times New Roman" panose="02020603050405020304" pitchFamily="18" charset="0"/>
-              </a:rPr>
-              <a:t> </a:t>
-            </a:r>
-            <a:r>
-              <a:rPr lang="en-US" dirty="0" err="1" smtClean="0">
-                <a:latin typeface="Times New Roman" panose="02020603050405020304" pitchFamily="18" charset="0"/>
-                <a:cs typeface="Times New Roman" panose="02020603050405020304" pitchFamily="18" charset="0"/>
-              </a:rPr>
-              <a:t>công</a:t>
-            </a:r>
-            <a:r>
-              <a:rPr lang="en-US" dirty="0" smtClean="0">
-                <a:latin typeface="Times New Roman" panose="02020603050405020304" pitchFamily="18" charset="0"/>
-                <a:cs typeface="Times New Roman" panose="02020603050405020304" pitchFamily="18" charset="0"/>
-              </a:rPr>
-              <a:t> Injection</a:t>
-            </a:r>
-          </a:p>
-          <a:p>
-            <a:r>
-              <a:rPr lang="en-US" dirty="0" smtClean="0">
-                <a:latin typeface="Times New Roman" panose="02020603050405020304" pitchFamily="18" charset="0"/>
-                <a:cs typeface="Times New Roman" panose="02020603050405020304" pitchFamily="18" charset="0"/>
-              </a:rPr>
-              <a:t>- </a:t>
-            </a:r>
-            <a:r>
-              <a:rPr lang="en-US" dirty="0" err="1" smtClean="0">
-                <a:latin typeface="Times New Roman" panose="02020603050405020304" pitchFamily="18" charset="0"/>
-                <a:cs typeface="Times New Roman" panose="02020603050405020304" pitchFamily="18" charset="0"/>
-              </a:rPr>
-              <a:t>Quy</a:t>
-            </a:r>
-            <a:r>
-              <a:rPr lang="en-US" dirty="0" smtClean="0">
-                <a:latin typeface="Times New Roman" panose="02020603050405020304" pitchFamily="18" charset="0"/>
-                <a:cs typeface="Times New Roman" panose="02020603050405020304" pitchFamily="18" charset="0"/>
-              </a:rPr>
-              <a:t> </a:t>
-            </a:r>
-            <a:r>
-              <a:rPr lang="en-US" dirty="0" err="1" smtClean="0">
-                <a:latin typeface="Times New Roman" panose="02020603050405020304" pitchFamily="18" charset="0"/>
-                <a:cs typeface="Times New Roman" panose="02020603050405020304" pitchFamily="18" charset="0"/>
-              </a:rPr>
-              <a:t>tắc</a:t>
-            </a:r>
-            <a:r>
-              <a:rPr lang="en-US" dirty="0" smtClean="0">
-                <a:latin typeface="Times New Roman" panose="02020603050405020304" pitchFamily="18" charset="0"/>
-                <a:cs typeface="Times New Roman" panose="02020603050405020304" pitchFamily="18" charset="0"/>
-              </a:rPr>
-              <a:t> </a:t>
-            </a:r>
-            <a:r>
-              <a:rPr lang="en-US" dirty="0" err="1" smtClean="0">
-                <a:latin typeface="Times New Roman" panose="02020603050405020304" pitchFamily="18" charset="0"/>
-                <a:cs typeface="Times New Roman" panose="02020603050405020304" pitchFamily="18" charset="0"/>
-              </a:rPr>
-              <a:t>đặt</a:t>
-            </a:r>
-            <a:r>
-              <a:rPr lang="en-US" dirty="0" smtClean="0">
-                <a:latin typeface="Times New Roman" panose="02020603050405020304" pitchFamily="18" charset="0"/>
-                <a:cs typeface="Times New Roman" panose="02020603050405020304" pitchFamily="18" charset="0"/>
-              </a:rPr>
-              <a:t> </a:t>
-            </a:r>
-            <a:r>
-              <a:rPr lang="en-US" dirty="0" err="1" smtClean="0">
-                <a:latin typeface="Times New Roman" panose="02020603050405020304" pitchFamily="18" charset="0"/>
-                <a:cs typeface="Times New Roman" panose="02020603050405020304" pitchFamily="18" charset="0"/>
-              </a:rPr>
-              <a:t>tên</a:t>
-            </a:r>
-            <a:r>
-              <a:rPr lang="en-US" dirty="0" smtClean="0">
-                <a:latin typeface="Times New Roman" panose="02020603050405020304" pitchFamily="18" charset="0"/>
-                <a:cs typeface="Times New Roman" panose="02020603050405020304" pitchFamily="18" charset="0"/>
-              </a:rPr>
-              <a:t> class -&gt; </a:t>
-            </a:r>
-            <a:r>
-              <a:rPr lang="en-US" dirty="0" err="1" smtClean="0">
-                <a:latin typeface="Times New Roman" panose="02020603050405020304" pitchFamily="18" charset="0"/>
-                <a:cs typeface="Times New Roman" panose="02020603050405020304" pitchFamily="18" charset="0"/>
-              </a:rPr>
-              <a:t>className</a:t>
+              <a:t>chỉ</a:t>
+            </a:r>
+            <a:r>
+              <a:rPr lang="en-US" dirty="0" smtClean="0">
+                <a:latin typeface="Times New Roman" panose="02020603050405020304" pitchFamily="18" charset="0"/>
+                <a:cs typeface="Times New Roman" panose="02020603050405020304" pitchFamily="18" charset="0"/>
+              </a:rPr>
+              <a:t> </a:t>
+            </a:r>
+            <a:r>
+              <a:rPr lang="en-US" dirty="0" err="1" smtClean="0">
+                <a:latin typeface="Times New Roman" panose="02020603050405020304" pitchFamily="18" charset="0"/>
+                <a:cs typeface="Times New Roman" panose="02020603050405020304" pitchFamily="18" charset="0"/>
+              </a:rPr>
+              <a:t>cập</a:t>
+            </a:r>
+            <a:r>
+              <a:rPr lang="en-US" dirty="0" smtClean="0">
+                <a:latin typeface="Times New Roman" panose="02020603050405020304" pitchFamily="18" charset="0"/>
+                <a:cs typeface="Times New Roman" panose="02020603050405020304" pitchFamily="18" charset="0"/>
+              </a:rPr>
+              <a:t> </a:t>
+            </a:r>
+            <a:r>
+              <a:rPr lang="en-US" dirty="0" err="1" smtClean="0">
+                <a:latin typeface="Times New Roman" panose="02020603050405020304" pitchFamily="18" charset="0"/>
+                <a:cs typeface="Times New Roman" panose="02020603050405020304" pitchFamily="18" charset="0"/>
+              </a:rPr>
+              <a:t>nhật</a:t>
+            </a:r>
+            <a:r>
+              <a:rPr lang="en-US" dirty="0" smtClean="0">
+                <a:latin typeface="Times New Roman" panose="02020603050405020304" pitchFamily="18" charset="0"/>
+                <a:cs typeface="Times New Roman" panose="02020603050405020304" pitchFamily="18" charset="0"/>
+              </a:rPr>
+              <a:t> </a:t>
+            </a:r>
+            <a:r>
+              <a:rPr lang="en-US" dirty="0" err="1" smtClean="0">
+                <a:latin typeface="Times New Roman" panose="02020603050405020304" pitchFamily="18" charset="0"/>
+                <a:cs typeface="Times New Roman" panose="02020603050405020304" pitchFamily="18" charset="0"/>
+              </a:rPr>
+              <a:t>những</a:t>
+            </a:r>
+            <a:r>
+              <a:rPr lang="en-US" dirty="0" smtClean="0">
+                <a:latin typeface="Times New Roman" panose="02020603050405020304" pitchFamily="18" charset="0"/>
+                <a:cs typeface="Times New Roman" panose="02020603050405020304" pitchFamily="18" charset="0"/>
+              </a:rPr>
+              <a:t> </a:t>
+            </a:r>
+            <a:r>
+              <a:rPr lang="en-US" dirty="0" err="1" smtClean="0">
+                <a:latin typeface="Times New Roman" panose="02020603050405020304" pitchFamily="18" charset="0"/>
+                <a:cs typeface="Times New Roman" panose="02020603050405020304" pitchFamily="18" charset="0"/>
+              </a:rPr>
+              <a:t>gì</a:t>
+            </a:r>
+            <a:r>
+              <a:rPr lang="en-US" dirty="0" smtClean="0">
+                <a:latin typeface="Times New Roman" panose="02020603050405020304" pitchFamily="18" charset="0"/>
+                <a:cs typeface="Times New Roman" panose="02020603050405020304" pitchFamily="18" charset="0"/>
+              </a:rPr>
+              <a:t> </a:t>
+            </a:r>
+            <a:r>
+              <a:rPr lang="en-US" dirty="0" err="1" smtClean="0">
+                <a:latin typeface="Times New Roman" panose="02020603050405020304" pitchFamily="18" charset="0"/>
+                <a:cs typeface="Times New Roman" panose="02020603050405020304" pitchFamily="18" charset="0"/>
+              </a:rPr>
+              <a:t>cần</a:t>
+            </a:r>
+            <a:r>
+              <a:rPr lang="en-US" dirty="0" smtClean="0">
+                <a:latin typeface="Times New Roman" panose="02020603050405020304" pitchFamily="18" charset="0"/>
+                <a:cs typeface="Times New Roman" panose="02020603050405020304" pitchFamily="18" charset="0"/>
+              </a:rPr>
+              <a:t> </a:t>
+            </a:r>
+            <a:r>
+              <a:rPr lang="en-US" dirty="0" err="1" smtClean="0">
+                <a:latin typeface="Times New Roman" panose="02020603050405020304" pitchFamily="18" charset="0"/>
+                <a:cs typeface="Times New Roman" panose="02020603050405020304" pitchFamily="18" charset="0"/>
+              </a:rPr>
+              <a:t>thiết</a:t>
             </a:r>
             <a:endParaRPr lang="en-US" dirty="0" smtClean="0">
               <a:latin typeface="Times New Roman" panose="02020603050405020304" pitchFamily="18" charset="0"/>
@@ -4886,110 +5059,6 @@
                 <a:latin typeface="Times New Roman" panose="02020603050405020304" pitchFamily="18" charset="0"/>
                 <a:cs typeface="Times New Roman" panose="02020603050405020304" pitchFamily="18" charset="0"/>
               </a:rPr>
-              <a:t>chỉ</a:t>
-            </a:r>
-            <a:r>
-              <a:rPr lang="en-US" dirty="0" smtClean="0">
-                <a:latin typeface="Times New Roman" panose="02020603050405020304" pitchFamily="18" charset="0"/>
-                <a:cs typeface="Times New Roman" panose="02020603050405020304" pitchFamily="18" charset="0"/>
-              </a:rPr>
-              <a:t> </a:t>
-            </a:r>
-            <a:r>
-              <a:rPr lang="en-US" dirty="0" err="1" smtClean="0">
-                <a:latin typeface="Times New Roman" panose="02020603050405020304" pitchFamily="18" charset="0"/>
-                <a:cs typeface="Times New Roman" panose="02020603050405020304" pitchFamily="18" charset="0"/>
-              </a:rPr>
-              <a:t>cập</a:t>
-            </a:r>
-            <a:r>
-              <a:rPr lang="en-US" dirty="0" smtClean="0">
-                <a:latin typeface="Times New Roman" panose="02020603050405020304" pitchFamily="18" charset="0"/>
-                <a:cs typeface="Times New Roman" panose="02020603050405020304" pitchFamily="18" charset="0"/>
-              </a:rPr>
-              <a:t> </a:t>
-            </a:r>
-            <a:r>
-              <a:rPr lang="en-US" dirty="0" err="1" smtClean="0">
-                <a:latin typeface="Times New Roman" panose="02020603050405020304" pitchFamily="18" charset="0"/>
-                <a:cs typeface="Times New Roman" panose="02020603050405020304" pitchFamily="18" charset="0"/>
-              </a:rPr>
-              <a:t>nhật</a:t>
-            </a:r>
-            <a:r>
-              <a:rPr lang="en-US" dirty="0" smtClean="0">
-                <a:latin typeface="Times New Roman" panose="02020603050405020304" pitchFamily="18" charset="0"/>
-                <a:cs typeface="Times New Roman" panose="02020603050405020304" pitchFamily="18" charset="0"/>
-              </a:rPr>
-              <a:t> </a:t>
-            </a:r>
-            <a:r>
-              <a:rPr lang="en-US" dirty="0" err="1" smtClean="0">
-                <a:latin typeface="Times New Roman" panose="02020603050405020304" pitchFamily="18" charset="0"/>
-                <a:cs typeface="Times New Roman" panose="02020603050405020304" pitchFamily="18" charset="0"/>
-              </a:rPr>
-              <a:t>những</a:t>
-            </a:r>
-            <a:r>
-              <a:rPr lang="en-US" dirty="0" smtClean="0">
-                <a:latin typeface="Times New Roman" panose="02020603050405020304" pitchFamily="18" charset="0"/>
-                <a:cs typeface="Times New Roman" panose="02020603050405020304" pitchFamily="18" charset="0"/>
-              </a:rPr>
-              <a:t> </a:t>
-            </a:r>
-            <a:r>
-              <a:rPr lang="en-US" dirty="0" err="1" smtClean="0">
-                <a:latin typeface="Times New Roman" panose="02020603050405020304" pitchFamily="18" charset="0"/>
-                <a:cs typeface="Times New Roman" panose="02020603050405020304" pitchFamily="18" charset="0"/>
-              </a:rPr>
-              <a:t>gì</a:t>
-            </a:r>
-            <a:r>
-              <a:rPr lang="en-US" dirty="0" smtClean="0">
-                <a:latin typeface="Times New Roman" panose="02020603050405020304" pitchFamily="18" charset="0"/>
-                <a:cs typeface="Times New Roman" panose="02020603050405020304" pitchFamily="18" charset="0"/>
-              </a:rPr>
-              <a:t> </a:t>
-            </a:r>
-            <a:r>
-              <a:rPr lang="en-US" dirty="0" err="1" smtClean="0">
-                <a:latin typeface="Times New Roman" panose="02020603050405020304" pitchFamily="18" charset="0"/>
-                <a:cs typeface="Times New Roman" panose="02020603050405020304" pitchFamily="18" charset="0"/>
-              </a:rPr>
-              <a:t>cần</a:t>
-            </a:r>
-            <a:r>
-              <a:rPr lang="en-US" dirty="0" smtClean="0">
-                <a:latin typeface="Times New Roman" panose="02020603050405020304" pitchFamily="18" charset="0"/>
-                <a:cs typeface="Times New Roman" panose="02020603050405020304" pitchFamily="18" charset="0"/>
-              </a:rPr>
-              <a:t> </a:t>
-            </a:r>
-            <a:r>
-              <a:rPr lang="en-US" dirty="0" err="1" smtClean="0">
-                <a:latin typeface="Times New Roman" panose="02020603050405020304" pitchFamily="18" charset="0"/>
-                <a:cs typeface="Times New Roman" panose="02020603050405020304" pitchFamily="18" charset="0"/>
-              </a:rPr>
-              <a:t>thiết</a:t>
-            </a:r>
-            <a:endParaRPr lang="en-US" dirty="0" smtClean="0">
-              <a:latin typeface="Times New Roman" panose="02020603050405020304" pitchFamily="18" charset="0"/>
-              <a:cs typeface="Times New Roman" panose="02020603050405020304" pitchFamily="18" charset="0"/>
-            </a:endParaRPr>
-          </a:p>
-          <a:p>
-            <a:r>
-              <a:rPr lang="en-US" dirty="0" smtClean="0">
-                <a:latin typeface="Times New Roman" panose="02020603050405020304" pitchFamily="18" charset="0"/>
-                <a:cs typeface="Times New Roman" panose="02020603050405020304" pitchFamily="18" charset="0"/>
-              </a:rPr>
-              <a:t>- </a:t>
-            </a:r>
-            <a:r>
-              <a:rPr lang="en-US" dirty="0" err="1" smtClean="0">
-                <a:latin typeface="Times New Roman" panose="02020603050405020304" pitchFamily="18" charset="0"/>
-                <a:cs typeface="Times New Roman" panose="02020603050405020304" pitchFamily="18" charset="0"/>
-              </a:rPr>
               <a:t>ví</a:t>
             </a:r>
             <a:r>
@@ -5117,6 +5186,111 @@
                 <a:cs typeface="Times New Roman" panose="02020603050405020304" pitchFamily="18" charset="0"/>
               </a:rPr>
               <a:t>chung</a:t>
+            </a:r>
+            <a:r>
+              <a:rPr lang="en-US" dirty="0" smtClean="0">
+                <a:latin typeface="Times New Roman" panose="02020603050405020304" pitchFamily="18" charset="0"/>
+                <a:cs typeface="Times New Roman" panose="02020603050405020304" pitchFamily="18" charset="0"/>
+              </a:rPr>
+              <a:t>, </a:t>
+            </a:r>
+            <a:r>
+              <a:rPr lang="en-US" dirty="0" err="1" smtClean="0">
+                <a:latin typeface="Times New Roman" panose="02020603050405020304" pitchFamily="18" charset="0"/>
+                <a:cs typeface="Times New Roman" panose="02020603050405020304" pitchFamily="18" charset="0"/>
+              </a:rPr>
+              <a:t>truy</a:t>
+            </a:r>
+            <a:r>
+              <a:rPr lang="en-US" dirty="0" smtClean="0">
+                <a:latin typeface="Times New Roman" panose="02020603050405020304" pitchFamily="18" charset="0"/>
+                <a:cs typeface="Times New Roman" panose="02020603050405020304" pitchFamily="18" charset="0"/>
+              </a:rPr>
+              <a:t> </a:t>
+            </a:r>
+            <a:r>
+              <a:rPr lang="en-US" dirty="0" err="1" smtClean="0">
+                <a:latin typeface="Times New Roman" panose="02020603050405020304" pitchFamily="18" charset="0"/>
+                <a:cs typeface="Times New Roman" panose="02020603050405020304" pitchFamily="18" charset="0"/>
+              </a:rPr>
+              <a:t>vấn</a:t>
+            </a:r>
+            <a:r>
+              <a:rPr lang="en-US" dirty="0" smtClean="0">
+                <a:latin typeface="Times New Roman" panose="02020603050405020304" pitchFamily="18" charset="0"/>
+                <a:cs typeface="Times New Roman" panose="02020603050405020304" pitchFamily="18" charset="0"/>
+              </a:rPr>
+              <a:t> </a:t>
+            </a:r>
+            <a:r>
+              <a:rPr lang="en-US" dirty="0" err="1" smtClean="0">
+                <a:latin typeface="Times New Roman" panose="02020603050405020304" pitchFamily="18" charset="0"/>
+                <a:cs typeface="Times New Roman" panose="02020603050405020304" pitchFamily="18" charset="0"/>
+              </a:rPr>
+              <a:t>biến</a:t>
+            </a:r>
+            <a:r>
+              <a:rPr lang="en-US" dirty="0" smtClean="0">
+                <a:latin typeface="Times New Roman" panose="02020603050405020304" pitchFamily="18" charset="0"/>
+                <a:cs typeface="Times New Roman" panose="02020603050405020304" pitchFamily="18" charset="0"/>
+              </a:rPr>
+              <a:t> </a:t>
+            </a:r>
+            <a:r>
+              <a:rPr lang="en-US" dirty="0" err="1" smtClean="0">
+                <a:latin typeface="Times New Roman" panose="02020603050405020304" pitchFamily="18" charset="0"/>
+                <a:cs typeface="Times New Roman" panose="02020603050405020304" pitchFamily="18" charset="0"/>
+              </a:rPr>
+              <a:t>env</a:t>
+            </a:r>
+            <a:r>
+              <a:rPr lang="en-US" dirty="0" smtClean="0">
+                <a:latin typeface="Times New Roman" panose="02020603050405020304" pitchFamily="18" charset="0"/>
+                <a:cs typeface="Times New Roman" panose="02020603050405020304" pitchFamily="18" charset="0"/>
+              </a:rPr>
+              <a:t> REACT_APP_, </a:t>
+            </a:r>
+            <a:r>
+              <a:rPr lang="en-US" dirty="0" err="1" smtClean="0">
+                <a:latin typeface="Times New Roman" panose="02020603050405020304" pitchFamily="18" charset="0"/>
+                <a:cs typeface="Times New Roman" panose="02020603050405020304" pitchFamily="18" charset="0"/>
+              </a:rPr>
+              <a:t>truy</a:t>
+            </a:r>
+            <a:r>
+              <a:rPr lang="en-US" dirty="0" smtClean="0">
+                <a:latin typeface="Times New Roman" panose="02020603050405020304" pitchFamily="18" charset="0"/>
+                <a:cs typeface="Times New Roman" panose="02020603050405020304" pitchFamily="18" charset="0"/>
+              </a:rPr>
+              <a:t> </a:t>
+            </a:r>
+            <a:r>
+              <a:rPr lang="en-US" dirty="0" err="1" smtClean="0">
+                <a:latin typeface="Times New Roman" panose="02020603050405020304" pitchFamily="18" charset="0"/>
+                <a:cs typeface="Times New Roman" panose="02020603050405020304" pitchFamily="18" charset="0"/>
+              </a:rPr>
+              <a:t>vấn</a:t>
+            </a:r>
+            <a:r>
+              <a:rPr lang="en-US" dirty="0" smtClean="0">
+                <a:latin typeface="Times New Roman" panose="02020603050405020304" pitchFamily="18" charset="0"/>
+                <a:cs typeface="Times New Roman" panose="02020603050405020304" pitchFamily="18" charset="0"/>
+              </a:rPr>
+              <a:t> </a:t>
+            </a:r>
+            <a:r>
+              <a:rPr lang="en-US" dirty="0" err="1" smtClean="0">
+                <a:latin typeface="Times New Roman" panose="02020603050405020304" pitchFamily="18" charset="0"/>
+                <a:cs typeface="Times New Roman" panose="02020603050405020304" pitchFamily="18" charset="0"/>
+              </a:rPr>
+              <a:t>từ</a:t>
+            </a:r>
+            <a:r>
+              <a:rPr lang="en-US" dirty="0" smtClean="0">
+                <a:latin typeface="Times New Roman" panose="02020603050405020304" pitchFamily="18" charset="0"/>
+                <a:cs typeface="Times New Roman" panose="02020603050405020304" pitchFamily="18" charset="0"/>
+              </a:rPr>
+              <a:t> public “%PUBLIC_URL%”</a:t>
             </a:r>
             <a:endParaRPr lang="en-US" dirty="0">
               <a:latin typeface="Times New Roman" panose="02020603050405020304" pitchFamily="18" charset="0"/>
@@ -5177,10 +5351,6 @@
               </a:rPr>
               <a:t>React hooks</a:t>
             </a:r>
-            <a:endParaRPr lang="en-US" dirty="0">
-              <a:latin typeface="Times New Roman" panose="02020603050405020304" pitchFamily="18" charset="0"/>
-              <a:cs typeface="Times New Roman" panose="02020603050405020304" pitchFamily="18" charset="0"/>
-            </a:endParaRPr>
           </a:p>
         </p:txBody>
       </p:sp>
@@ -5708,10 +5878,6 @@
               </a:rPr>
               <a:t> toolkit</a:t>
             </a:r>
-            <a:endParaRPr lang="en-US" dirty="0">
-              <a:latin typeface="Times New Roman" panose="02020603050405020304" pitchFamily="18" charset="0"/>
-              <a:cs typeface="Times New Roman" panose="02020603050405020304" pitchFamily="18" charset="0"/>
-            </a:endParaRPr>
           </a:p>
         </p:txBody>
       </p:sp>
@@ -5990,6 +6156,27 @@
           <a:bodyPr/>
           <a:lstStyle/>
           <a:p>
+            <a:r>
+              <a:rPr lang="en-US" dirty="0" err="1" smtClean="0">
+                <a:latin typeface="Times New Roman" panose="02020603050405020304" pitchFamily="18" charset="0"/>
+                <a:cs typeface="Times New Roman" panose="02020603050405020304" pitchFamily="18" charset="0"/>
+              </a:rPr>
+              <a:t>Thực</a:t>
+            </a:r>
+            <a:r>
+              <a:rPr lang="en-US" dirty="0" smtClean="0">
+                <a:latin typeface="Times New Roman" panose="02020603050405020304" pitchFamily="18" charset="0"/>
+                <a:cs typeface="Times New Roman" panose="02020603050405020304" pitchFamily="18" charset="0"/>
+              </a:rPr>
+              <a:t> </a:t>
+            </a:r>
+            <a:r>
+              <a:rPr lang="en-US" dirty="0" err="1" smtClean="0">
+                <a:latin typeface="Times New Roman" panose="02020603050405020304" pitchFamily="18" charset="0"/>
+                <a:cs typeface="Times New Roman" panose="02020603050405020304" pitchFamily="18" charset="0"/>
+              </a:rPr>
+              <a:t>hành</a:t>
+            </a:r>
             <a:endParaRPr lang="en-US" dirty="0">
               <a:latin typeface="Times New Roman" panose="02020603050405020304" pitchFamily="18" charset="0"/>
               <a:cs typeface="Times New Roman" panose="02020603050405020304" pitchFamily="18" charset="0"/>
@@ -6012,6 +6199,27 @@
           <a:bodyPr/>
           <a:lstStyle/>
           <a:p>
+            <a:r>
+              <a:rPr lang="en-US" dirty="0" smtClean="0">
+                <a:latin typeface="Times New Roman" panose="02020603050405020304" pitchFamily="18" charset="0"/>
+                <a:cs typeface="Times New Roman" panose="02020603050405020304" pitchFamily="18" charset="0"/>
+              </a:rPr>
+              <a:t>- </a:t>
+            </a:r>
+            <a:r>
+              <a:rPr lang="en-US" dirty="0" err="1" smtClean="0">
+                <a:latin typeface="Times New Roman" panose="02020603050405020304" pitchFamily="18" charset="0"/>
+                <a:cs typeface="Times New Roman" panose="02020603050405020304" pitchFamily="18" charset="0"/>
+              </a:rPr>
+              <a:t>tạo</a:t>
+            </a:r>
+            <a:r>
+              <a:rPr lang="en-US" dirty="0" smtClean="0">
+                <a:latin typeface="Times New Roman" panose="02020603050405020304" pitchFamily="18" charset="0"/>
+                <a:cs typeface="Times New Roman" panose="02020603050405020304" pitchFamily="18" charset="0"/>
+              </a:rPr>
+              <a:t> form crud</a:t>
+            </a:r>
             <a:endParaRPr lang="en-US" dirty="0">
               <a:latin typeface="Times New Roman" panose="02020603050405020304" pitchFamily="18" charset="0"/>
               <a:cs typeface="Times New Roman" panose="02020603050405020304" pitchFamily="18" charset="0"/>

--- a/react_ts.pptx
+++ b/react_ts.pptx
@@ -28,10 +28,22 @@
     <p:sldId id="279" r:id="rId22"/>
     <p:sldId id="280" r:id="rId23"/>
     <p:sldId id="283" r:id="rId24"/>
-    <p:sldId id="261" r:id="rId25"/>
-    <p:sldId id="285" r:id="rId26"/>
-    <p:sldId id="262" r:id="rId27"/>
-    <p:sldId id="263" r:id="rId28"/>
+    <p:sldId id="290" r:id="rId25"/>
+    <p:sldId id="291" r:id="rId26"/>
+    <p:sldId id="294" r:id="rId27"/>
+    <p:sldId id="293" r:id="rId28"/>
+    <p:sldId id="295" r:id="rId29"/>
+    <p:sldId id="299" r:id="rId30"/>
+    <p:sldId id="296" r:id="rId31"/>
+    <p:sldId id="297" r:id="rId32"/>
+    <p:sldId id="298" r:id="rId33"/>
+    <p:sldId id="285" r:id="rId34"/>
+    <p:sldId id="286" r:id="rId35"/>
+    <p:sldId id="287" r:id="rId36"/>
+    <p:sldId id="288" r:id="rId37"/>
+    <p:sldId id="289" r:id="rId38"/>
+    <p:sldId id="262" r:id="rId39"/>
+    <p:sldId id="263" r:id="rId40"/>
   </p:sldIdLst>
   <p:sldSz cx="12192000" cy="6858000"/>
   <p:notesSz cx="6858000" cy="9144000"/>
@@ -364,7 +376,7 @@
           <a:p>
             <a:fld id="{4BDF68E2-58F2-4D09-BE8B-E3BD06533059}" type="datetimeFigureOut">
               <a:rPr lang="en-US" dirty="0"/>
-              <a:t>2024-06-29</a:t>
+              <a:t>2024-06-30</a:t>
             </a:fld>
             <a:endParaRPr lang="en-US" dirty="0"/>
           </a:p>
@@ -567,7 +579,7 @@
           <a:p>
             <a:fld id="{2E2D6473-DF6D-4702-B328-E0DD40540A4E}" type="datetimeFigureOut">
               <a:rPr lang="en-US" dirty="0"/>
-              <a:t>2024-06-29</a:t>
+              <a:t>2024-06-30</a:t>
             </a:fld>
             <a:endParaRPr lang="en-US" dirty="0"/>
           </a:p>
@@ -818,7 +830,7 @@
           <a:p>
             <a:fld id="{E26F7E3A-B166-407D-9866-32884E7D5B37}" type="datetimeFigureOut">
               <a:rPr lang="en-US" dirty="0"/>
-              <a:t>2024-06-29</a:t>
+              <a:t>2024-06-30</a:t>
             </a:fld>
             <a:endParaRPr lang="en-US" dirty="0"/>
           </a:p>
@@ -987,7 +999,7 @@
           <a:p>
             <a:fld id="{528FC5F6-F338-4AE4-BB23-26385BCFC423}" type="datetimeFigureOut">
               <a:rPr lang="en-US" dirty="0"/>
-              <a:t>2024-06-29</a:t>
+              <a:t>2024-06-30</a:t>
             </a:fld>
             <a:endParaRPr lang="en-US" dirty="0"/>
           </a:p>
@@ -1325,7 +1337,7 @@
           <a:p>
             <a:fld id="{20EBB0C4-6273-4C6E-B9BD-2EDC30F1CD52}" type="datetimeFigureOut">
               <a:rPr lang="en-US" dirty="0"/>
-              <a:t>2024-06-29</a:t>
+              <a:t>2024-06-30</a:t>
             </a:fld>
             <a:endParaRPr lang="en-US" dirty="0"/>
           </a:p>
@@ -1595,7 +1607,7 @@
           <a:p>
             <a:fld id="{19AB4D41-86C1-4908-B66A-0B50CEB3BF29}" type="datetimeFigureOut">
               <a:rPr lang="en-US" dirty="0"/>
-              <a:t>2024-06-29</a:t>
+              <a:t>2024-06-30</a:t>
             </a:fld>
             <a:endParaRPr lang="en-US" dirty="0"/>
           </a:p>
@@ -1969,7 +1981,7 @@
           <a:p>
             <a:fld id="{E6426E2C-56C1-4E0D-A793-0088A7FDD37E}" type="datetimeFigureOut">
               <a:rPr lang="en-US" dirty="0"/>
-              <a:t>2024-06-29</a:t>
+              <a:t>2024-06-30</a:t>
             </a:fld>
             <a:endParaRPr lang="en-US" dirty="0"/>
           </a:p>
@@ -2082,7 +2094,7 @@
           <a:p>
             <a:fld id="{C8C39B41-D8B5-4052-B551-9B5525EAA8B6}" type="datetimeFigureOut">
               <a:rPr lang="en-US" dirty="0"/>
-              <a:t>2024-06-29</a:t>
+              <a:t>2024-06-30</a:t>
             </a:fld>
             <a:endParaRPr lang="en-US" dirty="0"/>
           </a:p>
@@ -2248,7 +2260,7 @@
           <a:p>
             <a:fld id="{4D94136C-8742-45B2-AF27-D93DF72833A9}" type="datetimeFigureOut">
               <a:rPr lang="en-US" dirty="0"/>
-              <a:t>2024-06-29</a:t>
+              <a:t>2024-06-30</a:t>
             </a:fld>
             <a:endParaRPr lang="en-US" dirty="0"/>
           </a:p>
@@ -2598,7 +2610,7 @@
           <a:p>
             <a:fld id="{32ABBEA6-7C60-4B02-AE87-00D78D8422AF}" type="datetimeFigureOut">
               <a:rPr lang="en-US" dirty="0"/>
-              <a:t>2024-06-29</a:t>
+              <a:t>2024-06-30</a:t>
             </a:fld>
             <a:endParaRPr lang="en-US" dirty="0"/>
           </a:p>
@@ -2976,7 +2988,7 @@
           <a:p>
             <a:fld id="{C9CAD897-D46E-4AD2-BD9B-49DD3E640873}" type="datetimeFigureOut">
               <a:rPr lang="en-US" dirty="0"/>
-              <a:t>2024-06-29</a:t>
+              <a:t>2024-06-30</a:t>
             </a:fld>
             <a:endParaRPr lang="en-US" dirty="0"/>
           </a:p>
@@ -3258,7 +3270,7 @@
           <a:p>
             <a:fld id="{98624D31-43A5-475A-80CF-332C9F6DCF35}" type="datetimeFigureOut">
               <a:rPr lang="en-US" dirty="0"/>
-              <a:t>2024-06-29</a:t>
+              <a:t>2024-06-30</a:t>
             </a:fld>
             <a:endParaRPr lang="en-US" dirty="0"/>
           </a:p>
@@ -5637,136 +5649,122 @@
                 <a:latin typeface="Times New Roman" panose="02020603050405020304" pitchFamily="18" charset="0"/>
                 <a:cs typeface="Times New Roman" panose="02020603050405020304" pitchFamily="18" charset="0"/>
               </a:rPr>
-              <a:t>T</a:t>
+              <a:t>Truy</a:t>
+            </a:r>
+            <a:r>
+              <a:rPr lang="en-US" dirty="0" smtClean="0">
+                <a:latin typeface="Times New Roman" panose="02020603050405020304" pitchFamily="18" charset="0"/>
+                <a:cs typeface="Times New Roman" panose="02020603050405020304" pitchFamily="18" charset="0"/>
+              </a:rPr>
+              <a:t> </a:t>
+            </a:r>
+            <a:r>
+              <a:rPr lang="en-US" dirty="0" err="1">
+                <a:latin typeface="Times New Roman" panose="02020603050405020304" pitchFamily="18" charset="0"/>
+                <a:cs typeface="Times New Roman" panose="02020603050405020304" pitchFamily="18" charset="0"/>
+              </a:rPr>
+              <a:t>vấn</a:t>
+            </a:r>
+            <a:r>
+              <a:rPr lang="en-US" dirty="0">
+                <a:latin typeface="Times New Roman" panose="02020603050405020304" pitchFamily="18" charset="0"/>
+                <a:cs typeface="Times New Roman" panose="02020603050405020304" pitchFamily="18" charset="0"/>
+              </a:rPr>
+              <a:t> </a:t>
+            </a:r>
+            <a:r>
+              <a:rPr lang="en-US" dirty="0" err="1">
+                <a:latin typeface="Times New Roman" panose="02020603050405020304" pitchFamily="18" charset="0"/>
+                <a:cs typeface="Times New Roman" panose="02020603050405020304" pitchFamily="18" charset="0"/>
+              </a:rPr>
+              <a:t>biến</a:t>
+            </a:r>
+            <a:r>
+              <a:rPr lang="en-US" dirty="0">
+                <a:latin typeface="Times New Roman" panose="02020603050405020304" pitchFamily="18" charset="0"/>
+                <a:cs typeface="Times New Roman" panose="02020603050405020304" pitchFamily="18" charset="0"/>
+              </a:rPr>
+              <a:t> </a:t>
+            </a:r>
+            <a:r>
+              <a:rPr lang="en-US" dirty="0" err="1">
+                <a:latin typeface="Times New Roman" panose="02020603050405020304" pitchFamily="18" charset="0"/>
+                <a:cs typeface="Times New Roman" panose="02020603050405020304" pitchFamily="18" charset="0"/>
+              </a:rPr>
+              <a:t>env</a:t>
+            </a:r>
+            <a:r>
+              <a:rPr lang="en-US" dirty="0">
+                <a:latin typeface="Times New Roman" panose="02020603050405020304" pitchFamily="18" charset="0"/>
+                <a:cs typeface="Times New Roman" panose="02020603050405020304" pitchFamily="18" charset="0"/>
+              </a:rPr>
+              <a:t> REACT_APP_, </a:t>
+            </a:r>
+            <a:r>
+              <a:rPr lang="en-US" dirty="0" err="1">
+                <a:latin typeface="Times New Roman" panose="02020603050405020304" pitchFamily="18" charset="0"/>
+                <a:cs typeface="Times New Roman" panose="02020603050405020304" pitchFamily="18" charset="0"/>
+              </a:rPr>
+              <a:t>truy</a:t>
+            </a:r>
+            <a:r>
+              <a:rPr lang="en-US" dirty="0">
+                <a:latin typeface="Times New Roman" panose="02020603050405020304" pitchFamily="18" charset="0"/>
+                <a:cs typeface="Times New Roman" panose="02020603050405020304" pitchFamily="18" charset="0"/>
+              </a:rPr>
+              <a:t> </a:t>
+            </a:r>
+            <a:r>
+              <a:rPr lang="en-US" dirty="0" err="1">
+                <a:latin typeface="Times New Roman" panose="02020603050405020304" pitchFamily="18" charset="0"/>
+                <a:cs typeface="Times New Roman" panose="02020603050405020304" pitchFamily="18" charset="0"/>
+              </a:rPr>
+              <a:t>vấn</a:t>
+            </a:r>
+            <a:r>
+              <a:rPr lang="en-US" dirty="0">
+                <a:latin typeface="Times New Roman" panose="02020603050405020304" pitchFamily="18" charset="0"/>
+                <a:cs typeface="Times New Roman" panose="02020603050405020304" pitchFamily="18" charset="0"/>
+              </a:rPr>
+              <a:t> </a:t>
+            </a:r>
+            <a:r>
+              <a:rPr lang="en-US" dirty="0" err="1">
+                <a:latin typeface="Times New Roman" panose="02020603050405020304" pitchFamily="18" charset="0"/>
+                <a:cs typeface="Times New Roman" panose="02020603050405020304" pitchFamily="18" charset="0"/>
+              </a:rPr>
+              <a:t>từ</a:t>
+            </a:r>
+            <a:r>
+              <a:rPr lang="en-US" dirty="0">
+                <a:latin typeface="Times New Roman" panose="02020603050405020304" pitchFamily="18" charset="0"/>
+                <a:cs typeface="Times New Roman" panose="02020603050405020304" pitchFamily="18" charset="0"/>
+              </a:rPr>
+              <a:t> public “%PUBLIC_URL</a:t>
+            </a:r>
+            <a:r>
+              <a:rPr lang="en-US" dirty="0" smtClean="0">
+                <a:latin typeface="Times New Roman" panose="02020603050405020304" pitchFamily="18" charset="0"/>
+                <a:cs typeface="Times New Roman" panose="02020603050405020304" pitchFamily="18" charset="0"/>
+              </a:rPr>
+              <a:t>%”</a:t>
+            </a:r>
+          </a:p>
+          <a:p>
+            <a:pPr algn="just"/>
+            <a:r>
+              <a:rPr lang="en-US" sz="2000" dirty="0" smtClean="0">
+                <a:latin typeface="Times New Roman" panose="02020603050405020304" pitchFamily="18" charset="0"/>
+                <a:cs typeface="Times New Roman" panose="02020603050405020304" pitchFamily="18" charset="0"/>
+              </a:rPr>
+              <a:t>- </a:t>
             </a:r>
             <a:r>
               <a:rPr lang="en-US" dirty="0" err="1" smtClean="0">
                 <a:latin typeface="Times New Roman" panose="02020603050405020304" pitchFamily="18" charset="0"/>
                 <a:cs typeface="Times New Roman" panose="02020603050405020304" pitchFamily="18" charset="0"/>
               </a:rPr>
-              <a:t>ruy</a:t>
-            </a:r>
-            <a:r>
-              <a:rPr lang="en-US" dirty="0" smtClean="0">
-                <a:latin typeface="Times New Roman" panose="02020603050405020304" pitchFamily="18" charset="0"/>
-                <a:cs typeface="Times New Roman" panose="02020603050405020304" pitchFamily="18" charset="0"/>
-              </a:rPr>
-              <a:t> </a:t>
-            </a:r>
-            <a:r>
-              <a:rPr lang="en-US" dirty="0" err="1">
-                <a:latin typeface="Times New Roman" panose="02020603050405020304" pitchFamily="18" charset="0"/>
-                <a:cs typeface="Times New Roman" panose="02020603050405020304" pitchFamily="18" charset="0"/>
-              </a:rPr>
-              <a:t>vấn</a:t>
-            </a:r>
-            <a:r>
-              <a:rPr lang="en-US" dirty="0">
-                <a:latin typeface="Times New Roman" panose="02020603050405020304" pitchFamily="18" charset="0"/>
-                <a:cs typeface="Times New Roman" panose="02020603050405020304" pitchFamily="18" charset="0"/>
-              </a:rPr>
-              <a:t> </a:t>
-            </a:r>
-            <a:r>
-              <a:rPr lang="en-US" dirty="0" err="1">
-                <a:latin typeface="Times New Roman" panose="02020603050405020304" pitchFamily="18" charset="0"/>
-                <a:cs typeface="Times New Roman" panose="02020603050405020304" pitchFamily="18" charset="0"/>
-              </a:rPr>
-              <a:t>biến</a:t>
-            </a:r>
-            <a:r>
-              <a:rPr lang="en-US" dirty="0">
-                <a:latin typeface="Times New Roman" panose="02020603050405020304" pitchFamily="18" charset="0"/>
-                <a:cs typeface="Times New Roman" panose="02020603050405020304" pitchFamily="18" charset="0"/>
-              </a:rPr>
-              <a:t> </a:t>
-            </a:r>
-            <a:r>
-              <a:rPr lang="en-US" dirty="0" err="1">
-                <a:latin typeface="Times New Roman" panose="02020603050405020304" pitchFamily="18" charset="0"/>
-                <a:cs typeface="Times New Roman" panose="02020603050405020304" pitchFamily="18" charset="0"/>
-              </a:rPr>
-              <a:t>env</a:t>
-            </a:r>
-            <a:r>
-              <a:rPr lang="en-US" dirty="0">
-                <a:latin typeface="Times New Roman" panose="02020603050405020304" pitchFamily="18" charset="0"/>
-                <a:cs typeface="Times New Roman" panose="02020603050405020304" pitchFamily="18" charset="0"/>
-              </a:rPr>
-              <a:t> REACT_APP_, </a:t>
-            </a:r>
-            <a:r>
-              <a:rPr lang="en-US" dirty="0" err="1">
-                <a:latin typeface="Times New Roman" panose="02020603050405020304" pitchFamily="18" charset="0"/>
-                <a:cs typeface="Times New Roman" panose="02020603050405020304" pitchFamily="18" charset="0"/>
-              </a:rPr>
-              <a:t>truy</a:t>
-            </a:r>
-            <a:r>
-              <a:rPr lang="en-US" dirty="0">
-                <a:latin typeface="Times New Roman" panose="02020603050405020304" pitchFamily="18" charset="0"/>
-                <a:cs typeface="Times New Roman" panose="02020603050405020304" pitchFamily="18" charset="0"/>
-              </a:rPr>
-              <a:t> </a:t>
-            </a:r>
-            <a:r>
-              <a:rPr lang="en-US" dirty="0" err="1">
-                <a:latin typeface="Times New Roman" panose="02020603050405020304" pitchFamily="18" charset="0"/>
-                <a:cs typeface="Times New Roman" panose="02020603050405020304" pitchFamily="18" charset="0"/>
-              </a:rPr>
-              <a:t>vấn</a:t>
-            </a:r>
-            <a:r>
-              <a:rPr lang="en-US" dirty="0">
-                <a:latin typeface="Times New Roman" panose="02020603050405020304" pitchFamily="18" charset="0"/>
-                <a:cs typeface="Times New Roman" panose="02020603050405020304" pitchFamily="18" charset="0"/>
-              </a:rPr>
-              <a:t> </a:t>
-            </a:r>
-            <a:r>
-              <a:rPr lang="en-US" dirty="0" err="1">
-                <a:latin typeface="Times New Roman" panose="02020603050405020304" pitchFamily="18" charset="0"/>
-                <a:cs typeface="Times New Roman" panose="02020603050405020304" pitchFamily="18" charset="0"/>
-              </a:rPr>
-              <a:t>từ</a:t>
-            </a:r>
-            <a:r>
-              <a:rPr lang="en-US" dirty="0">
-                <a:latin typeface="Times New Roman" panose="02020603050405020304" pitchFamily="18" charset="0"/>
-                <a:cs typeface="Times New Roman" panose="02020603050405020304" pitchFamily="18" charset="0"/>
-              </a:rPr>
-              <a:t> public “%PUBLIC_URL</a:t>
-            </a:r>
-            <a:r>
-              <a:rPr lang="en-US" dirty="0" smtClean="0">
-                <a:latin typeface="Times New Roman" panose="02020603050405020304" pitchFamily="18" charset="0"/>
-                <a:cs typeface="Times New Roman" panose="02020603050405020304" pitchFamily="18" charset="0"/>
-              </a:rPr>
-              <a:t>%”</a:t>
-            </a:r>
-          </a:p>
-          <a:p>
-            <a:pPr algn="just"/>
-            <a:r>
-              <a:rPr lang="en-US" sz="2000" dirty="0" smtClean="0">
-                <a:latin typeface="Times New Roman" panose="02020603050405020304" pitchFamily="18" charset="0"/>
-                <a:cs typeface="Times New Roman" panose="02020603050405020304" pitchFamily="18" charset="0"/>
-              </a:rPr>
-              <a:t>- </a:t>
-            </a:r>
-            <a:r>
-              <a:rPr lang="en-US" dirty="0" err="1" smtClean="0">
-                <a:latin typeface="Times New Roman" panose="02020603050405020304" pitchFamily="18" charset="0"/>
-                <a:cs typeface="Times New Roman" panose="02020603050405020304" pitchFamily="18" charset="0"/>
-              </a:rPr>
-              <a:t>C</a:t>
-            </a:r>
-            <a:r>
-              <a:rPr lang="en-US" dirty="0" err="1" smtClean="0">
-                <a:latin typeface="Times New Roman" panose="02020603050405020304" pitchFamily="18" charset="0"/>
-                <a:cs typeface="Times New Roman" panose="02020603050405020304" pitchFamily="18" charset="0"/>
-              </a:rPr>
-              <a:t>hỉ</a:t>
+              <a:t>Chỉ</a:t>
             </a:r>
             <a:r>
               <a:rPr lang="en-US" dirty="0" smtClean="0">
@@ -8826,15 +8824,7 @@
                 <a:cs typeface="Times New Roman" panose="02020603050405020304" pitchFamily="18" charset="0"/>
                 <a:sym typeface="Wingdings 3" panose="05040102010807070707" pitchFamily="18" charset="2"/>
               </a:rPr>
-              <a:t> </a:t>
-            </a:r>
-            <a:r>
-              <a:rPr lang="en-US" dirty="0">
-                <a:latin typeface="Times New Roman" panose="02020603050405020304" pitchFamily="18" charset="0"/>
-                <a:cs typeface="Times New Roman" panose="02020603050405020304" pitchFamily="18" charset="0"/>
-                <a:sym typeface="Wingdings 3" panose="05040102010807070707" pitchFamily="18" charset="2"/>
-              </a:rPr>
-              <a:t> </a:t>
+              <a:t>  </a:t>
             </a:r>
             <a:r>
               <a:rPr lang="en-US" dirty="0" smtClean="0">
@@ -10636,6 +10626,7 @@
           <a:bodyPr/>
           <a:lstStyle/>
           <a:p>
+            <a:pPr algn="just"/>
             <a:r>
               <a:rPr lang="en-US" dirty="0" smtClean="0">
                 <a:latin typeface="Times New Roman" panose="02020603050405020304" pitchFamily="18" charset="0"/>
@@ -10644,14 +10635,276 @@
               <a:t>- </a:t>
             </a:r>
             <a:r>
+              <a:rPr lang="en-US" dirty="0" err="1">
+                <a:latin typeface="Times New Roman" panose="02020603050405020304" pitchFamily="18" charset="0"/>
+                <a:cs typeface="Times New Roman" panose="02020603050405020304" pitchFamily="18" charset="0"/>
+              </a:rPr>
+              <a:t>L</a:t>
+            </a:r>
+            <a:r>
               <a:rPr lang="en-US" dirty="0" err="1" smtClean="0">
                 <a:latin typeface="Times New Roman" panose="02020603050405020304" pitchFamily="18" charset="0"/>
                 <a:cs typeface="Times New Roman" panose="02020603050405020304" pitchFamily="18" charset="0"/>
               </a:rPr>
-              <a:t>Giới</a:t>
-            </a:r>
-            <a:r>
-              <a:rPr lang="en-US" dirty="0" smtClean="0">
+              <a:t>à</a:t>
+            </a:r>
+            <a:r>
+              <a:rPr lang="en-US" dirty="0" smtClean="0">
+                <a:latin typeface="Times New Roman" panose="02020603050405020304" pitchFamily="18" charset="0"/>
+                <a:cs typeface="Times New Roman" panose="02020603050405020304" pitchFamily="18" charset="0"/>
+              </a:rPr>
+              <a:t> </a:t>
+            </a:r>
+            <a:r>
+              <a:rPr lang="en-US" dirty="0" err="1">
+                <a:latin typeface="Times New Roman" panose="02020603050405020304" pitchFamily="18" charset="0"/>
+                <a:cs typeface="Times New Roman" panose="02020603050405020304" pitchFamily="18" charset="0"/>
+              </a:rPr>
+              <a:t>một</a:t>
+            </a:r>
+            <a:r>
+              <a:rPr lang="en-US" dirty="0">
+                <a:latin typeface="Times New Roman" panose="02020603050405020304" pitchFamily="18" charset="0"/>
+                <a:cs typeface="Times New Roman" panose="02020603050405020304" pitchFamily="18" charset="0"/>
+              </a:rPr>
+              <a:t> </a:t>
+            </a:r>
+            <a:r>
+              <a:rPr lang="en-US" dirty="0" err="1">
+                <a:latin typeface="Times New Roman" panose="02020603050405020304" pitchFamily="18" charset="0"/>
+                <a:cs typeface="Times New Roman" panose="02020603050405020304" pitchFamily="18" charset="0"/>
+              </a:rPr>
+              <a:t>công</a:t>
+            </a:r>
+            <a:r>
+              <a:rPr lang="en-US" dirty="0">
+                <a:latin typeface="Times New Roman" panose="02020603050405020304" pitchFamily="18" charset="0"/>
+                <a:cs typeface="Times New Roman" panose="02020603050405020304" pitchFamily="18" charset="0"/>
+              </a:rPr>
+              <a:t> </a:t>
+            </a:r>
+            <a:r>
+              <a:rPr lang="en-US" dirty="0" err="1">
+                <a:latin typeface="Times New Roman" panose="02020603050405020304" pitchFamily="18" charset="0"/>
+                <a:cs typeface="Times New Roman" panose="02020603050405020304" pitchFamily="18" charset="0"/>
+              </a:rPr>
+              <a:t>cụ</a:t>
+            </a:r>
+            <a:r>
+              <a:rPr lang="en-US" dirty="0">
+                <a:latin typeface="Times New Roman" panose="02020603050405020304" pitchFamily="18" charset="0"/>
+                <a:cs typeface="Times New Roman" panose="02020603050405020304" pitchFamily="18" charset="0"/>
+              </a:rPr>
+              <a:t> </a:t>
+            </a:r>
+            <a:r>
+              <a:rPr lang="en-US" dirty="0" err="1">
+                <a:latin typeface="Times New Roman" panose="02020603050405020304" pitchFamily="18" charset="0"/>
+                <a:cs typeface="Times New Roman" panose="02020603050405020304" pitchFamily="18" charset="0"/>
+              </a:rPr>
+              <a:t>mạnh</a:t>
+            </a:r>
+            <a:r>
+              <a:rPr lang="en-US" dirty="0">
+                <a:latin typeface="Times New Roman" panose="02020603050405020304" pitchFamily="18" charset="0"/>
+                <a:cs typeface="Times New Roman" panose="02020603050405020304" pitchFamily="18" charset="0"/>
+              </a:rPr>
+              <a:t> </a:t>
+            </a:r>
+            <a:r>
+              <a:rPr lang="en-US" dirty="0" err="1">
+                <a:latin typeface="Times New Roman" panose="02020603050405020304" pitchFamily="18" charset="0"/>
+                <a:cs typeface="Times New Roman" panose="02020603050405020304" pitchFamily="18" charset="0"/>
+              </a:rPr>
+              <a:t>mẽ</a:t>
+            </a:r>
+            <a:r>
+              <a:rPr lang="en-US" dirty="0">
+                <a:latin typeface="Times New Roman" panose="02020603050405020304" pitchFamily="18" charset="0"/>
+                <a:cs typeface="Times New Roman" panose="02020603050405020304" pitchFamily="18" charset="0"/>
+              </a:rPr>
+              <a:t> </a:t>
+            </a:r>
+            <a:r>
+              <a:rPr lang="en-US" dirty="0" err="1">
+                <a:latin typeface="Times New Roman" panose="02020603050405020304" pitchFamily="18" charset="0"/>
+                <a:cs typeface="Times New Roman" panose="02020603050405020304" pitchFamily="18" charset="0"/>
+              </a:rPr>
+              <a:t>và</a:t>
+            </a:r>
+            <a:r>
+              <a:rPr lang="en-US" dirty="0">
+                <a:latin typeface="Times New Roman" panose="02020603050405020304" pitchFamily="18" charset="0"/>
+                <a:cs typeface="Times New Roman" panose="02020603050405020304" pitchFamily="18" charset="0"/>
+              </a:rPr>
+              <a:t> </a:t>
+            </a:r>
+            <a:r>
+              <a:rPr lang="en-US" dirty="0" err="1">
+                <a:latin typeface="Times New Roman" panose="02020603050405020304" pitchFamily="18" charset="0"/>
+                <a:cs typeface="Times New Roman" panose="02020603050405020304" pitchFamily="18" charset="0"/>
+              </a:rPr>
+              <a:t>hữu</a:t>
+            </a:r>
+            <a:r>
+              <a:rPr lang="en-US" dirty="0">
+                <a:latin typeface="Times New Roman" panose="02020603050405020304" pitchFamily="18" charset="0"/>
+                <a:cs typeface="Times New Roman" panose="02020603050405020304" pitchFamily="18" charset="0"/>
+              </a:rPr>
+              <a:t> </a:t>
+            </a:r>
+            <a:r>
+              <a:rPr lang="en-US" dirty="0" err="1">
+                <a:latin typeface="Times New Roman" panose="02020603050405020304" pitchFamily="18" charset="0"/>
+                <a:cs typeface="Times New Roman" panose="02020603050405020304" pitchFamily="18" charset="0"/>
+              </a:rPr>
+              <a:t>ích</a:t>
+            </a:r>
+            <a:r>
+              <a:rPr lang="en-US" dirty="0">
+                <a:latin typeface="Times New Roman" panose="02020603050405020304" pitchFamily="18" charset="0"/>
+                <a:cs typeface="Times New Roman" panose="02020603050405020304" pitchFamily="18" charset="0"/>
+              </a:rPr>
+              <a:t> </a:t>
+            </a:r>
+            <a:r>
+              <a:rPr lang="en-US" dirty="0" err="1">
+                <a:latin typeface="Times New Roman" panose="02020603050405020304" pitchFamily="18" charset="0"/>
+                <a:cs typeface="Times New Roman" panose="02020603050405020304" pitchFamily="18" charset="0"/>
+              </a:rPr>
+              <a:t>cho</a:t>
+            </a:r>
+            <a:r>
+              <a:rPr lang="en-US" dirty="0">
+                <a:latin typeface="Times New Roman" panose="02020603050405020304" pitchFamily="18" charset="0"/>
+                <a:cs typeface="Times New Roman" panose="02020603050405020304" pitchFamily="18" charset="0"/>
+              </a:rPr>
+              <a:t> </a:t>
+            </a:r>
+            <a:r>
+              <a:rPr lang="en-US" dirty="0" err="1">
+                <a:latin typeface="Times New Roman" panose="02020603050405020304" pitchFamily="18" charset="0"/>
+                <a:cs typeface="Times New Roman" panose="02020603050405020304" pitchFamily="18" charset="0"/>
+              </a:rPr>
+              <a:t>việc</a:t>
+            </a:r>
+            <a:r>
+              <a:rPr lang="en-US" dirty="0">
+                <a:latin typeface="Times New Roman" panose="02020603050405020304" pitchFamily="18" charset="0"/>
+                <a:cs typeface="Times New Roman" panose="02020603050405020304" pitchFamily="18" charset="0"/>
+              </a:rPr>
+              <a:t> </a:t>
+            </a:r>
+            <a:r>
+              <a:rPr lang="en-US" dirty="0" err="1">
+                <a:latin typeface="Times New Roman" panose="02020603050405020304" pitchFamily="18" charset="0"/>
+                <a:cs typeface="Times New Roman" panose="02020603050405020304" pitchFamily="18" charset="0"/>
+              </a:rPr>
+              <a:t>quản</a:t>
+            </a:r>
+            <a:r>
+              <a:rPr lang="en-US" dirty="0">
+                <a:latin typeface="Times New Roman" panose="02020603050405020304" pitchFamily="18" charset="0"/>
+                <a:cs typeface="Times New Roman" panose="02020603050405020304" pitchFamily="18" charset="0"/>
+              </a:rPr>
+              <a:t> </a:t>
+            </a:r>
+            <a:r>
+              <a:rPr lang="en-US" dirty="0" err="1">
+                <a:latin typeface="Times New Roman" panose="02020603050405020304" pitchFamily="18" charset="0"/>
+                <a:cs typeface="Times New Roman" panose="02020603050405020304" pitchFamily="18" charset="0"/>
+              </a:rPr>
+              <a:t>lý</a:t>
+            </a:r>
+            <a:r>
+              <a:rPr lang="en-US" dirty="0">
+                <a:latin typeface="Times New Roman" panose="02020603050405020304" pitchFamily="18" charset="0"/>
+                <a:cs typeface="Times New Roman" panose="02020603050405020304" pitchFamily="18" charset="0"/>
+              </a:rPr>
+              <a:t> state </a:t>
+            </a:r>
+            <a:r>
+              <a:rPr lang="en-US" dirty="0" err="1">
+                <a:latin typeface="Times New Roman" panose="02020603050405020304" pitchFamily="18" charset="0"/>
+                <a:cs typeface="Times New Roman" panose="02020603050405020304" pitchFamily="18" charset="0"/>
+              </a:rPr>
+              <a:t>trong</a:t>
+            </a:r>
+            <a:r>
+              <a:rPr lang="en-US" dirty="0">
+                <a:latin typeface="Times New Roman" panose="02020603050405020304" pitchFamily="18" charset="0"/>
+                <a:cs typeface="Times New Roman" panose="02020603050405020304" pitchFamily="18" charset="0"/>
+              </a:rPr>
+              <a:t> </a:t>
+            </a:r>
+            <a:r>
+              <a:rPr lang="en-US" dirty="0" err="1">
+                <a:latin typeface="Times New Roman" panose="02020603050405020304" pitchFamily="18" charset="0"/>
+                <a:cs typeface="Times New Roman" panose="02020603050405020304" pitchFamily="18" charset="0"/>
+              </a:rPr>
+              <a:t>ứng</a:t>
+            </a:r>
+            <a:r>
+              <a:rPr lang="en-US" dirty="0">
+                <a:latin typeface="Times New Roman" panose="02020603050405020304" pitchFamily="18" charset="0"/>
+                <a:cs typeface="Times New Roman" panose="02020603050405020304" pitchFamily="18" charset="0"/>
+              </a:rPr>
+              <a:t> </a:t>
+            </a:r>
+            <a:r>
+              <a:rPr lang="en-US" dirty="0" err="1">
+                <a:latin typeface="Times New Roman" panose="02020603050405020304" pitchFamily="18" charset="0"/>
+                <a:cs typeface="Times New Roman" panose="02020603050405020304" pitchFamily="18" charset="0"/>
+              </a:rPr>
+              <a:t>dụng</a:t>
+            </a:r>
+            <a:r>
+              <a:rPr lang="en-US" dirty="0">
+                <a:latin typeface="Times New Roman" panose="02020603050405020304" pitchFamily="18" charset="0"/>
+                <a:cs typeface="Times New Roman" panose="02020603050405020304" pitchFamily="18" charset="0"/>
+              </a:rPr>
+              <a:t> </a:t>
+            </a:r>
+            <a:r>
+              <a:rPr lang="en-US" dirty="0" smtClean="0">
+                <a:latin typeface="Times New Roman" panose="02020603050405020304" pitchFamily="18" charset="0"/>
+                <a:cs typeface="Times New Roman" panose="02020603050405020304" pitchFamily="18" charset="0"/>
+              </a:rPr>
+              <a:t>React.</a:t>
+            </a:r>
+          </a:p>
+          <a:p>
+            <a:pPr algn="just"/>
+            <a:r>
+              <a:rPr lang="en-US" dirty="0" smtClean="0">
+                <a:latin typeface="Times New Roman" panose="02020603050405020304" pitchFamily="18" charset="0"/>
+                <a:cs typeface="Times New Roman" panose="02020603050405020304" pitchFamily="18" charset="0"/>
+              </a:rPr>
+              <a:t>- </a:t>
+            </a:r>
+            <a:r>
+              <a:rPr lang="en-US" dirty="0" err="1">
+                <a:latin typeface="Times New Roman" panose="02020603050405020304" pitchFamily="18" charset="0"/>
+                <a:cs typeface="Times New Roman" panose="02020603050405020304" pitchFamily="18" charset="0"/>
+              </a:rPr>
+              <a:t>Ứng</a:t>
+            </a:r>
+            <a:r>
+              <a:rPr lang="en-US" dirty="0">
+                <a:latin typeface="Times New Roman" panose="02020603050405020304" pitchFamily="18" charset="0"/>
+                <a:cs typeface="Times New Roman" panose="02020603050405020304" pitchFamily="18" charset="0"/>
+              </a:rPr>
+              <a:t> </a:t>
+            </a:r>
+            <a:r>
+              <a:rPr lang="en-US" dirty="0" err="1">
+                <a:latin typeface="Times New Roman" panose="02020603050405020304" pitchFamily="18" charset="0"/>
+                <a:cs typeface="Times New Roman" panose="02020603050405020304" pitchFamily="18" charset="0"/>
+              </a:rPr>
+              <a:t>dụng</a:t>
+            </a:r>
+            <a:r>
+              <a:rPr lang="en-US" dirty="0">
                 <a:latin typeface="Times New Roman" panose="02020603050405020304" pitchFamily="18" charset="0"/>
                 <a:cs typeface="Times New Roman" panose="02020603050405020304" pitchFamily="18" charset="0"/>
               </a:rPr>
@@ -10662,7 +10915,192 @@
                 <a:latin typeface="Times New Roman" panose="02020603050405020304" pitchFamily="18" charset="0"/>
                 <a:cs typeface="Times New Roman" panose="02020603050405020304" pitchFamily="18" charset="0"/>
               </a:rPr>
-              <a:t>thiệu</a:t>
+              <a:t>có</a:t>
+            </a:r>
+            <a:r>
+              <a:rPr lang="en-US" dirty="0" smtClean="0">
+                <a:latin typeface="Times New Roman" panose="02020603050405020304" pitchFamily="18" charset="0"/>
+                <a:cs typeface="Times New Roman" panose="02020603050405020304" pitchFamily="18" charset="0"/>
+              </a:rPr>
+              <a:t> </a:t>
+            </a:r>
+            <a:r>
+              <a:rPr lang="en-US" dirty="0" err="1">
+                <a:latin typeface="Times New Roman" panose="02020603050405020304" pitchFamily="18" charset="0"/>
+                <a:cs typeface="Times New Roman" panose="02020603050405020304" pitchFamily="18" charset="0"/>
+              </a:rPr>
+              <a:t>nhiều</a:t>
+            </a:r>
+            <a:r>
+              <a:rPr lang="en-US" dirty="0">
+                <a:latin typeface="Times New Roman" panose="02020603050405020304" pitchFamily="18" charset="0"/>
+                <a:cs typeface="Times New Roman" panose="02020603050405020304" pitchFamily="18" charset="0"/>
+              </a:rPr>
+              <a:t> </a:t>
+            </a:r>
+            <a:r>
+              <a:rPr lang="en-US" dirty="0" err="1">
+                <a:latin typeface="Times New Roman" panose="02020603050405020304" pitchFamily="18" charset="0"/>
+                <a:cs typeface="Times New Roman" panose="02020603050405020304" pitchFamily="18" charset="0"/>
+              </a:rPr>
+              <a:t>thành</a:t>
+            </a:r>
+            <a:r>
+              <a:rPr lang="en-US" dirty="0">
+                <a:latin typeface="Times New Roman" panose="02020603050405020304" pitchFamily="18" charset="0"/>
+                <a:cs typeface="Times New Roman" panose="02020603050405020304" pitchFamily="18" charset="0"/>
+              </a:rPr>
+              <a:t> </a:t>
+            </a:r>
+            <a:r>
+              <a:rPr lang="en-US" dirty="0" err="1">
+                <a:latin typeface="Times New Roman" panose="02020603050405020304" pitchFamily="18" charset="0"/>
+                <a:cs typeface="Times New Roman" panose="02020603050405020304" pitchFamily="18" charset="0"/>
+              </a:rPr>
+              <a:t>phần</a:t>
+            </a:r>
+            <a:r>
+              <a:rPr lang="en-US" dirty="0">
+                <a:latin typeface="Times New Roman" panose="02020603050405020304" pitchFamily="18" charset="0"/>
+                <a:cs typeface="Times New Roman" panose="02020603050405020304" pitchFamily="18" charset="0"/>
+              </a:rPr>
+              <a:t> </a:t>
+            </a:r>
+            <a:r>
+              <a:rPr lang="en-US" dirty="0" err="1">
+                <a:latin typeface="Times New Roman" panose="02020603050405020304" pitchFamily="18" charset="0"/>
+                <a:cs typeface="Times New Roman" panose="02020603050405020304" pitchFamily="18" charset="0"/>
+              </a:rPr>
+              <a:t>cần</a:t>
+            </a:r>
+            <a:r>
+              <a:rPr lang="en-US" dirty="0">
+                <a:latin typeface="Times New Roman" panose="02020603050405020304" pitchFamily="18" charset="0"/>
+                <a:cs typeface="Times New Roman" panose="02020603050405020304" pitchFamily="18" charset="0"/>
+              </a:rPr>
+              <a:t> chia </a:t>
+            </a:r>
+            <a:r>
+              <a:rPr lang="en-US" dirty="0" err="1">
+                <a:latin typeface="Times New Roman" panose="02020603050405020304" pitchFamily="18" charset="0"/>
+                <a:cs typeface="Times New Roman" panose="02020603050405020304" pitchFamily="18" charset="0"/>
+              </a:rPr>
+              <a:t>sẻ</a:t>
+            </a:r>
+            <a:r>
+              <a:rPr lang="en-US" dirty="0">
+                <a:latin typeface="Times New Roman" panose="02020603050405020304" pitchFamily="18" charset="0"/>
+                <a:cs typeface="Times New Roman" panose="02020603050405020304" pitchFamily="18" charset="0"/>
+              </a:rPr>
+              <a:t> state </a:t>
+            </a:r>
+            <a:r>
+              <a:rPr lang="en-US" dirty="0" err="1">
+                <a:latin typeface="Times New Roman" panose="02020603050405020304" pitchFamily="18" charset="0"/>
+                <a:cs typeface="Times New Roman" panose="02020603050405020304" pitchFamily="18" charset="0"/>
+              </a:rPr>
+              <a:t>hoặc</a:t>
+            </a:r>
+            <a:r>
+              <a:rPr lang="en-US" dirty="0">
+                <a:latin typeface="Times New Roman" panose="02020603050405020304" pitchFamily="18" charset="0"/>
+                <a:cs typeface="Times New Roman" panose="02020603050405020304" pitchFamily="18" charset="0"/>
+              </a:rPr>
+              <a:t> state </a:t>
+            </a:r>
+            <a:r>
+              <a:rPr lang="en-US" dirty="0" err="1">
+                <a:latin typeface="Times New Roman" panose="02020603050405020304" pitchFamily="18" charset="0"/>
+                <a:cs typeface="Times New Roman" panose="02020603050405020304" pitchFamily="18" charset="0"/>
+              </a:rPr>
+              <a:t>có</a:t>
+            </a:r>
+            <a:r>
+              <a:rPr lang="en-US" dirty="0">
+                <a:latin typeface="Times New Roman" panose="02020603050405020304" pitchFamily="18" charset="0"/>
+                <a:cs typeface="Times New Roman" panose="02020603050405020304" pitchFamily="18" charset="0"/>
+              </a:rPr>
+              <a:t> </a:t>
+            </a:r>
+            <a:r>
+              <a:rPr lang="en-US" dirty="0" err="1">
+                <a:latin typeface="Times New Roman" panose="02020603050405020304" pitchFamily="18" charset="0"/>
+                <a:cs typeface="Times New Roman" panose="02020603050405020304" pitchFamily="18" charset="0"/>
+              </a:rPr>
+              <a:t>cấu</a:t>
+            </a:r>
+            <a:r>
+              <a:rPr lang="en-US" dirty="0">
+                <a:latin typeface="Times New Roman" panose="02020603050405020304" pitchFamily="18" charset="0"/>
+                <a:cs typeface="Times New Roman" panose="02020603050405020304" pitchFamily="18" charset="0"/>
+              </a:rPr>
+              <a:t> </a:t>
+            </a:r>
+            <a:r>
+              <a:rPr lang="en-US" dirty="0" err="1">
+                <a:latin typeface="Times New Roman" panose="02020603050405020304" pitchFamily="18" charset="0"/>
+                <a:cs typeface="Times New Roman" panose="02020603050405020304" pitchFamily="18" charset="0"/>
+              </a:rPr>
+              <a:t>trúc</a:t>
+            </a:r>
+            <a:r>
+              <a:rPr lang="en-US" dirty="0">
+                <a:latin typeface="Times New Roman" panose="02020603050405020304" pitchFamily="18" charset="0"/>
+                <a:cs typeface="Times New Roman" panose="02020603050405020304" pitchFamily="18" charset="0"/>
+              </a:rPr>
+              <a:t> </a:t>
+            </a:r>
+            <a:r>
+              <a:rPr lang="en-US" dirty="0" err="1">
+                <a:latin typeface="Times New Roman" panose="02020603050405020304" pitchFamily="18" charset="0"/>
+                <a:cs typeface="Times New Roman" panose="02020603050405020304" pitchFamily="18" charset="0"/>
+              </a:rPr>
+              <a:t>phức</a:t>
+            </a:r>
+            <a:r>
+              <a:rPr lang="en-US" dirty="0">
+                <a:latin typeface="Times New Roman" panose="02020603050405020304" pitchFamily="18" charset="0"/>
+                <a:cs typeface="Times New Roman" panose="02020603050405020304" pitchFamily="18" charset="0"/>
+              </a:rPr>
+              <a:t> </a:t>
+            </a:r>
+            <a:r>
+              <a:rPr lang="en-US" dirty="0" err="1" smtClean="0">
+                <a:latin typeface="Times New Roman" panose="02020603050405020304" pitchFamily="18" charset="0"/>
+                <a:cs typeface="Times New Roman" panose="02020603050405020304" pitchFamily="18" charset="0"/>
+              </a:rPr>
+              <a:t>tạp</a:t>
+            </a:r>
+            <a:r>
+              <a:rPr lang="en-US" dirty="0" smtClean="0">
+                <a:latin typeface="Times New Roman" panose="02020603050405020304" pitchFamily="18" charset="0"/>
+                <a:cs typeface="Times New Roman" panose="02020603050405020304" pitchFamily="18" charset="0"/>
+              </a:rPr>
+              <a:t>.</a:t>
+            </a:r>
+          </a:p>
+          <a:p>
+            <a:pPr algn="just"/>
+            <a:r>
+              <a:rPr lang="en-US" dirty="0" smtClean="0">
+                <a:latin typeface="Times New Roman" panose="02020603050405020304" pitchFamily="18" charset="0"/>
+                <a:cs typeface="Times New Roman" panose="02020603050405020304" pitchFamily="18" charset="0"/>
+              </a:rPr>
+              <a:t>- </a:t>
+            </a:r>
+            <a:r>
+              <a:rPr lang="vi-VN" dirty="0">
+                <a:latin typeface="Times New Roman" panose="02020603050405020304" pitchFamily="18" charset="0"/>
+                <a:cs typeface="Times New Roman" panose="02020603050405020304" pitchFamily="18" charset="0"/>
+              </a:rPr>
+              <a:t>State cần được truy cập và cập nhật từ nhiều thành phần khác nhau trong ứng </a:t>
+            </a:r>
+            <a:r>
+              <a:rPr lang="vi-VN" dirty="0" smtClean="0">
+                <a:latin typeface="Times New Roman" panose="02020603050405020304" pitchFamily="18" charset="0"/>
+                <a:cs typeface="Times New Roman" panose="02020603050405020304" pitchFamily="18" charset="0"/>
+              </a:rPr>
+              <a:t>dụng</a:t>
             </a:r>
             <a:endParaRPr lang="en-US" dirty="0" smtClean="0">
               <a:latin typeface="Times New Roman" panose="02020603050405020304" pitchFamily="18" charset="0"/>
@@ -10670,6 +11108,7 @@
             </a:endParaRPr>
           </a:p>
           <a:p>
+            <a:pPr algn="just"/>
             <a:r>
               <a:rPr lang="en-US" dirty="0" smtClean="0">
                 <a:latin typeface="Times New Roman" panose="02020603050405020304" pitchFamily="18" charset="0"/>
@@ -10678,116 +11117,25 @@
               <a:t>- </a:t>
             </a:r>
             <a:r>
-              <a:rPr lang="en-US" dirty="0" err="1">
-                <a:latin typeface="Times New Roman" panose="02020603050405020304" pitchFamily="18" charset="0"/>
-                <a:cs typeface="Times New Roman" panose="02020603050405020304" pitchFamily="18" charset="0"/>
-              </a:rPr>
-              <a:t>C</a:t>
-            </a:r>
-            <a:r>
-              <a:rPr lang="en-US" dirty="0" err="1" smtClean="0">
-                <a:latin typeface="Times New Roman" panose="02020603050405020304" pitchFamily="18" charset="0"/>
-                <a:cs typeface="Times New Roman" panose="02020603050405020304" pitchFamily="18" charset="0"/>
-              </a:rPr>
-              <a:t>ác</a:t>
-            </a:r>
-            <a:r>
-              <a:rPr lang="en-US" dirty="0" smtClean="0">
-                <a:latin typeface="Times New Roman" panose="02020603050405020304" pitchFamily="18" charset="0"/>
-                <a:cs typeface="Times New Roman" panose="02020603050405020304" pitchFamily="18" charset="0"/>
-              </a:rPr>
-              <a:t> </a:t>
-            </a:r>
-            <a:r>
-              <a:rPr lang="en-US" dirty="0" err="1" smtClean="0">
-                <a:latin typeface="Times New Roman" panose="02020603050405020304" pitchFamily="18" charset="0"/>
-                <a:cs typeface="Times New Roman" panose="02020603050405020304" pitchFamily="18" charset="0"/>
-              </a:rPr>
-              <a:t>thành</a:t>
-            </a:r>
-            <a:r>
-              <a:rPr lang="en-US" dirty="0" smtClean="0">
-                <a:latin typeface="Times New Roman" panose="02020603050405020304" pitchFamily="18" charset="0"/>
-                <a:cs typeface="Times New Roman" panose="02020603050405020304" pitchFamily="18" charset="0"/>
-              </a:rPr>
-              <a:t> </a:t>
-            </a:r>
-            <a:r>
-              <a:rPr lang="en-US" dirty="0" err="1" smtClean="0">
-                <a:latin typeface="Times New Roman" panose="02020603050405020304" pitchFamily="18" charset="0"/>
-                <a:cs typeface="Times New Roman" panose="02020603050405020304" pitchFamily="18" charset="0"/>
-              </a:rPr>
-              <a:t>phần</a:t>
-            </a:r>
-            <a:r>
-              <a:rPr lang="en-US" dirty="0" smtClean="0">
-                <a:latin typeface="Times New Roman" panose="02020603050405020304" pitchFamily="18" charset="0"/>
-                <a:cs typeface="Times New Roman" panose="02020603050405020304" pitchFamily="18" charset="0"/>
-              </a:rPr>
-              <a:t> </a:t>
-            </a:r>
-            <a:r>
-              <a:rPr lang="en-US" dirty="0" err="1" smtClean="0">
-                <a:latin typeface="Times New Roman" panose="02020603050405020304" pitchFamily="18" charset="0"/>
-                <a:cs typeface="Times New Roman" panose="02020603050405020304" pitchFamily="18" charset="0"/>
-              </a:rPr>
-              <a:t>chính</a:t>
-            </a:r>
-            <a:r>
-              <a:rPr lang="en-US" dirty="0" smtClean="0">
-                <a:latin typeface="Times New Roman" panose="02020603050405020304" pitchFamily="18" charset="0"/>
-                <a:cs typeface="Times New Roman" panose="02020603050405020304" pitchFamily="18" charset="0"/>
-              </a:rPr>
-              <a:t>: </a:t>
-            </a:r>
-            <a:r>
-              <a:rPr lang="en-US" dirty="0" err="1" smtClean="0">
-                <a:latin typeface="Times New Roman" panose="02020603050405020304" pitchFamily="18" charset="0"/>
-                <a:cs typeface="Times New Roman" panose="02020603050405020304" pitchFamily="18" charset="0"/>
-              </a:rPr>
-              <a:t>configureStore</a:t>
-            </a:r>
-            <a:r>
-              <a:rPr lang="en-US" dirty="0" smtClean="0">
-                <a:latin typeface="Times New Roman" panose="02020603050405020304" pitchFamily="18" charset="0"/>
-                <a:cs typeface="Times New Roman" panose="02020603050405020304" pitchFamily="18" charset="0"/>
-              </a:rPr>
-              <a:t>, </a:t>
-            </a:r>
-            <a:r>
-              <a:rPr lang="en-US" dirty="0" err="1" smtClean="0">
-                <a:latin typeface="Times New Roman" panose="02020603050405020304" pitchFamily="18" charset="0"/>
-                <a:cs typeface="Times New Roman" panose="02020603050405020304" pitchFamily="18" charset="0"/>
-              </a:rPr>
-              <a:t>createSlice</a:t>
-            </a:r>
-            <a:r>
-              <a:rPr lang="en-US" dirty="0" smtClean="0">
-                <a:latin typeface="Times New Roman" panose="02020603050405020304" pitchFamily="18" charset="0"/>
-                <a:cs typeface="Times New Roman" panose="02020603050405020304" pitchFamily="18" charset="0"/>
-              </a:rPr>
-              <a:t>, </a:t>
-            </a:r>
-            <a:r>
-              <a:rPr lang="en-US" dirty="0" err="1" smtClean="0">
-                <a:latin typeface="Times New Roman" panose="02020603050405020304" pitchFamily="18" charset="0"/>
-                <a:cs typeface="Times New Roman" panose="02020603050405020304" pitchFamily="18" charset="0"/>
-              </a:rPr>
-              <a:t>createAsyncThunk</a:t>
-            </a:r>
-            <a:r>
-              <a:rPr lang="en-US" dirty="0" smtClean="0">
-                <a:latin typeface="Times New Roman" panose="02020603050405020304" pitchFamily="18" charset="0"/>
-                <a:cs typeface="Times New Roman" panose="02020603050405020304" pitchFamily="18" charset="0"/>
-              </a:rPr>
-              <a:t>, </a:t>
-            </a:r>
-            <a:r>
-              <a:rPr lang="en-US" dirty="0" err="1" smtClean="0">
-                <a:latin typeface="Times New Roman" panose="02020603050405020304" pitchFamily="18" charset="0"/>
-                <a:cs typeface="Times New Roman" panose="02020603050405020304" pitchFamily="18" charset="0"/>
-              </a:rPr>
-              <a:t>extraReducers</a:t>
+              <a:rPr lang="vi-VN" dirty="0" smtClean="0">
+                <a:latin typeface="Times New Roman" panose="02020603050405020304" pitchFamily="18" charset="0"/>
+                <a:cs typeface="Times New Roman" panose="02020603050405020304" pitchFamily="18" charset="0"/>
+              </a:rPr>
+              <a:t>Sử </a:t>
+            </a:r>
+            <a:r>
+              <a:rPr lang="vi-VN" dirty="0">
+                <a:latin typeface="Times New Roman" panose="02020603050405020304" pitchFamily="18" charset="0"/>
+                <a:cs typeface="Times New Roman" panose="02020603050405020304" pitchFamily="18" charset="0"/>
+              </a:rPr>
+              <a:t>dụng Redux giúp tránh việc truyền props qua nhiều cấp độ của component tree, làm cho mã dễ đọc và dễ quản lý </a:t>
+            </a:r>
+            <a:r>
+              <a:rPr lang="vi-VN" dirty="0" smtClean="0">
+                <a:latin typeface="Times New Roman" panose="02020603050405020304" pitchFamily="18" charset="0"/>
+                <a:cs typeface="Times New Roman" panose="02020603050405020304" pitchFamily="18" charset="0"/>
+              </a:rPr>
+              <a:t>hơn</a:t>
             </a:r>
             <a:endParaRPr lang="en-US" dirty="0" smtClean="0">
               <a:latin typeface="Times New Roman" panose="02020603050405020304" pitchFamily="18" charset="0"/>
@@ -10795,6 +11143,7 @@
             </a:endParaRPr>
           </a:p>
           <a:p>
+            <a:pPr algn="just"/>
             <a:r>
               <a:rPr lang="en-US" dirty="0" smtClean="0">
                 <a:latin typeface="Times New Roman" panose="02020603050405020304" pitchFamily="18" charset="0"/>
@@ -10803,60 +11152,361 @@
               <a:t>- </a:t>
             </a:r>
             <a:r>
+              <a:rPr lang="vi-VN" dirty="0">
+                <a:latin typeface="Times New Roman" panose="02020603050405020304" pitchFamily="18" charset="0"/>
+                <a:cs typeface="Times New Roman" panose="02020603050405020304" pitchFamily="18" charset="0"/>
+              </a:rPr>
+              <a:t>Ứng dụng cần lưu trữ và đồng bộ hóa state từ nhiều nguồn khác </a:t>
+            </a:r>
+            <a:r>
+              <a:rPr lang="vi-VN" dirty="0" smtClean="0">
+                <a:latin typeface="Times New Roman" panose="02020603050405020304" pitchFamily="18" charset="0"/>
+                <a:cs typeface="Times New Roman" panose="02020603050405020304" pitchFamily="18" charset="0"/>
+              </a:rPr>
+              <a:t>nhau</a:t>
+            </a:r>
+            <a:endParaRPr lang="en-US" dirty="0" smtClean="0">
+              <a:latin typeface="Times New Roman" panose="02020603050405020304" pitchFamily="18" charset="0"/>
+              <a:cs typeface="Times New Roman" panose="02020603050405020304" pitchFamily="18" charset="0"/>
+            </a:endParaRPr>
+          </a:p>
+          <a:p>
+            <a:pPr algn="just"/>
+            <a:r>
+              <a:rPr lang="en-US" dirty="0">
+                <a:latin typeface="Times New Roman" panose="02020603050405020304" pitchFamily="18" charset="0"/>
+                <a:cs typeface="Times New Roman" panose="02020603050405020304" pitchFamily="18" charset="0"/>
+              </a:rPr>
+              <a:t>- </a:t>
+            </a:r>
+            <a:r>
               <a:rPr lang="en-US" dirty="0" err="1">
                 <a:latin typeface="Times New Roman" panose="02020603050405020304" pitchFamily="18" charset="0"/>
                 <a:cs typeface="Times New Roman" panose="02020603050405020304" pitchFamily="18" charset="0"/>
               </a:rPr>
-              <a:t>C</a:t>
-            </a:r>
-            <a:r>
-              <a:rPr lang="en-US" dirty="0" err="1" smtClean="0">
-                <a:latin typeface="Times New Roman" panose="02020603050405020304" pitchFamily="18" charset="0"/>
-                <a:cs typeface="Times New Roman" panose="02020603050405020304" pitchFamily="18" charset="0"/>
-              </a:rPr>
-              <a:t>ấu</a:t>
-            </a:r>
-            <a:r>
-              <a:rPr lang="en-US" dirty="0" smtClean="0">
-                <a:latin typeface="Times New Roman" panose="02020603050405020304" pitchFamily="18" charset="0"/>
-                <a:cs typeface="Times New Roman" panose="02020603050405020304" pitchFamily="18" charset="0"/>
-              </a:rPr>
-              <a:t> </a:t>
-            </a:r>
-            <a:r>
-              <a:rPr lang="en-US" dirty="0" err="1" smtClean="0">
-                <a:latin typeface="Times New Roman" panose="02020603050405020304" pitchFamily="18" charset="0"/>
-                <a:cs typeface="Times New Roman" panose="02020603050405020304" pitchFamily="18" charset="0"/>
-              </a:rPr>
-              <a:t>trúc</a:t>
-            </a:r>
-            <a:r>
-              <a:rPr lang="en-US" dirty="0" smtClean="0">
+              <a:t>Redux</a:t>
+            </a:r>
+            <a:r>
+              <a:rPr lang="en-US" dirty="0">
+                <a:latin typeface="Times New Roman" panose="02020603050405020304" pitchFamily="18" charset="0"/>
+                <a:cs typeface="Times New Roman" panose="02020603050405020304" pitchFamily="18" charset="0"/>
+              </a:rPr>
+              <a:t> Toolkit </a:t>
+            </a:r>
+            <a:r>
+              <a:rPr lang="en-US" dirty="0" err="1">
+                <a:latin typeface="Times New Roman" panose="02020603050405020304" pitchFamily="18" charset="0"/>
+                <a:cs typeface="Times New Roman" panose="02020603050405020304" pitchFamily="18" charset="0"/>
+              </a:rPr>
+              <a:t>hỗ</a:t>
+            </a:r>
+            <a:r>
+              <a:rPr lang="en-US" dirty="0">
+                <a:latin typeface="Times New Roman" panose="02020603050405020304" pitchFamily="18" charset="0"/>
+                <a:cs typeface="Times New Roman" panose="02020603050405020304" pitchFamily="18" charset="0"/>
+              </a:rPr>
+              <a:t> </a:t>
+            </a:r>
+            <a:r>
+              <a:rPr lang="en-US" dirty="0" err="1">
+                <a:latin typeface="Times New Roman" panose="02020603050405020304" pitchFamily="18" charset="0"/>
+                <a:cs typeface="Times New Roman" panose="02020603050405020304" pitchFamily="18" charset="0"/>
+              </a:rPr>
+              <a:t>trợ</a:t>
+            </a:r>
+            <a:r>
+              <a:rPr lang="en-US" dirty="0">
+                <a:latin typeface="Times New Roman" panose="02020603050405020304" pitchFamily="18" charset="0"/>
+                <a:cs typeface="Times New Roman" panose="02020603050405020304" pitchFamily="18" charset="0"/>
+              </a:rPr>
+              <a:t> </a:t>
+            </a:r>
+            <a:r>
+              <a:rPr lang="en-US" dirty="0" err="1">
+                <a:latin typeface="Times New Roman" panose="02020603050405020304" pitchFamily="18" charset="0"/>
+                <a:cs typeface="Times New Roman" panose="02020603050405020304" pitchFamily="18" charset="0"/>
+              </a:rPr>
+              <a:t>mạnh</a:t>
+            </a:r>
+            <a:r>
+              <a:rPr lang="en-US" dirty="0">
+                <a:latin typeface="Times New Roman" panose="02020603050405020304" pitchFamily="18" charset="0"/>
+                <a:cs typeface="Times New Roman" panose="02020603050405020304" pitchFamily="18" charset="0"/>
+              </a:rPr>
+              <a:t> </a:t>
+            </a:r>
+            <a:r>
+              <a:rPr lang="en-US" dirty="0" err="1">
+                <a:latin typeface="Times New Roman" panose="02020603050405020304" pitchFamily="18" charset="0"/>
+                <a:cs typeface="Times New Roman" panose="02020603050405020304" pitchFamily="18" charset="0"/>
+              </a:rPr>
+              <a:t>mẽ</a:t>
+            </a:r>
+            <a:r>
+              <a:rPr lang="en-US" dirty="0">
+                <a:latin typeface="Times New Roman" panose="02020603050405020304" pitchFamily="18" charset="0"/>
+                <a:cs typeface="Times New Roman" panose="02020603050405020304" pitchFamily="18" charset="0"/>
+              </a:rPr>
+              <a:t> </a:t>
+            </a:r>
+            <a:r>
+              <a:rPr lang="en-US" dirty="0" err="1">
+                <a:latin typeface="Times New Roman" panose="02020603050405020304" pitchFamily="18" charset="0"/>
+                <a:cs typeface="Times New Roman" panose="02020603050405020304" pitchFamily="18" charset="0"/>
+              </a:rPr>
+              <a:t>cho</a:t>
+            </a:r>
+            <a:r>
+              <a:rPr lang="en-US" dirty="0">
+                <a:latin typeface="Times New Roman" panose="02020603050405020304" pitchFamily="18" charset="0"/>
+                <a:cs typeface="Times New Roman" panose="02020603050405020304" pitchFamily="18" charset="0"/>
+              </a:rPr>
+              <a:t> </a:t>
+            </a:r>
+            <a:r>
+              <a:rPr lang="en-US" dirty="0" err="1">
+                <a:latin typeface="Times New Roman" panose="02020603050405020304" pitchFamily="18" charset="0"/>
+                <a:cs typeface="Times New Roman" panose="02020603050405020304" pitchFamily="18" charset="0"/>
+              </a:rPr>
+              <a:t>các</a:t>
+            </a:r>
+            <a:r>
+              <a:rPr lang="en-US" dirty="0">
+                <a:latin typeface="Times New Roman" panose="02020603050405020304" pitchFamily="18" charset="0"/>
+                <a:cs typeface="Times New Roman" panose="02020603050405020304" pitchFamily="18" charset="0"/>
+              </a:rPr>
+              <a:t> </a:t>
+            </a:r>
+            <a:r>
+              <a:rPr lang="en-US" dirty="0" err="1">
+                <a:latin typeface="Times New Roman" panose="02020603050405020304" pitchFamily="18" charset="0"/>
+                <a:cs typeface="Times New Roman" panose="02020603050405020304" pitchFamily="18" charset="0"/>
+              </a:rPr>
+              <a:t>tác</a:t>
+            </a:r>
+            <a:r>
+              <a:rPr lang="en-US" dirty="0">
+                <a:latin typeface="Times New Roman" panose="02020603050405020304" pitchFamily="18" charset="0"/>
+                <a:cs typeface="Times New Roman" panose="02020603050405020304" pitchFamily="18" charset="0"/>
+              </a:rPr>
+              <a:t> </a:t>
+            </a:r>
+            <a:r>
+              <a:rPr lang="en-US" dirty="0" err="1">
+                <a:latin typeface="Times New Roman" panose="02020603050405020304" pitchFamily="18" charset="0"/>
+                <a:cs typeface="Times New Roman" panose="02020603050405020304" pitchFamily="18" charset="0"/>
+              </a:rPr>
+              <a:t>vụ</a:t>
+            </a:r>
+            <a:r>
+              <a:rPr lang="en-US" dirty="0">
+                <a:latin typeface="Times New Roman" panose="02020603050405020304" pitchFamily="18" charset="0"/>
+                <a:cs typeface="Times New Roman" panose="02020603050405020304" pitchFamily="18" charset="0"/>
+              </a:rPr>
+              <a:t> </a:t>
+            </a:r>
+            <a:r>
+              <a:rPr lang="en-US" dirty="0" err="1">
+                <a:latin typeface="Times New Roman" panose="02020603050405020304" pitchFamily="18" charset="0"/>
+                <a:cs typeface="Times New Roman" panose="02020603050405020304" pitchFamily="18" charset="0"/>
+              </a:rPr>
+              <a:t>bất</a:t>
+            </a:r>
+            <a:r>
+              <a:rPr lang="en-US" dirty="0">
+                <a:latin typeface="Times New Roman" panose="02020603050405020304" pitchFamily="18" charset="0"/>
+                <a:cs typeface="Times New Roman" panose="02020603050405020304" pitchFamily="18" charset="0"/>
+              </a:rPr>
+              <a:t> </a:t>
+            </a:r>
+            <a:r>
+              <a:rPr lang="en-US" dirty="0" err="1">
+                <a:latin typeface="Times New Roman" panose="02020603050405020304" pitchFamily="18" charset="0"/>
+                <a:cs typeface="Times New Roman" panose="02020603050405020304" pitchFamily="18" charset="0"/>
+              </a:rPr>
+              <a:t>đồng</a:t>
+            </a:r>
+            <a:r>
+              <a:rPr lang="en-US" dirty="0">
+                <a:latin typeface="Times New Roman" panose="02020603050405020304" pitchFamily="18" charset="0"/>
+                <a:cs typeface="Times New Roman" panose="02020603050405020304" pitchFamily="18" charset="0"/>
+              </a:rPr>
+              <a:t> </a:t>
+            </a:r>
+            <a:r>
+              <a:rPr lang="en-US" dirty="0" err="1">
+                <a:latin typeface="Times New Roman" panose="02020603050405020304" pitchFamily="18" charset="0"/>
+                <a:cs typeface="Times New Roman" panose="02020603050405020304" pitchFamily="18" charset="0"/>
+              </a:rPr>
+              <a:t>bộ</a:t>
+            </a:r>
+            <a:r>
+              <a:rPr lang="en-US" dirty="0">
+                <a:latin typeface="Times New Roman" panose="02020603050405020304" pitchFamily="18" charset="0"/>
+                <a:cs typeface="Times New Roman" panose="02020603050405020304" pitchFamily="18" charset="0"/>
+              </a:rPr>
+              <a:t> </a:t>
+            </a:r>
+            <a:r>
+              <a:rPr lang="en-US" dirty="0" err="1">
+                <a:latin typeface="Times New Roman" panose="02020603050405020304" pitchFamily="18" charset="0"/>
+                <a:cs typeface="Times New Roman" panose="02020603050405020304" pitchFamily="18" charset="0"/>
+              </a:rPr>
+              <a:t>với</a:t>
+            </a:r>
+            <a:r>
+              <a:rPr lang="en-US" dirty="0">
+                <a:latin typeface="Times New Roman" panose="02020603050405020304" pitchFamily="18" charset="0"/>
+                <a:cs typeface="Times New Roman" panose="02020603050405020304" pitchFamily="18" charset="0"/>
+              </a:rPr>
+              <a:t> </a:t>
+            </a:r>
+            <a:r>
+              <a:rPr lang="en-US" dirty="0" err="1">
+                <a:latin typeface="Times New Roman" panose="02020603050405020304" pitchFamily="18" charset="0"/>
+                <a:cs typeface="Times New Roman" panose="02020603050405020304" pitchFamily="18" charset="0"/>
+              </a:rPr>
+              <a:t>createAsyncThunk</a:t>
+            </a:r>
+            <a:r>
+              <a:rPr lang="en-US" dirty="0">
                 <a:latin typeface="Times New Roman" panose="02020603050405020304" pitchFamily="18" charset="0"/>
                 <a:cs typeface="Times New Roman" panose="02020603050405020304" pitchFamily="18" charset="0"/>
               </a:rPr>
               <a:t>, </a:t>
             </a:r>
             <a:r>
-              <a:rPr lang="en-US" dirty="0" err="1" smtClean="0">
-                <a:latin typeface="Times New Roman" panose="02020603050405020304" pitchFamily="18" charset="0"/>
-                <a:cs typeface="Times New Roman" panose="02020603050405020304" pitchFamily="18" charset="0"/>
-              </a:rPr>
-              <a:t>ví</a:t>
-            </a:r>
-            <a:r>
-              <a:rPr lang="en-US" dirty="0" smtClean="0">
-                <a:latin typeface="Times New Roman" panose="02020603050405020304" pitchFamily="18" charset="0"/>
-                <a:cs typeface="Times New Roman" panose="02020603050405020304" pitchFamily="18" charset="0"/>
-              </a:rPr>
-              <a:t> </a:t>
-            </a:r>
-            <a:r>
-              <a:rPr lang="en-US" dirty="0" err="1" smtClean="0">
-                <a:latin typeface="Times New Roman" panose="02020603050405020304" pitchFamily="18" charset="0"/>
-                <a:cs typeface="Times New Roman" panose="02020603050405020304" pitchFamily="18" charset="0"/>
-              </a:rPr>
-              <a:t>dụ</a:t>
+              <a:rPr lang="en-US" dirty="0" err="1">
+                <a:latin typeface="Times New Roman" panose="02020603050405020304" pitchFamily="18" charset="0"/>
+                <a:cs typeface="Times New Roman" panose="02020603050405020304" pitchFamily="18" charset="0"/>
+              </a:rPr>
+              <a:t>giúp</a:t>
+            </a:r>
+            <a:r>
+              <a:rPr lang="en-US" dirty="0">
+                <a:latin typeface="Times New Roman" panose="02020603050405020304" pitchFamily="18" charset="0"/>
+                <a:cs typeface="Times New Roman" panose="02020603050405020304" pitchFamily="18" charset="0"/>
+              </a:rPr>
+              <a:t> </a:t>
+            </a:r>
+            <a:r>
+              <a:rPr lang="en-US" dirty="0" err="1">
+                <a:latin typeface="Times New Roman" panose="02020603050405020304" pitchFamily="18" charset="0"/>
+                <a:cs typeface="Times New Roman" panose="02020603050405020304" pitchFamily="18" charset="0"/>
+              </a:rPr>
+              <a:t>quản</a:t>
+            </a:r>
+            <a:r>
+              <a:rPr lang="en-US" dirty="0">
+                <a:latin typeface="Times New Roman" panose="02020603050405020304" pitchFamily="18" charset="0"/>
+                <a:cs typeface="Times New Roman" panose="02020603050405020304" pitchFamily="18" charset="0"/>
+              </a:rPr>
+              <a:t> </a:t>
+            </a:r>
+            <a:r>
+              <a:rPr lang="en-US" dirty="0" err="1">
+                <a:latin typeface="Times New Roman" panose="02020603050405020304" pitchFamily="18" charset="0"/>
+                <a:cs typeface="Times New Roman" panose="02020603050405020304" pitchFamily="18" charset="0"/>
+              </a:rPr>
+              <a:t>lý</a:t>
+            </a:r>
+            <a:r>
+              <a:rPr lang="en-US" dirty="0">
+                <a:latin typeface="Times New Roman" panose="02020603050405020304" pitchFamily="18" charset="0"/>
+                <a:cs typeface="Times New Roman" panose="02020603050405020304" pitchFamily="18" charset="0"/>
+              </a:rPr>
+              <a:t> state </a:t>
+            </a:r>
+            <a:r>
+              <a:rPr lang="en-US" dirty="0" err="1">
+                <a:latin typeface="Times New Roman" panose="02020603050405020304" pitchFamily="18" charset="0"/>
+                <a:cs typeface="Times New Roman" panose="02020603050405020304" pitchFamily="18" charset="0"/>
+              </a:rPr>
+              <a:t>một</a:t>
+            </a:r>
+            <a:r>
+              <a:rPr lang="en-US" dirty="0">
+                <a:latin typeface="Times New Roman" panose="02020603050405020304" pitchFamily="18" charset="0"/>
+                <a:cs typeface="Times New Roman" panose="02020603050405020304" pitchFamily="18" charset="0"/>
+              </a:rPr>
+              <a:t> </a:t>
+            </a:r>
+            <a:r>
+              <a:rPr lang="en-US" dirty="0" err="1">
+                <a:latin typeface="Times New Roman" panose="02020603050405020304" pitchFamily="18" charset="0"/>
+                <a:cs typeface="Times New Roman" panose="02020603050405020304" pitchFamily="18" charset="0"/>
+              </a:rPr>
+              <a:t>cách</a:t>
+            </a:r>
+            <a:r>
+              <a:rPr lang="en-US" dirty="0">
+                <a:latin typeface="Times New Roman" panose="02020603050405020304" pitchFamily="18" charset="0"/>
+                <a:cs typeface="Times New Roman" panose="02020603050405020304" pitchFamily="18" charset="0"/>
+              </a:rPr>
+              <a:t> </a:t>
+            </a:r>
+            <a:r>
+              <a:rPr lang="en-US" dirty="0" err="1">
+                <a:latin typeface="Times New Roman" panose="02020603050405020304" pitchFamily="18" charset="0"/>
+                <a:cs typeface="Times New Roman" panose="02020603050405020304" pitchFamily="18" charset="0"/>
+              </a:rPr>
+              <a:t>dễ</a:t>
+            </a:r>
+            <a:r>
+              <a:rPr lang="en-US" dirty="0">
+                <a:latin typeface="Times New Roman" panose="02020603050405020304" pitchFamily="18" charset="0"/>
+                <a:cs typeface="Times New Roman" panose="02020603050405020304" pitchFamily="18" charset="0"/>
+              </a:rPr>
+              <a:t> </a:t>
+            </a:r>
+            <a:r>
+              <a:rPr lang="en-US" dirty="0" err="1">
+                <a:latin typeface="Times New Roman" panose="02020603050405020304" pitchFamily="18" charset="0"/>
+                <a:cs typeface="Times New Roman" panose="02020603050405020304" pitchFamily="18" charset="0"/>
+              </a:rPr>
+              <a:t>dàng</a:t>
+            </a:r>
+            <a:r>
+              <a:rPr lang="en-US" dirty="0">
+                <a:latin typeface="Times New Roman" panose="02020603050405020304" pitchFamily="18" charset="0"/>
+                <a:cs typeface="Times New Roman" panose="02020603050405020304" pitchFamily="18" charset="0"/>
+              </a:rPr>
+              <a:t> </a:t>
+            </a:r>
+            <a:r>
+              <a:rPr lang="en-US" dirty="0" err="1">
+                <a:latin typeface="Times New Roman" panose="02020603050405020304" pitchFamily="18" charset="0"/>
+                <a:cs typeface="Times New Roman" panose="02020603050405020304" pitchFamily="18" charset="0"/>
+              </a:rPr>
+              <a:t>và</a:t>
+            </a:r>
+            <a:r>
+              <a:rPr lang="en-US" dirty="0">
+                <a:latin typeface="Times New Roman" panose="02020603050405020304" pitchFamily="18" charset="0"/>
+                <a:cs typeface="Times New Roman" panose="02020603050405020304" pitchFamily="18" charset="0"/>
+              </a:rPr>
+              <a:t> </a:t>
+            </a:r>
+            <a:r>
+              <a:rPr lang="en-US" dirty="0" err="1">
+                <a:latin typeface="Times New Roman" panose="02020603050405020304" pitchFamily="18" charset="0"/>
+                <a:cs typeface="Times New Roman" panose="02020603050405020304" pitchFamily="18" charset="0"/>
+              </a:rPr>
+              <a:t>nhất</a:t>
+            </a:r>
+            <a:r>
+              <a:rPr lang="en-US" dirty="0">
+                <a:latin typeface="Times New Roman" panose="02020603050405020304" pitchFamily="18" charset="0"/>
+                <a:cs typeface="Times New Roman" panose="02020603050405020304" pitchFamily="18" charset="0"/>
+              </a:rPr>
+              <a:t> </a:t>
+            </a:r>
+            <a:r>
+              <a:rPr lang="en-US" dirty="0" err="1">
+                <a:latin typeface="Times New Roman" panose="02020603050405020304" pitchFamily="18" charset="0"/>
+                <a:cs typeface="Times New Roman" panose="02020603050405020304" pitchFamily="18" charset="0"/>
+              </a:rPr>
+              <a:t>quán</a:t>
             </a:r>
             <a:endParaRPr lang="en-US" dirty="0" smtClean="0">
               <a:latin typeface="Times New Roman" panose="02020603050405020304" pitchFamily="18" charset="0"/>
@@ -10868,13 +11518,20 @@
     </p:spTree>
     <p:extLst>
       <p:ext uri="{BB962C8B-B14F-4D97-AF65-F5344CB8AC3E}">
-        <p14:creationId xmlns:p14="http://schemas.microsoft.com/office/powerpoint/2010/main" val="1033091110"/>
+        <p14:creationId xmlns:p14="http://schemas.microsoft.com/office/powerpoint/2010/main" val="3471919952"/>
       </p:ext>
     </p:extLst>
   </p:cSld>
   <p:clrMapOvr>
     <a:masterClrMapping/>
   </p:clrMapOvr>
+  <p:timing>
+    <p:tnLst>
+      <p:par>
+        <p:cTn id="1" dur="indefinite" restart="never" nodeType="tmRoot"/>
+      </p:par>
+    </p:tnLst>
+  </p:timing>
 </p:sld>
 </file>
 
@@ -10911,11 +11568,32 @@
           <a:lstStyle/>
           <a:p>
             <a:r>
-              <a:rPr lang="en-US" dirty="0" smtClean="0">
-                <a:latin typeface="Times New Roman" panose="02020603050405020304" pitchFamily="18" charset="0"/>
-                <a:cs typeface="Times New Roman" panose="02020603050405020304" pitchFamily="18" charset="0"/>
-              </a:rPr>
-              <a:t>Router</a:t>
+              <a:rPr lang="en-US" dirty="0" err="1">
+                <a:latin typeface="Times New Roman" panose="02020603050405020304" pitchFamily="18" charset="0"/>
+                <a:cs typeface="Times New Roman" panose="02020603050405020304" pitchFamily="18" charset="0"/>
+              </a:rPr>
+              <a:t>Redux</a:t>
+            </a:r>
+            <a:r>
+              <a:rPr lang="en-US" dirty="0">
+                <a:latin typeface="Times New Roman" panose="02020603050405020304" pitchFamily="18" charset="0"/>
+                <a:cs typeface="Times New Roman" panose="02020603050405020304" pitchFamily="18" charset="0"/>
+              </a:rPr>
+              <a:t> </a:t>
+            </a:r>
+            <a:r>
+              <a:rPr lang="en-US" dirty="0" smtClean="0">
+                <a:latin typeface="Times New Roman" panose="02020603050405020304" pitchFamily="18" charset="0"/>
+                <a:cs typeface="Times New Roman" panose="02020603050405020304" pitchFamily="18" charset="0"/>
+              </a:rPr>
+              <a:t>toolkit - </a:t>
+            </a:r>
+            <a:r>
+              <a:rPr lang="en-US" dirty="0" err="1">
+                <a:latin typeface="Times New Roman" panose="02020603050405020304" pitchFamily="18" charset="0"/>
+                <a:cs typeface="Times New Roman" panose="02020603050405020304" pitchFamily="18" charset="0"/>
+              </a:rPr>
+              <a:t>configureStore</a:t>
             </a:r>
             <a:endParaRPr lang="en-US" dirty="0">
               <a:latin typeface="Times New Roman" panose="02020603050405020304" pitchFamily="18" charset="0"/>
@@ -10939,6 +11617,23 @@
           <a:bodyPr/>
           <a:lstStyle/>
           <a:p>
+            <a:pPr marL="0" indent="0" algn="just">
+              <a:buNone/>
+            </a:pPr>
+            <a:r>
+              <a:rPr lang="en-US" dirty="0" smtClean="0">
+                <a:latin typeface="Times New Roman" panose="02020603050405020304" pitchFamily="18" charset="0"/>
+                <a:cs typeface="Times New Roman" panose="02020603050405020304" pitchFamily="18" charset="0"/>
+              </a:rPr>
+              <a:t>- </a:t>
+            </a:r>
+            <a:r>
+              <a:rPr lang="vi-VN" dirty="0">
+                <a:latin typeface="Times New Roman" panose="02020603050405020304" pitchFamily="18" charset="0"/>
+                <a:cs typeface="Times New Roman" panose="02020603050405020304" pitchFamily="18" charset="0"/>
+              </a:rPr>
+              <a:t>Tạo và cấu hình store với các thiết lập mặc định như tích hợp sẵn Redux Thunk middleware, và hỗ trợ DevTools của Redux</a:t>
+            </a:r>
             <a:endParaRPr lang="en-US" dirty="0" smtClean="0">
               <a:latin typeface="Times New Roman" panose="02020603050405020304" pitchFamily="18" charset="0"/>
               <a:cs typeface="Times New Roman" panose="02020603050405020304" pitchFamily="18" charset="0"/>
@@ -10946,16 +11641,71 @@
           </a:p>
         </p:txBody>
       </p:sp>
+      <p:pic>
+        <p:nvPicPr>
+          <p:cNvPr id="5" name="Picture 4"/>
+          <p:cNvPicPr>
+            <a:picLocks noChangeAspect="1"/>
+          </p:cNvPicPr>
+          <p:nvPr/>
+        </p:nvPicPr>
+        <p:blipFill>
+          <a:blip r:embed="rId2"/>
+          <a:stretch>
+            <a:fillRect/>
+          </a:stretch>
+        </p:blipFill>
+        <p:spPr>
+          <a:xfrm>
+            <a:off x="487528" y="2657265"/>
+            <a:ext cx="4625411" cy="2286000"/>
+          </a:xfrm>
+          <a:prstGeom prst="rect">
+            <a:avLst/>
+          </a:prstGeom>
+        </p:spPr>
+      </p:pic>
+      <p:pic>
+        <p:nvPicPr>
+          <p:cNvPr id="6" name="Picture 5"/>
+          <p:cNvPicPr>
+            <a:picLocks noChangeAspect="1"/>
+          </p:cNvPicPr>
+          <p:nvPr/>
+        </p:nvPicPr>
+        <p:blipFill>
+          <a:blip r:embed="rId3"/>
+          <a:stretch>
+            <a:fillRect/>
+          </a:stretch>
+        </p:blipFill>
+        <p:spPr>
+          <a:xfrm>
+            <a:off x="5404525" y="3157326"/>
+            <a:ext cx="5962650" cy="1400175"/>
+          </a:xfrm>
+          <a:prstGeom prst="rect">
+            <a:avLst/>
+          </a:prstGeom>
+        </p:spPr>
+      </p:pic>
     </p:spTree>
     <p:extLst>
       <p:ext uri="{BB962C8B-B14F-4D97-AF65-F5344CB8AC3E}">
-        <p14:creationId xmlns:p14="http://schemas.microsoft.com/office/powerpoint/2010/main" val="3375716066"/>
+        <p14:creationId xmlns:p14="http://schemas.microsoft.com/office/powerpoint/2010/main" val="60037751"/>
       </p:ext>
     </p:extLst>
   </p:cSld>
   <p:clrMapOvr>
     <a:masterClrMapping/>
   </p:clrMapOvr>
+  <p:timing>
+    <p:tnLst>
+      <p:par>
+        <p:cTn id="1" dur="indefinite" restart="never" nodeType="tmRoot"/>
+      </p:par>
+    </p:tnLst>
+  </p:timing>
 </p:sld>
 </file>
 
@@ -10992,30 +11742,27 @@
           <a:lstStyle/>
           <a:p>
             <a:r>
-              <a:rPr lang="en-US" dirty="0" err="1" smtClean="0">
-                <a:latin typeface="Times New Roman" panose="02020603050405020304" pitchFamily="18" charset="0"/>
-                <a:cs typeface="Times New Roman" panose="02020603050405020304" pitchFamily="18" charset="0"/>
-              </a:rPr>
-              <a:t>Thực</a:t>
-            </a:r>
-            <a:r>
-              <a:rPr lang="en-US" dirty="0" smtClean="0">
-                <a:latin typeface="Times New Roman" panose="02020603050405020304" pitchFamily="18" charset="0"/>
-                <a:cs typeface="Times New Roman" panose="02020603050405020304" pitchFamily="18" charset="0"/>
-              </a:rPr>
-              <a:t> </a:t>
-            </a:r>
-            <a:r>
-              <a:rPr lang="en-US" dirty="0" err="1" smtClean="0">
-                <a:latin typeface="Times New Roman" panose="02020603050405020304" pitchFamily="18" charset="0"/>
-                <a:cs typeface="Times New Roman" panose="02020603050405020304" pitchFamily="18" charset="0"/>
-              </a:rPr>
-              <a:t>hành</a:t>
-            </a:r>
-            <a:endParaRPr lang="en-US" dirty="0">
-              <a:latin typeface="Times New Roman" panose="02020603050405020304" pitchFamily="18" charset="0"/>
-              <a:cs typeface="Times New Roman" panose="02020603050405020304" pitchFamily="18" charset="0"/>
-            </a:endParaRPr>
+              <a:rPr lang="en-US" dirty="0" err="1">
+                <a:latin typeface="Times New Roman" panose="02020603050405020304" pitchFamily="18" charset="0"/>
+                <a:cs typeface="Times New Roman" panose="02020603050405020304" pitchFamily="18" charset="0"/>
+              </a:rPr>
+              <a:t>Redux</a:t>
+            </a:r>
+            <a:r>
+              <a:rPr lang="en-US" dirty="0">
+                <a:latin typeface="Times New Roman" panose="02020603050405020304" pitchFamily="18" charset="0"/>
+                <a:cs typeface="Times New Roman" panose="02020603050405020304" pitchFamily="18" charset="0"/>
+              </a:rPr>
+              <a:t> toolkit - </a:t>
+            </a:r>
+            <a:r>
+              <a:rPr lang="en-US" dirty="0" err="1">
+                <a:latin typeface="Times New Roman" panose="02020603050405020304" pitchFamily="18" charset="0"/>
+                <a:cs typeface="Times New Roman" panose="02020603050405020304" pitchFamily="18" charset="0"/>
+              </a:rPr>
+              <a:t>createSlice</a:t>
+            </a:r>
+            <a:endParaRPr lang="en-US" dirty="0"/>
           </a:p>
         </p:txBody>
       </p:sp>
@@ -11026,14 +11773,20 @@
             <a:spLocks noGrp="1"/>
           </p:cNvSpPr>
           <p:nvPr>
-            <p:ph idx="1"/>
+            <p:ph sz="half" idx="1"/>
           </p:nvPr>
         </p:nvSpPr>
-        <p:spPr/>
+        <p:spPr>
+          <a:xfrm>
+            <a:off x="1097278" y="1845734"/>
+            <a:ext cx="6008916" cy="4023360"/>
+          </a:xfrm>
+        </p:spPr>
         <p:txBody>
           <a:bodyPr/>
           <a:lstStyle/>
           <a:p>
+            <a:pPr algn="just"/>
             <a:r>
               <a:rPr lang="en-US" dirty="0" smtClean="0">
                 <a:latin typeface="Times New Roman" panose="02020603050405020304" pitchFamily="18" charset="0"/>
@@ -11042,32 +11795,543 @@
               <a:t>- </a:t>
             </a:r>
             <a:r>
+              <a:rPr lang="vi-VN" dirty="0" smtClean="0">
+                <a:latin typeface="Times New Roman" panose="02020603050405020304" pitchFamily="18" charset="0"/>
+                <a:cs typeface="Times New Roman" panose="02020603050405020304" pitchFamily="18" charset="0"/>
+              </a:rPr>
+              <a:t>Đơn </a:t>
+            </a:r>
+            <a:r>
+              <a:rPr lang="vi-VN" dirty="0">
+                <a:latin typeface="Times New Roman" panose="02020603050405020304" pitchFamily="18" charset="0"/>
+                <a:cs typeface="Times New Roman" panose="02020603050405020304" pitchFamily="18" charset="0"/>
+              </a:rPr>
+              <a:t>giản hóa việc tạo reducer và action trong Redux. Một slice bao gồm state, reducer, và các action creators liên quan đến một phần của state</a:t>
+            </a:r>
+            <a:r>
+              <a:rPr lang="vi-VN" dirty="0" smtClean="0">
+                <a:latin typeface="Times New Roman" panose="02020603050405020304" pitchFamily="18" charset="0"/>
+                <a:cs typeface="Times New Roman" panose="02020603050405020304" pitchFamily="18" charset="0"/>
+              </a:rPr>
+              <a:t>.</a:t>
+            </a:r>
+            <a:endParaRPr lang="en-US" dirty="0" smtClean="0">
+              <a:latin typeface="Times New Roman" panose="02020603050405020304" pitchFamily="18" charset="0"/>
+              <a:cs typeface="Times New Roman" panose="02020603050405020304" pitchFamily="18" charset="0"/>
+            </a:endParaRPr>
+          </a:p>
+          <a:p>
+            <a:pPr algn="just"/>
+            <a:r>
+              <a:rPr lang="en-US" dirty="0" smtClean="0">
+                <a:latin typeface="Times New Roman" panose="02020603050405020304" pitchFamily="18" charset="0"/>
+                <a:cs typeface="Times New Roman" panose="02020603050405020304" pitchFamily="18" charset="0"/>
+              </a:rPr>
+              <a:t>- </a:t>
+            </a:r>
+            <a:r>
+              <a:rPr lang="en-US" b="1" dirty="0">
+                <a:latin typeface="Times New Roman" panose="02020603050405020304" pitchFamily="18" charset="0"/>
+                <a:cs typeface="Times New Roman" panose="02020603050405020304" pitchFamily="18" charset="0"/>
+              </a:rPr>
+              <a:t>Reducer</a:t>
+            </a:r>
+            <a:r>
+              <a:rPr lang="en-US" dirty="0">
+                <a:latin typeface="Times New Roman" panose="02020603050405020304" pitchFamily="18" charset="0"/>
+                <a:cs typeface="Times New Roman" panose="02020603050405020304" pitchFamily="18" charset="0"/>
+              </a:rPr>
+              <a:t>: </a:t>
+            </a:r>
+            <a:r>
               <a:rPr lang="en-US" dirty="0" err="1">
                 <a:latin typeface="Times New Roman" panose="02020603050405020304" pitchFamily="18" charset="0"/>
                 <a:cs typeface="Times New Roman" panose="02020603050405020304" pitchFamily="18" charset="0"/>
               </a:rPr>
-              <a:t>T</a:t>
+              <a:t>Là</a:t>
+            </a:r>
+            <a:r>
+              <a:rPr lang="en-US" dirty="0">
+                <a:latin typeface="Times New Roman" panose="02020603050405020304" pitchFamily="18" charset="0"/>
+                <a:cs typeface="Times New Roman" panose="02020603050405020304" pitchFamily="18" charset="0"/>
+              </a:rPr>
+              <a:t> </a:t>
+            </a:r>
+            <a:r>
+              <a:rPr lang="en-US" dirty="0" err="1">
+                <a:latin typeface="Times New Roman" panose="02020603050405020304" pitchFamily="18" charset="0"/>
+                <a:cs typeface="Times New Roman" panose="02020603050405020304" pitchFamily="18" charset="0"/>
+              </a:rPr>
+              <a:t>một</a:t>
+            </a:r>
+            <a:r>
+              <a:rPr lang="en-US" dirty="0">
+                <a:latin typeface="Times New Roman" panose="02020603050405020304" pitchFamily="18" charset="0"/>
+                <a:cs typeface="Times New Roman" panose="02020603050405020304" pitchFamily="18" charset="0"/>
+              </a:rPr>
+              <a:t> </a:t>
+            </a:r>
+            <a:r>
+              <a:rPr lang="en-US" dirty="0" err="1">
+                <a:latin typeface="Times New Roman" panose="02020603050405020304" pitchFamily="18" charset="0"/>
+                <a:cs typeface="Times New Roman" panose="02020603050405020304" pitchFamily="18" charset="0"/>
+              </a:rPr>
+              <a:t>hàm</a:t>
+            </a:r>
+            <a:r>
+              <a:rPr lang="en-US" dirty="0">
+                <a:latin typeface="Times New Roman" panose="02020603050405020304" pitchFamily="18" charset="0"/>
+                <a:cs typeface="Times New Roman" panose="02020603050405020304" pitchFamily="18" charset="0"/>
+              </a:rPr>
+              <a:t> </a:t>
+            </a:r>
+            <a:r>
+              <a:rPr lang="en-US" dirty="0" err="1">
+                <a:latin typeface="Times New Roman" panose="02020603050405020304" pitchFamily="18" charset="0"/>
+                <a:cs typeface="Times New Roman" panose="02020603050405020304" pitchFamily="18" charset="0"/>
+              </a:rPr>
+              <a:t>xử</a:t>
+            </a:r>
+            <a:r>
+              <a:rPr lang="en-US" dirty="0">
+                <a:latin typeface="Times New Roman" panose="02020603050405020304" pitchFamily="18" charset="0"/>
+                <a:cs typeface="Times New Roman" panose="02020603050405020304" pitchFamily="18" charset="0"/>
+              </a:rPr>
+              <a:t> </a:t>
+            </a:r>
+            <a:r>
+              <a:rPr lang="en-US" dirty="0" err="1">
+                <a:latin typeface="Times New Roman" panose="02020603050405020304" pitchFamily="18" charset="0"/>
+                <a:cs typeface="Times New Roman" panose="02020603050405020304" pitchFamily="18" charset="0"/>
+              </a:rPr>
+              <a:t>lý</a:t>
+            </a:r>
+            <a:r>
+              <a:rPr lang="en-US" dirty="0">
+                <a:latin typeface="Times New Roman" panose="02020603050405020304" pitchFamily="18" charset="0"/>
+                <a:cs typeface="Times New Roman" panose="02020603050405020304" pitchFamily="18" charset="0"/>
+              </a:rPr>
+              <a:t> </a:t>
+            </a:r>
+            <a:r>
+              <a:rPr lang="en-US" dirty="0" err="1">
+                <a:latin typeface="Times New Roman" panose="02020603050405020304" pitchFamily="18" charset="0"/>
+                <a:cs typeface="Times New Roman" panose="02020603050405020304" pitchFamily="18" charset="0"/>
+              </a:rPr>
+              <a:t>các</a:t>
+            </a:r>
+            <a:r>
+              <a:rPr lang="en-US" dirty="0">
+                <a:latin typeface="Times New Roman" panose="02020603050405020304" pitchFamily="18" charset="0"/>
+                <a:cs typeface="Times New Roman" panose="02020603050405020304" pitchFamily="18" charset="0"/>
+              </a:rPr>
+              <a:t> </a:t>
+            </a:r>
+            <a:r>
+              <a:rPr lang="en-US" dirty="0" err="1">
+                <a:latin typeface="Times New Roman" panose="02020603050405020304" pitchFamily="18" charset="0"/>
+                <a:cs typeface="Times New Roman" panose="02020603050405020304" pitchFamily="18" charset="0"/>
+              </a:rPr>
+              <a:t>hành</a:t>
+            </a:r>
+            <a:r>
+              <a:rPr lang="en-US" dirty="0">
+                <a:latin typeface="Times New Roman" panose="02020603050405020304" pitchFamily="18" charset="0"/>
+                <a:cs typeface="Times New Roman" panose="02020603050405020304" pitchFamily="18" charset="0"/>
+              </a:rPr>
+              <a:t> </a:t>
+            </a:r>
+            <a:r>
+              <a:rPr lang="en-US" dirty="0" err="1">
+                <a:latin typeface="Times New Roman" panose="02020603050405020304" pitchFamily="18" charset="0"/>
+                <a:cs typeface="Times New Roman" panose="02020603050405020304" pitchFamily="18" charset="0"/>
+              </a:rPr>
+              <a:t>động</a:t>
+            </a:r>
+            <a:r>
+              <a:rPr lang="en-US" dirty="0">
+                <a:latin typeface="Times New Roman" panose="02020603050405020304" pitchFamily="18" charset="0"/>
+                <a:cs typeface="Times New Roman" panose="02020603050405020304" pitchFamily="18" charset="0"/>
+              </a:rPr>
+              <a:t> (actions) </a:t>
+            </a:r>
+            <a:r>
+              <a:rPr lang="en-US" dirty="0" err="1">
+                <a:latin typeface="Times New Roman" panose="02020603050405020304" pitchFamily="18" charset="0"/>
+                <a:cs typeface="Times New Roman" panose="02020603050405020304" pitchFamily="18" charset="0"/>
+              </a:rPr>
+              <a:t>mà</a:t>
+            </a:r>
+            <a:r>
+              <a:rPr lang="en-US" dirty="0">
+                <a:latin typeface="Times New Roman" panose="02020603050405020304" pitchFamily="18" charset="0"/>
+                <a:cs typeface="Times New Roman" panose="02020603050405020304" pitchFamily="18" charset="0"/>
+              </a:rPr>
+              <a:t> </a:t>
+            </a:r>
+            <a:r>
+              <a:rPr lang="en-US" dirty="0" err="1">
+                <a:latin typeface="Times New Roman" panose="02020603050405020304" pitchFamily="18" charset="0"/>
+                <a:cs typeface="Times New Roman" panose="02020603050405020304" pitchFamily="18" charset="0"/>
+              </a:rPr>
+              <a:t>ứng</a:t>
+            </a:r>
+            <a:r>
+              <a:rPr lang="en-US" dirty="0">
+                <a:latin typeface="Times New Roman" panose="02020603050405020304" pitchFamily="18" charset="0"/>
+                <a:cs typeface="Times New Roman" panose="02020603050405020304" pitchFamily="18" charset="0"/>
+              </a:rPr>
+              <a:t> </a:t>
+            </a:r>
+            <a:r>
+              <a:rPr lang="en-US" dirty="0" err="1">
+                <a:latin typeface="Times New Roman" panose="02020603050405020304" pitchFamily="18" charset="0"/>
+                <a:cs typeface="Times New Roman" panose="02020603050405020304" pitchFamily="18" charset="0"/>
+              </a:rPr>
+              <a:t>dụng</a:t>
+            </a:r>
+            <a:r>
+              <a:rPr lang="en-US" dirty="0">
+                <a:latin typeface="Times New Roman" panose="02020603050405020304" pitchFamily="18" charset="0"/>
+                <a:cs typeface="Times New Roman" panose="02020603050405020304" pitchFamily="18" charset="0"/>
+              </a:rPr>
+              <a:t> </a:t>
+            </a:r>
+            <a:r>
+              <a:rPr lang="en-US" dirty="0" err="1">
+                <a:latin typeface="Times New Roman" panose="02020603050405020304" pitchFamily="18" charset="0"/>
+                <a:cs typeface="Times New Roman" panose="02020603050405020304" pitchFamily="18" charset="0"/>
+              </a:rPr>
+              <a:t>có</a:t>
+            </a:r>
+            <a:r>
+              <a:rPr lang="en-US" dirty="0">
+                <a:latin typeface="Times New Roman" panose="02020603050405020304" pitchFamily="18" charset="0"/>
+                <a:cs typeface="Times New Roman" panose="02020603050405020304" pitchFamily="18" charset="0"/>
+              </a:rPr>
+              <a:t> </a:t>
+            </a:r>
+            <a:r>
+              <a:rPr lang="en-US" dirty="0" err="1">
+                <a:latin typeface="Times New Roman" panose="02020603050405020304" pitchFamily="18" charset="0"/>
+                <a:cs typeface="Times New Roman" panose="02020603050405020304" pitchFamily="18" charset="0"/>
+              </a:rPr>
+              <a:t>thể</a:t>
+            </a:r>
+            <a:r>
+              <a:rPr lang="en-US" dirty="0">
+                <a:latin typeface="Times New Roman" panose="02020603050405020304" pitchFamily="18" charset="0"/>
+                <a:cs typeface="Times New Roman" panose="02020603050405020304" pitchFamily="18" charset="0"/>
+              </a:rPr>
+              <a:t> </a:t>
+            </a:r>
+            <a:r>
+              <a:rPr lang="en-US" dirty="0" err="1">
+                <a:latin typeface="Times New Roman" panose="02020603050405020304" pitchFamily="18" charset="0"/>
+                <a:cs typeface="Times New Roman" panose="02020603050405020304" pitchFamily="18" charset="0"/>
+              </a:rPr>
+              <a:t>thực</a:t>
+            </a:r>
+            <a:r>
+              <a:rPr lang="en-US" dirty="0">
+                <a:latin typeface="Times New Roman" panose="02020603050405020304" pitchFamily="18" charset="0"/>
+                <a:cs typeface="Times New Roman" panose="02020603050405020304" pitchFamily="18" charset="0"/>
+              </a:rPr>
+              <a:t> </a:t>
+            </a:r>
+            <a:r>
+              <a:rPr lang="en-US" dirty="0" err="1">
+                <a:latin typeface="Times New Roman" panose="02020603050405020304" pitchFamily="18" charset="0"/>
+                <a:cs typeface="Times New Roman" panose="02020603050405020304" pitchFamily="18" charset="0"/>
+              </a:rPr>
+              <a:t>hiện</a:t>
+            </a:r>
+            <a:r>
+              <a:rPr lang="en-US" dirty="0">
+                <a:latin typeface="Times New Roman" panose="02020603050405020304" pitchFamily="18" charset="0"/>
+                <a:cs typeface="Times New Roman" panose="02020603050405020304" pitchFamily="18" charset="0"/>
+              </a:rPr>
+              <a:t>. Reducer </a:t>
+            </a:r>
+            <a:r>
+              <a:rPr lang="en-US" dirty="0" err="1">
+                <a:latin typeface="Times New Roman" panose="02020603050405020304" pitchFamily="18" charset="0"/>
+                <a:cs typeface="Times New Roman" panose="02020603050405020304" pitchFamily="18" charset="0"/>
+              </a:rPr>
+              <a:t>nhận</a:t>
+            </a:r>
+            <a:r>
+              <a:rPr lang="en-US" dirty="0">
+                <a:latin typeface="Times New Roman" panose="02020603050405020304" pitchFamily="18" charset="0"/>
+                <a:cs typeface="Times New Roman" panose="02020603050405020304" pitchFamily="18" charset="0"/>
+              </a:rPr>
+              <a:t> </a:t>
+            </a:r>
+            <a:r>
+              <a:rPr lang="en-US" dirty="0" err="1">
+                <a:latin typeface="Times New Roman" panose="02020603050405020304" pitchFamily="18" charset="0"/>
+                <a:cs typeface="Times New Roman" panose="02020603050405020304" pitchFamily="18" charset="0"/>
+              </a:rPr>
+              <a:t>vào</a:t>
+            </a:r>
+            <a:r>
+              <a:rPr lang="en-US" dirty="0">
+                <a:latin typeface="Times New Roman" panose="02020603050405020304" pitchFamily="18" charset="0"/>
+                <a:cs typeface="Times New Roman" panose="02020603050405020304" pitchFamily="18" charset="0"/>
+              </a:rPr>
+              <a:t> </a:t>
+            </a:r>
+            <a:r>
+              <a:rPr lang="en-US" dirty="0" err="1">
+                <a:latin typeface="Times New Roman" panose="02020603050405020304" pitchFamily="18" charset="0"/>
+                <a:cs typeface="Times New Roman" panose="02020603050405020304" pitchFamily="18" charset="0"/>
+              </a:rPr>
+              <a:t>trạng</a:t>
+            </a:r>
+            <a:r>
+              <a:rPr lang="en-US" dirty="0">
+                <a:latin typeface="Times New Roman" panose="02020603050405020304" pitchFamily="18" charset="0"/>
+                <a:cs typeface="Times New Roman" panose="02020603050405020304" pitchFamily="18" charset="0"/>
+              </a:rPr>
+              <a:t> </a:t>
+            </a:r>
+            <a:r>
+              <a:rPr lang="en-US" dirty="0" err="1">
+                <a:latin typeface="Times New Roman" panose="02020603050405020304" pitchFamily="18" charset="0"/>
+                <a:cs typeface="Times New Roman" panose="02020603050405020304" pitchFamily="18" charset="0"/>
+              </a:rPr>
+              <a:t>thái</a:t>
+            </a:r>
+            <a:r>
+              <a:rPr lang="en-US" dirty="0">
+                <a:latin typeface="Times New Roman" panose="02020603050405020304" pitchFamily="18" charset="0"/>
+                <a:cs typeface="Times New Roman" panose="02020603050405020304" pitchFamily="18" charset="0"/>
+              </a:rPr>
+              <a:t> </a:t>
+            </a:r>
+            <a:r>
+              <a:rPr lang="en-US" dirty="0" err="1">
+                <a:latin typeface="Times New Roman" panose="02020603050405020304" pitchFamily="18" charset="0"/>
+                <a:cs typeface="Times New Roman" panose="02020603050405020304" pitchFamily="18" charset="0"/>
+              </a:rPr>
+              <a:t>hiện</a:t>
+            </a:r>
+            <a:r>
+              <a:rPr lang="en-US" dirty="0">
+                <a:latin typeface="Times New Roman" panose="02020603050405020304" pitchFamily="18" charset="0"/>
+                <a:cs typeface="Times New Roman" panose="02020603050405020304" pitchFamily="18" charset="0"/>
+              </a:rPr>
+              <a:t> </a:t>
+            </a:r>
+            <a:r>
+              <a:rPr lang="en-US" dirty="0" err="1">
+                <a:latin typeface="Times New Roman" panose="02020603050405020304" pitchFamily="18" charset="0"/>
+                <a:cs typeface="Times New Roman" panose="02020603050405020304" pitchFamily="18" charset="0"/>
+              </a:rPr>
+              <a:t>tại</a:t>
+            </a:r>
+            <a:r>
+              <a:rPr lang="en-US" dirty="0">
+                <a:latin typeface="Times New Roman" panose="02020603050405020304" pitchFamily="18" charset="0"/>
+                <a:cs typeface="Times New Roman" panose="02020603050405020304" pitchFamily="18" charset="0"/>
+              </a:rPr>
+              <a:t> </a:t>
+            </a:r>
+            <a:r>
+              <a:rPr lang="en-US" dirty="0" err="1">
+                <a:latin typeface="Times New Roman" panose="02020603050405020304" pitchFamily="18" charset="0"/>
+                <a:cs typeface="Times New Roman" panose="02020603050405020304" pitchFamily="18" charset="0"/>
+              </a:rPr>
+              <a:t>và</a:t>
+            </a:r>
+            <a:r>
+              <a:rPr lang="en-US" dirty="0">
+                <a:latin typeface="Times New Roman" panose="02020603050405020304" pitchFamily="18" charset="0"/>
+                <a:cs typeface="Times New Roman" panose="02020603050405020304" pitchFamily="18" charset="0"/>
+              </a:rPr>
+              <a:t> action </a:t>
+            </a:r>
+            <a:r>
+              <a:rPr lang="en-US" dirty="0" err="1">
+                <a:latin typeface="Times New Roman" panose="02020603050405020304" pitchFamily="18" charset="0"/>
+                <a:cs typeface="Times New Roman" panose="02020603050405020304" pitchFamily="18" charset="0"/>
+              </a:rPr>
+              <a:t>để</a:t>
+            </a:r>
+            <a:r>
+              <a:rPr lang="en-US" dirty="0">
+                <a:latin typeface="Times New Roman" panose="02020603050405020304" pitchFamily="18" charset="0"/>
+                <a:cs typeface="Times New Roman" panose="02020603050405020304" pitchFamily="18" charset="0"/>
+              </a:rPr>
+              <a:t> </a:t>
+            </a:r>
+            <a:r>
+              <a:rPr lang="en-US" dirty="0" err="1">
+                <a:latin typeface="Times New Roman" panose="02020603050405020304" pitchFamily="18" charset="0"/>
+                <a:cs typeface="Times New Roman" panose="02020603050405020304" pitchFamily="18" charset="0"/>
+              </a:rPr>
+              <a:t>xác</a:t>
+            </a:r>
+            <a:r>
+              <a:rPr lang="en-US" dirty="0">
+                <a:latin typeface="Times New Roman" panose="02020603050405020304" pitchFamily="18" charset="0"/>
+                <a:cs typeface="Times New Roman" panose="02020603050405020304" pitchFamily="18" charset="0"/>
+              </a:rPr>
+              <a:t> </a:t>
+            </a:r>
+            <a:r>
+              <a:rPr lang="en-US" dirty="0" err="1">
+                <a:latin typeface="Times New Roman" panose="02020603050405020304" pitchFamily="18" charset="0"/>
+                <a:cs typeface="Times New Roman" panose="02020603050405020304" pitchFamily="18" charset="0"/>
+              </a:rPr>
+              <a:t>định</a:t>
+            </a:r>
+            <a:r>
+              <a:rPr lang="en-US" dirty="0">
+                <a:latin typeface="Times New Roman" panose="02020603050405020304" pitchFamily="18" charset="0"/>
+                <a:cs typeface="Times New Roman" panose="02020603050405020304" pitchFamily="18" charset="0"/>
+              </a:rPr>
+              <a:t> </a:t>
+            </a:r>
+            <a:r>
+              <a:rPr lang="en-US" dirty="0" err="1">
+                <a:latin typeface="Times New Roman" panose="02020603050405020304" pitchFamily="18" charset="0"/>
+                <a:cs typeface="Times New Roman" panose="02020603050405020304" pitchFamily="18" charset="0"/>
+              </a:rPr>
+              <a:t>cách</a:t>
+            </a:r>
+            <a:r>
+              <a:rPr lang="en-US" dirty="0">
+                <a:latin typeface="Times New Roman" panose="02020603050405020304" pitchFamily="18" charset="0"/>
+                <a:cs typeface="Times New Roman" panose="02020603050405020304" pitchFamily="18" charset="0"/>
+              </a:rPr>
+              <a:t> </a:t>
+            </a:r>
+            <a:r>
+              <a:rPr lang="en-US" dirty="0" err="1">
+                <a:latin typeface="Times New Roman" panose="02020603050405020304" pitchFamily="18" charset="0"/>
+                <a:cs typeface="Times New Roman" panose="02020603050405020304" pitchFamily="18" charset="0"/>
+              </a:rPr>
+              <a:t>thay</a:t>
+            </a:r>
+            <a:r>
+              <a:rPr lang="en-US" dirty="0">
+                <a:latin typeface="Times New Roman" panose="02020603050405020304" pitchFamily="18" charset="0"/>
+                <a:cs typeface="Times New Roman" panose="02020603050405020304" pitchFamily="18" charset="0"/>
+              </a:rPr>
+              <a:t> </a:t>
+            </a:r>
+            <a:r>
+              <a:rPr lang="en-US" dirty="0" err="1">
+                <a:latin typeface="Times New Roman" panose="02020603050405020304" pitchFamily="18" charset="0"/>
+                <a:cs typeface="Times New Roman" panose="02020603050405020304" pitchFamily="18" charset="0"/>
+              </a:rPr>
+              <a:t>đổi</a:t>
+            </a:r>
+            <a:r>
+              <a:rPr lang="en-US" dirty="0">
+                <a:latin typeface="Times New Roman" panose="02020603050405020304" pitchFamily="18" charset="0"/>
+                <a:cs typeface="Times New Roman" panose="02020603050405020304" pitchFamily="18" charset="0"/>
+              </a:rPr>
+              <a:t> </a:t>
+            </a:r>
+            <a:r>
+              <a:rPr lang="en-US" dirty="0" err="1">
+                <a:latin typeface="Times New Roman" panose="02020603050405020304" pitchFamily="18" charset="0"/>
+                <a:cs typeface="Times New Roman" panose="02020603050405020304" pitchFamily="18" charset="0"/>
+              </a:rPr>
+              <a:t>trạng</a:t>
+            </a:r>
+            <a:r>
+              <a:rPr lang="en-US" dirty="0">
+                <a:latin typeface="Times New Roman" panose="02020603050405020304" pitchFamily="18" charset="0"/>
+                <a:cs typeface="Times New Roman" panose="02020603050405020304" pitchFamily="18" charset="0"/>
+              </a:rPr>
+              <a:t> </a:t>
+            </a:r>
+            <a:r>
+              <a:rPr lang="en-US" dirty="0" err="1">
+                <a:latin typeface="Times New Roman" panose="02020603050405020304" pitchFamily="18" charset="0"/>
+                <a:cs typeface="Times New Roman" panose="02020603050405020304" pitchFamily="18" charset="0"/>
+              </a:rPr>
+              <a:t>thái</a:t>
+            </a:r>
+            <a:r>
+              <a:rPr lang="en-US" dirty="0">
+                <a:latin typeface="Times New Roman" panose="02020603050405020304" pitchFamily="18" charset="0"/>
+                <a:cs typeface="Times New Roman" panose="02020603050405020304" pitchFamily="18" charset="0"/>
+              </a:rPr>
+              <a:t> </a:t>
             </a:r>
             <a:r>
               <a:rPr lang="en-US" dirty="0" err="1" smtClean="0">
                 <a:latin typeface="Times New Roman" panose="02020603050405020304" pitchFamily="18" charset="0"/>
                 <a:cs typeface="Times New Roman" panose="02020603050405020304" pitchFamily="18" charset="0"/>
               </a:rPr>
-              <a:t>ạo</a:t>
-            </a:r>
-            <a:r>
-              <a:rPr lang="en-US" dirty="0" smtClean="0">
-                <a:latin typeface="Times New Roman" panose="02020603050405020304" pitchFamily="18" charset="0"/>
-                <a:cs typeface="Times New Roman" panose="02020603050405020304" pitchFamily="18" charset="0"/>
-              </a:rPr>
-              <a:t> </a:t>
-            </a:r>
-            <a:r>
-              <a:rPr lang="en-US" dirty="0" smtClean="0">
-                <a:latin typeface="Times New Roman" panose="02020603050405020304" pitchFamily="18" charset="0"/>
-                <a:cs typeface="Times New Roman" panose="02020603050405020304" pitchFamily="18" charset="0"/>
-              </a:rPr>
-              <a:t>form crud</a:t>
+              <a:t>đó</a:t>
+            </a:r>
+            <a:endParaRPr lang="en-US" dirty="0" smtClean="0">
+              <a:latin typeface="Times New Roman" panose="02020603050405020304" pitchFamily="18" charset="0"/>
+              <a:cs typeface="Times New Roman" panose="02020603050405020304" pitchFamily="18" charset="0"/>
+            </a:endParaRPr>
+          </a:p>
+          <a:p>
+            <a:pPr algn="just"/>
+            <a:r>
+              <a:rPr lang="en-US" dirty="0" smtClean="0">
+                <a:latin typeface="Times New Roman" panose="02020603050405020304" pitchFamily="18" charset="0"/>
+                <a:cs typeface="Times New Roman" panose="02020603050405020304" pitchFamily="18" charset="0"/>
+              </a:rPr>
+              <a:t>- </a:t>
+            </a:r>
+            <a:r>
+              <a:rPr lang="vi-VN" b="1" dirty="0">
+                <a:latin typeface="Times New Roman" panose="02020603050405020304" pitchFamily="18" charset="0"/>
+                <a:cs typeface="Times New Roman" panose="02020603050405020304" pitchFamily="18" charset="0"/>
+              </a:rPr>
+              <a:t>Action creators</a:t>
+            </a:r>
+            <a:r>
+              <a:rPr lang="vi-VN" dirty="0">
+                <a:latin typeface="Times New Roman" panose="02020603050405020304" pitchFamily="18" charset="0"/>
+                <a:cs typeface="Times New Roman" panose="02020603050405020304" pitchFamily="18" charset="0"/>
+              </a:rPr>
+              <a:t>: Là các hàm được sử dụng để tạo các hành động (actions</a:t>
+            </a:r>
+            <a:r>
+              <a:rPr lang="vi-VN" dirty="0" smtClean="0">
+                <a:latin typeface="Times New Roman" panose="02020603050405020304" pitchFamily="18" charset="0"/>
+                <a:cs typeface="Times New Roman" panose="02020603050405020304" pitchFamily="18" charset="0"/>
+              </a:rPr>
+              <a:t>)</a:t>
+            </a:r>
+            <a:r>
+              <a:rPr lang="en-US" dirty="0" smtClean="0">
+                <a:latin typeface="Times New Roman" panose="02020603050405020304" pitchFamily="18" charset="0"/>
+                <a:cs typeface="Times New Roman" panose="02020603050405020304" pitchFamily="18" charset="0"/>
+              </a:rPr>
+              <a:t>. </a:t>
+            </a:r>
+            <a:r>
+              <a:rPr lang="vi-VN" dirty="0">
+                <a:latin typeface="Times New Roman" panose="02020603050405020304" pitchFamily="18" charset="0"/>
+                <a:cs typeface="Times New Roman" panose="02020603050405020304" pitchFamily="18" charset="0"/>
+              </a:rPr>
+              <a:t>Redux Toolkit cung cấp createSlice để định nghĩa reducer và tự động sinh ra các action </a:t>
+            </a:r>
+            <a:r>
+              <a:rPr lang="vi-VN" dirty="0" smtClean="0">
+                <a:latin typeface="Times New Roman" panose="02020603050405020304" pitchFamily="18" charset="0"/>
+                <a:cs typeface="Times New Roman" panose="02020603050405020304" pitchFamily="18" charset="0"/>
+              </a:rPr>
+              <a:t>creators, </a:t>
+            </a:r>
+            <a:r>
+              <a:rPr lang="vi-VN" dirty="0">
+                <a:latin typeface="Times New Roman" panose="02020603050405020304" pitchFamily="18" charset="0"/>
+                <a:cs typeface="Times New Roman" panose="02020603050405020304" pitchFamily="18" charset="0"/>
+              </a:rPr>
+              <a:t>giúp tối ưu hóa quy trình làm việc với Redux</a:t>
             </a:r>
             <a:endParaRPr lang="en-US" dirty="0">
               <a:latin typeface="Times New Roman" panose="02020603050405020304" pitchFamily="18" charset="0"/>
@@ -11076,16 +12340,49 @@
           </a:p>
         </p:txBody>
       </p:sp>
+      <p:pic>
+        <p:nvPicPr>
+          <p:cNvPr id="5" name="Content Placeholder 4"/>
+          <p:cNvPicPr>
+            <a:picLocks noGrp="1" noChangeAspect="1"/>
+          </p:cNvPicPr>
+          <p:nvPr>
+            <p:ph sz="half" idx="2"/>
+          </p:nvPr>
+        </p:nvPicPr>
+        <p:blipFill>
+          <a:blip r:embed="rId2"/>
+          <a:stretch>
+            <a:fillRect/>
+          </a:stretch>
+        </p:blipFill>
+        <p:spPr>
+          <a:xfrm>
+            <a:off x="7249489" y="1845734"/>
+            <a:ext cx="4788104" cy="3771295"/>
+          </a:xfrm>
+          <a:prstGeom prst="rect">
+            <a:avLst/>
+          </a:prstGeom>
+        </p:spPr>
+      </p:pic>
     </p:spTree>
     <p:extLst>
       <p:ext uri="{BB962C8B-B14F-4D97-AF65-F5344CB8AC3E}">
-        <p14:creationId xmlns:p14="http://schemas.microsoft.com/office/powerpoint/2010/main" val="296805246"/>
+        <p14:creationId xmlns:p14="http://schemas.microsoft.com/office/powerpoint/2010/main" val="966941847"/>
       </p:ext>
     </p:extLst>
   </p:cSld>
   <p:clrMapOvr>
     <a:masterClrMapping/>
   </p:clrMapOvr>
+  <p:timing>
+    <p:tnLst>
+      <p:par>
+        <p:cTn id="1" dur="indefinite" restart="never" nodeType="tmRoot"/>
+      </p:par>
+    </p:tnLst>
+  </p:timing>
 </p:sld>
 </file>
 
@@ -11121,6 +12418,34 @@
           <a:bodyPr/>
           <a:lstStyle/>
           <a:p>
+            <a:r>
+              <a:rPr lang="en-US" dirty="0" err="1">
+                <a:latin typeface="Times New Roman" panose="02020603050405020304" pitchFamily="18" charset="0"/>
+                <a:cs typeface="Times New Roman" panose="02020603050405020304" pitchFamily="18" charset="0"/>
+              </a:rPr>
+              <a:t>Redux</a:t>
+            </a:r>
+            <a:r>
+              <a:rPr lang="en-US" dirty="0">
+                <a:latin typeface="Times New Roman" panose="02020603050405020304" pitchFamily="18" charset="0"/>
+                <a:cs typeface="Times New Roman" panose="02020603050405020304" pitchFamily="18" charset="0"/>
+              </a:rPr>
+              <a:t> </a:t>
+            </a:r>
+            <a:r>
+              <a:rPr lang="en-US" dirty="0" smtClean="0">
+                <a:latin typeface="Times New Roman" panose="02020603050405020304" pitchFamily="18" charset="0"/>
+                <a:cs typeface="Times New Roman" panose="02020603050405020304" pitchFamily="18" charset="0"/>
+              </a:rPr>
+              <a:t>toolkit - </a:t>
+            </a:r>
+            <a:r>
+              <a:rPr lang="en-US" dirty="0" err="1" smtClean="0">
+                <a:latin typeface="Times New Roman" panose="02020603050405020304" pitchFamily="18" charset="0"/>
+                <a:cs typeface="Times New Roman" panose="02020603050405020304" pitchFamily="18" charset="0"/>
+              </a:rPr>
+              <a:t>createAsyncThunk</a:t>
+            </a:r>
             <a:endParaRPr lang="en-US" dirty="0">
               <a:latin typeface="Times New Roman" panose="02020603050405020304" pitchFamily="18" charset="0"/>
               <a:cs typeface="Times New Roman" panose="02020603050405020304" pitchFamily="18" charset="0"/>
@@ -11143,23 +12468,200 @@
           <a:bodyPr/>
           <a:lstStyle/>
           <a:p>
-            <a:endParaRPr lang="en-US" dirty="0">
+            <a:pPr marL="0" indent="0" algn="just">
+              <a:buNone/>
+            </a:pPr>
+            <a:r>
+              <a:rPr lang="en-US" dirty="0" smtClean="0">
+                <a:latin typeface="Times New Roman" panose="02020603050405020304" pitchFamily="18" charset="0"/>
+                <a:cs typeface="Times New Roman" panose="02020603050405020304" pitchFamily="18" charset="0"/>
+              </a:rPr>
+              <a:t>-</a:t>
+            </a:r>
+            <a:r>
+              <a:rPr lang="en-US" dirty="0">
+                <a:latin typeface="Times New Roman" panose="02020603050405020304" pitchFamily="18" charset="0"/>
+                <a:cs typeface="Times New Roman" panose="02020603050405020304" pitchFamily="18" charset="0"/>
+              </a:rPr>
+              <a:t> </a:t>
+            </a:r>
+            <a:r>
+              <a:rPr lang="vi-VN" dirty="0">
+                <a:latin typeface="Times New Roman" panose="02020603050405020304" pitchFamily="18" charset="0"/>
+                <a:cs typeface="Times New Roman" panose="02020603050405020304" pitchFamily="18" charset="0"/>
+              </a:rPr>
+              <a:t>Giúp quản lý các tác vụ bất đồng bộ (async actions) như gọi API một cách dễ dàng, đồng thời tự động xử lý các trạng thái pending, fulfilled, và rejected</a:t>
+            </a:r>
+            <a:endParaRPr lang="en-US" dirty="0" smtClean="0">
               <a:latin typeface="Times New Roman" panose="02020603050405020304" pitchFamily="18" charset="0"/>
               <a:cs typeface="Times New Roman" panose="02020603050405020304" pitchFamily="18" charset="0"/>
             </a:endParaRPr>
           </a:p>
         </p:txBody>
       </p:sp>
+      <p:pic>
+        <p:nvPicPr>
+          <p:cNvPr id="5" name="Picture 4"/>
+          <p:cNvPicPr>
+            <a:picLocks noChangeAspect="1"/>
+          </p:cNvPicPr>
+          <p:nvPr/>
+        </p:nvPicPr>
+        <p:blipFill>
+          <a:blip r:embed="rId2"/>
+          <a:stretch>
+            <a:fillRect/>
+          </a:stretch>
+        </p:blipFill>
+        <p:spPr>
+          <a:xfrm>
+            <a:off x="4073162" y="2614401"/>
+            <a:ext cx="6262263" cy="3363067"/>
+          </a:xfrm>
+          <a:prstGeom prst="rect">
+            <a:avLst/>
+          </a:prstGeom>
+        </p:spPr>
+      </p:pic>
     </p:spTree>
     <p:extLst>
       <p:ext uri="{BB962C8B-B14F-4D97-AF65-F5344CB8AC3E}">
-        <p14:creationId xmlns:p14="http://schemas.microsoft.com/office/powerpoint/2010/main" val="3545649084"/>
+        <p14:creationId xmlns:p14="http://schemas.microsoft.com/office/powerpoint/2010/main" val="2352587180"/>
       </p:ext>
     </p:extLst>
   </p:cSld>
   <p:clrMapOvr>
     <a:masterClrMapping/>
   </p:clrMapOvr>
+  <p:timing>
+    <p:tnLst>
+      <p:par>
+        <p:cTn id="1" dur="indefinite" restart="never" nodeType="tmRoot"/>
+      </p:par>
+    </p:tnLst>
+  </p:timing>
+</p:sld>
+</file>
+
+<file path=ppt/slides/slide28.xml><?xml version="1.0" encoding="utf-8"?>
+<p:sld xmlns:a="http://schemas.openxmlformats.org/drawingml/2006/main" xmlns:r="http://schemas.openxmlformats.org/officeDocument/2006/relationships" xmlns:p="http://schemas.openxmlformats.org/presentationml/2006/main">
+  <p:cSld>
+    <p:spTree>
+      <p:nvGrpSpPr>
+        <p:cNvPr id="1" name=""/>
+        <p:cNvGrpSpPr/>
+        <p:nvPr/>
+      </p:nvGrpSpPr>
+      <p:grpSpPr>
+        <a:xfrm>
+          <a:off x="0" y="0"/>
+          <a:ext cx="0" cy="0"/>
+          <a:chOff x="0" y="0"/>
+          <a:chExt cx="0" cy="0"/>
+        </a:xfrm>
+      </p:grpSpPr>
+      <p:pic>
+        <p:nvPicPr>
+          <p:cNvPr id="2" name="Picture 1"/>
+          <p:cNvPicPr>
+            <a:picLocks noChangeAspect="1"/>
+          </p:cNvPicPr>
+          <p:nvPr/>
+        </p:nvPicPr>
+        <p:blipFill>
+          <a:blip r:embed="rId2"/>
+          <a:stretch>
+            <a:fillRect/>
+          </a:stretch>
+        </p:blipFill>
+        <p:spPr>
+          <a:xfrm>
+            <a:off x="2664822" y="158978"/>
+            <a:ext cx="6799761" cy="6093775"/>
+          </a:xfrm>
+          <a:prstGeom prst="rect">
+            <a:avLst/>
+          </a:prstGeom>
+        </p:spPr>
+      </p:pic>
+    </p:spTree>
+    <p:extLst>
+      <p:ext uri="{BB962C8B-B14F-4D97-AF65-F5344CB8AC3E}">
+        <p14:creationId xmlns:p14="http://schemas.microsoft.com/office/powerpoint/2010/main" val="2695077938"/>
+      </p:ext>
+    </p:extLst>
+  </p:cSld>
+  <p:clrMapOvr>
+    <a:masterClrMapping/>
+  </p:clrMapOvr>
+  <p:timing>
+    <p:tnLst>
+      <p:par>
+        <p:cTn id="1" dur="indefinite" restart="never" nodeType="tmRoot"/>
+      </p:par>
+    </p:tnLst>
+  </p:timing>
+</p:sld>
+</file>
+
+<file path=ppt/slides/slide29.xml><?xml version="1.0" encoding="utf-8"?>
+<p:sld xmlns:a="http://schemas.openxmlformats.org/drawingml/2006/main" xmlns:r="http://schemas.openxmlformats.org/officeDocument/2006/relationships" xmlns:p="http://schemas.openxmlformats.org/presentationml/2006/main">
+  <p:cSld>
+    <p:spTree>
+      <p:nvGrpSpPr>
+        <p:cNvPr id="1" name=""/>
+        <p:cNvGrpSpPr/>
+        <p:nvPr/>
+      </p:nvGrpSpPr>
+      <p:grpSpPr>
+        <a:xfrm>
+          <a:off x="0" y="0"/>
+          <a:ext cx="0" cy="0"/>
+          <a:chOff x="0" y="0"/>
+          <a:chExt cx="0" cy="0"/>
+        </a:xfrm>
+      </p:grpSpPr>
+      <p:pic>
+        <p:nvPicPr>
+          <p:cNvPr id="3" name="Picture 2"/>
+          <p:cNvPicPr>
+            <a:picLocks noChangeAspect="1"/>
+          </p:cNvPicPr>
+          <p:nvPr/>
+        </p:nvPicPr>
+        <p:blipFill>
+          <a:blip r:embed="rId2"/>
+          <a:stretch>
+            <a:fillRect/>
+          </a:stretch>
+        </p:blipFill>
+        <p:spPr>
+          <a:xfrm>
+            <a:off x="1881647" y="1724297"/>
+            <a:ext cx="8539791" cy="3460569"/>
+          </a:xfrm>
+          <a:prstGeom prst="rect">
+            <a:avLst/>
+          </a:prstGeom>
+        </p:spPr>
+      </p:pic>
+    </p:spTree>
+    <p:extLst>
+      <p:ext uri="{BB962C8B-B14F-4D97-AF65-F5344CB8AC3E}">
+        <p14:creationId xmlns:p14="http://schemas.microsoft.com/office/powerpoint/2010/main" val="1145046037"/>
+      </p:ext>
+    </p:extLst>
+  </p:cSld>
+  <p:clrMapOvr>
+    <a:masterClrMapping/>
+  </p:clrMapOvr>
+  <p:timing>
+    <p:tnLst>
+      <p:par>
+        <p:cTn id="1" dur="indefinite" restart="never" nodeType="tmRoot"/>
+      </p:par>
+    </p:tnLst>
+  </p:timing>
 </p:sld>
 </file>
 
@@ -11288,14 +12790,7 @@
                 <a:latin typeface="Times New Roman" panose="02020603050405020304" pitchFamily="18" charset="0"/>
                 <a:cs typeface="Times New Roman" panose="02020603050405020304" pitchFamily="18" charset="0"/>
               </a:rPr>
-              <a:t>1</a:t>
-            </a:r>
-            <a:r>
-              <a:rPr lang="en-US" sz="2400" dirty="0" smtClean="0">
-                <a:latin typeface="Times New Roman" panose="02020603050405020304" pitchFamily="18" charset="0"/>
-                <a:cs typeface="Times New Roman" panose="02020603050405020304" pitchFamily="18" charset="0"/>
-              </a:rPr>
-              <a:t>. </a:t>
+              <a:t>1. </a:t>
             </a:r>
             <a:r>
               <a:rPr lang="en-US" sz="2400" dirty="0" err="1" smtClean="0">
@@ -11753,14 +13248,21 @@
                 <a:latin typeface="Times New Roman" panose="02020603050405020304" pitchFamily="18" charset="0"/>
                 <a:cs typeface="Times New Roman" panose="02020603050405020304" pitchFamily="18" charset="0"/>
               </a:rPr>
-              <a:t>quả</a:t>
+              <a:t>quản</a:t>
+            </a:r>
+            <a:r>
+              <a:rPr lang="en-US" sz="2200" dirty="0" smtClean="0">
+                <a:latin typeface="Times New Roman" panose="02020603050405020304" pitchFamily="18" charset="0"/>
+                <a:cs typeface="Times New Roman" panose="02020603050405020304" pitchFamily="18" charset="0"/>
+              </a:rPr>
+              <a:t> </a:t>
             </a:r>
             <a:r>
               <a:rPr lang="en-US" sz="2200" dirty="0" err="1" smtClean="0">
                 <a:latin typeface="Times New Roman" panose="02020603050405020304" pitchFamily="18" charset="0"/>
                 <a:cs typeface="Times New Roman" panose="02020603050405020304" pitchFamily="18" charset="0"/>
               </a:rPr>
-              <a:t>n</a:t>
+              <a:t>lý</a:t>
             </a:r>
             <a:r>
               <a:rPr lang="en-US" sz="2200" dirty="0" smtClean="0">
@@ -11774,47 +13276,29 @@
                 <a:latin typeface="Times New Roman" panose="02020603050405020304" pitchFamily="18" charset="0"/>
                 <a:cs typeface="Times New Roman" panose="02020603050405020304" pitchFamily="18" charset="0"/>
               </a:rPr>
-              <a:t>lý</a:t>
+              <a:t>các</a:t>
             </a:r>
             <a:r>
               <a:rPr lang="en-US" sz="2200" dirty="0" smtClean="0">
                 <a:latin typeface="Times New Roman" panose="02020603050405020304" pitchFamily="18" charset="0"/>
                 <a:cs typeface="Times New Roman" panose="02020603050405020304" pitchFamily="18" charset="0"/>
               </a:rPr>
-              <a:t> </a:t>
+              <a:t> package </a:t>
             </a:r>
             <a:r>
               <a:rPr lang="en-US" sz="2200" dirty="0" err="1" smtClean="0">
                 <a:latin typeface="Times New Roman" panose="02020603050405020304" pitchFamily="18" charset="0"/>
                 <a:cs typeface="Times New Roman" panose="02020603050405020304" pitchFamily="18" charset="0"/>
               </a:rPr>
-              <a:t>các</a:t>
+              <a:t>của</a:t>
             </a:r>
             <a:r>
               <a:rPr lang="en-US" sz="2200" dirty="0" smtClean="0">
                 <a:latin typeface="Times New Roman" panose="02020603050405020304" pitchFamily="18" charset="0"/>
                 <a:cs typeface="Times New Roman" panose="02020603050405020304" pitchFamily="18" charset="0"/>
               </a:rPr>
-              <a:t> package </a:t>
-            </a:r>
-            <a:r>
-              <a:rPr lang="en-US" sz="2200" dirty="0" err="1" smtClean="0">
-                <a:latin typeface="Times New Roman" panose="02020603050405020304" pitchFamily="18" charset="0"/>
-                <a:cs typeface="Times New Roman" panose="02020603050405020304" pitchFamily="18" charset="0"/>
-              </a:rPr>
-              <a:t>của</a:t>
-            </a:r>
-            <a:r>
-              <a:rPr lang="en-US" sz="2200" dirty="0" smtClean="0">
-                <a:latin typeface="Times New Roman" panose="02020603050405020304" pitchFamily="18" charset="0"/>
-                <a:cs typeface="Times New Roman" panose="02020603050405020304" pitchFamily="18" charset="0"/>
-              </a:rPr>
               <a:t> Node.js</a:t>
             </a:r>
-            <a:endParaRPr lang="en-US" sz="2200" dirty="0" smtClean="0">
-              <a:latin typeface="Times New Roman" panose="02020603050405020304" pitchFamily="18" charset="0"/>
-              <a:cs typeface="Times New Roman" panose="02020603050405020304" pitchFamily="18" charset="0"/>
-            </a:endParaRPr>
           </a:p>
           <a:p>
             <a:pPr lvl="1" algn="just"/>
@@ -11969,6 +13453,4162 @@
     <p:extLst>
       <p:ext uri="{BB962C8B-B14F-4D97-AF65-F5344CB8AC3E}">
         <p14:creationId xmlns:p14="http://schemas.microsoft.com/office/powerpoint/2010/main" val="2997085505"/>
+      </p:ext>
+    </p:extLst>
+  </p:cSld>
+  <p:clrMapOvr>
+    <a:masterClrMapping/>
+  </p:clrMapOvr>
+  <p:timing>
+    <p:tnLst>
+      <p:par>
+        <p:cTn id="1" dur="indefinite" restart="never" nodeType="tmRoot"/>
+      </p:par>
+    </p:tnLst>
+  </p:timing>
+</p:sld>
+</file>
+
+<file path=ppt/slides/slide30.xml><?xml version="1.0" encoding="utf-8"?>
+<p:sld xmlns:a="http://schemas.openxmlformats.org/drawingml/2006/main" xmlns:r="http://schemas.openxmlformats.org/officeDocument/2006/relationships" xmlns:p="http://schemas.openxmlformats.org/presentationml/2006/main">
+  <p:cSld>
+    <p:spTree>
+      <p:nvGrpSpPr>
+        <p:cNvPr id="1" name=""/>
+        <p:cNvGrpSpPr/>
+        <p:nvPr/>
+      </p:nvGrpSpPr>
+      <p:grpSpPr>
+        <a:xfrm>
+          <a:off x="0" y="0"/>
+          <a:ext cx="0" cy="0"/>
+          <a:chOff x="0" y="0"/>
+          <a:chExt cx="0" cy="0"/>
+        </a:xfrm>
+      </p:grpSpPr>
+      <p:sp>
+        <p:nvSpPr>
+          <p:cNvPr id="2" name="Title 1"/>
+          <p:cNvSpPr>
+            <a:spLocks noGrp="1"/>
+          </p:cNvSpPr>
+          <p:nvPr>
+            <p:ph type="title"/>
+          </p:nvPr>
+        </p:nvSpPr>
+        <p:spPr/>
+        <p:txBody>
+          <a:bodyPr/>
+          <a:lstStyle/>
+          <a:p>
+            <a:r>
+              <a:rPr lang="en-US" dirty="0" err="1">
+                <a:latin typeface="Times New Roman" panose="02020603050405020304" pitchFamily="18" charset="0"/>
+                <a:cs typeface="Times New Roman" panose="02020603050405020304" pitchFamily="18" charset="0"/>
+              </a:rPr>
+              <a:t>Redux</a:t>
+            </a:r>
+            <a:r>
+              <a:rPr lang="en-US" dirty="0">
+                <a:latin typeface="Times New Roman" panose="02020603050405020304" pitchFamily="18" charset="0"/>
+                <a:cs typeface="Times New Roman" panose="02020603050405020304" pitchFamily="18" charset="0"/>
+              </a:rPr>
+              <a:t> </a:t>
+            </a:r>
+            <a:r>
+              <a:rPr lang="en-US" dirty="0" smtClean="0">
+                <a:latin typeface="Times New Roman" panose="02020603050405020304" pitchFamily="18" charset="0"/>
+                <a:cs typeface="Times New Roman" panose="02020603050405020304" pitchFamily="18" charset="0"/>
+              </a:rPr>
+              <a:t>toolkit</a:t>
+            </a:r>
+            <a:endParaRPr lang="en-US" dirty="0"/>
+          </a:p>
+        </p:txBody>
+      </p:sp>
+      <p:sp>
+        <p:nvSpPr>
+          <p:cNvPr id="3" name="Content Placeholder 2"/>
+          <p:cNvSpPr>
+            <a:spLocks noGrp="1"/>
+          </p:cNvSpPr>
+          <p:nvPr>
+            <p:ph idx="1"/>
+          </p:nvPr>
+        </p:nvSpPr>
+        <p:spPr/>
+        <p:txBody>
+          <a:bodyPr/>
+          <a:lstStyle/>
+          <a:p>
+            <a:pPr algn="just"/>
+            <a:r>
+              <a:rPr lang="en-US" dirty="0">
+                <a:latin typeface="Times New Roman" panose="02020603050405020304" pitchFamily="18" charset="0"/>
+                <a:cs typeface="Times New Roman" panose="02020603050405020304" pitchFamily="18" charset="0"/>
+              </a:rPr>
+              <a:t>- </a:t>
+            </a:r>
+            <a:r>
+              <a:rPr lang="en-US" dirty="0" err="1">
+                <a:latin typeface="Times New Roman" panose="02020603050405020304" pitchFamily="18" charset="0"/>
+                <a:cs typeface="Times New Roman" panose="02020603050405020304" pitchFamily="18" charset="0"/>
+              </a:rPr>
+              <a:t>initialState</a:t>
+            </a:r>
+            <a:r>
+              <a:rPr lang="en-US" dirty="0">
+                <a:latin typeface="Times New Roman" panose="02020603050405020304" pitchFamily="18" charset="0"/>
+                <a:cs typeface="Times New Roman" panose="02020603050405020304" pitchFamily="18" charset="0"/>
+              </a:rPr>
+              <a:t>: </a:t>
+            </a:r>
+            <a:r>
+              <a:rPr lang="en-US" dirty="0" err="1">
+                <a:latin typeface="Times New Roman" panose="02020603050405020304" pitchFamily="18" charset="0"/>
+                <a:cs typeface="Times New Roman" panose="02020603050405020304" pitchFamily="18" charset="0"/>
+              </a:rPr>
+              <a:t>Đây</a:t>
+            </a:r>
+            <a:r>
+              <a:rPr lang="en-US" dirty="0">
+                <a:latin typeface="Times New Roman" panose="02020603050405020304" pitchFamily="18" charset="0"/>
+                <a:cs typeface="Times New Roman" panose="02020603050405020304" pitchFamily="18" charset="0"/>
+              </a:rPr>
+              <a:t> </a:t>
+            </a:r>
+            <a:r>
+              <a:rPr lang="en-US" dirty="0" err="1">
+                <a:latin typeface="Times New Roman" panose="02020603050405020304" pitchFamily="18" charset="0"/>
+                <a:cs typeface="Times New Roman" panose="02020603050405020304" pitchFamily="18" charset="0"/>
+              </a:rPr>
+              <a:t>là</a:t>
+            </a:r>
+            <a:r>
+              <a:rPr lang="en-US" dirty="0">
+                <a:latin typeface="Times New Roman" panose="02020603050405020304" pitchFamily="18" charset="0"/>
+                <a:cs typeface="Times New Roman" panose="02020603050405020304" pitchFamily="18" charset="0"/>
+              </a:rPr>
+              <a:t> </a:t>
+            </a:r>
+            <a:r>
+              <a:rPr lang="en-US" dirty="0" err="1">
+                <a:latin typeface="Times New Roman" panose="02020603050405020304" pitchFamily="18" charset="0"/>
+                <a:cs typeface="Times New Roman" panose="02020603050405020304" pitchFamily="18" charset="0"/>
+              </a:rPr>
+              <a:t>một</a:t>
+            </a:r>
+            <a:r>
+              <a:rPr lang="en-US" dirty="0">
+                <a:latin typeface="Times New Roman" panose="02020603050405020304" pitchFamily="18" charset="0"/>
+                <a:cs typeface="Times New Roman" panose="02020603050405020304" pitchFamily="18" charset="0"/>
+              </a:rPr>
+              <a:t> object </a:t>
+            </a:r>
+            <a:r>
+              <a:rPr lang="en-US" dirty="0" err="1">
+                <a:latin typeface="Times New Roman" panose="02020603050405020304" pitchFamily="18" charset="0"/>
+                <a:cs typeface="Times New Roman" panose="02020603050405020304" pitchFamily="18" charset="0"/>
+              </a:rPr>
+              <a:t>đại</a:t>
+            </a:r>
+            <a:r>
+              <a:rPr lang="en-US" dirty="0">
+                <a:latin typeface="Times New Roman" panose="02020603050405020304" pitchFamily="18" charset="0"/>
+                <a:cs typeface="Times New Roman" panose="02020603050405020304" pitchFamily="18" charset="0"/>
+              </a:rPr>
+              <a:t> </a:t>
+            </a:r>
+            <a:r>
+              <a:rPr lang="en-US" dirty="0" err="1">
+                <a:latin typeface="Times New Roman" panose="02020603050405020304" pitchFamily="18" charset="0"/>
+                <a:cs typeface="Times New Roman" panose="02020603050405020304" pitchFamily="18" charset="0"/>
+              </a:rPr>
+              <a:t>diện</a:t>
+            </a:r>
+            <a:r>
+              <a:rPr lang="en-US" dirty="0">
+                <a:latin typeface="Times New Roman" panose="02020603050405020304" pitchFamily="18" charset="0"/>
+                <a:cs typeface="Times New Roman" panose="02020603050405020304" pitchFamily="18" charset="0"/>
+              </a:rPr>
+              <a:t> </a:t>
+            </a:r>
+            <a:r>
+              <a:rPr lang="en-US" dirty="0" err="1">
+                <a:latin typeface="Times New Roman" panose="02020603050405020304" pitchFamily="18" charset="0"/>
+                <a:cs typeface="Times New Roman" panose="02020603050405020304" pitchFamily="18" charset="0"/>
+              </a:rPr>
+              <a:t>cho</a:t>
+            </a:r>
+            <a:r>
+              <a:rPr lang="en-US" dirty="0">
+                <a:latin typeface="Times New Roman" panose="02020603050405020304" pitchFamily="18" charset="0"/>
+                <a:cs typeface="Times New Roman" panose="02020603050405020304" pitchFamily="18" charset="0"/>
+              </a:rPr>
+              <a:t> </a:t>
+            </a:r>
+            <a:r>
+              <a:rPr lang="en-US" dirty="0" err="1">
+                <a:latin typeface="Times New Roman" panose="02020603050405020304" pitchFamily="18" charset="0"/>
+                <a:cs typeface="Times New Roman" panose="02020603050405020304" pitchFamily="18" charset="0"/>
+              </a:rPr>
+              <a:t>trạng</a:t>
+            </a:r>
+            <a:r>
+              <a:rPr lang="en-US" dirty="0">
+                <a:latin typeface="Times New Roman" panose="02020603050405020304" pitchFamily="18" charset="0"/>
+                <a:cs typeface="Times New Roman" panose="02020603050405020304" pitchFamily="18" charset="0"/>
+              </a:rPr>
+              <a:t> </a:t>
+            </a:r>
+            <a:r>
+              <a:rPr lang="en-US" dirty="0" err="1">
+                <a:latin typeface="Times New Roman" panose="02020603050405020304" pitchFamily="18" charset="0"/>
+                <a:cs typeface="Times New Roman" panose="02020603050405020304" pitchFamily="18" charset="0"/>
+              </a:rPr>
+              <a:t>thái</a:t>
+            </a:r>
+            <a:r>
+              <a:rPr lang="en-US" dirty="0">
+                <a:latin typeface="Times New Roman" panose="02020603050405020304" pitchFamily="18" charset="0"/>
+                <a:cs typeface="Times New Roman" panose="02020603050405020304" pitchFamily="18" charset="0"/>
+              </a:rPr>
+              <a:t> ban </a:t>
+            </a:r>
+            <a:r>
+              <a:rPr lang="en-US" dirty="0" err="1">
+                <a:latin typeface="Times New Roman" panose="02020603050405020304" pitchFamily="18" charset="0"/>
+                <a:cs typeface="Times New Roman" panose="02020603050405020304" pitchFamily="18" charset="0"/>
+              </a:rPr>
+              <a:t>đầu</a:t>
+            </a:r>
+            <a:r>
+              <a:rPr lang="en-US" dirty="0">
+                <a:latin typeface="Times New Roman" panose="02020603050405020304" pitchFamily="18" charset="0"/>
+                <a:cs typeface="Times New Roman" panose="02020603050405020304" pitchFamily="18" charset="0"/>
+              </a:rPr>
+              <a:t> </a:t>
+            </a:r>
+            <a:r>
+              <a:rPr lang="en-US" dirty="0" err="1">
+                <a:latin typeface="Times New Roman" panose="02020603050405020304" pitchFamily="18" charset="0"/>
+                <a:cs typeface="Times New Roman" panose="02020603050405020304" pitchFamily="18" charset="0"/>
+              </a:rPr>
+              <a:t>của</a:t>
+            </a:r>
+            <a:r>
+              <a:rPr lang="en-US" dirty="0">
+                <a:latin typeface="Times New Roman" panose="02020603050405020304" pitchFamily="18" charset="0"/>
+                <a:cs typeface="Times New Roman" panose="02020603050405020304" pitchFamily="18" charset="0"/>
+              </a:rPr>
+              <a:t> state </a:t>
+            </a:r>
+            <a:r>
+              <a:rPr lang="en-US" dirty="0" err="1">
+                <a:latin typeface="Times New Roman" panose="02020603050405020304" pitchFamily="18" charset="0"/>
+                <a:cs typeface="Times New Roman" panose="02020603050405020304" pitchFamily="18" charset="0"/>
+              </a:rPr>
+              <a:t>trong</a:t>
+            </a:r>
+            <a:r>
+              <a:rPr lang="en-US" dirty="0">
+                <a:latin typeface="Times New Roman" panose="02020603050405020304" pitchFamily="18" charset="0"/>
+                <a:cs typeface="Times New Roman" panose="02020603050405020304" pitchFamily="18" charset="0"/>
+              </a:rPr>
+              <a:t> </a:t>
+            </a:r>
+            <a:r>
+              <a:rPr lang="en-US" dirty="0" err="1">
+                <a:latin typeface="Times New Roman" panose="02020603050405020304" pitchFamily="18" charset="0"/>
+                <a:cs typeface="Times New Roman" panose="02020603050405020304" pitchFamily="18" charset="0"/>
+              </a:rPr>
+              <a:t>Redux</a:t>
+            </a:r>
+            <a:r>
+              <a:rPr lang="en-US" dirty="0">
+                <a:latin typeface="Times New Roman" panose="02020603050405020304" pitchFamily="18" charset="0"/>
+                <a:cs typeface="Times New Roman" panose="02020603050405020304" pitchFamily="18" charset="0"/>
+              </a:rPr>
+              <a:t> store. </a:t>
+            </a:r>
+            <a:r>
+              <a:rPr lang="en-US" dirty="0" err="1">
+                <a:latin typeface="Times New Roman" panose="02020603050405020304" pitchFamily="18" charset="0"/>
+                <a:cs typeface="Times New Roman" panose="02020603050405020304" pitchFamily="18" charset="0"/>
+              </a:rPr>
+              <a:t>Trong</a:t>
+            </a:r>
+            <a:r>
+              <a:rPr lang="en-US" dirty="0">
+                <a:latin typeface="Times New Roman" panose="02020603050405020304" pitchFamily="18" charset="0"/>
+                <a:cs typeface="Times New Roman" panose="02020603050405020304" pitchFamily="18" charset="0"/>
+              </a:rPr>
+              <a:t> </a:t>
+            </a:r>
+            <a:r>
+              <a:rPr lang="en-US" dirty="0" err="1">
+                <a:latin typeface="Times New Roman" panose="02020603050405020304" pitchFamily="18" charset="0"/>
+                <a:cs typeface="Times New Roman" panose="02020603050405020304" pitchFamily="18" charset="0"/>
+              </a:rPr>
+              <a:t>ví</a:t>
+            </a:r>
+            <a:r>
+              <a:rPr lang="en-US" dirty="0">
+                <a:latin typeface="Times New Roman" panose="02020603050405020304" pitchFamily="18" charset="0"/>
+                <a:cs typeface="Times New Roman" panose="02020603050405020304" pitchFamily="18" charset="0"/>
+              </a:rPr>
+              <a:t> </a:t>
+            </a:r>
+            <a:r>
+              <a:rPr lang="en-US" dirty="0" err="1">
+                <a:latin typeface="Times New Roman" panose="02020603050405020304" pitchFamily="18" charset="0"/>
+                <a:cs typeface="Times New Roman" panose="02020603050405020304" pitchFamily="18" charset="0"/>
+              </a:rPr>
+              <a:t>dụ</a:t>
+            </a:r>
+            <a:r>
+              <a:rPr lang="en-US" dirty="0">
+                <a:latin typeface="Times New Roman" panose="02020603050405020304" pitchFamily="18" charset="0"/>
+                <a:cs typeface="Times New Roman" panose="02020603050405020304" pitchFamily="18" charset="0"/>
+              </a:rPr>
+              <a:t> </a:t>
+            </a:r>
+            <a:r>
+              <a:rPr lang="en-US" dirty="0" err="1">
+                <a:latin typeface="Times New Roman" panose="02020603050405020304" pitchFamily="18" charset="0"/>
+                <a:cs typeface="Times New Roman" panose="02020603050405020304" pitchFamily="18" charset="0"/>
+              </a:rPr>
+              <a:t>này</a:t>
+            </a:r>
+            <a:r>
+              <a:rPr lang="en-US" dirty="0">
+                <a:latin typeface="Times New Roman" panose="02020603050405020304" pitchFamily="18" charset="0"/>
+                <a:cs typeface="Times New Roman" panose="02020603050405020304" pitchFamily="18" charset="0"/>
+              </a:rPr>
+              <a:t>, </a:t>
+            </a:r>
+            <a:r>
+              <a:rPr lang="en-US" dirty="0" err="1">
+                <a:latin typeface="Times New Roman" panose="02020603050405020304" pitchFamily="18" charset="0"/>
+                <a:cs typeface="Times New Roman" panose="02020603050405020304" pitchFamily="18" charset="0"/>
+              </a:rPr>
+              <a:t>initialState</a:t>
+            </a:r>
+            <a:r>
+              <a:rPr lang="en-US" dirty="0">
+                <a:latin typeface="Times New Roman" panose="02020603050405020304" pitchFamily="18" charset="0"/>
+                <a:cs typeface="Times New Roman" panose="02020603050405020304" pitchFamily="18" charset="0"/>
+              </a:rPr>
+              <a:t> </a:t>
+            </a:r>
+            <a:r>
+              <a:rPr lang="en-US" dirty="0" err="1">
+                <a:latin typeface="Times New Roman" panose="02020603050405020304" pitchFamily="18" charset="0"/>
+                <a:cs typeface="Times New Roman" panose="02020603050405020304" pitchFamily="18" charset="0"/>
+              </a:rPr>
+              <a:t>chỉ</a:t>
+            </a:r>
+            <a:r>
+              <a:rPr lang="en-US" dirty="0">
+                <a:latin typeface="Times New Roman" panose="02020603050405020304" pitchFamily="18" charset="0"/>
+                <a:cs typeface="Times New Roman" panose="02020603050405020304" pitchFamily="18" charset="0"/>
+              </a:rPr>
+              <a:t> </a:t>
+            </a:r>
+            <a:r>
+              <a:rPr lang="en-US" dirty="0" err="1">
+                <a:latin typeface="Times New Roman" panose="02020603050405020304" pitchFamily="18" charset="0"/>
+                <a:cs typeface="Times New Roman" panose="02020603050405020304" pitchFamily="18" charset="0"/>
+              </a:rPr>
+              <a:t>có</a:t>
+            </a:r>
+            <a:r>
+              <a:rPr lang="en-US" dirty="0">
+                <a:latin typeface="Times New Roman" panose="02020603050405020304" pitchFamily="18" charset="0"/>
+                <a:cs typeface="Times New Roman" panose="02020603050405020304" pitchFamily="18" charset="0"/>
+              </a:rPr>
+              <a:t> </a:t>
+            </a:r>
+            <a:r>
+              <a:rPr lang="en-US" dirty="0" err="1">
+                <a:latin typeface="Times New Roman" panose="02020603050405020304" pitchFamily="18" charset="0"/>
+                <a:cs typeface="Times New Roman" panose="02020603050405020304" pitchFamily="18" charset="0"/>
+              </a:rPr>
+              <a:t>một</a:t>
+            </a:r>
+            <a:r>
+              <a:rPr lang="en-US" dirty="0">
+                <a:latin typeface="Times New Roman" panose="02020603050405020304" pitchFamily="18" charset="0"/>
+                <a:cs typeface="Times New Roman" panose="02020603050405020304" pitchFamily="18" charset="0"/>
+              </a:rPr>
+              <a:t> </a:t>
+            </a:r>
+            <a:r>
+              <a:rPr lang="en-US" dirty="0" err="1">
+                <a:latin typeface="Times New Roman" panose="02020603050405020304" pitchFamily="18" charset="0"/>
+                <a:cs typeface="Times New Roman" panose="02020603050405020304" pitchFamily="18" charset="0"/>
+              </a:rPr>
+              <a:t>thuộc</a:t>
+            </a:r>
+            <a:r>
+              <a:rPr lang="en-US" dirty="0">
+                <a:latin typeface="Times New Roman" panose="02020603050405020304" pitchFamily="18" charset="0"/>
+                <a:cs typeface="Times New Roman" panose="02020603050405020304" pitchFamily="18" charset="0"/>
+              </a:rPr>
+              <a:t> </a:t>
+            </a:r>
+            <a:r>
+              <a:rPr lang="en-US" dirty="0" err="1">
+                <a:latin typeface="Times New Roman" panose="02020603050405020304" pitchFamily="18" charset="0"/>
+                <a:cs typeface="Times New Roman" panose="02020603050405020304" pitchFamily="18" charset="0"/>
+              </a:rPr>
+              <a:t>tính</a:t>
+            </a:r>
+            <a:r>
+              <a:rPr lang="en-US" dirty="0">
+                <a:latin typeface="Times New Roman" panose="02020603050405020304" pitchFamily="18" charset="0"/>
+                <a:cs typeface="Times New Roman" panose="02020603050405020304" pitchFamily="18" charset="0"/>
+              </a:rPr>
+              <a:t> </a:t>
+            </a:r>
+            <a:r>
+              <a:rPr lang="en-US" dirty="0" err="1">
+                <a:latin typeface="Times New Roman" panose="02020603050405020304" pitchFamily="18" charset="0"/>
+                <a:cs typeface="Times New Roman" panose="02020603050405020304" pitchFamily="18" charset="0"/>
+              </a:rPr>
+              <a:t>userInfo</a:t>
+            </a:r>
+            <a:r>
+              <a:rPr lang="en-US" dirty="0">
+                <a:latin typeface="Times New Roman" panose="02020603050405020304" pitchFamily="18" charset="0"/>
+                <a:cs typeface="Times New Roman" panose="02020603050405020304" pitchFamily="18" charset="0"/>
+              </a:rPr>
+              <a:t>, ban </a:t>
+            </a:r>
+            <a:r>
+              <a:rPr lang="en-US" dirty="0" err="1">
+                <a:latin typeface="Times New Roman" panose="02020603050405020304" pitchFamily="18" charset="0"/>
+                <a:cs typeface="Times New Roman" panose="02020603050405020304" pitchFamily="18" charset="0"/>
+              </a:rPr>
+              <a:t>đầu</a:t>
+            </a:r>
+            <a:r>
+              <a:rPr lang="en-US" dirty="0">
+                <a:latin typeface="Times New Roman" panose="02020603050405020304" pitchFamily="18" charset="0"/>
+                <a:cs typeface="Times New Roman" panose="02020603050405020304" pitchFamily="18" charset="0"/>
+              </a:rPr>
+              <a:t> </a:t>
+            </a:r>
+            <a:r>
+              <a:rPr lang="en-US" dirty="0" err="1">
+                <a:latin typeface="Times New Roman" panose="02020603050405020304" pitchFamily="18" charset="0"/>
+                <a:cs typeface="Times New Roman" panose="02020603050405020304" pitchFamily="18" charset="0"/>
+              </a:rPr>
+              <a:t>là</a:t>
+            </a:r>
+            <a:r>
+              <a:rPr lang="en-US" dirty="0">
+                <a:latin typeface="Times New Roman" panose="02020603050405020304" pitchFamily="18" charset="0"/>
+                <a:cs typeface="Times New Roman" panose="02020603050405020304" pitchFamily="18" charset="0"/>
+              </a:rPr>
+              <a:t> </a:t>
+            </a:r>
+            <a:r>
+              <a:rPr lang="en-US" dirty="0" err="1">
+                <a:latin typeface="Times New Roman" panose="02020603050405020304" pitchFamily="18" charset="0"/>
+                <a:cs typeface="Times New Roman" panose="02020603050405020304" pitchFamily="18" charset="0"/>
+              </a:rPr>
+              <a:t>một</a:t>
+            </a:r>
+            <a:r>
+              <a:rPr lang="en-US" dirty="0">
+                <a:latin typeface="Times New Roman" panose="02020603050405020304" pitchFamily="18" charset="0"/>
+                <a:cs typeface="Times New Roman" panose="02020603050405020304" pitchFamily="18" charset="0"/>
+              </a:rPr>
+              <a:t> object </a:t>
+            </a:r>
+            <a:r>
+              <a:rPr lang="en-US" dirty="0" err="1">
+                <a:latin typeface="Times New Roman" panose="02020603050405020304" pitchFamily="18" charset="0"/>
+                <a:cs typeface="Times New Roman" panose="02020603050405020304" pitchFamily="18" charset="0"/>
+              </a:rPr>
+              <a:t>rỗng</a:t>
+            </a:r>
+            <a:r>
+              <a:rPr lang="en-US" dirty="0">
+                <a:latin typeface="Times New Roman" panose="02020603050405020304" pitchFamily="18" charset="0"/>
+                <a:cs typeface="Times New Roman" panose="02020603050405020304" pitchFamily="18" charset="0"/>
+              </a:rPr>
+              <a:t> </a:t>
+            </a:r>
+            <a:r>
+              <a:rPr lang="en-US" dirty="0" smtClean="0">
+                <a:latin typeface="Times New Roman" panose="02020603050405020304" pitchFamily="18" charset="0"/>
+                <a:cs typeface="Times New Roman" panose="02020603050405020304" pitchFamily="18" charset="0"/>
+              </a:rPr>
+              <a:t>{}.</a:t>
+            </a:r>
+          </a:p>
+          <a:p>
+            <a:pPr algn="just"/>
+            <a:r>
+              <a:rPr lang="en-US" dirty="0" smtClean="0">
+                <a:latin typeface="Times New Roman" panose="02020603050405020304" pitchFamily="18" charset="0"/>
+                <a:cs typeface="Times New Roman" panose="02020603050405020304" pitchFamily="18" charset="0"/>
+              </a:rPr>
+              <a:t>- </a:t>
+            </a:r>
+            <a:r>
+              <a:rPr lang="vi-VN" dirty="0">
+                <a:latin typeface="Times New Roman" panose="02020603050405020304" pitchFamily="18" charset="0"/>
+                <a:cs typeface="Times New Roman" panose="02020603050405020304" pitchFamily="18" charset="0"/>
+              </a:rPr>
+              <a:t>createAsyncThunk: Hàm này từ Redux Toolkit để tạo các thao tác bất đồng bộ (async thunks). Trong ví dụ này, getUserInfo là một async thunk để gọi API và lấy dữ liệu thông tin người dùng từ server</a:t>
+            </a:r>
+            <a:r>
+              <a:rPr lang="vi-VN" dirty="0" smtClean="0">
+                <a:latin typeface="Times New Roman" panose="02020603050405020304" pitchFamily="18" charset="0"/>
+                <a:cs typeface="Times New Roman" panose="02020603050405020304" pitchFamily="18" charset="0"/>
+              </a:rPr>
+              <a:t>.</a:t>
+            </a:r>
+            <a:endParaRPr lang="en-US" dirty="0" smtClean="0">
+              <a:latin typeface="Times New Roman" panose="02020603050405020304" pitchFamily="18" charset="0"/>
+              <a:cs typeface="Times New Roman" panose="02020603050405020304" pitchFamily="18" charset="0"/>
+            </a:endParaRPr>
+          </a:p>
+          <a:p>
+            <a:pPr algn="just"/>
+            <a:r>
+              <a:rPr lang="en-US" dirty="0">
+                <a:latin typeface="Times New Roman" panose="02020603050405020304" pitchFamily="18" charset="0"/>
+                <a:cs typeface="Times New Roman" panose="02020603050405020304" pitchFamily="18" charset="0"/>
+              </a:rPr>
+              <a:t>- </a:t>
+            </a:r>
+            <a:r>
+              <a:rPr lang="en-US" dirty="0" err="1">
+                <a:latin typeface="Times New Roman" panose="02020603050405020304" pitchFamily="18" charset="0"/>
+                <a:cs typeface="Times New Roman" panose="02020603050405020304" pitchFamily="18" charset="0"/>
+              </a:rPr>
+              <a:t>createSlice</a:t>
+            </a:r>
+            <a:r>
+              <a:rPr lang="en-US" dirty="0">
+                <a:latin typeface="Times New Roman" panose="02020603050405020304" pitchFamily="18" charset="0"/>
+                <a:cs typeface="Times New Roman" panose="02020603050405020304" pitchFamily="18" charset="0"/>
+              </a:rPr>
+              <a:t>: </a:t>
+            </a:r>
+            <a:r>
+              <a:rPr lang="en-US" dirty="0" err="1">
+                <a:latin typeface="Times New Roman" panose="02020603050405020304" pitchFamily="18" charset="0"/>
+                <a:cs typeface="Times New Roman" panose="02020603050405020304" pitchFamily="18" charset="0"/>
+              </a:rPr>
+              <a:t>Hàm</a:t>
+            </a:r>
+            <a:r>
+              <a:rPr lang="en-US" dirty="0">
+                <a:latin typeface="Times New Roman" panose="02020603050405020304" pitchFamily="18" charset="0"/>
+                <a:cs typeface="Times New Roman" panose="02020603050405020304" pitchFamily="18" charset="0"/>
+              </a:rPr>
+              <a:t> </a:t>
+            </a:r>
+            <a:r>
+              <a:rPr lang="en-US" dirty="0" err="1">
+                <a:latin typeface="Times New Roman" panose="02020603050405020304" pitchFamily="18" charset="0"/>
+                <a:cs typeface="Times New Roman" panose="02020603050405020304" pitchFamily="18" charset="0"/>
+              </a:rPr>
+              <a:t>này</a:t>
+            </a:r>
+            <a:r>
+              <a:rPr lang="en-US" dirty="0">
+                <a:latin typeface="Times New Roman" panose="02020603050405020304" pitchFamily="18" charset="0"/>
+                <a:cs typeface="Times New Roman" panose="02020603050405020304" pitchFamily="18" charset="0"/>
+              </a:rPr>
+              <a:t> </a:t>
+            </a:r>
+            <a:r>
+              <a:rPr lang="en-US" dirty="0" err="1">
+                <a:latin typeface="Times New Roman" panose="02020603050405020304" pitchFamily="18" charset="0"/>
+                <a:cs typeface="Times New Roman" panose="02020603050405020304" pitchFamily="18" charset="0"/>
+              </a:rPr>
+              <a:t>từ</a:t>
+            </a:r>
+            <a:r>
+              <a:rPr lang="en-US" dirty="0">
+                <a:latin typeface="Times New Roman" panose="02020603050405020304" pitchFamily="18" charset="0"/>
+                <a:cs typeface="Times New Roman" panose="02020603050405020304" pitchFamily="18" charset="0"/>
+              </a:rPr>
+              <a:t> </a:t>
+            </a:r>
+            <a:r>
+              <a:rPr lang="en-US" dirty="0" err="1">
+                <a:latin typeface="Times New Roman" panose="02020603050405020304" pitchFamily="18" charset="0"/>
+                <a:cs typeface="Times New Roman" panose="02020603050405020304" pitchFamily="18" charset="0"/>
+              </a:rPr>
+              <a:t>Redux</a:t>
+            </a:r>
+            <a:r>
+              <a:rPr lang="en-US" dirty="0">
+                <a:latin typeface="Times New Roman" panose="02020603050405020304" pitchFamily="18" charset="0"/>
+                <a:cs typeface="Times New Roman" panose="02020603050405020304" pitchFamily="18" charset="0"/>
+              </a:rPr>
+              <a:t> Toolkit </a:t>
+            </a:r>
+            <a:r>
+              <a:rPr lang="en-US" dirty="0" err="1">
+                <a:latin typeface="Times New Roman" panose="02020603050405020304" pitchFamily="18" charset="0"/>
+                <a:cs typeface="Times New Roman" panose="02020603050405020304" pitchFamily="18" charset="0"/>
+              </a:rPr>
+              <a:t>để</a:t>
+            </a:r>
+            <a:r>
+              <a:rPr lang="en-US" dirty="0">
+                <a:latin typeface="Times New Roman" panose="02020603050405020304" pitchFamily="18" charset="0"/>
+                <a:cs typeface="Times New Roman" panose="02020603050405020304" pitchFamily="18" charset="0"/>
+              </a:rPr>
+              <a:t> </a:t>
+            </a:r>
+            <a:r>
+              <a:rPr lang="en-US" dirty="0" err="1">
+                <a:latin typeface="Times New Roman" panose="02020603050405020304" pitchFamily="18" charset="0"/>
+                <a:cs typeface="Times New Roman" panose="02020603050405020304" pitchFamily="18" charset="0"/>
+              </a:rPr>
+              <a:t>định</a:t>
+            </a:r>
+            <a:r>
+              <a:rPr lang="en-US" dirty="0">
+                <a:latin typeface="Times New Roman" panose="02020603050405020304" pitchFamily="18" charset="0"/>
+                <a:cs typeface="Times New Roman" panose="02020603050405020304" pitchFamily="18" charset="0"/>
+              </a:rPr>
+              <a:t> </a:t>
+            </a:r>
+            <a:r>
+              <a:rPr lang="en-US" dirty="0" err="1">
+                <a:latin typeface="Times New Roman" panose="02020603050405020304" pitchFamily="18" charset="0"/>
+                <a:cs typeface="Times New Roman" panose="02020603050405020304" pitchFamily="18" charset="0"/>
+              </a:rPr>
+              <a:t>nghĩa</a:t>
+            </a:r>
+            <a:r>
+              <a:rPr lang="en-US" dirty="0">
+                <a:latin typeface="Times New Roman" panose="02020603050405020304" pitchFamily="18" charset="0"/>
+                <a:cs typeface="Times New Roman" panose="02020603050405020304" pitchFamily="18" charset="0"/>
+              </a:rPr>
+              <a:t> </a:t>
+            </a:r>
+            <a:r>
+              <a:rPr lang="en-US" dirty="0" err="1">
+                <a:latin typeface="Times New Roman" panose="02020603050405020304" pitchFamily="18" charset="0"/>
+                <a:cs typeface="Times New Roman" panose="02020603050405020304" pitchFamily="18" charset="0"/>
+              </a:rPr>
+              <a:t>một</a:t>
+            </a:r>
+            <a:r>
+              <a:rPr lang="en-US" dirty="0">
+                <a:latin typeface="Times New Roman" panose="02020603050405020304" pitchFamily="18" charset="0"/>
+                <a:cs typeface="Times New Roman" panose="02020603050405020304" pitchFamily="18" charset="0"/>
+              </a:rPr>
+              <a:t> Slice </a:t>
+            </a:r>
+            <a:r>
+              <a:rPr lang="en-US" dirty="0" err="1">
+                <a:latin typeface="Times New Roman" panose="02020603050405020304" pitchFamily="18" charset="0"/>
+                <a:cs typeface="Times New Roman" panose="02020603050405020304" pitchFamily="18" charset="0"/>
+              </a:rPr>
+              <a:t>trong</a:t>
+            </a:r>
+            <a:r>
+              <a:rPr lang="en-US" dirty="0">
+                <a:latin typeface="Times New Roman" panose="02020603050405020304" pitchFamily="18" charset="0"/>
+                <a:cs typeface="Times New Roman" panose="02020603050405020304" pitchFamily="18" charset="0"/>
+              </a:rPr>
+              <a:t> </a:t>
+            </a:r>
+            <a:r>
+              <a:rPr lang="en-US" dirty="0" err="1">
+                <a:latin typeface="Times New Roman" panose="02020603050405020304" pitchFamily="18" charset="0"/>
+                <a:cs typeface="Times New Roman" panose="02020603050405020304" pitchFamily="18" charset="0"/>
+              </a:rPr>
+              <a:t>Redux</a:t>
+            </a:r>
+            <a:r>
+              <a:rPr lang="en-US" dirty="0">
+                <a:latin typeface="Times New Roman" panose="02020603050405020304" pitchFamily="18" charset="0"/>
+                <a:cs typeface="Times New Roman" panose="02020603050405020304" pitchFamily="18" charset="0"/>
+              </a:rPr>
+              <a:t>, </a:t>
+            </a:r>
+            <a:r>
+              <a:rPr lang="en-US" dirty="0" err="1">
+                <a:latin typeface="Times New Roman" panose="02020603050405020304" pitchFamily="18" charset="0"/>
+                <a:cs typeface="Times New Roman" panose="02020603050405020304" pitchFamily="18" charset="0"/>
+              </a:rPr>
+              <a:t>bao</a:t>
+            </a:r>
+            <a:r>
+              <a:rPr lang="en-US" dirty="0">
+                <a:latin typeface="Times New Roman" panose="02020603050405020304" pitchFamily="18" charset="0"/>
+                <a:cs typeface="Times New Roman" panose="02020603050405020304" pitchFamily="18" charset="0"/>
+              </a:rPr>
+              <a:t> </a:t>
+            </a:r>
+            <a:r>
+              <a:rPr lang="en-US" dirty="0" err="1">
+                <a:latin typeface="Times New Roman" panose="02020603050405020304" pitchFamily="18" charset="0"/>
+                <a:cs typeface="Times New Roman" panose="02020603050405020304" pitchFamily="18" charset="0"/>
+              </a:rPr>
+              <a:t>gồm</a:t>
+            </a:r>
+            <a:r>
+              <a:rPr lang="en-US" dirty="0">
+                <a:latin typeface="Times New Roman" panose="02020603050405020304" pitchFamily="18" charset="0"/>
+                <a:cs typeface="Times New Roman" panose="02020603050405020304" pitchFamily="18" charset="0"/>
+              </a:rPr>
+              <a:t> reducers </a:t>
+            </a:r>
+            <a:r>
+              <a:rPr lang="en-US" dirty="0" err="1">
+                <a:latin typeface="Times New Roman" panose="02020603050405020304" pitchFamily="18" charset="0"/>
+                <a:cs typeface="Times New Roman" panose="02020603050405020304" pitchFamily="18" charset="0"/>
+              </a:rPr>
+              <a:t>và</a:t>
+            </a:r>
+            <a:r>
+              <a:rPr lang="en-US" dirty="0">
+                <a:latin typeface="Times New Roman" panose="02020603050405020304" pitchFamily="18" charset="0"/>
+                <a:cs typeface="Times New Roman" panose="02020603050405020304" pitchFamily="18" charset="0"/>
+              </a:rPr>
+              <a:t> </a:t>
+            </a:r>
+            <a:r>
+              <a:rPr lang="en-US" dirty="0" err="1">
+                <a:latin typeface="Times New Roman" panose="02020603050405020304" pitchFamily="18" charset="0"/>
+                <a:cs typeface="Times New Roman" panose="02020603050405020304" pitchFamily="18" charset="0"/>
+              </a:rPr>
+              <a:t>các</a:t>
+            </a:r>
+            <a:r>
+              <a:rPr lang="en-US" dirty="0">
+                <a:latin typeface="Times New Roman" panose="02020603050405020304" pitchFamily="18" charset="0"/>
+                <a:cs typeface="Times New Roman" panose="02020603050405020304" pitchFamily="18" charset="0"/>
+              </a:rPr>
+              <a:t> extra reducers </a:t>
+            </a:r>
+            <a:r>
+              <a:rPr lang="en-US" dirty="0" err="1">
+                <a:latin typeface="Times New Roman" panose="02020603050405020304" pitchFamily="18" charset="0"/>
+                <a:cs typeface="Times New Roman" panose="02020603050405020304" pitchFamily="18" charset="0"/>
+              </a:rPr>
+              <a:t>để</a:t>
+            </a:r>
+            <a:r>
+              <a:rPr lang="en-US" dirty="0">
+                <a:latin typeface="Times New Roman" panose="02020603050405020304" pitchFamily="18" charset="0"/>
+                <a:cs typeface="Times New Roman" panose="02020603050405020304" pitchFamily="18" charset="0"/>
+              </a:rPr>
+              <a:t> </a:t>
+            </a:r>
+            <a:r>
+              <a:rPr lang="en-US" dirty="0" err="1">
+                <a:latin typeface="Times New Roman" panose="02020603050405020304" pitchFamily="18" charset="0"/>
+                <a:cs typeface="Times New Roman" panose="02020603050405020304" pitchFamily="18" charset="0"/>
+              </a:rPr>
+              <a:t>xử</a:t>
+            </a:r>
+            <a:r>
+              <a:rPr lang="en-US" dirty="0">
+                <a:latin typeface="Times New Roman" panose="02020603050405020304" pitchFamily="18" charset="0"/>
+                <a:cs typeface="Times New Roman" panose="02020603050405020304" pitchFamily="18" charset="0"/>
+              </a:rPr>
+              <a:t> </a:t>
+            </a:r>
+            <a:r>
+              <a:rPr lang="en-US" dirty="0" err="1">
+                <a:latin typeface="Times New Roman" panose="02020603050405020304" pitchFamily="18" charset="0"/>
+                <a:cs typeface="Times New Roman" panose="02020603050405020304" pitchFamily="18" charset="0"/>
+              </a:rPr>
+              <a:t>lý</a:t>
+            </a:r>
+            <a:r>
+              <a:rPr lang="en-US" dirty="0">
+                <a:latin typeface="Times New Roman" panose="02020603050405020304" pitchFamily="18" charset="0"/>
+                <a:cs typeface="Times New Roman" panose="02020603050405020304" pitchFamily="18" charset="0"/>
+              </a:rPr>
+              <a:t> </a:t>
+            </a:r>
+            <a:r>
+              <a:rPr lang="en-US" dirty="0" err="1">
+                <a:latin typeface="Times New Roman" panose="02020603050405020304" pitchFamily="18" charset="0"/>
+                <a:cs typeface="Times New Roman" panose="02020603050405020304" pitchFamily="18" charset="0"/>
+              </a:rPr>
+              <a:t>các</a:t>
+            </a:r>
+            <a:r>
+              <a:rPr lang="en-US" dirty="0">
+                <a:latin typeface="Times New Roman" panose="02020603050405020304" pitchFamily="18" charset="0"/>
+                <a:cs typeface="Times New Roman" panose="02020603050405020304" pitchFamily="18" charset="0"/>
+              </a:rPr>
+              <a:t> actions </a:t>
+            </a:r>
+            <a:r>
+              <a:rPr lang="en-US" dirty="0" err="1">
+                <a:latin typeface="Times New Roman" panose="02020603050405020304" pitchFamily="18" charset="0"/>
+                <a:cs typeface="Times New Roman" panose="02020603050405020304" pitchFamily="18" charset="0"/>
+              </a:rPr>
+              <a:t>async</a:t>
+            </a:r>
+            <a:r>
+              <a:rPr lang="en-US" dirty="0" smtClean="0">
+                <a:latin typeface="Times New Roman" panose="02020603050405020304" pitchFamily="18" charset="0"/>
+                <a:cs typeface="Times New Roman" panose="02020603050405020304" pitchFamily="18" charset="0"/>
+              </a:rPr>
+              <a:t>.</a:t>
+            </a:r>
+          </a:p>
+          <a:p>
+            <a:pPr algn="just"/>
+            <a:r>
+              <a:rPr lang="en-US" dirty="0" smtClean="0">
+                <a:latin typeface="Times New Roman" panose="02020603050405020304" pitchFamily="18" charset="0"/>
+                <a:cs typeface="Times New Roman" panose="02020603050405020304" pitchFamily="18" charset="0"/>
+              </a:rPr>
+              <a:t>- </a:t>
+            </a:r>
+            <a:r>
+              <a:rPr lang="vi-VN" dirty="0" smtClean="0">
+                <a:latin typeface="Times New Roman" panose="02020603050405020304" pitchFamily="18" charset="0"/>
+                <a:cs typeface="Times New Roman" panose="02020603050405020304" pitchFamily="18" charset="0"/>
+              </a:rPr>
+              <a:t>name</a:t>
+            </a:r>
+            <a:r>
+              <a:rPr lang="vi-VN" dirty="0">
+                <a:latin typeface="Times New Roman" panose="02020603050405020304" pitchFamily="18" charset="0"/>
+                <a:cs typeface="Times New Roman" panose="02020603050405020304" pitchFamily="18" charset="0"/>
+              </a:rPr>
+              <a:t>: 'user': Đây là tên của Slice, cho biết rằng Slice này quản lý các trạng thái liên quan đến thông tin người dùng</a:t>
+            </a:r>
+            <a:r>
+              <a:rPr lang="vi-VN" dirty="0" smtClean="0">
+                <a:latin typeface="Times New Roman" panose="02020603050405020304" pitchFamily="18" charset="0"/>
+                <a:cs typeface="Times New Roman" panose="02020603050405020304" pitchFamily="18" charset="0"/>
+              </a:rPr>
+              <a:t>.</a:t>
+            </a:r>
+            <a:endParaRPr lang="en-US" dirty="0" smtClean="0">
+              <a:latin typeface="Times New Roman" panose="02020603050405020304" pitchFamily="18" charset="0"/>
+              <a:cs typeface="Times New Roman" panose="02020603050405020304" pitchFamily="18" charset="0"/>
+            </a:endParaRPr>
+          </a:p>
+          <a:p>
+            <a:pPr algn="just"/>
+            <a:r>
+              <a:rPr lang="en-US" dirty="0">
+                <a:latin typeface="Times New Roman" panose="02020603050405020304" pitchFamily="18" charset="0"/>
+                <a:cs typeface="Times New Roman" panose="02020603050405020304" pitchFamily="18" charset="0"/>
+              </a:rPr>
+              <a:t>- reducers: </a:t>
+            </a:r>
+            <a:r>
+              <a:rPr lang="en-US" dirty="0" err="1">
+                <a:latin typeface="Times New Roman" panose="02020603050405020304" pitchFamily="18" charset="0"/>
+                <a:cs typeface="Times New Roman" panose="02020603050405020304" pitchFamily="18" charset="0"/>
+              </a:rPr>
+              <a:t>Định</a:t>
+            </a:r>
+            <a:r>
+              <a:rPr lang="en-US" dirty="0">
+                <a:latin typeface="Times New Roman" panose="02020603050405020304" pitchFamily="18" charset="0"/>
+                <a:cs typeface="Times New Roman" panose="02020603050405020304" pitchFamily="18" charset="0"/>
+              </a:rPr>
+              <a:t> </a:t>
+            </a:r>
+            <a:r>
+              <a:rPr lang="en-US" dirty="0" err="1">
+                <a:latin typeface="Times New Roman" panose="02020603050405020304" pitchFamily="18" charset="0"/>
+                <a:cs typeface="Times New Roman" panose="02020603050405020304" pitchFamily="18" charset="0"/>
+              </a:rPr>
+              <a:t>nghĩa</a:t>
+            </a:r>
+            <a:r>
+              <a:rPr lang="en-US" dirty="0">
+                <a:latin typeface="Times New Roman" panose="02020603050405020304" pitchFamily="18" charset="0"/>
+                <a:cs typeface="Times New Roman" panose="02020603050405020304" pitchFamily="18" charset="0"/>
+              </a:rPr>
+              <a:t> </a:t>
+            </a:r>
+            <a:r>
+              <a:rPr lang="en-US" dirty="0" err="1">
+                <a:latin typeface="Times New Roman" panose="02020603050405020304" pitchFamily="18" charset="0"/>
+                <a:cs typeface="Times New Roman" panose="02020603050405020304" pitchFamily="18" charset="0"/>
+              </a:rPr>
+              <a:t>các</a:t>
+            </a:r>
+            <a:r>
+              <a:rPr lang="en-US" dirty="0">
+                <a:latin typeface="Times New Roman" panose="02020603050405020304" pitchFamily="18" charset="0"/>
+                <a:cs typeface="Times New Roman" panose="02020603050405020304" pitchFamily="18" charset="0"/>
+              </a:rPr>
+              <a:t> reducers </a:t>
+            </a:r>
+            <a:r>
+              <a:rPr lang="en-US" dirty="0" err="1">
+                <a:latin typeface="Times New Roman" panose="02020603050405020304" pitchFamily="18" charset="0"/>
+                <a:cs typeface="Times New Roman" panose="02020603050405020304" pitchFamily="18" charset="0"/>
+              </a:rPr>
+              <a:t>đồng</a:t>
+            </a:r>
+            <a:r>
+              <a:rPr lang="en-US" dirty="0">
+                <a:latin typeface="Times New Roman" panose="02020603050405020304" pitchFamily="18" charset="0"/>
+                <a:cs typeface="Times New Roman" panose="02020603050405020304" pitchFamily="18" charset="0"/>
+              </a:rPr>
+              <a:t> </a:t>
+            </a:r>
+            <a:r>
+              <a:rPr lang="en-US" dirty="0" err="1">
+                <a:latin typeface="Times New Roman" panose="02020603050405020304" pitchFamily="18" charset="0"/>
+                <a:cs typeface="Times New Roman" panose="02020603050405020304" pitchFamily="18" charset="0"/>
+              </a:rPr>
+              <a:t>bộ</a:t>
+            </a:r>
+            <a:r>
+              <a:rPr lang="en-US" dirty="0">
+                <a:latin typeface="Times New Roman" panose="02020603050405020304" pitchFamily="18" charset="0"/>
+                <a:cs typeface="Times New Roman" panose="02020603050405020304" pitchFamily="18" charset="0"/>
+              </a:rPr>
+              <a:t> </a:t>
+            </a:r>
+            <a:r>
+              <a:rPr lang="en-US" dirty="0" err="1">
+                <a:latin typeface="Times New Roman" panose="02020603050405020304" pitchFamily="18" charset="0"/>
+                <a:cs typeface="Times New Roman" panose="02020603050405020304" pitchFamily="18" charset="0"/>
+              </a:rPr>
+              <a:t>để</a:t>
+            </a:r>
+            <a:r>
+              <a:rPr lang="en-US" dirty="0">
+                <a:latin typeface="Times New Roman" panose="02020603050405020304" pitchFamily="18" charset="0"/>
+                <a:cs typeface="Times New Roman" panose="02020603050405020304" pitchFamily="18" charset="0"/>
+              </a:rPr>
+              <a:t> </a:t>
+            </a:r>
+            <a:r>
+              <a:rPr lang="en-US" dirty="0" err="1">
+                <a:latin typeface="Times New Roman" panose="02020603050405020304" pitchFamily="18" charset="0"/>
+                <a:cs typeface="Times New Roman" panose="02020603050405020304" pitchFamily="18" charset="0"/>
+              </a:rPr>
+              <a:t>cập</a:t>
+            </a:r>
+            <a:r>
+              <a:rPr lang="en-US" dirty="0">
+                <a:latin typeface="Times New Roman" panose="02020603050405020304" pitchFamily="18" charset="0"/>
+                <a:cs typeface="Times New Roman" panose="02020603050405020304" pitchFamily="18" charset="0"/>
+              </a:rPr>
+              <a:t> </a:t>
+            </a:r>
+            <a:r>
+              <a:rPr lang="en-US" dirty="0" err="1">
+                <a:latin typeface="Times New Roman" panose="02020603050405020304" pitchFamily="18" charset="0"/>
+                <a:cs typeface="Times New Roman" panose="02020603050405020304" pitchFamily="18" charset="0"/>
+              </a:rPr>
+              <a:t>nhật</a:t>
+            </a:r>
+            <a:r>
+              <a:rPr lang="en-US" dirty="0">
+                <a:latin typeface="Times New Roman" panose="02020603050405020304" pitchFamily="18" charset="0"/>
+                <a:cs typeface="Times New Roman" panose="02020603050405020304" pitchFamily="18" charset="0"/>
+              </a:rPr>
+              <a:t> </a:t>
+            </a:r>
+            <a:r>
+              <a:rPr lang="en-US" dirty="0" err="1">
+                <a:latin typeface="Times New Roman" panose="02020603050405020304" pitchFamily="18" charset="0"/>
+                <a:cs typeface="Times New Roman" panose="02020603050405020304" pitchFamily="18" charset="0"/>
+              </a:rPr>
+              <a:t>trạng</a:t>
+            </a:r>
+            <a:r>
+              <a:rPr lang="en-US" dirty="0">
+                <a:latin typeface="Times New Roman" panose="02020603050405020304" pitchFamily="18" charset="0"/>
+                <a:cs typeface="Times New Roman" panose="02020603050405020304" pitchFamily="18" charset="0"/>
+              </a:rPr>
+              <a:t> </a:t>
+            </a:r>
+            <a:r>
+              <a:rPr lang="en-US" dirty="0" err="1">
+                <a:latin typeface="Times New Roman" panose="02020603050405020304" pitchFamily="18" charset="0"/>
+                <a:cs typeface="Times New Roman" panose="02020603050405020304" pitchFamily="18" charset="0"/>
+              </a:rPr>
+              <a:t>thái</a:t>
+            </a:r>
+            <a:r>
+              <a:rPr lang="en-US" dirty="0">
+                <a:latin typeface="Times New Roman" panose="02020603050405020304" pitchFamily="18" charset="0"/>
+                <a:cs typeface="Times New Roman" panose="02020603050405020304" pitchFamily="18" charset="0"/>
+              </a:rPr>
+              <a:t> </a:t>
+            </a:r>
+            <a:r>
+              <a:rPr lang="en-US" dirty="0" err="1">
+                <a:latin typeface="Times New Roman" panose="02020603050405020304" pitchFamily="18" charset="0"/>
+                <a:cs typeface="Times New Roman" panose="02020603050405020304" pitchFamily="18" charset="0"/>
+              </a:rPr>
+              <a:t>đồng</a:t>
+            </a:r>
+            <a:r>
+              <a:rPr lang="en-US" dirty="0">
+                <a:latin typeface="Times New Roman" panose="02020603050405020304" pitchFamily="18" charset="0"/>
+                <a:cs typeface="Times New Roman" panose="02020603050405020304" pitchFamily="18" charset="0"/>
+              </a:rPr>
+              <a:t> </a:t>
+            </a:r>
+            <a:r>
+              <a:rPr lang="en-US" dirty="0" err="1">
+                <a:latin typeface="Times New Roman" panose="02020603050405020304" pitchFamily="18" charset="0"/>
+                <a:cs typeface="Times New Roman" panose="02020603050405020304" pitchFamily="18" charset="0"/>
+              </a:rPr>
+              <a:t>bộ</a:t>
+            </a:r>
+            <a:r>
+              <a:rPr lang="en-US" dirty="0">
+                <a:latin typeface="Times New Roman" panose="02020603050405020304" pitchFamily="18" charset="0"/>
+                <a:cs typeface="Times New Roman" panose="02020603050405020304" pitchFamily="18" charset="0"/>
+              </a:rPr>
+              <a:t> </a:t>
+            </a:r>
+            <a:r>
+              <a:rPr lang="en-US" dirty="0" err="1">
+                <a:latin typeface="Times New Roman" panose="02020603050405020304" pitchFamily="18" charset="0"/>
+                <a:cs typeface="Times New Roman" panose="02020603050405020304" pitchFamily="18" charset="0"/>
+              </a:rPr>
+              <a:t>của</a:t>
+            </a:r>
+            <a:r>
+              <a:rPr lang="en-US" dirty="0">
+                <a:latin typeface="Times New Roman" panose="02020603050405020304" pitchFamily="18" charset="0"/>
+                <a:cs typeface="Times New Roman" panose="02020603050405020304" pitchFamily="18" charset="0"/>
+              </a:rPr>
+              <a:t> </a:t>
+            </a:r>
+            <a:r>
+              <a:rPr lang="en-US" dirty="0" err="1">
+                <a:latin typeface="Times New Roman" panose="02020603050405020304" pitchFamily="18" charset="0"/>
+                <a:cs typeface="Times New Roman" panose="02020603050405020304" pitchFamily="18" charset="0"/>
+              </a:rPr>
+              <a:t>Redux</a:t>
+            </a:r>
+            <a:endParaRPr lang="en-US" dirty="0">
+              <a:latin typeface="Times New Roman" panose="02020603050405020304" pitchFamily="18" charset="0"/>
+              <a:cs typeface="Times New Roman" panose="02020603050405020304" pitchFamily="18" charset="0"/>
+            </a:endParaRPr>
+          </a:p>
+        </p:txBody>
+      </p:sp>
+    </p:spTree>
+    <p:extLst>
+      <p:ext uri="{BB962C8B-B14F-4D97-AF65-F5344CB8AC3E}">
+        <p14:creationId xmlns:p14="http://schemas.microsoft.com/office/powerpoint/2010/main" val="2798832967"/>
+      </p:ext>
+    </p:extLst>
+  </p:cSld>
+  <p:clrMapOvr>
+    <a:masterClrMapping/>
+  </p:clrMapOvr>
+  <p:timing>
+    <p:tnLst>
+      <p:par>
+        <p:cTn id="1" dur="indefinite" restart="never" nodeType="tmRoot"/>
+      </p:par>
+    </p:tnLst>
+  </p:timing>
+</p:sld>
+</file>
+
+<file path=ppt/slides/slide31.xml><?xml version="1.0" encoding="utf-8"?>
+<p:sld xmlns:a="http://schemas.openxmlformats.org/drawingml/2006/main" xmlns:r="http://schemas.openxmlformats.org/officeDocument/2006/relationships" xmlns:p="http://schemas.openxmlformats.org/presentationml/2006/main">
+  <p:cSld>
+    <p:spTree>
+      <p:nvGrpSpPr>
+        <p:cNvPr id="1" name=""/>
+        <p:cNvGrpSpPr/>
+        <p:nvPr/>
+      </p:nvGrpSpPr>
+      <p:grpSpPr>
+        <a:xfrm>
+          <a:off x="0" y="0"/>
+          <a:ext cx="0" cy="0"/>
+          <a:chOff x="0" y="0"/>
+          <a:chExt cx="0" cy="0"/>
+        </a:xfrm>
+      </p:grpSpPr>
+      <p:sp>
+        <p:nvSpPr>
+          <p:cNvPr id="2" name="Title 1"/>
+          <p:cNvSpPr>
+            <a:spLocks noGrp="1"/>
+          </p:cNvSpPr>
+          <p:nvPr>
+            <p:ph type="title"/>
+          </p:nvPr>
+        </p:nvSpPr>
+        <p:spPr/>
+        <p:txBody>
+          <a:bodyPr/>
+          <a:lstStyle/>
+          <a:p>
+            <a:r>
+              <a:rPr lang="en-US" dirty="0" err="1">
+                <a:latin typeface="Times New Roman" panose="02020603050405020304" pitchFamily="18" charset="0"/>
+                <a:cs typeface="Times New Roman" panose="02020603050405020304" pitchFamily="18" charset="0"/>
+              </a:rPr>
+              <a:t>Redux</a:t>
+            </a:r>
+            <a:r>
+              <a:rPr lang="en-US" dirty="0">
+                <a:latin typeface="Times New Roman" panose="02020603050405020304" pitchFamily="18" charset="0"/>
+                <a:cs typeface="Times New Roman" panose="02020603050405020304" pitchFamily="18" charset="0"/>
+              </a:rPr>
+              <a:t> </a:t>
+            </a:r>
+            <a:r>
+              <a:rPr lang="en-US" dirty="0" smtClean="0">
+                <a:latin typeface="Times New Roman" panose="02020603050405020304" pitchFamily="18" charset="0"/>
+                <a:cs typeface="Times New Roman" panose="02020603050405020304" pitchFamily="18" charset="0"/>
+              </a:rPr>
+              <a:t>toolkit</a:t>
+            </a:r>
+            <a:endParaRPr lang="en-US" dirty="0"/>
+          </a:p>
+        </p:txBody>
+      </p:sp>
+      <p:sp>
+        <p:nvSpPr>
+          <p:cNvPr id="3" name="Content Placeholder 2"/>
+          <p:cNvSpPr>
+            <a:spLocks noGrp="1"/>
+          </p:cNvSpPr>
+          <p:nvPr>
+            <p:ph idx="1"/>
+          </p:nvPr>
+        </p:nvSpPr>
+        <p:spPr/>
+        <p:txBody>
+          <a:bodyPr>
+            <a:normAutofit/>
+          </a:bodyPr>
+          <a:lstStyle/>
+          <a:p>
+            <a:pPr algn="just"/>
+            <a:r>
+              <a:rPr lang="vi-VN" dirty="0" smtClean="0">
+                <a:latin typeface="Times New Roman" panose="02020603050405020304" pitchFamily="18" charset="0"/>
+                <a:cs typeface="Times New Roman" panose="02020603050405020304" pitchFamily="18" charset="0"/>
+              </a:rPr>
+              <a:t>Trong </a:t>
+            </a:r>
+            <a:r>
+              <a:rPr lang="vi-VN" dirty="0">
+                <a:latin typeface="Times New Roman" panose="02020603050405020304" pitchFamily="18" charset="0"/>
+                <a:cs typeface="Times New Roman" panose="02020603050405020304" pitchFamily="18" charset="0"/>
+              </a:rPr>
+              <a:t>ví dụ này, chỉ có một reducer updateUserInfo để cập nhật userInfo khi có action được dispatch</a:t>
+            </a:r>
+            <a:r>
+              <a:rPr lang="vi-VN" dirty="0" smtClean="0">
+                <a:latin typeface="Times New Roman" panose="02020603050405020304" pitchFamily="18" charset="0"/>
+                <a:cs typeface="Times New Roman" panose="02020603050405020304" pitchFamily="18" charset="0"/>
+              </a:rPr>
+              <a:t>.</a:t>
+            </a:r>
+            <a:endParaRPr lang="en-US" dirty="0" smtClean="0">
+              <a:latin typeface="Times New Roman" panose="02020603050405020304" pitchFamily="18" charset="0"/>
+              <a:cs typeface="Times New Roman" panose="02020603050405020304" pitchFamily="18" charset="0"/>
+            </a:endParaRPr>
+          </a:p>
+          <a:p>
+            <a:pPr algn="just"/>
+            <a:r>
+              <a:rPr lang="en-US" dirty="0">
+                <a:latin typeface="Times New Roman" panose="02020603050405020304" pitchFamily="18" charset="0"/>
+                <a:cs typeface="Times New Roman" panose="02020603050405020304" pitchFamily="18" charset="0"/>
+              </a:rPr>
+              <a:t>- </a:t>
+            </a:r>
+            <a:r>
+              <a:rPr lang="en-US" dirty="0" err="1">
+                <a:latin typeface="Times New Roman" panose="02020603050405020304" pitchFamily="18" charset="0"/>
+                <a:cs typeface="Times New Roman" panose="02020603050405020304" pitchFamily="18" charset="0"/>
+              </a:rPr>
+              <a:t>extraReducers</a:t>
+            </a:r>
+            <a:r>
+              <a:rPr lang="en-US" dirty="0">
+                <a:latin typeface="Times New Roman" panose="02020603050405020304" pitchFamily="18" charset="0"/>
+                <a:cs typeface="Times New Roman" panose="02020603050405020304" pitchFamily="18" charset="0"/>
+              </a:rPr>
+              <a:t>: </a:t>
+            </a:r>
+            <a:r>
+              <a:rPr lang="en-US" dirty="0" err="1">
+                <a:latin typeface="Times New Roman" panose="02020603050405020304" pitchFamily="18" charset="0"/>
+                <a:cs typeface="Times New Roman" panose="02020603050405020304" pitchFamily="18" charset="0"/>
+              </a:rPr>
+              <a:t>Định</a:t>
+            </a:r>
+            <a:r>
+              <a:rPr lang="en-US" dirty="0">
+                <a:latin typeface="Times New Roman" panose="02020603050405020304" pitchFamily="18" charset="0"/>
+                <a:cs typeface="Times New Roman" panose="02020603050405020304" pitchFamily="18" charset="0"/>
+              </a:rPr>
+              <a:t> </a:t>
+            </a:r>
+            <a:r>
+              <a:rPr lang="en-US" dirty="0" err="1">
+                <a:latin typeface="Times New Roman" panose="02020603050405020304" pitchFamily="18" charset="0"/>
+                <a:cs typeface="Times New Roman" panose="02020603050405020304" pitchFamily="18" charset="0"/>
+              </a:rPr>
+              <a:t>nghĩa</a:t>
+            </a:r>
+            <a:r>
+              <a:rPr lang="en-US" dirty="0">
+                <a:latin typeface="Times New Roman" panose="02020603050405020304" pitchFamily="18" charset="0"/>
+                <a:cs typeface="Times New Roman" panose="02020603050405020304" pitchFamily="18" charset="0"/>
+              </a:rPr>
+              <a:t> </a:t>
+            </a:r>
+            <a:r>
+              <a:rPr lang="en-US" dirty="0" err="1">
+                <a:latin typeface="Times New Roman" panose="02020603050405020304" pitchFamily="18" charset="0"/>
+                <a:cs typeface="Times New Roman" panose="02020603050405020304" pitchFamily="18" charset="0"/>
+              </a:rPr>
+              <a:t>các</a:t>
+            </a:r>
+            <a:r>
+              <a:rPr lang="en-US" dirty="0">
+                <a:latin typeface="Times New Roman" panose="02020603050405020304" pitchFamily="18" charset="0"/>
+                <a:cs typeface="Times New Roman" panose="02020603050405020304" pitchFamily="18" charset="0"/>
+              </a:rPr>
+              <a:t> reducers </a:t>
+            </a:r>
+            <a:r>
+              <a:rPr lang="en-US" dirty="0" err="1">
+                <a:latin typeface="Times New Roman" panose="02020603050405020304" pitchFamily="18" charset="0"/>
+                <a:cs typeface="Times New Roman" panose="02020603050405020304" pitchFamily="18" charset="0"/>
+              </a:rPr>
+              <a:t>bất</a:t>
+            </a:r>
+            <a:r>
+              <a:rPr lang="en-US" dirty="0">
+                <a:latin typeface="Times New Roman" panose="02020603050405020304" pitchFamily="18" charset="0"/>
+                <a:cs typeface="Times New Roman" panose="02020603050405020304" pitchFamily="18" charset="0"/>
+              </a:rPr>
+              <a:t> </a:t>
+            </a:r>
+            <a:r>
+              <a:rPr lang="en-US" dirty="0" err="1">
+                <a:latin typeface="Times New Roman" panose="02020603050405020304" pitchFamily="18" charset="0"/>
+                <a:cs typeface="Times New Roman" panose="02020603050405020304" pitchFamily="18" charset="0"/>
+              </a:rPr>
+              <a:t>đồng</a:t>
+            </a:r>
+            <a:r>
+              <a:rPr lang="en-US" dirty="0">
+                <a:latin typeface="Times New Roman" panose="02020603050405020304" pitchFamily="18" charset="0"/>
+                <a:cs typeface="Times New Roman" panose="02020603050405020304" pitchFamily="18" charset="0"/>
+              </a:rPr>
+              <a:t> </a:t>
+            </a:r>
+            <a:r>
+              <a:rPr lang="en-US" dirty="0" err="1">
+                <a:latin typeface="Times New Roman" panose="02020603050405020304" pitchFamily="18" charset="0"/>
+                <a:cs typeface="Times New Roman" panose="02020603050405020304" pitchFamily="18" charset="0"/>
+              </a:rPr>
+              <a:t>bộ</a:t>
+            </a:r>
+            <a:r>
+              <a:rPr lang="en-US" dirty="0">
+                <a:latin typeface="Times New Roman" panose="02020603050405020304" pitchFamily="18" charset="0"/>
+                <a:cs typeface="Times New Roman" panose="02020603050405020304" pitchFamily="18" charset="0"/>
+              </a:rPr>
+              <a:t> </a:t>
+            </a:r>
+            <a:r>
+              <a:rPr lang="en-US" dirty="0" err="1">
+                <a:latin typeface="Times New Roman" panose="02020603050405020304" pitchFamily="18" charset="0"/>
+                <a:cs typeface="Times New Roman" panose="02020603050405020304" pitchFamily="18" charset="0"/>
+              </a:rPr>
+              <a:t>để</a:t>
+            </a:r>
+            <a:r>
+              <a:rPr lang="en-US" dirty="0">
+                <a:latin typeface="Times New Roman" panose="02020603050405020304" pitchFamily="18" charset="0"/>
+                <a:cs typeface="Times New Roman" panose="02020603050405020304" pitchFamily="18" charset="0"/>
+              </a:rPr>
+              <a:t> </a:t>
+            </a:r>
+            <a:r>
+              <a:rPr lang="en-US" dirty="0" err="1">
+                <a:latin typeface="Times New Roman" panose="02020603050405020304" pitchFamily="18" charset="0"/>
+                <a:cs typeface="Times New Roman" panose="02020603050405020304" pitchFamily="18" charset="0"/>
+              </a:rPr>
+              <a:t>xử</a:t>
+            </a:r>
+            <a:r>
+              <a:rPr lang="en-US" dirty="0">
+                <a:latin typeface="Times New Roman" panose="02020603050405020304" pitchFamily="18" charset="0"/>
+                <a:cs typeface="Times New Roman" panose="02020603050405020304" pitchFamily="18" charset="0"/>
+              </a:rPr>
+              <a:t> </a:t>
+            </a:r>
+            <a:r>
+              <a:rPr lang="en-US" dirty="0" err="1">
+                <a:latin typeface="Times New Roman" panose="02020603050405020304" pitchFamily="18" charset="0"/>
+                <a:cs typeface="Times New Roman" panose="02020603050405020304" pitchFamily="18" charset="0"/>
+              </a:rPr>
+              <a:t>lý</a:t>
+            </a:r>
+            <a:r>
+              <a:rPr lang="en-US" dirty="0">
+                <a:latin typeface="Times New Roman" panose="02020603050405020304" pitchFamily="18" charset="0"/>
+                <a:cs typeface="Times New Roman" panose="02020603050405020304" pitchFamily="18" charset="0"/>
+              </a:rPr>
+              <a:t> </a:t>
+            </a:r>
+            <a:r>
+              <a:rPr lang="en-US" dirty="0" err="1">
+                <a:latin typeface="Times New Roman" panose="02020603050405020304" pitchFamily="18" charset="0"/>
+                <a:cs typeface="Times New Roman" panose="02020603050405020304" pitchFamily="18" charset="0"/>
+              </a:rPr>
+              <a:t>các</a:t>
+            </a:r>
+            <a:r>
+              <a:rPr lang="en-US" dirty="0">
+                <a:latin typeface="Times New Roman" panose="02020603050405020304" pitchFamily="18" charset="0"/>
+                <a:cs typeface="Times New Roman" panose="02020603050405020304" pitchFamily="18" charset="0"/>
+              </a:rPr>
+              <a:t> </a:t>
+            </a:r>
+            <a:r>
+              <a:rPr lang="en-US" dirty="0" err="1">
+                <a:latin typeface="Times New Roman" panose="02020603050405020304" pitchFamily="18" charset="0"/>
+                <a:cs typeface="Times New Roman" panose="02020603050405020304" pitchFamily="18" charset="0"/>
+              </a:rPr>
+              <a:t>trạng</a:t>
+            </a:r>
+            <a:r>
+              <a:rPr lang="en-US" dirty="0">
+                <a:latin typeface="Times New Roman" panose="02020603050405020304" pitchFamily="18" charset="0"/>
+                <a:cs typeface="Times New Roman" panose="02020603050405020304" pitchFamily="18" charset="0"/>
+              </a:rPr>
+              <a:t> </a:t>
+            </a:r>
+            <a:r>
+              <a:rPr lang="en-US" dirty="0" err="1">
+                <a:latin typeface="Times New Roman" panose="02020603050405020304" pitchFamily="18" charset="0"/>
+                <a:cs typeface="Times New Roman" panose="02020603050405020304" pitchFamily="18" charset="0"/>
+              </a:rPr>
+              <a:t>thái</a:t>
+            </a:r>
+            <a:r>
+              <a:rPr lang="en-US" dirty="0">
+                <a:latin typeface="Times New Roman" panose="02020603050405020304" pitchFamily="18" charset="0"/>
+                <a:cs typeface="Times New Roman" panose="02020603050405020304" pitchFamily="18" charset="0"/>
+              </a:rPr>
+              <a:t> pending, fulfilled </a:t>
+            </a:r>
+            <a:r>
+              <a:rPr lang="en-US" dirty="0" err="1">
+                <a:latin typeface="Times New Roman" panose="02020603050405020304" pitchFamily="18" charset="0"/>
+                <a:cs typeface="Times New Roman" panose="02020603050405020304" pitchFamily="18" charset="0"/>
+              </a:rPr>
+              <a:t>và</a:t>
+            </a:r>
+            <a:r>
+              <a:rPr lang="en-US" dirty="0">
+                <a:latin typeface="Times New Roman" panose="02020603050405020304" pitchFamily="18" charset="0"/>
+                <a:cs typeface="Times New Roman" panose="02020603050405020304" pitchFamily="18" charset="0"/>
+              </a:rPr>
+              <a:t> rejected </a:t>
+            </a:r>
+            <a:r>
+              <a:rPr lang="en-US" dirty="0" err="1">
+                <a:latin typeface="Times New Roman" panose="02020603050405020304" pitchFamily="18" charset="0"/>
+                <a:cs typeface="Times New Roman" panose="02020603050405020304" pitchFamily="18" charset="0"/>
+              </a:rPr>
+              <a:t>của</a:t>
+            </a:r>
+            <a:r>
+              <a:rPr lang="en-US" dirty="0">
+                <a:latin typeface="Times New Roman" panose="02020603050405020304" pitchFamily="18" charset="0"/>
+                <a:cs typeface="Times New Roman" panose="02020603050405020304" pitchFamily="18" charset="0"/>
+              </a:rPr>
+              <a:t> </a:t>
+            </a:r>
+            <a:r>
+              <a:rPr lang="en-US" dirty="0" err="1">
+                <a:latin typeface="Times New Roman" panose="02020603050405020304" pitchFamily="18" charset="0"/>
+                <a:cs typeface="Times New Roman" panose="02020603050405020304" pitchFamily="18" charset="0"/>
+              </a:rPr>
+              <a:t>async</a:t>
+            </a:r>
+            <a:r>
+              <a:rPr lang="en-US" dirty="0">
+                <a:latin typeface="Times New Roman" panose="02020603050405020304" pitchFamily="18" charset="0"/>
+                <a:cs typeface="Times New Roman" panose="02020603050405020304" pitchFamily="18" charset="0"/>
+              </a:rPr>
+              <a:t> </a:t>
+            </a:r>
+            <a:r>
+              <a:rPr lang="en-US" dirty="0" err="1">
+                <a:latin typeface="Times New Roman" panose="02020603050405020304" pitchFamily="18" charset="0"/>
+                <a:cs typeface="Times New Roman" panose="02020603050405020304" pitchFamily="18" charset="0"/>
+              </a:rPr>
+              <a:t>thunks</a:t>
+            </a:r>
+            <a:r>
+              <a:rPr lang="en-US" dirty="0" smtClean="0">
+                <a:latin typeface="Times New Roman" panose="02020603050405020304" pitchFamily="18" charset="0"/>
+                <a:cs typeface="Times New Roman" panose="02020603050405020304" pitchFamily="18" charset="0"/>
+              </a:rPr>
+              <a:t>.</a:t>
+            </a:r>
+          </a:p>
+          <a:p>
+            <a:pPr lvl="1" algn="just"/>
+            <a:r>
+              <a:rPr lang="en-US" sz="2000" dirty="0">
+                <a:latin typeface="Times New Roman" panose="02020603050405020304" pitchFamily="18" charset="0"/>
+                <a:cs typeface="Times New Roman" panose="02020603050405020304" pitchFamily="18" charset="0"/>
+              </a:rPr>
+              <a:t>.</a:t>
+            </a:r>
+            <a:r>
+              <a:rPr lang="en-US" sz="2000" dirty="0" err="1">
+                <a:latin typeface="Times New Roman" panose="02020603050405020304" pitchFamily="18" charset="0"/>
+                <a:cs typeface="Times New Roman" panose="02020603050405020304" pitchFamily="18" charset="0"/>
+              </a:rPr>
+              <a:t>addCase</a:t>
+            </a:r>
+            <a:r>
+              <a:rPr lang="en-US" sz="2000" dirty="0">
+                <a:latin typeface="Times New Roman" panose="02020603050405020304" pitchFamily="18" charset="0"/>
+                <a:cs typeface="Times New Roman" panose="02020603050405020304" pitchFamily="18" charset="0"/>
+              </a:rPr>
+              <a:t>(</a:t>
+            </a:r>
+            <a:r>
+              <a:rPr lang="en-US" sz="2000" dirty="0" err="1">
+                <a:latin typeface="Times New Roman" panose="02020603050405020304" pitchFamily="18" charset="0"/>
+                <a:cs typeface="Times New Roman" panose="02020603050405020304" pitchFamily="18" charset="0"/>
+              </a:rPr>
+              <a:t>getUserInfo.pending</a:t>
+            </a:r>
+            <a:r>
+              <a:rPr lang="en-US" sz="2000" dirty="0">
+                <a:latin typeface="Times New Roman" panose="02020603050405020304" pitchFamily="18" charset="0"/>
+                <a:cs typeface="Times New Roman" panose="02020603050405020304" pitchFamily="18" charset="0"/>
+              </a:rPr>
+              <a:t>, (state) =&gt; { ... }): </a:t>
+            </a:r>
+            <a:r>
+              <a:rPr lang="en-US" sz="2000" dirty="0" err="1">
+                <a:latin typeface="Times New Roman" panose="02020603050405020304" pitchFamily="18" charset="0"/>
+                <a:cs typeface="Times New Roman" panose="02020603050405020304" pitchFamily="18" charset="0"/>
+              </a:rPr>
+              <a:t>Xử</a:t>
+            </a:r>
+            <a:r>
+              <a:rPr lang="en-US" sz="2000" dirty="0">
+                <a:latin typeface="Times New Roman" panose="02020603050405020304" pitchFamily="18" charset="0"/>
+                <a:cs typeface="Times New Roman" panose="02020603050405020304" pitchFamily="18" charset="0"/>
+              </a:rPr>
+              <a:t> </a:t>
+            </a:r>
+            <a:r>
+              <a:rPr lang="en-US" sz="2000" dirty="0" err="1">
+                <a:latin typeface="Times New Roman" panose="02020603050405020304" pitchFamily="18" charset="0"/>
+                <a:cs typeface="Times New Roman" panose="02020603050405020304" pitchFamily="18" charset="0"/>
+              </a:rPr>
+              <a:t>lý</a:t>
+            </a:r>
+            <a:r>
+              <a:rPr lang="en-US" sz="2000" dirty="0">
+                <a:latin typeface="Times New Roman" panose="02020603050405020304" pitchFamily="18" charset="0"/>
+                <a:cs typeface="Times New Roman" panose="02020603050405020304" pitchFamily="18" charset="0"/>
+              </a:rPr>
+              <a:t> </a:t>
+            </a:r>
+            <a:r>
+              <a:rPr lang="en-US" sz="2000" dirty="0" err="1">
+                <a:latin typeface="Times New Roman" panose="02020603050405020304" pitchFamily="18" charset="0"/>
+                <a:cs typeface="Times New Roman" panose="02020603050405020304" pitchFamily="18" charset="0"/>
+              </a:rPr>
+              <a:t>khi</a:t>
+            </a:r>
+            <a:r>
+              <a:rPr lang="en-US" sz="2000" dirty="0">
+                <a:latin typeface="Times New Roman" panose="02020603050405020304" pitchFamily="18" charset="0"/>
+                <a:cs typeface="Times New Roman" panose="02020603050405020304" pitchFamily="18" charset="0"/>
+              </a:rPr>
+              <a:t> </a:t>
+            </a:r>
+            <a:r>
+              <a:rPr lang="en-US" sz="2000" dirty="0" err="1">
+                <a:latin typeface="Times New Roman" panose="02020603050405020304" pitchFamily="18" charset="0"/>
+                <a:cs typeface="Times New Roman" panose="02020603050405020304" pitchFamily="18" charset="0"/>
+              </a:rPr>
+              <a:t>getUserInfo</a:t>
+            </a:r>
+            <a:r>
+              <a:rPr lang="en-US" sz="2000" dirty="0">
+                <a:latin typeface="Times New Roman" panose="02020603050405020304" pitchFamily="18" charset="0"/>
+                <a:cs typeface="Times New Roman" panose="02020603050405020304" pitchFamily="18" charset="0"/>
+              </a:rPr>
+              <a:t> </a:t>
+            </a:r>
+            <a:r>
+              <a:rPr lang="en-US" sz="2000" dirty="0" err="1">
+                <a:latin typeface="Times New Roman" panose="02020603050405020304" pitchFamily="18" charset="0"/>
+                <a:cs typeface="Times New Roman" panose="02020603050405020304" pitchFamily="18" charset="0"/>
+              </a:rPr>
+              <a:t>đang</a:t>
+            </a:r>
+            <a:r>
+              <a:rPr lang="en-US" sz="2000" dirty="0">
+                <a:latin typeface="Times New Roman" panose="02020603050405020304" pitchFamily="18" charset="0"/>
+                <a:cs typeface="Times New Roman" panose="02020603050405020304" pitchFamily="18" charset="0"/>
+              </a:rPr>
+              <a:t> </a:t>
+            </a:r>
+            <a:r>
+              <a:rPr lang="en-US" sz="2000" dirty="0" err="1">
+                <a:latin typeface="Times New Roman" panose="02020603050405020304" pitchFamily="18" charset="0"/>
+                <a:cs typeface="Times New Roman" panose="02020603050405020304" pitchFamily="18" charset="0"/>
+              </a:rPr>
+              <a:t>trong</a:t>
+            </a:r>
+            <a:r>
+              <a:rPr lang="en-US" sz="2000" dirty="0">
+                <a:latin typeface="Times New Roman" panose="02020603050405020304" pitchFamily="18" charset="0"/>
+                <a:cs typeface="Times New Roman" panose="02020603050405020304" pitchFamily="18" charset="0"/>
+              </a:rPr>
+              <a:t> </a:t>
+            </a:r>
+            <a:r>
+              <a:rPr lang="en-US" sz="2000" dirty="0" err="1">
+                <a:latin typeface="Times New Roman" panose="02020603050405020304" pitchFamily="18" charset="0"/>
+                <a:cs typeface="Times New Roman" panose="02020603050405020304" pitchFamily="18" charset="0"/>
+              </a:rPr>
+              <a:t>quá</a:t>
+            </a:r>
+            <a:r>
+              <a:rPr lang="en-US" sz="2000" dirty="0">
+                <a:latin typeface="Times New Roman" panose="02020603050405020304" pitchFamily="18" charset="0"/>
+                <a:cs typeface="Times New Roman" panose="02020603050405020304" pitchFamily="18" charset="0"/>
+              </a:rPr>
+              <a:t> </a:t>
+            </a:r>
+            <a:r>
+              <a:rPr lang="en-US" sz="2000" dirty="0" err="1">
+                <a:latin typeface="Times New Roman" panose="02020603050405020304" pitchFamily="18" charset="0"/>
+                <a:cs typeface="Times New Roman" panose="02020603050405020304" pitchFamily="18" charset="0"/>
+              </a:rPr>
+              <a:t>trình</a:t>
+            </a:r>
+            <a:r>
+              <a:rPr lang="en-US" sz="2000" dirty="0">
+                <a:latin typeface="Times New Roman" panose="02020603050405020304" pitchFamily="18" charset="0"/>
+                <a:cs typeface="Times New Roman" panose="02020603050405020304" pitchFamily="18" charset="0"/>
+              </a:rPr>
+              <a:t> </a:t>
+            </a:r>
+            <a:r>
+              <a:rPr lang="en-US" sz="2000" dirty="0" err="1">
+                <a:latin typeface="Times New Roman" panose="02020603050405020304" pitchFamily="18" charset="0"/>
+                <a:cs typeface="Times New Roman" panose="02020603050405020304" pitchFamily="18" charset="0"/>
+              </a:rPr>
+              <a:t>chờ</a:t>
+            </a:r>
+            <a:r>
+              <a:rPr lang="en-US" sz="2000" dirty="0">
+                <a:latin typeface="Times New Roman" panose="02020603050405020304" pitchFamily="18" charset="0"/>
+                <a:cs typeface="Times New Roman" panose="02020603050405020304" pitchFamily="18" charset="0"/>
+              </a:rPr>
+              <a:t> (pending), </a:t>
+            </a:r>
+            <a:r>
+              <a:rPr lang="en-US" sz="2000" dirty="0" err="1">
+                <a:latin typeface="Times New Roman" panose="02020603050405020304" pitchFamily="18" charset="0"/>
+                <a:cs typeface="Times New Roman" panose="02020603050405020304" pitchFamily="18" charset="0"/>
+              </a:rPr>
+              <a:t>có</a:t>
+            </a:r>
+            <a:r>
+              <a:rPr lang="en-US" sz="2000" dirty="0">
+                <a:latin typeface="Times New Roman" panose="02020603050405020304" pitchFamily="18" charset="0"/>
+                <a:cs typeface="Times New Roman" panose="02020603050405020304" pitchFamily="18" charset="0"/>
+              </a:rPr>
+              <a:t> </a:t>
+            </a:r>
+            <a:r>
+              <a:rPr lang="en-US" sz="2000" dirty="0" err="1">
+                <a:latin typeface="Times New Roman" panose="02020603050405020304" pitchFamily="18" charset="0"/>
+                <a:cs typeface="Times New Roman" panose="02020603050405020304" pitchFamily="18" charset="0"/>
+              </a:rPr>
+              <a:t>thể</a:t>
+            </a:r>
+            <a:r>
+              <a:rPr lang="en-US" sz="2000" dirty="0">
+                <a:latin typeface="Times New Roman" panose="02020603050405020304" pitchFamily="18" charset="0"/>
+                <a:cs typeface="Times New Roman" panose="02020603050405020304" pitchFamily="18" charset="0"/>
+              </a:rPr>
+              <a:t> </a:t>
+            </a:r>
+            <a:r>
+              <a:rPr lang="en-US" sz="2000" dirty="0" err="1">
+                <a:latin typeface="Times New Roman" panose="02020603050405020304" pitchFamily="18" charset="0"/>
+                <a:cs typeface="Times New Roman" panose="02020603050405020304" pitchFamily="18" charset="0"/>
+              </a:rPr>
+              <a:t>không</a:t>
+            </a:r>
+            <a:r>
+              <a:rPr lang="en-US" sz="2000" dirty="0">
+                <a:latin typeface="Times New Roman" panose="02020603050405020304" pitchFamily="18" charset="0"/>
+                <a:cs typeface="Times New Roman" panose="02020603050405020304" pitchFamily="18" charset="0"/>
+              </a:rPr>
+              <a:t> </a:t>
+            </a:r>
+            <a:r>
+              <a:rPr lang="en-US" sz="2000" dirty="0" err="1">
+                <a:latin typeface="Times New Roman" panose="02020603050405020304" pitchFamily="18" charset="0"/>
+                <a:cs typeface="Times New Roman" panose="02020603050405020304" pitchFamily="18" charset="0"/>
+              </a:rPr>
+              <a:t>làm</a:t>
+            </a:r>
+            <a:r>
+              <a:rPr lang="en-US" sz="2000" dirty="0">
+                <a:latin typeface="Times New Roman" panose="02020603050405020304" pitchFamily="18" charset="0"/>
+                <a:cs typeface="Times New Roman" panose="02020603050405020304" pitchFamily="18" charset="0"/>
+              </a:rPr>
+              <a:t> </a:t>
+            </a:r>
+            <a:r>
+              <a:rPr lang="en-US" sz="2000" dirty="0" err="1">
+                <a:latin typeface="Times New Roman" panose="02020603050405020304" pitchFamily="18" charset="0"/>
+                <a:cs typeface="Times New Roman" panose="02020603050405020304" pitchFamily="18" charset="0"/>
+              </a:rPr>
+              <a:t>gì</a:t>
+            </a:r>
+            <a:r>
+              <a:rPr lang="en-US" sz="2000" dirty="0">
+                <a:latin typeface="Times New Roman" panose="02020603050405020304" pitchFamily="18" charset="0"/>
+                <a:cs typeface="Times New Roman" panose="02020603050405020304" pitchFamily="18" charset="0"/>
+              </a:rPr>
+              <a:t> </a:t>
+            </a:r>
+            <a:r>
+              <a:rPr lang="en-US" sz="2000" dirty="0" err="1">
+                <a:latin typeface="Times New Roman" panose="02020603050405020304" pitchFamily="18" charset="0"/>
+                <a:cs typeface="Times New Roman" panose="02020603050405020304" pitchFamily="18" charset="0"/>
+              </a:rPr>
+              <a:t>nếu</a:t>
+            </a:r>
+            <a:r>
+              <a:rPr lang="en-US" sz="2000" dirty="0">
+                <a:latin typeface="Times New Roman" panose="02020603050405020304" pitchFamily="18" charset="0"/>
+                <a:cs typeface="Times New Roman" panose="02020603050405020304" pitchFamily="18" charset="0"/>
+              </a:rPr>
+              <a:t> </a:t>
+            </a:r>
+            <a:r>
+              <a:rPr lang="en-US" sz="2000" dirty="0" err="1">
+                <a:latin typeface="Times New Roman" panose="02020603050405020304" pitchFamily="18" charset="0"/>
+                <a:cs typeface="Times New Roman" panose="02020603050405020304" pitchFamily="18" charset="0"/>
+              </a:rPr>
+              <a:t>không</a:t>
+            </a:r>
+            <a:r>
+              <a:rPr lang="en-US" sz="2000" dirty="0">
+                <a:latin typeface="Times New Roman" panose="02020603050405020304" pitchFamily="18" charset="0"/>
+                <a:cs typeface="Times New Roman" panose="02020603050405020304" pitchFamily="18" charset="0"/>
+              </a:rPr>
+              <a:t> </a:t>
+            </a:r>
+            <a:r>
+              <a:rPr lang="en-US" sz="2000" dirty="0" err="1">
+                <a:latin typeface="Times New Roman" panose="02020603050405020304" pitchFamily="18" charset="0"/>
+                <a:cs typeface="Times New Roman" panose="02020603050405020304" pitchFamily="18" charset="0"/>
+              </a:rPr>
+              <a:t>cần</a:t>
+            </a:r>
+            <a:r>
+              <a:rPr lang="en-US" sz="2000" dirty="0">
+                <a:latin typeface="Times New Roman" panose="02020603050405020304" pitchFamily="18" charset="0"/>
+                <a:cs typeface="Times New Roman" panose="02020603050405020304" pitchFamily="18" charset="0"/>
+              </a:rPr>
+              <a:t> </a:t>
+            </a:r>
+            <a:r>
+              <a:rPr lang="en-US" sz="2000" dirty="0" err="1">
+                <a:latin typeface="Times New Roman" panose="02020603050405020304" pitchFamily="18" charset="0"/>
+                <a:cs typeface="Times New Roman" panose="02020603050405020304" pitchFamily="18" charset="0"/>
+              </a:rPr>
+              <a:t>thiết</a:t>
+            </a:r>
+            <a:r>
+              <a:rPr lang="en-US" sz="2000" dirty="0" smtClean="0">
+                <a:latin typeface="Times New Roman" panose="02020603050405020304" pitchFamily="18" charset="0"/>
+                <a:cs typeface="Times New Roman" panose="02020603050405020304" pitchFamily="18" charset="0"/>
+              </a:rPr>
+              <a:t>.</a:t>
+            </a:r>
+          </a:p>
+          <a:p>
+            <a:pPr lvl="1" algn="just"/>
+            <a:r>
+              <a:rPr lang="vi-VN" sz="2000" dirty="0">
+                <a:latin typeface="Times New Roman" panose="02020603050405020304" pitchFamily="18" charset="0"/>
+                <a:cs typeface="Times New Roman" panose="02020603050405020304" pitchFamily="18" charset="0"/>
+              </a:rPr>
+              <a:t>.addCase(getUserInfo.fulfilled, (state, action: any) =&gt; { ... }): Xử lý khi getUserInfo đã thành công (fulfilled), cập nhật state.userInfo với dữ liệu nhận được từ payload của action</a:t>
+            </a:r>
+            <a:r>
+              <a:rPr lang="vi-VN" sz="2000" dirty="0" smtClean="0">
+                <a:latin typeface="Times New Roman" panose="02020603050405020304" pitchFamily="18" charset="0"/>
+                <a:cs typeface="Times New Roman" panose="02020603050405020304" pitchFamily="18" charset="0"/>
+              </a:rPr>
+              <a:t>.</a:t>
+            </a:r>
+            <a:endParaRPr lang="en-US" sz="2000" dirty="0" smtClean="0">
+              <a:latin typeface="Times New Roman" panose="02020603050405020304" pitchFamily="18" charset="0"/>
+              <a:cs typeface="Times New Roman" panose="02020603050405020304" pitchFamily="18" charset="0"/>
+            </a:endParaRPr>
+          </a:p>
+          <a:p>
+            <a:pPr lvl="1" algn="just"/>
+            <a:r>
+              <a:rPr lang="en-US" sz="2000" dirty="0">
+                <a:latin typeface="Times New Roman" panose="02020603050405020304" pitchFamily="18" charset="0"/>
+                <a:cs typeface="Times New Roman" panose="02020603050405020304" pitchFamily="18" charset="0"/>
+              </a:rPr>
+              <a:t>.</a:t>
+            </a:r>
+            <a:r>
+              <a:rPr lang="en-US" sz="2000" dirty="0" err="1">
+                <a:latin typeface="Times New Roman" panose="02020603050405020304" pitchFamily="18" charset="0"/>
+                <a:cs typeface="Times New Roman" panose="02020603050405020304" pitchFamily="18" charset="0"/>
+              </a:rPr>
+              <a:t>addCase</a:t>
+            </a:r>
+            <a:r>
+              <a:rPr lang="en-US" sz="2000" dirty="0">
+                <a:latin typeface="Times New Roman" panose="02020603050405020304" pitchFamily="18" charset="0"/>
+                <a:cs typeface="Times New Roman" panose="02020603050405020304" pitchFamily="18" charset="0"/>
+              </a:rPr>
+              <a:t>(</a:t>
+            </a:r>
+            <a:r>
+              <a:rPr lang="en-US" sz="2000" dirty="0" err="1">
+                <a:latin typeface="Times New Roman" panose="02020603050405020304" pitchFamily="18" charset="0"/>
+                <a:cs typeface="Times New Roman" panose="02020603050405020304" pitchFamily="18" charset="0"/>
+              </a:rPr>
+              <a:t>getUserInfo.rejected</a:t>
+            </a:r>
+            <a:r>
+              <a:rPr lang="en-US" sz="2000" dirty="0">
+                <a:latin typeface="Times New Roman" panose="02020603050405020304" pitchFamily="18" charset="0"/>
+                <a:cs typeface="Times New Roman" panose="02020603050405020304" pitchFamily="18" charset="0"/>
+              </a:rPr>
+              <a:t>, (state, action: any) =&gt; { ... }): </a:t>
+            </a:r>
+            <a:r>
+              <a:rPr lang="en-US" sz="2000" dirty="0" err="1">
+                <a:latin typeface="Times New Roman" panose="02020603050405020304" pitchFamily="18" charset="0"/>
+                <a:cs typeface="Times New Roman" panose="02020603050405020304" pitchFamily="18" charset="0"/>
+              </a:rPr>
+              <a:t>Xử</a:t>
+            </a:r>
+            <a:r>
+              <a:rPr lang="en-US" sz="2000" dirty="0">
+                <a:latin typeface="Times New Roman" panose="02020603050405020304" pitchFamily="18" charset="0"/>
+                <a:cs typeface="Times New Roman" panose="02020603050405020304" pitchFamily="18" charset="0"/>
+              </a:rPr>
+              <a:t> </a:t>
+            </a:r>
+            <a:r>
+              <a:rPr lang="en-US" sz="2000" dirty="0" err="1">
+                <a:latin typeface="Times New Roman" panose="02020603050405020304" pitchFamily="18" charset="0"/>
+                <a:cs typeface="Times New Roman" panose="02020603050405020304" pitchFamily="18" charset="0"/>
+              </a:rPr>
+              <a:t>lý</a:t>
+            </a:r>
+            <a:r>
+              <a:rPr lang="en-US" sz="2000" dirty="0">
+                <a:latin typeface="Times New Roman" panose="02020603050405020304" pitchFamily="18" charset="0"/>
+                <a:cs typeface="Times New Roman" panose="02020603050405020304" pitchFamily="18" charset="0"/>
+              </a:rPr>
+              <a:t> </a:t>
+            </a:r>
+            <a:r>
+              <a:rPr lang="en-US" sz="2000" dirty="0" err="1">
+                <a:latin typeface="Times New Roman" panose="02020603050405020304" pitchFamily="18" charset="0"/>
+                <a:cs typeface="Times New Roman" panose="02020603050405020304" pitchFamily="18" charset="0"/>
+              </a:rPr>
+              <a:t>khi</a:t>
+            </a:r>
+            <a:r>
+              <a:rPr lang="en-US" sz="2000" dirty="0">
+                <a:latin typeface="Times New Roman" panose="02020603050405020304" pitchFamily="18" charset="0"/>
+                <a:cs typeface="Times New Roman" panose="02020603050405020304" pitchFamily="18" charset="0"/>
+              </a:rPr>
+              <a:t> </a:t>
+            </a:r>
+            <a:r>
+              <a:rPr lang="en-US" sz="2000" dirty="0" err="1">
+                <a:latin typeface="Times New Roman" panose="02020603050405020304" pitchFamily="18" charset="0"/>
+                <a:cs typeface="Times New Roman" panose="02020603050405020304" pitchFamily="18" charset="0"/>
+              </a:rPr>
+              <a:t>getUserInfo</a:t>
+            </a:r>
+            <a:r>
+              <a:rPr lang="en-US" sz="2000" dirty="0">
+                <a:latin typeface="Times New Roman" panose="02020603050405020304" pitchFamily="18" charset="0"/>
+                <a:cs typeface="Times New Roman" panose="02020603050405020304" pitchFamily="18" charset="0"/>
+              </a:rPr>
+              <a:t> </a:t>
+            </a:r>
+            <a:r>
+              <a:rPr lang="en-US" sz="2000" dirty="0" err="1">
+                <a:latin typeface="Times New Roman" panose="02020603050405020304" pitchFamily="18" charset="0"/>
+                <a:cs typeface="Times New Roman" panose="02020603050405020304" pitchFamily="18" charset="0"/>
+              </a:rPr>
+              <a:t>thất</a:t>
+            </a:r>
+            <a:r>
+              <a:rPr lang="en-US" sz="2000" dirty="0">
+                <a:latin typeface="Times New Roman" panose="02020603050405020304" pitchFamily="18" charset="0"/>
+                <a:cs typeface="Times New Roman" panose="02020603050405020304" pitchFamily="18" charset="0"/>
+              </a:rPr>
+              <a:t> </a:t>
+            </a:r>
+            <a:r>
+              <a:rPr lang="en-US" sz="2000" dirty="0" err="1">
+                <a:latin typeface="Times New Roman" panose="02020603050405020304" pitchFamily="18" charset="0"/>
+                <a:cs typeface="Times New Roman" panose="02020603050405020304" pitchFamily="18" charset="0"/>
+              </a:rPr>
+              <a:t>bại</a:t>
+            </a:r>
+            <a:r>
+              <a:rPr lang="en-US" sz="2000" dirty="0">
+                <a:latin typeface="Times New Roman" panose="02020603050405020304" pitchFamily="18" charset="0"/>
+                <a:cs typeface="Times New Roman" panose="02020603050405020304" pitchFamily="18" charset="0"/>
+              </a:rPr>
+              <a:t> (rejected), </a:t>
+            </a:r>
+            <a:r>
+              <a:rPr lang="en-US" sz="2000" dirty="0" err="1">
+                <a:latin typeface="Times New Roman" panose="02020603050405020304" pitchFamily="18" charset="0"/>
+                <a:cs typeface="Times New Roman" panose="02020603050405020304" pitchFamily="18" charset="0"/>
+              </a:rPr>
+              <a:t>đặt</a:t>
+            </a:r>
+            <a:r>
+              <a:rPr lang="en-US" sz="2000" dirty="0">
+                <a:latin typeface="Times New Roman" panose="02020603050405020304" pitchFamily="18" charset="0"/>
+                <a:cs typeface="Times New Roman" panose="02020603050405020304" pitchFamily="18" charset="0"/>
+              </a:rPr>
+              <a:t> </a:t>
+            </a:r>
+            <a:r>
+              <a:rPr lang="en-US" sz="2000" dirty="0" err="1">
+                <a:latin typeface="Times New Roman" panose="02020603050405020304" pitchFamily="18" charset="0"/>
+                <a:cs typeface="Times New Roman" panose="02020603050405020304" pitchFamily="18" charset="0"/>
+              </a:rPr>
+              <a:t>state.userInfo</a:t>
+            </a:r>
+            <a:r>
+              <a:rPr lang="en-US" sz="2000" dirty="0">
+                <a:latin typeface="Times New Roman" panose="02020603050405020304" pitchFamily="18" charset="0"/>
+                <a:cs typeface="Times New Roman" panose="02020603050405020304" pitchFamily="18" charset="0"/>
+              </a:rPr>
+              <a:t> </a:t>
+            </a:r>
+            <a:r>
+              <a:rPr lang="en-US" sz="2000" dirty="0" err="1">
+                <a:latin typeface="Times New Roman" panose="02020603050405020304" pitchFamily="18" charset="0"/>
+                <a:cs typeface="Times New Roman" panose="02020603050405020304" pitchFamily="18" charset="0"/>
+              </a:rPr>
+              <a:t>thành</a:t>
+            </a:r>
+            <a:r>
+              <a:rPr lang="en-US" sz="2000" dirty="0">
+                <a:latin typeface="Times New Roman" panose="02020603050405020304" pitchFamily="18" charset="0"/>
+                <a:cs typeface="Times New Roman" panose="02020603050405020304" pitchFamily="18" charset="0"/>
+              </a:rPr>
+              <a:t> </a:t>
+            </a:r>
+            <a:r>
+              <a:rPr lang="en-US" sz="2000" dirty="0" err="1">
+                <a:latin typeface="Times New Roman" panose="02020603050405020304" pitchFamily="18" charset="0"/>
+                <a:cs typeface="Times New Roman" panose="02020603050405020304" pitchFamily="18" charset="0"/>
+              </a:rPr>
+              <a:t>một</a:t>
+            </a:r>
+            <a:r>
+              <a:rPr lang="en-US" sz="2000" dirty="0">
+                <a:latin typeface="Times New Roman" panose="02020603050405020304" pitchFamily="18" charset="0"/>
+                <a:cs typeface="Times New Roman" panose="02020603050405020304" pitchFamily="18" charset="0"/>
+              </a:rPr>
+              <a:t> object </a:t>
+            </a:r>
+            <a:r>
+              <a:rPr lang="en-US" sz="2000" dirty="0" err="1">
+                <a:latin typeface="Times New Roman" panose="02020603050405020304" pitchFamily="18" charset="0"/>
+                <a:cs typeface="Times New Roman" panose="02020603050405020304" pitchFamily="18" charset="0"/>
+              </a:rPr>
+              <a:t>rỗng</a:t>
+            </a:r>
+            <a:r>
+              <a:rPr lang="en-US" sz="2000" dirty="0">
+                <a:latin typeface="Times New Roman" panose="02020603050405020304" pitchFamily="18" charset="0"/>
+                <a:cs typeface="Times New Roman" panose="02020603050405020304" pitchFamily="18" charset="0"/>
+              </a:rPr>
+              <a:t> </a:t>
+            </a:r>
+            <a:r>
+              <a:rPr lang="en-US" sz="2000" dirty="0" smtClean="0">
+                <a:latin typeface="Times New Roman" panose="02020603050405020304" pitchFamily="18" charset="0"/>
+                <a:cs typeface="Times New Roman" panose="02020603050405020304" pitchFamily="18" charset="0"/>
+              </a:rPr>
+              <a:t>{}.</a:t>
+            </a:r>
+          </a:p>
+        </p:txBody>
+      </p:sp>
+    </p:spTree>
+    <p:extLst>
+      <p:ext uri="{BB962C8B-B14F-4D97-AF65-F5344CB8AC3E}">
+        <p14:creationId xmlns:p14="http://schemas.microsoft.com/office/powerpoint/2010/main" val="4006870124"/>
+      </p:ext>
+    </p:extLst>
+  </p:cSld>
+  <p:clrMapOvr>
+    <a:masterClrMapping/>
+  </p:clrMapOvr>
+  <p:timing>
+    <p:tnLst>
+      <p:par>
+        <p:cTn id="1" dur="indefinite" restart="never" nodeType="tmRoot"/>
+      </p:par>
+    </p:tnLst>
+  </p:timing>
+</p:sld>
+</file>
+
+<file path=ppt/slides/slide32.xml><?xml version="1.0" encoding="utf-8"?>
+<p:sld xmlns:a="http://schemas.openxmlformats.org/drawingml/2006/main" xmlns:r="http://schemas.openxmlformats.org/officeDocument/2006/relationships" xmlns:p="http://schemas.openxmlformats.org/presentationml/2006/main">
+  <p:cSld>
+    <p:spTree>
+      <p:nvGrpSpPr>
+        <p:cNvPr id="1" name=""/>
+        <p:cNvGrpSpPr/>
+        <p:nvPr/>
+      </p:nvGrpSpPr>
+      <p:grpSpPr>
+        <a:xfrm>
+          <a:off x="0" y="0"/>
+          <a:ext cx="0" cy="0"/>
+          <a:chOff x="0" y="0"/>
+          <a:chExt cx="0" cy="0"/>
+        </a:xfrm>
+      </p:grpSpPr>
+      <p:sp>
+        <p:nvSpPr>
+          <p:cNvPr id="2" name="Title 1"/>
+          <p:cNvSpPr>
+            <a:spLocks noGrp="1"/>
+          </p:cNvSpPr>
+          <p:nvPr>
+            <p:ph type="title"/>
+          </p:nvPr>
+        </p:nvSpPr>
+        <p:spPr/>
+        <p:txBody>
+          <a:bodyPr/>
+          <a:lstStyle/>
+          <a:p>
+            <a:r>
+              <a:rPr lang="en-US" dirty="0" err="1">
+                <a:latin typeface="Times New Roman" panose="02020603050405020304" pitchFamily="18" charset="0"/>
+                <a:cs typeface="Times New Roman" panose="02020603050405020304" pitchFamily="18" charset="0"/>
+              </a:rPr>
+              <a:t>Redux</a:t>
+            </a:r>
+            <a:r>
+              <a:rPr lang="en-US" dirty="0">
+                <a:latin typeface="Times New Roman" panose="02020603050405020304" pitchFamily="18" charset="0"/>
+                <a:cs typeface="Times New Roman" panose="02020603050405020304" pitchFamily="18" charset="0"/>
+              </a:rPr>
+              <a:t> </a:t>
+            </a:r>
+            <a:r>
+              <a:rPr lang="en-US" dirty="0" smtClean="0">
+                <a:latin typeface="Times New Roman" panose="02020603050405020304" pitchFamily="18" charset="0"/>
+                <a:cs typeface="Times New Roman" panose="02020603050405020304" pitchFamily="18" charset="0"/>
+              </a:rPr>
+              <a:t>toolkit</a:t>
+            </a:r>
+            <a:endParaRPr lang="en-US" dirty="0"/>
+          </a:p>
+        </p:txBody>
+      </p:sp>
+      <p:sp>
+        <p:nvSpPr>
+          <p:cNvPr id="3" name="Content Placeholder 2"/>
+          <p:cNvSpPr>
+            <a:spLocks noGrp="1"/>
+          </p:cNvSpPr>
+          <p:nvPr>
+            <p:ph idx="1"/>
+          </p:nvPr>
+        </p:nvSpPr>
+        <p:spPr/>
+        <p:txBody>
+          <a:bodyPr>
+            <a:normAutofit/>
+          </a:bodyPr>
+          <a:lstStyle/>
+          <a:p>
+            <a:pPr algn="just"/>
+            <a:r>
+              <a:rPr lang="en-US" dirty="0" smtClean="0">
+                <a:latin typeface="Times New Roman" panose="02020603050405020304" pitchFamily="18" charset="0"/>
+                <a:cs typeface="Times New Roman" panose="02020603050405020304" pitchFamily="18" charset="0"/>
+              </a:rPr>
+              <a:t>- </a:t>
+            </a:r>
+            <a:r>
+              <a:rPr lang="en-US" dirty="0" err="1">
+                <a:latin typeface="Times New Roman" panose="02020603050405020304" pitchFamily="18" charset="0"/>
+                <a:cs typeface="Times New Roman" panose="02020603050405020304" pitchFamily="18" charset="0"/>
+              </a:rPr>
+              <a:t>Xuất</a:t>
+            </a:r>
+            <a:r>
+              <a:rPr lang="en-US" dirty="0">
+                <a:latin typeface="Times New Roman" panose="02020603050405020304" pitchFamily="18" charset="0"/>
+                <a:cs typeface="Times New Roman" panose="02020603050405020304" pitchFamily="18" charset="0"/>
+              </a:rPr>
+              <a:t> </a:t>
+            </a:r>
+            <a:r>
+              <a:rPr lang="en-US" dirty="0" err="1">
+                <a:latin typeface="Times New Roman" panose="02020603050405020304" pitchFamily="18" charset="0"/>
+                <a:cs typeface="Times New Roman" panose="02020603050405020304" pitchFamily="18" charset="0"/>
+              </a:rPr>
+              <a:t>và</a:t>
+            </a:r>
+            <a:r>
+              <a:rPr lang="en-US" dirty="0">
+                <a:latin typeface="Times New Roman" panose="02020603050405020304" pitchFamily="18" charset="0"/>
+                <a:cs typeface="Times New Roman" panose="02020603050405020304" pitchFamily="18" charset="0"/>
+              </a:rPr>
+              <a:t> </a:t>
+            </a:r>
+            <a:r>
+              <a:rPr lang="en-US" dirty="0" err="1">
+                <a:latin typeface="Times New Roman" panose="02020603050405020304" pitchFamily="18" charset="0"/>
+                <a:cs typeface="Times New Roman" panose="02020603050405020304" pitchFamily="18" charset="0"/>
+              </a:rPr>
+              <a:t>sử</a:t>
+            </a:r>
+            <a:r>
+              <a:rPr lang="en-US" dirty="0">
+                <a:latin typeface="Times New Roman" panose="02020603050405020304" pitchFamily="18" charset="0"/>
+                <a:cs typeface="Times New Roman" panose="02020603050405020304" pitchFamily="18" charset="0"/>
+              </a:rPr>
+              <a:t> </a:t>
+            </a:r>
+            <a:r>
+              <a:rPr lang="en-US" dirty="0" err="1">
+                <a:latin typeface="Times New Roman" panose="02020603050405020304" pitchFamily="18" charset="0"/>
+                <a:cs typeface="Times New Roman" panose="02020603050405020304" pitchFamily="18" charset="0"/>
+              </a:rPr>
+              <a:t>dụng</a:t>
+            </a:r>
+            <a:r>
+              <a:rPr lang="en-US" dirty="0">
+                <a:latin typeface="Times New Roman" panose="02020603050405020304" pitchFamily="18" charset="0"/>
+                <a:cs typeface="Times New Roman" panose="02020603050405020304" pitchFamily="18" charset="0"/>
+              </a:rPr>
+              <a:t> reducer </a:t>
+            </a:r>
+            <a:r>
+              <a:rPr lang="en-US" dirty="0" err="1">
+                <a:latin typeface="Times New Roman" panose="02020603050405020304" pitchFamily="18" charset="0"/>
+                <a:cs typeface="Times New Roman" panose="02020603050405020304" pitchFamily="18" charset="0"/>
+              </a:rPr>
+              <a:t>và</a:t>
+            </a:r>
+            <a:r>
+              <a:rPr lang="en-US" dirty="0">
+                <a:latin typeface="Times New Roman" panose="02020603050405020304" pitchFamily="18" charset="0"/>
+                <a:cs typeface="Times New Roman" panose="02020603050405020304" pitchFamily="18" charset="0"/>
+              </a:rPr>
+              <a:t> actions </a:t>
+            </a:r>
+            <a:r>
+              <a:rPr lang="en-US" dirty="0" err="1">
+                <a:latin typeface="Times New Roman" panose="02020603050405020304" pitchFamily="18" charset="0"/>
+                <a:cs typeface="Times New Roman" panose="02020603050405020304" pitchFamily="18" charset="0"/>
+              </a:rPr>
+              <a:t>của</a:t>
+            </a:r>
+            <a:r>
+              <a:rPr lang="en-US" dirty="0">
+                <a:latin typeface="Times New Roman" panose="02020603050405020304" pitchFamily="18" charset="0"/>
+                <a:cs typeface="Times New Roman" panose="02020603050405020304" pitchFamily="18" charset="0"/>
+              </a:rPr>
+              <a:t> </a:t>
+            </a:r>
+            <a:r>
+              <a:rPr lang="en-US" dirty="0" smtClean="0">
+                <a:latin typeface="Times New Roman" panose="02020603050405020304" pitchFamily="18" charset="0"/>
+                <a:cs typeface="Times New Roman" panose="02020603050405020304" pitchFamily="18" charset="0"/>
+              </a:rPr>
+              <a:t>Slice</a:t>
+            </a:r>
+          </a:p>
+          <a:p>
+            <a:pPr lvl="1" algn="just"/>
+            <a:r>
+              <a:rPr lang="en-US" sz="2000" dirty="0" err="1">
+                <a:latin typeface="Times New Roman" panose="02020603050405020304" pitchFamily="18" charset="0"/>
+                <a:cs typeface="Times New Roman" panose="02020603050405020304" pitchFamily="18" charset="0"/>
+              </a:rPr>
+              <a:t>userSlice.reducer</a:t>
+            </a:r>
+            <a:r>
+              <a:rPr lang="en-US" sz="2000" dirty="0">
+                <a:latin typeface="Times New Roman" panose="02020603050405020304" pitchFamily="18" charset="0"/>
+                <a:cs typeface="Times New Roman" panose="02020603050405020304" pitchFamily="18" charset="0"/>
+              </a:rPr>
+              <a:t>: Export reducer </a:t>
+            </a:r>
+            <a:r>
+              <a:rPr lang="en-US" sz="2000" dirty="0" err="1">
+                <a:latin typeface="Times New Roman" panose="02020603050405020304" pitchFamily="18" charset="0"/>
+                <a:cs typeface="Times New Roman" panose="02020603050405020304" pitchFamily="18" charset="0"/>
+              </a:rPr>
+              <a:t>của</a:t>
+            </a:r>
+            <a:r>
+              <a:rPr lang="en-US" sz="2000" dirty="0">
+                <a:latin typeface="Times New Roman" panose="02020603050405020304" pitchFamily="18" charset="0"/>
+                <a:cs typeface="Times New Roman" panose="02020603050405020304" pitchFamily="18" charset="0"/>
+              </a:rPr>
+              <a:t> Slice </a:t>
+            </a:r>
+            <a:r>
+              <a:rPr lang="en-US" sz="2000" dirty="0" err="1">
+                <a:latin typeface="Times New Roman" panose="02020603050405020304" pitchFamily="18" charset="0"/>
+                <a:cs typeface="Times New Roman" panose="02020603050405020304" pitchFamily="18" charset="0"/>
+              </a:rPr>
+              <a:t>để</a:t>
+            </a:r>
+            <a:r>
+              <a:rPr lang="en-US" sz="2000" dirty="0">
+                <a:latin typeface="Times New Roman" panose="02020603050405020304" pitchFamily="18" charset="0"/>
+                <a:cs typeface="Times New Roman" panose="02020603050405020304" pitchFamily="18" charset="0"/>
+              </a:rPr>
+              <a:t> </a:t>
+            </a:r>
+            <a:r>
+              <a:rPr lang="en-US" sz="2000" dirty="0" err="1">
+                <a:latin typeface="Times New Roman" panose="02020603050405020304" pitchFamily="18" charset="0"/>
+                <a:cs typeface="Times New Roman" panose="02020603050405020304" pitchFamily="18" charset="0"/>
+              </a:rPr>
+              <a:t>sử</a:t>
+            </a:r>
+            <a:r>
+              <a:rPr lang="en-US" sz="2000" dirty="0">
+                <a:latin typeface="Times New Roman" panose="02020603050405020304" pitchFamily="18" charset="0"/>
+                <a:cs typeface="Times New Roman" panose="02020603050405020304" pitchFamily="18" charset="0"/>
+              </a:rPr>
+              <a:t> </a:t>
+            </a:r>
+            <a:r>
+              <a:rPr lang="en-US" sz="2000" dirty="0" err="1">
+                <a:latin typeface="Times New Roman" panose="02020603050405020304" pitchFamily="18" charset="0"/>
+                <a:cs typeface="Times New Roman" panose="02020603050405020304" pitchFamily="18" charset="0"/>
+              </a:rPr>
+              <a:t>dụng</a:t>
+            </a:r>
+            <a:r>
+              <a:rPr lang="en-US" sz="2000" dirty="0">
+                <a:latin typeface="Times New Roman" panose="02020603050405020304" pitchFamily="18" charset="0"/>
+                <a:cs typeface="Times New Roman" panose="02020603050405020304" pitchFamily="18" charset="0"/>
+              </a:rPr>
+              <a:t> </a:t>
+            </a:r>
+            <a:r>
+              <a:rPr lang="en-US" sz="2000" dirty="0" err="1">
+                <a:latin typeface="Times New Roman" panose="02020603050405020304" pitchFamily="18" charset="0"/>
+                <a:cs typeface="Times New Roman" panose="02020603050405020304" pitchFamily="18" charset="0"/>
+              </a:rPr>
+              <a:t>khi</a:t>
+            </a:r>
+            <a:r>
+              <a:rPr lang="en-US" sz="2000" dirty="0">
+                <a:latin typeface="Times New Roman" panose="02020603050405020304" pitchFamily="18" charset="0"/>
+                <a:cs typeface="Times New Roman" panose="02020603050405020304" pitchFamily="18" charset="0"/>
+              </a:rPr>
+              <a:t> </a:t>
+            </a:r>
+            <a:r>
+              <a:rPr lang="en-US" sz="2000" dirty="0" err="1">
+                <a:latin typeface="Times New Roman" panose="02020603050405020304" pitchFamily="18" charset="0"/>
+                <a:cs typeface="Times New Roman" panose="02020603050405020304" pitchFamily="18" charset="0"/>
+              </a:rPr>
+              <a:t>tạo</a:t>
+            </a:r>
+            <a:r>
+              <a:rPr lang="en-US" sz="2000" dirty="0">
+                <a:latin typeface="Times New Roman" panose="02020603050405020304" pitchFamily="18" charset="0"/>
+                <a:cs typeface="Times New Roman" panose="02020603050405020304" pitchFamily="18" charset="0"/>
+              </a:rPr>
+              <a:t> store </a:t>
+            </a:r>
+            <a:r>
+              <a:rPr lang="en-US" sz="2000" dirty="0" err="1">
+                <a:latin typeface="Times New Roman" panose="02020603050405020304" pitchFamily="18" charset="0"/>
+                <a:cs typeface="Times New Roman" panose="02020603050405020304" pitchFamily="18" charset="0"/>
+              </a:rPr>
+              <a:t>Redux</a:t>
+            </a:r>
+            <a:r>
+              <a:rPr lang="en-US" sz="2000" dirty="0" smtClean="0">
+                <a:latin typeface="Times New Roman" panose="02020603050405020304" pitchFamily="18" charset="0"/>
+                <a:cs typeface="Times New Roman" panose="02020603050405020304" pitchFamily="18" charset="0"/>
+              </a:rPr>
+              <a:t>.</a:t>
+            </a:r>
+          </a:p>
+          <a:p>
+            <a:pPr lvl="1" algn="just"/>
+            <a:r>
+              <a:rPr lang="en-US" sz="2000" dirty="0" err="1">
+                <a:latin typeface="Times New Roman" panose="02020603050405020304" pitchFamily="18" charset="0"/>
+                <a:cs typeface="Times New Roman" panose="02020603050405020304" pitchFamily="18" charset="0"/>
+              </a:rPr>
+              <a:t>userSlice.actions</a:t>
+            </a:r>
+            <a:r>
+              <a:rPr lang="en-US" sz="2000" dirty="0">
+                <a:latin typeface="Times New Roman" panose="02020603050405020304" pitchFamily="18" charset="0"/>
+                <a:cs typeface="Times New Roman" panose="02020603050405020304" pitchFamily="18" charset="0"/>
+              </a:rPr>
+              <a:t>: Export </a:t>
+            </a:r>
+            <a:r>
+              <a:rPr lang="en-US" sz="2000" dirty="0" err="1">
+                <a:latin typeface="Times New Roman" panose="02020603050405020304" pitchFamily="18" charset="0"/>
+                <a:cs typeface="Times New Roman" panose="02020603050405020304" pitchFamily="18" charset="0"/>
+              </a:rPr>
+              <a:t>các</a:t>
+            </a:r>
+            <a:r>
+              <a:rPr lang="en-US" sz="2000" dirty="0">
+                <a:latin typeface="Times New Roman" panose="02020603050405020304" pitchFamily="18" charset="0"/>
+                <a:cs typeface="Times New Roman" panose="02020603050405020304" pitchFamily="18" charset="0"/>
+              </a:rPr>
+              <a:t> actions </a:t>
+            </a:r>
+            <a:r>
+              <a:rPr lang="en-US" sz="2000" dirty="0" err="1">
+                <a:latin typeface="Times New Roman" panose="02020603050405020304" pitchFamily="18" charset="0"/>
+                <a:cs typeface="Times New Roman" panose="02020603050405020304" pitchFamily="18" charset="0"/>
+              </a:rPr>
+              <a:t>của</a:t>
+            </a:r>
+            <a:r>
+              <a:rPr lang="en-US" sz="2000" dirty="0">
+                <a:latin typeface="Times New Roman" panose="02020603050405020304" pitchFamily="18" charset="0"/>
+                <a:cs typeface="Times New Roman" panose="02020603050405020304" pitchFamily="18" charset="0"/>
+              </a:rPr>
+              <a:t> Slice </a:t>
+            </a:r>
+            <a:r>
+              <a:rPr lang="en-US" sz="2000" dirty="0" err="1">
+                <a:latin typeface="Times New Roman" panose="02020603050405020304" pitchFamily="18" charset="0"/>
+                <a:cs typeface="Times New Roman" panose="02020603050405020304" pitchFamily="18" charset="0"/>
+              </a:rPr>
+              <a:t>để</a:t>
+            </a:r>
+            <a:r>
+              <a:rPr lang="en-US" sz="2000" dirty="0">
+                <a:latin typeface="Times New Roman" panose="02020603050405020304" pitchFamily="18" charset="0"/>
+                <a:cs typeface="Times New Roman" panose="02020603050405020304" pitchFamily="18" charset="0"/>
+              </a:rPr>
+              <a:t> </a:t>
+            </a:r>
+            <a:r>
+              <a:rPr lang="en-US" sz="2000" dirty="0" err="1">
+                <a:latin typeface="Times New Roman" panose="02020603050405020304" pitchFamily="18" charset="0"/>
+                <a:cs typeface="Times New Roman" panose="02020603050405020304" pitchFamily="18" charset="0"/>
+              </a:rPr>
+              <a:t>sử</a:t>
+            </a:r>
+            <a:r>
+              <a:rPr lang="en-US" sz="2000" dirty="0">
+                <a:latin typeface="Times New Roman" panose="02020603050405020304" pitchFamily="18" charset="0"/>
+                <a:cs typeface="Times New Roman" panose="02020603050405020304" pitchFamily="18" charset="0"/>
+              </a:rPr>
+              <a:t> </a:t>
+            </a:r>
+            <a:r>
+              <a:rPr lang="en-US" sz="2000" dirty="0" err="1">
+                <a:latin typeface="Times New Roman" panose="02020603050405020304" pitchFamily="18" charset="0"/>
+                <a:cs typeface="Times New Roman" panose="02020603050405020304" pitchFamily="18" charset="0"/>
+              </a:rPr>
+              <a:t>dụng</a:t>
+            </a:r>
+            <a:r>
+              <a:rPr lang="en-US" sz="2000" dirty="0">
+                <a:latin typeface="Times New Roman" panose="02020603050405020304" pitchFamily="18" charset="0"/>
+                <a:cs typeface="Times New Roman" panose="02020603050405020304" pitchFamily="18" charset="0"/>
+              </a:rPr>
+              <a:t> </a:t>
+            </a:r>
+            <a:r>
+              <a:rPr lang="en-US" sz="2000" dirty="0" err="1">
+                <a:latin typeface="Times New Roman" panose="02020603050405020304" pitchFamily="18" charset="0"/>
+                <a:cs typeface="Times New Roman" panose="02020603050405020304" pitchFamily="18" charset="0"/>
+              </a:rPr>
+              <a:t>trong</a:t>
+            </a:r>
+            <a:r>
+              <a:rPr lang="en-US" sz="2000" dirty="0">
+                <a:latin typeface="Times New Roman" panose="02020603050405020304" pitchFamily="18" charset="0"/>
+                <a:cs typeface="Times New Roman" panose="02020603050405020304" pitchFamily="18" charset="0"/>
+              </a:rPr>
+              <a:t> </a:t>
+            </a:r>
+            <a:r>
+              <a:rPr lang="en-US" sz="2000" dirty="0" err="1">
+                <a:latin typeface="Times New Roman" panose="02020603050405020304" pitchFamily="18" charset="0"/>
+                <a:cs typeface="Times New Roman" panose="02020603050405020304" pitchFamily="18" charset="0"/>
+              </a:rPr>
+              <a:t>các</a:t>
+            </a:r>
+            <a:r>
+              <a:rPr lang="en-US" sz="2000" dirty="0">
+                <a:latin typeface="Times New Roman" panose="02020603050405020304" pitchFamily="18" charset="0"/>
+                <a:cs typeface="Times New Roman" panose="02020603050405020304" pitchFamily="18" charset="0"/>
+              </a:rPr>
+              <a:t> components React </a:t>
+            </a:r>
+            <a:r>
+              <a:rPr lang="en-US" sz="2000" dirty="0" err="1">
+                <a:latin typeface="Times New Roman" panose="02020603050405020304" pitchFamily="18" charset="0"/>
+                <a:cs typeface="Times New Roman" panose="02020603050405020304" pitchFamily="18" charset="0"/>
+              </a:rPr>
+              <a:t>để</a:t>
+            </a:r>
+            <a:r>
+              <a:rPr lang="en-US" sz="2000" dirty="0">
+                <a:latin typeface="Times New Roman" panose="02020603050405020304" pitchFamily="18" charset="0"/>
+                <a:cs typeface="Times New Roman" panose="02020603050405020304" pitchFamily="18" charset="0"/>
+              </a:rPr>
+              <a:t> dispatch </a:t>
+            </a:r>
+            <a:r>
+              <a:rPr lang="en-US" sz="2000" dirty="0" err="1">
+                <a:latin typeface="Times New Roman" panose="02020603050405020304" pitchFamily="18" charset="0"/>
+                <a:cs typeface="Times New Roman" panose="02020603050405020304" pitchFamily="18" charset="0"/>
+              </a:rPr>
+              <a:t>các</a:t>
+            </a:r>
+            <a:r>
+              <a:rPr lang="en-US" sz="2000" dirty="0">
+                <a:latin typeface="Times New Roman" panose="02020603050405020304" pitchFamily="18" charset="0"/>
+                <a:cs typeface="Times New Roman" panose="02020603050405020304" pitchFamily="18" charset="0"/>
+              </a:rPr>
+              <a:t> actions </a:t>
+            </a:r>
+            <a:r>
+              <a:rPr lang="en-US" sz="2000" dirty="0" err="1">
+                <a:latin typeface="Times New Roman" panose="02020603050405020304" pitchFamily="18" charset="0"/>
+                <a:cs typeface="Times New Roman" panose="02020603050405020304" pitchFamily="18" charset="0"/>
+              </a:rPr>
+              <a:t>và</a:t>
+            </a:r>
+            <a:r>
+              <a:rPr lang="en-US" sz="2000" dirty="0">
+                <a:latin typeface="Times New Roman" panose="02020603050405020304" pitchFamily="18" charset="0"/>
+                <a:cs typeface="Times New Roman" panose="02020603050405020304" pitchFamily="18" charset="0"/>
+              </a:rPr>
+              <a:t> </a:t>
+            </a:r>
+            <a:r>
+              <a:rPr lang="en-US" sz="2000" dirty="0" err="1">
+                <a:latin typeface="Times New Roman" panose="02020603050405020304" pitchFamily="18" charset="0"/>
+                <a:cs typeface="Times New Roman" panose="02020603050405020304" pitchFamily="18" charset="0"/>
+              </a:rPr>
+              <a:t>cập</a:t>
+            </a:r>
+            <a:r>
+              <a:rPr lang="en-US" sz="2000" dirty="0">
+                <a:latin typeface="Times New Roman" panose="02020603050405020304" pitchFamily="18" charset="0"/>
+                <a:cs typeface="Times New Roman" panose="02020603050405020304" pitchFamily="18" charset="0"/>
+              </a:rPr>
+              <a:t> </a:t>
+            </a:r>
+            <a:r>
+              <a:rPr lang="en-US" sz="2000" dirty="0" err="1">
+                <a:latin typeface="Times New Roman" panose="02020603050405020304" pitchFamily="18" charset="0"/>
+                <a:cs typeface="Times New Roman" panose="02020603050405020304" pitchFamily="18" charset="0"/>
+              </a:rPr>
+              <a:t>nhật</a:t>
+            </a:r>
+            <a:r>
+              <a:rPr lang="en-US" sz="2000" dirty="0">
+                <a:latin typeface="Times New Roman" panose="02020603050405020304" pitchFamily="18" charset="0"/>
+                <a:cs typeface="Times New Roman" panose="02020603050405020304" pitchFamily="18" charset="0"/>
+              </a:rPr>
+              <a:t> state</a:t>
+            </a:r>
+            <a:r>
+              <a:rPr lang="en-US" sz="2000" dirty="0" smtClean="0">
+                <a:latin typeface="Times New Roman" panose="02020603050405020304" pitchFamily="18" charset="0"/>
+                <a:cs typeface="Times New Roman" panose="02020603050405020304" pitchFamily="18" charset="0"/>
+              </a:rPr>
+              <a:t>.</a:t>
+            </a:r>
+          </a:p>
+        </p:txBody>
+      </p:sp>
+    </p:spTree>
+    <p:extLst>
+      <p:ext uri="{BB962C8B-B14F-4D97-AF65-F5344CB8AC3E}">
+        <p14:creationId xmlns:p14="http://schemas.microsoft.com/office/powerpoint/2010/main" val="2559931368"/>
+      </p:ext>
+    </p:extLst>
+  </p:cSld>
+  <p:clrMapOvr>
+    <a:masterClrMapping/>
+  </p:clrMapOvr>
+  <p:timing>
+    <p:tnLst>
+      <p:par>
+        <p:cTn id="1" dur="indefinite" restart="never" nodeType="tmRoot"/>
+      </p:par>
+    </p:tnLst>
+  </p:timing>
+</p:sld>
+</file>
+
+<file path=ppt/slides/slide33.xml><?xml version="1.0" encoding="utf-8"?>
+<p:sld xmlns:a="http://schemas.openxmlformats.org/drawingml/2006/main" xmlns:r="http://schemas.openxmlformats.org/officeDocument/2006/relationships" xmlns:p="http://schemas.openxmlformats.org/presentationml/2006/main">
+  <p:cSld>
+    <p:spTree>
+      <p:nvGrpSpPr>
+        <p:cNvPr id="1" name=""/>
+        <p:cNvGrpSpPr/>
+        <p:nvPr/>
+      </p:nvGrpSpPr>
+      <p:grpSpPr>
+        <a:xfrm>
+          <a:off x="0" y="0"/>
+          <a:ext cx="0" cy="0"/>
+          <a:chOff x="0" y="0"/>
+          <a:chExt cx="0" cy="0"/>
+        </a:xfrm>
+      </p:grpSpPr>
+      <p:sp>
+        <p:nvSpPr>
+          <p:cNvPr id="2" name="Title 1"/>
+          <p:cNvSpPr>
+            <a:spLocks noGrp="1"/>
+          </p:cNvSpPr>
+          <p:nvPr>
+            <p:ph type="title"/>
+          </p:nvPr>
+        </p:nvSpPr>
+        <p:spPr/>
+        <p:txBody>
+          <a:bodyPr/>
+          <a:lstStyle/>
+          <a:p>
+            <a:r>
+              <a:rPr lang="en-US" dirty="0" smtClean="0">
+                <a:latin typeface="Times New Roman" panose="02020603050405020304" pitchFamily="18" charset="0"/>
+                <a:cs typeface="Times New Roman" panose="02020603050405020304" pitchFamily="18" charset="0"/>
+              </a:rPr>
+              <a:t>Router</a:t>
+            </a:r>
+            <a:endParaRPr lang="en-US" dirty="0">
+              <a:latin typeface="Times New Roman" panose="02020603050405020304" pitchFamily="18" charset="0"/>
+              <a:cs typeface="Times New Roman" panose="02020603050405020304" pitchFamily="18" charset="0"/>
+            </a:endParaRPr>
+          </a:p>
+        </p:txBody>
+      </p:sp>
+      <p:sp>
+        <p:nvSpPr>
+          <p:cNvPr id="3" name="Content Placeholder 2"/>
+          <p:cNvSpPr>
+            <a:spLocks noGrp="1"/>
+          </p:cNvSpPr>
+          <p:nvPr>
+            <p:ph idx="1"/>
+          </p:nvPr>
+        </p:nvSpPr>
+        <p:spPr/>
+        <p:txBody>
+          <a:bodyPr/>
+          <a:lstStyle/>
+          <a:p>
+            <a:pPr algn="just"/>
+            <a:r>
+              <a:rPr lang="en-US" dirty="0" smtClean="0">
+                <a:latin typeface="Times New Roman" panose="02020603050405020304" pitchFamily="18" charset="0"/>
+                <a:cs typeface="Times New Roman" panose="02020603050405020304" pitchFamily="18" charset="0"/>
+              </a:rPr>
+              <a:t>- L</a:t>
+            </a:r>
+            <a:r>
+              <a:rPr lang="vi-VN" dirty="0" smtClean="0">
+                <a:latin typeface="Times New Roman" panose="02020603050405020304" pitchFamily="18" charset="0"/>
+                <a:cs typeface="Times New Roman" panose="02020603050405020304" pitchFamily="18" charset="0"/>
+              </a:rPr>
+              <a:t>à </a:t>
+            </a:r>
+            <a:r>
+              <a:rPr lang="vi-VN" dirty="0">
+                <a:latin typeface="Times New Roman" panose="02020603050405020304" pitchFamily="18" charset="0"/>
+                <a:cs typeface="Times New Roman" panose="02020603050405020304" pitchFamily="18" charset="0"/>
+              </a:rPr>
+              <a:t>một thư viện giúp bạn xây dựng các ứng dụng React có khả năng điều hướng và xử lý nhiều trang khác nhau một cách dễ dàng. Nó cung cấp một cách đơn giản để điều hướng giữa các trang hoặc các thành phần trong ứng dụng </a:t>
+            </a:r>
+            <a:r>
+              <a:rPr lang="vi-VN" dirty="0" smtClean="0">
+                <a:latin typeface="Times New Roman" panose="02020603050405020304" pitchFamily="18" charset="0"/>
+                <a:cs typeface="Times New Roman" panose="02020603050405020304" pitchFamily="18" charset="0"/>
+              </a:rPr>
+              <a:t>React</a:t>
+            </a:r>
+            <a:endParaRPr lang="en-US" dirty="0" smtClean="0">
+              <a:latin typeface="Times New Roman" panose="02020603050405020304" pitchFamily="18" charset="0"/>
+              <a:cs typeface="Times New Roman" panose="02020603050405020304" pitchFamily="18" charset="0"/>
+            </a:endParaRPr>
+          </a:p>
+          <a:p>
+            <a:pPr algn="just"/>
+            <a:r>
+              <a:rPr lang="en-US" dirty="0">
+                <a:latin typeface="Times New Roman" panose="02020603050405020304" pitchFamily="18" charset="0"/>
+                <a:cs typeface="Times New Roman" panose="02020603050405020304" pitchFamily="18" charset="0"/>
+              </a:rPr>
+              <a:t>- </a:t>
+            </a:r>
+            <a:r>
+              <a:rPr lang="en-US" dirty="0" err="1">
+                <a:solidFill>
+                  <a:srgbClr val="FF0000"/>
+                </a:solidFill>
+                <a:latin typeface="Times New Roman" panose="02020603050405020304" pitchFamily="18" charset="0"/>
+                <a:cs typeface="Times New Roman" panose="02020603050405020304" pitchFamily="18" charset="0"/>
+              </a:rPr>
+              <a:t>npm</a:t>
+            </a:r>
+            <a:r>
+              <a:rPr lang="en-US" dirty="0">
+                <a:solidFill>
+                  <a:srgbClr val="FF0000"/>
+                </a:solidFill>
+                <a:latin typeface="Times New Roman" panose="02020603050405020304" pitchFamily="18" charset="0"/>
+                <a:cs typeface="Times New Roman" panose="02020603050405020304" pitchFamily="18" charset="0"/>
+              </a:rPr>
+              <a:t> install </a:t>
+            </a:r>
+            <a:r>
+              <a:rPr lang="en-US" dirty="0" smtClean="0">
+                <a:solidFill>
+                  <a:srgbClr val="FF0000"/>
+                </a:solidFill>
+                <a:latin typeface="Times New Roman" panose="02020603050405020304" pitchFamily="18" charset="0"/>
+                <a:cs typeface="Times New Roman" panose="02020603050405020304" pitchFamily="18" charset="0"/>
+              </a:rPr>
+              <a:t>react-router-</a:t>
+            </a:r>
+            <a:r>
+              <a:rPr lang="en-US" dirty="0" err="1" smtClean="0">
+                <a:solidFill>
+                  <a:srgbClr val="FF0000"/>
+                </a:solidFill>
+                <a:latin typeface="Times New Roman" panose="02020603050405020304" pitchFamily="18" charset="0"/>
+                <a:cs typeface="Times New Roman" panose="02020603050405020304" pitchFamily="18" charset="0"/>
+              </a:rPr>
+              <a:t>dom</a:t>
+            </a:r>
+            <a:endParaRPr lang="en-US" dirty="0">
+              <a:solidFill>
+                <a:srgbClr val="FF0000"/>
+              </a:solidFill>
+              <a:latin typeface="Times New Roman" panose="02020603050405020304" pitchFamily="18" charset="0"/>
+              <a:cs typeface="Times New Roman" panose="02020603050405020304" pitchFamily="18" charset="0"/>
+            </a:endParaRPr>
+          </a:p>
+          <a:p>
+            <a:pPr algn="just"/>
+            <a:r>
+              <a:rPr lang="en-US" dirty="0" smtClean="0">
+                <a:solidFill>
+                  <a:schemeClr val="tx1"/>
+                </a:solidFill>
+                <a:latin typeface="Times New Roman" panose="02020603050405020304" pitchFamily="18" charset="0"/>
+                <a:cs typeface="Times New Roman" panose="02020603050405020304" pitchFamily="18" charset="0"/>
+              </a:rPr>
+              <a:t>- </a:t>
+            </a:r>
+            <a:r>
+              <a:rPr lang="vi-VN" dirty="0">
+                <a:latin typeface="Times New Roman" panose="02020603050405020304" pitchFamily="18" charset="0"/>
+                <a:cs typeface="Times New Roman" panose="02020603050405020304" pitchFamily="18" charset="0"/>
+              </a:rPr>
+              <a:t>BrowserRouter: Được sử dụng để bao bọc toàn bộ ứng dụng của bạn, cung cấp khả năng điều </a:t>
+            </a:r>
+            <a:r>
+              <a:rPr lang="vi-VN" dirty="0" smtClean="0">
+                <a:latin typeface="Times New Roman" panose="02020603050405020304" pitchFamily="18" charset="0"/>
+                <a:cs typeface="Times New Roman" panose="02020603050405020304" pitchFamily="18" charset="0"/>
+              </a:rPr>
+              <a:t>hướng</a:t>
+            </a:r>
+            <a:endParaRPr lang="en-US" dirty="0" smtClean="0">
+              <a:latin typeface="Times New Roman" panose="02020603050405020304" pitchFamily="18" charset="0"/>
+              <a:cs typeface="Times New Roman" panose="02020603050405020304" pitchFamily="18" charset="0"/>
+            </a:endParaRPr>
+          </a:p>
+          <a:p>
+            <a:pPr algn="just"/>
+            <a:r>
+              <a:rPr lang="en-US" dirty="0" smtClean="0">
+                <a:solidFill>
+                  <a:schemeClr val="tx1"/>
+                </a:solidFill>
+                <a:latin typeface="Times New Roman" panose="02020603050405020304" pitchFamily="18" charset="0"/>
+                <a:cs typeface="Times New Roman" panose="02020603050405020304" pitchFamily="18" charset="0"/>
+              </a:rPr>
+              <a:t>- </a:t>
+            </a:r>
+            <a:r>
+              <a:rPr lang="vi-VN" dirty="0">
+                <a:latin typeface="Times New Roman" panose="02020603050405020304" pitchFamily="18" charset="0"/>
+                <a:cs typeface="Times New Roman" panose="02020603050405020304" pitchFamily="18" charset="0"/>
+              </a:rPr>
+              <a:t>Routes và Route: Được sử dụng để định nghĩa các tuyến đường và các thành phần tương ứng</a:t>
+            </a:r>
+            <a:r>
+              <a:rPr lang="vi-VN" dirty="0" smtClean="0">
+                <a:latin typeface="Times New Roman" panose="02020603050405020304" pitchFamily="18" charset="0"/>
+                <a:cs typeface="Times New Roman" panose="02020603050405020304" pitchFamily="18" charset="0"/>
+              </a:rPr>
+              <a:t>.</a:t>
+            </a:r>
+            <a:endParaRPr lang="en-US" dirty="0" smtClean="0">
+              <a:latin typeface="Times New Roman" panose="02020603050405020304" pitchFamily="18" charset="0"/>
+              <a:cs typeface="Times New Roman" panose="02020603050405020304" pitchFamily="18" charset="0"/>
+            </a:endParaRPr>
+          </a:p>
+          <a:p>
+            <a:pPr algn="just"/>
+            <a:r>
+              <a:rPr lang="en-US" dirty="0" smtClean="0">
+                <a:solidFill>
+                  <a:schemeClr val="tx1"/>
+                </a:solidFill>
+                <a:latin typeface="Times New Roman" panose="02020603050405020304" pitchFamily="18" charset="0"/>
+                <a:cs typeface="Times New Roman" panose="02020603050405020304" pitchFamily="18" charset="0"/>
+              </a:rPr>
+              <a:t>- </a:t>
+            </a:r>
+            <a:r>
+              <a:rPr lang="vi-VN" dirty="0">
+                <a:latin typeface="Times New Roman" panose="02020603050405020304" pitchFamily="18" charset="0"/>
+                <a:cs typeface="Times New Roman" panose="02020603050405020304" pitchFamily="18" charset="0"/>
+              </a:rPr>
+              <a:t>Link: Được sử dụng để tạo các liên kết điều hướng giữa các trang</a:t>
+            </a:r>
+            <a:endParaRPr lang="en-US" dirty="0" smtClean="0">
+              <a:solidFill>
+                <a:schemeClr val="tx1"/>
+              </a:solidFill>
+              <a:latin typeface="Times New Roman" panose="02020603050405020304" pitchFamily="18" charset="0"/>
+              <a:cs typeface="Times New Roman" panose="02020603050405020304" pitchFamily="18" charset="0"/>
+            </a:endParaRPr>
+          </a:p>
+        </p:txBody>
+      </p:sp>
+    </p:spTree>
+    <p:extLst>
+      <p:ext uri="{BB962C8B-B14F-4D97-AF65-F5344CB8AC3E}">
+        <p14:creationId xmlns:p14="http://schemas.microsoft.com/office/powerpoint/2010/main" val="3375716066"/>
+      </p:ext>
+    </p:extLst>
+  </p:cSld>
+  <p:clrMapOvr>
+    <a:masterClrMapping/>
+  </p:clrMapOvr>
+  <p:timing>
+    <p:tnLst>
+      <p:par>
+        <p:cTn id="1" dur="indefinite" restart="never" nodeType="tmRoot"/>
+      </p:par>
+    </p:tnLst>
+  </p:timing>
+</p:sld>
+</file>
+
+<file path=ppt/slides/slide34.xml><?xml version="1.0" encoding="utf-8"?>
+<p:sld xmlns:a="http://schemas.openxmlformats.org/drawingml/2006/main" xmlns:r="http://schemas.openxmlformats.org/officeDocument/2006/relationships" xmlns:p="http://schemas.openxmlformats.org/presentationml/2006/main">
+  <p:cSld>
+    <p:spTree>
+      <p:nvGrpSpPr>
+        <p:cNvPr id="1" name=""/>
+        <p:cNvGrpSpPr/>
+        <p:nvPr/>
+      </p:nvGrpSpPr>
+      <p:grpSpPr>
+        <a:xfrm>
+          <a:off x="0" y="0"/>
+          <a:ext cx="0" cy="0"/>
+          <a:chOff x="0" y="0"/>
+          <a:chExt cx="0" cy="0"/>
+        </a:xfrm>
+      </p:grpSpPr>
+      <p:sp>
+        <p:nvSpPr>
+          <p:cNvPr id="2" name="Title 1"/>
+          <p:cNvSpPr>
+            <a:spLocks noGrp="1"/>
+          </p:cNvSpPr>
+          <p:nvPr>
+            <p:ph type="title"/>
+          </p:nvPr>
+        </p:nvSpPr>
+        <p:spPr/>
+        <p:txBody>
+          <a:bodyPr/>
+          <a:lstStyle/>
+          <a:p>
+            <a:r>
+              <a:rPr lang="en-US" dirty="0" smtClean="0">
+                <a:latin typeface="Times New Roman" panose="02020603050405020304" pitchFamily="18" charset="0"/>
+                <a:cs typeface="Times New Roman" panose="02020603050405020304" pitchFamily="18" charset="0"/>
+              </a:rPr>
+              <a:t>Router</a:t>
+            </a:r>
+            <a:endParaRPr lang="en-US" dirty="0">
+              <a:latin typeface="Times New Roman" panose="02020603050405020304" pitchFamily="18" charset="0"/>
+              <a:cs typeface="Times New Roman" panose="02020603050405020304" pitchFamily="18" charset="0"/>
+            </a:endParaRPr>
+          </a:p>
+        </p:txBody>
+      </p:sp>
+      <p:sp>
+        <p:nvSpPr>
+          <p:cNvPr id="6" name="Content Placeholder 5"/>
+          <p:cNvSpPr>
+            <a:spLocks noGrp="1"/>
+          </p:cNvSpPr>
+          <p:nvPr>
+            <p:ph idx="1"/>
+          </p:nvPr>
+        </p:nvSpPr>
+        <p:spPr/>
+        <p:txBody>
+          <a:bodyPr/>
+          <a:lstStyle/>
+          <a:p>
+            <a:pPr marL="0" indent="0" algn="just">
+              <a:buNone/>
+            </a:pPr>
+            <a:r>
+              <a:rPr lang="en-US" dirty="0" smtClean="0">
+                <a:latin typeface="Times New Roman" panose="02020603050405020304" pitchFamily="18" charset="0"/>
+                <a:cs typeface="Times New Roman" panose="02020603050405020304" pitchFamily="18" charset="0"/>
+              </a:rPr>
+              <a:t>- </a:t>
+            </a:r>
+            <a:r>
+              <a:rPr lang="en-US" dirty="0" err="1" smtClean="0">
+                <a:latin typeface="Times New Roman" panose="02020603050405020304" pitchFamily="18" charset="0"/>
+                <a:cs typeface="Times New Roman" panose="02020603050405020304" pitchFamily="18" charset="0"/>
+              </a:rPr>
+              <a:t>Ví</a:t>
+            </a:r>
+            <a:r>
+              <a:rPr lang="en-US" dirty="0" smtClean="0">
+                <a:latin typeface="Times New Roman" panose="02020603050405020304" pitchFamily="18" charset="0"/>
+                <a:cs typeface="Times New Roman" panose="02020603050405020304" pitchFamily="18" charset="0"/>
+              </a:rPr>
+              <a:t> </a:t>
+            </a:r>
+            <a:r>
+              <a:rPr lang="en-US" dirty="0" err="1" smtClean="0">
+                <a:latin typeface="Times New Roman" panose="02020603050405020304" pitchFamily="18" charset="0"/>
+                <a:cs typeface="Times New Roman" panose="02020603050405020304" pitchFamily="18" charset="0"/>
+              </a:rPr>
+              <a:t>dụ</a:t>
+            </a:r>
+            <a:endParaRPr lang="en-US" dirty="0">
+              <a:latin typeface="Times New Roman" panose="02020603050405020304" pitchFamily="18" charset="0"/>
+              <a:cs typeface="Times New Roman" panose="02020603050405020304" pitchFamily="18" charset="0"/>
+            </a:endParaRPr>
+          </a:p>
+        </p:txBody>
+      </p:sp>
+      <p:pic>
+        <p:nvPicPr>
+          <p:cNvPr id="7" name="Picture 6"/>
+          <p:cNvPicPr>
+            <a:picLocks noChangeAspect="1"/>
+          </p:cNvPicPr>
+          <p:nvPr/>
+        </p:nvPicPr>
+        <p:blipFill>
+          <a:blip r:embed="rId2"/>
+          <a:stretch>
+            <a:fillRect/>
+          </a:stretch>
+        </p:blipFill>
+        <p:spPr>
+          <a:xfrm>
+            <a:off x="6821805" y="884325"/>
+            <a:ext cx="4333875" cy="5324475"/>
+          </a:xfrm>
+          <a:prstGeom prst="rect">
+            <a:avLst/>
+          </a:prstGeom>
+        </p:spPr>
+      </p:pic>
+      <p:pic>
+        <p:nvPicPr>
+          <p:cNvPr id="8" name="Picture 7"/>
+          <p:cNvPicPr>
+            <a:picLocks noChangeAspect="1"/>
+          </p:cNvPicPr>
+          <p:nvPr/>
+        </p:nvPicPr>
+        <p:blipFill>
+          <a:blip r:embed="rId3"/>
+          <a:stretch>
+            <a:fillRect/>
+          </a:stretch>
+        </p:blipFill>
+        <p:spPr>
+          <a:xfrm>
+            <a:off x="1097280" y="2484526"/>
+            <a:ext cx="3743325" cy="2124075"/>
+          </a:xfrm>
+          <a:prstGeom prst="rect">
+            <a:avLst/>
+          </a:prstGeom>
+        </p:spPr>
+      </p:pic>
+    </p:spTree>
+    <p:extLst>
+      <p:ext uri="{BB962C8B-B14F-4D97-AF65-F5344CB8AC3E}">
+        <p14:creationId xmlns:p14="http://schemas.microsoft.com/office/powerpoint/2010/main" val="3500975969"/>
+      </p:ext>
+    </p:extLst>
+  </p:cSld>
+  <p:clrMapOvr>
+    <a:masterClrMapping/>
+  </p:clrMapOvr>
+  <p:timing>
+    <p:tnLst>
+      <p:par>
+        <p:cTn id="1" dur="indefinite" restart="never" nodeType="tmRoot"/>
+      </p:par>
+    </p:tnLst>
+  </p:timing>
+</p:sld>
+</file>
+
+<file path=ppt/slides/slide35.xml><?xml version="1.0" encoding="utf-8"?>
+<p:sld xmlns:a="http://schemas.openxmlformats.org/drawingml/2006/main" xmlns:r="http://schemas.openxmlformats.org/officeDocument/2006/relationships" xmlns:p="http://schemas.openxmlformats.org/presentationml/2006/main">
+  <p:cSld>
+    <p:spTree>
+      <p:nvGrpSpPr>
+        <p:cNvPr id="1" name=""/>
+        <p:cNvGrpSpPr/>
+        <p:nvPr/>
+      </p:nvGrpSpPr>
+      <p:grpSpPr>
+        <a:xfrm>
+          <a:off x="0" y="0"/>
+          <a:ext cx="0" cy="0"/>
+          <a:chOff x="0" y="0"/>
+          <a:chExt cx="0" cy="0"/>
+        </a:xfrm>
+      </p:grpSpPr>
+      <p:sp>
+        <p:nvSpPr>
+          <p:cNvPr id="2" name="Title 1"/>
+          <p:cNvSpPr>
+            <a:spLocks noGrp="1"/>
+          </p:cNvSpPr>
+          <p:nvPr>
+            <p:ph type="title"/>
+          </p:nvPr>
+        </p:nvSpPr>
+        <p:spPr/>
+        <p:txBody>
+          <a:bodyPr/>
+          <a:lstStyle/>
+          <a:p>
+            <a:r>
+              <a:rPr lang="en-US" dirty="0" smtClean="0">
+                <a:latin typeface="Times New Roman" panose="02020603050405020304" pitchFamily="18" charset="0"/>
+                <a:cs typeface="Times New Roman" panose="02020603050405020304" pitchFamily="18" charset="0"/>
+              </a:rPr>
+              <a:t>Router</a:t>
+            </a:r>
+            <a:endParaRPr lang="en-US" dirty="0">
+              <a:latin typeface="Times New Roman" panose="02020603050405020304" pitchFamily="18" charset="0"/>
+              <a:cs typeface="Times New Roman" panose="02020603050405020304" pitchFamily="18" charset="0"/>
+            </a:endParaRPr>
+          </a:p>
+        </p:txBody>
+      </p:sp>
+      <p:sp>
+        <p:nvSpPr>
+          <p:cNvPr id="3" name="Content Placeholder 2"/>
+          <p:cNvSpPr>
+            <a:spLocks noGrp="1"/>
+          </p:cNvSpPr>
+          <p:nvPr>
+            <p:ph idx="1"/>
+          </p:nvPr>
+        </p:nvSpPr>
+        <p:spPr/>
+        <p:txBody>
+          <a:bodyPr>
+            <a:normAutofit/>
+          </a:bodyPr>
+          <a:lstStyle/>
+          <a:p>
+            <a:pPr algn="just"/>
+            <a:r>
+              <a:rPr lang="en-US" dirty="0">
+                <a:latin typeface="Times New Roman" panose="02020603050405020304" pitchFamily="18" charset="0"/>
+                <a:cs typeface="Times New Roman" panose="02020603050405020304" pitchFamily="18" charset="0"/>
+              </a:rPr>
+              <a:t>- </a:t>
+            </a:r>
+            <a:r>
+              <a:rPr lang="en-US" dirty="0" err="1" smtClean="0">
+                <a:latin typeface="Times New Roman" panose="02020603050405020304" pitchFamily="18" charset="0"/>
+                <a:cs typeface="Times New Roman" panose="02020603050405020304" pitchFamily="18" charset="0"/>
+              </a:rPr>
+              <a:t>useNavigate</a:t>
+            </a:r>
+            <a:r>
+              <a:rPr lang="en-US" dirty="0" smtClean="0">
+                <a:latin typeface="Times New Roman" panose="02020603050405020304" pitchFamily="18" charset="0"/>
+                <a:cs typeface="Times New Roman" panose="02020603050405020304" pitchFamily="18" charset="0"/>
+              </a:rPr>
+              <a:t>: </a:t>
+            </a:r>
+            <a:r>
+              <a:rPr lang="vi-VN" dirty="0">
+                <a:latin typeface="Times New Roman" panose="02020603050405020304" pitchFamily="18" charset="0"/>
+                <a:cs typeface="Times New Roman" panose="02020603050405020304" pitchFamily="18" charset="0"/>
+              </a:rPr>
+              <a:t>được sử dụng để thực hiện điều hướng chương trình </a:t>
+            </a:r>
+            <a:r>
+              <a:rPr lang="vi-VN" dirty="0" smtClean="0">
+                <a:latin typeface="Times New Roman" panose="02020603050405020304" pitchFamily="18" charset="0"/>
+                <a:cs typeface="Times New Roman" panose="02020603050405020304" pitchFamily="18" charset="0"/>
+              </a:rPr>
+              <a:t>trong </a:t>
+            </a:r>
+            <a:r>
+              <a:rPr lang="vi-VN" dirty="0">
+                <a:latin typeface="Times New Roman" panose="02020603050405020304" pitchFamily="18" charset="0"/>
+                <a:cs typeface="Times New Roman" panose="02020603050405020304" pitchFamily="18" charset="0"/>
+              </a:rPr>
+              <a:t>ứng dụng. </a:t>
+            </a:r>
+            <a:r>
+              <a:rPr lang="en-US" dirty="0">
+                <a:latin typeface="Times New Roman" panose="02020603050405020304" pitchFamily="18" charset="0"/>
+                <a:cs typeface="Times New Roman" panose="02020603050405020304" pitchFamily="18" charset="0"/>
+              </a:rPr>
+              <a:t>C</a:t>
+            </a:r>
+            <a:r>
+              <a:rPr lang="vi-VN" dirty="0" smtClean="0">
+                <a:latin typeface="Times New Roman" panose="02020603050405020304" pitchFamily="18" charset="0"/>
+                <a:cs typeface="Times New Roman" panose="02020603050405020304" pitchFamily="18" charset="0"/>
+              </a:rPr>
+              <a:t>ó </a:t>
+            </a:r>
+            <a:r>
+              <a:rPr lang="vi-VN" dirty="0">
+                <a:latin typeface="Times New Roman" panose="02020603050405020304" pitchFamily="18" charset="0"/>
+                <a:cs typeface="Times New Roman" panose="02020603050405020304" pitchFamily="18" charset="0"/>
+              </a:rPr>
+              <a:t>thể điều hướng người dùng đến một đường dẫn khác dựa trên các sự kiện hoặc logic trong </a:t>
+            </a:r>
+            <a:r>
+              <a:rPr lang="vi-VN" dirty="0" smtClean="0">
+                <a:latin typeface="Times New Roman" panose="02020603050405020304" pitchFamily="18" charset="0"/>
+                <a:cs typeface="Times New Roman" panose="02020603050405020304" pitchFamily="18" charset="0"/>
+              </a:rPr>
+              <a:t>mã</a:t>
+            </a:r>
+            <a:r>
+              <a:rPr lang="en-US" dirty="0" smtClean="0">
+                <a:latin typeface="Times New Roman" panose="02020603050405020304" pitchFamily="18" charset="0"/>
+                <a:cs typeface="Times New Roman" panose="02020603050405020304" pitchFamily="18" charset="0"/>
+              </a:rPr>
+              <a:t>.</a:t>
+            </a:r>
+          </a:p>
+          <a:p>
+            <a:pPr algn="just"/>
+            <a:r>
+              <a:rPr lang="en-US" dirty="0">
+                <a:latin typeface="Times New Roman" panose="02020603050405020304" pitchFamily="18" charset="0"/>
+                <a:cs typeface="Times New Roman" panose="02020603050405020304" pitchFamily="18" charset="0"/>
+              </a:rPr>
+              <a:t>- </a:t>
+            </a:r>
+            <a:r>
+              <a:rPr lang="en-US" dirty="0" err="1" smtClean="0">
+                <a:latin typeface="Times New Roman" panose="02020603050405020304" pitchFamily="18" charset="0"/>
+                <a:cs typeface="Times New Roman" panose="02020603050405020304" pitchFamily="18" charset="0"/>
+              </a:rPr>
+              <a:t>useLocation</a:t>
+            </a:r>
+            <a:r>
+              <a:rPr lang="en-US" dirty="0" smtClean="0">
+                <a:latin typeface="Times New Roman" panose="02020603050405020304" pitchFamily="18" charset="0"/>
+                <a:cs typeface="Times New Roman" panose="02020603050405020304" pitchFamily="18" charset="0"/>
+              </a:rPr>
+              <a:t>: </a:t>
+            </a:r>
+            <a:r>
+              <a:rPr lang="vi-VN" dirty="0">
+                <a:latin typeface="Times New Roman" panose="02020603050405020304" pitchFamily="18" charset="0"/>
+                <a:cs typeface="Times New Roman" panose="02020603050405020304" pitchFamily="18" charset="0"/>
+              </a:rPr>
+              <a:t>trả về đối tượng location hiện tại, bao gồm thông tin về URL như pathname, search, và hash. Rất hữu ích để biết vị trí hiện tại trong ứng </a:t>
+            </a:r>
+            <a:r>
+              <a:rPr lang="vi-VN" dirty="0" smtClean="0">
+                <a:latin typeface="Times New Roman" panose="02020603050405020304" pitchFamily="18" charset="0"/>
+                <a:cs typeface="Times New Roman" panose="02020603050405020304" pitchFamily="18" charset="0"/>
+              </a:rPr>
+              <a:t>dụng</a:t>
+            </a:r>
+            <a:endParaRPr lang="en-US" dirty="0" smtClean="0">
+              <a:latin typeface="Times New Roman" panose="02020603050405020304" pitchFamily="18" charset="0"/>
+              <a:cs typeface="Times New Roman" panose="02020603050405020304" pitchFamily="18" charset="0"/>
+            </a:endParaRPr>
+          </a:p>
+          <a:p>
+            <a:pPr algn="just"/>
+            <a:r>
+              <a:rPr lang="en-US" dirty="0">
+                <a:latin typeface="Times New Roman" panose="02020603050405020304" pitchFamily="18" charset="0"/>
+                <a:cs typeface="Times New Roman" panose="02020603050405020304" pitchFamily="18" charset="0"/>
+              </a:rPr>
+              <a:t>- </a:t>
+            </a:r>
+            <a:r>
+              <a:rPr lang="en-US" dirty="0" err="1" smtClean="0">
+                <a:latin typeface="Times New Roman" panose="02020603050405020304" pitchFamily="18" charset="0"/>
+                <a:cs typeface="Times New Roman" panose="02020603050405020304" pitchFamily="18" charset="0"/>
+              </a:rPr>
+              <a:t>useParams</a:t>
+            </a:r>
+            <a:r>
+              <a:rPr lang="en-US" dirty="0" smtClean="0">
+                <a:latin typeface="Times New Roman" panose="02020603050405020304" pitchFamily="18" charset="0"/>
+                <a:cs typeface="Times New Roman" panose="02020603050405020304" pitchFamily="18" charset="0"/>
+              </a:rPr>
+              <a:t>: </a:t>
+            </a:r>
+            <a:r>
+              <a:rPr lang="vi-VN" dirty="0">
+                <a:latin typeface="Times New Roman" panose="02020603050405020304" pitchFamily="18" charset="0"/>
+                <a:cs typeface="Times New Roman" panose="02020603050405020304" pitchFamily="18" charset="0"/>
+              </a:rPr>
+              <a:t>trả về một đối tượng chứa các tham số động từ URL. Hữu ích khi bạn có các đường dẫn </a:t>
+            </a:r>
+            <a:r>
+              <a:rPr lang="vi-VN" dirty="0" smtClean="0">
+                <a:latin typeface="Times New Roman" panose="02020603050405020304" pitchFamily="18" charset="0"/>
+                <a:cs typeface="Times New Roman" panose="02020603050405020304" pitchFamily="18" charset="0"/>
+              </a:rPr>
+              <a:t>động</a:t>
+            </a:r>
+            <a:endParaRPr lang="en-US" dirty="0" smtClean="0">
+              <a:latin typeface="Times New Roman" panose="02020603050405020304" pitchFamily="18" charset="0"/>
+              <a:cs typeface="Times New Roman" panose="02020603050405020304" pitchFamily="18" charset="0"/>
+            </a:endParaRPr>
+          </a:p>
+          <a:p>
+            <a:pPr algn="just"/>
+            <a:r>
+              <a:rPr lang="en-US" dirty="0">
+                <a:latin typeface="Times New Roman" panose="02020603050405020304" pitchFamily="18" charset="0"/>
+                <a:cs typeface="Times New Roman" panose="02020603050405020304" pitchFamily="18" charset="0"/>
+              </a:rPr>
+              <a:t>- </a:t>
+            </a:r>
+            <a:r>
+              <a:rPr lang="en-US" dirty="0" err="1" smtClean="0">
+                <a:latin typeface="Times New Roman" panose="02020603050405020304" pitchFamily="18" charset="0"/>
+                <a:cs typeface="Times New Roman" panose="02020603050405020304" pitchFamily="18" charset="0"/>
+              </a:rPr>
+              <a:t>useRoutes</a:t>
+            </a:r>
+            <a:r>
+              <a:rPr lang="en-US" dirty="0" smtClean="0">
+                <a:latin typeface="Times New Roman" panose="02020603050405020304" pitchFamily="18" charset="0"/>
+                <a:cs typeface="Times New Roman" panose="02020603050405020304" pitchFamily="18" charset="0"/>
+              </a:rPr>
+              <a:t>: </a:t>
+            </a:r>
+            <a:r>
+              <a:rPr lang="vi-VN" dirty="0">
+                <a:latin typeface="Times New Roman" panose="02020603050405020304" pitchFamily="18" charset="0"/>
+                <a:cs typeface="Times New Roman" panose="02020603050405020304" pitchFamily="18" charset="0"/>
+              </a:rPr>
+              <a:t>được sử dụng để định nghĩa và xử lý các tuyến đường trong ứng dụng React. Nó giúp bạn tạo một cấu trúc routing phức tạp một cách dễ </a:t>
+            </a:r>
+            <a:r>
+              <a:rPr lang="vi-VN" dirty="0" smtClean="0">
+                <a:latin typeface="Times New Roman" panose="02020603050405020304" pitchFamily="18" charset="0"/>
+                <a:cs typeface="Times New Roman" panose="02020603050405020304" pitchFamily="18" charset="0"/>
+              </a:rPr>
+              <a:t>dàng</a:t>
+            </a:r>
+            <a:endParaRPr lang="en-US" dirty="0" smtClean="0">
+              <a:latin typeface="Times New Roman" panose="02020603050405020304" pitchFamily="18" charset="0"/>
+              <a:cs typeface="Times New Roman" panose="02020603050405020304" pitchFamily="18" charset="0"/>
+            </a:endParaRPr>
+          </a:p>
+        </p:txBody>
+      </p:sp>
+    </p:spTree>
+    <p:extLst>
+      <p:ext uri="{BB962C8B-B14F-4D97-AF65-F5344CB8AC3E}">
+        <p14:creationId xmlns:p14="http://schemas.microsoft.com/office/powerpoint/2010/main" val="630310870"/>
+      </p:ext>
+    </p:extLst>
+  </p:cSld>
+  <p:clrMapOvr>
+    <a:masterClrMapping/>
+  </p:clrMapOvr>
+  <p:timing>
+    <p:tnLst>
+      <p:par>
+        <p:cTn id="1" dur="indefinite" restart="never" nodeType="tmRoot"/>
+      </p:par>
+    </p:tnLst>
+  </p:timing>
+</p:sld>
+</file>
+
+<file path=ppt/slides/slide36.xml><?xml version="1.0" encoding="utf-8"?>
+<p:sld xmlns:a="http://schemas.openxmlformats.org/drawingml/2006/main" xmlns:r="http://schemas.openxmlformats.org/officeDocument/2006/relationships" xmlns:p="http://schemas.openxmlformats.org/presentationml/2006/main">
+  <p:cSld>
+    <p:spTree>
+      <p:nvGrpSpPr>
+        <p:cNvPr id="1" name=""/>
+        <p:cNvGrpSpPr/>
+        <p:nvPr/>
+      </p:nvGrpSpPr>
+      <p:grpSpPr>
+        <a:xfrm>
+          <a:off x="0" y="0"/>
+          <a:ext cx="0" cy="0"/>
+          <a:chOff x="0" y="0"/>
+          <a:chExt cx="0" cy="0"/>
+        </a:xfrm>
+      </p:grpSpPr>
+      <p:sp>
+        <p:nvSpPr>
+          <p:cNvPr id="2" name="Title 1"/>
+          <p:cNvSpPr>
+            <a:spLocks noGrp="1"/>
+          </p:cNvSpPr>
+          <p:nvPr>
+            <p:ph type="title"/>
+          </p:nvPr>
+        </p:nvSpPr>
+        <p:spPr/>
+        <p:txBody>
+          <a:bodyPr/>
+          <a:lstStyle/>
+          <a:p>
+            <a:r>
+              <a:rPr lang="en-US" dirty="0" smtClean="0">
+                <a:latin typeface="Times New Roman" panose="02020603050405020304" pitchFamily="18" charset="0"/>
+                <a:cs typeface="Times New Roman" panose="02020603050405020304" pitchFamily="18" charset="0"/>
+              </a:rPr>
+              <a:t>Router</a:t>
+            </a:r>
+            <a:endParaRPr lang="en-US" dirty="0">
+              <a:latin typeface="Times New Roman" panose="02020603050405020304" pitchFamily="18" charset="0"/>
+              <a:cs typeface="Times New Roman" panose="02020603050405020304" pitchFamily="18" charset="0"/>
+            </a:endParaRPr>
+          </a:p>
+        </p:txBody>
+      </p:sp>
+      <p:sp>
+        <p:nvSpPr>
+          <p:cNvPr id="3" name="Content Placeholder 2"/>
+          <p:cNvSpPr>
+            <a:spLocks noGrp="1"/>
+          </p:cNvSpPr>
+          <p:nvPr>
+            <p:ph idx="1"/>
+          </p:nvPr>
+        </p:nvSpPr>
+        <p:spPr/>
+        <p:txBody>
+          <a:bodyPr>
+            <a:normAutofit/>
+          </a:bodyPr>
+          <a:lstStyle/>
+          <a:p>
+            <a:pPr algn="just"/>
+            <a:r>
+              <a:rPr lang="en-US" dirty="0">
+                <a:latin typeface="Times New Roman" panose="02020603050405020304" pitchFamily="18" charset="0"/>
+                <a:cs typeface="Times New Roman" panose="02020603050405020304" pitchFamily="18" charset="0"/>
+              </a:rPr>
+              <a:t>- </a:t>
+            </a:r>
+            <a:r>
+              <a:rPr lang="en-US" dirty="0" err="1" smtClean="0">
+                <a:latin typeface="Times New Roman" panose="02020603050405020304" pitchFamily="18" charset="0"/>
+                <a:cs typeface="Times New Roman" panose="02020603050405020304" pitchFamily="18" charset="0"/>
+              </a:rPr>
+              <a:t>useSearchParams</a:t>
+            </a:r>
+            <a:r>
+              <a:rPr lang="en-US" dirty="0">
+                <a:latin typeface="Times New Roman" panose="02020603050405020304" pitchFamily="18" charset="0"/>
+                <a:cs typeface="Times New Roman" panose="02020603050405020304" pitchFamily="18" charset="0"/>
+              </a:rPr>
+              <a:t>: </a:t>
+            </a:r>
+            <a:r>
+              <a:rPr lang="en-US" dirty="0" err="1">
+                <a:latin typeface="Times New Roman" panose="02020603050405020304" pitchFamily="18" charset="0"/>
+                <a:cs typeface="Times New Roman" panose="02020603050405020304" pitchFamily="18" charset="0"/>
+              </a:rPr>
+              <a:t>cung</a:t>
+            </a:r>
+            <a:r>
+              <a:rPr lang="en-US" dirty="0">
+                <a:latin typeface="Times New Roman" panose="02020603050405020304" pitchFamily="18" charset="0"/>
+                <a:cs typeface="Times New Roman" panose="02020603050405020304" pitchFamily="18" charset="0"/>
+              </a:rPr>
+              <a:t> </a:t>
+            </a:r>
+            <a:r>
+              <a:rPr lang="en-US" dirty="0" err="1">
+                <a:latin typeface="Times New Roman" panose="02020603050405020304" pitchFamily="18" charset="0"/>
+                <a:cs typeface="Times New Roman" panose="02020603050405020304" pitchFamily="18" charset="0"/>
+              </a:rPr>
+              <a:t>cấp</a:t>
+            </a:r>
+            <a:r>
+              <a:rPr lang="en-US" dirty="0">
+                <a:latin typeface="Times New Roman" panose="02020603050405020304" pitchFamily="18" charset="0"/>
+                <a:cs typeface="Times New Roman" panose="02020603050405020304" pitchFamily="18" charset="0"/>
+              </a:rPr>
+              <a:t> </a:t>
+            </a:r>
+            <a:r>
+              <a:rPr lang="en-US" dirty="0" err="1">
+                <a:latin typeface="Times New Roman" panose="02020603050405020304" pitchFamily="18" charset="0"/>
+                <a:cs typeface="Times New Roman" panose="02020603050405020304" pitchFamily="18" charset="0"/>
+              </a:rPr>
+              <a:t>một</a:t>
+            </a:r>
+            <a:r>
+              <a:rPr lang="en-US" dirty="0">
+                <a:latin typeface="Times New Roman" panose="02020603050405020304" pitchFamily="18" charset="0"/>
+                <a:cs typeface="Times New Roman" panose="02020603050405020304" pitchFamily="18" charset="0"/>
+              </a:rPr>
+              <a:t> </a:t>
+            </a:r>
+            <a:r>
+              <a:rPr lang="en-US" dirty="0" err="1">
+                <a:latin typeface="Times New Roman" panose="02020603050405020304" pitchFamily="18" charset="0"/>
+                <a:cs typeface="Times New Roman" panose="02020603050405020304" pitchFamily="18" charset="0"/>
+              </a:rPr>
+              <a:t>cách</a:t>
+            </a:r>
+            <a:r>
+              <a:rPr lang="en-US" dirty="0">
+                <a:latin typeface="Times New Roman" panose="02020603050405020304" pitchFamily="18" charset="0"/>
+                <a:cs typeface="Times New Roman" panose="02020603050405020304" pitchFamily="18" charset="0"/>
+              </a:rPr>
+              <a:t> </a:t>
+            </a:r>
+            <a:r>
+              <a:rPr lang="en-US" dirty="0" err="1">
+                <a:latin typeface="Times New Roman" panose="02020603050405020304" pitchFamily="18" charset="0"/>
+                <a:cs typeface="Times New Roman" panose="02020603050405020304" pitchFamily="18" charset="0"/>
+              </a:rPr>
+              <a:t>dễ</a:t>
+            </a:r>
+            <a:r>
+              <a:rPr lang="en-US" dirty="0">
+                <a:latin typeface="Times New Roman" panose="02020603050405020304" pitchFamily="18" charset="0"/>
+                <a:cs typeface="Times New Roman" panose="02020603050405020304" pitchFamily="18" charset="0"/>
+              </a:rPr>
+              <a:t> </a:t>
+            </a:r>
+            <a:r>
+              <a:rPr lang="en-US" dirty="0" err="1">
+                <a:latin typeface="Times New Roman" panose="02020603050405020304" pitchFamily="18" charset="0"/>
+                <a:cs typeface="Times New Roman" panose="02020603050405020304" pitchFamily="18" charset="0"/>
+              </a:rPr>
+              <a:t>dàng</a:t>
+            </a:r>
+            <a:r>
+              <a:rPr lang="en-US" dirty="0">
+                <a:latin typeface="Times New Roman" panose="02020603050405020304" pitchFamily="18" charset="0"/>
+                <a:cs typeface="Times New Roman" panose="02020603050405020304" pitchFamily="18" charset="0"/>
+              </a:rPr>
+              <a:t> </a:t>
+            </a:r>
+            <a:r>
+              <a:rPr lang="en-US" dirty="0" err="1">
+                <a:latin typeface="Times New Roman" panose="02020603050405020304" pitchFamily="18" charset="0"/>
+                <a:cs typeface="Times New Roman" panose="02020603050405020304" pitchFamily="18" charset="0"/>
+              </a:rPr>
+              <a:t>để</a:t>
+            </a:r>
+            <a:r>
+              <a:rPr lang="en-US" dirty="0">
+                <a:latin typeface="Times New Roman" panose="02020603050405020304" pitchFamily="18" charset="0"/>
+                <a:cs typeface="Times New Roman" panose="02020603050405020304" pitchFamily="18" charset="0"/>
+              </a:rPr>
+              <a:t> </a:t>
+            </a:r>
+            <a:r>
+              <a:rPr lang="en-US" dirty="0" err="1">
+                <a:latin typeface="Times New Roman" panose="02020603050405020304" pitchFamily="18" charset="0"/>
+                <a:cs typeface="Times New Roman" panose="02020603050405020304" pitchFamily="18" charset="0"/>
+              </a:rPr>
+              <a:t>đọc</a:t>
+            </a:r>
+            <a:r>
+              <a:rPr lang="en-US" dirty="0">
+                <a:latin typeface="Times New Roman" panose="02020603050405020304" pitchFamily="18" charset="0"/>
+                <a:cs typeface="Times New Roman" panose="02020603050405020304" pitchFamily="18" charset="0"/>
+              </a:rPr>
+              <a:t> </a:t>
+            </a:r>
+            <a:r>
+              <a:rPr lang="en-US" dirty="0" err="1">
+                <a:latin typeface="Times New Roman" panose="02020603050405020304" pitchFamily="18" charset="0"/>
+                <a:cs typeface="Times New Roman" panose="02020603050405020304" pitchFamily="18" charset="0"/>
+              </a:rPr>
+              <a:t>và</a:t>
+            </a:r>
+            <a:r>
+              <a:rPr lang="en-US" dirty="0">
+                <a:latin typeface="Times New Roman" panose="02020603050405020304" pitchFamily="18" charset="0"/>
+                <a:cs typeface="Times New Roman" panose="02020603050405020304" pitchFamily="18" charset="0"/>
+              </a:rPr>
+              <a:t> </a:t>
+            </a:r>
+            <a:r>
+              <a:rPr lang="en-US" dirty="0" err="1">
+                <a:latin typeface="Times New Roman" panose="02020603050405020304" pitchFamily="18" charset="0"/>
+                <a:cs typeface="Times New Roman" panose="02020603050405020304" pitchFamily="18" charset="0"/>
+              </a:rPr>
+              <a:t>chỉnh</a:t>
+            </a:r>
+            <a:r>
+              <a:rPr lang="en-US" dirty="0">
+                <a:latin typeface="Times New Roman" panose="02020603050405020304" pitchFamily="18" charset="0"/>
+                <a:cs typeface="Times New Roman" panose="02020603050405020304" pitchFamily="18" charset="0"/>
+              </a:rPr>
+              <a:t> </a:t>
+            </a:r>
+            <a:r>
+              <a:rPr lang="en-US" dirty="0" err="1">
+                <a:latin typeface="Times New Roman" panose="02020603050405020304" pitchFamily="18" charset="0"/>
+                <a:cs typeface="Times New Roman" panose="02020603050405020304" pitchFamily="18" charset="0"/>
+              </a:rPr>
+              <a:t>sửa</a:t>
+            </a:r>
+            <a:r>
+              <a:rPr lang="en-US" dirty="0">
+                <a:latin typeface="Times New Roman" panose="02020603050405020304" pitchFamily="18" charset="0"/>
+                <a:cs typeface="Times New Roman" panose="02020603050405020304" pitchFamily="18" charset="0"/>
+              </a:rPr>
+              <a:t> </a:t>
+            </a:r>
+            <a:r>
+              <a:rPr lang="en-US" dirty="0" err="1">
+                <a:latin typeface="Times New Roman" panose="02020603050405020304" pitchFamily="18" charset="0"/>
+                <a:cs typeface="Times New Roman" panose="02020603050405020304" pitchFamily="18" charset="0"/>
+              </a:rPr>
+              <a:t>các</a:t>
+            </a:r>
+            <a:r>
+              <a:rPr lang="en-US" dirty="0">
+                <a:latin typeface="Times New Roman" panose="02020603050405020304" pitchFamily="18" charset="0"/>
+                <a:cs typeface="Times New Roman" panose="02020603050405020304" pitchFamily="18" charset="0"/>
+              </a:rPr>
+              <a:t> </a:t>
+            </a:r>
+            <a:r>
+              <a:rPr lang="en-US" dirty="0" err="1">
+                <a:latin typeface="Times New Roman" panose="02020603050405020304" pitchFamily="18" charset="0"/>
+                <a:cs typeface="Times New Roman" panose="02020603050405020304" pitchFamily="18" charset="0"/>
+              </a:rPr>
+              <a:t>tham</a:t>
+            </a:r>
+            <a:r>
+              <a:rPr lang="en-US" dirty="0">
+                <a:latin typeface="Times New Roman" panose="02020603050405020304" pitchFamily="18" charset="0"/>
+                <a:cs typeface="Times New Roman" panose="02020603050405020304" pitchFamily="18" charset="0"/>
+              </a:rPr>
+              <a:t> </a:t>
+            </a:r>
+            <a:r>
+              <a:rPr lang="en-US" dirty="0" err="1">
+                <a:latin typeface="Times New Roman" panose="02020603050405020304" pitchFamily="18" charset="0"/>
+                <a:cs typeface="Times New Roman" panose="02020603050405020304" pitchFamily="18" charset="0"/>
+              </a:rPr>
+              <a:t>số</a:t>
+            </a:r>
+            <a:r>
+              <a:rPr lang="en-US" dirty="0">
+                <a:latin typeface="Times New Roman" panose="02020603050405020304" pitchFamily="18" charset="0"/>
+                <a:cs typeface="Times New Roman" panose="02020603050405020304" pitchFamily="18" charset="0"/>
+              </a:rPr>
+              <a:t> </a:t>
+            </a:r>
+            <a:r>
+              <a:rPr lang="en-US" dirty="0" err="1">
+                <a:latin typeface="Times New Roman" panose="02020603050405020304" pitchFamily="18" charset="0"/>
+                <a:cs typeface="Times New Roman" panose="02020603050405020304" pitchFamily="18" charset="0"/>
+              </a:rPr>
+              <a:t>tìm</a:t>
+            </a:r>
+            <a:r>
+              <a:rPr lang="en-US" dirty="0">
+                <a:latin typeface="Times New Roman" panose="02020603050405020304" pitchFamily="18" charset="0"/>
+                <a:cs typeface="Times New Roman" panose="02020603050405020304" pitchFamily="18" charset="0"/>
+              </a:rPr>
+              <a:t> </a:t>
+            </a:r>
+            <a:r>
+              <a:rPr lang="en-US" dirty="0" err="1">
+                <a:latin typeface="Times New Roman" panose="02020603050405020304" pitchFamily="18" charset="0"/>
+                <a:cs typeface="Times New Roman" panose="02020603050405020304" pitchFamily="18" charset="0"/>
+              </a:rPr>
+              <a:t>kiếm</a:t>
+            </a:r>
+            <a:r>
+              <a:rPr lang="en-US" dirty="0">
+                <a:latin typeface="Times New Roman" panose="02020603050405020304" pitchFamily="18" charset="0"/>
+                <a:cs typeface="Times New Roman" panose="02020603050405020304" pitchFamily="18" charset="0"/>
+              </a:rPr>
+              <a:t> (query parameters) </a:t>
+            </a:r>
+            <a:r>
+              <a:rPr lang="en-US" dirty="0" err="1">
+                <a:latin typeface="Times New Roman" panose="02020603050405020304" pitchFamily="18" charset="0"/>
+                <a:cs typeface="Times New Roman" panose="02020603050405020304" pitchFamily="18" charset="0"/>
+              </a:rPr>
+              <a:t>trong</a:t>
+            </a:r>
+            <a:r>
+              <a:rPr lang="en-US" dirty="0">
+                <a:latin typeface="Times New Roman" panose="02020603050405020304" pitchFamily="18" charset="0"/>
+                <a:cs typeface="Times New Roman" panose="02020603050405020304" pitchFamily="18" charset="0"/>
+              </a:rPr>
+              <a:t> </a:t>
+            </a:r>
+            <a:r>
+              <a:rPr lang="en-US" dirty="0" smtClean="0">
+                <a:latin typeface="Times New Roman" panose="02020603050405020304" pitchFamily="18" charset="0"/>
+                <a:cs typeface="Times New Roman" panose="02020603050405020304" pitchFamily="18" charset="0"/>
+              </a:rPr>
+              <a:t>URL</a:t>
+            </a:r>
+          </a:p>
+          <a:p>
+            <a:pPr algn="just"/>
+            <a:r>
+              <a:rPr lang="en-US" dirty="0">
+                <a:latin typeface="Times New Roman" panose="02020603050405020304" pitchFamily="18" charset="0"/>
+                <a:cs typeface="Times New Roman" panose="02020603050405020304" pitchFamily="18" charset="0"/>
+              </a:rPr>
+              <a:t>- </a:t>
+            </a:r>
+            <a:r>
+              <a:rPr lang="en-US" dirty="0" err="1">
+                <a:latin typeface="Times New Roman" panose="02020603050405020304" pitchFamily="18" charset="0"/>
+                <a:cs typeface="Times New Roman" panose="02020603050405020304" pitchFamily="18" charset="0"/>
+              </a:rPr>
+              <a:t>useMatch</a:t>
+            </a:r>
+            <a:r>
+              <a:rPr lang="en-US" dirty="0">
+                <a:latin typeface="Times New Roman" panose="02020603050405020304" pitchFamily="18" charset="0"/>
+                <a:cs typeface="Times New Roman" panose="02020603050405020304" pitchFamily="18" charset="0"/>
+              </a:rPr>
+              <a:t>: </a:t>
+            </a:r>
+            <a:r>
+              <a:rPr lang="vi-VN" dirty="0">
+                <a:latin typeface="Times New Roman" panose="02020603050405020304" pitchFamily="18" charset="0"/>
+                <a:cs typeface="Times New Roman" panose="02020603050405020304" pitchFamily="18" charset="0"/>
+              </a:rPr>
+              <a:t>kiểm tra xem đường dẫn hiện tại có khớp với một đường dẫn đã cho hay không và trả về thông tin khớp nếu có. Hữu ích để kiểm tra điều kiện dựa trên URL hiện </a:t>
+            </a:r>
+            <a:r>
+              <a:rPr lang="vi-VN" dirty="0" smtClean="0">
+                <a:latin typeface="Times New Roman" panose="02020603050405020304" pitchFamily="18" charset="0"/>
+                <a:cs typeface="Times New Roman" panose="02020603050405020304" pitchFamily="18" charset="0"/>
+              </a:rPr>
+              <a:t>tại</a:t>
+            </a:r>
+            <a:endParaRPr lang="en-US" dirty="0">
+              <a:latin typeface="Times New Roman" panose="02020603050405020304" pitchFamily="18" charset="0"/>
+              <a:cs typeface="Times New Roman" panose="02020603050405020304" pitchFamily="18" charset="0"/>
+            </a:endParaRPr>
+          </a:p>
+        </p:txBody>
+      </p:sp>
+    </p:spTree>
+    <p:extLst>
+      <p:ext uri="{BB962C8B-B14F-4D97-AF65-F5344CB8AC3E}">
+        <p14:creationId xmlns:p14="http://schemas.microsoft.com/office/powerpoint/2010/main" val="2968569732"/>
+      </p:ext>
+    </p:extLst>
+  </p:cSld>
+  <p:clrMapOvr>
+    <a:masterClrMapping/>
+  </p:clrMapOvr>
+  <p:timing>
+    <p:tnLst>
+      <p:par>
+        <p:cTn id="1" dur="indefinite" restart="never" nodeType="tmRoot"/>
+      </p:par>
+    </p:tnLst>
+  </p:timing>
+</p:sld>
+</file>
+
+<file path=ppt/slides/slide37.xml><?xml version="1.0" encoding="utf-8"?>
+<p:sld xmlns:a="http://schemas.openxmlformats.org/drawingml/2006/main" xmlns:r="http://schemas.openxmlformats.org/officeDocument/2006/relationships" xmlns:p="http://schemas.openxmlformats.org/presentationml/2006/main">
+  <p:cSld>
+    <p:spTree>
+      <p:nvGrpSpPr>
+        <p:cNvPr id="1" name=""/>
+        <p:cNvGrpSpPr/>
+        <p:nvPr/>
+      </p:nvGrpSpPr>
+      <p:grpSpPr>
+        <a:xfrm>
+          <a:off x="0" y="0"/>
+          <a:ext cx="0" cy="0"/>
+          <a:chOff x="0" y="0"/>
+          <a:chExt cx="0" cy="0"/>
+        </a:xfrm>
+      </p:grpSpPr>
+      <p:sp>
+        <p:nvSpPr>
+          <p:cNvPr id="2" name="Title 1"/>
+          <p:cNvSpPr>
+            <a:spLocks noGrp="1"/>
+          </p:cNvSpPr>
+          <p:nvPr>
+            <p:ph type="title"/>
+          </p:nvPr>
+        </p:nvSpPr>
+        <p:spPr/>
+        <p:txBody>
+          <a:bodyPr/>
+          <a:lstStyle/>
+          <a:p>
+            <a:r>
+              <a:rPr lang="en-US" dirty="0" smtClean="0">
+                <a:latin typeface="Times New Roman" panose="02020603050405020304" pitchFamily="18" charset="0"/>
+                <a:cs typeface="Times New Roman" panose="02020603050405020304" pitchFamily="18" charset="0"/>
+              </a:rPr>
+              <a:t>Router - </a:t>
+            </a:r>
+            <a:r>
+              <a:rPr lang="en-US" dirty="0" err="1" smtClean="0">
+                <a:latin typeface="Times New Roman" panose="02020603050405020304" pitchFamily="18" charset="0"/>
+                <a:cs typeface="Times New Roman" panose="02020603050405020304" pitchFamily="18" charset="0"/>
+              </a:rPr>
+              <a:t>useRoutes</a:t>
+            </a:r>
+            <a:endParaRPr lang="en-US" dirty="0">
+              <a:latin typeface="Times New Roman" panose="02020603050405020304" pitchFamily="18" charset="0"/>
+              <a:cs typeface="Times New Roman" panose="02020603050405020304" pitchFamily="18" charset="0"/>
+            </a:endParaRPr>
+          </a:p>
+        </p:txBody>
+      </p:sp>
+      <p:sp>
+        <p:nvSpPr>
+          <p:cNvPr id="3" name="Content Placeholder 2"/>
+          <p:cNvSpPr>
+            <a:spLocks noGrp="1"/>
+          </p:cNvSpPr>
+          <p:nvPr>
+            <p:ph idx="1"/>
+          </p:nvPr>
+        </p:nvSpPr>
+        <p:spPr/>
+        <p:txBody>
+          <a:bodyPr>
+            <a:normAutofit/>
+          </a:bodyPr>
+          <a:lstStyle/>
+          <a:p>
+            <a:pPr algn="just"/>
+            <a:r>
+              <a:rPr lang="en-US" dirty="0" smtClean="0">
+                <a:latin typeface="Times New Roman" panose="02020603050405020304" pitchFamily="18" charset="0"/>
+                <a:cs typeface="Times New Roman" panose="02020603050405020304" pitchFamily="18" charset="0"/>
+              </a:rPr>
+              <a:t>- </a:t>
+            </a:r>
+            <a:r>
+              <a:rPr lang="en-US" dirty="0" err="1" smtClean="0">
+                <a:latin typeface="Times New Roman" panose="02020603050405020304" pitchFamily="18" charset="0"/>
+                <a:cs typeface="Times New Roman" panose="02020603050405020304" pitchFamily="18" charset="0"/>
+              </a:rPr>
+              <a:t>React.lazy</a:t>
+            </a:r>
+            <a:r>
+              <a:rPr lang="en-US" dirty="0" smtClean="0">
+                <a:latin typeface="Times New Roman" panose="02020603050405020304" pitchFamily="18" charset="0"/>
+                <a:cs typeface="Times New Roman" panose="02020603050405020304" pitchFamily="18" charset="0"/>
+              </a:rPr>
+              <a:t>: </a:t>
+            </a:r>
+            <a:r>
+              <a:rPr lang="en-US" dirty="0" err="1" smtClean="0">
+                <a:latin typeface="Times New Roman" panose="02020603050405020304" pitchFamily="18" charset="0"/>
+                <a:cs typeface="Times New Roman" panose="02020603050405020304" pitchFamily="18" charset="0"/>
+              </a:rPr>
+              <a:t>không</a:t>
+            </a:r>
+            <a:r>
+              <a:rPr lang="en-US" dirty="0" smtClean="0">
+                <a:latin typeface="Times New Roman" panose="02020603050405020304" pitchFamily="18" charset="0"/>
+                <a:cs typeface="Times New Roman" panose="02020603050405020304" pitchFamily="18" charset="0"/>
+              </a:rPr>
+              <a:t> </a:t>
+            </a:r>
+            <a:r>
+              <a:rPr lang="en-US" dirty="0" err="1" smtClean="0">
+                <a:latin typeface="Times New Roman" panose="02020603050405020304" pitchFamily="18" charset="0"/>
+                <a:cs typeface="Times New Roman" panose="02020603050405020304" pitchFamily="18" charset="0"/>
+              </a:rPr>
+              <a:t>tải</a:t>
+            </a:r>
+            <a:r>
+              <a:rPr lang="en-US" dirty="0" smtClean="0">
+                <a:latin typeface="Times New Roman" panose="02020603050405020304" pitchFamily="18" charset="0"/>
+                <a:cs typeface="Times New Roman" panose="02020603050405020304" pitchFamily="18" charset="0"/>
+              </a:rPr>
+              <a:t> </a:t>
+            </a:r>
+            <a:r>
+              <a:rPr lang="en-US" dirty="0" err="1" smtClean="0">
+                <a:latin typeface="Times New Roman" panose="02020603050405020304" pitchFamily="18" charset="0"/>
+                <a:cs typeface="Times New Roman" panose="02020603050405020304" pitchFamily="18" charset="0"/>
+              </a:rPr>
+              <a:t>cho</a:t>
+            </a:r>
+            <a:r>
+              <a:rPr lang="en-US" dirty="0" smtClean="0">
+                <a:latin typeface="Times New Roman" panose="02020603050405020304" pitchFamily="18" charset="0"/>
+                <a:cs typeface="Times New Roman" panose="02020603050405020304" pitchFamily="18" charset="0"/>
+              </a:rPr>
+              <a:t> </a:t>
+            </a:r>
+            <a:r>
+              <a:rPr lang="en-US" dirty="0" err="1" smtClean="0">
+                <a:latin typeface="Times New Roman" panose="02020603050405020304" pitchFamily="18" charset="0"/>
+                <a:cs typeface="Times New Roman" panose="02020603050405020304" pitchFamily="18" charset="0"/>
+              </a:rPr>
+              <a:t>đến</a:t>
+            </a:r>
+            <a:r>
+              <a:rPr lang="en-US" dirty="0" smtClean="0">
+                <a:latin typeface="Times New Roman" panose="02020603050405020304" pitchFamily="18" charset="0"/>
+                <a:cs typeface="Times New Roman" panose="02020603050405020304" pitchFamily="18" charset="0"/>
+              </a:rPr>
+              <a:t> </a:t>
+            </a:r>
+            <a:r>
+              <a:rPr lang="en-US" dirty="0" err="1" smtClean="0">
+                <a:latin typeface="Times New Roman" panose="02020603050405020304" pitchFamily="18" charset="0"/>
+                <a:cs typeface="Times New Roman" panose="02020603050405020304" pitchFamily="18" charset="0"/>
+              </a:rPr>
+              <a:t>khi</a:t>
+            </a:r>
+            <a:r>
+              <a:rPr lang="en-US" dirty="0" smtClean="0">
+                <a:latin typeface="Times New Roman" panose="02020603050405020304" pitchFamily="18" charset="0"/>
+                <a:cs typeface="Times New Roman" panose="02020603050405020304" pitchFamily="18" charset="0"/>
+              </a:rPr>
+              <a:t> </a:t>
+            </a:r>
+            <a:r>
+              <a:rPr lang="en-US" dirty="0" err="1" smtClean="0">
+                <a:latin typeface="Times New Roman" panose="02020603050405020304" pitchFamily="18" charset="0"/>
+                <a:cs typeface="Times New Roman" panose="02020603050405020304" pitchFamily="18" charset="0"/>
+              </a:rPr>
+              <a:t>được</a:t>
+            </a:r>
+            <a:r>
+              <a:rPr lang="en-US" dirty="0" smtClean="0">
+                <a:latin typeface="Times New Roman" panose="02020603050405020304" pitchFamily="18" charset="0"/>
+                <a:cs typeface="Times New Roman" panose="02020603050405020304" pitchFamily="18" charset="0"/>
+              </a:rPr>
+              <a:t> </a:t>
+            </a:r>
+            <a:r>
+              <a:rPr lang="en-US" dirty="0" err="1" smtClean="0">
+                <a:latin typeface="Times New Roman" panose="02020603050405020304" pitchFamily="18" charset="0"/>
+                <a:cs typeface="Times New Roman" panose="02020603050405020304" pitchFamily="18" charset="0"/>
+              </a:rPr>
+              <a:t>kết</a:t>
+            </a:r>
+            <a:r>
+              <a:rPr lang="en-US" dirty="0" smtClean="0">
+                <a:latin typeface="Times New Roman" panose="02020603050405020304" pitchFamily="18" charset="0"/>
+                <a:cs typeface="Times New Roman" panose="02020603050405020304" pitchFamily="18" charset="0"/>
+              </a:rPr>
+              <a:t> </a:t>
+            </a:r>
+            <a:r>
+              <a:rPr lang="en-US" dirty="0" err="1" smtClean="0">
+                <a:latin typeface="Times New Roman" panose="02020603050405020304" pitchFamily="18" charset="0"/>
+                <a:cs typeface="Times New Roman" panose="02020603050405020304" pitchFamily="18" charset="0"/>
+              </a:rPr>
+              <a:t>xuất</a:t>
+            </a:r>
+            <a:endParaRPr lang="en-US" dirty="0" smtClean="0">
+              <a:latin typeface="Times New Roman" panose="02020603050405020304" pitchFamily="18" charset="0"/>
+              <a:cs typeface="Times New Roman" panose="02020603050405020304" pitchFamily="18" charset="0"/>
+            </a:endParaRPr>
+          </a:p>
+          <a:p>
+            <a:pPr algn="just"/>
+            <a:r>
+              <a:rPr lang="en-US" dirty="0" smtClean="0">
+                <a:latin typeface="Times New Roman" panose="02020603050405020304" pitchFamily="18" charset="0"/>
+                <a:cs typeface="Times New Roman" panose="02020603050405020304" pitchFamily="18" charset="0"/>
+              </a:rPr>
+              <a:t>- Suspense: </a:t>
+            </a:r>
+            <a:r>
+              <a:rPr lang="en-US" dirty="0" err="1" smtClean="0">
+                <a:latin typeface="Times New Roman" panose="02020603050405020304" pitchFamily="18" charset="0"/>
+                <a:cs typeface="Times New Roman" panose="02020603050405020304" pitchFamily="18" charset="0"/>
+              </a:rPr>
+              <a:t>bao</a:t>
+            </a:r>
+            <a:r>
+              <a:rPr lang="en-US" dirty="0" smtClean="0">
+                <a:latin typeface="Times New Roman" panose="02020603050405020304" pitchFamily="18" charset="0"/>
+                <a:cs typeface="Times New Roman" panose="02020603050405020304" pitchFamily="18" charset="0"/>
+              </a:rPr>
+              <a:t> </a:t>
+            </a:r>
+            <a:r>
+              <a:rPr lang="en-US" dirty="0" err="1" smtClean="0">
+                <a:latin typeface="Times New Roman" panose="02020603050405020304" pitchFamily="18" charset="0"/>
+                <a:cs typeface="Times New Roman" panose="02020603050405020304" pitchFamily="18" charset="0"/>
+              </a:rPr>
+              <a:t>bọc</a:t>
+            </a:r>
+            <a:r>
+              <a:rPr lang="en-US" dirty="0" smtClean="0">
+                <a:latin typeface="Times New Roman" panose="02020603050405020304" pitchFamily="18" charset="0"/>
+                <a:cs typeface="Times New Roman" panose="02020603050405020304" pitchFamily="18" charset="0"/>
+              </a:rPr>
+              <a:t> </a:t>
+            </a:r>
+            <a:r>
+              <a:rPr lang="en-US" dirty="0" err="1" smtClean="0">
+                <a:latin typeface="Times New Roman" panose="02020603050405020304" pitchFamily="18" charset="0"/>
+                <a:cs typeface="Times New Roman" panose="02020603050405020304" pitchFamily="18" charset="0"/>
+              </a:rPr>
+              <a:t>các</a:t>
+            </a:r>
+            <a:r>
+              <a:rPr lang="en-US" dirty="0" smtClean="0">
+                <a:latin typeface="Times New Roman" panose="02020603050405020304" pitchFamily="18" charset="0"/>
+                <a:cs typeface="Times New Roman" panose="02020603050405020304" pitchFamily="18" charset="0"/>
+              </a:rPr>
+              <a:t> </a:t>
+            </a:r>
+            <a:r>
+              <a:rPr lang="en-US" dirty="0" err="1" smtClean="0">
+                <a:latin typeface="Times New Roman" panose="02020603050405020304" pitchFamily="18" charset="0"/>
+                <a:cs typeface="Times New Roman" panose="02020603050405020304" pitchFamily="18" charset="0"/>
+              </a:rPr>
+              <a:t>thành</a:t>
+            </a:r>
+            <a:r>
+              <a:rPr lang="en-US" dirty="0" smtClean="0">
+                <a:latin typeface="Times New Roman" panose="02020603050405020304" pitchFamily="18" charset="0"/>
+                <a:cs typeface="Times New Roman" panose="02020603050405020304" pitchFamily="18" charset="0"/>
+              </a:rPr>
+              <a:t> </a:t>
+            </a:r>
+            <a:r>
+              <a:rPr lang="en-US" dirty="0" err="1" smtClean="0">
+                <a:latin typeface="Times New Roman" panose="02020603050405020304" pitchFamily="18" charset="0"/>
+                <a:cs typeface="Times New Roman" panose="02020603050405020304" pitchFamily="18" charset="0"/>
+              </a:rPr>
+              <a:t>phần</a:t>
+            </a:r>
+            <a:r>
+              <a:rPr lang="en-US" dirty="0" smtClean="0">
+                <a:latin typeface="Times New Roman" panose="02020603050405020304" pitchFamily="18" charset="0"/>
+                <a:cs typeface="Times New Roman" panose="02020603050405020304" pitchFamily="18" charset="0"/>
+              </a:rPr>
+              <a:t> </a:t>
+            </a:r>
+            <a:r>
+              <a:rPr lang="en-US" dirty="0" err="1" smtClean="0">
+                <a:latin typeface="Times New Roman" panose="02020603050405020304" pitchFamily="18" charset="0"/>
+                <a:cs typeface="Times New Roman" panose="02020603050405020304" pitchFamily="18" charset="0"/>
+              </a:rPr>
+              <a:t>cần</a:t>
+            </a:r>
+            <a:r>
+              <a:rPr lang="en-US" dirty="0" smtClean="0">
+                <a:latin typeface="Times New Roman" panose="02020603050405020304" pitchFamily="18" charset="0"/>
+                <a:cs typeface="Times New Roman" panose="02020603050405020304" pitchFamily="18" charset="0"/>
+              </a:rPr>
+              <a:t> </a:t>
+            </a:r>
+            <a:r>
+              <a:rPr lang="en-US" dirty="0" err="1" smtClean="0">
+                <a:latin typeface="Times New Roman" panose="02020603050405020304" pitchFamily="18" charset="0"/>
+                <a:cs typeface="Times New Roman" panose="02020603050405020304" pitchFamily="18" charset="0"/>
+              </a:rPr>
+              <a:t>tải</a:t>
+            </a:r>
+            <a:r>
+              <a:rPr lang="en-US" dirty="0" smtClean="0">
+                <a:latin typeface="Times New Roman" panose="02020603050405020304" pitchFamily="18" charset="0"/>
+                <a:cs typeface="Times New Roman" panose="02020603050405020304" pitchFamily="18" charset="0"/>
+              </a:rPr>
+              <a:t> </a:t>
+            </a:r>
+            <a:r>
+              <a:rPr lang="en-US" dirty="0" err="1" smtClean="0">
+                <a:latin typeface="Times New Roman" panose="02020603050405020304" pitchFamily="18" charset="0"/>
+                <a:cs typeface="Times New Roman" panose="02020603050405020304" pitchFamily="18" charset="0"/>
+              </a:rPr>
+              <a:t>chậm</a:t>
+            </a:r>
+            <a:endParaRPr lang="en-US" dirty="0" smtClean="0">
+              <a:latin typeface="Times New Roman" panose="02020603050405020304" pitchFamily="18" charset="0"/>
+              <a:cs typeface="Times New Roman" panose="02020603050405020304" pitchFamily="18" charset="0"/>
+            </a:endParaRPr>
+          </a:p>
+          <a:p>
+            <a:pPr algn="just"/>
+            <a:r>
+              <a:rPr lang="en-US" dirty="0">
+                <a:latin typeface="Times New Roman" panose="02020603050405020304" pitchFamily="18" charset="0"/>
+                <a:cs typeface="Times New Roman" panose="02020603050405020304" pitchFamily="18" charset="0"/>
+              </a:rPr>
+              <a:t>- fallback={spinner</a:t>
+            </a:r>
+            <a:r>
+              <a:rPr lang="en-US" dirty="0" smtClean="0">
+                <a:latin typeface="Times New Roman" panose="02020603050405020304" pitchFamily="18" charset="0"/>
+                <a:cs typeface="Times New Roman" panose="02020603050405020304" pitchFamily="18" charset="0"/>
+              </a:rPr>
+              <a:t>}: class spinner</a:t>
+            </a:r>
+            <a:endParaRPr lang="en-US" dirty="0">
+              <a:latin typeface="Times New Roman" panose="02020603050405020304" pitchFamily="18" charset="0"/>
+              <a:cs typeface="Times New Roman" panose="02020603050405020304" pitchFamily="18" charset="0"/>
+            </a:endParaRPr>
+          </a:p>
+        </p:txBody>
+      </p:sp>
+      <p:pic>
+        <p:nvPicPr>
+          <p:cNvPr id="4" name="Picture 3"/>
+          <p:cNvPicPr>
+            <a:picLocks noChangeAspect="1"/>
+          </p:cNvPicPr>
+          <p:nvPr/>
+        </p:nvPicPr>
+        <p:blipFill>
+          <a:blip r:embed="rId2"/>
+          <a:stretch>
+            <a:fillRect/>
+          </a:stretch>
+        </p:blipFill>
+        <p:spPr>
+          <a:xfrm>
+            <a:off x="6257109" y="2233401"/>
+            <a:ext cx="5029200" cy="3248025"/>
+          </a:xfrm>
+          <a:prstGeom prst="rect">
+            <a:avLst/>
+          </a:prstGeom>
+        </p:spPr>
+      </p:pic>
+    </p:spTree>
+    <p:extLst>
+      <p:ext uri="{BB962C8B-B14F-4D97-AF65-F5344CB8AC3E}">
+        <p14:creationId xmlns:p14="http://schemas.microsoft.com/office/powerpoint/2010/main" val="483497953"/>
+      </p:ext>
+    </p:extLst>
+  </p:cSld>
+  <p:clrMapOvr>
+    <a:masterClrMapping/>
+  </p:clrMapOvr>
+  <p:timing>
+    <p:tnLst>
+      <p:par>
+        <p:cTn id="1" dur="indefinite" restart="never" nodeType="tmRoot"/>
+      </p:par>
+    </p:tnLst>
+  </p:timing>
+</p:sld>
+</file>
+
+<file path=ppt/slides/slide38.xml><?xml version="1.0" encoding="utf-8"?>
+<p:sld xmlns:a="http://schemas.openxmlformats.org/drawingml/2006/main" xmlns:r="http://schemas.openxmlformats.org/officeDocument/2006/relationships" xmlns:p="http://schemas.openxmlformats.org/presentationml/2006/main">
+  <p:cSld>
+    <p:spTree>
+      <p:nvGrpSpPr>
+        <p:cNvPr id="1" name=""/>
+        <p:cNvGrpSpPr/>
+        <p:nvPr/>
+      </p:nvGrpSpPr>
+      <p:grpSpPr>
+        <a:xfrm>
+          <a:off x="0" y="0"/>
+          <a:ext cx="0" cy="0"/>
+          <a:chOff x="0" y="0"/>
+          <a:chExt cx="0" cy="0"/>
+        </a:xfrm>
+      </p:grpSpPr>
+      <p:sp>
+        <p:nvSpPr>
+          <p:cNvPr id="2" name="Title 1"/>
+          <p:cNvSpPr>
+            <a:spLocks noGrp="1"/>
+          </p:cNvSpPr>
+          <p:nvPr>
+            <p:ph type="title"/>
+          </p:nvPr>
+        </p:nvSpPr>
+        <p:spPr/>
+        <p:txBody>
+          <a:bodyPr/>
+          <a:lstStyle/>
+          <a:p>
+            <a:r>
+              <a:rPr lang="en-US" dirty="0" err="1" smtClean="0">
+                <a:latin typeface="Times New Roman" panose="02020603050405020304" pitchFamily="18" charset="0"/>
+                <a:cs typeface="Times New Roman" panose="02020603050405020304" pitchFamily="18" charset="0"/>
+              </a:rPr>
+              <a:t>Thực</a:t>
+            </a:r>
+            <a:r>
+              <a:rPr lang="en-US" dirty="0" smtClean="0">
+                <a:latin typeface="Times New Roman" panose="02020603050405020304" pitchFamily="18" charset="0"/>
+                <a:cs typeface="Times New Roman" panose="02020603050405020304" pitchFamily="18" charset="0"/>
+              </a:rPr>
+              <a:t> </a:t>
+            </a:r>
+            <a:r>
+              <a:rPr lang="en-US" dirty="0" err="1" smtClean="0">
+                <a:latin typeface="Times New Roman" panose="02020603050405020304" pitchFamily="18" charset="0"/>
+                <a:cs typeface="Times New Roman" panose="02020603050405020304" pitchFamily="18" charset="0"/>
+              </a:rPr>
+              <a:t>hành</a:t>
+            </a:r>
+            <a:endParaRPr lang="en-US" dirty="0">
+              <a:latin typeface="Times New Roman" panose="02020603050405020304" pitchFamily="18" charset="0"/>
+              <a:cs typeface="Times New Roman" panose="02020603050405020304" pitchFamily="18" charset="0"/>
+            </a:endParaRPr>
+          </a:p>
+        </p:txBody>
+      </p:sp>
+      <p:sp>
+        <p:nvSpPr>
+          <p:cNvPr id="3" name="Content Placeholder 2"/>
+          <p:cNvSpPr>
+            <a:spLocks noGrp="1"/>
+          </p:cNvSpPr>
+          <p:nvPr>
+            <p:ph idx="1"/>
+          </p:nvPr>
+        </p:nvSpPr>
+        <p:spPr/>
+        <p:txBody>
+          <a:bodyPr/>
+          <a:lstStyle/>
+          <a:p>
+            <a:r>
+              <a:rPr lang="en-US" dirty="0" smtClean="0">
+                <a:latin typeface="Times New Roman" panose="02020603050405020304" pitchFamily="18" charset="0"/>
+                <a:cs typeface="Times New Roman" panose="02020603050405020304" pitchFamily="18" charset="0"/>
+              </a:rPr>
+              <a:t>- </a:t>
+            </a:r>
+            <a:r>
+              <a:rPr lang="en-US" dirty="0" err="1">
+                <a:latin typeface="Times New Roman" panose="02020603050405020304" pitchFamily="18" charset="0"/>
+                <a:cs typeface="Times New Roman" panose="02020603050405020304" pitchFamily="18" charset="0"/>
+              </a:rPr>
+              <a:t>T</a:t>
+            </a:r>
+            <a:r>
+              <a:rPr lang="en-US" dirty="0" err="1" smtClean="0">
+                <a:latin typeface="Times New Roman" panose="02020603050405020304" pitchFamily="18" charset="0"/>
+                <a:cs typeface="Times New Roman" panose="02020603050405020304" pitchFamily="18" charset="0"/>
+              </a:rPr>
+              <a:t>ạo</a:t>
+            </a:r>
+            <a:r>
+              <a:rPr lang="en-US" dirty="0" smtClean="0">
+                <a:latin typeface="Times New Roman" panose="02020603050405020304" pitchFamily="18" charset="0"/>
+                <a:cs typeface="Times New Roman" panose="02020603050405020304" pitchFamily="18" charset="0"/>
+              </a:rPr>
+              <a:t> form crud</a:t>
+            </a:r>
+            <a:endParaRPr lang="en-US" dirty="0">
+              <a:latin typeface="Times New Roman" panose="02020603050405020304" pitchFamily="18" charset="0"/>
+              <a:cs typeface="Times New Roman" panose="02020603050405020304" pitchFamily="18" charset="0"/>
+            </a:endParaRPr>
+          </a:p>
+        </p:txBody>
+      </p:sp>
+    </p:spTree>
+    <p:extLst>
+      <p:ext uri="{BB962C8B-B14F-4D97-AF65-F5344CB8AC3E}">
+        <p14:creationId xmlns:p14="http://schemas.microsoft.com/office/powerpoint/2010/main" val="296805246"/>
+      </p:ext>
+    </p:extLst>
+  </p:cSld>
+  <p:clrMapOvr>
+    <a:masterClrMapping/>
+  </p:clrMapOvr>
+  <p:timing>
+    <p:tnLst>
+      <p:par>
+        <p:cTn id="1" dur="indefinite" restart="never" nodeType="tmRoot"/>
+      </p:par>
+    </p:tnLst>
+  </p:timing>
+</p:sld>
+</file>
+
+<file path=ppt/slides/slide39.xml><?xml version="1.0" encoding="utf-8"?>
+<p:sld xmlns:a="http://schemas.openxmlformats.org/drawingml/2006/main" xmlns:r="http://schemas.openxmlformats.org/officeDocument/2006/relationships" xmlns:p="http://schemas.openxmlformats.org/presentationml/2006/main">
+  <p:cSld>
+    <p:spTree>
+      <p:nvGrpSpPr>
+        <p:cNvPr id="1" name=""/>
+        <p:cNvGrpSpPr/>
+        <p:nvPr/>
+      </p:nvGrpSpPr>
+      <p:grpSpPr>
+        <a:xfrm>
+          <a:off x="0" y="0"/>
+          <a:ext cx="0" cy="0"/>
+          <a:chOff x="0" y="0"/>
+          <a:chExt cx="0" cy="0"/>
+        </a:xfrm>
+      </p:grpSpPr>
+      <p:sp>
+        <p:nvSpPr>
+          <p:cNvPr id="2" name="Title 1"/>
+          <p:cNvSpPr>
+            <a:spLocks noGrp="1"/>
+          </p:cNvSpPr>
+          <p:nvPr>
+            <p:ph type="title"/>
+          </p:nvPr>
+        </p:nvSpPr>
+        <p:spPr/>
+        <p:txBody>
+          <a:bodyPr/>
+          <a:lstStyle/>
+          <a:p>
+            <a:endParaRPr lang="en-US" dirty="0">
+              <a:latin typeface="Times New Roman" panose="02020603050405020304" pitchFamily="18" charset="0"/>
+              <a:cs typeface="Times New Roman" panose="02020603050405020304" pitchFamily="18" charset="0"/>
+            </a:endParaRPr>
+          </a:p>
+        </p:txBody>
+      </p:sp>
+      <p:sp>
+        <p:nvSpPr>
+          <p:cNvPr id="3" name="Content Placeholder 2"/>
+          <p:cNvSpPr>
+            <a:spLocks noGrp="1"/>
+          </p:cNvSpPr>
+          <p:nvPr>
+            <p:ph idx="1"/>
+          </p:nvPr>
+        </p:nvSpPr>
+        <p:spPr/>
+        <p:txBody>
+          <a:bodyPr/>
+          <a:lstStyle/>
+          <a:p>
+            <a:endParaRPr lang="en-US" dirty="0">
+              <a:latin typeface="Times New Roman" panose="02020603050405020304" pitchFamily="18" charset="0"/>
+              <a:cs typeface="Times New Roman" panose="02020603050405020304" pitchFamily="18" charset="0"/>
+            </a:endParaRPr>
+          </a:p>
+        </p:txBody>
+      </p:sp>
+    </p:spTree>
+    <p:extLst>
+      <p:ext uri="{BB962C8B-B14F-4D97-AF65-F5344CB8AC3E}">
+        <p14:creationId xmlns:p14="http://schemas.microsoft.com/office/powerpoint/2010/main" val="3545649084"/>
       </p:ext>
     </p:extLst>
   </p:cSld>
@@ -12112,14 +17752,7 @@
                 <a:latin typeface="Times New Roman" panose="02020603050405020304" pitchFamily="18" charset="0"/>
                 <a:cs typeface="Times New Roman" panose="02020603050405020304" pitchFamily="18" charset="0"/>
               </a:rPr>
-              <a:t> 2</a:t>
-            </a:r>
-            <a:r>
-              <a:rPr lang="en-US" sz="2400" dirty="0" smtClean="0">
-                <a:latin typeface="Times New Roman" panose="02020603050405020304" pitchFamily="18" charset="0"/>
-                <a:cs typeface="Times New Roman" panose="02020603050405020304" pitchFamily="18" charset="0"/>
-              </a:rPr>
-              <a:t>. </a:t>
+              <a:t> 2. </a:t>
             </a:r>
             <a:r>
               <a:rPr lang="en-US" sz="2400" dirty="0" err="1" smtClean="0">
@@ -12477,10 +18110,6 @@
               </a:rPr>
               <a:t> project</a:t>
             </a:r>
-            <a:endParaRPr lang="en-US" sz="2200" dirty="0" smtClean="0">
-              <a:latin typeface="Times New Roman" panose="02020603050405020304" pitchFamily="18" charset="0"/>
-              <a:cs typeface="Times New Roman" panose="02020603050405020304" pitchFamily="18" charset="0"/>
-            </a:endParaRPr>
           </a:p>
         </p:txBody>
       </p:sp>
@@ -13022,15 +18651,7 @@
                 <a:cs typeface="Times New Roman" panose="02020603050405020304" pitchFamily="18" charset="0"/>
                 <a:sym typeface="Wingdings 3" panose="05040102010807070707" pitchFamily="18" charset="2"/>
               </a:rPr>
-              <a:t>đồn</a:t>
-            </a:r>
-            <a:r>
-              <a:rPr lang="en-US" sz="2000" dirty="0" err="1" smtClean="0">
-                <a:latin typeface="Times New Roman" panose="02020603050405020304" pitchFamily="18" charset="0"/>
-                <a:cs typeface="Times New Roman" panose="02020603050405020304" pitchFamily="18" charset="0"/>
-                <a:sym typeface="Wingdings 3" panose="05040102010807070707" pitchFamily="18" charset="2"/>
-              </a:rPr>
-              <a:t>g</a:t>
+              <a:t>đồng</a:t>
             </a:r>
             <a:r>
               <a:rPr lang="en-US" sz="2000" dirty="0" smtClean="0">
@@ -13120,15 +18741,7 @@
                 <a:cs typeface="Times New Roman" panose="02020603050405020304" pitchFamily="18" charset="0"/>
                 <a:sym typeface="Wingdings 3" panose="05040102010807070707" pitchFamily="18" charset="2"/>
               </a:rPr>
-              <a:t>dựn</a:t>
-            </a:r>
-            <a:r>
-              <a:rPr lang="en-US" sz="2000" dirty="0" err="1" smtClean="0">
-                <a:latin typeface="Times New Roman" panose="02020603050405020304" pitchFamily="18" charset="0"/>
-                <a:cs typeface="Times New Roman" panose="02020603050405020304" pitchFamily="18" charset="0"/>
-                <a:sym typeface="Wingdings 3" panose="05040102010807070707" pitchFamily="18" charset="2"/>
-              </a:rPr>
-              <a:t>g</a:t>
+              <a:t>dựng</a:t>
             </a:r>
             <a:r>
               <a:rPr lang="en-US" sz="2000" dirty="0" smtClean="0">
@@ -13370,15 +18983,7 @@
                 <a:cs typeface="Times New Roman" panose="02020603050405020304" pitchFamily="18" charset="0"/>
                 <a:sym typeface="Wingdings 3" panose="05040102010807070707" pitchFamily="18" charset="2"/>
               </a:rPr>
-              <a:t>- </a:t>
-            </a:r>
-            <a:r>
-              <a:rPr lang="en-US" sz="2000" dirty="0" smtClean="0">
-                <a:latin typeface="Times New Roman" panose="02020603050405020304" pitchFamily="18" charset="0"/>
-                <a:cs typeface="Times New Roman" panose="02020603050405020304" pitchFamily="18" charset="0"/>
-                <a:sym typeface="Wingdings 3" panose="05040102010807070707" pitchFamily="18" charset="2"/>
-              </a:rPr>
-              <a:t>JSX </a:t>
+              <a:t>- JSX </a:t>
             </a:r>
             <a:r>
               <a:rPr lang="en-US" sz="2000" dirty="0" err="1" smtClean="0">
@@ -15356,14 +20961,7 @@
                 <a:latin typeface="Times New Roman" panose="02020603050405020304" pitchFamily="18" charset="0"/>
                 <a:cs typeface="Times New Roman" panose="02020603050405020304" pitchFamily="18" charset="0"/>
               </a:rPr>
-              <a:t>2</a:t>
-            </a:r>
-            <a:r>
-              <a:rPr lang="en-US" sz="2400" dirty="0" smtClean="0">
-                <a:latin typeface="Times New Roman" panose="02020603050405020304" pitchFamily="18" charset="0"/>
-                <a:cs typeface="Times New Roman" panose="02020603050405020304" pitchFamily="18" charset="0"/>
-              </a:rPr>
-              <a:t>. </a:t>
+              <a:t>2. </a:t>
             </a:r>
             <a:r>
               <a:rPr lang="en-US" sz="2400" dirty="0" err="1" smtClean="0">

--- a/react_ts.pptx
+++ b/react_ts.pptx
@@ -381,7 +381,7 @@
           <a:p>
             <a:fld id="{4BDF68E2-58F2-4D09-BE8B-E3BD06533059}" type="datetimeFigureOut">
               <a:rPr lang="en-US" dirty="0"/>
-              <a:t>2024-07-02</a:t>
+              <a:t>2024-07-03</a:t>
             </a:fld>
             <a:endParaRPr lang="en-US" dirty="0"/>
           </a:p>
@@ -584,7 +584,7 @@
           <a:p>
             <a:fld id="{2E2D6473-DF6D-4702-B328-E0DD40540A4E}" type="datetimeFigureOut">
               <a:rPr lang="en-US" dirty="0"/>
-              <a:t>2024-07-02</a:t>
+              <a:t>2024-07-03</a:t>
             </a:fld>
             <a:endParaRPr lang="en-US" dirty="0"/>
           </a:p>
@@ -835,7 +835,7 @@
           <a:p>
             <a:fld id="{E26F7E3A-B166-407D-9866-32884E7D5B37}" type="datetimeFigureOut">
               <a:rPr lang="en-US" dirty="0"/>
-              <a:t>2024-07-02</a:t>
+              <a:t>2024-07-03</a:t>
             </a:fld>
             <a:endParaRPr lang="en-US" dirty="0"/>
           </a:p>
@@ -1004,7 +1004,7 @@
           <a:p>
             <a:fld id="{528FC5F6-F338-4AE4-BB23-26385BCFC423}" type="datetimeFigureOut">
               <a:rPr lang="en-US" dirty="0"/>
-              <a:t>2024-07-02</a:t>
+              <a:t>2024-07-03</a:t>
             </a:fld>
             <a:endParaRPr lang="en-US" dirty="0"/>
           </a:p>
@@ -1342,7 +1342,7 @@
           <a:p>
             <a:fld id="{20EBB0C4-6273-4C6E-B9BD-2EDC30F1CD52}" type="datetimeFigureOut">
               <a:rPr lang="en-US" dirty="0"/>
-              <a:t>2024-07-02</a:t>
+              <a:t>2024-07-03</a:t>
             </a:fld>
             <a:endParaRPr lang="en-US" dirty="0"/>
           </a:p>
@@ -1612,7 +1612,7 @@
           <a:p>
             <a:fld id="{19AB4D41-86C1-4908-B66A-0B50CEB3BF29}" type="datetimeFigureOut">
               <a:rPr lang="en-US" dirty="0"/>
-              <a:t>2024-07-02</a:t>
+              <a:t>2024-07-03</a:t>
             </a:fld>
             <a:endParaRPr lang="en-US" dirty="0"/>
           </a:p>
@@ -1986,7 +1986,7 @@
           <a:p>
             <a:fld id="{E6426E2C-56C1-4E0D-A793-0088A7FDD37E}" type="datetimeFigureOut">
               <a:rPr lang="en-US" dirty="0"/>
-              <a:t>2024-07-02</a:t>
+              <a:t>2024-07-03</a:t>
             </a:fld>
             <a:endParaRPr lang="en-US" dirty="0"/>
           </a:p>
@@ -2099,7 +2099,7 @@
           <a:p>
             <a:fld id="{C8C39B41-D8B5-4052-B551-9B5525EAA8B6}" type="datetimeFigureOut">
               <a:rPr lang="en-US" dirty="0"/>
-              <a:t>2024-07-02</a:t>
+              <a:t>2024-07-03</a:t>
             </a:fld>
             <a:endParaRPr lang="en-US" dirty="0"/>
           </a:p>
@@ -2265,7 +2265,7 @@
           <a:p>
             <a:fld id="{4D94136C-8742-45B2-AF27-D93DF72833A9}" type="datetimeFigureOut">
               <a:rPr lang="en-US" dirty="0"/>
-              <a:t>2024-07-02</a:t>
+              <a:t>2024-07-03</a:t>
             </a:fld>
             <a:endParaRPr lang="en-US" dirty="0"/>
           </a:p>
@@ -2615,7 +2615,7 @@
           <a:p>
             <a:fld id="{32ABBEA6-7C60-4B02-AE87-00D78D8422AF}" type="datetimeFigureOut">
               <a:rPr lang="en-US" dirty="0"/>
-              <a:t>2024-07-02</a:t>
+              <a:t>2024-07-03</a:t>
             </a:fld>
             <a:endParaRPr lang="en-US" dirty="0"/>
           </a:p>
@@ -2993,7 +2993,7 @@
           <a:p>
             <a:fld id="{C9CAD897-D46E-4AD2-BD9B-49DD3E640873}" type="datetimeFigureOut">
               <a:rPr lang="en-US" dirty="0"/>
-              <a:t>2024-07-02</a:t>
+              <a:t>2024-07-03</a:t>
             </a:fld>
             <a:endParaRPr lang="en-US" dirty="0"/>
           </a:p>
@@ -3275,7 +3275,7 @@
           <a:p>
             <a:fld id="{98624D31-43A5-475A-80CF-332C9F6DCF35}" type="datetimeFigureOut">
               <a:rPr lang="en-US" dirty="0"/>
-              <a:t>2024-07-02</a:t>
+              <a:t>2024-07-03</a:t>
             </a:fld>
             <a:endParaRPr lang="en-US" dirty="0"/>
           </a:p>
@@ -5284,7 +5284,31 @@
                 <a:cs typeface="Times New Roman" panose="02020603050405020304" pitchFamily="18" charset="0"/>
                 <a:sym typeface="Wingdings 3" panose="05040102010807070707" pitchFamily="18" charset="2"/>
               </a:rPr>
-              <a:t> them Extension: </a:t>
+              <a:t> </a:t>
+            </a:r>
+            <a:r>
+              <a:rPr lang="en-US" sz="1800" dirty="0" err="1" smtClean="0">
+                <a:latin typeface="Times New Roman" panose="02020603050405020304" pitchFamily="18" charset="0"/>
+                <a:cs typeface="Times New Roman" panose="02020603050405020304" pitchFamily="18" charset="0"/>
+                <a:sym typeface="Wingdings 3" panose="05040102010807070707" pitchFamily="18" charset="2"/>
+              </a:rPr>
+              <a:t>thêm</a:t>
+            </a:r>
+            <a:r>
+              <a:rPr lang="en-US" sz="1800" dirty="0" smtClean="0">
+                <a:latin typeface="Times New Roman" panose="02020603050405020304" pitchFamily="18" charset="0"/>
+                <a:cs typeface="Times New Roman" panose="02020603050405020304" pitchFamily="18" charset="0"/>
+                <a:sym typeface="Wingdings 3" panose="05040102010807070707" pitchFamily="18" charset="2"/>
+              </a:rPr>
+              <a:t> </a:t>
+            </a:r>
+            <a:r>
+              <a:rPr lang="en-US" sz="1800" dirty="0" smtClean="0">
+                <a:latin typeface="Times New Roman" panose="02020603050405020304" pitchFamily="18" charset="0"/>
+                <a:cs typeface="Times New Roman" panose="02020603050405020304" pitchFamily="18" charset="0"/>
+                <a:sym typeface="Wingdings 3" panose="05040102010807070707" pitchFamily="18" charset="2"/>
+              </a:rPr>
+              <a:t>Extension: </a:t>
             </a:r>
             <a:r>
               <a:rPr lang="en-US" sz="1800" b="1" dirty="0">
@@ -10354,8 +10378,19 @@
                 <a:latin typeface="Times New Roman" panose="02020603050405020304" pitchFamily="18" charset="0"/>
                 <a:cs typeface="Times New Roman" panose="02020603050405020304" pitchFamily="18" charset="0"/>
               </a:rPr>
-              <a:t>- Fragment</a:t>
-            </a:r>
+              <a:t>- </a:t>
+            </a:r>
+            <a:r>
+              <a:rPr lang="en-US" dirty="0" smtClean="0">
+                <a:latin typeface="Times New Roman" panose="02020603050405020304" pitchFamily="18" charset="0"/>
+                <a:cs typeface="Times New Roman" panose="02020603050405020304" pitchFamily="18" charset="0"/>
+              </a:rPr>
+              <a:t>Fragment</a:t>
+            </a:r>
+            <a:endParaRPr lang="en-US" dirty="0" smtClean="0">
+              <a:latin typeface="Times New Roman" panose="02020603050405020304" pitchFamily="18" charset="0"/>
+              <a:cs typeface="Times New Roman" panose="02020603050405020304" pitchFamily="18" charset="0"/>
+            </a:endParaRPr>
           </a:p>
           <a:p>
             <a:pPr algn="just"/>
@@ -26631,103 +26666,99 @@
               </a:rPr>
               <a:t>.</a:t>
             </a:r>
+          </a:p>
+          <a:p>
+            <a:pPr lvl="1" algn="just"/>
+            <a:r>
+              <a:rPr lang="en-US" sz="2000" dirty="0">
+                <a:latin typeface="Times New Roman" panose="02020603050405020304" pitchFamily="18" charset="0"/>
+                <a:cs typeface="Times New Roman" panose="02020603050405020304" pitchFamily="18" charset="0"/>
+              </a:rPr>
+              <a:t> </a:t>
+            </a:r>
+            <a:r>
+              <a:rPr lang="en-US" sz="2000" dirty="0" err="1" smtClean="0">
+                <a:latin typeface="Times New Roman" panose="02020603050405020304" pitchFamily="18" charset="0"/>
+                <a:cs typeface="Times New Roman" panose="02020603050405020304" pitchFamily="18" charset="0"/>
+              </a:rPr>
+              <a:t>Nội</a:t>
+            </a:r>
+            <a:r>
+              <a:rPr lang="en-US" sz="2000" dirty="0" smtClean="0">
+                <a:latin typeface="Times New Roman" panose="02020603050405020304" pitchFamily="18" charset="0"/>
+                <a:cs typeface="Times New Roman" panose="02020603050405020304" pitchFamily="18" charset="0"/>
+              </a:rPr>
+              <a:t> dung </a:t>
+            </a:r>
+            <a:r>
+              <a:rPr lang="en-US" sz="2000" dirty="0" err="1" smtClean="0">
+                <a:latin typeface="Times New Roman" panose="02020603050405020304" pitchFamily="18" charset="0"/>
+                <a:cs typeface="Times New Roman" panose="02020603050405020304" pitchFamily="18" charset="0"/>
+              </a:rPr>
+              <a:t>cần</a:t>
+            </a:r>
+            <a:r>
+              <a:rPr lang="en-US" sz="2000" dirty="0" smtClean="0">
+                <a:latin typeface="Times New Roman" panose="02020603050405020304" pitchFamily="18" charset="0"/>
+                <a:cs typeface="Times New Roman" panose="02020603050405020304" pitchFamily="18" charset="0"/>
+              </a:rPr>
+              <a:t> </a:t>
+            </a:r>
+            <a:r>
+              <a:rPr lang="en-US" sz="2000" dirty="0" err="1" smtClean="0">
+                <a:latin typeface="Times New Roman" panose="02020603050405020304" pitchFamily="18" charset="0"/>
+                <a:cs typeface="Times New Roman" panose="02020603050405020304" pitchFamily="18" charset="0"/>
+              </a:rPr>
+              <a:t>nắm</a:t>
+            </a:r>
+            <a:r>
+              <a:rPr lang="en-US" sz="2000" dirty="0" smtClean="0">
+                <a:latin typeface="Times New Roman" panose="02020603050405020304" pitchFamily="18" charset="0"/>
+                <a:cs typeface="Times New Roman" panose="02020603050405020304" pitchFamily="18" charset="0"/>
+              </a:rPr>
+              <a:t> </a:t>
+            </a:r>
+            <a:r>
+              <a:rPr lang="en-US" sz="2000" dirty="0" err="1" smtClean="0">
+                <a:latin typeface="Times New Roman" panose="02020603050405020304" pitchFamily="18" charset="0"/>
+                <a:cs typeface="Times New Roman" panose="02020603050405020304" pitchFamily="18" charset="0"/>
+              </a:rPr>
+              <a:t>vững</a:t>
+            </a:r>
+            <a:r>
+              <a:rPr lang="en-US" sz="2000" dirty="0" smtClean="0">
+                <a:latin typeface="Times New Roman" panose="02020603050405020304" pitchFamily="18" charset="0"/>
+                <a:cs typeface="Times New Roman" panose="02020603050405020304" pitchFamily="18" charset="0"/>
+              </a:rPr>
+              <a:t> </a:t>
+            </a:r>
+            <a:r>
+              <a:rPr lang="en-US" sz="2000" dirty="0" err="1" smtClean="0">
+                <a:latin typeface="Times New Roman" panose="02020603050405020304" pitchFamily="18" charset="0"/>
+                <a:cs typeface="Times New Roman" panose="02020603050405020304" pitchFamily="18" charset="0"/>
+              </a:rPr>
+              <a:t>về</a:t>
+            </a:r>
+            <a:r>
+              <a:rPr lang="en-US" sz="2000" dirty="0" smtClean="0">
+                <a:latin typeface="Times New Roman" panose="02020603050405020304" pitchFamily="18" charset="0"/>
+                <a:cs typeface="Times New Roman" panose="02020603050405020304" pitchFamily="18" charset="0"/>
+              </a:rPr>
+              <a:t> </a:t>
+            </a:r>
+            <a:r>
+              <a:rPr lang="en-US" sz="2000" dirty="0" err="1" smtClean="0">
+                <a:latin typeface="Times New Roman" panose="02020603050405020304" pitchFamily="18" charset="0"/>
+                <a:cs typeface="Times New Roman" panose="02020603050405020304" pitchFamily="18" charset="0"/>
+              </a:rPr>
+              <a:t>TypeScript</a:t>
+            </a:r>
             <a:endParaRPr lang="en-US" sz="2000" dirty="0" smtClean="0">
               <a:latin typeface="Times New Roman" panose="02020603050405020304" pitchFamily="18" charset="0"/>
               <a:cs typeface="Times New Roman" panose="02020603050405020304" pitchFamily="18" charset="0"/>
             </a:endParaRPr>
           </a:p>
           <a:p>
-            <a:pPr lvl="1" algn="just"/>
-            <a:r>
-              <a:rPr lang="en-US" sz="2000" dirty="0">
-                <a:latin typeface="Times New Roman" panose="02020603050405020304" pitchFamily="18" charset="0"/>
-                <a:cs typeface="Times New Roman" panose="02020603050405020304" pitchFamily="18" charset="0"/>
-              </a:rPr>
-              <a:t> </a:t>
-            </a:r>
-            <a:r>
-              <a:rPr lang="en-US" sz="2000" dirty="0" err="1" smtClean="0">
-                <a:latin typeface="Times New Roman" panose="02020603050405020304" pitchFamily="18" charset="0"/>
-                <a:cs typeface="Times New Roman" panose="02020603050405020304" pitchFamily="18" charset="0"/>
-              </a:rPr>
-              <a:t>Nội</a:t>
-            </a:r>
-            <a:r>
-              <a:rPr lang="en-US" sz="2000" dirty="0" smtClean="0">
-                <a:latin typeface="Times New Roman" panose="02020603050405020304" pitchFamily="18" charset="0"/>
-                <a:cs typeface="Times New Roman" panose="02020603050405020304" pitchFamily="18" charset="0"/>
-              </a:rPr>
-              <a:t> dung </a:t>
-            </a:r>
-            <a:r>
-              <a:rPr lang="en-US" sz="2000" dirty="0" err="1" smtClean="0">
-                <a:latin typeface="Times New Roman" panose="02020603050405020304" pitchFamily="18" charset="0"/>
-                <a:cs typeface="Times New Roman" panose="02020603050405020304" pitchFamily="18" charset="0"/>
-              </a:rPr>
-              <a:t>cần</a:t>
-            </a:r>
-            <a:r>
-              <a:rPr lang="en-US" sz="2000" dirty="0" smtClean="0">
-                <a:latin typeface="Times New Roman" panose="02020603050405020304" pitchFamily="18" charset="0"/>
-                <a:cs typeface="Times New Roman" panose="02020603050405020304" pitchFamily="18" charset="0"/>
-              </a:rPr>
-              <a:t> </a:t>
-            </a:r>
-            <a:r>
-              <a:rPr lang="en-US" sz="2000" dirty="0" err="1" smtClean="0">
-                <a:latin typeface="Times New Roman" panose="02020603050405020304" pitchFamily="18" charset="0"/>
-                <a:cs typeface="Times New Roman" panose="02020603050405020304" pitchFamily="18" charset="0"/>
-              </a:rPr>
-              <a:t>nắm</a:t>
-            </a:r>
-            <a:r>
-              <a:rPr lang="en-US" sz="2000" dirty="0" smtClean="0">
-                <a:latin typeface="Times New Roman" panose="02020603050405020304" pitchFamily="18" charset="0"/>
-                <a:cs typeface="Times New Roman" panose="02020603050405020304" pitchFamily="18" charset="0"/>
-              </a:rPr>
-              <a:t> </a:t>
-            </a:r>
-            <a:r>
-              <a:rPr lang="en-US" sz="2000" dirty="0" err="1" smtClean="0">
-                <a:latin typeface="Times New Roman" panose="02020603050405020304" pitchFamily="18" charset="0"/>
-                <a:cs typeface="Times New Roman" panose="02020603050405020304" pitchFamily="18" charset="0"/>
-              </a:rPr>
-              <a:t>vững</a:t>
-            </a:r>
-            <a:r>
-              <a:rPr lang="en-US" sz="2000" dirty="0" smtClean="0">
-                <a:latin typeface="Times New Roman" panose="02020603050405020304" pitchFamily="18" charset="0"/>
-                <a:cs typeface="Times New Roman" panose="02020603050405020304" pitchFamily="18" charset="0"/>
-              </a:rPr>
-              <a:t> </a:t>
-            </a:r>
-            <a:r>
-              <a:rPr lang="en-US" sz="2000" dirty="0" err="1" smtClean="0">
-                <a:latin typeface="Times New Roman" panose="02020603050405020304" pitchFamily="18" charset="0"/>
-                <a:cs typeface="Times New Roman" panose="02020603050405020304" pitchFamily="18" charset="0"/>
-              </a:rPr>
-              <a:t>về</a:t>
-            </a:r>
-            <a:r>
-              <a:rPr lang="en-US" sz="2000" dirty="0" smtClean="0">
-                <a:latin typeface="Times New Roman" panose="02020603050405020304" pitchFamily="18" charset="0"/>
-                <a:cs typeface="Times New Roman" panose="02020603050405020304" pitchFamily="18" charset="0"/>
-              </a:rPr>
-              <a:t> </a:t>
-            </a:r>
-            <a:r>
-              <a:rPr lang="en-US" sz="2000" dirty="0" err="1" smtClean="0">
-                <a:latin typeface="Times New Roman" panose="02020603050405020304" pitchFamily="18" charset="0"/>
-                <a:cs typeface="Times New Roman" panose="02020603050405020304" pitchFamily="18" charset="0"/>
-              </a:rPr>
-              <a:t>TypeScript</a:t>
-            </a:r>
-            <a:endParaRPr lang="en-US" sz="2000" dirty="0" smtClean="0">
-              <a:latin typeface="Times New Roman" panose="02020603050405020304" pitchFamily="18" charset="0"/>
-              <a:cs typeface="Times New Roman" panose="02020603050405020304" pitchFamily="18" charset="0"/>
-            </a:endParaRPr>
-          </a:p>
-          <a:p>
             <a:pPr marL="384048" lvl="2" indent="0" algn="just">
               <a:buNone/>
             </a:pPr>
@@ -26792,21 +26823,7 @@
                 <a:latin typeface="Times New Roman" panose="02020603050405020304" pitchFamily="18" charset="0"/>
                 <a:cs typeface="Times New Roman" panose="02020603050405020304" pitchFamily="18" charset="0"/>
               </a:rPr>
-              <a:t>, </a:t>
-            </a:r>
-            <a:r>
-              <a:rPr lang="en-US" sz="2000" dirty="0" smtClean="0">
-                <a:latin typeface="Times New Roman" panose="02020603050405020304" pitchFamily="18" charset="0"/>
-                <a:cs typeface="Times New Roman" panose="02020603050405020304" pitchFamily="18" charset="0"/>
-              </a:rPr>
-              <a:t>any</a:t>
-            </a:r>
-            <a:r>
-              <a:rPr lang="en-US" sz="2000" dirty="0" smtClean="0">
-                <a:latin typeface="Times New Roman" panose="02020603050405020304" pitchFamily="18" charset="0"/>
-                <a:cs typeface="Times New Roman" panose="02020603050405020304" pitchFamily="18" charset="0"/>
-              </a:rPr>
-              <a:t>, undefined, …</a:t>
+              <a:t>, any, undefined, …</a:t>
             </a:r>
           </a:p>
           <a:p>

--- a/react_ts.pptx
+++ b/react_ts.pptx
@@ -33,22 +33,23 @@
     <p:sldId id="279" r:id="rId27"/>
     <p:sldId id="280" r:id="rId28"/>
     <p:sldId id="283" r:id="rId29"/>
-    <p:sldId id="290" r:id="rId30"/>
-    <p:sldId id="291" r:id="rId31"/>
-    <p:sldId id="294" r:id="rId32"/>
-    <p:sldId id="293" r:id="rId33"/>
-    <p:sldId id="295" r:id="rId34"/>
-    <p:sldId id="299" r:id="rId35"/>
-    <p:sldId id="296" r:id="rId36"/>
-    <p:sldId id="297" r:id="rId37"/>
-    <p:sldId id="298" r:id="rId38"/>
-    <p:sldId id="285" r:id="rId39"/>
-    <p:sldId id="286" r:id="rId40"/>
-    <p:sldId id="287" r:id="rId41"/>
-    <p:sldId id="288" r:id="rId42"/>
-    <p:sldId id="289" r:id="rId43"/>
-    <p:sldId id="262" r:id="rId44"/>
-    <p:sldId id="263" r:id="rId45"/>
+    <p:sldId id="307" r:id="rId30"/>
+    <p:sldId id="290" r:id="rId31"/>
+    <p:sldId id="291" r:id="rId32"/>
+    <p:sldId id="294" r:id="rId33"/>
+    <p:sldId id="293" r:id="rId34"/>
+    <p:sldId id="295" r:id="rId35"/>
+    <p:sldId id="299" r:id="rId36"/>
+    <p:sldId id="296" r:id="rId37"/>
+    <p:sldId id="297" r:id="rId38"/>
+    <p:sldId id="298" r:id="rId39"/>
+    <p:sldId id="285" r:id="rId40"/>
+    <p:sldId id="286" r:id="rId41"/>
+    <p:sldId id="287" r:id="rId42"/>
+    <p:sldId id="288" r:id="rId43"/>
+    <p:sldId id="289" r:id="rId44"/>
+    <p:sldId id="262" r:id="rId45"/>
+    <p:sldId id="263" r:id="rId46"/>
   </p:sldIdLst>
   <p:sldSz cx="12192000" cy="6858000"/>
   <p:notesSz cx="6858000" cy="9144000"/>
@@ -381,7 +382,7 @@
           <a:p>
             <a:fld id="{4BDF68E2-58F2-4D09-BE8B-E3BD06533059}" type="datetimeFigureOut">
               <a:rPr lang="en-US" dirty="0"/>
-              <a:t>2024-07-03</a:t>
+              <a:t>2024-07-09</a:t>
             </a:fld>
             <a:endParaRPr lang="en-US" dirty="0"/>
           </a:p>
@@ -584,7 +585,7 @@
           <a:p>
             <a:fld id="{2E2D6473-DF6D-4702-B328-E0DD40540A4E}" type="datetimeFigureOut">
               <a:rPr lang="en-US" dirty="0"/>
-              <a:t>2024-07-03</a:t>
+              <a:t>2024-07-09</a:t>
             </a:fld>
             <a:endParaRPr lang="en-US" dirty="0"/>
           </a:p>
@@ -835,7 +836,7 @@
           <a:p>
             <a:fld id="{E26F7E3A-B166-407D-9866-32884E7D5B37}" type="datetimeFigureOut">
               <a:rPr lang="en-US" dirty="0"/>
-              <a:t>2024-07-03</a:t>
+              <a:t>2024-07-09</a:t>
             </a:fld>
             <a:endParaRPr lang="en-US" dirty="0"/>
           </a:p>
@@ -1004,7 +1005,7 @@
           <a:p>
             <a:fld id="{528FC5F6-F338-4AE4-BB23-26385BCFC423}" type="datetimeFigureOut">
               <a:rPr lang="en-US" dirty="0"/>
-              <a:t>2024-07-03</a:t>
+              <a:t>2024-07-09</a:t>
             </a:fld>
             <a:endParaRPr lang="en-US" dirty="0"/>
           </a:p>
@@ -1342,7 +1343,7 @@
           <a:p>
             <a:fld id="{20EBB0C4-6273-4C6E-B9BD-2EDC30F1CD52}" type="datetimeFigureOut">
               <a:rPr lang="en-US" dirty="0"/>
-              <a:t>2024-07-03</a:t>
+              <a:t>2024-07-09</a:t>
             </a:fld>
             <a:endParaRPr lang="en-US" dirty="0"/>
           </a:p>
@@ -1612,7 +1613,7 @@
           <a:p>
             <a:fld id="{19AB4D41-86C1-4908-B66A-0B50CEB3BF29}" type="datetimeFigureOut">
               <a:rPr lang="en-US" dirty="0"/>
-              <a:t>2024-07-03</a:t>
+              <a:t>2024-07-09</a:t>
             </a:fld>
             <a:endParaRPr lang="en-US" dirty="0"/>
           </a:p>
@@ -1986,7 +1987,7 @@
           <a:p>
             <a:fld id="{E6426E2C-56C1-4E0D-A793-0088A7FDD37E}" type="datetimeFigureOut">
               <a:rPr lang="en-US" dirty="0"/>
-              <a:t>2024-07-03</a:t>
+              <a:t>2024-07-09</a:t>
             </a:fld>
             <a:endParaRPr lang="en-US" dirty="0"/>
           </a:p>
@@ -2099,7 +2100,7 @@
           <a:p>
             <a:fld id="{C8C39B41-D8B5-4052-B551-9B5525EAA8B6}" type="datetimeFigureOut">
               <a:rPr lang="en-US" dirty="0"/>
-              <a:t>2024-07-03</a:t>
+              <a:t>2024-07-09</a:t>
             </a:fld>
             <a:endParaRPr lang="en-US" dirty="0"/>
           </a:p>
@@ -2265,7 +2266,7 @@
           <a:p>
             <a:fld id="{4D94136C-8742-45B2-AF27-D93DF72833A9}" type="datetimeFigureOut">
               <a:rPr lang="en-US" dirty="0"/>
-              <a:t>2024-07-03</a:t>
+              <a:t>2024-07-09</a:t>
             </a:fld>
             <a:endParaRPr lang="en-US" dirty="0"/>
           </a:p>
@@ -2615,7 +2616,7 @@
           <a:p>
             <a:fld id="{32ABBEA6-7C60-4B02-AE87-00D78D8422AF}" type="datetimeFigureOut">
               <a:rPr lang="en-US" dirty="0"/>
-              <a:t>2024-07-03</a:t>
+              <a:t>2024-07-09</a:t>
             </a:fld>
             <a:endParaRPr lang="en-US" dirty="0"/>
           </a:p>
@@ -2993,7 +2994,7 @@
           <a:p>
             <a:fld id="{C9CAD897-D46E-4AD2-BD9B-49DD3E640873}" type="datetimeFigureOut">
               <a:rPr lang="en-US" dirty="0"/>
-              <a:t>2024-07-03</a:t>
+              <a:t>2024-07-09</a:t>
             </a:fld>
             <a:endParaRPr lang="en-US" dirty="0"/>
           </a:p>
@@ -3275,7 +3276,7 @@
           <a:p>
             <a:fld id="{98624D31-43A5-475A-80CF-332C9F6DCF35}" type="datetimeFigureOut">
               <a:rPr lang="en-US" dirty="0"/>
-              <a:t>2024-07-03</a:t>
+              <a:t>2024-07-09</a:t>
             </a:fld>
             <a:endParaRPr lang="en-US" dirty="0"/>
           </a:p>
@@ -5300,15 +5301,7 @@
                 <a:cs typeface="Times New Roman" panose="02020603050405020304" pitchFamily="18" charset="0"/>
                 <a:sym typeface="Wingdings 3" panose="05040102010807070707" pitchFamily="18" charset="2"/>
               </a:rPr>
-              <a:t> </a:t>
-            </a:r>
-            <a:r>
-              <a:rPr lang="en-US" sz="1800" dirty="0" smtClean="0">
-                <a:latin typeface="Times New Roman" panose="02020603050405020304" pitchFamily="18" charset="0"/>
-                <a:cs typeface="Times New Roman" panose="02020603050405020304" pitchFamily="18" charset="0"/>
-                <a:sym typeface="Wingdings 3" panose="05040102010807070707" pitchFamily="18" charset="2"/>
-              </a:rPr>
-              <a:t>Extension: </a:t>
+              <a:t> Extension: </a:t>
             </a:r>
             <a:r>
               <a:rPr lang="en-US" sz="1800" b="1" dirty="0">
@@ -10378,19 +10371,8 @@
                 <a:latin typeface="Times New Roman" panose="02020603050405020304" pitchFamily="18" charset="0"/>
                 <a:cs typeface="Times New Roman" panose="02020603050405020304" pitchFamily="18" charset="0"/>
               </a:rPr>
-              <a:t>- </a:t>
-            </a:r>
-            <a:r>
-              <a:rPr lang="en-US" dirty="0" smtClean="0">
-                <a:latin typeface="Times New Roman" panose="02020603050405020304" pitchFamily="18" charset="0"/>
-                <a:cs typeface="Times New Roman" panose="02020603050405020304" pitchFamily="18" charset="0"/>
-              </a:rPr>
-              <a:t>Fragment</a:t>
-            </a:r>
-            <a:endParaRPr lang="en-US" dirty="0" smtClean="0">
-              <a:latin typeface="Times New Roman" panose="02020603050405020304" pitchFamily="18" charset="0"/>
-              <a:cs typeface="Times New Roman" panose="02020603050405020304" pitchFamily="18" charset="0"/>
-            </a:endParaRPr>
+              <a:t>- Fragment</a:t>
+            </a:r>
           </a:p>
           <a:p>
             <a:pPr algn="just"/>
@@ -14268,19 +14250,16 @@
           <a:lstStyle/>
           <a:p>
             <a:r>
-              <a:rPr lang="en-US" dirty="0" err="1">
-                <a:latin typeface="Times New Roman" panose="02020603050405020304" pitchFamily="18" charset="0"/>
-                <a:cs typeface="Times New Roman" panose="02020603050405020304" pitchFamily="18" charset="0"/>
-              </a:rPr>
-              <a:t>Redux</a:t>
-            </a:r>
-            <a:r>
-              <a:rPr lang="en-US" dirty="0">
-                <a:latin typeface="Times New Roman" panose="02020603050405020304" pitchFamily="18" charset="0"/>
-                <a:cs typeface="Times New Roman" panose="02020603050405020304" pitchFamily="18" charset="0"/>
-              </a:rPr>
-              <a:t> toolkit</a:t>
-            </a:r>
+              <a:rPr lang="en-US" dirty="0" smtClean="0">
+                <a:latin typeface="Times New Roman" panose="02020603050405020304" pitchFamily="18" charset="0"/>
+                <a:cs typeface="Times New Roman" panose="02020603050405020304" pitchFamily="18" charset="0"/>
+              </a:rPr>
+              <a:t>Service</a:t>
+            </a:r>
+            <a:endParaRPr lang="en-US" dirty="0">
+              <a:latin typeface="Times New Roman" panose="02020603050405020304" pitchFamily="18" charset="0"/>
+              <a:cs typeface="Times New Roman" panose="02020603050405020304" pitchFamily="18" charset="0"/>
+            </a:endParaRPr>
           </a:p>
         </p:txBody>
       </p:sp>
@@ -14299,7 +14278,6 @@
           <a:bodyPr/>
           <a:lstStyle/>
           <a:p>
-            <a:pPr algn="just"/>
             <a:r>
               <a:rPr lang="en-US" dirty="0" smtClean="0">
                 <a:latin typeface="Times New Roman" panose="02020603050405020304" pitchFamily="18" charset="0"/>
@@ -14308,276 +14286,14 @@
               <a:t>- </a:t>
             </a:r>
             <a:r>
-              <a:rPr lang="en-US" dirty="0" err="1">
-                <a:latin typeface="Times New Roman" panose="02020603050405020304" pitchFamily="18" charset="0"/>
-                <a:cs typeface="Times New Roman" panose="02020603050405020304" pitchFamily="18" charset="0"/>
-              </a:rPr>
-              <a:t>L</a:t>
-            </a:r>
-            <a:r>
               <a:rPr lang="en-US" dirty="0" err="1" smtClean="0">
                 <a:latin typeface="Times New Roman" panose="02020603050405020304" pitchFamily="18" charset="0"/>
                 <a:cs typeface="Times New Roman" panose="02020603050405020304" pitchFamily="18" charset="0"/>
               </a:rPr>
-              <a:t>à</a:t>
-            </a:r>
-            <a:r>
-              <a:rPr lang="en-US" dirty="0" smtClean="0">
-                <a:latin typeface="Times New Roman" panose="02020603050405020304" pitchFamily="18" charset="0"/>
-                <a:cs typeface="Times New Roman" panose="02020603050405020304" pitchFamily="18" charset="0"/>
-              </a:rPr>
-              <a:t> </a:t>
-            </a:r>
-            <a:r>
-              <a:rPr lang="en-US" dirty="0" err="1">
-                <a:latin typeface="Times New Roman" panose="02020603050405020304" pitchFamily="18" charset="0"/>
-                <a:cs typeface="Times New Roman" panose="02020603050405020304" pitchFamily="18" charset="0"/>
-              </a:rPr>
-              <a:t>một</a:t>
-            </a:r>
-            <a:r>
-              <a:rPr lang="en-US" dirty="0">
-                <a:latin typeface="Times New Roman" panose="02020603050405020304" pitchFamily="18" charset="0"/>
-                <a:cs typeface="Times New Roman" panose="02020603050405020304" pitchFamily="18" charset="0"/>
-              </a:rPr>
-              <a:t> </a:t>
-            </a:r>
-            <a:r>
-              <a:rPr lang="en-US" dirty="0" err="1">
-                <a:latin typeface="Times New Roman" panose="02020603050405020304" pitchFamily="18" charset="0"/>
-                <a:cs typeface="Times New Roman" panose="02020603050405020304" pitchFamily="18" charset="0"/>
-              </a:rPr>
-              <a:t>công</a:t>
-            </a:r>
-            <a:r>
-              <a:rPr lang="en-US" dirty="0">
-                <a:latin typeface="Times New Roman" panose="02020603050405020304" pitchFamily="18" charset="0"/>
-                <a:cs typeface="Times New Roman" panose="02020603050405020304" pitchFamily="18" charset="0"/>
-              </a:rPr>
-              <a:t> </a:t>
-            </a:r>
-            <a:r>
-              <a:rPr lang="en-US" dirty="0" err="1">
-                <a:latin typeface="Times New Roman" panose="02020603050405020304" pitchFamily="18" charset="0"/>
-                <a:cs typeface="Times New Roman" panose="02020603050405020304" pitchFamily="18" charset="0"/>
-              </a:rPr>
-              <a:t>cụ</a:t>
-            </a:r>
-            <a:r>
-              <a:rPr lang="en-US" dirty="0">
-                <a:latin typeface="Times New Roman" panose="02020603050405020304" pitchFamily="18" charset="0"/>
-                <a:cs typeface="Times New Roman" panose="02020603050405020304" pitchFamily="18" charset="0"/>
-              </a:rPr>
-              <a:t> </a:t>
-            </a:r>
-            <a:r>
-              <a:rPr lang="en-US" dirty="0" err="1">
-                <a:latin typeface="Times New Roman" panose="02020603050405020304" pitchFamily="18" charset="0"/>
-                <a:cs typeface="Times New Roman" panose="02020603050405020304" pitchFamily="18" charset="0"/>
-              </a:rPr>
-              <a:t>mạnh</a:t>
-            </a:r>
-            <a:r>
-              <a:rPr lang="en-US" dirty="0">
-                <a:latin typeface="Times New Roman" panose="02020603050405020304" pitchFamily="18" charset="0"/>
-                <a:cs typeface="Times New Roman" panose="02020603050405020304" pitchFamily="18" charset="0"/>
-              </a:rPr>
-              <a:t> </a:t>
-            </a:r>
-            <a:r>
-              <a:rPr lang="en-US" dirty="0" err="1">
-                <a:latin typeface="Times New Roman" panose="02020603050405020304" pitchFamily="18" charset="0"/>
-                <a:cs typeface="Times New Roman" panose="02020603050405020304" pitchFamily="18" charset="0"/>
-              </a:rPr>
-              <a:t>mẽ</a:t>
-            </a:r>
-            <a:r>
-              <a:rPr lang="en-US" dirty="0">
-                <a:latin typeface="Times New Roman" panose="02020603050405020304" pitchFamily="18" charset="0"/>
-                <a:cs typeface="Times New Roman" panose="02020603050405020304" pitchFamily="18" charset="0"/>
-              </a:rPr>
-              <a:t> </a:t>
-            </a:r>
-            <a:r>
-              <a:rPr lang="en-US" dirty="0" err="1">
-                <a:latin typeface="Times New Roman" panose="02020603050405020304" pitchFamily="18" charset="0"/>
-                <a:cs typeface="Times New Roman" panose="02020603050405020304" pitchFamily="18" charset="0"/>
-              </a:rPr>
-              <a:t>và</a:t>
-            </a:r>
-            <a:r>
-              <a:rPr lang="en-US" dirty="0">
-                <a:latin typeface="Times New Roman" panose="02020603050405020304" pitchFamily="18" charset="0"/>
-                <a:cs typeface="Times New Roman" panose="02020603050405020304" pitchFamily="18" charset="0"/>
-              </a:rPr>
-              <a:t> </a:t>
-            </a:r>
-            <a:r>
-              <a:rPr lang="en-US" dirty="0" err="1">
-                <a:latin typeface="Times New Roman" panose="02020603050405020304" pitchFamily="18" charset="0"/>
-                <a:cs typeface="Times New Roman" panose="02020603050405020304" pitchFamily="18" charset="0"/>
-              </a:rPr>
-              <a:t>hữu</a:t>
-            </a:r>
-            <a:r>
-              <a:rPr lang="en-US" dirty="0">
-                <a:latin typeface="Times New Roman" panose="02020603050405020304" pitchFamily="18" charset="0"/>
-                <a:cs typeface="Times New Roman" panose="02020603050405020304" pitchFamily="18" charset="0"/>
-              </a:rPr>
-              <a:t> </a:t>
-            </a:r>
-            <a:r>
-              <a:rPr lang="en-US" dirty="0" err="1">
-                <a:latin typeface="Times New Roman" panose="02020603050405020304" pitchFamily="18" charset="0"/>
-                <a:cs typeface="Times New Roman" panose="02020603050405020304" pitchFamily="18" charset="0"/>
-              </a:rPr>
-              <a:t>ích</a:t>
-            </a:r>
-            <a:r>
-              <a:rPr lang="en-US" dirty="0">
-                <a:latin typeface="Times New Roman" panose="02020603050405020304" pitchFamily="18" charset="0"/>
-                <a:cs typeface="Times New Roman" panose="02020603050405020304" pitchFamily="18" charset="0"/>
-              </a:rPr>
-              <a:t> </a:t>
-            </a:r>
-            <a:r>
-              <a:rPr lang="en-US" dirty="0" err="1">
-                <a:latin typeface="Times New Roman" panose="02020603050405020304" pitchFamily="18" charset="0"/>
-                <a:cs typeface="Times New Roman" panose="02020603050405020304" pitchFamily="18" charset="0"/>
-              </a:rPr>
-              <a:t>cho</a:t>
-            </a:r>
-            <a:r>
-              <a:rPr lang="en-US" dirty="0">
-                <a:latin typeface="Times New Roman" panose="02020603050405020304" pitchFamily="18" charset="0"/>
-                <a:cs typeface="Times New Roman" panose="02020603050405020304" pitchFamily="18" charset="0"/>
-              </a:rPr>
-              <a:t> </a:t>
-            </a:r>
-            <a:r>
-              <a:rPr lang="en-US" dirty="0" err="1">
-                <a:latin typeface="Times New Roman" panose="02020603050405020304" pitchFamily="18" charset="0"/>
-                <a:cs typeface="Times New Roman" panose="02020603050405020304" pitchFamily="18" charset="0"/>
-              </a:rPr>
-              <a:t>việc</a:t>
-            </a:r>
-            <a:r>
-              <a:rPr lang="en-US" dirty="0">
-                <a:latin typeface="Times New Roman" panose="02020603050405020304" pitchFamily="18" charset="0"/>
-                <a:cs typeface="Times New Roman" panose="02020603050405020304" pitchFamily="18" charset="0"/>
-              </a:rPr>
-              <a:t> </a:t>
-            </a:r>
-            <a:r>
-              <a:rPr lang="en-US" dirty="0" err="1">
-                <a:latin typeface="Times New Roman" panose="02020603050405020304" pitchFamily="18" charset="0"/>
-                <a:cs typeface="Times New Roman" panose="02020603050405020304" pitchFamily="18" charset="0"/>
-              </a:rPr>
-              <a:t>quản</a:t>
-            </a:r>
-            <a:r>
-              <a:rPr lang="en-US" dirty="0">
-                <a:latin typeface="Times New Roman" panose="02020603050405020304" pitchFamily="18" charset="0"/>
-                <a:cs typeface="Times New Roman" panose="02020603050405020304" pitchFamily="18" charset="0"/>
-              </a:rPr>
-              <a:t> </a:t>
-            </a:r>
-            <a:r>
-              <a:rPr lang="en-US" dirty="0" err="1">
-                <a:latin typeface="Times New Roman" panose="02020603050405020304" pitchFamily="18" charset="0"/>
-                <a:cs typeface="Times New Roman" panose="02020603050405020304" pitchFamily="18" charset="0"/>
-              </a:rPr>
-              <a:t>lý</a:t>
-            </a:r>
-            <a:r>
-              <a:rPr lang="en-US" dirty="0">
-                <a:latin typeface="Times New Roman" panose="02020603050405020304" pitchFamily="18" charset="0"/>
-                <a:cs typeface="Times New Roman" panose="02020603050405020304" pitchFamily="18" charset="0"/>
-              </a:rPr>
-              <a:t> state </a:t>
-            </a:r>
-            <a:r>
-              <a:rPr lang="en-US" dirty="0" err="1">
-                <a:latin typeface="Times New Roman" panose="02020603050405020304" pitchFamily="18" charset="0"/>
-                <a:cs typeface="Times New Roman" panose="02020603050405020304" pitchFamily="18" charset="0"/>
-              </a:rPr>
-              <a:t>trong</a:t>
-            </a:r>
-            <a:r>
-              <a:rPr lang="en-US" dirty="0">
-                <a:latin typeface="Times New Roman" panose="02020603050405020304" pitchFamily="18" charset="0"/>
-                <a:cs typeface="Times New Roman" panose="02020603050405020304" pitchFamily="18" charset="0"/>
-              </a:rPr>
-              <a:t> </a:t>
-            </a:r>
-            <a:r>
-              <a:rPr lang="en-US" dirty="0" err="1">
-                <a:latin typeface="Times New Roman" panose="02020603050405020304" pitchFamily="18" charset="0"/>
-                <a:cs typeface="Times New Roman" panose="02020603050405020304" pitchFamily="18" charset="0"/>
-              </a:rPr>
-              <a:t>ứng</a:t>
-            </a:r>
-            <a:r>
-              <a:rPr lang="en-US" dirty="0">
-                <a:latin typeface="Times New Roman" panose="02020603050405020304" pitchFamily="18" charset="0"/>
-                <a:cs typeface="Times New Roman" panose="02020603050405020304" pitchFamily="18" charset="0"/>
-              </a:rPr>
-              <a:t> </a:t>
-            </a:r>
-            <a:r>
-              <a:rPr lang="en-US" dirty="0" err="1">
-                <a:latin typeface="Times New Roman" panose="02020603050405020304" pitchFamily="18" charset="0"/>
-                <a:cs typeface="Times New Roman" panose="02020603050405020304" pitchFamily="18" charset="0"/>
-              </a:rPr>
-              <a:t>dụng</a:t>
-            </a:r>
-            <a:r>
-              <a:rPr lang="en-US" dirty="0">
-                <a:latin typeface="Times New Roman" panose="02020603050405020304" pitchFamily="18" charset="0"/>
-                <a:cs typeface="Times New Roman" panose="02020603050405020304" pitchFamily="18" charset="0"/>
-              </a:rPr>
-              <a:t> </a:t>
-            </a:r>
-            <a:r>
-              <a:rPr lang="en-US" dirty="0" smtClean="0">
-                <a:latin typeface="Times New Roman" panose="02020603050405020304" pitchFamily="18" charset="0"/>
-                <a:cs typeface="Times New Roman" panose="02020603050405020304" pitchFamily="18" charset="0"/>
-              </a:rPr>
-              <a:t>React.</a:t>
-            </a:r>
-          </a:p>
-          <a:p>
-            <a:pPr algn="just"/>
-            <a:r>
-              <a:rPr lang="en-US" dirty="0" smtClean="0">
-                <a:latin typeface="Times New Roman" panose="02020603050405020304" pitchFamily="18" charset="0"/>
-                <a:cs typeface="Times New Roman" panose="02020603050405020304" pitchFamily="18" charset="0"/>
-              </a:rPr>
-              <a:t>- </a:t>
-            </a:r>
-            <a:r>
-              <a:rPr lang="en-US" dirty="0" err="1">
-                <a:latin typeface="Times New Roman" panose="02020603050405020304" pitchFamily="18" charset="0"/>
-                <a:cs typeface="Times New Roman" panose="02020603050405020304" pitchFamily="18" charset="0"/>
-              </a:rPr>
-              <a:t>Ứng</a:t>
-            </a:r>
-            <a:r>
-              <a:rPr lang="en-US" dirty="0">
-                <a:latin typeface="Times New Roman" panose="02020603050405020304" pitchFamily="18" charset="0"/>
-                <a:cs typeface="Times New Roman" panose="02020603050405020304" pitchFamily="18" charset="0"/>
-              </a:rPr>
-              <a:t> </a:t>
-            </a:r>
-            <a:r>
-              <a:rPr lang="en-US" dirty="0" err="1">
-                <a:latin typeface="Times New Roman" panose="02020603050405020304" pitchFamily="18" charset="0"/>
-                <a:cs typeface="Times New Roman" panose="02020603050405020304" pitchFamily="18" charset="0"/>
-              </a:rPr>
-              <a:t>dụng</a:t>
-            </a:r>
-            <a:r>
-              <a:rPr lang="en-US" dirty="0">
+              <a:t>Bài</a:t>
+            </a:r>
+            <a:r>
+              <a:rPr lang="en-US" dirty="0" smtClean="0">
                 <a:latin typeface="Times New Roman" panose="02020603050405020304" pitchFamily="18" charset="0"/>
                 <a:cs typeface="Times New Roman" panose="02020603050405020304" pitchFamily="18" charset="0"/>
               </a:rPr>
@@ -14588,192 +14304,91 @@
                 <a:latin typeface="Times New Roman" panose="02020603050405020304" pitchFamily="18" charset="0"/>
                 <a:cs typeface="Times New Roman" panose="02020603050405020304" pitchFamily="18" charset="0"/>
               </a:rPr>
-              <a:t>có</a:t>
-            </a:r>
-            <a:r>
-              <a:rPr lang="en-US" dirty="0" smtClean="0">
-                <a:latin typeface="Times New Roman" panose="02020603050405020304" pitchFamily="18" charset="0"/>
-                <a:cs typeface="Times New Roman" panose="02020603050405020304" pitchFamily="18" charset="0"/>
-              </a:rPr>
-              <a:t> </a:t>
-            </a:r>
-            <a:r>
-              <a:rPr lang="en-US" dirty="0" err="1">
-                <a:latin typeface="Times New Roman" panose="02020603050405020304" pitchFamily="18" charset="0"/>
-                <a:cs typeface="Times New Roman" panose="02020603050405020304" pitchFamily="18" charset="0"/>
-              </a:rPr>
-              <a:t>nhiều</a:t>
-            </a:r>
-            <a:r>
-              <a:rPr lang="en-US" dirty="0">
-                <a:latin typeface="Times New Roman" panose="02020603050405020304" pitchFamily="18" charset="0"/>
-                <a:cs typeface="Times New Roman" panose="02020603050405020304" pitchFamily="18" charset="0"/>
-              </a:rPr>
-              <a:t> </a:t>
-            </a:r>
-            <a:r>
-              <a:rPr lang="en-US" dirty="0" err="1">
-                <a:latin typeface="Times New Roman" panose="02020603050405020304" pitchFamily="18" charset="0"/>
-                <a:cs typeface="Times New Roman" panose="02020603050405020304" pitchFamily="18" charset="0"/>
-              </a:rPr>
-              <a:t>thành</a:t>
-            </a:r>
-            <a:r>
-              <a:rPr lang="en-US" dirty="0">
-                <a:latin typeface="Times New Roman" panose="02020603050405020304" pitchFamily="18" charset="0"/>
-                <a:cs typeface="Times New Roman" panose="02020603050405020304" pitchFamily="18" charset="0"/>
-              </a:rPr>
-              <a:t> </a:t>
-            </a:r>
-            <a:r>
-              <a:rPr lang="en-US" dirty="0" err="1">
-                <a:latin typeface="Times New Roman" panose="02020603050405020304" pitchFamily="18" charset="0"/>
-                <a:cs typeface="Times New Roman" panose="02020603050405020304" pitchFamily="18" charset="0"/>
-              </a:rPr>
-              <a:t>phần</a:t>
-            </a:r>
-            <a:r>
-              <a:rPr lang="en-US" dirty="0">
-                <a:latin typeface="Times New Roman" panose="02020603050405020304" pitchFamily="18" charset="0"/>
-                <a:cs typeface="Times New Roman" panose="02020603050405020304" pitchFamily="18" charset="0"/>
-              </a:rPr>
-              <a:t> </a:t>
-            </a:r>
-            <a:r>
-              <a:rPr lang="en-US" dirty="0" err="1">
-                <a:latin typeface="Times New Roman" panose="02020603050405020304" pitchFamily="18" charset="0"/>
-                <a:cs typeface="Times New Roman" panose="02020603050405020304" pitchFamily="18" charset="0"/>
-              </a:rPr>
-              <a:t>cần</a:t>
-            </a:r>
-            <a:r>
-              <a:rPr lang="en-US" dirty="0">
-                <a:latin typeface="Times New Roman" panose="02020603050405020304" pitchFamily="18" charset="0"/>
-                <a:cs typeface="Times New Roman" panose="02020603050405020304" pitchFamily="18" charset="0"/>
-              </a:rPr>
-              <a:t> chia </a:t>
-            </a:r>
-            <a:r>
-              <a:rPr lang="en-US" dirty="0" err="1">
-                <a:latin typeface="Times New Roman" panose="02020603050405020304" pitchFamily="18" charset="0"/>
-                <a:cs typeface="Times New Roman" panose="02020603050405020304" pitchFamily="18" charset="0"/>
-              </a:rPr>
-              <a:t>sẻ</a:t>
-            </a:r>
-            <a:r>
-              <a:rPr lang="en-US" dirty="0">
-                <a:latin typeface="Times New Roman" panose="02020603050405020304" pitchFamily="18" charset="0"/>
-                <a:cs typeface="Times New Roman" panose="02020603050405020304" pitchFamily="18" charset="0"/>
-              </a:rPr>
-              <a:t> state </a:t>
-            </a:r>
-            <a:r>
-              <a:rPr lang="en-US" dirty="0" err="1">
-                <a:latin typeface="Times New Roman" panose="02020603050405020304" pitchFamily="18" charset="0"/>
-                <a:cs typeface="Times New Roman" panose="02020603050405020304" pitchFamily="18" charset="0"/>
-              </a:rPr>
-              <a:t>hoặc</a:t>
-            </a:r>
-            <a:r>
-              <a:rPr lang="en-US" dirty="0">
-                <a:latin typeface="Times New Roman" panose="02020603050405020304" pitchFamily="18" charset="0"/>
-                <a:cs typeface="Times New Roman" panose="02020603050405020304" pitchFamily="18" charset="0"/>
-              </a:rPr>
-              <a:t> state </a:t>
-            </a:r>
-            <a:r>
-              <a:rPr lang="en-US" dirty="0" err="1">
-                <a:latin typeface="Times New Roman" panose="02020603050405020304" pitchFamily="18" charset="0"/>
-                <a:cs typeface="Times New Roman" panose="02020603050405020304" pitchFamily="18" charset="0"/>
-              </a:rPr>
-              <a:t>có</a:t>
-            </a:r>
-            <a:r>
-              <a:rPr lang="en-US" dirty="0">
-                <a:latin typeface="Times New Roman" panose="02020603050405020304" pitchFamily="18" charset="0"/>
-                <a:cs typeface="Times New Roman" panose="02020603050405020304" pitchFamily="18" charset="0"/>
-              </a:rPr>
-              <a:t> </a:t>
-            </a:r>
-            <a:r>
-              <a:rPr lang="en-US" dirty="0" err="1">
-                <a:latin typeface="Times New Roman" panose="02020603050405020304" pitchFamily="18" charset="0"/>
-                <a:cs typeface="Times New Roman" panose="02020603050405020304" pitchFamily="18" charset="0"/>
-              </a:rPr>
-              <a:t>cấu</a:t>
-            </a:r>
-            <a:r>
-              <a:rPr lang="en-US" dirty="0">
-                <a:latin typeface="Times New Roman" panose="02020603050405020304" pitchFamily="18" charset="0"/>
-                <a:cs typeface="Times New Roman" panose="02020603050405020304" pitchFamily="18" charset="0"/>
-              </a:rPr>
-              <a:t> </a:t>
-            </a:r>
-            <a:r>
-              <a:rPr lang="en-US" dirty="0" err="1">
-                <a:latin typeface="Times New Roman" panose="02020603050405020304" pitchFamily="18" charset="0"/>
-                <a:cs typeface="Times New Roman" panose="02020603050405020304" pitchFamily="18" charset="0"/>
-              </a:rPr>
-              <a:t>trúc</a:t>
-            </a:r>
-            <a:r>
-              <a:rPr lang="en-US" dirty="0">
-                <a:latin typeface="Times New Roman" panose="02020603050405020304" pitchFamily="18" charset="0"/>
-                <a:cs typeface="Times New Roman" panose="02020603050405020304" pitchFamily="18" charset="0"/>
-              </a:rPr>
-              <a:t> </a:t>
-            </a:r>
-            <a:r>
-              <a:rPr lang="en-US" dirty="0" err="1">
-                <a:latin typeface="Times New Roman" panose="02020603050405020304" pitchFamily="18" charset="0"/>
-                <a:cs typeface="Times New Roman" panose="02020603050405020304" pitchFamily="18" charset="0"/>
-              </a:rPr>
-              <a:t>phức</a:t>
-            </a:r>
-            <a:r>
-              <a:rPr lang="en-US" dirty="0">
-                <a:latin typeface="Times New Roman" panose="02020603050405020304" pitchFamily="18" charset="0"/>
-                <a:cs typeface="Times New Roman" panose="02020603050405020304" pitchFamily="18" charset="0"/>
-              </a:rPr>
-              <a:t> </a:t>
+              <a:t>tập</a:t>
+            </a:r>
+            <a:r>
+              <a:rPr lang="en-US" dirty="0" smtClean="0">
+                <a:latin typeface="Times New Roman" panose="02020603050405020304" pitchFamily="18" charset="0"/>
+                <a:cs typeface="Times New Roman" panose="02020603050405020304" pitchFamily="18" charset="0"/>
+              </a:rPr>
+              <a:t> – </a:t>
             </a:r>
             <a:r>
               <a:rPr lang="en-US" dirty="0" err="1" smtClean="0">
                 <a:latin typeface="Times New Roman" panose="02020603050405020304" pitchFamily="18" charset="0"/>
                 <a:cs typeface="Times New Roman" panose="02020603050405020304" pitchFamily="18" charset="0"/>
               </a:rPr>
-              <a:t>tạp</a:t>
-            </a:r>
-            <a:r>
-              <a:rPr lang="en-US" dirty="0" smtClean="0">
-                <a:latin typeface="Times New Roman" panose="02020603050405020304" pitchFamily="18" charset="0"/>
-                <a:cs typeface="Times New Roman" panose="02020603050405020304" pitchFamily="18" charset="0"/>
-              </a:rPr>
-              <a:t>.</a:t>
-            </a:r>
-          </a:p>
-          <a:p>
-            <a:pPr algn="just"/>
-            <a:r>
-              <a:rPr lang="en-US" dirty="0" smtClean="0">
-                <a:latin typeface="Times New Roman" panose="02020603050405020304" pitchFamily="18" charset="0"/>
-                <a:cs typeface="Times New Roman" panose="02020603050405020304" pitchFamily="18" charset="0"/>
-              </a:rPr>
-              <a:t>- </a:t>
-            </a:r>
-            <a:r>
-              <a:rPr lang="vi-VN" dirty="0">
-                <a:latin typeface="Times New Roman" panose="02020603050405020304" pitchFamily="18" charset="0"/>
-                <a:cs typeface="Times New Roman" panose="02020603050405020304" pitchFamily="18" charset="0"/>
-              </a:rPr>
-              <a:t>State cần được truy cập và cập nhật từ nhiều thành phần khác nhau trong ứng </a:t>
-            </a:r>
-            <a:r>
-              <a:rPr lang="vi-VN" dirty="0" smtClean="0">
-                <a:latin typeface="Times New Roman" panose="02020603050405020304" pitchFamily="18" charset="0"/>
-                <a:cs typeface="Times New Roman" panose="02020603050405020304" pitchFamily="18" charset="0"/>
-              </a:rPr>
-              <a:t>dụng</a:t>
+              <a:t>hiển</a:t>
+            </a:r>
+            <a:r>
+              <a:rPr lang="en-US" dirty="0" smtClean="0">
+                <a:latin typeface="Times New Roman" panose="02020603050405020304" pitchFamily="18" charset="0"/>
+                <a:cs typeface="Times New Roman" panose="02020603050405020304" pitchFamily="18" charset="0"/>
+              </a:rPr>
+              <a:t> </a:t>
+            </a:r>
+            <a:r>
+              <a:rPr lang="en-US" dirty="0" err="1" smtClean="0">
+                <a:latin typeface="Times New Roman" panose="02020603050405020304" pitchFamily="18" charset="0"/>
+                <a:cs typeface="Times New Roman" panose="02020603050405020304" pitchFamily="18" charset="0"/>
+              </a:rPr>
+              <a:t>thị</a:t>
+            </a:r>
+            <a:r>
+              <a:rPr lang="en-US" dirty="0" smtClean="0">
+                <a:latin typeface="Times New Roman" panose="02020603050405020304" pitchFamily="18" charset="0"/>
+                <a:cs typeface="Times New Roman" panose="02020603050405020304" pitchFamily="18" charset="0"/>
+              </a:rPr>
+              <a:t> </a:t>
+            </a:r>
+            <a:r>
+              <a:rPr lang="en-US" dirty="0" err="1" smtClean="0">
+                <a:latin typeface="Times New Roman" panose="02020603050405020304" pitchFamily="18" charset="0"/>
+                <a:cs typeface="Times New Roman" panose="02020603050405020304" pitchFamily="18" charset="0"/>
+              </a:rPr>
+              <a:t>dữ</a:t>
+            </a:r>
+            <a:r>
+              <a:rPr lang="en-US" dirty="0" smtClean="0">
+                <a:latin typeface="Times New Roman" panose="02020603050405020304" pitchFamily="18" charset="0"/>
+                <a:cs typeface="Times New Roman" panose="02020603050405020304" pitchFamily="18" charset="0"/>
+              </a:rPr>
+              <a:t> </a:t>
+            </a:r>
+            <a:r>
+              <a:rPr lang="en-US" dirty="0" err="1" smtClean="0">
+                <a:latin typeface="Times New Roman" panose="02020603050405020304" pitchFamily="18" charset="0"/>
+                <a:cs typeface="Times New Roman" panose="02020603050405020304" pitchFamily="18" charset="0"/>
+              </a:rPr>
+              <a:t>liệu</a:t>
+            </a:r>
+            <a:r>
+              <a:rPr lang="en-US" dirty="0" smtClean="0">
+                <a:latin typeface="Times New Roman" panose="02020603050405020304" pitchFamily="18" charset="0"/>
+                <a:cs typeface="Times New Roman" panose="02020603050405020304" pitchFamily="18" charset="0"/>
+              </a:rPr>
+              <a:t> </a:t>
+            </a:r>
+            <a:r>
+              <a:rPr lang="en-US" dirty="0" err="1" smtClean="0">
+                <a:latin typeface="Times New Roman" panose="02020603050405020304" pitchFamily="18" charset="0"/>
+                <a:cs typeface="Times New Roman" panose="02020603050405020304" pitchFamily="18" charset="0"/>
+              </a:rPr>
+              <a:t>từ</a:t>
+            </a:r>
+            <a:r>
+              <a:rPr lang="en-US" dirty="0" smtClean="0">
+                <a:latin typeface="Times New Roman" panose="02020603050405020304" pitchFamily="18" charset="0"/>
+                <a:cs typeface="Times New Roman" panose="02020603050405020304" pitchFamily="18" charset="0"/>
+              </a:rPr>
+              <a:t> </a:t>
+            </a:r>
+            <a:r>
+              <a:rPr lang="en-US" dirty="0" err="1" smtClean="0">
+                <a:latin typeface="Times New Roman" panose="02020603050405020304" pitchFamily="18" charset="0"/>
+                <a:cs typeface="Times New Roman" panose="02020603050405020304" pitchFamily="18" charset="0"/>
+              </a:rPr>
+              <a:t>api</a:t>
             </a:r>
             <a:endParaRPr lang="en-US" dirty="0" smtClean="0">
               <a:latin typeface="Times New Roman" panose="02020603050405020304" pitchFamily="18" charset="0"/>
@@ -14781,417 +14396,27 @@
             </a:endParaRPr>
           </a:p>
           <a:p>
-            <a:pPr algn="just"/>
-            <a:r>
-              <a:rPr lang="en-US" dirty="0" smtClean="0">
-                <a:latin typeface="Times New Roman" panose="02020603050405020304" pitchFamily="18" charset="0"/>
-                <a:cs typeface="Times New Roman" panose="02020603050405020304" pitchFamily="18" charset="0"/>
-              </a:rPr>
-              <a:t>- </a:t>
-            </a:r>
-            <a:r>
-              <a:rPr lang="vi-VN" dirty="0" smtClean="0">
-                <a:latin typeface="Times New Roman" panose="02020603050405020304" pitchFamily="18" charset="0"/>
-                <a:cs typeface="Times New Roman" panose="02020603050405020304" pitchFamily="18" charset="0"/>
-              </a:rPr>
-              <a:t>Sử </a:t>
-            </a:r>
-            <a:r>
-              <a:rPr lang="vi-VN" dirty="0">
-                <a:latin typeface="Times New Roman" panose="02020603050405020304" pitchFamily="18" charset="0"/>
-                <a:cs typeface="Times New Roman" panose="02020603050405020304" pitchFamily="18" charset="0"/>
-              </a:rPr>
-              <a:t>dụng Redux giúp tránh việc truyền props qua nhiều cấp độ của component tree, làm cho mã dễ đọc và dễ quản lý </a:t>
-            </a:r>
-            <a:r>
-              <a:rPr lang="vi-VN" dirty="0" smtClean="0">
-                <a:latin typeface="Times New Roman" panose="02020603050405020304" pitchFamily="18" charset="0"/>
-                <a:cs typeface="Times New Roman" panose="02020603050405020304" pitchFamily="18" charset="0"/>
-              </a:rPr>
-              <a:t>hơn</a:t>
-            </a:r>
-            <a:endParaRPr lang="en-US" dirty="0" smtClean="0">
-              <a:latin typeface="Times New Roman" panose="02020603050405020304" pitchFamily="18" charset="0"/>
-              <a:cs typeface="Times New Roman" panose="02020603050405020304" pitchFamily="18" charset="0"/>
-            </a:endParaRPr>
-          </a:p>
-          <a:p>
-            <a:pPr algn="just"/>
-            <a:r>
-              <a:rPr lang="en-US" dirty="0" smtClean="0">
-                <a:latin typeface="Times New Roman" panose="02020603050405020304" pitchFamily="18" charset="0"/>
-                <a:cs typeface="Times New Roman" panose="02020603050405020304" pitchFamily="18" charset="0"/>
-              </a:rPr>
-              <a:t>- </a:t>
-            </a:r>
-            <a:r>
-              <a:rPr lang="vi-VN" dirty="0">
-                <a:latin typeface="Times New Roman" panose="02020603050405020304" pitchFamily="18" charset="0"/>
-                <a:cs typeface="Times New Roman" panose="02020603050405020304" pitchFamily="18" charset="0"/>
-              </a:rPr>
-              <a:t>Ứng dụng cần lưu trữ và đồng bộ hóa state từ nhiều nguồn khác </a:t>
-            </a:r>
-            <a:r>
-              <a:rPr lang="vi-VN" dirty="0" smtClean="0">
-                <a:latin typeface="Times New Roman" panose="02020603050405020304" pitchFamily="18" charset="0"/>
-                <a:cs typeface="Times New Roman" panose="02020603050405020304" pitchFamily="18" charset="0"/>
-              </a:rPr>
-              <a:t>nhau</a:t>
-            </a:r>
-            <a:endParaRPr lang="en-US" dirty="0" smtClean="0">
-              <a:latin typeface="Times New Roman" panose="02020603050405020304" pitchFamily="18" charset="0"/>
-              <a:cs typeface="Times New Roman" panose="02020603050405020304" pitchFamily="18" charset="0"/>
-            </a:endParaRPr>
-          </a:p>
-          <a:p>
-            <a:pPr algn="just"/>
             <a:r>
               <a:rPr lang="en-US" dirty="0">
                 <a:latin typeface="Times New Roman" panose="02020603050405020304" pitchFamily="18" charset="0"/>
                 <a:cs typeface="Times New Roman" panose="02020603050405020304" pitchFamily="18" charset="0"/>
               </a:rPr>
-              <a:t>- </a:t>
-            </a:r>
-            <a:r>
-              <a:rPr lang="en-US" dirty="0" err="1">
-                <a:latin typeface="Times New Roman" panose="02020603050405020304" pitchFamily="18" charset="0"/>
-                <a:cs typeface="Times New Roman" panose="02020603050405020304" pitchFamily="18" charset="0"/>
-              </a:rPr>
-              <a:t>Redux</a:t>
-            </a:r>
-            <a:r>
-              <a:rPr lang="en-US" dirty="0">
-                <a:latin typeface="Times New Roman" panose="02020603050405020304" pitchFamily="18" charset="0"/>
-                <a:cs typeface="Times New Roman" panose="02020603050405020304" pitchFamily="18" charset="0"/>
-              </a:rPr>
-              <a:t> Toolkit </a:t>
-            </a:r>
-            <a:r>
-              <a:rPr lang="en-US" dirty="0" err="1">
-                <a:latin typeface="Times New Roman" panose="02020603050405020304" pitchFamily="18" charset="0"/>
-                <a:cs typeface="Times New Roman" panose="02020603050405020304" pitchFamily="18" charset="0"/>
-              </a:rPr>
-              <a:t>hỗ</a:t>
-            </a:r>
-            <a:r>
-              <a:rPr lang="en-US" dirty="0">
-                <a:latin typeface="Times New Roman" panose="02020603050405020304" pitchFamily="18" charset="0"/>
-                <a:cs typeface="Times New Roman" panose="02020603050405020304" pitchFamily="18" charset="0"/>
-              </a:rPr>
-              <a:t> </a:t>
-            </a:r>
-            <a:r>
-              <a:rPr lang="en-US" dirty="0" err="1">
-                <a:latin typeface="Times New Roman" panose="02020603050405020304" pitchFamily="18" charset="0"/>
-                <a:cs typeface="Times New Roman" panose="02020603050405020304" pitchFamily="18" charset="0"/>
-              </a:rPr>
-              <a:t>trợ</a:t>
-            </a:r>
-            <a:r>
-              <a:rPr lang="en-US" dirty="0">
-                <a:latin typeface="Times New Roman" panose="02020603050405020304" pitchFamily="18" charset="0"/>
-                <a:cs typeface="Times New Roman" panose="02020603050405020304" pitchFamily="18" charset="0"/>
-              </a:rPr>
-              <a:t> </a:t>
-            </a:r>
-            <a:r>
-              <a:rPr lang="en-US" dirty="0" err="1">
-                <a:latin typeface="Times New Roman" panose="02020603050405020304" pitchFamily="18" charset="0"/>
-                <a:cs typeface="Times New Roman" panose="02020603050405020304" pitchFamily="18" charset="0"/>
-              </a:rPr>
-              <a:t>mạnh</a:t>
-            </a:r>
-            <a:r>
-              <a:rPr lang="en-US" dirty="0">
-                <a:latin typeface="Times New Roman" panose="02020603050405020304" pitchFamily="18" charset="0"/>
-                <a:cs typeface="Times New Roman" panose="02020603050405020304" pitchFamily="18" charset="0"/>
-              </a:rPr>
-              <a:t> </a:t>
-            </a:r>
-            <a:r>
-              <a:rPr lang="en-US" dirty="0" err="1">
-                <a:latin typeface="Times New Roman" panose="02020603050405020304" pitchFamily="18" charset="0"/>
-                <a:cs typeface="Times New Roman" panose="02020603050405020304" pitchFamily="18" charset="0"/>
-              </a:rPr>
-              <a:t>mẽ</a:t>
-            </a:r>
-            <a:r>
-              <a:rPr lang="en-US" dirty="0">
-                <a:latin typeface="Times New Roman" panose="02020603050405020304" pitchFamily="18" charset="0"/>
-                <a:cs typeface="Times New Roman" panose="02020603050405020304" pitchFamily="18" charset="0"/>
-              </a:rPr>
-              <a:t> </a:t>
-            </a:r>
-            <a:r>
-              <a:rPr lang="en-US" dirty="0" err="1">
-                <a:latin typeface="Times New Roman" panose="02020603050405020304" pitchFamily="18" charset="0"/>
-                <a:cs typeface="Times New Roman" panose="02020603050405020304" pitchFamily="18" charset="0"/>
-              </a:rPr>
-              <a:t>cho</a:t>
-            </a:r>
-            <a:r>
-              <a:rPr lang="en-US" dirty="0">
-                <a:latin typeface="Times New Roman" panose="02020603050405020304" pitchFamily="18" charset="0"/>
-                <a:cs typeface="Times New Roman" panose="02020603050405020304" pitchFamily="18" charset="0"/>
-              </a:rPr>
-              <a:t> </a:t>
-            </a:r>
-            <a:r>
-              <a:rPr lang="en-US" dirty="0" err="1">
-                <a:latin typeface="Times New Roman" panose="02020603050405020304" pitchFamily="18" charset="0"/>
-                <a:cs typeface="Times New Roman" panose="02020603050405020304" pitchFamily="18" charset="0"/>
-              </a:rPr>
-              <a:t>các</a:t>
-            </a:r>
-            <a:r>
-              <a:rPr lang="en-US" dirty="0">
-                <a:latin typeface="Times New Roman" panose="02020603050405020304" pitchFamily="18" charset="0"/>
-                <a:cs typeface="Times New Roman" panose="02020603050405020304" pitchFamily="18" charset="0"/>
-              </a:rPr>
-              <a:t> </a:t>
-            </a:r>
-            <a:r>
-              <a:rPr lang="en-US" dirty="0" err="1">
-                <a:latin typeface="Times New Roman" panose="02020603050405020304" pitchFamily="18" charset="0"/>
-                <a:cs typeface="Times New Roman" panose="02020603050405020304" pitchFamily="18" charset="0"/>
-              </a:rPr>
-              <a:t>tác</a:t>
-            </a:r>
-            <a:r>
-              <a:rPr lang="en-US" dirty="0">
-                <a:latin typeface="Times New Roman" panose="02020603050405020304" pitchFamily="18" charset="0"/>
-                <a:cs typeface="Times New Roman" panose="02020603050405020304" pitchFamily="18" charset="0"/>
-              </a:rPr>
-              <a:t> </a:t>
-            </a:r>
-            <a:r>
-              <a:rPr lang="en-US" dirty="0" err="1">
-                <a:latin typeface="Times New Roman" panose="02020603050405020304" pitchFamily="18" charset="0"/>
-                <a:cs typeface="Times New Roman" panose="02020603050405020304" pitchFamily="18" charset="0"/>
-              </a:rPr>
-              <a:t>vụ</a:t>
-            </a:r>
-            <a:r>
-              <a:rPr lang="en-US" dirty="0">
-                <a:latin typeface="Times New Roman" panose="02020603050405020304" pitchFamily="18" charset="0"/>
-                <a:cs typeface="Times New Roman" panose="02020603050405020304" pitchFamily="18" charset="0"/>
-              </a:rPr>
-              <a:t> </a:t>
-            </a:r>
-            <a:r>
-              <a:rPr lang="en-US" dirty="0" err="1">
-                <a:latin typeface="Times New Roman" panose="02020603050405020304" pitchFamily="18" charset="0"/>
-                <a:cs typeface="Times New Roman" panose="02020603050405020304" pitchFamily="18" charset="0"/>
-              </a:rPr>
-              <a:t>bất</a:t>
-            </a:r>
-            <a:r>
-              <a:rPr lang="en-US" dirty="0">
-                <a:latin typeface="Times New Roman" panose="02020603050405020304" pitchFamily="18" charset="0"/>
-                <a:cs typeface="Times New Roman" panose="02020603050405020304" pitchFamily="18" charset="0"/>
-              </a:rPr>
-              <a:t> </a:t>
-            </a:r>
-            <a:r>
-              <a:rPr lang="en-US" dirty="0" err="1">
-                <a:latin typeface="Times New Roman" panose="02020603050405020304" pitchFamily="18" charset="0"/>
-                <a:cs typeface="Times New Roman" panose="02020603050405020304" pitchFamily="18" charset="0"/>
-              </a:rPr>
-              <a:t>đồng</a:t>
-            </a:r>
-            <a:r>
-              <a:rPr lang="en-US" dirty="0">
-                <a:latin typeface="Times New Roman" panose="02020603050405020304" pitchFamily="18" charset="0"/>
-                <a:cs typeface="Times New Roman" panose="02020603050405020304" pitchFamily="18" charset="0"/>
-              </a:rPr>
-              <a:t> </a:t>
-            </a:r>
-            <a:r>
-              <a:rPr lang="en-US" dirty="0" err="1">
-                <a:latin typeface="Times New Roman" panose="02020603050405020304" pitchFamily="18" charset="0"/>
-                <a:cs typeface="Times New Roman" panose="02020603050405020304" pitchFamily="18" charset="0"/>
-              </a:rPr>
-              <a:t>bộ</a:t>
-            </a:r>
-            <a:r>
-              <a:rPr lang="en-US" dirty="0">
-                <a:latin typeface="Times New Roman" panose="02020603050405020304" pitchFamily="18" charset="0"/>
-                <a:cs typeface="Times New Roman" panose="02020603050405020304" pitchFamily="18" charset="0"/>
-              </a:rPr>
-              <a:t> </a:t>
-            </a:r>
-            <a:r>
-              <a:rPr lang="en-US" dirty="0" err="1">
-                <a:latin typeface="Times New Roman" panose="02020603050405020304" pitchFamily="18" charset="0"/>
-                <a:cs typeface="Times New Roman" panose="02020603050405020304" pitchFamily="18" charset="0"/>
-              </a:rPr>
-              <a:t>với</a:t>
-            </a:r>
-            <a:r>
-              <a:rPr lang="en-US" dirty="0">
-                <a:latin typeface="Times New Roman" panose="02020603050405020304" pitchFamily="18" charset="0"/>
-                <a:cs typeface="Times New Roman" panose="02020603050405020304" pitchFamily="18" charset="0"/>
-              </a:rPr>
-              <a:t> </a:t>
-            </a:r>
-            <a:r>
-              <a:rPr lang="en-US" dirty="0" err="1">
-                <a:latin typeface="Times New Roman" panose="02020603050405020304" pitchFamily="18" charset="0"/>
-                <a:cs typeface="Times New Roman" panose="02020603050405020304" pitchFamily="18" charset="0"/>
-              </a:rPr>
-              <a:t>createAsyncThunk</a:t>
-            </a:r>
-            <a:r>
-              <a:rPr lang="en-US" dirty="0">
-                <a:latin typeface="Times New Roman" panose="02020603050405020304" pitchFamily="18" charset="0"/>
-                <a:cs typeface="Times New Roman" panose="02020603050405020304" pitchFamily="18" charset="0"/>
-              </a:rPr>
-              <a:t>, </a:t>
-            </a:r>
-            <a:r>
-              <a:rPr lang="en-US" dirty="0" err="1">
-                <a:latin typeface="Times New Roman" panose="02020603050405020304" pitchFamily="18" charset="0"/>
-                <a:cs typeface="Times New Roman" panose="02020603050405020304" pitchFamily="18" charset="0"/>
-              </a:rPr>
-              <a:t>giúp</a:t>
-            </a:r>
-            <a:r>
-              <a:rPr lang="en-US" dirty="0">
-                <a:latin typeface="Times New Roman" panose="02020603050405020304" pitchFamily="18" charset="0"/>
-                <a:cs typeface="Times New Roman" panose="02020603050405020304" pitchFamily="18" charset="0"/>
-              </a:rPr>
-              <a:t> </a:t>
-            </a:r>
-            <a:r>
-              <a:rPr lang="en-US" dirty="0" err="1">
-                <a:latin typeface="Times New Roman" panose="02020603050405020304" pitchFamily="18" charset="0"/>
-                <a:cs typeface="Times New Roman" panose="02020603050405020304" pitchFamily="18" charset="0"/>
-              </a:rPr>
-              <a:t>quản</a:t>
-            </a:r>
-            <a:r>
-              <a:rPr lang="en-US" dirty="0">
-                <a:latin typeface="Times New Roman" panose="02020603050405020304" pitchFamily="18" charset="0"/>
-                <a:cs typeface="Times New Roman" panose="02020603050405020304" pitchFamily="18" charset="0"/>
-              </a:rPr>
-              <a:t> </a:t>
-            </a:r>
-            <a:r>
-              <a:rPr lang="en-US" dirty="0" err="1">
-                <a:latin typeface="Times New Roman" panose="02020603050405020304" pitchFamily="18" charset="0"/>
-                <a:cs typeface="Times New Roman" panose="02020603050405020304" pitchFamily="18" charset="0"/>
-              </a:rPr>
-              <a:t>lý</a:t>
-            </a:r>
-            <a:r>
-              <a:rPr lang="en-US" dirty="0">
-                <a:latin typeface="Times New Roman" panose="02020603050405020304" pitchFamily="18" charset="0"/>
-                <a:cs typeface="Times New Roman" panose="02020603050405020304" pitchFamily="18" charset="0"/>
-              </a:rPr>
-              <a:t> state </a:t>
-            </a:r>
-            <a:r>
-              <a:rPr lang="en-US" dirty="0" err="1">
-                <a:latin typeface="Times New Roman" panose="02020603050405020304" pitchFamily="18" charset="0"/>
-                <a:cs typeface="Times New Roman" panose="02020603050405020304" pitchFamily="18" charset="0"/>
-              </a:rPr>
-              <a:t>một</a:t>
-            </a:r>
-            <a:r>
-              <a:rPr lang="en-US" dirty="0">
-                <a:latin typeface="Times New Roman" panose="02020603050405020304" pitchFamily="18" charset="0"/>
-                <a:cs typeface="Times New Roman" panose="02020603050405020304" pitchFamily="18" charset="0"/>
-              </a:rPr>
-              <a:t> </a:t>
-            </a:r>
-            <a:r>
-              <a:rPr lang="en-US" dirty="0" err="1">
-                <a:latin typeface="Times New Roman" panose="02020603050405020304" pitchFamily="18" charset="0"/>
-                <a:cs typeface="Times New Roman" panose="02020603050405020304" pitchFamily="18" charset="0"/>
-              </a:rPr>
-              <a:t>cách</a:t>
-            </a:r>
-            <a:r>
-              <a:rPr lang="en-US" dirty="0">
-                <a:latin typeface="Times New Roman" panose="02020603050405020304" pitchFamily="18" charset="0"/>
-                <a:cs typeface="Times New Roman" panose="02020603050405020304" pitchFamily="18" charset="0"/>
-              </a:rPr>
-              <a:t> </a:t>
-            </a:r>
-            <a:r>
-              <a:rPr lang="en-US" dirty="0" err="1">
-                <a:latin typeface="Times New Roman" panose="02020603050405020304" pitchFamily="18" charset="0"/>
-                <a:cs typeface="Times New Roman" panose="02020603050405020304" pitchFamily="18" charset="0"/>
-              </a:rPr>
-              <a:t>dễ</a:t>
-            </a:r>
-            <a:r>
-              <a:rPr lang="en-US" dirty="0">
-                <a:latin typeface="Times New Roman" panose="02020603050405020304" pitchFamily="18" charset="0"/>
-                <a:cs typeface="Times New Roman" panose="02020603050405020304" pitchFamily="18" charset="0"/>
-              </a:rPr>
-              <a:t> </a:t>
-            </a:r>
-            <a:r>
-              <a:rPr lang="en-US" dirty="0" err="1">
-                <a:latin typeface="Times New Roman" panose="02020603050405020304" pitchFamily="18" charset="0"/>
-                <a:cs typeface="Times New Roman" panose="02020603050405020304" pitchFamily="18" charset="0"/>
-              </a:rPr>
-              <a:t>dàng</a:t>
-            </a:r>
-            <a:r>
-              <a:rPr lang="en-US" dirty="0">
-                <a:latin typeface="Times New Roman" panose="02020603050405020304" pitchFamily="18" charset="0"/>
-                <a:cs typeface="Times New Roman" panose="02020603050405020304" pitchFamily="18" charset="0"/>
-              </a:rPr>
-              <a:t> </a:t>
-            </a:r>
-            <a:r>
-              <a:rPr lang="en-US" dirty="0" err="1">
-                <a:latin typeface="Times New Roman" panose="02020603050405020304" pitchFamily="18" charset="0"/>
-                <a:cs typeface="Times New Roman" panose="02020603050405020304" pitchFamily="18" charset="0"/>
-              </a:rPr>
-              <a:t>và</a:t>
-            </a:r>
-            <a:r>
-              <a:rPr lang="en-US" dirty="0">
-                <a:latin typeface="Times New Roman" panose="02020603050405020304" pitchFamily="18" charset="0"/>
-                <a:cs typeface="Times New Roman" panose="02020603050405020304" pitchFamily="18" charset="0"/>
-              </a:rPr>
-              <a:t> </a:t>
-            </a:r>
-            <a:r>
-              <a:rPr lang="en-US" dirty="0" err="1">
-                <a:latin typeface="Times New Roman" panose="02020603050405020304" pitchFamily="18" charset="0"/>
-                <a:cs typeface="Times New Roman" panose="02020603050405020304" pitchFamily="18" charset="0"/>
-              </a:rPr>
-              <a:t>nhất</a:t>
-            </a:r>
-            <a:r>
-              <a:rPr lang="en-US" dirty="0">
-                <a:latin typeface="Times New Roman" panose="02020603050405020304" pitchFamily="18" charset="0"/>
-                <a:cs typeface="Times New Roman" panose="02020603050405020304" pitchFamily="18" charset="0"/>
-              </a:rPr>
-              <a:t> </a:t>
-            </a:r>
-            <a:r>
-              <a:rPr lang="en-US" dirty="0" err="1">
-                <a:latin typeface="Times New Roman" panose="02020603050405020304" pitchFamily="18" charset="0"/>
-                <a:cs typeface="Times New Roman" panose="02020603050405020304" pitchFamily="18" charset="0"/>
-              </a:rPr>
-              <a:t>quán</a:t>
-            </a:r>
-            <a:endParaRPr lang="en-US" dirty="0" smtClean="0">
-              <a:latin typeface="Times New Roman" panose="02020603050405020304" pitchFamily="18" charset="0"/>
-              <a:cs typeface="Times New Roman" panose="02020603050405020304" pitchFamily="18" charset="0"/>
-            </a:endParaRPr>
+              <a:t>- https://jsonplaceholder.typicode.com/posts?_page=2&amp;_</a:t>
+            </a:r>
+            <a:r>
+              <a:rPr lang="en-US" dirty="0" smtClean="0">
+                <a:latin typeface="Times New Roman" panose="02020603050405020304" pitchFamily="18" charset="0"/>
+                <a:cs typeface="Times New Roman" panose="02020603050405020304" pitchFamily="18" charset="0"/>
+              </a:rPr>
+              <a:t>limit=10</a:t>
+            </a:r>
           </a:p>
         </p:txBody>
       </p:sp>
     </p:spTree>
     <p:extLst>
       <p:ext uri="{BB962C8B-B14F-4D97-AF65-F5344CB8AC3E}">
-        <p14:creationId xmlns:p14="http://schemas.microsoft.com/office/powerpoint/2010/main" val="3471919952"/>
+        <p14:creationId xmlns:p14="http://schemas.microsoft.com/office/powerpoint/2010/main" val="3507777330"/>
       </p:ext>
     </p:extLst>
   </p:cSld>
@@ -16013,6 +15238,979 @@
 </file>
 
 <file path=ppt/slides/slide30.xml><?xml version="1.0" encoding="utf-8"?>
+<p:sld xmlns:a="http://schemas.openxmlformats.org/drawingml/2006/main" xmlns:r="http://schemas.openxmlformats.org/officeDocument/2006/relationships" xmlns:p="http://schemas.openxmlformats.org/presentationml/2006/main">
+  <p:cSld>
+    <p:spTree>
+      <p:nvGrpSpPr>
+        <p:cNvPr id="1" name=""/>
+        <p:cNvGrpSpPr/>
+        <p:nvPr/>
+      </p:nvGrpSpPr>
+      <p:grpSpPr>
+        <a:xfrm>
+          <a:off x="0" y="0"/>
+          <a:ext cx="0" cy="0"/>
+          <a:chOff x="0" y="0"/>
+          <a:chExt cx="0" cy="0"/>
+        </a:xfrm>
+      </p:grpSpPr>
+      <p:sp>
+        <p:nvSpPr>
+          <p:cNvPr id="2" name="Title 1"/>
+          <p:cNvSpPr>
+            <a:spLocks noGrp="1"/>
+          </p:cNvSpPr>
+          <p:nvPr>
+            <p:ph type="title"/>
+          </p:nvPr>
+        </p:nvSpPr>
+        <p:spPr/>
+        <p:txBody>
+          <a:bodyPr/>
+          <a:lstStyle/>
+          <a:p>
+            <a:r>
+              <a:rPr lang="en-US" dirty="0" err="1">
+                <a:latin typeface="Times New Roman" panose="02020603050405020304" pitchFamily="18" charset="0"/>
+                <a:cs typeface="Times New Roman" panose="02020603050405020304" pitchFamily="18" charset="0"/>
+              </a:rPr>
+              <a:t>Redux</a:t>
+            </a:r>
+            <a:r>
+              <a:rPr lang="en-US" dirty="0">
+                <a:latin typeface="Times New Roman" panose="02020603050405020304" pitchFamily="18" charset="0"/>
+                <a:cs typeface="Times New Roman" panose="02020603050405020304" pitchFamily="18" charset="0"/>
+              </a:rPr>
+              <a:t> toolkit</a:t>
+            </a:r>
+          </a:p>
+        </p:txBody>
+      </p:sp>
+      <p:sp>
+        <p:nvSpPr>
+          <p:cNvPr id="3" name="Content Placeholder 2"/>
+          <p:cNvSpPr>
+            <a:spLocks noGrp="1"/>
+          </p:cNvSpPr>
+          <p:nvPr>
+            <p:ph idx="1"/>
+          </p:nvPr>
+        </p:nvSpPr>
+        <p:spPr/>
+        <p:txBody>
+          <a:bodyPr/>
+          <a:lstStyle/>
+          <a:p>
+            <a:pPr algn="just"/>
+            <a:r>
+              <a:rPr lang="en-US" dirty="0" smtClean="0">
+                <a:latin typeface="Times New Roman" panose="02020603050405020304" pitchFamily="18" charset="0"/>
+                <a:cs typeface="Times New Roman" panose="02020603050405020304" pitchFamily="18" charset="0"/>
+              </a:rPr>
+              <a:t>- </a:t>
+            </a:r>
+            <a:r>
+              <a:rPr lang="en-US" dirty="0" err="1">
+                <a:latin typeface="Times New Roman" panose="02020603050405020304" pitchFamily="18" charset="0"/>
+                <a:cs typeface="Times New Roman" panose="02020603050405020304" pitchFamily="18" charset="0"/>
+              </a:rPr>
+              <a:t>L</a:t>
+            </a:r>
+            <a:r>
+              <a:rPr lang="en-US" dirty="0" err="1" smtClean="0">
+                <a:latin typeface="Times New Roman" panose="02020603050405020304" pitchFamily="18" charset="0"/>
+                <a:cs typeface="Times New Roman" panose="02020603050405020304" pitchFamily="18" charset="0"/>
+              </a:rPr>
+              <a:t>à</a:t>
+            </a:r>
+            <a:r>
+              <a:rPr lang="en-US" dirty="0" smtClean="0">
+                <a:latin typeface="Times New Roman" panose="02020603050405020304" pitchFamily="18" charset="0"/>
+                <a:cs typeface="Times New Roman" panose="02020603050405020304" pitchFamily="18" charset="0"/>
+              </a:rPr>
+              <a:t> </a:t>
+            </a:r>
+            <a:r>
+              <a:rPr lang="en-US" dirty="0" err="1">
+                <a:latin typeface="Times New Roman" panose="02020603050405020304" pitchFamily="18" charset="0"/>
+                <a:cs typeface="Times New Roman" panose="02020603050405020304" pitchFamily="18" charset="0"/>
+              </a:rPr>
+              <a:t>một</a:t>
+            </a:r>
+            <a:r>
+              <a:rPr lang="en-US" dirty="0">
+                <a:latin typeface="Times New Roman" panose="02020603050405020304" pitchFamily="18" charset="0"/>
+                <a:cs typeface="Times New Roman" panose="02020603050405020304" pitchFamily="18" charset="0"/>
+              </a:rPr>
+              <a:t> </a:t>
+            </a:r>
+            <a:r>
+              <a:rPr lang="en-US" dirty="0" err="1">
+                <a:latin typeface="Times New Roman" panose="02020603050405020304" pitchFamily="18" charset="0"/>
+                <a:cs typeface="Times New Roman" panose="02020603050405020304" pitchFamily="18" charset="0"/>
+              </a:rPr>
+              <a:t>công</a:t>
+            </a:r>
+            <a:r>
+              <a:rPr lang="en-US" dirty="0">
+                <a:latin typeface="Times New Roman" panose="02020603050405020304" pitchFamily="18" charset="0"/>
+                <a:cs typeface="Times New Roman" panose="02020603050405020304" pitchFamily="18" charset="0"/>
+              </a:rPr>
+              <a:t> </a:t>
+            </a:r>
+            <a:r>
+              <a:rPr lang="en-US" dirty="0" err="1">
+                <a:latin typeface="Times New Roman" panose="02020603050405020304" pitchFamily="18" charset="0"/>
+                <a:cs typeface="Times New Roman" panose="02020603050405020304" pitchFamily="18" charset="0"/>
+              </a:rPr>
+              <a:t>cụ</a:t>
+            </a:r>
+            <a:r>
+              <a:rPr lang="en-US" dirty="0">
+                <a:latin typeface="Times New Roman" panose="02020603050405020304" pitchFamily="18" charset="0"/>
+                <a:cs typeface="Times New Roman" panose="02020603050405020304" pitchFamily="18" charset="0"/>
+              </a:rPr>
+              <a:t> </a:t>
+            </a:r>
+            <a:r>
+              <a:rPr lang="en-US" dirty="0" err="1">
+                <a:latin typeface="Times New Roman" panose="02020603050405020304" pitchFamily="18" charset="0"/>
+                <a:cs typeface="Times New Roman" panose="02020603050405020304" pitchFamily="18" charset="0"/>
+              </a:rPr>
+              <a:t>mạnh</a:t>
+            </a:r>
+            <a:r>
+              <a:rPr lang="en-US" dirty="0">
+                <a:latin typeface="Times New Roman" panose="02020603050405020304" pitchFamily="18" charset="0"/>
+                <a:cs typeface="Times New Roman" panose="02020603050405020304" pitchFamily="18" charset="0"/>
+              </a:rPr>
+              <a:t> </a:t>
+            </a:r>
+            <a:r>
+              <a:rPr lang="en-US" dirty="0" err="1">
+                <a:latin typeface="Times New Roman" panose="02020603050405020304" pitchFamily="18" charset="0"/>
+                <a:cs typeface="Times New Roman" panose="02020603050405020304" pitchFamily="18" charset="0"/>
+              </a:rPr>
+              <a:t>mẽ</a:t>
+            </a:r>
+            <a:r>
+              <a:rPr lang="en-US" dirty="0">
+                <a:latin typeface="Times New Roman" panose="02020603050405020304" pitchFamily="18" charset="0"/>
+                <a:cs typeface="Times New Roman" panose="02020603050405020304" pitchFamily="18" charset="0"/>
+              </a:rPr>
+              <a:t> </a:t>
+            </a:r>
+            <a:r>
+              <a:rPr lang="en-US" dirty="0" err="1">
+                <a:latin typeface="Times New Roman" panose="02020603050405020304" pitchFamily="18" charset="0"/>
+                <a:cs typeface="Times New Roman" panose="02020603050405020304" pitchFamily="18" charset="0"/>
+              </a:rPr>
+              <a:t>và</a:t>
+            </a:r>
+            <a:r>
+              <a:rPr lang="en-US" dirty="0">
+                <a:latin typeface="Times New Roman" panose="02020603050405020304" pitchFamily="18" charset="0"/>
+                <a:cs typeface="Times New Roman" panose="02020603050405020304" pitchFamily="18" charset="0"/>
+              </a:rPr>
+              <a:t> </a:t>
+            </a:r>
+            <a:r>
+              <a:rPr lang="en-US" dirty="0" err="1">
+                <a:latin typeface="Times New Roman" panose="02020603050405020304" pitchFamily="18" charset="0"/>
+                <a:cs typeface="Times New Roman" panose="02020603050405020304" pitchFamily="18" charset="0"/>
+              </a:rPr>
+              <a:t>hữu</a:t>
+            </a:r>
+            <a:r>
+              <a:rPr lang="en-US" dirty="0">
+                <a:latin typeface="Times New Roman" panose="02020603050405020304" pitchFamily="18" charset="0"/>
+                <a:cs typeface="Times New Roman" panose="02020603050405020304" pitchFamily="18" charset="0"/>
+              </a:rPr>
+              <a:t> </a:t>
+            </a:r>
+            <a:r>
+              <a:rPr lang="en-US" dirty="0" err="1">
+                <a:latin typeface="Times New Roman" panose="02020603050405020304" pitchFamily="18" charset="0"/>
+                <a:cs typeface="Times New Roman" panose="02020603050405020304" pitchFamily="18" charset="0"/>
+              </a:rPr>
+              <a:t>ích</a:t>
+            </a:r>
+            <a:r>
+              <a:rPr lang="en-US" dirty="0">
+                <a:latin typeface="Times New Roman" panose="02020603050405020304" pitchFamily="18" charset="0"/>
+                <a:cs typeface="Times New Roman" panose="02020603050405020304" pitchFamily="18" charset="0"/>
+              </a:rPr>
+              <a:t> </a:t>
+            </a:r>
+            <a:r>
+              <a:rPr lang="en-US" dirty="0" err="1">
+                <a:latin typeface="Times New Roman" panose="02020603050405020304" pitchFamily="18" charset="0"/>
+                <a:cs typeface="Times New Roman" panose="02020603050405020304" pitchFamily="18" charset="0"/>
+              </a:rPr>
+              <a:t>cho</a:t>
+            </a:r>
+            <a:r>
+              <a:rPr lang="en-US" dirty="0">
+                <a:latin typeface="Times New Roman" panose="02020603050405020304" pitchFamily="18" charset="0"/>
+                <a:cs typeface="Times New Roman" panose="02020603050405020304" pitchFamily="18" charset="0"/>
+              </a:rPr>
+              <a:t> </a:t>
+            </a:r>
+            <a:r>
+              <a:rPr lang="en-US" dirty="0" err="1">
+                <a:latin typeface="Times New Roman" panose="02020603050405020304" pitchFamily="18" charset="0"/>
+                <a:cs typeface="Times New Roman" panose="02020603050405020304" pitchFamily="18" charset="0"/>
+              </a:rPr>
+              <a:t>việc</a:t>
+            </a:r>
+            <a:r>
+              <a:rPr lang="en-US" dirty="0">
+                <a:latin typeface="Times New Roman" panose="02020603050405020304" pitchFamily="18" charset="0"/>
+                <a:cs typeface="Times New Roman" panose="02020603050405020304" pitchFamily="18" charset="0"/>
+              </a:rPr>
+              <a:t> </a:t>
+            </a:r>
+            <a:r>
+              <a:rPr lang="en-US" dirty="0" err="1">
+                <a:latin typeface="Times New Roman" panose="02020603050405020304" pitchFamily="18" charset="0"/>
+                <a:cs typeface="Times New Roman" panose="02020603050405020304" pitchFamily="18" charset="0"/>
+              </a:rPr>
+              <a:t>quản</a:t>
+            </a:r>
+            <a:r>
+              <a:rPr lang="en-US" dirty="0">
+                <a:latin typeface="Times New Roman" panose="02020603050405020304" pitchFamily="18" charset="0"/>
+                <a:cs typeface="Times New Roman" panose="02020603050405020304" pitchFamily="18" charset="0"/>
+              </a:rPr>
+              <a:t> </a:t>
+            </a:r>
+            <a:r>
+              <a:rPr lang="en-US" dirty="0" err="1">
+                <a:latin typeface="Times New Roman" panose="02020603050405020304" pitchFamily="18" charset="0"/>
+                <a:cs typeface="Times New Roman" panose="02020603050405020304" pitchFamily="18" charset="0"/>
+              </a:rPr>
+              <a:t>lý</a:t>
+            </a:r>
+            <a:r>
+              <a:rPr lang="en-US" dirty="0">
+                <a:latin typeface="Times New Roman" panose="02020603050405020304" pitchFamily="18" charset="0"/>
+                <a:cs typeface="Times New Roman" panose="02020603050405020304" pitchFamily="18" charset="0"/>
+              </a:rPr>
+              <a:t> state </a:t>
+            </a:r>
+            <a:r>
+              <a:rPr lang="en-US" dirty="0" err="1">
+                <a:latin typeface="Times New Roman" panose="02020603050405020304" pitchFamily="18" charset="0"/>
+                <a:cs typeface="Times New Roman" panose="02020603050405020304" pitchFamily="18" charset="0"/>
+              </a:rPr>
+              <a:t>trong</a:t>
+            </a:r>
+            <a:r>
+              <a:rPr lang="en-US" dirty="0">
+                <a:latin typeface="Times New Roman" panose="02020603050405020304" pitchFamily="18" charset="0"/>
+                <a:cs typeface="Times New Roman" panose="02020603050405020304" pitchFamily="18" charset="0"/>
+              </a:rPr>
+              <a:t> </a:t>
+            </a:r>
+            <a:r>
+              <a:rPr lang="en-US" dirty="0" err="1">
+                <a:latin typeface="Times New Roman" panose="02020603050405020304" pitchFamily="18" charset="0"/>
+                <a:cs typeface="Times New Roman" panose="02020603050405020304" pitchFamily="18" charset="0"/>
+              </a:rPr>
+              <a:t>ứng</a:t>
+            </a:r>
+            <a:r>
+              <a:rPr lang="en-US" dirty="0">
+                <a:latin typeface="Times New Roman" panose="02020603050405020304" pitchFamily="18" charset="0"/>
+                <a:cs typeface="Times New Roman" panose="02020603050405020304" pitchFamily="18" charset="0"/>
+              </a:rPr>
+              <a:t> </a:t>
+            </a:r>
+            <a:r>
+              <a:rPr lang="en-US" dirty="0" err="1">
+                <a:latin typeface="Times New Roman" panose="02020603050405020304" pitchFamily="18" charset="0"/>
+                <a:cs typeface="Times New Roman" panose="02020603050405020304" pitchFamily="18" charset="0"/>
+              </a:rPr>
+              <a:t>dụng</a:t>
+            </a:r>
+            <a:r>
+              <a:rPr lang="en-US" dirty="0">
+                <a:latin typeface="Times New Roman" panose="02020603050405020304" pitchFamily="18" charset="0"/>
+                <a:cs typeface="Times New Roman" panose="02020603050405020304" pitchFamily="18" charset="0"/>
+              </a:rPr>
+              <a:t> </a:t>
+            </a:r>
+            <a:r>
+              <a:rPr lang="en-US" dirty="0" smtClean="0">
+                <a:latin typeface="Times New Roman" panose="02020603050405020304" pitchFamily="18" charset="0"/>
+                <a:cs typeface="Times New Roman" panose="02020603050405020304" pitchFamily="18" charset="0"/>
+              </a:rPr>
+              <a:t>React.</a:t>
+            </a:r>
+          </a:p>
+          <a:p>
+            <a:pPr algn="just"/>
+            <a:r>
+              <a:rPr lang="en-US" dirty="0" smtClean="0">
+                <a:latin typeface="Times New Roman" panose="02020603050405020304" pitchFamily="18" charset="0"/>
+                <a:cs typeface="Times New Roman" panose="02020603050405020304" pitchFamily="18" charset="0"/>
+              </a:rPr>
+              <a:t>- </a:t>
+            </a:r>
+            <a:r>
+              <a:rPr lang="en-US" dirty="0" err="1">
+                <a:latin typeface="Times New Roman" panose="02020603050405020304" pitchFamily="18" charset="0"/>
+                <a:cs typeface="Times New Roman" panose="02020603050405020304" pitchFamily="18" charset="0"/>
+              </a:rPr>
+              <a:t>Ứng</a:t>
+            </a:r>
+            <a:r>
+              <a:rPr lang="en-US" dirty="0">
+                <a:latin typeface="Times New Roman" panose="02020603050405020304" pitchFamily="18" charset="0"/>
+                <a:cs typeface="Times New Roman" panose="02020603050405020304" pitchFamily="18" charset="0"/>
+              </a:rPr>
+              <a:t> </a:t>
+            </a:r>
+            <a:r>
+              <a:rPr lang="en-US" dirty="0" err="1">
+                <a:latin typeface="Times New Roman" panose="02020603050405020304" pitchFamily="18" charset="0"/>
+                <a:cs typeface="Times New Roman" panose="02020603050405020304" pitchFamily="18" charset="0"/>
+              </a:rPr>
+              <a:t>dụng</a:t>
+            </a:r>
+            <a:r>
+              <a:rPr lang="en-US" dirty="0">
+                <a:latin typeface="Times New Roman" panose="02020603050405020304" pitchFamily="18" charset="0"/>
+                <a:cs typeface="Times New Roman" panose="02020603050405020304" pitchFamily="18" charset="0"/>
+              </a:rPr>
+              <a:t> </a:t>
+            </a:r>
+            <a:r>
+              <a:rPr lang="en-US" dirty="0" err="1" smtClean="0">
+                <a:latin typeface="Times New Roman" panose="02020603050405020304" pitchFamily="18" charset="0"/>
+                <a:cs typeface="Times New Roman" panose="02020603050405020304" pitchFamily="18" charset="0"/>
+              </a:rPr>
+              <a:t>có</a:t>
+            </a:r>
+            <a:r>
+              <a:rPr lang="en-US" dirty="0" smtClean="0">
+                <a:latin typeface="Times New Roman" panose="02020603050405020304" pitchFamily="18" charset="0"/>
+                <a:cs typeface="Times New Roman" panose="02020603050405020304" pitchFamily="18" charset="0"/>
+              </a:rPr>
+              <a:t> </a:t>
+            </a:r>
+            <a:r>
+              <a:rPr lang="en-US" dirty="0" err="1">
+                <a:latin typeface="Times New Roman" panose="02020603050405020304" pitchFamily="18" charset="0"/>
+                <a:cs typeface="Times New Roman" panose="02020603050405020304" pitchFamily="18" charset="0"/>
+              </a:rPr>
+              <a:t>nhiều</a:t>
+            </a:r>
+            <a:r>
+              <a:rPr lang="en-US" dirty="0">
+                <a:latin typeface="Times New Roman" panose="02020603050405020304" pitchFamily="18" charset="0"/>
+                <a:cs typeface="Times New Roman" panose="02020603050405020304" pitchFamily="18" charset="0"/>
+              </a:rPr>
+              <a:t> </a:t>
+            </a:r>
+            <a:r>
+              <a:rPr lang="en-US" dirty="0" err="1">
+                <a:latin typeface="Times New Roman" panose="02020603050405020304" pitchFamily="18" charset="0"/>
+                <a:cs typeface="Times New Roman" panose="02020603050405020304" pitchFamily="18" charset="0"/>
+              </a:rPr>
+              <a:t>thành</a:t>
+            </a:r>
+            <a:r>
+              <a:rPr lang="en-US" dirty="0">
+                <a:latin typeface="Times New Roman" panose="02020603050405020304" pitchFamily="18" charset="0"/>
+                <a:cs typeface="Times New Roman" panose="02020603050405020304" pitchFamily="18" charset="0"/>
+              </a:rPr>
+              <a:t> </a:t>
+            </a:r>
+            <a:r>
+              <a:rPr lang="en-US" dirty="0" err="1">
+                <a:latin typeface="Times New Roman" panose="02020603050405020304" pitchFamily="18" charset="0"/>
+                <a:cs typeface="Times New Roman" panose="02020603050405020304" pitchFamily="18" charset="0"/>
+              </a:rPr>
+              <a:t>phần</a:t>
+            </a:r>
+            <a:r>
+              <a:rPr lang="en-US" dirty="0">
+                <a:latin typeface="Times New Roman" panose="02020603050405020304" pitchFamily="18" charset="0"/>
+                <a:cs typeface="Times New Roman" panose="02020603050405020304" pitchFamily="18" charset="0"/>
+              </a:rPr>
+              <a:t> </a:t>
+            </a:r>
+            <a:r>
+              <a:rPr lang="en-US" dirty="0" err="1">
+                <a:latin typeface="Times New Roman" panose="02020603050405020304" pitchFamily="18" charset="0"/>
+                <a:cs typeface="Times New Roman" panose="02020603050405020304" pitchFamily="18" charset="0"/>
+              </a:rPr>
+              <a:t>cần</a:t>
+            </a:r>
+            <a:r>
+              <a:rPr lang="en-US" dirty="0">
+                <a:latin typeface="Times New Roman" panose="02020603050405020304" pitchFamily="18" charset="0"/>
+                <a:cs typeface="Times New Roman" panose="02020603050405020304" pitchFamily="18" charset="0"/>
+              </a:rPr>
+              <a:t> chia </a:t>
+            </a:r>
+            <a:r>
+              <a:rPr lang="en-US" dirty="0" err="1">
+                <a:latin typeface="Times New Roman" panose="02020603050405020304" pitchFamily="18" charset="0"/>
+                <a:cs typeface="Times New Roman" panose="02020603050405020304" pitchFamily="18" charset="0"/>
+              </a:rPr>
+              <a:t>sẻ</a:t>
+            </a:r>
+            <a:r>
+              <a:rPr lang="en-US" dirty="0">
+                <a:latin typeface="Times New Roman" panose="02020603050405020304" pitchFamily="18" charset="0"/>
+                <a:cs typeface="Times New Roman" panose="02020603050405020304" pitchFamily="18" charset="0"/>
+              </a:rPr>
+              <a:t> state </a:t>
+            </a:r>
+            <a:r>
+              <a:rPr lang="en-US" dirty="0" err="1">
+                <a:latin typeface="Times New Roman" panose="02020603050405020304" pitchFamily="18" charset="0"/>
+                <a:cs typeface="Times New Roman" panose="02020603050405020304" pitchFamily="18" charset="0"/>
+              </a:rPr>
+              <a:t>hoặc</a:t>
+            </a:r>
+            <a:r>
+              <a:rPr lang="en-US" dirty="0">
+                <a:latin typeface="Times New Roman" panose="02020603050405020304" pitchFamily="18" charset="0"/>
+                <a:cs typeface="Times New Roman" panose="02020603050405020304" pitchFamily="18" charset="0"/>
+              </a:rPr>
+              <a:t> state </a:t>
+            </a:r>
+            <a:r>
+              <a:rPr lang="en-US" dirty="0" err="1">
+                <a:latin typeface="Times New Roman" panose="02020603050405020304" pitchFamily="18" charset="0"/>
+                <a:cs typeface="Times New Roman" panose="02020603050405020304" pitchFamily="18" charset="0"/>
+              </a:rPr>
+              <a:t>có</a:t>
+            </a:r>
+            <a:r>
+              <a:rPr lang="en-US" dirty="0">
+                <a:latin typeface="Times New Roman" panose="02020603050405020304" pitchFamily="18" charset="0"/>
+                <a:cs typeface="Times New Roman" panose="02020603050405020304" pitchFamily="18" charset="0"/>
+              </a:rPr>
+              <a:t> </a:t>
+            </a:r>
+            <a:r>
+              <a:rPr lang="en-US" dirty="0" err="1">
+                <a:latin typeface="Times New Roman" panose="02020603050405020304" pitchFamily="18" charset="0"/>
+                <a:cs typeface="Times New Roman" panose="02020603050405020304" pitchFamily="18" charset="0"/>
+              </a:rPr>
+              <a:t>cấu</a:t>
+            </a:r>
+            <a:r>
+              <a:rPr lang="en-US" dirty="0">
+                <a:latin typeface="Times New Roman" panose="02020603050405020304" pitchFamily="18" charset="0"/>
+                <a:cs typeface="Times New Roman" panose="02020603050405020304" pitchFamily="18" charset="0"/>
+              </a:rPr>
+              <a:t> </a:t>
+            </a:r>
+            <a:r>
+              <a:rPr lang="en-US" dirty="0" err="1">
+                <a:latin typeface="Times New Roman" panose="02020603050405020304" pitchFamily="18" charset="0"/>
+                <a:cs typeface="Times New Roman" panose="02020603050405020304" pitchFamily="18" charset="0"/>
+              </a:rPr>
+              <a:t>trúc</a:t>
+            </a:r>
+            <a:r>
+              <a:rPr lang="en-US" dirty="0">
+                <a:latin typeface="Times New Roman" panose="02020603050405020304" pitchFamily="18" charset="0"/>
+                <a:cs typeface="Times New Roman" panose="02020603050405020304" pitchFamily="18" charset="0"/>
+              </a:rPr>
+              <a:t> </a:t>
+            </a:r>
+            <a:r>
+              <a:rPr lang="en-US" dirty="0" err="1">
+                <a:latin typeface="Times New Roman" panose="02020603050405020304" pitchFamily="18" charset="0"/>
+                <a:cs typeface="Times New Roman" panose="02020603050405020304" pitchFamily="18" charset="0"/>
+              </a:rPr>
+              <a:t>phức</a:t>
+            </a:r>
+            <a:r>
+              <a:rPr lang="en-US" dirty="0">
+                <a:latin typeface="Times New Roman" panose="02020603050405020304" pitchFamily="18" charset="0"/>
+                <a:cs typeface="Times New Roman" panose="02020603050405020304" pitchFamily="18" charset="0"/>
+              </a:rPr>
+              <a:t> </a:t>
+            </a:r>
+            <a:r>
+              <a:rPr lang="en-US" dirty="0" err="1" smtClean="0">
+                <a:latin typeface="Times New Roman" panose="02020603050405020304" pitchFamily="18" charset="0"/>
+                <a:cs typeface="Times New Roman" panose="02020603050405020304" pitchFamily="18" charset="0"/>
+              </a:rPr>
+              <a:t>tạp</a:t>
+            </a:r>
+            <a:r>
+              <a:rPr lang="en-US" dirty="0" smtClean="0">
+                <a:latin typeface="Times New Roman" panose="02020603050405020304" pitchFamily="18" charset="0"/>
+                <a:cs typeface="Times New Roman" panose="02020603050405020304" pitchFamily="18" charset="0"/>
+              </a:rPr>
+              <a:t>.</a:t>
+            </a:r>
+          </a:p>
+          <a:p>
+            <a:pPr algn="just"/>
+            <a:r>
+              <a:rPr lang="en-US" dirty="0" smtClean="0">
+                <a:latin typeface="Times New Roman" panose="02020603050405020304" pitchFamily="18" charset="0"/>
+                <a:cs typeface="Times New Roman" panose="02020603050405020304" pitchFamily="18" charset="0"/>
+              </a:rPr>
+              <a:t>- </a:t>
+            </a:r>
+            <a:r>
+              <a:rPr lang="vi-VN" dirty="0">
+                <a:latin typeface="Times New Roman" panose="02020603050405020304" pitchFamily="18" charset="0"/>
+                <a:cs typeface="Times New Roman" panose="02020603050405020304" pitchFamily="18" charset="0"/>
+              </a:rPr>
+              <a:t>State cần được truy cập và cập nhật từ nhiều thành phần khác nhau trong ứng </a:t>
+            </a:r>
+            <a:r>
+              <a:rPr lang="vi-VN" dirty="0" smtClean="0">
+                <a:latin typeface="Times New Roman" panose="02020603050405020304" pitchFamily="18" charset="0"/>
+                <a:cs typeface="Times New Roman" panose="02020603050405020304" pitchFamily="18" charset="0"/>
+              </a:rPr>
+              <a:t>dụng</a:t>
+            </a:r>
+            <a:endParaRPr lang="en-US" dirty="0" smtClean="0">
+              <a:latin typeface="Times New Roman" panose="02020603050405020304" pitchFamily="18" charset="0"/>
+              <a:cs typeface="Times New Roman" panose="02020603050405020304" pitchFamily="18" charset="0"/>
+            </a:endParaRPr>
+          </a:p>
+          <a:p>
+            <a:pPr algn="just"/>
+            <a:r>
+              <a:rPr lang="en-US" dirty="0" smtClean="0">
+                <a:latin typeface="Times New Roman" panose="02020603050405020304" pitchFamily="18" charset="0"/>
+                <a:cs typeface="Times New Roman" panose="02020603050405020304" pitchFamily="18" charset="0"/>
+              </a:rPr>
+              <a:t>- </a:t>
+            </a:r>
+            <a:r>
+              <a:rPr lang="vi-VN" dirty="0" smtClean="0">
+                <a:latin typeface="Times New Roman" panose="02020603050405020304" pitchFamily="18" charset="0"/>
+                <a:cs typeface="Times New Roman" panose="02020603050405020304" pitchFamily="18" charset="0"/>
+              </a:rPr>
+              <a:t>Sử </a:t>
+            </a:r>
+            <a:r>
+              <a:rPr lang="vi-VN" dirty="0">
+                <a:latin typeface="Times New Roman" panose="02020603050405020304" pitchFamily="18" charset="0"/>
+                <a:cs typeface="Times New Roman" panose="02020603050405020304" pitchFamily="18" charset="0"/>
+              </a:rPr>
+              <a:t>dụng Redux giúp tránh việc truyền props qua nhiều cấp độ của component tree, làm cho mã dễ đọc và dễ quản lý </a:t>
+            </a:r>
+            <a:r>
+              <a:rPr lang="vi-VN" dirty="0" smtClean="0">
+                <a:latin typeface="Times New Roman" panose="02020603050405020304" pitchFamily="18" charset="0"/>
+                <a:cs typeface="Times New Roman" panose="02020603050405020304" pitchFamily="18" charset="0"/>
+              </a:rPr>
+              <a:t>hơn</a:t>
+            </a:r>
+            <a:endParaRPr lang="en-US" dirty="0" smtClean="0">
+              <a:latin typeface="Times New Roman" panose="02020603050405020304" pitchFamily="18" charset="0"/>
+              <a:cs typeface="Times New Roman" panose="02020603050405020304" pitchFamily="18" charset="0"/>
+            </a:endParaRPr>
+          </a:p>
+          <a:p>
+            <a:pPr algn="just"/>
+            <a:r>
+              <a:rPr lang="en-US" dirty="0" smtClean="0">
+                <a:latin typeface="Times New Roman" panose="02020603050405020304" pitchFamily="18" charset="0"/>
+                <a:cs typeface="Times New Roman" panose="02020603050405020304" pitchFamily="18" charset="0"/>
+              </a:rPr>
+              <a:t>- </a:t>
+            </a:r>
+            <a:r>
+              <a:rPr lang="vi-VN" dirty="0">
+                <a:latin typeface="Times New Roman" panose="02020603050405020304" pitchFamily="18" charset="0"/>
+                <a:cs typeface="Times New Roman" panose="02020603050405020304" pitchFamily="18" charset="0"/>
+              </a:rPr>
+              <a:t>Ứng dụng cần lưu trữ và đồng bộ hóa state từ nhiều nguồn khác </a:t>
+            </a:r>
+            <a:r>
+              <a:rPr lang="vi-VN" dirty="0" smtClean="0">
+                <a:latin typeface="Times New Roman" panose="02020603050405020304" pitchFamily="18" charset="0"/>
+                <a:cs typeface="Times New Roman" panose="02020603050405020304" pitchFamily="18" charset="0"/>
+              </a:rPr>
+              <a:t>nhau</a:t>
+            </a:r>
+            <a:endParaRPr lang="en-US" dirty="0" smtClean="0">
+              <a:latin typeface="Times New Roman" panose="02020603050405020304" pitchFamily="18" charset="0"/>
+              <a:cs typeface="Times New Roman" panose="02020603050405020304" pitchFamily="18" charset="0"/>
+            </a:endParaRPr>
+          </a:p>
+          <a:p>
+            <a:pPr algn="just"/>
+            <a:r>
+              <a:rPr lang="en-US" dirty="0">
+                <a:latin typeface="Times New Roman" panose="02020603050405020304" pitchFamily="18" charset="0"/>
+                <a:cs typeface="Times New Roman" panose="02020603050405020304" pitchFamily="18" charset="0"/>
+              </a:rPr>
+              <a:t>- </a:t>
+            </a:r>
+            <a:r>
+              <a:rPr lang="en-US" dirty="0" err="1">
+                <a:latin typeface="Times New Roman" panose="02020603050405020304" pitchFamily="18" charset="0"/>
+                <a:cs typeface="Times New Roman" panose="02020603050405020304" pitchFamily="18" charset="0"/>
+              </a:rPr>
+              <a:t>Redux</a:t>
+            </a:r>
+            <a:r>
+              <a:rPr lang="en-US" dirty="0">
+                <a:latin typeface="Times New Roman" panose="02020603050405020304" pitchFamily="18" charset="0"/>
+                <a:cs typeface="Times New Roman" panose="02020603050405020304" pitchFamily="18" charset="0"/>
+              </a:rPr>
+              <a:t> Toolkit </a:t>
+            </a:r>
+            <a:r>
+              <a:rPr lang="en-US" dirty="0" err="1">
+                <a:latin typeface="Times New Roman" panose="02020603050405020304" pitchFamily="18" charset="0"/>
+                <a:cs typeface="Times New Roman" panose="02020603050405020304" pitchFamily="18" charset="0"/>
+              </a:rPr>
+              <a:t>hỗ</a:t>
+            </a:r>
+            <a:r>
+              <a:rPr lang="en-US" dirty="0">
+                <a:latin typeface="Times New Roman" panose="02020603050405020304" pitchFamily="18" charset="0"/>
+                <a:cs typeface="Times New Roman" panose="02020603050405020304" pitchFamily="18" charset="0"/>
+              </a:rPr>
+              <a:t> </a:t>
+            </a:r>
+            <a:r>
+              <a:rPr lang="en-US" dirty="0" err="1">
+                <a:latin typeface="Times New Roman" panose="02020603050405020304" pitchFamily="18" charset="0"/>
+                <a:cs typeface="Times New Roman" panose="02020603050405020304" pitchFamily="18" charset="0"/>
+              </a:rPr>
+              <a:t>trợ</a:t>
+            </a:r>
+            <a:r>
+              <a:rPr lang="en-US" dirty="0">
+                <a:latin typeface="Times New Roman" panose="02020603050405020304" pitchFamily="18" charset="0"/>
+                <a:cs typeface="Times New Roman" panose="02020603050405020304" pitchFamily="18" charset="0"/>
+              </a:rPr>
+              <a:t> </a:t>
+            </a:r>
+            <a:r>
+              <a:rPr lang="en-US" dirty="0" err="1">
+                <a:latin typeface="Times New Roman" panose="02020603050405020304" pitchFamily="18" charset="0"/>
+                <a:cs typeface="Times New Roman" panose="02020603050405020304" pitchFamily="18" charset="0"/>
+              </a:rPr>
+              <a:t>mạnh</a:t>
+            </a:r>
+            <a:r>
+              <a:rPr lang="en-US" dirty="0">
+                <a:latin typeface="Times New Roman" panose="02020603050405020304" pitchFamily="18" charset="0"/>
+                <a:cs typeface="Times New Roman" panose="02020603050405020304" pitchFamily="18" charset="0"/>
+              </a:rPr>
+              <a:t> </a:t>
+            </a:r>
+            <a:r>
+              <a:rPr lang="en-US" dirty="0" err="1">
+                <a:latin typeface="Times New Roman" panose="02020603050405020304" pitchFamily="18" charset="0"/>
+                <a:cs typeface="Times New Roman" panose="02020603050405020304" pitchFamily="18" charset="0"/>
+              </a:rPr>
+              <a:t>mẽ</a:t>
+            </a:r>
+            <a:r>
+              <a:rPr lang="en-US" dirty="0">
+                <a:latin typeface="Times New Roman" panose="02020603050405020304" pitchFamily="18" charset="0"/>
+                <a:cs typeface="Times New Roman" panose="02020603050405020304" pitchFamily="18" charset="0"/>
+              </a:rPr>
+              <a:t> </a:t>
+            </a:r>
+            <a:r>
+              <a:rPr lang="en-US" dirty="0" err="1">
+                <a:latin typeface="Times New Roman" panose="02020603050405020304" pitchFamily="18" charset="0"/>
+                <a:cs typeface="Times New Roman" panose="02020603050405020304" pitchFamily="18" charset="0"/>
+              </a:rPr>
+              <a:t>cho</a:t>
+            </a:r>
+            <a:r>
+              <a:rPr lang="en-US" dirty="0">
+                <a:latin typeface="Times New Roman" panose="02020603050405020304" pitchFamily="18" charset="0"/>
+                <a:cs typeface="Times New Roman" panose="02020603050405020304" pitchFamily="18" charset="0"/>
+              </a:rPr>
+              <a:t> </a:t>
+            </a:r>
+            <a:r>
+              <a:rPr lang="en-US" dirty="0" err="1">
+                <a:latin typeface="Times New Roman" panose="02020603050405020304" pitchFamily="18" charset="0"/>
+                <a:cs typeface="Times New Roman" panose="02020603050405020304" pitchFamily="18" charset="0"/>
+              </a:rPr>
+              <a:t>các</a:t>
+            </a:r>
+            <a:r>
+              <a:rPr lang="en-US" dirty="0">
+                <a:latin typeface="Times New Roman" panose="02020603050405020304" pitchFamily="18" charset="0"/>
+                <a:cs typeface="Times New Roman" panose="02020603050405020304" pitchFamily="18" charset="0"/>
+              </a:rPr>
+              <a:t> </a:t>
+            </a:r>
+            <a:r>
+              <a:rPr lang="en-US" dirty="0" err="1">
+                <a:latin typeface="Times New Roman" panose="02020603050405020304" pitchFamily="18" charset="0"/>
+                <a:cs typeface="Times New Roman" panose="02020603050405020304" pitchFamily="18" charset="0"/>
+              </a:rPr>
+              <a:t>tác</a:t>
+            </a:r>
+            <a:r>
+              <a:rPr lang="en-US" dirty="0">
+                <a:latin typeface="Times New Roman" panose="02020603050405020304" pitchFamily="18" charset="0"/>
+                <a:cs typeface="Times New Roman" panose="02020603050405020304" pitchFamily="18" charset="0"/>
+              </a:rPr>
+              <a:t> </a:t>
+            </a:r>
+            <a:r>
+              <a:rPr lang="en-US" dirty="0" err="1">
+                <a:latin typeface="Times New Roman" panose="02020603050405020304" pitchFamily="18" charset="0"/>
+                <a:cs typeface="Times New Roman" panose="02020603050405020304" pitchFamily="18" charset="0"/>
+              </a:rPr>
+              <a:t>vụ</a:t>
+            </a:r>
+            <a:r>
+              <a:rPr lang="en-US" dirty="0">
+                <a:latin typeface="Times New Roman" panose="02020603050405020304" pitchFamily="18" charset="0"/>
+                <a:cs typeface="Times New Roman" panose="02020603050405020304" pitchFamily="18" charset="0"/>
+              </a:rPr>
+              <a:t> </a:t>
+            </a:r>
+            <a:r>
+              <a:rPr lang="en-US" dirty="0" err="1">
+                <a:latin typeface="Times New Roman" panose="02020603050405020304" pitchFamily="18" charset="0"/>
+                <a:cs typeface="Times New Roman" panose="02020603050405020304" pitchFamily="18" charset="0"/>
+              </a:rPr>
+              <a:t>bất</a:t>
+            </a:r>
+            <a:r>
+              <a:rPr lang="en-US" dirty="0">
+                <a:latin typeface="Times New Roman" panose="02020603050405020304" pitchFamily="18" charset="0"/>
+                <a:cs typeface="Times New Roman" panose="02020603050405020304" pitchFamily="18" charset="0"/>
+              </a:rPr>
+              <a:t> </a:t>
+            </a:r>
+            <a:r>
+              <a:rPr lang="en-US" dirty="0" err="1">
+                <a:latin typeface="Times New Roman" panose="02020603050405020304" pitchFamily="18" charset="0"/>
+                <a:cs typeface="Times New Roman" panose="02020603050405020304" pitchFamily="18" charset="0"/>
+              </a:rPr>
+              <a:t>đồng</a:t>
+            </a:r>
+            <a:r>
+              <a:rPr lang="en-US" dirty="0">
+                <a:latin typeface="Times New Roman" panose="02020603050405020304" pitchFamily="18" charset="0"/>
+                <a:cs typeface="Times New Roman" panose="02020603050405020304" pitchFamily="18" charset="0"/>
+              </a:rPr>
+              <a:t> </a:t>
+            </a:r>
+            <a:r>
+              <a:rPr lang="en-US" dirty="0" err="1">
+                <a:latin typeface="Times New Roman" panose="02020603050405020304" pitchFamily="18" charset="0"/>
+                <a:cs typeface="Times New Roman" panose="02020603050405020304" pitchFamily="18" charset="0"/>
+              </a:rPr>
+              <a:t>bộ</a:t>
+            </a:r>
+            <a:r>
+              <a:rPr lang="en-US" dirty="0">
+                <a:latin typeface="Times New Roman" panose="02020603050405020304" pitchFamily="18" charset="0"/>
+                <a:cs typeface="Times New Roman" panose="02020603050405020304" pitchFamily="18" charset="0"/>
+              </a:rPr>
+              <a:t> </a:t>
+            </a:r>
+            <a:r>
+              <a:rPr lang="en-US" dirty="0" err="1">
+                <a:latin typeface="Times New Roman" panose="02020603050405020304" pitchFamily="18" charset="0"/>
+                <a:cs typeface="Times New Roman" panose="02020603050405020304" pitchFamily="18" charset="0"/>
+              </a:rPr>
+              <a:t>với</a:t>
+            </a:r>
+            <a:r>
+              <a:rPr lang="en-US" dirty="0">
+                <a:latin typeface="Times New Roman" panose="02020603050405020304" pitchFamily="18" charset="0"/>
+                <a:cs typeface="Times New Roman" panose="02020603050405020304" pitchFamily="18" charset="0"/>
+              </a:rPr>
+              <a:t> </a:t>
+            </a:r>
+            <a:r>
+              <a:rPr lang="en-US" dirty="0" err="1">
+                <a:latin typeface="Times New Roman" panose="02020603050405020304" pitchFamily="18" charset="0"/>
+                <a:cs typeface="Times New Roman" panose="02020603050405020304" pitchFamily="18" charset="0"/>
+              </a:rPr>
+              <a:t>createAsyncThunk</a:t>
+            </a:r>
+            <a:r>
+              <a:rPr lang="en-US" dirty="0">
+                <a:latin typeface="Times New Roman" panose="02020603050405020304" pitchFamily="18" charset="0"/>
+                <a:cs typeface="Times New Roman" panose="02020603050405020304" pitchFamily="18" charset="0"/>
+              </a:rPr>
+              <a:t>, </a:t>
+            </a:r>
+            <a:r>
+              <a:rPr lang="en-US" dirty="0" err="1">
+                <a:latin typeface="Times New Roman" panose="02020603050405020304" pitchFamily="18" charset="0"/>
+                <a:cs typeface="Times New Roman" panose="02020603050405020304" pitchFamily="18" charset="0"/>
+              </a:rPr>
+              <a:t>giúp</a:t>
+            </a:r>
+            <a:r>
+              <a:rPr lang="en-US" dirty="0">
+                <a:latin typeface="Times New Roman" panose="02020603050405020304" pitchFamily="18" charset="0"/>
+                <a:cs typeface="Times New Roman" panose="02020603050405020304" pitchFamily="18" charset="0"/>
+              </a:rPr>
+              <a:t> </a:t>
+            </a:r>
+            <a:r>
+              <a:rPr lang="en-US" dirty="0" err="1">
+                <a:latin typeface="Times New Roman" panose="02020603050405020304" pitchFamily="18" charset="0"/>
+                <a:cs typeface="Times New Roman" panose="02020603050405020304" pitchFamily="18" charset="0"/>
+              </a:rPr>
+              <a:t>quản</a:t>
+            </a:r>
+            <a:r>
+              <a:rPr lang="en-US" dirty="0">
+                <a:latin typeface="Times New Roman" panose="02020603050405020304" pitchFamily="18" charset="0"/>
+                <a:cs typeface="Times New Roman" panose="02020603050405020304" pitchFamily="18" charset="0"/>
+              </a:rPr>
+              <a:t> </a:t>
+            </a:r>
+            <a:r>
+              <a:rPr lang="en-US" dirty="0" err="1">
+                <a:latin typeface="Times New Roman" panose="02020603050405020304" pitchFamily="18" charset="0"/>
+                <a:cs typeface="Times New Roman" panose="02020603050405020304" pitchFamily="18" charset="0"/>
+              </a:rPr>
+              <a:t>lý</a:t>
+            </a:r>
+            <a:r>
+              <a:rPr lang="en-US" dirty="0">
+                <a:latin typeface="Times New Roman" panose="02020603050405020304" pitchFamily="18" charset="0"/>
+                <a:cs typeface="Times New Roman" panose="02020603050405020304" pitchFamily="18" charset="0"/>
+              </a:rPr>
+              <a:t> state </a:t>
+            </a:r>
+            <a:r>
+              <a:rPr lang="en-US" dirty="0" err="1">
+                <a:latin typeface="Times New Roman" panose="02020603050405020304" pitchFamily="18" charset="0"/>
+                <a:cs typeface="Times New Roman" panose="02020603050405020304" pitchFamily="18" charset="0"/>
+              </a:rPr>
+              <a:t>một</a:t>
+            </a:r>
+            <a:r>
+              <a:rPr lang="en-US" dirty="0">
+                <a:latin typeface="Times New Roman" panose="02020603050405020304" pitchFamily="18" charset="0"/>
+                <a:cs typeface="Times New Roman" panose="02020603050405020304" pitchFamily="18" charset="0"/>
+              </a:rPr>
+              <a:t> </a:t>
+            </a:r>
+            <a:r>
+              <a:rPr lang="en-US" dirty="0" err="1">
+                <a:latin typeface="Times New Roman" panose="02020603050405020304" pitchFamily="18" charset="0"/>
+                <a:cs typeface="Times New Roman" panose="02020603050405020304" pitchFamily="18" charset="0"/>
+              </a:rPr>
+              <a:t>cách</a:t>
+            </a:r>
+            <a:r>
+              <a:rPr lang="en-US" dirty="0">
+                <a:latin typeface="Times New Roman" panose="02020603050405020304" pitchFamily="18" charset="0"/>
+                <a:cs typeface="Times New Roman" panose="02020603050405020304" pitchFamily="18" charset="0"/>
+              </a:rPr>
+              <a:t> </a:t>
+            </a:r>
+            <a:r>
+              <a:rPr lang="en-US" dirty="0" err="1">
+                <a:latin typeface="Times New Roman" panose="02020603050405020304" pitchFamily="18" charset="0"/>
+                <a:cs typeface="Times New Roman" panose="02020603050405020304" pitchFamily="18" charset="0"/>
+              </a:rPr>
+              <a:t>dễ</a:t>
+            </a:r>
+            <a:r>
+              <a:rPr lang="en-US" dirty="0">
+                <a:latin typeface="Times New Roman" panose="02020603050405020304" pitchFamily="18" charset="0"/>
+                <a:cs typeface="Times New Roman" panose="02020603050405020304" pitchFamily="18" charset="0"/>
+              </a:rPr>
+              <a:t> </a:t>
+            </a:r>
+            <a:r>
+              <a:rPr lang="en-US" dirty="0" err="1">
+                <a:latin typeface="Times New Roman" panose="02020603050405020304" pitchFamily="18" charset="0"/>
+                <a:cs typeface="Times New Roman" panose="02020603050405020304" pitchFamily="18" charset="0"/>
+              </a:rPr>
+              <a:t>dàng</a:t>
+            </a:r>
+            <a:r>
+              <a:rPr lang="en-US" dirty="0">
+                <a:latin typeface="Times New Roman" panose="02020603050405020304" pitchFamily="18" charset="0"/>
+                <a:cs typeface="Times New Roman" panose="02020603050405020304" pitchFamily="18" charset="0"/>
+              </a:rPr>
+              <a:t> </a:t>
+            </a:r>
+            <a:r>
+              <a:rPr lang="en-US" dirty="0" err="1">
+                <a:latin typeface="Times New Roman" panose="02020603050405020304" pitchFamily="18" charset="0"/>
+                <a:cs typeface="Times New Roman" panose="02020603050405020304" pitchFamily="18" charset="0"/>
+              </a:rPr>
+              <a:t>và</a:t>
+            </a:r>
+            <a:r>
+              <a:rPr lang="en-US" dirty="0">
+                <a:latin typeface="Times New Roman" panose="02020603050405020304" pitchFamily="18" charset="0"/>
+                <a:cs typeface="Times New Roman" panose="02020603050405020304" pitchFamily="18" charset="0"/>
+              </a:rPr>
+              <a:t> </a:t>
+            </a:r>
+            <a:r>
+              <a:rPr lang="en-US" dirty="0" err="1">
+                <a:latin typeface="Times New Roman" panose="02020603050405020304" pitchFamily="18" charset="0"/>
+                <a:cs typeface="Times New Roman" panose="02020603050405020304" pitchFamily="18" charset="0"/>
+              </a:rPr>
+              <a:t>nhất</a:t>
+            </a:r>
+            <a:r>
+              <a:rPr lang="en-US" dirty="0">
+                <a:latin typeface="Times New Roman" panose="02020603050405020304" pitchFamily="18" charset="0"/>
+                <a:cs typeface="Times New Roman" panose="02020603050405020304" pitchFamily="18" charset="0"/>
+              </a:rPr>
+              <a:t> </a:t>
+            </a:r>
+            <a:r>
+              <a:rPr lang="en-US" dirty="0" err="1">
+                <a:latin typeface="Times New Roman" panose="02020603050405020304" pitchFamily="18" charset="0"/>
+                <a:cs typeface="Times New Roman" panose="02020603050405020304" pitchFamily="18" charset="0"/>
+              </a:rPr>
+              <a:t>quán</a:t>
+            </a:r>
+            <a:endParaRPr lang="en-US" dirty="0" smtClean="0">
+              <a:latin typeface="Times New Roman" panose="02020603050405020304" pitchFamily="18" charset="0"/>
+              <a:cs typeface="Times New Roman" panose="02020603050405020304" pitchFamily="18" charset="0"/>
+            </a:endParaRPr>
+          </a:p>
+        </p:txBody>
+      </p:sp>
+    </p:spTree>
+    <p:extLst>
+      <p:ext uri="{BB962C8B-B14F-4D97-AF65-F5344CB8AC3E}">
+        <p14:creationId xmlns:p14="http://schemas.microsoft.com/office/powerpoint/2010/main" val="3471919952"/>
+      </p:ext>
+    </p:extLst>
+  </p:cSld>
+  <p:clrMapOvr>
+    <a:masterClrMapping/>
+  </p:clrMapOvr>
+  <p:timing>
+    <p:tnLst>
+      <p:par>
+        <p:cTn id="1" dur="indefinite" restart="never" nodeType="tmRoot"/>
+      </p:par>
+    </p:tnLst>
+  </p:timing>
+</p:sld>
+</file>
+
+<file path=ppt/slides/slide31.xml><?xml version="1.0" encoding="utf-8"?>
 <p:sld xmlns:a="http://schemas.openxmlformats.org/drawingml/2006/main" xmlns:r="http://schemas.openxmlformats.org/officeDocument/2006/relationships" xmlns:p="http://schemas.openxmlformats.org/presentationml/2006/main">
   <p:cSld>
     <p:spTree>
@@ -16186,7 +16384,7 @@
 </p:sld>
 </file>
 
-<file path=ppt/slides/slide31.xml><?xml version="1.0" encoding="utf-8"?>
+<file path=ppt/slides/slide32.xml><?xml version="1.0" encoding="utf-8"?>
 <p:sld xmlns:a="http://schemas.openxmlformats.org/drawingml/2006/main" xmlns:r="http://schemas.openxmlformats.org/officeDocument/2006/relationships" xmlns:p="http://schemas.openxmlformats.org/presentationml/2006/main">
   <p:cSld>
     <p:spTree>
@@ -16863,7 +17061,7 @@
 </p:sld>
 </file>
 
-<file path=ppt/slides/slide32.xml><?xml version="1.0" encoding="utf-8"?>
+<file path=ppt/slides/slide33.xml><?xml version="1.0" encoding="utf-8"?>
 <p:sld xmlns:a="http://schemas.openxmlformats.org/drawingml/2006/main" xmlns:r="http://schemas.openxmlformats.org/officeDocument/2006/relationships" xmlns:p="http://schemas.openxmlformats.org/presentationml/2006/main">
   <p:cSld>
     <p:spTree>
@@ -17020,7 +17218,7 @@
 </p:sld>
 </file>
 
-<file path=ppt/slides/slide33.xml><?xml version="1.0" encoding="utf-8"?>
+<file path=ppt/slides/slide34.xml><?xml version="1.0" encoding="utf-8"?>
 <p:sld xmlns:a="http://schemas.openxmlformats.org/drawingml/2006/main" xmlns:r="http://schemas.openxmlformats.org/officeDocument/2006/relationships" xmlns:p="http://schemas.openxmlformats.org/presentationml/2006/main">
   <p:cSld>
     <p:spTree>
@@ -17081,7 +17279,7 @@
 </p:sld>
 </file>
 
-<file path=ppt/slides/slide34.xml><?xml version="1.0" encoding="utf-8"?>
+<file path=ppt/slides/slide35.xml><?xml version="1.0" encoding="utf-8"?>
 <p:sld xmlns:a="http://schemas.openxmlformats.org/drawingml/2006/main" xmlns:r="http://schemas.openxmlformats.org/officeDocument/2006/relationships" xmlns:p="http://schemas.openxmlformats.org/presentationml/2006/main">
   <p:cSld>
     <p:spTree>
@@ -17142,1064 +17340,6 @@
 </p:sld>
 </file>
 
-<file path=ppt/slides/slide35.xml><?xml version="1.0" encoding="utf-8"?>
-<p:sld xmlns:a="http://schemas.openxmlformats.org/drawingml/2006/main" xmlns:r="http://schemas.openxmlformats.org/officeDocument/2006/relationships" xmlns:p="http://schemas.openxmlformats.org/presentationml/2006/main">
-  <p:cSld>
-    <p:spTree>
-      <p:nvGrpSpPr>
-        <p:cNvPr id="1" name=""/>
-        <p:cNvGrpSpPr/>
-        <p:nvPr/>
-      </p:nvGrpSpPr>
-      <p:grpSpPr>
-        <a:xfrm>
-          <a:off x="0" y="0"/>
-          <a:ext cx="0" cy="0"/>
-          <a:chOff x="0" y="0"/>
-          <a:chExt cx="0" cy="0"/>
-        </a:xfrm>
-      </p:grpSpPr>
-      <p:sp>
-        <p:nvSpPr>
-          <p:cNvPr id="2" name="Title 1"/>
-          <p:cNvSpPr>
-            <a:spLocks noGrp="1"/>
-          </p:cNvSpPr>
-          <p:nvPr>
-            <p:ph type="title"/>
-          </p:nvPr>
-        </p:nvSpPr>
-        <p:spPr/>
-        <p:txBody>
-          <a:bodyPr/>
-          <a:lstStyle/>
-          <a:p>
-            <a:r>
-              <a:rPr lang="en-US" dirty="0" err="1">
-                <a:latin typeface="Times New Roman" panose="02020603050405020304" pitchFamily="18" charset="0"/>
-                <a:cs typeface="Times New Roman" panose="02020603050405020304" pitchFamily="18" charset="0"/>
-              </a:rPr>
-              <a:t>Redux</a:t>
-            </a:r>
-            <a:r>
-              <a:rPr lang="en-US" dirty="0">
-                <a:latin typeface="Times New Roman" panose="02020603050405020304" pitchFamily="18" charset="0"/>
-                <a:cs typeface="Times New Roman" panose="02020603050405020304" pitchFamily="18" charset="0"/>
-              </a:rPr>
-              <a:t> </a:t>
-            </a:r>
-            <a:r>
-              <a:rPr lang="en-US" dirty="0" smtClean="0">
-                <a:latin typeface="Times New Roman" panose="02020603050405020304" pitchFamily="18" charset="0"/>
-                <a:cs typeface="Times New Roman" panose="02020603050405020304" pitchFamily="18" charset="0"/>
-              </a:rPr>
-              <a:t>toolkit</a:t>
-            </a:r>
-            <a:endParaRPr lang="en-US" dirty="0"/>
-          </a:p>
-        </p:txBody>
-      </p:sp>
-      <p:sp>
-        <p:nvSpPr>
-          <p:cNvPr id="3" name="Content Placeholder 2"/>
-          <p:cNvSpPr>
-            <a:spLocks noGrp="1"/>
-          </p:cNvSpPr>
-          <p:nvPr>
-            <p:ph idx="1"/>
-          </p:nvPr>
-        </p:nvSpPr>
-        <p:spPr/>
-        <p:txBody>
-          <a:bodyPr/>
-          <a:lstStyle/>
-          <a:p>
-            <a:pPr algn="just"/>
-            <a:r>
-              <a:rPr lang="en-US" dirty="0">
-                <a:latin typeface="Times New Roman" panose="02020603050405020304" pitchFamily="18" charset="0"/>
-                <a:cs typeface="Times New Roman" panose="02020603050405020304" pitchFamily="18" charset="0"/>
-              </a:rPr>
-              <a:t>- </a:t>
-            </a:r>
-            <a:r>
-              <a:rPr lang="en-US" dirty="0" err="1">
-                <a:latin typeface="Times New Roman" panose="02020603050405020304" pitchFamily="18" charset="0"/>
-                <a:cs typeface="Times New Roman" panose="02020603050405020304" pitchFamily="18" charset="0"/>
-              </a:rPr>
-              <a:t>initialState</a:t>
-            </a:r>
-            <a:r>
-              <a:rPr lang="en-US" dirty="0">
-                <a:latin typeface="Times New Roman" panose="02020603050405020304" pitchFamily="18" charset="0"/>
-                <a:cs typeface="Times New Roman" panose="02020603050405020304" pitchFamily="18" charset="0"/>
-              </a:rPr>
-              <a:t>: </a:t>
-            </a:r>
-            <a:r>
-              <a:rPr lang="en-US" dirty="0" err="1">
-                <a:latin typeface="Times New Roman" panose="02020603050405020304" pitchFamily="18" charset="0"/>
-                <a:cs typeface="Times New Roman" panose="02020603050405020304" pitchFamily="18" charset="0"/>
-              </a:rPr>
-              <a:t>Đây</a:t>
-            </a:r>
-            <a:r>
-              <a:rPr lang="en-US" dirty="0">
-                <a:latin typeface="Times New Roman" panose="02020603050405020304" pitchFamily="18" charset="0"/>
-                <a:cs typeface="Times New Roman" panose="02020603050405020304" pitchFamily="18" charset="0"/>
-              </a:rPr>
-              <a:t> </a:t>
-            </a:r>
-            <a:r>
-              <a:rPr lang="en-US" dirty="0" err="1">
-                <a:latin typeface="Times New Roman" panose="02020603050405020304" pitchFamily="18" charset="0"/>
-                <a:cs typeface="Times New Roman" panose="02020603050405020304" pitchFamily="18" charset="0"/>
-              </a:rPr>
-              <a:t>là</a:t>
-            </a:r>
-            <a:r>
-              <a:rPr lang="en-US" dirty="0">
-                <a:latin typeface="Times New Roman" panose="02020603050405020304" pitchFamily="18" charset="0"/>
-                <a:cs typeface="Times New Roman" panose="02020603050405020304" pitchFamily="18" charset="0"/>
-              </a:rPr>
-              <a:t> </a:t>
-            </a:r>
-            <a:r>
-              <a:rPr lang="en-US" dirty="0" err="1">
-                <a:latin typeface="Times New Roman" panose="02020603050405020304" pitchFamily="18" charset="0"/>
-                <a:cs typeface="Times New Roman" panose="02020603050405020304" pitchFamily="18" charset="0"/>
-              </a:rPr>
-              <a:t>một</a:t>
-            </a:r>
-            <a:r>
-              <a:rPr lang="en-US" dirty="0">
-                <a:latin typeface="Times New Roman" panose="02020603050405020304" pitchFamily="18" charset="0"/>
-                <a:cs typeface="Times New Roman" panose="02020603050405020304" pitchFamily="18" charset="0"/>
-              </a:rPr>
-              <a:t> object </a:t>
-            </a:r>
-            <a:r>
-              <a:rPr lang="en-US" dirty="0" err="1">
-                <a:latin typeface="Times New Roman" panose="02020603050405020304" pitchFamily="18" charset="0"/>
-                <a:cs typeface="Times New Roman" panose="02020603050405020304" pitchFamily="18" charset="0"/>
-              </a:rPr>
-              <a:t>đại</a:t>
-            </a:r>
-            <a:r>
-              <a:rPr lang="en-US" dirty="0">
-                <a:latin typeface="Times New Roman" panose="02020603050405020304" pitchFamily="18" charset="0"/>
-                <a:cs typeface="Times New Roman" panose="02020603050405020304" pitchFamily="18" charset="0"/>
-              </a:rPr>
-              <a:t> </a:t>
-            </a:r>
-            <a:r>
-              <a:rPr lang="en-US" dirty="0" err="1">
-                <a:latin typeface="Times New Roman" panose="02020603050405020304" pitchFamily="18" charset="0"/>
-                <a:cs typeface="Times New Roman" panose="02020603050405020304" pitchFamily="18" charset="0"/>
-              </a:rPr>
-              <a:t>diện</a:t>
-            </a:r>
-            <a:r>
-              <a:rPr lang="en-US" dirty="0">
-                <a:latin typeface="Times New Roman" panose="02020603050405020304" pitchFamily="18" charset="0"/>
-                <a:cs typeface="Times New Roman" panose="02020603050405020304" pitchFamily="18" charset="0"/>
-              </a:rPr>
-              <a:t> </a:t>
-            </a:r>
-            <a:r>
-              <a:rPr lang="en-US" dirty="0" err="1">
-                <a:latin typeface="Times New Roman" panose="02020603050405020304" pitchFamily="18" charset="0"/>
-                <a:cs typeface="Times New Roman" panose="02020603050405020304" pitchFamily="18" charset="0"/>
-              </a:rPr>
-              <a:t>cho</a:t>
-            </a:r>
-            <a:r>
-              <a:rPr lang="en-US" dirty="0">
-                <a:latin typeface="Times New Roman" panose="02020603050405020304" pitchFamily="18" charset="0"/>
-                <a:cs typeface="Times New Roman" panose="02020603050405020304" pitchFamily="18" charset="0"/>
-              </a:rPr>
-              <a:t> </a:t>
-            </a:r>
-            <a:r>
-              <a:rPr lang="en-US" dirty="0" err="1">
-                <a:latin typeface="Times New Roman" panose="02020603050405020304" pitchFamily="18" charset="0"/>
-                <a:cs typeface="Times New Roman" panose="02020603050405020304" pitchFamily="18" charset="0"/>
-              </a:rPr>
-              <a:t>trạng</a:t>
-            </a:r>
-            <a:r>
-              <a:rPr lang="en-US" dirty="0">
-                <a:latin typeface="Times New Roman" panose="02020603050405020304" pitchFamily="18" charset="0"/>
-                <a:cs typeface="Times New Roman" panose="02020603050405020304" pitchFamily="18" charset="0"/>
-              </a:rPr>
-              <a:t> </a:t>
-            </a:r>
-            <a:r>
-              <a:rPr lang="en-US" dirty="0" err="1">
-                <a:latin typeface="Times New Roman" panose="02020603050405020304" pitchFamily="18" charset="0"/>
-                <a:cs typeface="Times New Roman" panose="02020603050405020304" pitchFamily="18" charset="0"/>
-              </a:rPr>
-              <a:t>thái</a:t>
-            </a:r>
-            <a:r>
-              <a:rPr lang="en-US" dirty="0">
-                <a:latin typeface="Times New Roman" panose="02020603050405020304" pitchFamily="18" charset="0"/>
-                <a:cs typeface="Times New Roman" panose="02020603050405020304" pitchFamily="18" charset="0"/>
-              </a:rPr>
-              <a:t> ban </a:t>
-            </a:r>
-            <a:r>
-              <a:rPr lang="en-US" dirty="0" err="1">
-                <a:latin typeface="Times New Roman" panose="02020603050405020304" pitchFamily="18" charset="0"/>
-                <a:cs typeface="Times New Roman" panose="02020603050405020304" pitchFamily="18" charset="0"/>
-              </a:rPr>
-              <a:t>đầu</a:t>
-            </a:r>
-            <a:r>
-              <a:rPr lang="en-US" dirty="0">
-                <a:latin typeface="Times New Roman" panose="02020603050405020304" pitchFamily="18" charset="0"/>
-                <a:cs typeface="Times New Roman" panose="02020603050405020304" pitchFamily="18" charset="0"/>
-              </a:rPr>
-              <a:t> </a:t>
-            </a:r>
-            <a:r>
-              <a:rPr lang="en-US" dirty="0" err="1">
-                <a:latin typeface="Times New Roman" panose="02020603050405020304" pitchFamily="18" charset="0"/>
-                <a:cs typeface="Times New Roman" panose="02020603050405020304" pitchFamily="18" charset="0"/>
-              </a:rPr>
-              <a:t>của</a:t>
-            </a:r>
-            <a:r>
-              <a:rPr lang="en-US" dirty="0">
-                <a:latin typeface="Times New Roman" panose="02020603050405020304" pitchFamily="18" charset="0"/>
-                <a:cs typeface="Times New Roman" panose="02020603050405020304" pitchFamily="18" charset="0"/>
-              </a:rPr>
-              <a:t> state </a:t>
-            </a:r>
-            <a:r>
-              <a:rPr lang="en-US" dirty="0" err="1">
-                <a:latin typeface="Times New Roman" panose="02020603050405020304" pitchFamily="18" charset="0"/>
-                <a:cs typeface="Times New Roman" panose="02020603050405020304" pitchFamily="18" charset="0"/>
-              </a:rPr>
-              <a:t>trong</a:t>
-            </a:r>
-            <a:r>
-              <a:rPr lang="en-US" dirty="0">
-                <a:latin typeface="Times New Roman" panose="02020603050405020304" pitchFamily="18" charset="0"/>
-                <a:cs typeface="Times New Roman" panose="02020603050405020304" pitchFamily="18" charset="0"/>
-              </a:rPr>
-              <a:t> </a:t>
-            </a:r>
-            <a:r>
-              <a:rPr lang="en-US" dirty="0" err="1">
-                <a:latin typeface="Times New Roman" panose="02020603050405020304" pitchFamily="18" charset="0"/>
-                <a:cs typeface="Times New Roman" panose="02020603050405020304" pitchFamily="18" charset="0"/>
-              </a:rPr>
-              <a:t>Redux</a:t>
-            </a:r>
-            <a:r>
-              <a:rPr lang="en-US" dirty="0">
-                <a:latin typeface="Times New Roman" panose="02020603050405020304" pitchFamily="18" charset="0"/>
-                <a:cs typeface="Times New Roman" panose="02020603050405020304" pitchFamily="18" charset="0"/>
-              </a:rPr>
-              <a:t> store. </a:t>
-            </a:r>
-            <a:r>
-              <a:rPr lang="en-US" dirty="0" err="1">
-                <a:latin typeface="Times New Roman" panose="02020603050405020304" pitchFamily="18" charset="0"/>
-                <a:cs typeface="Times New Roman" panose="02020603050405020304" pitchFamily="18" charset="0"/>
-              </a:rPr>
-              <a:t>Trong</a:t>
-            </a:r>
-            <a:r>
-              <a:rPr lang="en-US" dirty="0">
-                <a:latin typeface="Times New Roman" panose="02020603050405020304" pitchFamily="18" charset="0"/>
-                <a:cs typeface="Times New Roman" panose="02020603050405020304" pitchFamily="18" charset="0"/>
-              </a:rPr>
-              <a:t> </a:t>
-            </a:r>
-            <a:r>
-              <a:rPr lang="en-US" dirty="0" err="1">
-                <a:latin typeface="Times New Roman" panose="02020603050405020304" pitchFamily="18" charset="0"/>
-                <a:cs typeface="Times New Roman" panose="02020603050405020304" pitchFamily="18" charset="0"/>
-              </a:rPr>
-              <a:t>ví</a:t>
-            </a:r>
-            <a:r>
-              <a:rPr lang="en-US" dirty="0">
-                <a:latin typeface="Times New Roman" panose="02020603050405020304" pitchFamily="18" charset="0"/>
-                <a:cs typeface="Times New Roman" panose="02020603050405020304" pitchFamily="18" charset="0"/>
-              </a:rPr>
-              <a:t> </a:t>
-            </a:r>
-            <a:r>
-              <a:rPr lang="en-US" dirty="0" err="1">
-                <a:latin typeface="Times New Roman" panose="02020603050405020304" pitchFamily="18" charset="0"/>
-                <a:cs typeface="Times New Roman" panose="02020603050405020304" pitchFamily="18" charset="0"/>
-              </a:rPr>
-              <a:t>dụ</a:t>
-            </a:r>
-            <a:r>
-              <a:rPr lang="en-US" dirty="0">
-                <a:latin typeface="Times New Roman" panose="02020603050405020304" pitchFamily="18" charset="0"/>
-                <a:cs typeface="Times New Roman" panose="02020603050405020304" pitchFamily="18" charset="0"/>
-              </a:rPr>
-              <a:t> </a:t>
-            </a:r>
-            <a:r>
-              <a:rPr lang="en-US" dirty="0" err="1">
-                <a:latin typeface="Times New Roman" panose="02020603050405020304" pitchFamily="18" charset="0"/>
-                <a:cs typeface="Times New Roman" panose="02020603050405020304" pitchFamily="18" charset="0"/>
-              </a:rPr>
-              <a:t>này</a:t>
-            </a:r>
-            <a:r>
-              <a:rPr lang="en-US" dirty="0">
-                <a:latin typeface="Times New Roman" panose="02020603050405020304" pitchFamily="18" charset="0"/>
-                <a:cs typeface="Times New Roman" panose="02020603050405020304" pitchFamily="18" charset="0"/>
-              </a:rPr>
-              <a:t>, </a:t>
-            </a:r>
-            <a:r>
-              <a:rPr lang="en-US" dirty="0" err="1">
-                <a:latin typeface="Times New Roman" panose="02020603050405020304" pitchFamily="18" charset="0"/>
-                <a:cs typeface="Times New Roman" panose="02020603050405020304" pitchFamily="18" charset="0"/>
-              </a:rPr>
-              <a:t>initialState</a:t>
-            </a:r>
-            <a:r>
-              <a:rPr lang="en-US" dirty="0">
-                <a:latin typeface="Times New Roman" panose="02020603050405020304" pitchFamily="18" charset="0"/>
-                <a:cs typeface="Times New Roman" panose="02020603050405020304" pitchFamily="18" charset="0"/>
-              </a:rPr>
-              <a:t> </a:t>
-            </a:r>
-            <a:r>
-              <a:rPr lang="en-US" dirty="0" err="1">
-                <a:latin typeface="Times New Roman" panose="02020603050405020304" pitchFamily="18" charset="0"/>
-                <a:cs typeface="Times New Roman" panose="02020603050405020304" pitchFamily="18" charset="0"/>
-              </a:rPr>
-              <a:t>chỉ</a:t>
-            </a:r>
-            <a:r>
-              <a:rPr lang="en-US" dirty="0">
-                <a:latin typeface="Times New Roman" panose="02020603050405020304" pitchFamily="18" charset="0"/>
-                <a:cs typeface="Times New Roman" panose="02020603050405020304" pitchFamily="18" charset="0"/>
-              </a:rPr>
-              <a:t> </a:t>
-            </a:r>
-            <a:r>
-              <a:rPr lang="en-US" dirty="0" err="1">
-                <a:latin typeface="Times New Roman" panose="02020603050405020304" pitchFamily="18" charset="0"/>
-                <a:cs typeface="Times New Roman" panose="02020603050405020304" pitchFamily="18" charset="0"/>
-              </a:rPr>
-              <a:t>có</a:t>
-            </a:r>
-            <a:r>
-              <a:rPr lang="en-US" dirty="0">
-                <a:latin typeface="Times New Roman" panose="02020603050405020304" pitchFamily="18" charset="0"/>
-                <a:cs typeface="Times New Roman" panose="02020603050405020304" pitchFamily="18" charset="0"/>
-              </a:rPr>
-              <a:t> </a:t>
-            </a:r>
-            <a:r>
-              <a:rPr lang="en-US" dirty="0" err="1">
-                <a:latin typeface="Times New Roman" panose="02020603050405020304" pitchFamily="18" charset="0"/>
-                <a:cs typeface="Times New Roman" panose="02020603050405020304" pitchFamily="18" charset="0"/>
-              </a:rPr>
-              <a:t>một</a:t>
-            </a:r>
-            <a:r>
-              <a:rPr lang="en-US" dirty="0">
-                <a:latin typeface="Times New Roman" panose="02020603050405020304" pitchFamily="18" charset="0"/>
-                <a:cs typeface="Times New Roman" panose="02020603050405020304" pitchFamily="18" charset="0"/>
-              </a:rPr>
-              <a:t> </a:t>
-            </a:r>
-            <a:r>
-              <a:rPr lang="en-US" dirty="0" err="1">
-                <a:latin typeface="Times New Roman" panose="02020603050405020304" pitchFamily="18" charset="0"/>
-                <a:cs typeface="Times New Roman" panose="02020603050405020304" pitchFamily="18" charset="0"/>
-              </a:rPr>
-              <a:t>thuộc</a:t>
-            </a:r>
-            <a:r>
-              <a:rPr lang="en-US" dirty="0">
-                <a:latin typeface="Times New Roman" panose="02020603050405020304" pitchFamily="18" charset="0"/>
-                <a:cs typeface="Times New Roman" panose="02020603050405020304" pitchFamily="18" charset="0"/>
-              </a:rPr>
-              <a:t> </a:t>
-            </a:r>
-            <a:r>
-              <a:rPr lang="en-US" dirty="0" err="1">
-                <a:latin typeface="Times New Roman" panose="02020603050405020304" pitchFamily="18" charset="0"/>
-                <a:cs typeface="Times New Roman" panose="02020603050405020304" pitchFamily="18" charset="0"/>
-              </a:rPr>
-              <a:t>tính</a:t>
-            </a:r>
-            <a:r>
-              <a:rPr lang="en-US" dirty="0">
-                <a:latin typeface="Times New Roman" panose="02020603050405020304" pitchFamily="18" charset="0"/>
-                <a:cs typeface="Times New Roman" panose="02020603050405020304" pitchFamily="18" charset="0"/>
-              </a:rPr>
-              <a:t> </a:t>
-            </a:r>
-            <a:r>
-              <a:rPr lang="en-US" dirty="0" err="1">
-                <a:latin typeface="Times New Roman" panose="02020603050405020304" pitchFamily="18" charset="0"/>
-                <a:cs typeface="Times New Roman" panose="02020603050405020304" pitchFamily="18" charset="0"/>
-              </a:rPr>
-              <a:t>userInfo</a:t>
-            </a:r>
-            <a:r>
-              <a:rPr lang="en-US" dirty="0">
-                <a:latin typeface="Times New Roman" panose="02020603050405020304" pitchFamily="18" charset="0"/>
-                <a:cs typeface="Times New Roman" panose="02020603050405020304" pitchFamily="18" charset="0"/>
-              </a:rPr>
-              <a:t>, ban </a:t>
-            </a:r>
-            <a:r>
-              <a:rPr lang="en-US" dirty="0" err="1">
-                <a:latin typeface="Times New Roman" panose="02020603050405020304" pitchFamily="18" charset="0"/>
-                <a:cs typeface="Times New Roman" panose="02020603050405020304" pitchFamily="18" charset="0"/>
-              </a:rPr>
-              <a:t>đầu</a:t>
-            </a:r>
-            <a:r>
-              <a:rPr lang="en-US" dirty="0">
-                <a:latin typeface="Times New Roman" panose="02020603050405020304" pitchFamily="18" charset="0"/>
-                <a:cs typeface="Times New Roman" panose="02020603050405020304" pitchFamily="18" charset="0"/>
-              </a:rPr>
-              <a:t> </a:t>
-            </a:r>
-            <a:r>
-              <a:rPr lang="en-US" dirty="0" err="1">
-                <a:latin typeface="Times New Roman" panose="02020603050405020304" pitchFamily="18" charset="0"/>
-                <a:cs typeface="Times New Roman" panose="02020603050405020304" pitchFamily="18" charset="0"/>
-              </a:rPr>
-              <a:t>là</a:t>
-            </a:r>
-            <a:r>
-              <a:rPr lang="en-US" dirty="0">
-                <a:latin typeface="Times New Roman" panose="02020603050405020304" pitchFamily="18" charset="0"/>
-                <a:cs typeface="Times New Roman" panose="02020603050405020304" pitchFamily="18" charset="0"/>
-              </a:rPr>
-              <a:t> </a:t>
-            </a:r>
-            <a:r>
-              <a:rPr lang="en-US" dirty="0" err="1">
-                <a:latin typeface="Times New Roman" panose="02020603050405020304" pitchFamily="18" charset="0"/>
-                <a:cs typeface="Times New Roman" panose="02020603050405020304" pitchFamily="18" charset="0"/>
-              </a:rPr>
-              <a:t>một</a:t>
-            </a:r>
-            <a:r>
-              <a:rPr lang="en-US" dirty="0">
-                <a:latin typeface="Times New Roman" panose="02020603050405020304" pitchFamily="18" charset="0"/>
-                <a:cs typeface="Times New Roman" panose="02020603050405020304" pitchFamily="18" charset="0"/>
-              </a:rPr>
-              <a:t> object </a:t>
-            </a:r>
-            <a:r>
-              <a:rPr lang="en-US" dirty="0" err="1">
-                <a:latin typeface="Times New Roman" panose="02020603050405020304" pitchFamily="18" charset="0"/>
-                <a:cs typeface="Times New Roman" panose="02020603050405020304" pitchFamily="18" charset="0"/>
-              </a:rPr>
-              <a:t>rỗng</a:t>
-            </a:r>
-            <a:r>
-              <a:rPr lang="en-US" dirty="0">
-                <a:latin typeface="Times New Roman" panose="02020603050405020304" pitchFamily="18" charset="0"/>
-                <a:cs typeface="Times New Roman" panose="02020603050405020304" pitchFamily="18" charset="0"/>
-              </a:rPr>
-              <a:t> </a:t>
-            </a:r>
-            <a:r>
-              <a:rPr lang="en-US" dirty="0" smtClean="0">
-                <a:latin typeface="Times New Roman" panose="02020603050405020304" pitchFamily="18" charset="0"/>
-                <a:cs typeface="Times New Roman" panose="02020603050405020304" pitchFamily="18" charset="0"/>
-              </a:rPr>
-              <a:t>{}.</a:t>
-            </a:r>
-          </a:p>
-          <a:p>
-            <a:pPr algn="just"/>
-            <a:r>
-              <a:rPr lang="en-US" dirty="0" smtClean="0">
-                <a:latin typeface="Times New Roman" panose="02020603050405020304" pitchFamily="18" charset="0"/>
-                <a:cs typeface="Times New Roman" panose="02020603050405020304" pitchFamily="18" charset="0"/>
-              </a:rPr>
-              <a:t>- </a:t>
-            </a:r>
-            <a:r>
-              <a:rPr lang="vi-VN" dirty="0">
-                <a:latin typeface="Times New Roman" panose="02020603050405020304" pitchFamily="18" charset="0"/>
-                <a:cs typeface="Times New Roman" panose="02020603050405020304" pitchFamily="18" charset="0"/>
-              </a:rPr>
-              <a:t>createAsyncThunk: Hàm này từ Redux Toolkit để tạo các thao tác bất đồng bộ (async thunks). Trong ví dụ này, getUserInfo là một async thunk để gọi API và lấy dữ liệu thông tin người dùng từ server</a:t>
-            </a:r>
-            <a:r>
-              <a:rPr lang="vi-VN" dirty="0" smtClean="0">
-                <a:latin typeface="Times New Roman" panose="02020603050405020304" pitchFamily="18" charset="0"/>
-                <a:cs typeface="Times New Roman" panose="02020603050405020304" pitchFamily="18" charset="0"/>
-              </a:rPr>
-              <a:t>.</a:t>
-            </a:r>
-            <a:endParaRPr lang="en-US" dirty="0" smtClean="0">
-              <a:latin typeface="Times New Roman" panose="02020603050405020304" pitchFamily="18" charset="0"/>
-              <a:cs typeface="Times New Roman" panose="02020603050405020304" pitchFamily="18" charset="0"/>
-            </a:endParaRPr>
-          </a:p>
-          <a:p>
-            <a:pPr algn="just"/>
-            <a:r>
-              <a:rPr lang="en-US" dirty="0">
-                <a:latin typeface="Times New Roman" panose="02020603050405020304" pitchFamily="18" charset="0"/>
-                <a:cs typeface="Times New Roman" panose="02020603050405020304" pitchFamily="18" charset="0"/>
-              </a:rPr>
-              <a:t>- </a:t>
-            </a:r>
-            <a:r>
-              <a:rPr lang="en-US" dirty="0" err="1">
-                <a:latin typeface="Times New Roman" panose="02020603050405020304" pitchFamily="18" charset="0"/>
-                <a:cs typeface="Times New Roman" panose="02020603050405020304" pitchFamily="18" charset="0"/>
-              </a:rPr>
-              <a:t>createSlice</a:t>
-            </a:r>
-            <a:r>
-              <a:rPr lang="en-US" dirty="0">
-                <a:latin typeface="Times New Roman" panose="02020603050405020304" pitchFamily="18" charset="0"/>
-                <a:cs typeface="Times New Roman" panose="02020603050405020304" pitchFamily="18" charset="0"/>
-              </a:rPr>
-              <a:t>: </a:t>
-            </a:r>
-            <a:r>
-              <a:rPr lang="en-US" dirty="0" err="1">
-                <a:latin typeface="Times New Roman" panose="02020603050405020304" pitchFamily="18" charset="0"/>
-                <a:cs typeface="Times New Roman" panose="02020603050405020304" pitchFamily="18" charset="0"/>
-              </a:rPr>
-              <a:t>Hàm</a:t>
-            </a:r>
-            <a:r>
-              <a:rPr lang="en-US" dirty="0">
-                <a:latin typeface="Times New Roman" panose="02020603050405020304" pitchFamily="18" charset="0"/>
-                <a:cs typeface="Times New Roman" panose="02020603050405020304" pitchFamily="18" charset="0"/>
-              </a:rPr>
-              <a:t> </a:t>
-            </a:r>
-            <a:r>
-              <a:rPr lang="en-US" dirty="0" err="1">
-                <a:latin typeface="Times New Roman" panose="02020603050405020304" pitchFamily="18" charset="0"/>
-                <a:cs typeface="Times New Roman" panose="02020603050405020304" pitchFamily="18" charset="0"/>
-              </a:rPr>
-              <a:t>này</a:t>
-            </a:r>
-            <a:r>
-              <a:rPr lang="en-US" dirty="0">
-                <a:latin typeface="Times New Roman" panose="02020603050405020304" pitchFamily="18" charset="0"/>
-                <a:cs typeface="Times New Roman" panose="02020603050405020304" pitchFamily="18" charset="0"/>
-              </a:rPr>
-              <a:t> </a:t>
-            </a:r>
-            <a:r>
-              <a:rPr lang="en-US" dirty="0" err="1">
-                <a:latin typeface="Times New Roman" panose="02020603050405020304" pitchFamily="18" charset="0"/>
-                <a:cs typeface="Times New Roman" panose="02020603050405020304" pitchFamily="18" charset="0"/>
-              </a:rPr>
-              <a:t>từ</a:t>
-            </a:r>
-            <a:r>
-              <a:rPr lang="en-US" dirty="0">
-                <a:latin typeface="Times New Roman" panose="02020603050405020304" pitchFamily="18" charset="0"/>
-                <a:cs typeface="Times New Roman" panose="02020603050405020304" pitchFamily="18" charset="0"/>
-              </a:rPr>
-              <a:t> </a:t>
-            </a:r>
-            <a:r>
-              <a:rPr lang="en-US" dirty="0" err="1">
-                <a:latin typeface="Times New Roman" panose="02020603050405020304" pitchFamily="18" charset="0"/>
-                <a:cs typeface="Times New Roman" panose="02020603050405020304" pitchFamily="18" charset="0"/>
-              </a:rPr>
-              <a:t>Redux</a:t>
-            </a:r>
-            <a:r>
-              <a:rPr lang="en-US" dirty="0">
-                <a:latin typeface="Times New Roman" panose="02020603050405020304" pitchFamily="18" charset="0"/>
-                <a:cs typeface="Times New Roman" panose="02020603050405020304" pitchFamily="18" charset="0"/>
-              </a:rPr>
-              <a:t> Toolkit </a:t>
-            </a:r>
-            <a:r>
-              <a:rPr lang="en-US" dirty="0" err="1">
-                <a:latin typeface="Times New Roman" panose="02020603050405020304" pitchFamily="18" charset="0"/>
-                <a:cs typeface="Times New Roman" panose="02020603050405020304" pitchFamily="18" charset="0"/>
-              </a:rPr>
-              <a:t>để</a:t>
-            </a:r>
-            <a:r>
-              <a:rPr lang="en-US" dirty="0">
-                <a:latin typeface="Times New Roman" panose="02020603050405020304" pitchFamily="18" charset="0"/>
-                <a:cs typeface="Times New Roman" panose="02020603050405020304" pitchFamily="18" charset="0"/>
-              </a:rPr>
-              <a:t> </a:t>
-            </a:r>
-            <a:r>
-              <a:rPr lang="en-US" dirty="0" err="1">
-                <a:latin typeface="Times New Roman" panose="02020603050405020304" pitchFamily="18" charset="0"/>
-                <a:cs typeface="Times New Roman" panose="02020603050405020304" pitchFamily="18" charset="0"/>
-              </a:rPr>
-              <a:t>định</a:t>
-            </a:r>
-            <a:r>
-              <a:rPr lang="en-US" dirty="0">
-                <a:latin typeface="Times New Roman" panose="02020603050405020304" pitchFamily="18" charset="0"/>
-                <a:cs typeface="Times New Roman" panose="02020603050405020304" pitchFamily="18" charset="0"/>
-              </a:rPr>
-              <a:t> </a:t>
-            </a:r>
-            <a:r>
-              <a:rPr lang="en-US" dirty="0" err="1">
-                <a:latin typeface="Times New Roman" panose="02020603050405020304" pitchFamily="18" charset="0"/>
-                <a:cs typeface="Times New Roman" panose="02020603050405020304" pitchFamily="18" charset="0"/>
-              </a:rPr>
-              <a:t>nghĩa</a:t>
-            </a:r>
-            <a:r>
-              <a:rPr lang="en-US" dirty="0">
-                <a:latin typeface="Times New Roman" panose="02020603050405020304" pitchFamily="18" charset="0"/>
-                <a:cs typeface="Times New Roman" panose="02020603050405020304" pitchFamily="18" charset="0"/>
-              </a:rPr>
-              <a:t> </a:t>
-            </a:r>
-            <a:r>
-              <a:rPr lang="en-US" dirty="0" err="1">
-                <a:latin typeface="Times New Roman" panose="02020603050405020304" pitchFamily="18" charset="0"/>
-                <a:cs typeface="Times New Roman" panose="02020603050405020304" pitchFamily="18" charset="0"/>
-              </a:rPr>
-              <a:t>một</a:t>
-            </a:r>
-            <a:r>
-              <a:rPr lang="en-US" dirty="0">
-                <a:latin typeface="Times New Roman" panose="02020603050405020304" pitchFamily="18" charset="0"/>
-                <a:cs typeface="Times New Roman" panose="02020603050405020304" pitchFamily="18" charset="0"/>
-              </a:rPr>
-              <a:t> Slice </a:t>
-            </a:r>
-            <a:r>
-              <a:rPr lang="en-US" dirty="0" err="1">
-                <a:latin typeface="Times New Roman" panose="02020603050405020304" pitchFamily="18" charset="0"/>
-                <a:cs typeface="Times New Roman" panose="02020603050405020304" pitchFamily="18" charset="0"/>
-              </a:rPr>
-              <a:t>trong</a:t>
-            </a:r>
-            <a:r>
-              <a:rPr lang="en-US" dirty="0">
-                <a:latin typeface="Times New Roman" panose="02020603050405020304" pitchFamily="18" charset="0"/>
-                <a:cs typeface="Times New Roman" panose="02020603050405020304" pitchFamily="18" charset="0"/>
-              </a:rPr>
-              <a:t> </a:t>
-            </a:r>
-            <a:r>
-              <a:rPr lang="en-US" dirty="0" err="1">
-                <a:latin typeface="Times New Roman" panose="02020603050405020304" pitchFamily="18" charset="0"/>
-                <a:cs typeface="Times New Roman" panose="02020603050405020304" pitchFamily="18" charset="0"/>
-              </a:rPr>
-              <a:t>Redux</a:t>
-            </a:r>
-            <a:r>
-              <a:rPr lang="en-US" dirty="0">
-                <a:latin typeface="Times New Roman" panose="02020603050405020304" pitchFamily="18" charset="0"/>
-                <a:cs typeface="Times New Roman" panose="02020603050405020304" pitchFamily="18" charset="0"/>
-              </a:rPr>
-              <a:t>, </a:t>
-            </a:r>
-            <a:r>
-              <a:rPr lang="en-US" dirty="0" err="1">
-                <a:latin typeface="Times New Roman" panose="02020603050405020304" pitchFamily="18" charset="0"/>
-                <a:cs typeface="Times New Roman" panose="02020603050405020304" pitchFamily="18" charset="0"/>
-              </a:rPr>
-              <a:t>bao</a:t>
-            </a:r>
-            <a:r>
-              <a:rPr lang="en-US" dirty="0">
-                <a:latin typeface="Times New Roman" panose="02020603050405020304" pitchFamily="18" charset="0"/>
-                <a:cs typeface="Times New Roman" panose="02020603050405020304" pitchFamily="18" charset="0"/>
-              </a:rPr>
-              <a:t> </a:t>
-            </a:r>
-            <a:r>
-              <a:rPr lang="en-US" dirty="0" err="1">
-                <a:latin typeface="Times New Roman" panose="02020603050405020304" pitchFamily="18" charset="0"/>
-                <a:cs typeface="Times New Roman" panose="02020603050405020304" pitchFamily="18" charset="0"/>
-              </a:rPr>
-              <a:t>gồm</a:t>
-            </a:r>
-            <a:r>
-              <a:rPr lang="en-US" dirty="0">
-                <a:latin typeface="Times New Roman" panose="02020603050405020304" pitchFamily="18" charset="0"/>
-                <a:cs typeface="Times New Roman" panose="02020603050405020304" pitchFamily="18" charset="0"/>
-              </a:rPr>
-              <a:t> reducers </a:t>
-            </a:r>
-            <a:r>
-              <a:rPr lang="en-US" dirty="0" err="1">
-                <a:latin typeface="Times New Roman" panose="02020603050405020304" pitchFamily="18" charset="0"/>
-                <a:cs typeface="Times New Roman" panose="02020603050405020304" pitchFamily="18" charset="0"/>
-              </a:rPr>
-              <a:t>và</a:t>
-            </a:r>
-            <a:r>
-              <a:rPr lang="en-US" dirty="0">
-                <a:latin typeface="Times New Roman" panose="02020603050405020304" pitchFamily="18" charset="0"/>
-                <a:cs typeface="Times New Roman" panose="02020603050405020304" pitchFamily="18" charset="0"/>
-              </a:rPr>
-              <a:t> </a:t>
-            </a:r>
-            <a:r>
-              <a:rPr lang="en-US" dirty="0" err="1">
-                <a:latin typeface="Times New Roman" panose="02020603050405020304" pitchFamily="18" charset="0"/>
-                <a:cs typeface="Times New Roman" panose="02020603050405020304" pitchFamily="18" charset="0"/>
-              </a:rPr>
-              <a:t>các</a:t>
-            </a:r>
-            <a:r>
-              <a:rPr lang="en-US" dirty="0">
-                <a:latin typeface="Times New Roman" panose="02020603050405020304" pitchFamily="18" charset="0"/>
-                <a:cs typeface="Times New Roman" panose="02020603050405020304" pitchFamily="18" charset="0"/>
-              </a:rPr>
-              <a:t> extra reducers </a:t>
-            </a:r>
-            <a:r>
-              <a:rPr lang="en-US" dirty="0" err="1">
-                <a:latin typeface="Times New Roman" panose="02020603050405020304" pitchFamily="18" charset="0"/>
-                <a:cs typeface="Times New Roman" panose="02020603050405020304" pitchFamily="18" charset="0"/>
-              </a:rPr>
-              <a:t>để</a:t>
-            </a:r>
-            <a:r>
-              <a:rPr lang="en-US" dirty="0">
-                <a:latin typeface="Times New Roman" panose="02020603050405020304" pitchFamily="18" charset="0"/>
-                <a:cs typeface="Times New Roman" panose="02020603050405020304" pitchFamily="18" charset="0"/>
-              </a:rPr>
-              <a:t> </a:t>
-            </a:r>
-            <a:r>
-              <a:rPr lang="en-US" dirty="0" err="1">
-                <a:latin typeface="Times New Roman" panose="02020603050405020304" pitchFamily="18" charset="0"/>
-                <a:cs typeface="Times New Roman" panose="02020603050405020304" pitchFamily="18" charset="0"/>
-              </a:rPr>
-              <a:t>xử</a:t>
-            </a:r>
-            <a:r>
-              <a:rPr lang="en-US" dirty="0">
-                <a:latin typeface="Times New Roman" panose="02020603050405020304" pitchFamily="18" charset="0"/>
-                <a:cs typeface="Times New Roman" panose="02020603050405020304" pitchFamily="18" charset="0"/>
-              </a:rPr>
-              <a:t> </a:t>
-            </a:r>
-            <a:r>
-              <a:rPr lang="en-US" dirty="0" err="1">
-                <a:latin typeface="Times New Roman" panose="02020603050405020304" pitchFamily="18" charset="0"/>
-                <a:cs typeface="Times New Roman" panose="02020603050405020304" pitchFamily="18" charset="0"/>
-              </a:rPr>
-              <a:t>lý</a:t>
-            </a:r>
-            <a:r>
-              <a:rPr lang="en-US" dirty="0">
-                <a:latin typeface="Times New Roman" panose="02020603050405020304" pitchFamily="18" charset="0"/>
-                <a:cs typeface="Times New Roman" panose="02020603050405020304" pitchFamily="18" charset="0"/>
-              </a:rPr>
-              <a:t> </a:t>
-            </a:r>
-            <a:r>
-              <a:rPr lang="en-US" dirty="0" err="1">
-                <a:latin typeface="Times New Roman" panose="02020603050405020304" pitchFamily="18" charset="0"/>
-                <a:cs typeface="Times New Roman" panose="02020603050405020304" pitchFamily="18" charset="0"/>
-              </a:rPr>
-              <a:t>các</a:t>
-            </a:r>
-            <a:r>
-              <a:rPr lang="en-US" dirty="0">
-                <a:latin typeface="Times New Roman" panose="02020603050405020304" pitchFamily="18" charset="0"/>
-                <a:cs typeface="Times New Roman" panose="02020603050405020304" pitchFamily="18" charset="0"/>
-              </a:rPr>
-              <a:t> actions </a:t>
-            </a:r>
-            <a:r>
-              <a:rPr lang="en-US" dirty="0" err="1">
-                <a:latin typeface="Times New Roman" panose="02020603050405020304" pitchFamily="18" charset="0"/>
-                <a:cs typeface="Times New Roman" panose="02020603050405020304" pitchFamily="18" charset="0"/>
-              </a:rPr>
-              <a:t>async</a:t>
-            </a:r>
-            <a:r>
-              <a:rPr lang="en-US" dirty="0" smtClean="0">
-                <a:latin typeface="Times New Roman" panose="02020603050405020304" pitchFamily="18" charset="0"/>
-                <a:cs typeface="Times New Roman" panose="02020603050405020304" pitchFamily="18" charset="0"/>
-              </a:rPr>
-              <a:t>.</a:t>
-            </a:r>
-          </a:p>
-          <a:p>
-            <a:pPr algn="just"/>
-            <a:r>
-              <a:rPr lang="en-US" dirty="0" smtClean="0">
-                <a:latin typeface="Times New Roman" panose="02020603050405020304" pitchFamily="18" charset="0"/>
-                <a:cs typeface="Times New Roman" panose="02020603050405020304" pitchFamily="18" charset="0"/>
-              </a:rPr>
-              <a:t>- </a:t>
-            </a:r>
-            <a:r>
-              <a:rPr lang="vi-VN" dirty="0" smtClean="0">
-                <a:latin typeface="Times New Roman" panose="02020603050405020304" pitchFamily="18" charset="0"/>
-                <a:cs typeface="Times New Roman" panose="02020603050405020304" pitchFamily="18" charset="0"/>
-              </a:rPr>
-              <a:t>name</a:t>
-            </a:r>
-            <a:r>
-              <a:rPr lang="vi-VN" dirty="0">
-                <a:latin typeface="Times New Roman" panose="02020603050405020304" pitchFamily="18" charset="0"/>
-                <a:cs typeface="Times New Roman" panose="02020603050405020304" pitchFamily="18" charset="0"/>
-              </a:rPr>
-              <a:t>: 'user': Đây là tên của Slice, cho biết rằng Slice này quản lý các trạng thái liên quan đến thông tin người dùng</a:t>
-            </a:r>
-            <a:r>
-              <a:rPr lang="vi-VN" dirty="0" smtClean="0">
-                <a:latin typeface="Times New Roman" panose="02020603050405020304" pitchFamily="18" charset="0"/>
-                <a:cs typeface="Times New Roman" panose="02020603050405020304" pitchFamily="18" charset="0"/>
-              </a:rPr>
-              <a:t>.</a:t>
-            </a:r>
-            <a:endParaRPr lang="en-US" dirty="0" smtClean="0">
-              <a:latin typeface="Times New Roman" panose="02020603050405020304" pitchFamily="18" charset="0"/>
-              <a:cs typeface="Times New Roman" panose="02020603050405020304" pitchFamily="18" charset="0"/>
-            </a:endParaRPr>
-          </a:p>
-          <a:p>
-            <a:pPr algn="just"/>
-            <a:r>
-              <a:rPr lang="en-US" dirty="0">
-                <a:latin typeface="Times New Roman" panose="02020603050405020304" pitchFamily="18" charset="0"/>
-                <a:cs typeface="Times New Roman" panose="02020603050405020304" pitchFamily="18" charset="0"/>
-              </a:rPr>
-              <a:t>- reducers: </a:t>
-            </a:r>
-            <a:r>
-              <a:rPr lang="en-US" dirty="0" err="1">
-                <a:latin typeface="Times New Roman" panose="02020603050405020304" pitchFamily="18" charset="0"/>
-                <a:cs typeface="Times New Roman" panose="02020603050405020304" pitchFamily="18" charset="0"/>
-              </a:rPr>
-              <a:t>Định</a:t>
-            </a:r>
-            <a:r>
-              <a:rPr lang="en-US" dirty="0">
-                <a:latin typeface="Times New Roman" panose="02020603050405020304" pitchFamily="18" charset="0"/>
-                <a:cs typeface="Times New Roman" panose="02020603050405020304" pitchFamily="18" charset="0"/>
-              </a:rPr>
-              <a:t> </a:t>
-            </a:r>
-            <a:r>
-              <a:rPr lang="en-US" dirty="0" err="1">
-                <a:latin typeface="Times New Roman" panose="02020603050405020304" pitchFamily="18" charset="0"/>
-                <a:cs typeface="Times New Roman" panose="02020603050405020304" pitchFamily="18" charset="0"/>
-              </a:rPr>
-              <a:t>nghĩa</a:t>
-            </a:r>
-            <a:r>
-              <a:rPr lang="en-US" dirty="0">
-                <a:latin typeface="Times New Roman" panose="02020603050405020304" pitchFamily="18" charset="0"/>
-                <a:cs typeface="Times New Roman" panose="02020603050405020304" pitchFamily="18" charset="0"/>
-              </a:rPr>
-              <a:t> </a:t>
-            </a:r>
-            <a:r>
-              <a:rPr lang="en-US" dirty="0" err="1">
-                <a:latin typeface="Times New Roman" panose="02020603050405020304" pitchFamily="18" charset="0"/>
-                <a:cs typeface="Times New Roman" panose="02020603050405020304" pitchFamily="18" charset="0"/>
-              </a:rPr>
-              <a:t>các</a:t>
-            </a:r>
-            <a:r>
-              <a:rPr lang="en-US" dirty="0">
-                <a:latin typeface="Times New Roman" panose="02020603050405020304" pitchFamily="18" charset="0"/>
-                <a:cs typeface="Times New Roman" panose="02020603050405020304" pitchFamily="18" charset="0"/>
-              </a:rPr>
-              <a:t> reducers </a:t>
-            </a:r>
-            <a:r>
-              <a:rPr lang="en-US" dirty="0" err="1">
-                <a:latin typeface="Times New Roman" panose="02020603050405020304" pitchFamily="18" charset="0"/>
-                <a:cs typeface="Times New Roman" panose="02020603050405020304" pitchFamily="18" charset="0"/>
-              </a:rPr>
-              <a:t>đồng</a:t>
-            </a:r>
-            <a:r>
-              <a:rPr lang="en-US" dirty="0">
-                <a:latin typeface="Times New Roman" panose="02020603050405020304" pitchFamily="18" charset="0"/>
-                <a:cs typeface="Times New Roman" panose="02020603050405020304" pitchFamily="18" charset="0"/>
-              </a:rPr>
-              <a:t> </a:t>
-            </a:r>
-            <a:r>
-              <a:rPr lang="en-US" dirty="0" err="1">
-                <a:latin typeface="Times New Roman" panose="02020603050405020304" pitchFamily="18" charset="0"/>
-                <a:cs typeface="Times New Roman" panose="02020603050405020304" pitchFamily="18" charset="0"/>
-              </a:rPr>
-              <a:t>bộ</a:t>
-            </a:r>
-            <a:r>
-              <a:rPr lang="en-US" dirty="0">
-                <a:latin typeface="Times New Roman" panose="02020603050405020304" pitchFamily="18" charset="0"/>
-                <a:cs typeface="Times New Roman" panose="02020603050405020304" pitchFamily="18" charset="0"/>
-              </a:rPr>
-              <a:t> </a:t>
-            </a:r>
-            <a:r>
-              <a:rPr lang="en-US" dirty="0" err="1">
-                <a:latin typeface="Times New Roman" panose="02020603050405020304" pitchFamily="18" charset="0"/>
-                <a:cs typeface="Times New Roman" panose="02020603050405020304" pitchFamily="18" charset="0"/>
-              </a:rPr>
-              <a:t>để</a:t>
-            </a:r>
-            <a:r>
-              <a:rPr lang="en-US" dirty="0">
-                <a:latin typeface="Times New Roman" panose="02020603050405020304" pitchFamily="18" charset="0"/>
-                <a:cs typeface="Times New Roman" panose="02020603050405020304" pitchFamily="18" charset="0"/>
-              </a:rPr>
-              <a:t> </a:t>
-            </a:r>
-            <a:r>
-              <a:rPr lang="en-US" dirty="0" err="1">
-                <a:latin typeface="Times New Roman" panose="02020603050405020304" pitchFamily="18" charset="0"/>
-                <a:cs typeface="Times New Roman" panose="02020603050405020304" pitchFamily="18" charset="0"/>
-              </a:rPr>
-              <a:t>cập</a:t>
-            </a:r>
-            <a:r>
-              <a:rPr lang="en-US" dirty="0">
-                <a:latin typeface="Times New Roman" panose="02020603050405020304" pitchFamily="18" charset="0"/>
-                <a:cs typeface="Times New Roman" panose="02020603050405020304" pitchFamily="18" charset="0"/>
-              </a:rPr>
-              <a:t> </a:t>
-            </a:r>
-            <a:r>
-              <a:rPr lang="en-US" dirty="0" err="1">
-                <a:latin typeface="Times New Roman" panose="02020603050405020304" pitchFamily="18" charset="0"/>
-                <a:cs typeface="Times New Roman" panose="02020603050405020304" pitchFamily="18" charset="0"/>
-              </a:rPr>
-              <a:t>nhật</a:t>
-            </a:r>
-            <a:r>
-              <a:rPr lang="en-US" dirty="0">
-                <a:latin typeface="Times New Roman" panose="02020603050405020304" pitchFamily="18" charset="0"/>
-                <a:cs typeface="Times New Roman" panose="02020603050405020304" pitchFamily="18" charset="0"/>
-              </a:rPr>
-              <a:t> </a:t>
-            </a:r>
-            <a:r>
-              <a:rPr lang="en-US" dirty="0" err="1">
-                <a:latin typeface="Times New Roman" panose="02020603050405020304" pitchFamily="18" charset="0"/>
-                <a:cs typeface="Times New Roman" panose="02020603050405020304" pitchFamily="18" charset="0"/>
-              </a:rPr>
-              <a:t>trạng</a:t>
-            </a:r>
-            <a:r>
-              <a:rPr lang="en-US" dirty="0">
-                <a:latin typeface="Times New Roman" panose="02020603050405020304" pitchFamily="18" charset="0"/>
-                <a:cs typeface="Times New Roman" panose="02020603050405020304" pitchFamily="18" charset="0"/>
-              </a:rPr>
-              <a:t> </a:t>
-            </a:r>
-            <a:r>
-              <a:rPr lang="en-US" dirty="0" err="1">
-                <a:latin typeface="Times New Roman" panose="02020603050405020304" pitchFamily="18" charset="0"/>
-                <a:cs typeface="Times New Roman" panose="02020603050405020304" pitchFamily="18" charset="0"/>
-              </a:rPr>
-              <a:t>thái</a:t>
-            </a:r>
-            <a:r>
-              <a:rPr lang="en-US" dirty="0">
-                <a:latin typeface="Times New Roman" panose="02020603050405020304" pitchFamily="18" charset="0"/>
-                <a:cs typeface="Times New Roman" panose="02020603050405020304" pitchFamily="18" charset="0"/>
-              </a:rPr>
-              <a:t> </a:t>
-            </a:r>
-            <a:r>
-              <a:rPr lang="en-US" dirty="0" err="1">
-                <a:latin typeface="Times New Roman" panose="02020603050405020304" pitchFamily="18" charset="0"/>
-                <a:cs typeface="Times New Roman" panose="02020603050405020304" pitchFamily="18" charset="0"/>
-              </a:rPr>
-              <a:t>đồng</a:t>
-            </a:r>
-            <a:r>
-              <a:rPr lang="en-US" dirty="0">
-                <a:latin typeface="Times New Roman" panose="02020603050405020304" pitchFamily="18" charset="0"/>
-                <a:cs typeface="Times New Roman" panose="02020603050405020304" pitchFamily="18" charset="0"/>
-              </a:rPr>
-              <a:t> </a:t>
-            </a:r>
-            <a:r>
-              <a:rPr lang="en-US" dirty="0" err="1">
-                <a:latin typeface="Times New Roman" panose="02020603050405020304" pitchFamily="18" charset="0"/>
-                <a:cs typeface="Times New Roman" panose="02020603050405020304" pitchFamily="18" charset="0"/>
-              </a:rPr>
-              <a:t>bộ</a:t>
-            </a:r>
-            <a:r>
-              <a:rPr lang="en-US" dirty="0">
-                <a:latin typeface="Times New Roman" panose="02020603050405020304" pitchFamily="18" charset="0"/>
-                <a:cs typeface="Times New Roman" panose="02020603050405020304" pitchFamily="18" charset="0"/>
-              </a:rPr>
-              <a:t> </a:t>
-            </a:r>
-            <a:r>
-              <a:rPr lang="en-US" dirty="0" err="1">
-                <a:latin typeface="Times New Roman" panose="02020603050405020304" pitchFamily="18" charset="0"/>
-                <a:cs typeface="Times New Roman" panose="02020603050405020304" pitchFamily="18" charset="0"/>
-              </a:rPr>
-              <a:t>của</a:t>
-            </a:r>
-            <a:r>
-              <a:rPr lang="en-US" dirty="0">
-                <a:latin typeface="Times New Roman" panose="02020603050405020304" pitchFamily="18" charset="0"/>
-                <a:cs typeface="Times New Roman" panose="02020603050405020304" pitchFamily="18" charset="0"/>
-              </a:rPr>
-              <a:t> </a:t>
-            </a:r>
-            <a:r>
-              <a:rPr lang="en-US" dirty="0" err="1">
-                <a:latin typeface="Times New Roman" panose="02020603050405020304" pitchFamily="18" charset="0"/>
-                <a:cs typeface="Times New Roman" panose="02020603050405020304" pitchFamily="18" charset="0"/>
-              </a:rPr>
-              <a:t>Redux</a:t>
-            </a:r>
-            <a:endParaRPr lang="en-US" dirty="0">
-              <a:latin typeface="Times New Roman" panose="02020603050405020304" pitchFamily="18" charset="0"/>
-              <a:cs typeface="Times New Roman" panose="02020603050405020304" pitchFamily="18" charset="0"/>
-            </a:endParaRPr>
-          </a:p>
-        </p:txBody>
-      </p:sp>
-    </p:spTree>
-    <p:extLst>
-      <p:ext uri="{BB962C8B-B14F-4D97-AF65-F5344CB8AC3E}">
-        <p14:creationId xmlns:p14="http://schemas.microsoft.com/office/powerpoint/2010/main" val="2798832967"/>
-      </p:ext>
-    </p:extLst>
-  </p:cSld>
-  <p:clrMapOvr>
-    <a:masterClrMapping/>
-  </p:clrMapOvr>
-  <p:timing>
-    <p:tnLst>
-      <p:par>
-        <p:cTn id="1" dur="indefinite" restart="never" nodeType="tmRoot"/>
-      </p:par>
-    </p:tnLst>
-  </p:timing>
-</p:sld>
-</file>
-
 <file path=ppt/slides/slide36.xml><?xml version="1.0" encoding="utf-8"?>
 <p:sld xmlns:a="http://schemas.openxmlformats.org/drawingml/2006/main" xmlns:r="http://schemas.openxmlformats.org/officeDocument/2006/relationships" xmlns:p="http://schemas.openxmlformats.org/presentationml/2006/main">
   <p:cSld>
@@ -18269,25 +17409,432 @@
         </p:nvSpPr>
         <p:spPr/>
         <p:txBody>
-          <a:bodyPr>
-            <a:normAutofit/>
-          </a:bodyPr>
+          <a:bodyPr/>
           <a:lstStyle/>
           <a:p>
             <a:pPr algn="just"/>
             <a:r>
-              <a:rPr lang="vi-VN" dirty="0" smtClean="0">
-                <a:latin typeface="Times New Roman" panose="02020603050405020304" pitchFamily="18" charset="0"/>
-                <a:cs typeface="Times New Roman" panose="02020603050405020304" pitchFamily="18" charset="0"/>
-              </a:rPr>
-              <a:t>Trong </a:t>
+              <a:rPr lang="en-US" dirty="0">
+                <a:latin typeface="Times New Roman" panose="02020603050405020304" pitchFamily="18" charset="0"/>
+                <a:cs typeface="Times New Roman" panose="02020603050405020304" pitchFamily="18" charset="0"/>
+              </a:rPr>
+              <a:t>- </a:t>
+            </a:r>
+            <a:r>
+              <a:rPr lang="en-US" dirty="0" err="1">
+                <a:latin typeface="Times New Roman" panose="02020603050405020304" pitchFamily="18" charset="0"/>
+                <a:cs typeface="Times New Roman" panose="02020603050405020304" pitchFamily="18" charset="0"/>
+              </a:rPr>
+              <a:t>initialState</a:t>
+            </a:r>
+            <a:r>
+              <a:rPr lang="en-US" dirty="0">
+                <a:latin typeface="Times New Roman" panose="02020603050405020304" pitchFamily="18" charset="0"/>
+                <a:cs typeface="Times New Roman" panose="02020603050405020304" pitchFamily="18" charset="0"/>
+              </a:rPr>
+              <a:t>: </a:t>
+            </a:r>
+            <a:r>
+              <a:rPr lang="en-US" dirty="0" err="1">
+                <a:latin typeface="Times New Roman" panose="02020603050405020304" pitchFamily="18" charset="0"/>
+                <a:cs typeface="Times New Roman" panose="02020603050405020304" pitchFamily="18" charset="0"/>
+              </a:rPr>
+              <a:t>Đây</a:t>
+            </a:r>
+            <a:r>
+              <a:rPr lang="en-US" dirty="0">
+                <a:latin typeface="Times New Roman" panose="02020603050405020304" pitchFamily="18" charset="0"/>
+                <a:cs typeface="Times New Roman" panose="02020603050405020304" pitchFamily="18" charset="0"/>
+              </a:rPr>
+              <a:t> </a:t>
+            </a:r>
+            <a:r>
+              <a:rPr lang="en-US" dirty="0" err="1">
+                <a:latin typeface="Times New Roman" panose="02020603050405020304" pitchFamily="18" charset="0"/>
+                <a:cs typeface="Times New Roman" panose="02020603050405020304" pitchFamily="18" charset="0"/>
+              </a:rPr>
+              <a:t>là</a:t>
+            </a:r>
+            <a:r>
+              <a:rPr lang="en-US" dirty="0">
+                <a:latin typeface="Times New Roman" panose="02020603050405020304" pitchFamily="18" charset="0"/>
+                <a:cs typeface="Times New Roman" panose="02020603050405020304" pitchFamily="18" charset="0"/>
+              </a:rPr>
+              <a:t> </a:t>
+            </a:r>
+            <a:r>
+              <a:rPr lang="en-US" dirty="0" err="1">
+                <a:latin typeface="Times New Roman" panose="02020603050405020304" pitchFamily="18" charset="0"/>
+                <a:cs typeface="Times New Roman" panose="02020603050405020304" pitchFamily="18" charset="0"/>
+              </a:rPr>
+              <a:t>một</a:t>
+            </a:r>
+            <a:r>
+              <a:rPr lang="en-US" dirty="0">
+                <a:latin typeface="Times New Roman" panose="02020603050405020304" pitchFamily="18" charset="0"/>
+                <a:cs typeface="Times New Roman" panose="02020603050405020304" pitchFamily="18" charset="0"/>
+              </a:rPr>
+              <a:t> object </a:t>
+            </a:r>
+            <a:r>
+              <a:rPr lang="en-US" dirty="0" err="1">
+                <a:latin typeface="Times New Roman" panose="02020603050405020304" pitchFamily="18" charset="0"/>
+                <a:cs typeface="Times New Roman" panose="02020603050405020304" pitchFamily="18" charset="0"/>
+              </a:rPr>
+              <a:t>đại</a:t>
+            </a:r>
+            <a:r>
+              <a:rPr lang="en-US" dirty="0">
+                <a:latin typeface="Times New Roman" panose="02020603050405020304" pitchFamily="18" charset="0"/>
+                <a:cs typeface="Times New Roman" panose="02020603050405020304" pitchFamily="18" charset="0"/>
+              </a:rPr>
+              <a:t> </a:t>
+            </a:r>
+            <a:r>
+              <a:rPr lang="en-US" dirty="0" err="1">
+                <a:latin typeface="Times New Roman" panose="02020603050405020304" pitchFamily="18" charset="0"/>
+                <a:cs typeface="Times New Roman" panose="02020603050405020304" pitchFamily="18" charset="0"/>
+              </a:rPr>
+              <a:t>diện</a:t>
+            </a:r>
+            <a:r>
+              <a:rPr lang="en-US" dirty="0">
+                <a:latin typeface="Times New Roman" panose="02020603050405020304" pitchFamily="18" charset="0"/>
+                <a:cs typeface="Times New Roman" panose="02020603050405020304" pitchFamily="18" charset="0"/>
+              </a:rPr>
+              <a:t> </a:t>
+            </a:r>
+            <a:r>
+              <a:rPr lang="en-US" dirty="0" err="1">
+                <a:latin typeface="Times New Roman" panose="02020603050405020304" pitchFamily="18" charset="0"/>
+                <a:cs typeface="Times New Roman" panose="02020603050405020304" pitchFamily="18" charset="0"/>
+              </a:rPr>
+              <a:t>cho</a:t>
+            </a:r>
+            <a:r>
+              <a:rPr lang="en-US" dirty="0">
+                <a:latin typeface="Times New Roman" panose="02020603050405020304" pitchFamily="18" charset="0"/>
+                <a:cs typeface="Times New Roman" panose="02020603050405020304" pitchFamily="18" charset="0"/>
+              </a:rPr>
+              <a:t> </a:t>
+            </a:r>
+            <a:r>
+              <a:rPr lang="en-US" dirty="0" err="1">
+                <a:latin typeface="Times New Roman" panose="02020603050405020304" pitchFamily="18" charset="0"/>
+                <a:cs typeface="Times New Roman" panose="02020603050405020304" pitchFamily="18" charset="0"/>
+              </a:rPr>
+              <a:t>trạng</a:t>
+            </a:r>
+            <a:r>
+              <a:rPr lang="en-US" dirty="0">
+                <a:latin typeface="Times New Roman" panose="02020603050405020304" pitchFamily="18" charset="0"/>
+                <a:cs typeface="Times New Roman" panose="02020603050405020304" pitchFamily="18" charset="0"/>
+              </a:rPr>
+              <a:t> </a:t>
+            </a:r>
+            <a:r>
+              <a:rPr lang="en-US" dirty="0" err="1">
+                <a:latin typeface="Times New Roman" panose="02020603050405020304" pitchFamily="18" charset="0"/>
+                <a:cs typeface="Times New Roman" panose="02020603050405020304" pitchFamily="18" charset="0"/>
+              </a:rPr>
+              <a:t>thái</a:t>
+            </a:r>
+            <a:r>
+              <a:rPr lang="en-US" dirty="0">
+                <a:latin typeface="Times New Roman" panose="02020603050405020304" pitchFamily="18" charset="0"/>
+                <a:cs typeface="Times New Roman" panose="02020603050405020304" pitchFamily="18" charset="0"/>
+              </a:rPr>
+              <a:t> ban </a:t>
+            </a:r>
+            <a:r>
+              <a:rPr lang="en-US" dirty="0" err="1">
+                <a:latin typeface="Times New Roman" panose="02020603050405020304" pitchFamily="18" charset="0"/>
+                <a:cs typeface="Times New Roman" panose="02020603050405020304" pitchFamily="18" charset="0"/>
+              </a:rPr>
+              <a:t>đầu</a:t>
+            </a:r>
+            <a:r>
+              <a:rPr lang="en-US" dirty="0">
+                <a:latin typeface="Times New Roman" panose="02020603050405020304" pitchFamily="18" charset="0"/>
+                <a:cs typeface="Times New Roman" panose="02020603050405020304" pitchFamily="18" charset="0"/>
+              </a:rPr>
+              <a:t> </a:t>
+            </a:r>
+            <a:r>
+              <a:rPr lang="en-US" dirty="0" err="1">
+                <a:latin typeface="Times New Roman" panose="02020603050405020304" pitchFamily="18" charset="0"/>
+                <a:cs typeface="Times New Roman" panose="02020603050405020304" pitchFamily="18" charset="0"/>
+              </a:rPr>
+              <a:t>của</a:t>
+            </a:r>
+            <a:r>
+              <a:rPr lang="en-US" dirty="0">
+                <a:latin typeface="Times New Roman" panose="02020603050405020304" pitchFamily="18" charset="0"/>
+                <a:cs typeface="Times New Roman" panose="02020603050405020304" pitchFamily="18" charset="0"/>
+              </a:rPr>
+              <a:t> state </a:t>
+            </a:r>
+            <a:r>
+              <a:rPr lang="en-US" dirty="0" err="1">
+                <a:latin typeface="Times New Roman" panose="02020603050405020304" pitchFamily="18" charset="0"/>
+                <a:cs typeface="Times New Roman" panose="02020603050405020304" pitchFamily="18" charset="0"/>
+              </a:rPr>
+              <a:t>trong</a:t>
+            </a:r>
+            <a:r>
+              <a:rPr lang="en-US" dirty="0">
+                <a:latin typeface="Times New Roman" panose="02020603050405020304" pitchFamily="18" charset="0"/>
+                <a:cs typeface="Times New Roman" panose="02020603050405020304" pitchFamily="18" charset="0"/>
+              </a:rPr>
+              <a:t> </a:t>
+            </a:r>
+            <a:r>
+              <a:rPr lang="en-US" dirty="0" err="1">
+                <a:latin typeface="Times New Roman" panose="02020603050405020304" pitchFamily="18" charset="0"/>
+                <a:cs typeface="Times New Roman" panose="02020603050405020304" pitchFamily="18" charset="0"/>
+              </a:rPr>
+              <a:t>Redux</a:t>
+            </a:r>
+            <a:r>
+              <a:rPr lang="en-US" dirty="0">
+                <a:latin typeface="Times New Roman" panose="02020603050405020304" pitchFamily="18" charset="0"/>
+                <a:cs typeface="Times New Roman" panose="02020603050405020304" pitchFamily="18" charset="0"/>
+              </a:rPr>
+              <a:t> store. </a:t>
+            </a:r>
+            <a:r>
+              <a:rPr lang="en-US" dirty="0" err="1">
+                <a:latin typeface="Times New Roman" panose="02020603050405020304" pitchFamily="18" charset="0"/>
+                <a:cs typeface="Times New Roman" panose="02020603050405020304" pitchFamily="18" charset="0"/>
+              </a:rPr>
+              <a:t>Trong</a:t>
+            </a:r>
+            <a:r>
+              <a:rPr lang="en-US" dirty="0">
+                <a:latin typeface="Times New Roman" panose="02020603050405020304" pitchFamily="18" charset="0"/>
+                <a:cs typeface="Times New Roman" panose="02020603050405020304" pitchFamily="18" charset="0"/>
+              </a:rPr>
+              <a:t> </a:t>
+            </a:r>
+            <a:r>
+              <a:rPr lang="en-US" dirty="0" err="1">
+                <a:latin typeface="Times New Roman" panose="02020603050405020304" pitchFamily="18" charset="0"/>
+                <a:cs typeface="Times New Roman" panose="02020603050405020304" pitchFamily="18" charset="0"/>
+              </a:rPr>
+              <a:t>ví</a:t>
+            </a:r>
+            <a:r>
+              <a:rPr lang="en-US" dirty="0">
+                <a:latin typeface="Times New Roman" panose="02020603050405020304" pitchFamily="18" charset="0"/>
+                <a:cs typeface="Times New Roman" panose="02020603050405020304" pitchFamily="18" charset="0"/>
+              </a:rPr>
+              <a:t> </a:t>
+            </a:r>
+            <a:r>
+              <a:rPr lang="en-US" dirty="0" err="1">
+                <a:latin typeface="Times New Roman" panose="02020603050405020304" pitchFamily="18" charset="0"/>
+                <a:cs typeface="Times New Roman" panose="02020603050405020304" pitchFamily="18" charset="0"/>
+              </a:rPr>
+              <a:t>dụ</a:t>
+            </a:r>
+            <a:r>
+              <a:rPr lang="en-US" dirty="0">
+                <a:latin typeface="Times New Roman" panose="02020603050405020304" pitchFamily="18" charset="0"/>
+                <a:cs typeface="Times New Roman" panose="02020603050405020304" pitchFamily="18" charset="0"/>
+              </a:rPr>
+              <a:t> </a:t>
+            </a:r>
+            <a:r>
+              <a:rPr lang="en-US" dirty="0" err="1">
+                <a:latin typeface="Times New Roman" panose="02020603050405020304" pitchFamily="18" charset="0"/>
+                <a:cs typeface="Times New Roman" panose="02020603050405020304" pitchFamily="18" charset="0"/>
+              </a:rPr>
+              <a:t>này</a:t>
+            </a:r>
+            <a:r>
+              <a:rPr lang="en-US" dirty="0">
+                <a:latin typeface="Times New Roman" panose="02020603050405020304" pitchFamily="18" charset="0"/>
+                <a:cs typeface="Times New Roman" panose="02020603050405020304" pitchFamily="18" charset="0"/>
+              </a:rPr>
+              <a:t>, </a:t>
+            </a:r>
+            <a:r>
+              <a:rPr lang="en-US" dirty="0" err="1">
+                <a:latin typeface="Times New Roman" panose="02020603050405020304" pitchFamily="18" charset="0"/>
+                <a:cs typeface="Times New Roman" panose="02020603050405020304" pitchFamily="18" charset="0"/>
+              </a:rPr>
+              <a:t>initialState</a:t>
+            </a:r>
+            <a:r>
+              <a:rPr lang="en-US" dirty="0">
+                <a:latin typeface="Times New Roman" panose="02020603050405020304" pitchFamily="18" charset="0"/>
+                <a:cs typeface="Times New Roman" panose="02020603050405020304" pitchFamily="18" charset="0"/>
+              </a:rPr>
+              <a:t> </a:t>
+            </a:r>
+            <a:r>
+              <a:rPr lang="en-US" dirty="0" err="1">
+                <a:latin typeface="Times New Roman" panose="02020603050405020304" pitchFamily="18" charset="0"/>
+                <a:cs typeface="Times New Roman" panose="02020603050405020304" pitchFamily="18" charset="0"/>
+              </a:rPr>
+              <a:t>chỉ</a:t>
+            </a:r>
+            <a:r>
+              <a:rPr lang="en-US" dirty="0">
+                <a:latin typeface="Times New Roman" panose="02020603050405020304" pitchFamily="18" charset="0"/>
+                <a:cs typeface="Times New Roman" panose="02020603050405020304" pitchFamily="18" charset="0"/>
+              </a:rPr>
+              <a:t> </a:t>
+            </a:r>
+            <a:r>
+              <a:rPr lang="en-US" dirty="0" err="1">
+                <a:latin typeface="Times New Roman" panose="02020603050405020304" pitchFamily="18" charset="0"/>
+                <a:cs typeface="Times New Roman" panose="02020603050405020304" pitchFamily="18" charset="0"/>
+              </a:rPr>
+              <a:t>có</a:t>
+            </a:r>
+            <a:r>
+              <a:rPr lang="en-US" dirty="0">
+                <a:latin typeface="Times New Roman" panose="02020603050405020304" pitchFamily="18" charset="0"/>
+                <a:cs typeface="Times New Roman" panose="02020603050405020304" pitchFamily="18" charset="0"/>
+              </a:rPr>
+              <a:t> </a:t>
+            </a:r>
+            <a:r>
+              <a:rPr lang="en-US" dirty="0" err="1">
+                <a:latin typeface="Times New Roman" panose="02020603050405020304" pitchFamily="18" charset="0"/>
+                <a:cs typeface="Times New Roman" panose="02020603050405020304" pitchFamily="18" charset="0"/>
+              </a:rPr>
+              <a:t>một</a:t>
+            </a:r>
+            <a:r>
+              <a:rPr lang="en-US" dirty="0">
+                <a:latin typeface="Times New Roman" panose="02020603050405020304" pitchFamily="18" charset="0"/>
+                <a:cs typeface="Times New Roman" panose="02020603050405020304" pitchFamily="18" charset="0"/>
+              </a:rPr>
+              <a:t> </a:t>
+            </a:r>
+            <a:r>
+              <a:rPr lang="en-US" dirty="0" err="1">
+                <a:latin typeface="Times New Roman" panose="02020603050405020304" pitchFamily="18" charset="0"/>
+                <a:cs typeface="Times New Roman" panose="02020603050405020304" pitchFamily="18" charset="0"/>
+              </a:rPr>
+              <a:t>thuộc</a:t>
+            </a:r>
+            <a:r>
+              <a:rPr lang="en-US" dirty="0">
+                <a:latin typeface="Times New Roman" panose="02020603050405020304" pitchFamily="18" charset="0"/>
+                <a:cs typeface="Times New Roman" panose="02020603050405020304" pitchFamily="18" charset="0"/>
+              </a:rPr>
+              <a:t> </a:t>
+            </a:r>
+            <a:r>
+              <a:rPr lang="en-US" dirty="0" err="1">
+                <a:latin typeface="Times New Roman" panose="02020603050405020304" pitchFamily="18" charset="0"/>
+                <a:cs typeface="Times New Roman" panose="02020603050405020304" pitchFamily="18" charset="0"/>
+              </a:rPr>
+              <a:t>tính</a:t>
+            </a:r>
+            <a:r>
+              <a:rPr lang="en-US" dirty="0">
+                <a:latin typeface="Times New Roman" panose="02020603050405020304" pitchFamily="18" charset="0"/>
+                <a:cs typeface="Times New Roman" panose="02020603050405020304" pitchFamily="18" charset="0"/>
+              </a:rPr>
+              <a:t> </a:t>
+            </a:r>
+            <a:r>
+              <a:rPr lang="en-US" dirty="0" err="1">
+                <a:latin typeface="Times New Roman" panose="02020603050405020304" pitchFamily="18" charset="0"/>
+                <a:cs typeface="Times New Roman" panose="02020603050405020304" pitchFamily="18" charset="0"/>
+              </a:rPr>
+              <a:t>userInfo</a:t>
+            </a:r>
+            <a:r>
+              <a:rPr lang="en-US" dirty="0">
+                <a:latin typeface="Times New Roman" panose="02020603050405020304" pitchFamily="18" charset="0"/>
+                <a:cs typeface="Times New Roman" panose="02020603050405020304" pitchFamily="18" charset="0"/>
+              </a:rPr>
+              <a:t>, ban </a:t>
+            </a:r>
+            <a:r>
+              <a:rPr lang="en-US" dirty="0" err="1">
+                <a:latin typeface="Times New Roman" panose="02020603050405020304" pitchFamily="18" charset="0"/>
+                <a:cs typeface="Times New Roman" panose="02020603050405020304" pitchFamily="18" charset="0"/>
+              </a:rPr>
+              <a:t>đầu</a:t>
+            </a:r>
+            <a:r>
+              <a:rPr lang="en-US" dirty="0">
+                <a:latin typeface="Times New Roman" panose="02020603050405020304" pitchFamily="18" charset="0"/>
+                <a:cs typeface="Times New Roman" panose="02020603050405020304" pitchFamily="18" charset="0"/>
+              </a:rPr>
+              <a:t> </a:t>
+            </a:r>
+            <a:r>
+              <a:rPr lang="en-US" dirty="0" err="1">
+                <a:latin typeface="Times New Roman" panose="02020603050405020304" pitchFamily="18" charset="0"/>
+                <a:cs typeface="Times New Roman" panose="02020603050405020304" pitchFamily="18" charset="0"/>
+              </a:rPr>
+              <a:t>là</a:t>
+            </a:r>
+            <a:r>
+              <a:rPr lang="en-US" dirty="0">
+                <a:latin typeface="Times New Roman" panose="02020603050405020304" pitchFamily="18" charset="0"/>
+                <a:cs typeface="Times New Roman" panose="02020603050405020304" pitchFamily="18" charset="0"/>
+              </a:rPr>
+              <a:t> </a:t>
+            </a:r>
+            <a:r>
+              <a:rPr lang="en-US" dirty="0" err="1">
+                <a:latin typeface="Times New Roman" panose="02020603050405020304" pitchFamily="18" charset="0"/>
+                <a:cs typeface="Times New Roman" panose="02020603050405020304" pitchFamily="18" charset="0"/>
+              </a:rPr>
+              <a:t>một</a:t>
+            </a:r>
+            <a:r>
+              <a:rPr lang="en-US" dirty="0">
+                <a:latin typeface="Times New Roman" panose="02020603050405020304" pitchFamily="18" charset="0"/>
+                <a:cs typeface="Times New Roman" panose="02020603050405020304" pitchFamily="18" charset="0"/>
+              </a:rPr>
+              <a:t> object </a:t>
+            </a:r>
+            <a:r>
+              <a:rPr lang="en-US" dirty="0" err="1">
+                <a:latin typeface="Times New Roman" panose="02020603050405020304" pitchFamily="18" charset="0"/>
+                <a:cs typeface="Times New Roman" panose="02020603050405020304" pitchFamily="18" charset="0"/>
+              </a:rPr>
+              <a:t>rỗng</a:t>
+            </a:r>
+            <a:r>
+              <a:rPr lang="en-US" dirty="0">
+                <a:latin typeface="Times New Roman" panose="02020603050405020304" pitchFamily="18" charset="0"/>
+                <a:cs typeface="Times New Roman" panose="02020603050405020304" pitchFamily="18" charset="0"/>
+              </a:rPr>
+              <a:t> </a:t>
+            </a:r>
+            <a:r>
+              <a:rPr lang="en-US" dirty="0" smtClean="0">
+                <a:latin typeface="Times New Roman" panose="02020603050405020304" pitchFamily="18" charset="0"/>
+                <a:cs typeface="Times New Roman" panose="02020603050405020304" pitchFamily="18" charset="0"/>
+              </a:rPr>
+              <a:t>{}.</a:t>
+            </a:r>
+          </a:p>
+          <a:p>
+            <a:pPr algn="just"/>
+            <a:r>
+              <a:rPr lang="en-US" dirty="0" smtClean="0">
+                <a:latin typeface="Times New Roman" panose="02020603050405020304" pitchFamily="18" charset="0"/>
+                <a:cs typeface="Times New Roman" panose="02020603050405020304" pitchFamily="18" charset="0"/>
+              </a:rPr>
+              <a:t>- </a:t>
             </a:r>
             <a:r>
               <a:rPr lang="vi-VN" dirty="0">
                 <a:latin typeface="Times New Roman" panose="02020603050405020304" pitchFamily="18" charset="0"/>
                 <a:cs typeface="Times New Roman" panose="02020603050405020304" pitchFamily="18" charset="0"/>
               </a:rPr>
-              <a:t>ví dụ này, chỉ có một reducer updateUserInfo để cập nhật userInfo khi có action được dispatch</a:t>
+              <a:t>createAsyncThunk: Hàm này từ Redux Toolkit để tạo các thao tác bất đồng bộ (async thunks). Trong ví dụ này, getUserInfo là một async thunk để gọi API và lấy dữ liệu thông tin người dùng từ server</a:t>
             </a:r>
             <a:r>
               <a:rPr lang="vi-VN" dirty="0" smtClean="0">
@@ -18315,7 +17862,7 @@
                 <a:latin typeface="Times New Roman" panose="02020603050405020304" pitchFamily="18" charset="0"/>
                 <a:cs typeface="Times New Roman" panose="02020603050405020304" pitchFamily="18" charset="0"/>
               </a:rPr>
-              <a:t>extraReducers</a:t>
+              <a:t>createSlice</a:t>
             </a:r>
             <a:r>
               <a:rPr lang="en-US" dirty="0">
@@ -18329,7 +17876,7 @@
                 <a:latin typeface="Times New Roman" panose="02020603050405020304" pitchFamily="18" charset="0"/>
                 <a:cs typeface="Times New Roman" panose="02020603050405020304" pitchFamily="18" charset="0"/>
               </a:rPr>
-              <a:t>Định</a:t>
+              <a:t>Hàm</a:t>
             </a:r>
             <a:r>
               <a:rPr lang="en-US" dirty="0">
@@ -18343,6 +17890,76 @@
                 <a:latin typeface="Times New Roman" panose="02020603050405020304" pitchFamily="18" charset="0"/>
                 <a:cs typeface="Times New Roman" panose="02020603050405020304" pitchFamily="18" charset="0"/>
               </a:rPr>
+              <a:t>này</a:t>
+            </a:r>
+            <a:r>
+              <a:rPr lang="en-US" dirty="0">
+                <a:latin typeface="Times New Roman" panose="02020603050405020304" pitchFamily="18" charset="0"/>
+                <a:cs typeface="Times New Roman" panose="02020603050405020304" pitchFamily="18" charset="0"/>
+              </a:rPr>
+              <a:t> </a:t>
+            </a:r>
+            <a:r>
+              <a:rPr lang="en-US" dirty="0" err="1">
+                <a:latin typeface="Times New Roman" panose="02020603050405020304" pitchFamily="18" charset="0"/>
+                <a:cs typeface="Times New Roman" panose="02020603050405020304" pitchFamily="18" charset="0"/>
+              </a:rPr>
+              <a:t>từ</a:t>
+            </a:r>
+            <a:r>
+              <a:rPr lang="en-US" dirty="0">
+                <a:latin typeface="Times New Roman" panose="02020603050405020304" pitchFamily="18" charset="0"/>
+                <a:cs typeface="Times New Roman" panose="02020603050405020304" pitchFamily="18" charset="0"/>
+              </a:rPr>
+              <a:t> </a:t>
+            </a:r>
+            <a:r>
+              <a:rPr lang="en-US" dirty="0" err="1">
+                <a:latin typeface="Times New Roman" panose="02020603050405020304" pitchFamily="18" charset="0"/>
+                <a:cs typeface="Times New Roman" panose="02020603050405020304" pitchFamily="18" charset="0"/>
+              </a:rPr>
+              <a:t>Redux</a:t>
+            </a:r>
+            <a:r>
+              <a:rPr lang="en-US" dirty="0">
+                <a:latin typeface="Times New Roman" panose="02020603050405020304" pitchFamily="18" charset="0"/>
+                <a:cs typeface="Times New Roman" panose="02020603050405020304" pitchFamily="18" charset="0"/>
+              </a:rPr>
+              <a:t> Toolkit </a:t>
+            </a:r>
+            <a:r>
+              <a:rPr lang="en-US" dirty="0" err="1">
+                <a:latin typeface="Times New Roman" panose="02020603050405020304" pitchFamily="18" charset="0"/>
+                <a:cs typeface="Times New Roman" panose="02020603050405020304" pitchFamily="18" charset="0"/>
+              </a:rPr>
+              <a:t>để</a:t>
+            </a:r>
+            <a:r>
+              <a:rPr lang="en-US" dirty="0">
+                <a:latin typeface="Times New Roman" panose="02020603050405020304" pitchFamily="18" charset="0"/>
+                <a:cs typeface="Times New Roman" panose="02020603050405020304" pitchFamily="18" charset="0"/>
+              </a:rPr>
+              <a:t> </a:t>
+            </a:r>
+            <a:r>
+              <a:rPr lang="en-US" dirty="0" err="1">
+                <a:latin typeface="Times New Roman" panose="02020603050405020304" pitchFamily="18" charset="0"/>
+                <a:cs typeface="Times New Roman" panose="02020603050405020304" pitchFamily="18" charset="0"/>
+              </a:rPr>
+              <a:t>định</a:t>
+            </a:r>
+            <a:r>
+              <a:rPr lang="en-US" dirty="0">
+                <a:latin typeface="Times New Roman" panose="02020603050405020304" pitchFamily="18" charset="0"/>
+                <a:cs typeface="Times New Roman" panose="02020603050405020304" pitchFamily="18" charset="0"/>
+              </a:rPr>
+              <a:t> </a:t>
+            </a:r>
+            <a:r>
+              <a:rPr lang="en-US" dirty="0" err="1">
+                <a:latin typeface="Times New Roman" panose="02020603050405020304" pitchFamily="18" charset="0"/>
+                <a:cs typeface="Times New Roman" panose="02020603050405020304" pitchFamily="18" charset="0"/>
+              </a:rPr>
               <a:t>nghĩa</a:t>
             </a:r>
             <a:r>
@@ -18357,6 +17974,90 @@
                 <a:latin typeface="Times New Roman" panose="02020603050405020304" pitchFamily="18" charset="0"/>
                 <a:cs typeface="Times New Roman" panose="02020603050405020304" pitchFamily="18" charset="0"/>
               </a:rPr>
+              <a:t>một</a:t>
+            </a:r>
+            <a:r>
+              <a:rPr lang="en-US" dirty="0">
+                <a:latin typeface="Times New Roman" panose="02020603050405020304" pitchFamily="18" charset="0"/>
+                <a:cs typeface="Times New Roman" panose="02020603050405020304" pitchFamily="18" charset="0"/>
+              </a:rPr>
+              <a:t> Slice </a:t>
+            </a:r>
+            <a:r>
+              <a:rPr lang="en-US" dirty="0" err="1">
+                <a:latin typeface="Times New Roman" panose="02020603050405020304" pitchFamily="18" charset="0"/>
+                <a:cs typeface="Times New Roman" panose="02020603050405020304" pitchFamily="18" charset="0"/>
+              </a:rPr>
+              <a:t>trong</a:t>
+            </a:r>
+            <a:r>
+              <a:rPr lang="en-US" dirty="0">
+                <a:latin typeface="Times New Roman" panose="02020603050405020304" pitchFamily="18" charset="0"/>
+                <a:cs typeface="Times New Roman" panose="02020603050405020304" pitchFamily="18" charset="0"/>
+              </a:rPr>
+              <a:t> </a:t>
+            </a:r>
+            <a:r>
+              <a:rPr lang="en-US" dirty="0" err="1">
+                <a:latin typeface="Times New Roman" panose="02020603050405020304" pitchFamily="18" charset="0"/>
+                <a:cs typeface="Times New Roman" panose="02020603050405020304" pitchFamily="18" charset="0"/>
+              </a:rPr>
+              <a:t>Redux</a:t>
+            </a:r>
+            <a:r>
+              <a:rPr lang="en-US" dirty="0">
+                <a:latin typeface="Times New Roman" panose="02020603050405020304" pitchFamily="18" charset="0"/>
+                <a:cs typeface="Times New Roman" panose="02020603050405020304" pitchFamily="18" charset="0"/>
+              </a:rPr>
+              <a:t>, </a:t>
+            </a:r>
+            <a:r>
+              <a:rPr lang="en-US" dirty="0" err="1">
+                <a:latin typeface="Times New Roman" panose="02020603050405020304" pitchFamily="18" charset="0"/>
+                <a:cs typeface="Times New Roman" panose="02020603050405020304" pitchFamily="18" charset="0"/>
+              </a:rPr>
+              <a:t>bao</a:t>
+            </a:r>
+            <a:r>
+              <a:rPr lang="en-US" dirty="0">
+                <a:latin typeface="Times New Roman" panose="02020603050405020304" pitchFamily="18" charset="0"/>
+                <a:cs typeface="Times New Roman" panose="02020603050405020304" pitchFamily="18" charset="0"/>
+              </a:rPr>
+              <a:t> </a:t>
+            </a:r>
+            <a:r>
+              <a:rPr lang="en-US" dirty="0" err="1">
+                <a:latin typeface="Times New Roman" panose="02020603050405020304" pitchFamily="18" charset="0"/>
+                <a:cs typeface="Times New Roman" panose="02020603050405020304" pitchFamily="18" charset="0"/>
+              </a:rPr>
+              <a:t>gồm</a:t>
+            </a:r>
+            <a:r>
+              <a:rPr lang="en-US" dirty="0">
+                <a:latin typeface="Times New Roman" panose="02020603050405020304" pitchFamily="18" charset="0"/>
+                <a:cs typeface="Times New Roman" panose="02020603050405020304" pitchFamily="18" charset="0"/>
+              </a:rPr>
+              <a:t> reducers </a:t>
+            </a:r>
+            <a:r>
+              <a:rPr lang="en-US" dirty="0" err="1">
+                <a:latin typeface="Times New Roman" panose="02020603050405020304" pitchFamily="18" charset="0"/>
+                <a:cs typeface="Times New Roman" panose="02020603050405020304" pitchFamily="18" charset="0"/>
+              </a:rPr>
+              <a:t>và</a:t>
+            </a:r>
+            <a:r>
+              <a:rPr lang="en-US" dirty="0">
+                <a:latin typeface="Times New Roman" panose="02020603050405020304" pitchFamily="18" charset="0"/>
+                <a:cs typeface="Times New Roman" panose="02020603050405020304" pitchFamily="18" charset="0"/>
+              </a:rPr>
+              <a:t> </a:t>
+            </a:r>
+            <a:r>
+              <a:rPr lang="en-US" dirty="0" err="1">
+                <a:latin typeface="Times New Roman" panose="02020603050405020304" pitchFamily="18" charset="0"/>
+                <a:cs typeface="Times New Roman" panose="02020603050405020304" pitchFamily="18" charset="0"/>
+              </a:rPr>
               <a:t>các</a:t>
             </a:r>
             <a:r>
@@ -18364,14 +18065,14 @@
                 <a:latin typeface="Times New Roman" panose="02020603050405020304" pitchFamily="18" charset="0"/>
                 <a:cs typeface="Times New Roman" panose="02020603050405020304" pitchFamily="18" charset="0"/>
               </a:rPr>
-              <a:t> reducers </a:t>
+              <a:t> extra reducers </a:t>
             </a:r>
             <a:r>
               <a:rPr lang="en-US" dirty="0" err="1">
                 <a:latin typeface="Times New Roman" panose="02020603050405020304" pitchFamily="18" charset="0"/>
                 <a:cs typeface="Times New Roman" panose="02020603050405020304" pitchFamily="18" charset="0"/>
               </a:rPr>
-              <a:t>bất</a:t>
+              <a:t>để</a:t>
             </a:r>
             <a:r>
               <a:rPr lang="en-US" dirty="0">
@@ -18385,7 +18086,7 @@
                 <a:latin typeface="Times New Roman" panose="02020603050405020304" pitchFamily="18" charset="0"/>
                 <a:cs typeface="Times New Roman" panose="02020603050405020304" pitchFamily="18" charset="0"/>
               </a:rPr>
-              <a:t>đồng</a:t>
+              <a:t>xử</a:t>
             </a:r>
             <a:r>
               <a:rPr lang="en-US" dirty="0">
@@ -18399,7 +18100,7 @@
                 <a:latin typeface="Times New Roman" panose="02020603050405020304" pitchFamily="18" charset="0"/>
                 <a:cs typeface="Times New Roman" panose="02020603050405020304" pitchFamily="18" charset="0"/>
               </a:rPr>
-              <a:t>bộ</a:t>
+              <a:t>lý</a:t>
             </a:r>
             <a:r>
               <a:rPr lang="en-US" dirty="0">
@@ -18413,135 +18114,23 @@
                 <a:latin typeface="Times New Roman" panose="02020603050405020304" pitchFamily="18" charset="0"/>
                 <a:cs typeface="Times New Roman" panose="02020603050405020304" pitchFamily="18" charset="0"/>
               </a:rPr>
-              <a:t>để</a:t>
+              <a:t>các</a:t>
             </a:r>
             <a:r>
               <a:rPr lang="en-US" dirty="0">
                 <a:latin typeface="Times New Roman" panose="02020603050405020304" pitchFamily="18" charset="0"/>
                 <a:cs typeface="Times New Roman" panose="02020603050405020304" pitchFamily="18" charset="0"/>
               </a:rPr>
-              <a:t> </a:t>
+              <a:t> actions </a:t>
             </a:r>
             <a:r>
               <a:rPr lang="en-US" dirty="0" err="1">
                 <a:latin typeface="Times New Roman" panose="02020603050405020304" pitchFamily="18" charset="0"/>
                 <a:cs typeface="Times New Roman" panose="02020603050405020304" pitchFamily="18" charset="0"/>
               </a:rPr>
-              <a:t>xử</a:t>
-            </a:r>
-            <a:r>
-              <a:rPr lang="en-US" dirty="0">
-                <a:latin typeface="Times New Roman" panose="02020603050405020304" pitchFamily="18" charset="0"/>
-                <a:cs typeface="Times New Roman" panose="02020603050405020304" pitchFamily="18" charset="0"/>
-              </a:rPr>
-              <a:t> </a:t>
-            </a:r>
-            <a:r>
-              <a:rPr lang="en-US" dirty="0" err="1">
-                <a:latin typeface="Times New Roman" panose="02020603050405020304" pitchFamily="18" charset="0"/>
-                <a:cs typeface="Times New Roman" panose="02020603050405020304" pitchFamily="18" charset="0"/>
-              </a:rPr>
-              <a:t>lý</a:t>
-            </a:r>
-            <a:r>
-              <a:rPr lang="en-US" dirty="0">
-                <a:latin typeface="Times New Roman" panose="02020603050405020304" pitchFamily="18" charset="0"/>
-                <a:cs typeface="Times New Roman" panose="02020603050405020304" pitchFamily="18" charset="0"/>
-              </a:rPr>
-              <a:t> </a:t>
-            </a:r>
-            <a:r>
-              <a:rPr lang="en-US" dirty="0" err="1">
-                <a:latin typeface="Times New Roman" panose="02020603050405020304" pitchFamily="18" charset="0"/>
-                <a:cs typeface="Times New Roman" panose="02020603050405020304" pitchFamily="18" charset="0"/>
-              </a:rPr>
-              <a:t>các</a:t>
-            </a:r>
-            <a:r>
-              <a:rPr lang="en-US" dirty="0">
-                <a:latin typeface="Times New Roman" panose="02020603050405020304" pitchFamily="18" charset="0"/>
-                <a:cs typeface="Times New Roman" panose="02020603050405020304" pitchFamily="18" charset="0"/>
-              </a:rPr>
-              <a:t> </a:t>
-            </a:r>
-            <a:r>
-              <a:rPr lang="en-US" dirty="0" err="1">
-                <a:latin typeface="Times New Roman" panose="02020603050405020304" pitchFamily="18" charset="0"/>
-                <a:cs typeface="Times New Roman" panose="02020603050405020304" pitchFamily="18" charset="0"/>
-              </a:rPr>
-              <a:t>trạng</a:t>
-            </a:r>
-            <a:r>
-              <a:rPr lang="en-US" dirty="0">
-                <a:latin typeface="Times New Roman" panose="02020603050405020304" pitchFamily="18" charset="0"/>
-                <a:cs typeface="Times New Roman" panose="02020603050405020304" pitchFamily="18" charset="0"/>
-              </a:rPr>
-              <a:t> </a:t>
-            </a:r>
-            <a:r>
-              <a:rPr lang="en-US" dirty="0" err="1">
-                <a:latin typeface="Times New Roman" panose="02020603050405020304" pitchFamily="18" charset="0"/>
-                <a:cs typeface="Times New Roman" panose="02020603050405020304" pitchFamily="18" charset="0"/>
-              </a:rPr>
-              <a:t>thái</a:t>
-            </a:r>
-            <a:r>
-              <a:rPr lang="en-US" dirty="0">
-                <a:latin typeface="Times New Roman" panose="02020603050405020304" pitchFamily="18" charset="0"/>
-                <a:cs typeface="Times New Roman" panose="02020603050405020304" pitchFamily="18" charset="0"/>
-              </a:rPr>
-              <a:t> pending, fulfilled </a:t>
-            </a:r>
-            <a:r>
-              <a:rPr lang="en-US" dirty="0" err="1">
-                <a:latin typeface="Times New Roman" panose="02020603050405020304" pitchFamily="18" charset="0"/>
-                <a:cs typeface="Times New Roman" panose="02020603050405020304" pitchFamily="18" charset="0"/>
-              </a:rPr>
-              <a:t>và</a:t>
-            </a:r>
-            <a:r>
-              <a:rPr lang="en-US" dirty="0">
-                <a:latin typeface="Times New Roman" panose="02020603050405020304" pitchFamily="18" charset="0"/>
-                <a:cs typeface="Times New Roman" panose="02020603050405020304" pitchFamily="18" charset="0"/>
-              </a:rPr>
-              <a:t> rejected </a:t>
-            </a:r>
-            <a:r>
-              <a:rPr lang="en-US" dirty="0" err="1">
-                <a:latin typeface="Times New Roman" panose="02020603050405020304" pitchFamily="18" charset="0"/>
-                <a:cs typeface="Times New Roman" panose="02020603050405020304" pitchFamily="18" charset="0"/>
-              </a:rPr>
-              <a:t>của</a:t>
-            </a:r>
-            <a:r>
-              <a:rPr lang="en-US" dirty="0">
-                <a:latin typeface="Times New Roman" panose="02020603050405020304" pitchFamily="18" charset="0"/>
-                <a:cs typeface="Times New Roman" panose="02020603050405020304" pitchFamily="18" charset="0"/>
-              </a:rPr>
-              <a:t> </a:t>
-            </a:r>
-            <a:r>
-              <a:rPr lang="en-US" dirty="0" err="1">
-                <a:latin typeface="Times New Roman" panose="02020603050405020304" pitchFamily="18" charset="0"/>
-                <a:cs typeface="Times New Roman" panose="02020603050405020304" pitchFamily="18" charset="0"/>
-              </a:rPr>
               <a:t>async</a:t>
             </a:r>
             <a:r>
-              <a:rPr lang="en-US" dirty="0">
-                <a:latin typeface="Times New Roman" panose="02020603050405020304" pitchFamily="18" charset="0"/>
-                <a:cs typeface="Times New Roman" panose="02020603050405020304" pitchFamily="18" charset="0"/>
-              </a:rPr>
-              <a:t> </a:t>
-            </a:r>
-            <a:r>
-              <a:rPr lang="en-US" dirty="0" err="1">
-                <a:latin typeface="Times New Roman" panose="02020603050405020304" pitchFamily="18" charset="0"/>
-                <a:cs typeface="Times New Roman" panose="02020603050405020304" pitchFamily="18" charset="0"/>
-              </a:rPr>
-              <a:t>thunks</a:t>
-            </a:r>
-            <a:r>
               <a:rPr lang="en-US" dirty="0" smtClean="0">
                 <a:latin typeface="Times New Roman" panose="02020603050405020304" pitchFamily="18" charset="0"/>
                 <a:cs typeface="Times New Roman" panose="02020603050405020304" pitchFamily="18" charset="0"/>
@@ -18550,521 +18139,249 @@
             </a:r>
           </a:p>
           <a:p>
-            <a:pPr lvl="1" algn="just"/>
-            <a:r>
-              <a:rPr lang="en-US" sz="2000" dirty="0">
+            <a:pPr algn="just"/>
+            <a:r>
+              <a:rPr lang="en-US" dirty="0" smtClean="0">
+                <a:latin typeface="Times New Roman" panose="02020603050405020304" pitchFamily="18" charset="0"/>
+                <a:cs typeface="Times New Roman" panose="02020603050405020304" pitchFamily="18" charset="0"/>
+              </a:rPr>
+              <a:t>- </a:t>
+            </a:r>
+            <a:r>
+              <a:rPr lang="vi-VN" dirty="0" smtClean="0">
+                <a:latin typeface="Times New Roman" panose="02020603050405020304" pitchFamily="18" charset="0"/>
+                <a:cs typeface="Times New Roman" panose="02020603050405020304" pitchFamily="18" charset="0"/>
+              </a:rPr>
+              <a:t>name</a:t>
+            </a:r>
+            <a:r>
+              <a:rPr lang="vi-VN" dirty="0">
+                <a:latin typeface="Times New Roman" panose="02020603050405020304" pitchFamily="18" charset="0"/>
+                <a:cs typeface="Times New Roman" panose="02020603050405020304" pitchFamily="18" charset="0"/>
+              </a:rPr>
+              <a:t>: 'user': Đây là tên của Slice, cho biết rằng Slice này quản lý các trạng thái liên quan đến thông tin người dùng</a:t>
+            </a:r>
+            <a:r>
+              <a:rPr lang="vi-VN" dirty="0" smtClean="0">
                 <a:latin typeface="Times New Roman" panose="02020603050405020304" pitchFamily="18" charset="0"/>
                 <a:cs typeface="Times New Roman" panose="02020603050405020304" pitchFamily="18" charset="0"/>
               </a:rPr>
               <a:t>.</a:t>
             </a:r>
-            <a:r>
-              <a:rPr lang="en-US" sz="2000" dirty="0" err="1">
-                <a:latin typeface="Times New Roman" panose="02020603050405020304" pitchFamily="18" charset="0"/>
-                <a:cs typeface="Times New Roman" panose="02020603050405020304" pitchFamily="18" charset="0"/>
-              </a:rPr>
-              <a:t>addCase</a:t>
-            </a:r>
-            <a:r>
-              <a:rPr lang="en-US" sz="2000" dirty="0">
-                <a:latin typeface="Times New Roman" panose="02020603050405020304" pitchFamily="18" charset="0"/>
-                <a:cs typeface="Times New Roman" panose="02020603050405020304" pitchFamily="18" charset="0"/>
-              </a:rPr>
-              <a:t>(</a:t>
-            </a:r>
-            <a:r>
-              <a:rPr lang="en-US" sz="2000" dirty="0" err="1">
-                <a:latin typeface="Times New Roman" panose="02020603050405020304" pitchFamily="18" charset="0"/>
-                <a:cs typeface="Times New Roman" panose="02020603050405020304" pitchFamily="18" charset="0"/>
-              </a:rPr>
-              <a:t>getUserInfo.pending</a:t>
-            </a:r>
-            <a:r>
-              <a:rPr lang="en-US" sz="2000" dirty="0">
-                <a:latin typeface="Times New Roman" panose="02020603050405020304" pitchFamily="18" charset="0"/>
-                <a:cs typeface="Times New Roman" panose="02020603050405020304" pitchFamily="18" charset="0"/>
-              </a:rPr>
-              <a:t>, (state) =&gt; { ... }): </a:t>
-            </a:r>
-            <a:r>
-              <a:rPr lang="en-US" sz="2000" dirty="0" err="1">
-                <a:latin typeface="Times New Roman" panose="02020603050405020304" pitchFamily="18" charset="0"/>
-                <a:cs typeface="Times New Roman" panose="02020603050405020304" pitchFamily="18" charset="0"/>
-              </a:rPr>
-              <a:t>Xử</a:t>
-            </a:r>
-            <a:r>
-              <a:rPr lang="en-US" sz="2000" dirty="0">
-                <a:latin typeface="Times New Roman" panose="02020603050405020304" pitchFamily="18" charset="0"/>
-                <a:cs typeface="Times New Roman" panose="02020603050405020304" pitchFamily="18" charset="0"/>
-              </a:rPr>
-              <a:t> </a:t>
-            </a:r>
-            <a:r>
-              <a:rPr lang="en-US" sz="2000" dirty="0" err="1">
-                <a:latin typeface="Times New Roman" panose="02020603050405020304" pitchFamily="18" charset="0"/>
-                <a:cs typeface="Times New Roman" panose="02020603050405020304" pitchFamily="18" charset="0"/>
-              </a:rPr>
-              <a:t>lý</a:t>
-            </a:r>
-            <a:r>
-              <a:rPr lang="en-US" sz="2000" dirty="0">
-                <a:latin typeface="Times New Roman" panose="02020603050405020304" pitchFamily="18" charset="0"/>
-                <a:cs typeface="Times New Roman" panose="02020603050405020304" pitchFamily="18" charset="0"/>
-              </a:rPr>
-              <a:t> </a:t>
-            </a:r>
-            <a:r>
-              <a:rPr lang="en-US" sz="2000" dirty="0" err="1">
-                <a:latin typeface="Times New Roman" panose="02020603050405020304" pitchFamily="18" charset="0"/>
-                <a:cs typeface="Times New Roman" panose="02020603050405020304" pitchFamily="18" charset="0"/>
-              </a:rPr>
-              <a:t>khi</a:t>
-            </a:r>
-            <a:r>
-              <a:rPr lang="en-US" sz="2000" dirty="0">
-                <a:latin typeface="Times New Roman" panose="02020603050405020304" pitchFamily="18" charset="0"/>
-                <a:cs typeface="Times New Roman" panose="02020603050405020304" pitchFamily="18" charset="0"/>
-              </a:rPr>
-              <a:t> </a:t>
-            </a:r>
-            <a:r>
-              <a:rPr lang="en-US" sz="2000" dirty="0" err="1">
-                <a:latin typeface="Times New Roman" panose="02020603050405020304" pitchFamily="18" charset="0"/>
-                <a:cs typeface="Times New Roman" panose="02020603050405020304" pitchFamily="18" charset="0"/>
-              </a:rPr>
-              <a:t>getUserInfo</a:t>
-            </a:r>
-            <a:r>
-              <a:rPr lang="en-US" sz="2000" dirty="0">
-                <a:latin typeface="Times New Roman" panose="02020603050405020304" pitchFamily="18" charset="0"/>
-                <a:cs typeface="Times New Roman" panose="02020603050405020304" pitchFamily="18" charset="0"/>
-              </a:rPr>
-              <a:t> </a:t>
-            </a:r>
-            <a:r>
-              <a:rPr lang="en-US" sz="2000" dirty="0" err="1">
-                <a:latin typeface="Times New Roman" panose="02020603050405020304" pitchFamily="18" charset="0"/>
-                <a:cs typeface="Times New Roman" panose="02020603050405020304" pitchFamily="18" charset="0"/>
-              </a:rPr>
-              <a:t>đang</a:t>
-            </a:r>
-            <a:r>
-              <a:rPr lang="en-US" sz="2000" dirty="0">
-                <a:latin typeface="Times New Roman" panose="02020603050405020304" pitchFamily="18" charset="0"/>
-                <a:cs typeface="Times New Roman" panose="02020603050405020304" pitchFamily="18" charset="0"/>
-              </a:rPr>
-              <a:t> </a:t>
-            </a:r>
-            <a:r>
-              <a:rPr lang="en-US" sz="2000" dirty="0" err="1">
-                <a:latin typeface="Times New Roman" panose="02020603050405020304" pitchFamily="18" charset="0"/>
-                <a:cs typeface="Times New Roman" panose="02020603050405020304" pitchFamily="18" charset="0"/>
-              </a:rPr>
-              <a:t>trong</a:t>
-            </a:r>
-            <a:r>
-              <a:rPr lang="en-US" sz="2000" dirty="0">
-                <a:latin typeface="Times New Roman" panose="02020603050405020304" pitchFamily="18" charset="0"/>
-                <a:cs typeface="Times New Roman" panose="02020603050405020304" pitchFamily="18" charset="0"/>
-              </a:rPr>
-              <a:t> </a:t>
-            </a:r>
-            <a:r>
-              <a:rPr lang="en-US" sz="2000" dirty="0" err="1">
-                <a:latin typeface="Times New Roman" panose="02020603050405020304" pitchFamily="18" charset="0"/>
-                <a:cs typeface="Times New Roman" panose="02020603050405020304" pitchFamily="18" charset="0"/>
-              </a:rPr>
-              <a:t>quá</a:t>
-            </a:r>
-            <a:r>
-              <a:rPr lang="en-US" sz="2000" dirty="0">
-                <a:latin typeface="Times New Roman" panose="02020603050405020304" pitchFamily="18" charset="0"/>
-                <a:cs typeface="Times New Roman" panose="02020603050405020304" pitchFamily="18" charset="0"/>
-              </a:rPr>
-              <a:t> </a:t>
-            </a:r>
-            <a:r>
-              <a:rPr lang="en-US" sz="2000" dirty="0" err="1">
-                <a:latin typeface="Times New Roman" panose="02020603050405020304" pitchFamily="18" charset="0"/>
-                <a:cs typeface="Times New Roman" panose="02020603050405020304" pitchFamily="18" charset="0"/>
-              </a:rPr>
-              <a:t>trình</a:t>
-            </a:r>
-            <a:r>
-              <a:rPr lang="en-US" sz="2000" dirty="0">
-                <a:latin typeface="Times New Roman" panose="02020603050405020304" pitchFamily="18" charset="0"/>
-                <a:cs typeface="Times New Roman" panose="02020603050405020304" pitchFamily="18" charset="0"/>
-              </a:rPr>
-              <a:t> </a:t>
-            </a:r>
-            <a:r>
-              <a:rPr lang="en-US" sz="2000" dirty="0" err="1">
-                <a:latin typeface="Times New Roman" panose="02020603050405020304" pitchFamily="18" charset="0"/>
-                <a:cs typeface="Times New Roman" panose="02020603050405020304" pitchFamily="18" charset="0"/>
-              </a:rPr>
-              <a:t>chờ</a:t>
-            </a:r>
-            <a:r>
-              <a:rPr lang="en-US" sz="2000" dirty="0">
-                <a:latin typeface="Times New Roman" panose="02020603050405020304" pitchFamily="18" charset="0"/>
-                <a:cs typeface="Times New Roman" panose="02020603050405020304" pitchFamily="18" charset="0"/>
-              </a:rPr>
-              <a:t> (pending), </a:t>
-            </a:r>
-            <a:r>
-              <a:rPr lang="en-US" sz="2000" dirty="0" err="1">
-                <a:latin typeface="Times New Roman" panose="02020603050405020304" pitchFamily="18" charset="0"/>
-                <a:cs typeface="Times New Roman" panose="02020603050405020304" pitchFamily="18" charset="0"/>
-              </a:rPr>
-              <a:t>có</a:t>
-            </a:r>
-            <a:r>
-              <a:rPr lang="en-US" sz="2000" dirty="0">
-                <a:latin typeface="Times New Roman" panose="02020603050405020304" pitchFamily="18" charset="0"/>
-                <a:cs typeface="Times New Roman" panose="02020603050405020304" pitchFamily="18" charset="0"/>
-              </a:rPr>
-              <a:t> </a:t>
-            </a:r>
-            <a:r>
-              <a:rPr lang="en-US" sz="2000" dirty="0" err="1">
-                <a:latin typeface="Times New Roman" panose="02020603050405020304" pitchFamily="18" charset="0"/>
-                <a:cs typeface="Times New Roman" panose="02020603050405020304" pitchFamily="18" charset="0"/>
-              </a:rPr>
-              <a:t>thể</a:t>
-            </a:r>
-            <a:r>
-              <a:rPr lang="en-US" sz="2000" dirty="0">
-                <a:latin typeface="Times New Roman" panose="02020603050405020304" pitchFamily="18" charset="0"/>
-                <a:cs typeface="Times New Roman" panose="02020603050405020304" pitchFamily="18" charset="0"/>
-              </a:rPr>
-              <a:t> </a:t>
-            </a:r>
-            <a:r>
-              <a:rPr lang="en-US" sz="2000" dirty="0" err="1">
-                <a:latin typeface="Times New Roman" panose="02020603050405020304" pitchFamily="18" charset="0"/>
-                <a:cs typeface="Times New Roman" panose="02020603050405020304" pitchFamily="18" charset="0"/>
-              </a:rPr>
-              <a:t>không</a:t>
-            </a:r>
-            <a:r>
-              <a:rPr lang="en-US" sz="2000" dirty="0">
-                <a:latin typeface="Times New Roman" panose="02020603050405020304" pitchFamily="18" charset="0"/>
-                <a:cs typeface="Times New Roman" panose="02020603050405020304" pitchFamily="18" charset="0"/>
-              </a:rPr>
-              <a:t> </a:t>
-            </a:r>
-            <a:r>
-              <a:rPr lang="en-US" sz="2000" dirty="0" err="1">
-                <a:latin typeface="Times New Roman" panose="02020603050405020304" pitchFamily="18" charset="0"/>
-                <a:cs typeface="Times New Roman" panose="02020603050405020304" pitchFamily="18" charset="0"/>
-              </a:rPr>
-              <a:t>làm</a:t>
-            </a:r>
-            <a:r>
-              <a:rPr lang="en-US" sz="2000" dirty="0">
-                <a:latin typeface="Times New Roman" panose="02020603050405020304" pitchFamily="18" charset="0"/>
-                <a:cs typeface="Times New Roman" panose="02020603050405020304" pitchFamily="18" charset="0"/>
-              </a:rPr>
-              <a:t> </a:t>
-            </a:r>
-            <a:r>
-              <a:rPr lang="en-US" sz="2000" dirty="0" err="1">
-                <a:latin typeface="Times New Roman" panose="02020603050405020304" pitchFamily="18" charset="0"/>
-                <a:cs typeface="Times New Roman" panose="02020603050405020304" pitchFamily="18" charset="0"/>
-              </a:rPr>
-              <a:t>gì</a:t>
-            </a:r>
-            <a:r>
-              <a:rPr lang="en-US" sz="2000" dirty="0">
-                <a:latin typeface="Times New Roman" panose="02020603050405020304" pitchFamily="18" charset="0"/>
-                <a:cs typeface="Times New Roman" panose="02020603050405020304" pitchFamily="18" charset="0"/>
-              </a:rPr>
-              <a:t> </a:t>
-            </a:r>
-            <a:r>
-              <a:rPr lang="en-US" sz="2000" dirty="0" err="1">
-                <a:latin typeface="Times New Roman" panose="02020603050405020304" pitchFamily="18" charset="0"/>
-                <a:cs typeface="Times New Roman" panose="02020603050405020304" pitchFamily="18" charset="0"/>
-              </a:rPr>
-              <a:t>nếu</a:t>
-            </a:r>
-            <a:r>
-              <a:rPr lang="en-US" sz="2000" dirty="0">
-                <a:latin typeface="Times New Roman" panose="02020603050405020304" pitchFamily="18" charset="0"/>
-                <a:cs typeface="Times New Roman" panose="02020603050405020304" pitchFamily="18" charset="0"/>
-              </a:rPr>
-              <a:t> </a:t>
-            </a:r>
-            <a:r>
-              <a:rPr lang="en-US" sz="2000" dirty="0" err="1">
-                <a:latin typeface="Times New Roman" panose="02020603050405020304" pitchFamily="18" charset="0"/>
-                <a:cs typeface="Times New Roman" panose="02020603050405020304" pitchFamily="18" charset="0"/>
-              </a:rPr>
-              <a:t>không</a:t>
-            </a:r>
-            <a:r>
-              <a:rPr lang="en-US" sz="2000" dirty="0">
-                <a:latin typeface="Times New Roman" panose="02020603050405020304" pitchFamily="18" charset="0"/>
-                <a:cs typeface="Times New Roman" panose="02020603050405020304" pitchFamily="18" charset="0"/>
-              </a:rPr>
-              <a:t> </a:t>
-            </a:r>
-            <a:r>
-              <a:rPr lang="en-US" sz="2000" dirty="0" err="1">
-                <a:latin typeface="Times New Roman" panose="02020603050405020304" pitchFamily="18" charset="0"/>
-                <a:cs typeface="Times New Roman" panose="02020603050405020304" pitchFamily="18" charset="0"/>
-              </a:rPr>
-              <a:t>cần</a:t>
-            </a:r>
-            <a:r>
-              <a:rPr lang="en-US" sz="2000" dirty="0">
-                <a:latin typeface="Times New Roman" panose="02020603050405020304" pitchFamily="18" charset="0"/>
-                <a:cs typeface="Times New Roman" panose="02020603050405020304" pitchFamily="18" charset="0"/>
-              </a:rPr>
-              <a:t> </a:t>
-            </a:r>
-            <a:r>
-              <a:rPr lang="en-US" sz="2000" dirty="0" err="1">
-                <a:latin typeface="Times New Roman" panose="02020603050405020304" pitchFamily="18" charset="0"/>
-                <a:cs typeface="Times New Roman" panose="02020603050405020304" pitchFamily="18" charset="0"/>
-              </a:rPr>
-              <a:t>thiết</a:t>
-            </a:r>
-            <a:r>
-              <a:rPr lang="en-US" sz="2000" dirty="0" smtClean="0">
-                <a:latin typeface="Times New Roman" panose="02020603050405020304" pitchFamily="18" charset="0"/>
-                <a:cs typeface="Times New Roman" panose="02020603050405020304" pitchFamily="18" charset="0"/>
-              </a:rPr>
-              <a:t>.</a:t>
-            </a:r>
-          </a:p>
-          <a:p>
-            <a:pPr lvl="1" algn="just"/>
-            <a:r>
-              <a:rPr lang="vi-VN" sz="2000" dirty="0">
-                <a:latin typeface="Times New Roman" panose="02020603050405020304" pitchFamily="18" charset="0"/>
-                <a:cs typeface="Times New Roman" panose="02020603050405020304" pitchFamily="18" charset="0"/>
-              </a:rPr>
-              <a:t>.addCase(getUserInfo.fulfilled, (state, action: any) =&gt; { ... }): Xử lý khi getUserInfo đã thành công (fulfilled), cập nhật state.userInfo với dữ liệu nhận được từ payload của action</a:t>
-            </a:r>
-            <a:r>
-              <a:rPr lang="vi-VN" sz="2000" dirty="0" smtClean="0">
-                <a:latin typeface="Times New Roman" panose="02020603050405020304" pitchFamily="18" charset="0"/>
-                <a:cs typeface="Times New Roman" panose="02020603050405020304" pitchFamily="18" charset="0"/>
-              </a:rPr>
-              <a:t>.</a:t>
-            </a:r>
-            <a:endParaRPr lang="en-US" sz="2000" dirty="0" smtClean="0">
+            <a:endParaRPr lang="en-US" dirty="0" smtClean="0">
               <a:latin typeface="Times New Roman" panose="02020603050405020304" pitchFamily="18" charset="0"/>
               <a:cs typeface="Times New Roman" panose="02020603050405020304" pitchFamily="18" charset="0"/>
             </a:endParaRPr>
           </a:p>
           <a:p>
-            <a:pPr lvl="1" algn="just"/>
-            <a:r>
-              <a:rPr lang="en-US" sz="2000" dirty="0">
-                <a:latin typeface="Times New Roman" panose="02020603050405020304" pitchFamily="18" charset="0"/>
-                <a:cs typeface="Times New Roman" panose="02020603050405020304" pitchFamily="18" charset="0"/>
-              </a:rPr>
-              <a:t>.</a:t>
-            </a:r>
-            <a:r>
-              <a:rPr lang="en-US" sz="2000" dirty="0" err="1">
-                <a:latin typeface="Times New Roman" panose="02020603050405020304" pitchFamily="18" charset="0"/>
-                <a:cs typeface="Times New Roman" panose="02020603050405020304" pitchFamily="18" charset="0"/>
-              </a:rPr>
-              <a:t>addCase</a:t>
-            </a:r>
-            <a:r>
-              <a:rPr lang="en-US" sz="2000" dirty="0">
-                <a:latin typeface="Times New Roman" panose="02020603050405020304" pitchFamily="18" charset="0"/>
-                <a:cs typeface="Times New Roman" panose="02020603050405020304" pitchFamily="18" charset="0"/>
-              </a:rPr>
-              <a:t>(</a:t>
-            </a:r>
-            <a:r>
-              <a:rPr lang="en-US" sz="2000" dirty="0" err="1">
-                <a:latin typeface="Times New Roman" panose="02020603050405020304" pitchFamily="18" charset="0"/>
-                <a:cs typeface="Times New Roman" panose="02020603050405020304" pitchFamily="18" charset="0"/>
-              </a:rPr>
-              <a:t>getUserInfo.rejected</a:t>
-            </a:r>
-            <a:r>
-              <a:rPr lang="en-US" sz="2000" dirty="0">
-                <a:latin typeface="Times New Roman" panose="02020603050405020304" pitchFamily="18" charset="0"/>
-                <a:cs typeface="Times New Roman" panose="02020603050405020304" pitchFamily="18" charset="0"/>
-              </a:rPr>
-              <a:t>, (state, action: any) =&gt; { ... }): </a:t>
-            </a:r>
-            <a:r>
-              <a:rPr lang="en-US" sz="2000" dirty="0" err="1">
-                <a:latin typeface="Times New Roman" panose="02020603050405020304" pitchFamily="18" charset="0"/>
-                <a:cs typeface="Times New Roman" panose="02020603050405020304" pitchFamily="18" charset="0"/>
-              </a:rPr>
-              <a:t>Xử</a:t>
-            </a:r>
-            <a:r>
-              <a:rPr lang="en-US" sz="2000" dirty="0">
-                <a:latin typeface="Times New Roman" panose="02020603050405020304" pitchFamily="18" charset="0"/>
-                <a:cs typeface="Times New Roman" panose="02020603050405020304" pitchFamily="18" charset="0"/>
-              </a:rPr>
-              <a:t> </a:t>
-            </a:r>
-            <a:r>
-              <a:rPr lang="en-US" sz="2000" dirty="0" err="1">
-                <a:latin typeface="Times New Roman" panose="02020603050405020304" pitchFamily="18" charset="0"/>
-                <a:cs typeface="Times New Roman" panose="02020603050405020304" pitchFamily="18" charset="0"/>
-              </a:rPr>
-              <a:t>lý</a:t>
-            </a:r>
-            <a:r>
-              <a:rPr lang="en-US" sz="2000" dirty="0">
-                <a:latin typeface="Times New Roman" panose="02020603050405020304" pitchFamily="18" charset="0"/>
-                <a:cs typeface="Times New Roman" panose="02020603050405020304" pitchFamily="18" charset="0"/>
-              </a:rPr>
-              <a:t> </a:t>
-            </a:r>
-            <a:r>
-              <a:rPr lang="en-US" sz="2000" dirty="0" err="1">
-                <a:latin typeface="Times New Roman" panose="02020603050405020304" pitchFamily="18" charset="0"/>
-                <a:cs typeface="Times New Roman" panose="02020603050405020304" pitchFamily="18" charset="0"/>
-              </a:rPr>
-              <a:t>khi</a:t>
-            </a:r>
-            <a:r>
-              <a:rPr lang="en-US" sz="2000" dirty="0">
-                <a:latin typeface="Times New Roman" panose="02020603050405020304" pitchFamily="18" charset="0"/>
-                <a:cs typeface="Times New Roman" panose="02020603050405020304" pitchFamily="18" charset="0"/>
-              </a:rPr>
-              <a:t> </a:t>
-            </a:r>
-            <a:r>
-              <a:rPr lang="en-US" sz="2000" dirty="0" err="1">
-                <a:latin typeface="Times New Roman" panose="02020603050405020304" pitchFamily="18" charset="0"/>
-                <a:cs typeface="Times New Roman" panose="02020603050405020304" pitchFamily="18" charset="0"/>
-              </a:rPr>
-              <a:t>getUserInfo</a:t>
-            </a:r>
-            <a:r>
-              <a:rPr lang="en-US" sz="2000" dirty="0">
-                <a:latin typeface="Times New Roman" panose="02020603050405020304" pitchFamily="18" charset="0"/>
-                <a:cs typeface="Times New Roman" panose="02020603050405020304" pitchFamily="18" charset="0"/>
-              </a:rPr>
-              <a:t> </a:t>
-            </a:r>
-            <a:r>
-              <a:rPr lang="en-US" sz="2000" dirty="0" err="1">
-                <a:latin typeface="Times New Roman" panose="02020603050405020304" pitchFamily="18" charset="0"/>
-                <a:cs typeface="Times New Roman" panose="02020603050405020304" pitchFamily="18" charset="0"/>
-              </a:rPr>
-              <a:t>thất</a:t>
-            </a:r>
-            <a:r>
-              <a:rPr lang="en-US" sz="2000" dirty="0">
-                <a:latin typeface="Times New Roman" panose="02020603050405020304" pitchFamily="18" charset="0"/>
-                <a:cs typeface="Times New Roman" panose="02020603050405020304" pitchFamily="18" charset="0"/>
-              </a:rPr>
-              <a:t> </a:t>
-            </a:r>
-            <a:r>
-              <a:rPr lang="en-US" sz="2000" dirty="0" err="1">
-                <a:latin typeface="Times New Roman" panose="02020603050405020304" pitchFamily="18" charset="0"/>
-                <a:cs typeface="Times New Roman" panose="02020603050405020304" pitchFamily="18" charset="0"/>
-              </a:rPr>
-              <a:t>bại</a:t>
-            </a:r>
-            <a:r>
-              <a:rPr lang="en-US" sz="2000" dirty="0">
-                <a:latin typeface="Times New Roman" panose="02020603050405020304" pitchFamily="18" charset="0"/>
-                <a:cs typeface="Times New Roman" panose="02020603050405020304" pitchFamily="18" charset="0"/>
-              </a:rPr>
-              <a:t> (rejected), </a:t>
-            </a:r>
-            <a:r>
-              <a:rPr lang="en-US" sz="2000" dirty="0" err="1">
-                <a:latin typeface="Times New Roman" panose="02020603050405020304" pitchFamily="18" charset="0"/>
-                <a:cs typeface="Times New Roman" panose="02020603050405020304" pitchFamily="18" charset="0"/>
-              </a:rPr>
-              <a:t>đặt</a:t>
-            </a:r>
-            <a:r>
-              <a:rPr lang="en-US" sz="2000" dirty="0">
-                <a:latin typeface="Times New Roman" panose="02020603050405020304" pitchFamily="18" charset="0"/>
-                <a:cs typeface="Times New Roman" panose="02020603050405020304" pitchFamily="18" charset="0"/>
-              </a:rPr>
-              <a:t> </a:t>
-            </a:r>
-            <a:r>
-              <a:rPr lang="en-US" sz="2000" dirty="0" err="1">
-                <a:latin typeface="Times New Roman" panose="02020603050405020304" pitchFamily="18" charset="0"/>
-                <a:cs typeface="Times New Roman" panose="02020603050405020304" pitchFamily="18" charset="0"/>
-              </a:rPr>
-              <a:t>state.userInfo</a:t>
-            </a:r>
-            <a:r>
-              <a:rPr lang="en-US" sz="2000" dirty="0">
-                <a:latin typeface="Times New Roman" panose="02020603050405020304" pitchFamily="18" charset="0"/>
-                <a:cs typeface="Times New Roman" panose="02020603050405020304" pitchFamily="18" charset="0"/>
-              </a:rPr>
-              <a:t> </a:t>
-            </a:r>
-            <a:r>
-              <a:rPr lang="en-US" sz="2000" dirty="0" err="1">
-                <a:latin typeface="Times New Roman" panose="02020603050405020304" pitchFamily="18" charset="0"/>
-                <a:cs typeface="Times New Roman" panose="02020603050405020304" pitchFamily="18" charset="0"/>
-              </a:rPr>
-              <a:t>thành</a:t>
-            </a:r>
-            <a:r>
-              <a:rPr lang="en-US" sz="2000" dirty="0">
-                <a:latin typeface="Times New Roman" panose="02020603050405020304" pitchFamily="18" charset="0"/>
-                <a:cs typeface="Times New Roman" panose="02020603050405020304" pitchFamily="18" charset="0"/>
-              </a:rPr>
-              <a:t> </a:t>
-            </a:r>
-            <a:r>
-              <a:rPr lang="en-US" sz="2000" dirty="0" err="1">
-                <a:latin typeface="Times New Roman" panose="02020603050405020304" pitchFamily="18" charset="0"/>
-                <a:cs typeface="Times New Roman" panose="02020603050405020304" pitchFamily="18" charset="0"/>
-              </a:rPr>
-              <a:t>một</a:t>
-            </a:r>
-            <a:r>
-              <a:rPr lang="en-US" sz="2000" dirty="0">
-                <a:latin typeface="Times New Roman" panose="02020603050405020304" pitchFamily="18" charset="0"/>
-                <a:cs typeface="Times New Roman" panose="02020603050405020304" pitchFamily="18" charset="0"/>
-              </a:rPr>
-              <a:t> object </a:t>
-            </a:r>
-            <a:r>
-              <a:rPr lang="en-US" sz="2000" dirty="0" err="1">
-                <a:latin typeface="Times New Roman" panose="02020603050405020304" pitchFamily="18" charset="0"/>
-                <a:cs typeface="Times New Roman" panose="02020603050405020304" pitchFamily="18" charset="0"/>
-              </a:rPr>
-              <a:t>rỗng</a:t>
-            </a:r>
-            <a:r>
-              <a:rPr lang="en-US" sz="2000" dirty="0">
-                <a:latin typeface="Times New Roman" panose="02020603050405020304" pitchFamily="18" charset="0"/>
-                <a:cs typeface="Times New Roman" panose="02020603050405020304" pitchFamily="18" charset="0"/>
-              </a:rPr>
-              <a:t> </a:t>
-            </a:r>
-            <a:r>
-              <a:rPr lang="en-US" sz="2000" dirty="0" smtClean="0">
-                <a:latin typeface="Times New Roman" panose="02020603050405020304" pitchFamily="18" charset="0"/>
-                <a:cs typeface="Times New Roman" panose="02020603050405020304" pitchFamily="18" charset="0"/>
-              </a:rPr>
-              <a:t>{}.</a:t>
-            </a:r>
+            <a:pPr algn="just"/>
+            <a:r>
+              <a:rPr lang="en-US" dirty="0">
+                <a:latin typeface="Times New Roman" panose="02020603050405020304" pitchFamily="18" charset="0"/>
+                <a:cs typeface="Times New Roman" panose="02020603050405020304" pitchFamily="18" charset="0"/>
+              </a:rPr>
+              <a:t>- reducers: </a:t>
+            </a:r>
+            <a:r>
+              <a:rPr lang="en-US" dirty="0" err="1">
+                <a:latin typeface="Times New Roman" panose="02020603050405020304" pitchFamily="18" charset="0"/>
+                <a:cs typeface="Times New Roman" panose="02020603050405020304" pitchFamily="18" charset="0"/>
+              </a:rPr>
+              <a:t>Định</a:t>
+            </a:r>
+            <a:r>
+              <a:rPr lang="en-US" dirty="0">
+                <a:latin typeface="Times New Roman" panose="02020603050405020304" pitchFamily="18" charset="0"/>
+                <a:cs typeface="Times New Roman" panose="02020603050405020304" pitchFamily="18" charset="0"/>
+              </a:rPr>
+              <a:t> </a:t>
+            </a:r>
+            <a:r>
+              <a:rPr lang="en-US" dirty="0" err="1">
+                <a:latin typeface="Times New Roman" panose="02020603050405020304" pitchFamily="18" charset="0"/>
+                <a:cs typeface="Times New Roman" panose="02020603050405020304" pitchFamily="18" charset="0"/>
+              </a:rPr>
+              <a:t>nghĩa</a:t>
+            </a:r>
+            <a:r>
+              <a:rPr lang="en-US" dirty="0">
+                <a:latin typeface="Times New Roman" panose="02020603050405020304" pitchFamily="18" charset="0"/>
+                <a:cs typeface="Times New Roman" panose="02020603050405020304" pitchFamily="18" charset="0"/>
+              </a:rPr>
+              <a:t> </a:t>
+            </a:r>
+            <a:r>
+              <a:rPr lang="en-US" dirty="0" err="1">
+                <a:latin typeface="Times New Roman" panose="02020603050405020304" pitchFamily="18" charset="0"/>
+                <a:cs typeface="Times New Roman" panose="02020603050405020304" pitchFamily="18" charset="0"/>
+              </a:rPr>
+              <a:t>các</a:t>
+            </a:r>
+            <a:r>
+              <a:rPr lang="en-US" dirty="0">
+                <a:latin typeface="Times New Roman" panose="02020603050405020304" pitchFamily="18" charset="0"/>
+                <a:cs typeface="Times New Roman" panose="02020603050405020304" pitchFamily="18" charset="0"/>
+              </a:rPr>
+              <a:t> reducers </a:t>
+            </a:r>
+            <a:r>
+              <a:rPr lang="en-US" dirty="0" err="1">
+                <a:latin typeface="Times New Roman" panose="02020603050405020304" pitchFamily="18" charset="0"/>
+                <a:cs typeface="Times New Roman" panose="02020603050405020304" pitchFamily="18" charset="0"/>
+              </a:rPr>
+              <a:t>đồng</a:t>
+            </a:r>
+            <a:r>
+              <a:rPr lang="en-US" dirty="0">
+                <a:latin typeface="Times New Roman" panose="02020603050405020304" pitchFamily="18" charset="0"/>
+                <a:cs typeface="Times New Roman" panose="02020603050405020304" pitchFamily="18" charset="0"/>
+              </a:rPr>
+              <a:t> </a:t>
+            </a:r>
+            <a:r>
+              <a:rPr lang="en-US" dirty="0" err="1">
+                <a:latin typeface="Times New Roman" panose="02020603050405020304" pitchFamily="18" charset="0"/>
+                <a:cs typeface="Times New Roman" panose="02020603050405020304" pitchFamily="18" charset="0"/>
+              </a:rPr>
+              <a:t>bộ</a:t>
+            </a:r>
+            <a:r>
+              <a:rPr lang="en-US" dirty="0">
+                <a:latin typeface="Times New Roman" panose="02020603050405020304" pitchFamily="18" charset="0"/>
+                <a:cs typeface="Times New Roman" panose="02020603050405020304" pitchFamily="18" charset="0"/>
+              </a:rPr>
+              <a:t> </a:t>
+            </a:r>
+            <a:r>
+              <a:rPr lang="en-US" dirty="0" err="1">
+                <a:latin typeface="Times New Roman" panose="02020603050405020304" pitchFamily="18" charset="0"/>
+                <a:cs typeface="Times New Roman" panose="02020603050405020304" pitchFamily="18" charset="0"/>
+              </a:rPr>
+              <a:t>để</a:t>
+            </a:r>
+            <a:r>
+              <a:rPr lang="en-US" dirty="0">
+                <a:latin typeface="Times New Roman" panose="02020603050405020304" pitchFamily="18" charset="0"/>
+                <a:cs typeface="Times New Roman" panose="02020603050405020304" pitchFamily="18" charset="0"/>
+              </a:rPr>
+              <a:t> </a:t>
+            </a:r>
+            <a:r>
+              <a:rPr lang="en-US" dirty="0" err="1">
+                <a:latin typeface="Times New Roman" panose="02020603050405020304" pitchFamily="18" charset="0"/>
+                <a:cs typeface="Times New Roman" panose="02020603050405020304" pitchFamily="18" charset="0"/>
+              </a:rPr>
+              <a:t>cập</a:t>
+            </a:r>
+            <a:r>
+              <a:rPr lang="en-US" dirty="0">
+                <a:latin typeface="Times New Roman" panose="02020603050405020304" pitchFamily="18" charset="0"/>
+                <a:cs typeface="Times New Roman" panose="02020603050405020304" pitchFamily="18" charset="0"/>
+              </a:rPr>
+              <a:t> </a:t>
+            </a:r>
+            <a:r>
+              <a:rPr lang="en-US" dirty="0" err="1">
+                <a:latin typeface="Times New Roman" panose="02020603050405020304" pitchFamily="18" charset="0"/>
+                <a:cs typeface="Times New Roman" panose="02020603050405020304" pitchFamily="18" charset="0"/>
+              </a:rPr>
+              <a:t>nhật</a:t>
+            </a:r>
+            <a:r>
+              <a:rPr lang="en-US" dirty="0">
+                <a:latin typeface="Times New Roman" panose="02020603050405020304" pitchFamily="18" charset="0"/>
+                <a:cs typeface="Times New Roman" panose="02020603050405020304" pitchFamily="18" charset="0"/>
+              </a:rPr>
+              <a:t> </a:t>
+            </a:r>
+            <a:r>
+              <a:rPr lang="en-US" dirty="0" err="1">
+                <a:latin typeface="Times New Roman" panose="02020603050405020304" pitchFamily="18" charset="0"/>
+                <a:cs typeface="Times New Roman" panose="02020603050405020304" pitchFamily="18" charset="0"/>
+              </a:rPr>
+              <a:t>trạng</a:t>
+            </a:r>
+            <a:r>
+              <a:rPr lang="en-US" dirty="0">
+                <a:latin typeface="Times New Roman" panose="02020603050405020304" pitchFamily="18" charset="0"/>
+                <a:cs typeface="Times New Roman" panose="02020603050405020304" pitchFamily="18" charset="0"/>
+              </a:rPr>
+              <a:t> </a:t>
+            </a:r>
+            <a:r>
+              <a:rPr lang="en-US" dirty="0" err="1">
+                <a:latin typeface="Times New Roman" panose="02020603050405020304" pitchFamily="18" charset="0"/>
+                <a:cs typeface="Times New Roman" panose="02020603050405020304" pitchFamily="18" charset="0"/>
+              </a:rPr>
+              <a:t>thái</a:t>
+            </a:r>
+            <a:r>
+              <a:rPr lang="en-US" dirty="0">
+                <a:latin typeface="Times New Roman" panose="02020603050405020304" pitchFamily="18" charset="0"/>
+                <a:cs typeface="Times New Roman" panose="02020603050405020304" pitchFamily="18" charset="0"/>
+              </a:rPr>
+              <a:t> </a:t>
+            </a:r>
+            <a:r>
+              <a:rPr lang="en-US" dirty="0" err="1">
+                <a:latin typeface="Times New Roman" panose="02020603050405020304" pitchFamily="18" charset="0"/>
+                <a:cs typeface="Times New Roman" panose="02020603050405020304" pitchFamily="18" charset="0"/>
+              </a:rPr>
+              <a:t>đồng</a:t>
+            </a:r>
+            <a:r>
+              <a:rPr lang="en-US" dirty="0">
+                <a:latin typeface="Times New Roman" panose="02020603050405020304" pitchFamily="18" charset="0"/>
+                <a:cs typeface="Times New Roman" panose="02020603050405020304" pitchFamily="18" charset="0"/>
+              </a:rPr>
+              <a:t> </a:t>
+            </a:r>
+            <a:r>
+              <a:rPr lang="en-US" dirty="0" err="1">
+                <a:latin typeface="Times New Roman" panose="02020603050405020304" pitchFamily="18" charset="0"/>
+                <a:cs typeface="Times New Roman" panose="02020603050405020304" pitchFamily="18" charset="0"/>
+              </a:rPr>
+              <a:t>bộ</a:t>
+            </a:r>
+            <a:r>
+              <a:rPr lang="en-US" dirty="0">
+                <a:latin typeface="Times New Roman" panose="02020603050405020304" pitchFamily="18" charset="0"/>
+                <a:cs typeface="Times New Roman" panose="02020603050405020304" pitchFamily="18" charset="0"/>
+              </a:rPr>
+              <a:t> </a:t>
+            </a:r>
+            <a:r>
+              <a:rPr lang="en-US" dirty="0" err="1">
+                <a:latin typeface="Times New Roman" panose="02020603050405020304" pitchFamily="18" charset="0"/>
+                <a:cs typeface="Times New Roman" panose="02020603050405020304" pitchFamily="18" charset="0"/>
+              </a:rPr>
+              <a:t>của</a:t>
+            </a:r>
+            <a:r>
+              <a:rPr lang="en-US" dirty="0">
+                <a:latin typeface="Times New Roman" panose="02020603050405020304" pitchFamily="18" charset="0"/>
+                <a:cs typeface="Times New Roman" panose="02020603050405020304" pitchFamily="18" charset="0"/>
+              </a:rPr>
+              <a:t> </a:t>
+            </a:r>
+            <a:r>
+              <a:rPr lang="en-US" dirty="0" err="1">
+                <a:latin typeface="Times New Roman" panose="02020603050405020304" pitchFamily="18" charset="0"/>
+                <a:cs typeface="Times New Roman" panose="02020603050405020304" pitchFamily="18" charset="0"/>
+              </a:rPr>
+              <a:t>Redux</a:t>
+            </a:r>
+            <a:endParaRPr lang="en-US" dirty="0">
+              <a:latin typeface="Times New Roman" panose="02020603050405020304" pitchFamily="18" charset="0"/>
+              <a:cs typeface="Times New Roman" panose="02020603050405020304" pitchFamily="18" charset="0"/>
+            </a:endParaRPr>
           </a:p>
         </p:txBody>
       </p:sp>
     </p:spTree>
     <p:extLst>
       <p:ext uri="{BB962C8B-B14F-4D97-AF65-F5344CB8AC3E}">
-        <p14:creationId xmlns:p14="http://schemas.microsoft.com/office/powerpoint/2010/main" val="4006870124"/>
+        <p14:creationId xmlns:p14="http://schemas.microsoft.com/office/powerpoint/2010/main" val="2798832967"/>
       </p:ext>
     </p:extLst>
   </p:cSld>
@@ -19157,7 +18474,35 @@
           <a:p>
             <a:pPr algn="just"/>
             <a:r>
-              <a:rPr lang="en-US" dirty="0" smtClean="0">
+              <a:rPr lang="vi-VN" dirty="0" smtClean="0">
+                <a:latin typeface="Times New Roman" panose="02020603050405020304" pitchFamily="18" charset="0"/>
+                <a:cs typeface="Times New Roman" panose="02020603050405020304" pitchFamily="18" charset="0"/>
+              </a:rPr>
+              <a:t>Trong </a:t>
+            </a:r>
+            <a:r>
+              <a:rPr lang="vi-VN" dirty="0">
+                <a:latin typeface="Times New Roman" panose="02020603050405020304" pitchFamily="18" charset="0"/>
+                <a:cs typeface="Times New Roman" panose="02020603050405020304" pitchFamily="18" charset="0"/>
+              </a:rPr>
+              <a:t>ví dụ này, chỉ có một reducer updateUserInfo để cập nhật userInfo khi có action được dispatch</a:t>
+            </a:r>
+            <a:r>
+              <a:rPr lang="vi-VN" dirty="0" smtClean="0">
+                <a:latin typeface="Times New Roman" panose="02020603050405020304" pitchFamily="18" charset="0"/>
+                <a:cs typeface="Times New Roman" panose="02020603050405020304" pitchFamily="18" charset="0"/>
+              </a:rPr>
+              <a:t>.</a:t>
+            </a:r>
+            <a:endParaRPr lang="en-US" dirty="0" smtClean="0">
+              <a:latin typeface="Times New Roman" panose="02020603050405020304" pitchFamily="18" charset="0"/>
+              <a:cs typeface="Times New Roman" panose="02020603050405020304" pitchFamily="18" charset="0"/>
+            </a:endParaRPr>
+          </a:p>
+          <a:p>
+            <a:pPr algn="just"/>
+            <a:r>
+              <a:rPr lang="en-US" dirty="0">
                 <a:latin typeface="Times New Roman" panose="02020603050405020304" pitchFamily="18" charset="0"/>
                 <a:cs typeface="Times New Roman" panose="02020603050405020304" pitchFamily="18" charset="0"/>
               </a:rPr>
@@ -19168,20 +18513,188 @@
                 <a:latin typeface="Times New Roman" panose="02020603050405020304" pitchFamily="18" charset="0"/>
                 <a:cs typeface="Times New Roman" panose="02020603050405020304" pitchFamily="18" charset="0"/>
               </a:rPr>
-              <a:t>Xuất</a:t>
+              <a:t>extraReducers</a:t>
             </a:r>
             <a:r>
               <a:rPr lang="en-US" dirty="0">
                 <a:latin typeface="Times New Roman" panose="02020603050405020304" pitchFamily="18" charset="0"/>
                 <a:cs typeface="Times New Roman" panose="02020603050405020304" pitchFamily="18" charset="0"/>
               </a:rPr>
-              <a:t> </a:t>
+              <a:t>: </a:t>
             </a:r>
             <a:r>
               <a:rPr lang="en-US" dirty="0" err="1">
                 <a:latin typeface="Times New Roman" panose="02020603050405020304" pitchFamily="18" charset="0"/>
                 <a:cs typeface="Times New Roman" panose="02020603050405020304" pitchFamily="18" charset="0"/>
               </a:rPr>
+              <a:t>Định</a:t>
+            </a:r>
+            <a:r>
+              <a:rPr lang="en-US" dirty="0">
+                <a:latin typeface="Times New Roman" panose="02020603050405020304" pitchFamily="18" charset="0"/>
+                <a:cs typeface="Times New Roman" panose="02020603050405020304" pitchFamily="18" charset="0"/>
+              </a:rPr>
+              <a:t> </a:t>
+            </a:r>
+            <a:r>
+              <a:rPr lang="en-US" dirty="0" err="1">
+                <a:latin typeface="Times New Roman" panose="02020603050405020304" pitchFamily="18" charset="0"/>
+                <a:cs typeface="Times New Roman" panose="02020603050405020304" pitchFamily="18" charset="0"/>
+              </a:rPr>
+              <a:t>nghĩa</a:t>
+            </a:r>
+            <a:r>
+              <a:rPr lang="en-US" dirty="0">
+                <a:latin typeface="Times New Roman" panose="02020603050405020304" pitchFamily="18" charset="0"/>
+                <a:cs typeface="Times New Roman" panose="02020603050405020304" pitchFamily="18" charset="0"/>
+              </a:rPr>
+              <a:t> </a:t>
+            </a:r>
+            <a:r>
+              <a:rPr lang="en-US" dirty="0" err="1">
+                <a:latin typeface="Times New Roman" panose="02020603050405020304" pitchFamily="18" charset="0"/>
+                <a:cs typeface="Times New Roman" panose="02020603050405020304" pitchFamily="18" charset="0"/>
+              </a:rPr>
+              <a:t>các</a:t>
+            </a:r>
+            <a:r>
+              <a:rPr lang="en-US" dirty="0">
+                <a:latin typeface="Times New Roman" panose="02020603050405020304" pitchFamily="18" charset="0"/>
+                <a:cs typeface="Times New Roman" panose="02020603050405020304" pitchFamily="18" charset="0"/>
+              </a:rPr>
+              <a:t> reducers </a:t>
+            </a:r>
+            <a:r>
+              <a:rPr lang="en-US" dirty="0" err="1">
+                <a:latin typeface="Times New Roman" panose="02020603050405020304" pitchFamily="18" charset="0"/>
+                <a:cs typeface="Times New Roman" panose="02020603050405020304" pitchFamily="18" charset="0"/>
+              </a:rPr>
+              <a:t>bất</a:t>
+            </a:r>
+            <a:r>
+              <a:rPr lang="en-US" dirty="0">
+                <a:latin typeface="Times New Roman" panose="02020603050405020304" pitchFamily="18" charset="0"/>
+                <a:cs typeface="Times New Roman" panose="02020603050405020304" pitchFamily="18" charset="0"/>
+              </a:rPr>
+              <a:t> </a:t>
+            </a:r>
+            <a:r>
+              <a:rPr lang="en-US" dirty="0" err="1">
+                <a:latin typeface="Times New Roman" panose="02020603050405020304" pitchFamily="18" charset="0"/>
+                <a:cs typeface="Times New Roman" panose="02020603050405020304" pitchFamily="18" charset="0"/>
+              </a:rPr>
+              <a:t>đồng</a:t>
+            </a:r>
+            <a:r>
+              <a:rPr lang="en-US" dirty="0">
+                <a:latin typeface="Times New Roman" panose="02020603050405020304" pitchFamily="18" charset="0"/>
+                <a:cs typeface="Times New Roman" panose="02020603050405020304" pitchFamily="18" charset="0"/>
+              </a:rPr>
+              <a:t> </a:t>
+            </a:r>
+            <a:r>
+              <a:rPr lang="en-US" dirty="0" err="1">
+                <a:latin typeface="Times New Roman" panose="02020603050405020304" pitchFamily="18" charset="0"/>
+                <a:cs typeface="Times New Roman" panose="02020603050405020304" pitchFamily="18" charset="0"/>
+              </a:rPr>
+              <a:t>bộ</a:t>
+            </a:r>
+            <a:r>
+              <a:rPr lang="en-US" dirty="0">
+                <a:latin typeface="Times New Roman" panose="02020603050405020304" pitchFamily="18" charset="0"/>
+                <a:cs typeface="Times New Roman" panose="02020603050405020304" pitchFamily="18" charset="0"/>
+              </a:rPr>
+              <a:t> </a:t>
+            </a:r>
+            <a:r>
+              <a:rPr lang="en-US" dirty="0" err="1">
+                <a:latin typeface="Times New Roman" panose="02020603050405020304" pitchFamily="18" charset="0"/>
+                <a:cs typeface="Times New Roman" panose="02020603050405020304" pitchFamily="18" charset="0"/>
+              </a:rPr>
+              <a:t>để</a:t>
+            </a:r>
+            <a:r>
+              <a:rPr lang="en-US" dirty="0">
+                <a:latin typeface="Times New Roman" panose="02020603050405020304" pitchFamily="18" charset="0"/>
+                <a:cs typeface="Times New Roman" panose="02020603050405020304" pitchFamily="18" charset="0"/>
+              </a:rPr>
+              <a:t> </a:t>
+            </a:r>
+            <a:r>
+              <a:rPr lang="en-US" dirty="0" err="1">
+                <a:latin typeface="Times New Roman" panose="02020603050405020304" pitchFamily="18" charset="0"/>
+                <a:cs typeface="Times New Roman" panose="02020603050405020304" pitchFamily="18" charset="0"/>
+              </a:rPr>
+              <a:t>xử</a:t>
+            </a:r>
+            <a:r>
+              <a:rPr lang="en-US" dirty="0">
+                <a:latin typeface="Times New Roman" panose="02020603050405020304" pitchFamily="18" charset="0"/>
+                <a:cs typeface="Times New Roman" panose="02020603050405020304" pitchFamily="18" charset="0"/>
+              </a:rPr>
+              <a:t> </a:t>
+            </a:r>
+            <a:r>
+              <a:rPr lang="en-US" dirty="0" err="1">
+                <a:latin typeface="Times New Roman" panose="02020603050405020304" pitchFamily="18" charset="0"/>
+                <a:cs typeface="Times New Roman" panose="02020603050405020304" pitchFamily="18" charset="0"/>
+              </a:rPr>
+              <a:t>lý</a:t>
+            </a:r>
+            <a:r>
+              <a:rPr lang="en-US" dirty="0">
+                <a:latin typeface="Times New Roman" panose="02020603050405020304" pitchFamily="18" charset="0"/>
+                <a:cs typeface="Times New Roman" panose="02020603050405020304" pitchFamily="18" charset="0"/>
+              </a:rPr>
+              <a:t> </a:t>
+            </a:r>
+            <a:r>
+              <a:rPr lang="en-US" dirty="0" err="1">
+                <a:latin typeface="Times New Roman" panose="02020603050405020304" pitchFamily="18" charset="0"/>
+                <a:cs typeface="Times New Roman" panose="02020603050405020304" pitchFamily="18" charset="0"/>
+              </a:rPr>
+              <a:t>các</a:t>
+            </a:r>
+            <a:r>
+              <a:rPr lang="en-US" dirty="0">
+                <a:latin typeface="Times New Roman" panose="02020603050405020304" pitchFamily="18" charset="0"/>
+                <a:cs typeface="Times New Roman" panose="02020603050405020304" pitchFamily="18" charset="0"/>
+              </a:rPr>
+              <a:t> </a:t>
+            </a:r>
+            <a:r>
+              <a:rPr lang="en-US" dirty="0" err="1">
+                <a:latin typeface="Times New Roman" panose="02020603050405020304" pitchFamily="18" charset="0"/>
+                <a:cs typeface="Times New Roman" panose="02020603050405020304" pitchFamily="18" charset="0"/>
+              </a:rPr>
+              <a:t>trạng</a:t>
+            </a:r>
+            <a:r>
+              <a:rPr lang="en-US" dirty="0">
+                <a:latin typeface="Times New Roman" panose="02020603050405020304" pitchFamily="18" charset="0"/>
+                <a:cs typeface="Times New Roman" panose="02020603050405020304" pitchFamily="18" charset="0"/>
+              </a:rPr>
+              <a:t> </a:t>
+            </a:r>
+            <a:r>
+              <a:rPr lang="en-US" dirty="0" err="1">
+                <a:latin typeface="Times New Roman" panose="02020603050405020304" pitchFamily="18" charset="0"/>
+                <a:cs typeface="Times New Roman" panose="02020603050405020304" pitchFamily="18" charset="0"/>
+              </a:rPr>
+              <a:t>thái</a:t>
+            </a:r>
+            <a:r>
+              <a:rPr lang="en-US" dirty="0">
+                <a:latin typeface="Times New Roman" panose="02020603050405020304" pitchFamily="18" charset="0"/>
+                <a:cs typeface="Times New Roman" panose="02020603050405020304" pitchFamily="18" charset="0"/>
+              </a:rPr>
+              <a:t> pending, fulfilled </a:t>
+            </a:r>
+            <a:r>
+              <a:rPr lang="en-US" dirty="0" err="1">
+                <a:latin typeface="Times New Roman" panose="02020603050405020304" pitchFamily="18" charset="0"/>
+                <a:cs typeface="Times New Roman" panose="02020603050405020304" pitchFamily="18" charset="0"/>
+              </a:rPr>
               <a:t>và</a:t>
             </a:r>
             <a:r>
@@ -19189,14 +18702,14 @@
                 <a:latin typeface="Times New Roman" panose="02020603050405020304" pitchFamily="18" charset="0"/>
                 <a:cs typeface="Times New Roman" panose="02020603050405020304" pitchFamily="18" charset="0"/>
               </a:rPr>
-              <a:t> </a:t>
+              <a:t> rejected </a:t>
             </a:r>
             <a:r>
               <a:rPr lang="en-US" dirty="0" err="1">
                 <a:latin typeface="Times New Roman" panose="02020603050405020304" pitchFamily="18" charset="0"/>
                 <a:cs typeface="Times New Roman" panose="02020603050405020304" pitchFamily="18" charset="0"/>
               </a:rPr>
-              <a:t>sử</a:t>
+              <a:t>của</a:t>
             </a:r>
             <a:r>
               <a:rPr lang="en-US" dirty="0">
@@ -19210,87 +18723,73 @@
                 <a:latin typeface="Times New Roman" panose="02020603050405020304" pitchFamily="18" charset="0"/>
                 <a:cs typeface="Times New Roman" panose="02020603050405020304" pitchFamily="18" charset="0"/>
               </a:rPr>
-              <a:t>dụng</a:t>
+              <a:t>async</a:t>
             </a:r>
             <a:r>
               <a:rPr lang="en-US" dirty="0">
                 <a:latin typeface="Times New Roman" panose="02020603050405020304" pitchFamily="18" charset="0"/>
                 <a:cs typeface="Times New Roman" panose="02020603050405020304" pitchFamily="18" charset="0"/>
               </a:rPr>
-              <a:t> reducer </a:t>
+              <a:t> </a:t>
             </a:r>
             <a:r>
               <a:rPr lang="en-US" dirty="0" err="1">
                 <a:latin typeface="Times New Roman" panose="02020603050405020304" pitchFamily="18" charset="0"/>
                 <a:cs typeface="Times New Roman" panose="02020603050405020304" pitchFamily="18" charset="0"/>
               </a:rPr>
-              <a:t>và</a:t>
-            </a:r>
-            <a:r>
-              <a:rPr lang="en-US" dirty="0">
-                <a:latin typeface="Times New Roman" panose="02020603050405020304" pitchFamily="18" charset="0"/>
-                <a:cs typeface="Times New Roman" panose="02020603050405020304" pitchFamily="18" charset="0"/>
-              </a:rPr>
-              <a:t> actions </a:t>
-            </a:r>
-            <a:r>
-              <a:rPr lang="en-US" dirty="0" err="1">
-                <a:latin typeface="Times New Roman" panose="02020603050405020304" pitchFamily="18" charset="0"/>
-                <a:cs typeface="Times New Roman" panose="02020603050405020304" pitchFamily="18" charset="0"/>
-              </a:rPr>
-              <a:t>của</a:t>
-            </a:r>
-            <a:r>
-              <a:rPr lang="en-US" dirty="0">
-                <a:latin typeface="Times New Roman" panose="02020603050405020304" pitchFamily="18" charset="0"/>
-                <a:cs typeface="Times New Roman" panose="02020603050405020304" pitchFamily="18" charset="0"/>
-              </a:rPr>
-              <a:t> </a:t>
-            </a:r>
-            <a:r>
-              <a:rPr lang="en-US" dirty="0" smtClean="0">
-                <a:latin typeface="Times New Roman" panose="02020603050405020304" pitchFamily="18" charset="0"/>
-                <a:cs typeface="Times New Roman" panose="02020603050405020304" pitchFamily="18" charset="0"/>
-              </a:rPr>
-              <a:t>Slice</a:t>
+              <a:t>thunks</a:t>
+            </a:r>
+            <a:r>
+              <a:rPr lang="en-US" dirty="0" smtClean="0">
+                <a:latin typeface="Times New Roman" panose="02020603050405020304" pitchFamily="18" charset="0"/>
+                <a:cs typeface="Times New Roman" panose="02020603050405020304" pitchFamily="18" charset="0"/>
+              </a:rPr>
+              <a:t>.</a:t>
             </a:r>
           </a:p>
           <a:p>
             <a:pPr lvl="1" algn="just"/>
             <a:r>
+              <a:rPr lang="en-US" sz="2000" dirty="0">
+                <a:latin typeface="Times New Roman" panose="02020603050405020304" pitchFamily="18" charset="0"/>
+                <a:cs typeface="Times New Roman" panose="02020603050405020304" pitchFamily="18" charset="0"/>
+              </a:rPr>
+              <a:t>.</a:t>
+            </a:r>
+            <a:r>
               <a:rPr lang="en-US" sz="2000" dirty="0" err="1">
                 <a:latin typeface="Times New Roman" panose="02020603050405020304" pitchFamily="18" charset="0"/>
                 <a:cs typeface="Times New Roman" panose="02020603050405020304" pitchFamily="18" charset="0"/>
               </a:rPr>
-              <a:t>userSlice.reducer</a:t>
+              <a:t>addCase</a:t>
             </a:r>
             <a:r>
               <a:rPr lang="en-US" sz="2000" dirty="0">
                 <a:latin typeface="Times New Roman" panose="02020603050405020304" pitchFamily="18" charset="0"/>
                 <a:cs typeface="Times New Roman" panose="02020603050405020304" pitchFamily="18" charset="0"/>
               </a:rPr>
-              <a:t>: Export reducer </a:t>
+              <a:t>(</a:t>
             </a:r>
             <a:r>
               <a:rPr lang="en-US" sz="2000" dirty="0" err="1">
                 <a:latin typeface="Times New Roman" panose="02020603050405020304" pitchFamily="18" charset="0"/>
                 <a:cs typeface="Times New Roman" panose="02020603050405020304" pitchFamily="18" charset="0"/>
               </a:rPr>
-              <a:t>của</a:t>
+              <a:t>getUserInfo.pending</a:t>
             </a:r>
             <a:r>
               <a:rPr lang="en-US" sz="2000" dirty="0">
                 <a:latin typeface="Times New Roman" panose="02020603050405020304" pitchFamily="18" charset="0"/>
                 <a:cs typeface="Times New Roman" panose="02020603050405020304" pitchFamily="18" charset="0"/>
               </a:rPr>
-              <a:t> Slice </a:t>
+              <a:t>, (state) =&gt; { ... }): </a:t>
             </a:r>
             <a:r>
               <a:rPr lang="en-US" sz="2000" dirty="0" err="1">
                 <a:latin typeface="Times New Roman" panose="02020603050405020304" pitchFamily="18" charset="0"/>
                 <a:cs typeface="Times New Roman" panose="02020603050405020304" pitchFamily="18" charset="0"/>
               </a:rPr>
-              <a:t>để</a:t>
+              <a:t>Xử</a:t>
             </a:r>
             <a:r>
               <a:rPr lang="en-US" sz="2000" dirty="0">
@@ -19304,7 +18803,7 @@
                 <a:latin typeface="Times New Roman" panose="02020603050405020304" pitchFamily="18" charset="0"/>
                 <a:cs typeface="Times New Roman" panose="02020603050405020304" pitchFamily="18" charset="0"/>
               </a:rPr>
-              <a:t>sử</a:t>
+              <a:t>lý</a:t>
             </a:r>
             <a:r>
               <a:rPr lang="en-US" sz="2000" dirty="0">
@@ -19318,7 +18817,7 @@
                 <a:latin typeface="Times New Roman" panose="02020603050405020304" pitchFamily="18" charset="0"/>
                 <a:cs typeface="Times New Roman" panose="02020603050405020304" pitchFamily="18" charset="0"/>
               </a:rPr>
-              <a:t>dụng</a:t>
+              <a:t>khi</a:t>
             </a:r>
             <a:r>
               <a:rPr lang="en-US" sz="2000" dirty="0">
@@ -19332,6 +18831,303 @@
                 <a:latin typeface="Times New Roman" panose="02020603050405020304" pitchFamily="18" charset="0"/>
                 <a:cs typeface="Times New Roman" panose="02020603050405020304" pitchFamily="18" charset="0"/>
               </a:rPr>
+              <a:t>getUserInfo</a:t>
+            </a:r>
+            <a:r>
+              <a:rPr lang="en-US" sz="2000" dirty="0">
+                <a:latin typeface="Times New Roman" panose="02020603050405020304" pitchFamily="18" charset="0"/>
+                <a:cs typeface="Times New Roman" panose="02020603050405020304" pitchFamily="18" charset="0"/>
+              </a:rPr>
+              <a:t> </a:t>
+            </a:r>
+            <a:r>
+              <a:rPr lang="en-US" sz="2000" dirty="0" err="1">
+                <a:latin typeface="Times New Roman" panose="02020603050405020304" pitchFamily="18" charset="0"/>
+                <a:cs typeface="Times New Roman" panose="02020603050405020304" pitchFamily="18" charset="0"/>
+              </a:rPr>
+              <a:t>đang</a:t>
+            </a:r>
+            <a:r>
+              <a:rPr lang="en-US" sz="2000" dirty="0">
+                <a:latin typeface="Times New Roman" panose="02020603050405020304" pitchFamily="18" charset="0"/>
+                <a:cs typeface="Times New Roman" panose="02020603050405020304" pitchFamily="18" charset="0"/>
+              </a:rPr>
+              <a:t> </a:t>
+            </a:r>
+            <a:r>
+              <a:rPr lang="en-US" sz="2000" dirty="0" err="1">
+                <a:latin typeface="Times New Roman" panose="02020603050405020304" pitchFamily="18" charset="0"/>
+                <a:cs typeface="Times New Roman" panose="02020603050405020304" pitchFamily="18" charset="0"/>
+              </a:rPr>
+              <a:t>trong</a:t>
+            </a:r>
+            <a:r>
+              <a:rPr lang="en-US" sz="2000" dirty="0">
+                <a:latin typeface="Times New Roman" panose="02020603050405020304" pitchFamily="18" charset="0"/>
+                <a:cs typeface="Times New Roman" panose="02020603050405020304" pitchFamily="18" charset="0"/>
+              </a:rPr>
+              <a:t> </a:t>
+            </a:r>
+            <a:r>
+              <a:rPr lang="en-US" sz="2000" dirty="0" err="1">
+                <a:latin typeface="Times New Roman" panose="02020603050405020304" pitchFamily="18" charset="0"/>
+                <a:cs typeface="Times New Roman" panose="02020603050405020304" pitchFamily="18" charset="0"/>
+              </a:rPr>
+              <a:t>quá</a:t>
+            </a:r>
+            <a:r>
+              <a:rPr lang="en-US" sz="2000" dirty="0">
+                <a:latin typeface="Times New Roman" panose="02020603050405020304" pitchFamily="18" charset="0"/>
+                <a:cs typeface="Times New Roman" panose="02020603050405020304" pitchFamily="18" charset="0"/>
+              </a:rPr>
+              <a:t> </a:t>
+            </a:r>
+            <a:r>
+              <a:rPr lang="en-US" sz="2000" dirty="0" err="1">
+                <a:latin typeface="Times New Roman" panose="02020603050405020304" pitchFamily="18" charset="0"/>
+                <a:cs typeface="Times New Roman" panose="02020603050405020304" pitchFamily="18" charset="0"/>
+              </a:rPr>
+              <a:t>trình</a:t>
+            </a:r>
+            <a:r>
+              <a:rPr lang="en-US" sz="2000" dirty="0">
+                <a:latin typeface="Times New Roman" panose="02020603050405020304" pitchFamily="18" charset="0"/>
+                <a:cs typeface="Times New Roman" panose="02020603050405020304" pitchFamily="18" charset="0"/>
+              </a:rPr>
+              <a:t> </a:t>
+            </a:r>
+            <a:r>
+              <a:rPr lang="en-US" sz="2000" dirty="0" err="1">
+                <a:latin typeface="Times New Roman" panose="02020603050405020304" pitchFamily="18" charset="0"/>
+                <a:cs typeface="Times New Roman" panose="02020603050405020304" pitchFamily="18" charset="0"/>
+              </a:rPr>
+              <a:t>chờ</a:t>
+            </a:r>
+            <a:r>
+              <a:rPr lang="en-US" sz="2000" dirty="0">
+                <a:latin typeface="Times New Roman" panose="02020603050405020304" pitchFamily="18" charset="0"/>
+                <a:cs typeface="Times New Roman" panose="02020603050405020304" pitchFamily="18" charset="0"/>
+              </a:rPr>
+              <a:t> (pending), </a:t>
+            </a:r>
+            <a:r>
+              <a:rPr lang="en-US" sz="2000" dirty="0" err="1">
+                <a:latin typeface="Times New Roman" panose="02020603050405020304" pitchFamily="18" charset="0"/>
+                <a:cs typeface="Times New Roman" panose="02020603050405020304" pitchFamily="18" charset="0"/>
+              </a:rPr>
+              <a:t>có</a:t>
+            </a:r>
+            <a:r>
+              <a:rPr lang="en-US" sz="2000" dirty="0">
+                <a:latin typeface="Times New Roman" panose="02020603050405020304" pitchFamily="18" charset="0"/>
+                <a:cs typeface="Times New Roman" panose="02020603050405020304" pitchFamily="18" charset="0"/>
+              </a:rPr>
+              <a:t> </a:t>
+            </a:r>
+            <a:r>
+              <a:rPr lang="en-US" sz="2000" dirty="0" err="1">
+                <a:latin typeface="Times New Roman" panose="02020603050405020304" pitchFamily="18" charset="0"/>
+                <a:cs typeface="Times New Roman" panose="02020603050405020304" pitchFamily="18" charset="0"/>
+              </a:rPr>
+              <a:t>thể</a:t>
+            </a:r>
+            <a:r>
+              <a:rPr lang="en-US" sz="2000" dirty="0">
+                <a:latin typeface="Times New Roman" panose="02020603050405020304" pitchFamily="18" charset="0"/>
+                <a:cs typeface="Times New Roman" panose="02020603050405020304" pitchFamily="18" charset="0"/>
+              </a:rPr>
+              <a:t> </a:t>
+            </a:r>
+            <a:r>
+              <a:rPr lang="en-US" sz="2000" dirty="0" err="1">
+                <a:latin typeface="Times New Roman" panose="02020603050405020304" pitchFamily="18" charset="0"/>
+                <a:cs typeface="Times New Roman" panose="02020603050405020304" pitchFamily="18" charset="0"/>
+              </a:rPr>
+              <a:t>không</a:t>
+            </a:r>
+            <a:r>
+              <a:rPr lang="en-US" sz="2000" dirty="0">
+                <a:latin typeface="Times New Roman" panose="02020603050405020304" pitchFamily="18" charset="0"/>
+                <a:cs typeface="Times New Roman" panose="02020603050405020304" pitchFamily="18" charset="0"/>
+              </a:rPr>
+              <a:t> </a:t>
+            </a:r>
+            <a:r>
+              <a:rPr lang="en-US" sz="2000" dirty="0" err="1">
+                <a:latin typeface="Times New Roman" panose="02020603050405020304" pitchFamily="18" charset="0"/>
+                <a:cs typeface="Times New Roman" panose="02020603050405020304" pitchFamily="18" charset="0"/>
+              </a:rPr>
+              <a:t>làm</a:t>
+            </a:r>
+            <a:r>
+              <a:rPr lang="en-US" sz="2000" dirty="0">
+                <a:latin typeface="Times New Roman" panose="02020603050405020304" pitchFamily="18" charset="0"/>
+                <a:cs typeface="Times New Roman" panose="02020603050405020304" pitchFamily="18" charset="0"/>
+              </a:rPr>
+              <a:t> </a:t>
+            </a:r>
+            <a:r>
+              <a:rPr lang="en-US" sz="2000" dirty="0" err="1">
+                <a:latin typeface="Times New Roman" panose="02020603050405020304" pitchFamily="18" charset="0"/>
+                <a:cs typeface="Times New Roman" panose="02020603050405020304" pitchFamily="18" charset="0"/>
+              </a:rPr>
+              <a:t>gì</a:t>
+            </a:r>
+            <a:r>
+              <a:rPr lang="en-US" sz="2000" dirty="0">
+                <a:latin typeface="Times New Roman" panose="02020603050405020304" pitchFamily="18" charset="0"/>
+                <a:cs typeface="Times New Roman" panose="02020603050405020304" pitchFamily="18" charset="0"/>
+              </a:rPr>
+              <a:t> </a:t>
+            </a:r>
+            <a:r>
+              <a:rPr lang="en-US" sz="2000" dirty="0" err="1">
+                <a:latin typeface="Times New Roman" panose="02020603050405020304" pitchFamily="18" charset="0"/>
+                <a:cs typeface="Times New Roman" panose="02020603050405020304" pitchFamily="18" charset="0"/>
+              </a:rPr>
+              <a:t>nếu</a:t>
+            </a:r>
+            <a:r>
+              <a:rPr lang="en-US" sz="2000" dirty="0">
+                <a:latin typeface="Times New Roman" panose="02020603050405020304" pitchFamily="18" charset="0"/>
+                <a:cs typeface="Times New Roman" panose="02020603050405020304" pitchFamily="18" charset="0"/>
+              </a:rPr>
+              <a:t> </a:t>
+            </a:r>
+            <a:r>
+              <a:rPr lang="en-US" sz="2000" dirty="0" err="1">
+                <a:latin typeface="Times New Roman" panose="02020603050405020304" pitchFamily="18" charset="0"/>
+                <a:cs typeface="Times New Roman" panose="02020603050405020304" pitchFamily="18" charset="0"/>
+              </a:rPr>
+              <a:t>không</a:t>
+            </a:r>
+            <a:r>
+              <a:rPr lang="en-US" sz="2000" dirty="0">
+                <a:latin typeface="Times New Roman" panose="02020603050405020304" pitchFamily="18" charset="0"/>
+                <a:cs typeface="Times New Roman" panose="02020603050405020304" pitchFamily="18" charset="0"/>
+              </a:rPr>
+              <a:t> </a:t>
+            </a:r>
+            <a:r>
+              <a:rPr lang="en-US" sz="2000" dirty="0" err="1">
+                <a:latin typeface="Times New Roman" panose="02020603050405020304" pitchFamily="18" charset="0"/>
+                <a:cs typeface="Times New Roman" panose="02020603050405020304" pitchFamily="18" charset="0"/>
+              </a:rPr>
+              <a:t>cần</a:t>
+            </a:r>
+            <a:r>
+              <a:rPr lang="en-US" sz="2000" dirty="0">
+                <a:latin typeface="Times New Roman" panose="02020603050405020304" pitchFamily="18" charset="0"/>
+                <a:cs typeface="Times New Roman" panose="02020603050405020304" pitchFamily="18" charset="0"/>
+              </a:rPr>
+              <a:t> </a:t>
+            </a:r>
+            <a:r>
+              <a:rPr lang="en-US" sz="2000" dirty="0" err="1">
+                <a:latin typeface="Times New Roman" panose="02020603050405020304" pitchFamily="18" charset="0"/>
+                <a:cs typeface="Times New Roman" panose="02020603050405020304" pitchFamily="18" charset="0"/>
+              </a:rPr>
+              <a:t>thiết</a:t>
+            </a:r>
+            <a:r>
+              <a:rPr lang="en-US" sz="2000" dirty="0" smtClean="0">
+                <a:latin typeface="Times New Roman" panose="02020603050405020304" pitchFamily="18" charset="0"/>
+                <a:cs typeface="Times New Roman" panose="02020603050405020304" pitchFamily="18" charset="0"/>
+              </a:rPr>
+              <a:t>.</a:t>
+            </a:r>
+          </a:p>
+          <a:p>
+            <a:pPr lvl="1" algn="just"/>
+            <a:r>
+              <a:rPr lang="vi-VN" sz="2000" dirty="0">
+                <a:latin typeface="Times New Roman" panose="02020603050405020304" pitchFamily="18" charset="0"/>
+                <a:cs typeface="Times New Roman" panose="02020603050405020304" pitchFamily="18" charset="0"/>
+              </a:rPr>
+              <a:t>.addCase(getUserInfo.fulfilled, (state, action: any) =&gt; { ... }): Xử lý khi getUserInfo đã thành công (fulfilled), cập nhật state.userInfo với dữ liệu nhận được từ payload của action</a:t>
+            </a:r>
+            <a:r>
+              <a:rPr lang="vi-VN" sz="2000" dirty="0" smtClean="0">
+                <a:latin typeface="Times New Roman" panose="02020603050405020304" pitchFamily="18" charset="0"/>
+                <a:cs typeface="Times New Roman" panose="02020603050405020304" pitchFamily="18" charset="0"/>
+              </a:rPr>
+              <a:t>.</a:t>
+            </a:r>
+            <a:endParaRPr lang="en-US" sz="2000" dirty="0" smtClean="0">
+              <a:latin typeface="Times New Roman" panose="02020603050405020304" pitchFamily="18" charset="0"/>
+              <a:cs typeface="Times New Roman" panose="02020603050405020304" pitchFamily="18" charset="0"/>
+            </a:endParaRPr>
+          </a:p>
+          <a:p>
+            <a:pPr lvl="1" algn="just"/>
+            <a:r>
+              <a:rPr lang="en-US" sz="2000" dirty="0">
+                <a:latin typeface="Times New Roman" panose="02020603050405020304" pitchFamily="18" charset="0"/>
+                <a:cs typeface="Times New Roman" panose="02020603050405020304" pitchFamily="18" charset="0"/>
+              </a:rPr>
+              <a:t>.</a:t>
+            </a:r>
+            <a:r>
+              <a:rPr lang="en-US" sz="2000" dirty="0" err="1">
+                <a:latin typeface="Times New Roman" panose="02020603050405020304" pitchFamily="18" charset="0"/>
+                <a:cs typeface="Times New Roman" panose="02020603050405020304" pitchFamily="18" charset="0"/>
+              </a:rPr>
+              <a:t>addCase</a:t>
+            </a:r>
+            <a:r>
+              <a:rPr lang="en-US" sz="2000" dirty="0">
+                <a:latin typeface="Times New Roman" panose="02020603050405020304" pitchFamily="18" charset="0"/>
+                <a:cs typeface="Times New Roman" panose="02020603050405020304" pitchFamily="18" charset="0"/>
+              </a:rPr>
+              <a:t>(</a:t>
+            </a:r>
+            <a:r>
+              <a:rPr lang="en-US" sz="2000" dirty="0" err="1">
+                <a:latin typeface="Times New Roman" panose="02020603050405020304" pitchFamily="18" charset="0"/>
+                <a:cs typeface="Times New Roman" panose="02020603050405020304" pitchFamily="18" charset="0"/>
+              </a:rPr>
+              <a:t>getUserInfo.rejected</a:t>
+            </a:r>
+            <a:r>
+              <a:rPr lang="en-US" sz="2000" dirty="0">
+                <a:latin typeface="Times New Roman" panose="02020603050405020304" pitchFamily="18" charset="0"/>
+                <a:cs typeface="Times New Roman" panose="02020603050405020304" pitchFamily="18" charset="0"/>
+              </a:rPr>
+              <a:t>, (state, action: any) =&gt; { ... }): </a:t>
+            </a:r>
+            <a:r>
+              <a:rPr lang="en-US" sz="2000" dirty="0" err="1">
+                <a:latin typeface="Times New Roman" panose="02020603050405020304" pitchFamily="18" charset="0"/>
+                <a:cs typeface="Times New Roman" panose="02020603050405020304" pitchFamily="18" charset="0"/>
+              </a:rPr>
+              <a:t>Xử</a:t>
+            </a:r>
+            <a:r>
+              <a:rPr lang="en-US" sz="2000" dirty="0">
+                <a:latin typeface="Times New Roman" panose="02020603050405020304" pitchFamily="18" charset="0"/>
+                <a:cs typeface="Times New Roman" panose="02020603050405020304" pitchFamily="18" charset="0"/>
+              </a:rPr>
+              <a:t> </a:t>
+            </a:r>
+            <a:r>
+              <a:rPr lang="en-US" sz="2000" dirty="0" err="1">
+                <a:latin typeface="Times New Roman" panose="02020603050405020304" pitchFamily="18" charset="0"/>
+                <a:cs typeface="Times New Roman" panose="02020603050405020304" pitchFamily="18" charset="0"/>
+              </a:rPr>
+              <a:t>lý</a:t>
+            </a:r>
+            <a:r>
+              <a:rPr lang="en-US" sz="2000" dirty="0">
+                <a:latin typeface="Times New Roman" panose="02020603050405020304" pitchFamily="18" charset="0"/>
+                <a:cs typeface="Times New Roman" panose="02020603050405020304" pitchFamily="18" charset="0"/>
+              </a:rPr>
+              <a:t> </a:t>
+            </a:r>
+            <a:r>
+              <a:rPr lang="en-US" sz="2000" dirty="0" err="1">
+                <a:latin typeface="Times New Roman" panose="02020603050405020304" pitchFamily="18" charset="0"/>
+                <a:cs typeface="Times New Roman" panose="02020603050405020304" pitchFamily="18" charset="0"/>
+              </a:rPr>
               <a:t>khi</a:t>
             </a:r>
             <a:r>
@@ -19346,80 +19142,77 @@
                 <a:latin typeface="Times New Roman" panose="02020603050405020304" pitchFamily="18" charset="0"/>
                 <a:cs typeface="Times New Roman" panose="02020603050405020304" pitchFamily="18" charset="0"/>
               </a:rPr>
-              <a:t>tạo</a:t>
+              <a:t>getUserInfo</a:t>
             </a:r>
             <a:r>
               <a:rPr lang="en-US" sz="2000" dirty="0">
                 <a:latin typeface="Times New Roman" panose="02020603050405020304" pitchFamily="18" charset="0"/>
                 <a:cs typeface="Times New Roman" panose="02020603050405020304" pitchFamily="18" charset="0"/>
               </a:rPr>
-              <a:t> store </a:t>
+              <a:t> </a:t>
             </a:r>
             <a:r>
               <a:rPr lang="en-US" sz="2000" dirty="0" err="1">
                 <a:latin typeface="Times New Roman" panose="02020603050405020304" pitchFamily="18" charset="0"/>
                 <a:cs typeface="Times New Roman" panose="02020603050405020304" pitchFamily="18" charset="0"/>
               </a:rPr>
-              <a:t>Redux</a:t>
-            </a:r>
-            <a:r>
-              <a:rPr lang="en-US" sz="2000" dirty="0" smtClean="0">
-                <a:latin typeface="Times New Roman" panose="02020603050405020304" pitchFamily="18" charset="0"/>
-                <a:cs typeface="Times New Roman" panose="02020603050405020304" pitchFamily="18" charset="0"/>
-              </a:rPr>
-              <a:t>.</a:t>
-            </a:r>
-          </a:p>
-          <a:p>
-            <a:pPr lvl="1" algn="just"/>
+              <a:t>thất</a:t>
+            </a:r>
+            <a:r>
+              <a:rPr lang="en-US" sz="2000" dirty="0">
+                <a:latin typeface="Times New Roman" panose="02020603050405020304" pitchFamily="18" charset="0"/>
+                <a:cs typeface="Times New Roman" panose="02020603050405020304" pitchFamily="18" charset="0"/>
+              </a:rPr>
+              <a:t> </a:t>
+            </a:r>
             <a:r>
               <a:rPr lang="en-US" sz="2000" dirty="0" err="1">
                 <a:latin typeface="Times New Roman" panose="02020603050405020304" pitchFamily="18" charset="0"/>
                 <a:cs typeface="Times New Roman" panose="02020603050405020304" pitchFamily="18" charset="0"/>
               </a:rPr>
-              <a:t>userSlice.actions</a:t>
+              <a:t>bại</a:t>
             </a:r>
             <a:r>
               <a:rPr lang="en-US" sz="2000" dirty="0">
                 <a:latin typeface="Times New Roman" panose="02020603050405020304" pitchFamily="18" charset="0"/>
                 <a:cs typeface="Times New Roman" panose="02020603050405020304" pitchFamily="18" charset="0"/>
               </a:rPr>
-              <a:t>: Export </a:t>
+              <a:t> (rejected), </a:t>
             </a:r>
             <a:r>
               <a:rPr lang="en-US" sz="2000" dirty="0" err="1">
                 <a:latin typeface="Times New Roman" panose="02020603050405020304" pitchFamily="18" charset="0"/>
                 <a:cs typeface="Times New Roman" panose="02020603050405020304" pitchFamily="18" charset="0"/>
               </a:rPr>
-              <a:t>các</a:t>
+              <a:t>đặt</a:t>
             </a:r>
             <a:r>
               <a:rPr lang="en-US" sz="2000" dirty="0">
                 <a:latin typeface="Times New Roman" panose="02020603050405020304" pitchFamily="18" charset="0"/>
                 <a:cs typeface="Times New Roman" panose="02020603050405020304" pitchFamily="18" charset="0"/>
               </a:rPr>
-              <a:t> actions </a:t>
+              <a:t> </a:t>
             </a:r>
             <a:r>
               <a:rPr lang="en-US" sz="2000" dirty="0" err="1">
                 <a:latin typeface="Times New Roman" panose="02020603050405020304" pitchFamily="18" charset="0"/>
                 <a:cs typeface="Times New Roman" panose="02020603050405020304" pitchFamily="18" charset="0"/>
               </a:rPr>
-              <a:t>của</a:t>
+              <a:t>state.userInfo</a:t>
             </a:r>
             <a:r>
               <a:rPr lang="en-US" sz="2000" dirty="0">
                 <a:latin typeface="Times New Roman" panose="02020603050405020304" pitchFamily="18" charset="0"/>
                 <a:cs typeface="Times New Roman" panose="02020603050405020304" pitchFamily="18" charset="0"/>
               </a:rPr>
-              <a:t> Slice </a:t>
+              <a:t> </a:t>
             </a:r>
             <a:r>
               <a:rPr lang="en-US" sz="2000" dirty="0" err="1">
                 <a:latin typeface="Times New Roman" panose="02020603050405020304" pitchFamily="18" charset="0"/>
                 <a:cs typeface="Times New Roman" panose="02020603050405020304" pitchFamily="18" charset="0"/>
               </a:rPr>
-              <a:t>để</a:t>
+              <a:t>thành</a:t>
             </a:r>
             <a:r>
               <a:rPr lang="en-US" sz="2000" dirty="0">
@@ -19433,21 +19226,21 @@
                 <a:latin typeface="Times New Roman" panose="02020603050405020304" pitchFamily="18" charset="0"/>
                 <a:cs typeface="Times New Roman" panose="02020603050405020304" pitchFamily="18" charset="0"/>
               </a:rPr>
-              <a:t>sử</a:t>
+              <a:t>một</a:t>
             </a:r>
             <a:r>
               <a:rPr lang="en-US" sz="2000" dirty="0">
                 <a:latin typeface="Times New Roman" panose="02020603050405020304" pitchFamily="18" charset="0"/>
                 <a:cs typeface="Times New Roman" panose="02020603050405020304" pitchFamily="18" charset="0"/>
               </a:rPr>
-              <a:t> </a:t>
+              <a:t> object </a:t>
             </a:r>
             <a:r>
               <a:rPr lang="en-US" sz="2000" dirty="0" err="1">
                 <a:latin typeface="Times New Roman" panose="02020603050405020304" pitchFamily="18" charset="0"/>
                 <a:cs typeface="Times New Roman" panose="02020603050405020304" pitchFamily="18" charset="0"/>
               </a:rPr>
-              <a:t>dụng</a:t>
+              <a:t>rỗng</a:t>
             </a:r>
             <a:r>
               <a:rPr lang="en-US" sz="2000" dirty="0">
@@ -19457,109 +19250,11 @@
               <a:t> </a:t>
             </a:r>
             <a:r>
-              <a:rPr lang="en-US" sz="2000" dirty="0" err="1">
-                <a:latin typeface="Times New Roman" panose="02020603050405020304" pitchFamily="18" charset="0"/>
-                <a:cs typeface="Times New Roman" panose="02020603050405020304" pitchFamily="18" charset="0"/>
-              </a:rPr>
-              <a:t>trong</a:t>
-            </a:r>
-            <a:r>
-              <a:rPr lang="en-US" sz="2000" dirty="0">
-                <a:latin typeface="Times New Roman" panose="02020603050405020304" pitchFamily="18" charset="0"/>
-                <a:cs typeface="Times New Roman" panose="02020603050405020304" pitchFamily="18" charset="0"/>
-              </a:rPr>
-              <a:t> </a:t>
-            </a:r>
-            <a:r>
-              <a:rPr lang="en-US" sz="2000" dirty="0" err="1">
-                <a:latin typeface="Times New Roman" panose="02020603050405020304" pitchFamily="18" charset="0"/>
-                <a:cs typeface="Times New Roman" panose="02020603050405020304" pitchFamily="18" charset="0"/>
-              </a:rPr>
-              <a:t>các</a:t>
-            </a:r>
-            <a:r>
-              <a:rPr lang="en-US" sz="2000" dirty="0">
-                <a:latin typeface="Times New Roman" panose="02020603050405020304" pitchFamily="18" charset="0"/>
-                <a:cs typeface="Times New Roman" panose="02020603050405020304" pitchFamily="18" charset="0"/>
-              </a:rPr>
-              <a:t> components React </a:t>
-            </a:r>
-            <a:r>
-              <a:rPr lang="en-US" sz="2000" dirty="0" err="1">
-                <a:latin typeface="Times New Roman" panose="02020603050405020304" pitchFamily="18" charset="0"/>
-                <a:cs typeface="Times New Roman" panose="02020603050405020304" pitchFamily="18" charset="0"/>
-              </a:rPr>
-              <a:t>để</a:t>
-            </a:r>
-            <a:r>
-              <a:rPr lang="en-US" sz="2000" dirty="0">
-                <a:latin typeface="Times New Roman" panose="02020603050405020304" pitchFamily="18" charset="0"/>
-                <a:cs typeface="Times New Roman" panose="02020603050405020304" pitchFamily="18" charset="0"/>
-              </a:rPr>
-              <a:t> dispatch </a:t>
-            </a:r>
-            <a:r>
-              <a:rPr lang="en-US" sz="2000" dirty="0" err="1">
-                <a:latin typeface="Times New Roman" panose="02020603050405020304" pitchFamily="18" charset="0"/>
-                <a:cs typeface="Times New Roman" panose="02020603050405020304" pitchFamily="18" charset="0"/>
-              </a:rPr>
-              <a:t>các</a:t>
-            </a:r>
-            <a:r>
-              <a:rPr lang="en-US" sz="2000" dirty="0">
-                <a:latin typeface="Times New Roman" panose="02020603050405020304" pitchFamily="18" charset="0"/>
-                <a:cs typeface="Times New Roman" panose="02020603050405020304" pitchFamily="18" charset="0"/>
-              </a:rPr>
-              <a:t> actions </a:t>
-            </a:r>
-            <a:r>
-              <a:rPr lang="en-US" sz="2000" dirty="0" err="1">
-                <a:latin typeface="Times New Roman" panose="02020603050405020304" pitchFamily="18" charset="0"/>
-                <a:cs typeface="Times New Roman" panose="02020603050405020304" pitchFamily="18" charset="0"/>
-              </a:rPr>
-              <a:t>và</a:t>
-            </a:r>
-            <a:r>
-              <a:rPr lang="en-US" sz="2000" dirty="0">
-                <a:latin typeface="Times New Roman" panose="02020603050405020304" pitchFamily="18" charset="0"/>
-                <a:cs typeface="Times New Roman" panose="02020603050405020304" pitchFamily="18" charset="0"/>
-              </a:rPr>
-              <a:t> </a:t>
-            </a:r>
-            <a:r>
-              <a:rPr lang="en-US" sz="2000" dirty="0" err="1">
-                <a:latin typeface="Times New Roman" panose="02020603050405020304" pitchFamily="18" charset="0"/>
-                <a:cs typeface="Times New Roman" panose="02020603050405020304" pitchFamily="18" charset="0"/>
-              </a:rPr>
-              <a:t>cập</a:t>
-            </a:r>
-            <a:r>
-              <a:rPr lang="en-US" sz="2000" dirty="0">
-                <a:latin typeface="Times New Roman" panose="02020603050405020304" pitchFamily="18" charset="0"/>
-                <a:cs typeface="Times New Roman" panose="02020603050405020304" pitchFamily="18" charset="0"/>
-              </a:rPr>
-              <a:t> </a:t>
-            </a:r>
-            <a:r>
-              <a:rPr lang="en-US" sz="2000" dirty="0" err="1">
-                <a:latin typeface="Times New Roman" panose="02020603050405020304" pitchFamily="18" charset="0"/>
-                <a:cs typeface="Times New Roman" panose="02020603050405020304" pitchFamily="18" charset="0"/>
-              </a:rPr>
-              <a:t>nhật</a:t>
-            </a:r>
-            <a:r>
-              <a:rPr lang="en-US" sz="2000" dirty="0">
-                <a:latin typeface="Times New Roman" panose="02020603050405020304" pitchFamily="18" charset="0"/>
-                <a:cs typeface="Times New Roman" panose="02020603050405020304" pitchFamily="18" charset="0"/>
-              </a:rPr>
-              <a:t> state</a:t>
-            </a:r>
-            <a:r>
-              <a:rPr lang="en-US" sz="2000" dirty="0" smtClean="0">
-                <a:latin typeface="Times New Roman" panose="02020603050405020304" pitchFamily="18" charset="0"/>
-                <a:cs typeface="Times New Roman" panose="02020603050405020304" pitchFamily="18" charset="0"/>
-              </a:rPr>
-              <a:t>.</a:t>
+              <a:rPr lang="en-US" sz="2000" dirty="0" smtClean="0">
+                <a:latin typeface="Times New Roman" panose="02020603050405020304" pitchFamily="18" charset="0"/>
+                <a:cs typeface="Times New Roman" panose="02020603050405020304" pitchFamily="18" charset="0"/>
+              </a:rPr>
+              <a:t>{}.</a:t>
             </a:r>
           </a:p>
         </p:txBody>
@@ -19567,7 +19262,7 @@
     </p:spTree>
     <p:extLst>
       <p:ext uri="{BB962C8B-B14F-4D97-AF65-F5344CB8AC3E}">
-        <p14:creationId xmlns:p14="http://schemas.microsoft.com/office/powerpoint/2010/main" val="2559931368"/>
+        <p14:creationId xmlns:p14="http://schemas.microsoft.com/office/powerpoint/2010/main" val="4006870124"/>
       </p:ext>
     </p:extLst>
   </p:cSld>
@@ -19617,6 +19312,509 @@
           <a:lstStyle/>
           <a:p>
             <a:r>
+              <a:rPr lang="en-US" dirty="0" err="1">
+                <a:latin typeface="Times New Roman" panose="02020603050405020304" pitchFamily="18" charset="0"/>
+                <a:cs typeface="Times New Roman" panose="02020603050405020304" pitchFamily="18" charset="0"/>
+              </a:rPr>
+              <a:t>Redux</a:t>
+            </a:r>
+            <a:r>
+              <a:rPr lang="en-US" dirty="0">
+                <a:latin typeface="Times New Roman" panose="02020603050405020304" pitchFamily="18" charset="0"/>
+                <a:cs typeface="Times New Roman" panose="02020603050405020304" pitchFamily="18" charset="0"/>
+              </a:rPr>
+              <a:t> </a:t>
+            </a:r>
+            <a:r>
+              <a:rPr lang="en-US" dirty="0" smtClean="0">
+                <a:latin typeface="Times New Roman" panose="02020603050405020304" pitchFamily="18" charset="0"/>
+                <a:cs typeface="Times New Roman" panose="02020603050405020304" pitchFamily="18" charset="0"/>
+              </a:rPr>
+              <a:t>toolkit</a:t>
+            </a:r>
+            <a:endParaRPr lang="en-US" dirty="0"/>
+          </a:p>
+        </p:txBody>
+      </p:sp>
+      <p:sp>
+        <p:nvSpPr>
+          <p:cNvPr id="3" name="Content Placeholder 2"/>
+          <p:cNvSpPr>
+            <a:spLocks noGrp="1"/>
+          </p:cNvSpPr>
+          <p:nvPr>
+            <p:ph idx="1"/>
+          </p:nvPr>
+        </p:nvSpPr>
+        <p:spPr/>
+        <p:txBody>
+          <a:bodyPr>
+            <a:normAutofit/>
+          </a:bodyPr>
+          <a:lstStyle/>
+          <a:p>
+            <a:pPr algn="just"/>
+            <a:r>
+              <a:rPr lang="en-US" dirty="0" smtClean="0">
+                <a:latin typeface="Times New Roman" panose="02020603050405020304" pitchFamily="18" charset="0"/>
+                <a:cs typeface="Times New Roman" panose="02020603050405020304" pitchFamily="18" charset="0"/>
+              </a:rPr>
+              <a:t>- </a:t>
+            </a:r>
+            <a:r>
+              <a:rPr lang="en-US" dirty="0" err="1">
+                <a:latin typeface="Times New Roman" panose="02020603050405020304" pitchFamily="18" charset="0"/>
+                <a:cs typeface="Times New Roman" panose="02020603050405020304" pitchFamily="18" charset="0"/>
+              </a:rPr>
+              <a:t>Xuất</a:t>
+            </a:r>
+            <a:r>
+              <a:rPr lang="en-US" dirty="0">
+                <a:latin typeface="Times New Roman" panose="02020603050405020304" pitchFamily="18" charset="0"/>
+                <a:cs typeface="Times New Roman" panose="02020603050405020304" pitchFamily="18" charset="0"/>
+              </a:rPr>
+              <a:t> </a:t>
+            </a:r>
+            <a:r>
+              <a:rPr lang="en-US" dirty="0" err="1">
+                <a:latin typeface="Times New Roman" panose="02020603050405020304" pitchFamily="18" charset="0"/>
+                <a:cs typeface="Times New Roman" panose="02020603050405020304" pitchFamily="18" charset="0"/>
+              </a:rPr>
+              <a:t>và</a:t>
+            </a:r>
+            <a:r>
+              <a:rPr lang="en-US" dirty="0">
+                <a:latin typeface="Times New Roman" panose="02020603050405020304" pitchFamily="18" charset="0"/>
+                <a:cs typeface="Times New Roman" panose="02020603050405020304" pitchFamily="18" charset="0"/>
+              </a:rPr>
+              <a:t> </a:t>
+            </a:r>
+            <a:r>
+              <a:rPr lang="en-US" dirty="0" err="1">
+                <a:latin typeface="Times New Roman" panose="02020603050405020304" pitchFamily="18" charset="0"/>
+                <a:cs typeface="Times New Roman" panose="02020603050405020304" pitchFamily="18" charset="0"/>
+              </a:rPr>
+              <a:t>sử</a:t>
+            </a:r>
+            <a:r>
+              <a:rPr lang="en-US" dirty="0">
+                <a:latin typeface="Times New Roman" panose="02020603050405020304" pitchFamily="18" charset="0"/>
+                <a:cs typeface="Times New Roman" panose="02020603050405020304" pitchFamily="18" charset="0"/>
+              </a:rPr>
+              <a:t> </a:t>
+            </a:r>
+            <a:r>
+              <a:rPr lang="en-US" dirty="0" err="1">
+                <a:latin typeface="Times New Roman" panose="02020603050405020304" pitchFamily="18" charset="0"/>
+                <a:cs typeface="Times New Roman" panose="02020603050405020304" pitchFamily="18" charset="0"/>
+              </a:rPr>
+              <a:t>dụng</a:t>
+            </a:r>
+            <a:r>
+              <a:rPr lang="en-US" dirty="0">
+                <a:latin typeface="Times New Roman" panose="02020603050405020304" pitchFamily="18" charset="0"/>
+                <a:cs typeface="Times New Roman" panose="02020603050405020304" pitchFamily="18" charset="0"/>
+              </a:rPr>
+              <a:t> reducer </a:t>
+            </a:r>
+            <a:r>
+              <a:rPr lang="en-US" dirty="0" err="1">
+                <a:latin typeface="Times New Roman" panose="02020603050405020304" pitchFamily="18" charset="0"/>
+                <a:cs typeface="Times New Roman" panose="02020603050405020304" pitchFamily="18" charset="0"/>
+              </a:rPr>
+              <a:t>và</a:t>
+            </a:r>
+            <a:r>
+              <a:rPr lang="en-US" dirty="0">
+                <a:latin typeface="Times New Roman" panose="02020603050405020304" pitchFamily="18" charset="0"/>
+                <a:cs typeface="Times New Roman" panose="02020603050405020304" pitchFamily="18" charset="0"/>
+              </a:rPr>
+              <a:t> actions </a:t>
+            </a:r>
+            <a:r>
+              <a:rPr lang="en-US" dirty="0" err="1">
+                <a:latin typeface="Times New Roman" panose="02020603050405020304" pitchFamily="18" charset="0"/>
+                <a:cs typeface="Times New Roman" panose="02020603050405020304" pitchFamily="18" charset="0"/>
+              </a:rPr>
+              <a:t>của</a:t>
+            </a:r>
+            <a:r>
+              <a:rPr lang="en-US" dirty="0">
+                <a:latin typeface="Times New Roman" panose="02020603050405020304" pitchFamily="18" charset="0"/>
+                <a:cs typeface="Times New Roman" panose="02020603050405020304" pitchFamily="18" charset="0"/>
+              </a:rPr>
+              <a:t> </a:t>
+            </a:r>
+            <a:r>
+              <a:rPr lang="en-US" dirty="0" smtClean="0">
+                <a:latin typeface="Times New Roman" panose="02020603050405020304" pitchFamily="18" charset="0"/>
+                <a:cs typeface="Times New Roman" panose="02020603050405020304" pitchFamily="18" charset="0"/>
+              </a:rPr>
+              <a:t>Slice</a:t>
+            </a:r>
+          </a:p>
+          <a:p>
+            <a:pPr lvl="1" algn="just"/>
+            <a:r>
+              <a:rPr lang="en-US" sz="2000" dirty="0" err="1">
+                <a:latin typeface="Times New Roman" panose="02020603050405020304" pitchFamily="18" charset="0"/>
+                <a:cs typeface="Times New Roman" panose="02020603050405020304" pitchFamily="18" charset="0"/>
+              </a:rPr>
+              <a:t>userSlice.reducer</a:t>
+            </a:r>
+            <a:r>
+              <a:rPr lang="en-US" sz="2000" dirty="0">
+                <a:latin typeface="Times New Roman" panose="02020603050405020304" pitchFamily="18" charset="0"/>
+                <a:cs typeface="Times New Roman" panose="02020603050405020304" pitchFamily="18" charset="0"/>
+              </a:rPr>
+              <a:t>: Export reducer </a:t>
+            </a:r>
+            <a:r>
+              <a:rPr lang="en-US" sz="2000" dirty="0" err="1">
+                <a:latin typeface="Times New Roman" panose="02020603050405020304" pitchFamily="18" charset="0"/>
+                <a:cs typeface="Times New Roman" panose="02020603050405020304" pitchFamily="18" charset="0"/>
+              </a:rPr>
+              <a:t>của</a:t>
+            </a:r>
+            <a:r>
+              <a:rPr lang="en-US" sz="2000" dirty="0">
+                <a:latin typeface="Times New Roman" panose="02020603050405020304" pitchFamily="18" charset="0"/>
+                <a:cs typeface="Times New Roman" panose="02020603050405020304" pitchFamily="18" charset="0"/>
+              </a:rPr>
+              <a:t> Slice </a:t>
+            </a:r>
+            <a:r>
+              <a:rPr lang="en-US" sz="2000" dirty="0" err="1">
+                <a:latin typeface="Times New Roman" panose="02020603050405020304" pitchFamily="18" charset="0"/>
+                <a:cs typeface="Times New Roman" panose="02020603050405020304" pitchFamily="18" charset="0"/>
+              </a:rPr>
+              <a:t>để</a:t>
+            </a:r>
+            <a:r>
+              <a:rPr lang="en-US" sz="2000" dirty="0">
+                <a:latin typeface="Times New Roman" panose="02020603050405020304" pitchFamily="18" charset="0"/>
+                <a:cs typeface="Times New Roman" panose="02020603050405020304" pitchFamily="18" charset="0"/>
+              </a:rPr>
+              <a:t> </a:t>
+            </a:r>
+            <a:r>
+              <a:rPr lang="en-US" sz="2000" dirty="0" err="1">
+                <a:latin typeface="Times New Roman" panose="02020603050405020304" pitchFamily="18" charset="0"/>
+                <a:cs typeface="Times New Roman" panose="02020603050405020304" pitchFamily="18" charset="0"/>
+              </a:rPr>
+              <a:t>sử</a:t>
+            </a:r>
+            <a:r>
+              <a:rPr lang="en-US" sz="2000" dirty="0">
+                <a:latin typeface="Times New Roman" panose="02020603050405020304" pitchFamily="18" charset="0"/>
+                <a:cs typeface="Times New Roman" panose="02020603050405020304" pitchFamily="18" charset="0"/>
+              </a:rPr>
+              <a:t> </a:t>
+            </a:r>
+            <a:r>
+              <a:rPr lang="en-US" sz="2000" dirty="0" err="1">
+                <a:latin typeface="Times New Roman" panose="02020603050405020304" pitchFamily="18" charset="0"/>
+                <a:cs typeface="Times New Roman" panose="02020603050405020304" pitchFamily="18" charset="0"/>
+              </a:rPr>
+              <a:t>dụng</a:t>
+            </a:r>
+            <a:r>
+              <a:rPr lang="en-US" sz="2000" dirty="0">
+                <a:latin typeface="Times New Roman" panose="02020603050405020304" pitchFamily="18" charset="0"/>
+                <a:cs typeface="Times New Roman" panose="02020603050405020304" pitchFamily="18" charset="0"/>
+              </a:rPr>
+              <a:t> </a:t>
+            </a:r>
+            <a:r>
+              <a:rPr lang="en-US" sz="2000" dirty="0" err="1">
+                <a:latin typeface="Times New Roman" panose="02020603050405020304" pitchFamily="18" charset="0"/>
+                <a:cs typeface="Times New Roman" panose="02020603050405020304" pitchFamily="18" charset="0"/>
+              </a:rPr>
+              <a:t>khi</a:t>
+            </a:r>
+            <a:r>
+              <a:rPr lang="en-US" sz="2000" dirty="0">
+                <a:latin typeface="Times New Roman" panose="02020603050405020304" pitchFamily="18" charset="0"/>
+                <a:cs typeface="Times New Roman" panose="02020603050405020304" pitchFamily="18" charset="0"/>
+              </a:rPr>
+              <a:t> </a:t>
+            </a:r>
+            <a:r>
+              <a:rPr lang="en-US" sz="2000" dirty="0" err="1">
+                <a:latin typeface="Times New Roman" panose="02020603050405020304" pitchFamily="18" charset="0"/>
+                <a:cs typeface="Times New Roman" panose="02020603050405020304" pitchFamily="18" charset="0"/>
+              </a:rPr>
+              <a:t>tạo</a:t>
+            </a:r>
+            <a:r>
+              <a:rPr lang="en-US" sz="2000" dirty="0">
+                <a:latin typeface="Times New Roman" panose="02020603050405020304" pitchFamily="18" charset="0"/>
+                <a:cs typeface="Times New Roman" panose="02020603050405020304" pitchFamily="18" charset="0"/>
+              </a:rPr>
+              <a:t> store </a:t>
+            </a:r>
+            <a:r>
+              <a:rPr lang="en-US" sz="2000" dirty="0" err="1">
+                <a:latin typeface="Times New Roman" panose="02020603050405020304" pitchFamily="18" charset="0"/>
+                <a:cs typeface="Times New Roman" panose="02020603050405020304" pitchFamily="18" charset="0"/>
+              </a:rPr>
+              <a:t>Redux</a:t>
+            </a:r>
+            <a:r>
+              <a:rPr lang="en-US" sz="2000" dirty="0" smtClean="0">
+                <a:latin typeface="Times New Roman" panose="02020603050405020304" pitchFamily="18" charset="0"/>
+                <a:cs typeface="Times New Roman" panose="02020603050405020304" pitchFamily="18" charset="0"/>
+              </a:rPr>
+              <a:t>.</a:t>
+            </a:r>
+          </a:p>
+          <a:p>
+            <a:pPr lvl="1" algn="just"/>
+            <a:r>
+              <a:rPr lang="en-US" sz="2000" dirty="0" err="1">
+                <a:latin typeface="Times New Roman" panose="02020603050405020304" pitchFamily="18" charset="0"/>
+                <a:cs typeface="Times New Roman" panose="02020603050405020304" pitchFamily="18" charset="0"/>
+              </a:rPr>
+              <a:t>userSlice.actions</a:t>
+            </a:r>
+            <a:r>
+              <a:rPr lang="en-US" sz="2000" dirty="0">
+                <a:latin typeface="Times New Roman" panose="02020603050405020304" pitchFamily="18" charset="0"/>
+                <a:cs typeface="Times New Roman" panose="02020603050405020304" pitchFamily="18" charset="0"/>
+              </a:rPr>
+              <a:t>: Export </a:t>
+            </a:r>
+            <a:r>
+              <a:rPr lang="en-US" sz="2000" dirty="0" err="1">
+                <a:latin typeface="Times New Roman" panose="02020603050405020304" pitchFamily="18" charset="0"/>
+                <a:cs typeface="Times New Roman" panose="02020603050405020304" pitchFamily="18" charset="0"/>
+              </a:rPr>
+              <a:t>các</a:t>
+            </a:r>
+            <a:r>
+              <a:rPr lang="en-US" sz="2000" dirty="0">
+                <a:latin typeface="Times New Roman" panose="02020603050405020304" pitchFamily="18" charset="0"/>
+                <a:cs typeface="Times New Roman" panose="02020603050405020304" pitchFamily="18" charset="0"/>
+              </a:rPr>
+              <a:t> actions </a:t>
+            </a:r>
+            <a:r>
+              <a:rPr lang="en-US" sz="2000" dirty="0" err="1">
+                <a:latin typeface="Times New Roman" panose="02020603050405020304" pitchFamily="18" charset="0"/>
+                <a:cs typeface="Times New Roman" panose="02020603050405020304" pitchFamily="18" charset="0"/>
+              </a:rPr>
+              <a:t>của</a:t>
+            </a:r>
+            <a:r>
+              <a:rPr lang="en-US" sz="2000" dirty="0">
+                <a:latin typeface="Times New Roman" panose="02020603050405020304" pitchFamily="18" charset="0"/>
+                <a:cs typeface="Times New Roman" panose="02020603050405020304" pitchFamily="18" charset="0"/>
+              </a:rPr>
+              <a:t> Slice </a:t>
+            </a:r>
+            <a:r>
+              <a:rPr lang="en-US" sz="2000" dirty="0" err="1">
+                <a:latin typeface="Times New Roman" panose="02020603050405020304" pitchFamily="18" charset="0"/>
+                <a:cs typeface="Times New Roman" panose="02020603050405020304" pitchFamily="18" charset="0"/>
+              </a:rPr>
+              <a:t>để</a:t>
+            </a:r>
+            <a:r>
+              <a:rPr lang="en-US" sz="2000" dirty="0">
+                <a:latin typeface="Times New Roman" panose="02020603050405020304" pitchFamily="18" charset="0"/>
+                <a:cs typeface="Times New Roman" panose="02020603050405020304" pitchFamily="18" charset="0"/>
+              </a:rPr>
+              <a:t> </a:t>
+            </a:r>
+            <a:r>
+              <a:rPr lang="en-US" sz="2000" dirty="0" err="1">
+                <a:latin typeface="Times New Roman" panose="02020603050405020304" pitchFamily="18" charset="0"/>
+                <a:cs typeface="Times New Roman" panose="02020603050405020304" pitchFamily="18" charset="0"/>
+              </a:rPr>
+              <a:t>sử</a:t>
+            </a:r>
+            <a:r>
+              <a:rPr lang="en-US" sz="2000" dirty="0">
+                <a:latin typeface="Times New Roman" panose="02020603050405020304" pitchFamily="18" charset="0"/>
+                <a:cs typeface="Times New Roman" panose="02020603050405020304" pitchFamily="18" charset="0"/>
+              </a:rPr>
+              <a:t> </a:t>
+            </a:r>
+            <a:r>
+              <a:rPr lang="en-US" sz="2000" dirty="0" err="1">
+                <a:latin typeface="Times New Roman" panose="02020603050405020304" pitchFamily="18" charset="0"/>
+                <a:cs typeface="Times New Roman" panose="02020603050405020304" pitchFamily="18" charset="0"/>
+              </a:rPr>
+              <a:t>dụng</a:t>
+            </a:r>
+            <a:r>
+              <a:rPr lang="en-US" sz="2000" dirty="0">
+                <a:latin typeface="Times New Roman" panose="02020603050405020304" pitchFamily="18" charset="0"/>
+                <a:cs typeface="Times New Roman" panose="02020603050405020304" pitchFamily="18" charset="0"/>
+              </a:rPr>
+              <a:t> </a:t>
+            </a:r>
+            <a:r>
+              <a:rPr lang="en-US" sz="2000" dirty="0" err="1">
+                <a:latin typeface="Times New Roman" panose="02020603050405020304" pitchFamily="18" charset="0"/>
+                <a:cs typeface="Times New Roman" panose="02020603050405020304" pitchFamily="18" charset="0"/>
+              </a:rPr>
+              <a:t>trong</a:t>
+            </a:r>
+            <a:r>
+              <a:rPr lang="en-US" sz="2000" dirty="0">
+                <a:latin typeface="Times New Roman" panose="02020603050405020304" pitchFamily="18" charset="0"/>
+                <a:cs typeface="Times New Roman" panose="02020603050405020304" pitchFamily="18" charset="0"/>
+              </a:rPr>
+              <a:t> </a:t>
+            </a:r>
+            <a:r>
+              <a:rPr lang="en-US" sz="2000" dirty="0" err="1">
+                <a:latin typeface="Times New Roman" panose="02020603050405020304" pitchFamily="18" charset="0"/>
+                <a:cs typeface="Times New Roman" panose="02020603050405020304" pitchFamily="18" charset="0"/>
+              </a:rPr>
+              <a:t>các</a:t>
+            </a:r>
+            <a:r>
+              <a:rPr lang="en-US" sz="2000" dirty="0">
+                <a:latin typeface="Times New Roman" panose="02020603050405020304" pitchFamily="18" charset="0"/>
+                <a:cs typeface="Times New Roman" panose="02020603050405020304" pitchFamily="18" charset="0"/>
+              </a:rPr>
+              <a:t> components React </a:t>
+            </a:r>
+            <a:r>
+              <a:rPr lang="en-US" sz="2000" dirty="0" err="1">
+                <a:latin typeface="Times New Roman" panose="02020603050405020304" pitchFamily="18" charset="0"/>
+                <a:cs typeface="Times New Roman" panose="02020603050405020304" pitchFamily="18" charset="0"/>
+              </a:rPr>
+              <a:t>để</a:t>
+            </a:r>
+            <a:r>
+              <a:rPr lang="en-US" sz="2000" dirty="0">
+                <a:latin typeface="Times New Roman" panose="02020603050405020304" pitchFamily="18" charset="0"/>
+                <a:cs typeface="Times New Roman" panose="02020603050405020304" pitchFamily="18" charset="0"/>
+              </a:rPr>
+              <a:t> dispatch </a:t>
+            </a:r>
+            <a:r>
+              <a:rPr lang="en-US" sz="2000" dirty="0" err="1">
+                <a:latin typeface="Times New Roman" panose="02020603050405020304" pitchFamily="18" charset="0"/>
+                <a:cs typeface="Times New Roman" panose="02020603050405020304" pitchFamily="18" charset="0"/>
+              </a:rPr>
+              <a:t>các</a:t>
+            </a:r>
+            <a:r>
+              <a:rPr lang="en-US" sz="2000" dirty="0">
+                <a:latin typeface="Times New Roman" panose="02020603050405020304" pitchFamily="18" charset="0"/>
+                <a:cs typeface="Times New Roman" panose="02020603050405020304" pitchFamily="18" charset="0"/>
+              </a:rPr>
+              <a:t> actions </a:t>
+            </a:r>
+            <a:r>
+              <a:rPr lang="en-US" sz="2000" dirty="0" err="1">
+                <a:latin typeface="Times New Roman" panose="02020603050405020304" pitchFamily="18" charset="0"/>
+                <a:cs typeface="Times New Roman" panose="02020603050405020304" pitchFamily="18" charset="0"/>
+              </a:rPr>
+              <a:t>và</a:t>
+            </a:r>
+            <a:r>
+              <a:rPr lang="en-US" sz="2000" dirty="0">
+                <a:latin typeface="Times New Roman" panose="02020603050405020304" pitchFamily="18" charset="0"/>
+                <a:cs typeface="Times New Roman" panose="02020603050405020304" pitchFamily="18" charset="0"/>
+              </a:rPr>
+              <a:t> </a:t>
+            </a:r>
+            <a:r>
+              <a:rPr lang="en-US" sz="2000" dirty="0" err="1">
+                <a:latin typeface="Times New Roman" panose="02020603050405020304" pitchFamily="18" charset="0"/>
+                <a:cs typeface="Times New Roman" panose="02020603050405020304" pitchFamily="18" charset="0"/>
+              </a:rPr>
+              <a:t>cập</a:t>
+            </a:r>
+            <a:r>
+              <a:rPr lang="en-US" sz="2000" dirty="0">
+                <a:latin typeface="Times New Roman" panose="02020603050405020304" pitchFamily="18" charset="0"/>
+                <a:cs typeface="Times New Roman" panose="02020603050405020304" pitchFamily="18" charset="0"/>
+              </a:rPr>
+              <a:t> </a:t>
+            </a:r>
+            <a:r>
+              <a:rPr lang="en-US" sz="2000" dirty="0" err="1">
+                <a:latin typeface="Times New Roman" panose="02020603050405020304" pitchFamily="18" charset="0"/>
+                <a:cs typeface="Times New Roman" panose="02020603050405020304" pitchFamily="18" charset="0"/>
+              </a:rPr>
+              <a:t>nhật</a:t>
+            </a:r>
+            <a:r>
+              <a:rPr lang="en-US" sz="2000" dirty="0">
+                <a:latin typeface="Times New Roman" panose="02020603050405020304" pitchFamily="18" charset="0"/>
+                <a:cs typeface="Times New Roman" panose="02020603050405020304" pitchFamily="18" charset="0"/>
+              </a:rPr>
+              <a:t> state</a:t>
+            </a:r>
+            <a:r>
+              <a:rPr lang="en-US" sz="2000" dirty="0" smtClean="0">
+                <a:latin typeface="Times New Roman" panose="02020603050405020304" pitchFamily="18" charset="0"/>
+                <a:cs typeface="Times New Roman" panose="02020603050405020304" pitchFamily="18" charset="0"/>
+              </a:rPr>
+              <a:t>.</a:t>
+            </a:r>
+          </a:p>
+        </p:txBody>
+      </p:sp>
+    </p:spTree>
+    <p:extLst>
+      <p:ext uri="{BB962C8B-B14F-4D97-AF65-F5344CB8AC3E}">
+        <p14:creationId xmlns:p14="http://schemas.microsoft.com/office/powerpoint/2010/main" val="2559931368"/>
+      </p:ext>
+    </p:extLst>
+  </p:cSld>
+  <p:clrMapOvr>
+    <a:masterClrMapping/>
+  </p:clrMapOvr>
+  <p:timing>
+    <p:tnLst>
+      <p:par>
+        <p:cTn id="1" dur="indefinite" restart="never" nodeType="tmRoot"/>
+      </p:par>
+    </p:tnLst>
+  </p:timing>
+</p:sld>
+</file>
+
+<file path=ppt/slides/slide39.xml><?xml version="1.0" encoding="utf-8"?>
+<p:sld xmlns:a="http://schemas.openxmlformats.org/drawingml/2006/main" xmlns:r="http://schemas.openxmlformats.org/officeDocument/2006/relationships" xmlns:p="http://schemas.openxmlformats.org/presentationml/2006/main">
+  <p:cSld>
+    <p:spTree>
+      <p:nvGrpSpPr>
+        <p:cNvPr id="1" name=""/>
+        <p:cNvGrpSpPr/>
+        <p:nvPr/>
+      </p:nvGrpSpPr>
+      <p:grpSpPr>
+        <a:xfrm>
+          <a:off x="0" y="0"/>
+          <a:ext cx="0" cy="0"/>
+          <a:chOff x="0" y="0"/>
+          <a:chExt cx="0" cy="0"/>
+        </a:xfrm>
+      </p:grpSpPr>
+      <p:sp>
+        <p:nvSpPr>
+          <p:cNvPr id="2" name="Title 1"/>
+          <p:cNvSpPr>
+            <a:spLocks noGrp="1"/>
+          </p:cNvSpPr>
+          <p:nvPr>
+            <p:ph type="title"/>
+          </p:nvPr>
+        </p:nvSpPr>
+        <p:spPr/>
+        <p:txBody>
+          <a:bodyPr/>
+          <a:lstStyle/>
+          <a:p>
+            <a:r>
               <a:rPr lang="en-US" dirty="0" smtClean="0">
                 <a:latin typeface="Times New Roman" panose="02020603050405020304" pitchFamily="18" charset="0"/>
                 <a:cs typeface="Times New Roman" panose="02020603050405020304" pitchFamily="18" charset="0"/>
@@ -19847,7 +20045,515 @@
 </p:sld>
 </file>
 
-<file path=ppt/slides/slide39.xml><?xml version="1.0" encoding="utf-8"?>
+<file path=ppt/slides/slide4.xml><?xml version="1.0" encoding="utf-8"?>
+<p:sld xmlns:a="http://schemas.openxmlformats.org/drawingml/2006/main" xmlns:r="http://schemas.openxmlformats.org/officeDocument/2006/relationships" xmlns:p="http://schemas.openxmlformats.org/presentationml/2006/main">
+  <p:cSld>
+    <p:spTree>
+      <p:nvGrpSpPr>
+        <p:cNvPr id="1" name=""/>
+        <p:cNvGrpSpPr/>
+        <p:nvPr/>
+      </p:nvGrpSpPr>
+      <p:grpSpPr>
+        <a:xfrm>
+          <a:off x="0" y="0"/>
+          <a:ext cx="0" cy="0"/>
+          <a:chOff x="0" y="0"/>
+          <a:chExt cx="0" cy="0"/>
+        </a:xfrm>
+      </p:grpSpPr>
+      <p:sp>
+        <p:nvSpPr>
+          <p:cNvPr id="2" name="Title 1"/>
+          <p:cNvSpPr>
+            <a:spLocks noGrp="1"/>
+          </p:cNvSpPr>
+          <p:nvPr>
+            <p:ph type="title"/>
+          </p:nvPr>
+        </p:nvSpPr>
+        <p:spPr/>
+        <p:txBody>
+          <a:bodyPr/>
+          <a:lstStyle/>
+          <a:p>
+            <a:r>
+              <a:rPr lang="en-US" dirty="0" err="1" smtClean="0">
+                <a:latin typeface="Times New Roman" panose="02020603050405020304" pitchFamily="18" charset="0"/>
+                <a:cs typeface="Times New Roman" panose="02020603050405020304" pitchFamily="18" charset="0"/>
+              </a:rPr>
+              <a:t>Yêu</a:t>
+            </a:r>
+            <a:r>
+              <a:rPr lang="en-US" dirty="0" smtClean="0">
+                <a:latin typeface="Times New Roman" panose="02020603050405020304" pitchFamily="18" charset="0"/>
+                <a:cs typeface="Times New Roman" panose="02020603050405020304" pitchFamily="18" charset="0"/>
+              </a:rPr>
+              <a:t> </a:t>
+            </a:r>
+            <a:r>
+              <a:rPr lang="en-US" dirty="0" err="1" smtClean="0">
+                <a:latin typeface="Times New Roman" panose="02020603050405020304" pitchFamily="18" charset="0"/>
+                <a:cs typeface="Times New Roman" panose="02020603050405020304" pitchFamily="18" charset="0"/>
+              </a:rPr>
+              <a:t>cầu</a:t>
+            </a:r>
+            <a:r>
+              <a:rPr lang="en-US" dirty="0" smtClean="0">
+                <a:latin typeface="Times New Roman" panose="02020603050405020304" pitchFamily="18" charset="0"/>
+                <a:cs typeface="Times New Roman" panose="02020603050405020304" pitchFamily="18" charset="0"/>
+              </a:rPr>
+              <a:t> </a:t>
+            </a:r>
+            <a:r>
+              <a:rPr lang="en-US" dirty="0" err="1" smtClean="0">
+                <a:latin typeface="Times New Roman" panose="02020603050405020304" pitchFamily="18" charset="0"/>
+                <a:cs typeface="Times New Roman" panose="02020603050405020304" pitchFamily="18" charset="0"/>
+              </a:rPr>
+              <a:t>và</a:t>
+            </a:r>
+            <a:r>
+              <a:rPr lang="en-US" dirty="0" smtClean="0">
+                <a:latin typeface="Times New Roman" panose="02020603050405020304" pitchFamily="18" charset="0"/>
+                <a:cs typeface="Times New Roman" panose="02020603050405020304" pitchFamily="18" charset="0"/>
+              </a:rPr>
+              <a:t> </a:t>
+            </a:r>
+            <a:r>
+              <a:rPr lang="en-US" dirty="0" err="1" smtClean="0">
+                <a:latin typeface="Times New Roman" panose="02020603050405020304" pitchFamily="18" charset="0"/>
+                <a:cs typeface="Times New Roman" panose="02020603050405020304" pitchFamily="18" charset="0"/>
+              </a:rPr>
+              <a:t>mục</a:t>
+            </a:r>
+            <a:r>
+              <a:rPr lang="en-US" dirty="0" smtClean="0">
+                <a:latin typeface="Times New Roman" panose="02020603050405020304" pitchFamily="18" charset="0"/>
+                <a:cs typeface="Times New Roman" panose="02020603050405020304" pitchFamily="18" charset="0"/>
+              </a:rPr>
+              <a:t> </a:t>
+            </a:r>
+            <a:r>
+              <a:rPr lang="en-US" dirty="0" err="1" smtClean="0">
+                <a:latin typeface="Times New Roman" panose="02020603050405020304" pitchFamily="18" charset="0"/>
+                <a:cs typeface="Times New Roman" panose="02020603050405020304" pitchFamily="18" charset="0"/>
+              </a:rPr>
+              <a:t>tiêu</a:t>
+            </a:r>
+            <a:endParaRPr lang="en-US" dirty="0">
+              <a:latin typeface="Times New Roman" panose="02020603050405020304" pitchFamily="18" charset="0"/>
+              <a:cs typeface="Times New Roman" panose="02020603050405020304" pitchFamily="18" charset="0"/>
+            </a:endParaRPr>
+          </a:p>
+        </p:txBody>
+      </p:sp>
+      <p:sp>
+        <p:nvSpPr>
+          <p:cNvPr id="3" name="Content Placeholder 2"/>
+          <p:cNvSpPr>
+            <a:spLocks noGrp="1"/>
+          </p:cNvSpPr>
+          <p:nvPr>
+            <p:ph idx="1"/>
+          </p:nvPr>
+        </p:nvSpPr>
+        <p:spPr/>
+        <p:txBody>
+          <a:bodyPr>
+            <a:normAutofit/>
+          </a:bodyPr>
+          <a:lstStyle/>
+          <a:p>
+            <a:pPr marL="0" indent="0" algn="just">
+              <a:buNone/>
+            </a:pPr>
+            <a:r>
+              <a:rPr lang="en-US" sz="2400" dirty="0" smtClean="0">
+                <a:latin typeface="Times New Roman" panose="02020603050405020304" pitchFamily="18" charset="0"/>
+                <a:cs typeface="Times New Roman" panose="02020603050405020304" pitchFamily="18" charset="0"/>
+              </a:rPr>
+              <a:t> 2. </a:t>
+            </a:r>
+            <a:r>
+              <a:rPr lang="en-US" sz="2400" dirty="0" err="1" smtClean="0">
+                <a:latin typeface="Times New Roman" panose="02020603050405020304" pitchFamily="18" charset="0"/>
+                <a:cs typeface="Times New Roman" panose="02020603050405020304" pitchFamily="18" charset="0"/>
+              </a:rPr>
+              <a:t>Mục</a:t>
+            </a:r>
+            <a:r>
+              <a:rPr lang="en-US" sz="2400" dirty="0" smtClean="0">
+                <a:latin typeface="Times New Roman" panose="02020603050405020304" pitchFamily="18" charset="0"/>
+                <a:cs typeface="Times New Roman" panose="02020603050405020304" pitchFamily="18" charset="0"/>
+              </a:rPr>
+              <a:t> </a:t>
+            </a:r>
+            <a:r>
+              <a:rPr lang="en-US" sz="2400" dirty="0" err="1" smtClean="0">
+                <a:latin typeface="Times New Roman" panose="02020603050405020304" pitchFamily="18" charset="0"/>
+                <a:cs typeface="Times New Roman" panose="02020603050405020304" pitchFamily="18" charset="0"/>
+              </a:rPr>
+              <a:t>tiêu</a:t>
+            </a:r>
+            <a:endParaRPr lang="en-US" sz="2400" dirty="0" smtClean="0">
+              <a:latin typeface="Times New Roman" panose="02020603050405020304" pitchFamily="18" charset="0"/>
+              <a:cs typeface="Times New Roman" panose="02020603050405020304" pitchFamily="18" charset="0"/>
+            </a:endParaRPr>
+          </a:p>
+          <a:p>
+            <a:pPr lvl="1" algn="just"/>
+            <a:r>
+              <a:rPr lang="en-US" sz="2200" dirty="0">
+                <a:latin typeface="Times New Roman" panose="02020603050405020304" pitchFamily="18" charset="0"/>
+                <a:cs typeface="Times New Roman" panose="02020603050405020304" pitchFamily="18" charset="0"/>
+              </a:rPr>
+              <a:t> </a:t>
+            </a:r>
+            <a:r>
+              <a:rPr lang="en-US" sz="2200" dirty="0" err="1" smtClean="0">
+                <a:latin typeface="Times New Roman" panose="02020603050405020304" pitchFamily="18" charset="0"/>
+                <a:cs typeface="Times New Roman" panose="02020603050405020304" pitchFamily="18" charset="0"/>
+              </a:rPr>
+              <a:t>Hiểu</a:t>
+            </a:r>
+            <a:r>
+              <a:rPr lang="en-US" sz="2200" dirty="0" smtClean="0">
+                <a:latin typeface="Times New Roman" panose="02020603050405020304" pitchFamily="18" charset="0"/>
+                <a:cs typeface="Times New Roman" panose="02020603050405020304" pitchFamily="18" charset="0"/>
+              </a:rPr>
+              <a:t> </a:t>
+            </a:r>
+            <a:r>
+              <a:rPr lang="en-US" sz="2200" dirty="0" err="1" smtClean="0">
+                <a:latin typeface="Times New Roman" panose="02020603050405020304" pitchFamily="18" charset="0"/>
+                <a:cs typeface="Times New Roman" panose="02020603050405020304" pitchFamily="18" charset="0"/>
+              </a:rPr>
+              <a:t>kiến</a:t>
+            </a:r>
+            <a:r>
+              <a:rPr lang="en-US" sz="2200" dirty="0">
+                <a:latin typeface="Times New Roman" panose="02020603050405020304" pitchFamily="18" charset="0"/>
+                <a:cs typeface="Times New Roman" panose="02020603050405020304" pitchFamily="18" charset="0"/>
+              </a:rPr>
+              <a:t> </a:t>
+            </a:r>
+            <a:r>
+              <a:rPr lang="en-US" sz="2200" dirty="0" err="1" smtClean="0">
+                <a:latin typeface="Times New Roman" panose="02020603050405020304" pitchFamily="18" charset="0"/>
+                <a:cs typeface="Times New Roman" panose="02020603050405020304" pitchFamily="18" charset="0"/>
+              </a:rPr>
+              <a:t>trúc</a:t>
+            </a:r>
+            <a:r>
+              <a:rPr lang="en-US" sz="2200" dirty="0" smtClean="0">
+                <a:latin typeface="Times New Roman" panose="02020603050405020304" pitchFamily="18" charset="0"/>
+                <a:cs typeface="Times New Roman" panose="02020603050405020304" pitchFamily="18" charset="0"/>
+              </a:rPr>
+              <a:t> </a:t>
+            </a:r>
+            <a:r>
+              <a:rPr lang="en-US" sz="2200" dirty="0" err="1" smtClean="0">
+                <a:latin typeface="Times New Roman" panose="02020603050405020304" pitchFamily="18" charset="0"/>
+                <a:cs typeface="Times New Roman" panose="02020603050405020304" pitchFamily="18" charset="0"/>
+              </a:rPr>
+              <a:t>của</a:t>
+            </a:r>
+            <a:r>
+              <a:rPr lang="en-US" sz="2200" dirty="0" smtClean="0">
+                <a:latin typeface="Times New Roman" panose="02020603050405020304" pitchFamily="18" charset="0"/>
+                <a:cs typeface="Times New Roman" panose="02020603050405020304" pitchFamily="18" charset="0"/>
+              </a:rPr>
+              <a:t> React: </a:t>
+            </a:r>
+            <a:r>
+              <a:rPr lang="en-US" sz="2200" dirty="0" err="1" smtClean="0">
+                <a:latin typeface="Times New Roman" panose="02020603050405020304" pitchFamily="18" charset="0"/>
+                <a:cs typeface="Times New Roman" panose="02020603050405020304" pitchFamily="18" charset="0"/>
+              </a:rPr>
+              <a:t>tạo</a:t>
+            </a:r>
+            <a:r>
+              <a:rPr lang="en-US" sz="2200" dirty="0" smtClean="0">
+                <a:latin typeface="Times New Roman" panose="02020603050405020304" pitchFamily="18" charset="0"/>
+                <a:cs typeface="Times New Roman" panose="02020603050405020304" pitchFamily="18" charset="0"/>
+              </a:rPr>
+              <a:t> </a:t>
+            </a:r>
+            <a:r>
+              <a:rPr lang="en-US" sz="2200" dirty="0" err="1" smtClean="0">
+                <a:latin typeface="Times New Roman" panose="02020603050405020304" pitchFamily="18" charset="0"/>
+                <a:cs typeface="Times New Roman" panose="02020603050405020304" pitchFamily="18" charset="0"/>
+              </a:rPr>
+              <a:t>và</a:t>
+            </a:r>
+            <a:r>
+              <a:rPr lang="en-US" sz="2200" dirty="0" smtClean="0">
+                <a:latin typeface="Times New Roman" panose="02020603050405020304" pitchFamily="18" charset="0"/>
+                <a:cs typeface="Times New Roman" panose="02020603050405020304" pitchFamily="18" charset="0"/>
+              </a:rPr>
+              <a:t> </a:t>
+            </a:r>
+            <a:r>
+              <a:rPr lang="en-US" sz="2200" dirty="0" err="1" smtClean="0">
+                <a:latin typeface="Times New Roman" panose="02020603050405020304" pitchFamily="18" charset="0"/>
+                <a:cs typeface="Times New Roman" panose="02020603050405020304" pitchFamily="18" charset="0"/>
+              </a:rPr>
+              <a:t>quản</a:t>
+            </a:r>
+            <a:r>
+              <a:rPr lang="en-US" sz="2200" dirty="0" smtClean="0">
+                <a:latin typeface="Times New Roman" panose="02020603050405020304" pitchFamily="18" charset="0"/>
+                <a:cs typeface="Times New Roman" panose="02020603050405020304" pitchFamily="18" charset="0"/>
+              </a:rPr>
+              <a:t> </a:t>
+            </a:r>
+            <a:r>
+              <a:rPr lang="en-US" sz="2200" dirty="0" err="1" smtClean="0">
+                <a:latin typeface="Times New Roman" panose="02020603050405020304" pitchFamily="18" charset="0"/>
+                <a:cs typeface="Times New Roman" panose="02020603050405020304" pitchFamily="18" charset="0"/>
+              </a:rPr>
+              <a:t>lý</a:t>
+            </a:r>
+            <a:r>
+              <a:rPr lang="en-US" sz="2200" dirty="0" smtClean="0">
+                <a:latin typeface="Times New Roman" panose="02020603050405020304" pitchFamily="18" charset="0"/>
+                <a:cs typeface="Times New Roman" panose="02020603050405020304" pitchFamily="18" charset="0"/>
+              </a:rPr>
+              <a:t> </a:t>
+            </a:r>
+            <a:r>
+              <a:rPr lang="en-US" sz="2200" dirty="0" err="1" smtClean="0">
+                <a:latin typeface="Times New Roman" panose="02020603050405020304" pitchFamily="18" charset="0"/>
+                <a:cs typeface="Times New Roman" panose="02020603050405020304" pitchFamily="18" charset="0"/>
+              </a:rPr>
+              <a:t>các</a:t>
+            </a:r>
+            <a:r>
+              <a:rPr lang="en-US" sz="2200" dirty="0" smtClean="0">
+                <a:latin typeface="Times New Roman" panose="02020603050405020304" pitchFamily="18" charset="0"/>
+                <a:cs typeface="Times New Roman" panose="02020603050405020304" pitchFamily="18" charset="0"/>
+              </a:rPr>
+              <a:t> component (Function component)</a:t>
+            </a:r>
+          </a:p>
+          <a:p>
+            <a:pPr lvl="1" algn="just"/>
+            <a:r>
+              <a:rPr lang="en-US" sz="2200" dirty="0">
+                <a:latin typeface="Times New Roman" panose="02020603050405020304" pitchFamily="18" charset="0"/>
+                <a:cs typeface="Times New Roman" panose="02020603050405020304" pitchFamily="18" charset="0"/>
+              </a:rPr>
+              <a:t> </a:t>
+            </a:r>
+            <a:r>
+              <a:rPr lang="en-US" sz="2200" dirty="0" err="1" smtClean="0">
+                <a:latin typeface="Times New Roman" panose="02020603050405020304" pitchFamily="18" charset="0"/>
+                <a:cs typeface="Times New Roman" panose="02020603050405020304" pitchFamily="18" charset="0"/>
+              </a:rPr>
+              <a:t>Quản</a:t>
+            </a:r>
+            <a:r>
+              <a:rPr lang="en-US" sz="2200" dirty="0" smtClean="0">
+                <a:latin typeface="Times New Roman" panose="02020603050405020304" pitchFamily="18" charset="0"/>
+                <a:cs typeface="Times New Roman" panose="02020603050405020304" pitchFamily="18" charset="0"/>
+              </a:rPr>
+              <a:t> </a:t>
+            </a:r>
+            <a:r>
+              <a:rPr lang="en-US" sz="2200" dirty="0" err="1" smtClean="0">
+                <a:latin typeface="Times New Roman" panose="02020603050405020304" pitchFamily="18" charset="0"/>
+                <a:cs typeface="Times New Roman" panose="02020603050405020304" pitchFamily="18" charset="0"/>
+              </a:rPr>
+              <a:t>lý</a:t>
+            </a:r>
+            <a:r>
+              <a:rPr lang="en-US" sz="2200" dirty="0" smtClean="0">
+                <a:latin typeface="Times New Roman" panose="02020603050405020304" pitchFamily="18" charset="0"/>
+                <a:cs typeface="Times New Roman" panose="02020603050405020304" pitchFamily="18" charset="0"/>
+              </a:rPr>
+              <a:t> </a:t>
+            </a:r>
+            <a:r>
+              <a:rPr lang="en-US" sz="2200" dirty="0" err="1" smtClean="0">
+                <a:latin typeface="Times New Roman" panose="02020603050405020304" pitchFamily="18" charset="0"/>
+                <a:cs typeface="Times New Roman" panose="02020603050405020304" pitchFamily="18" charset="0"/>
+              </a:rPr>
+              <a:t>trạng</a:t>
+            </a:r>
+            <a:r>
+              <a:rPr lang="en-US" sz="2200" dirty="0" smtClean="0">
+                <a:latin typeface="Times New Roman" panose="02020603050405020304" pitchFamily="18" charset="0"/>
+                <a:cs typeface="Times New Roman" panose="02020603050405020304" pitchFamily="18" charset="0"/>
+              </a:rPr>
+              <a:t> </a:t>
+            </a:r>
+            <a:r>
+              <a:rPr lang="en-US" sz="2200" dirty="0" err="1" smtClean="0">
+                <a:latin typeface="Times New Roman" panose="02020603050405020304" pitchFamily="18" charset="0"/>
+                <a:cs typeface="Times New Roman" panose="02020603050405020304" pitchFamily="18" charset="0"/>
+              </a:rPr>
+              <a:t>thái</a:t>
+            </a:r>
+            <a:r>
+              <a:rPr lang="en-US" sz="2200" dirty="0" smtClean="0">
+                <a:latin typeface="Times New Roman" panose="02020603050405020304" pitchFamily="18" charset="0"/>
+                <a:cs typeface="Times New Roman" panose="02020603050405020304" pitchFamily="18" charset="0"/>
+              </a:rPr>
+              <a:t> </a:t>
+            </a:r>
+            <a:r>
+              <a:rPr lang="en-US" sz="2200" dirty="0" err="1" smtClean="0">
+                <a:latin typeface="Times New Roman" panose="02020603050405020304" pitchFamily="18" charset="0"/>
+                <a:cs typeface="Times New Roman" panose="02020603050405020304" pitchFamily="18" charset="0"/>
+              </a:rPr>
+              <a:t>trong</a:t>
+            </a:r>
+            <a:r>
+              <a:rPr lang="en-US" sz="2200" dirty="0" smtClean="0">
+                <a:latin typeface="Times New Roman" panose="02020603050405020304" pitchFamily="18" charset="0"/>
+                <a:cs typeface="Times New Roman" panose="02020603050405020304" pitchFamily="18" charset="0"/>
+              </a:rPr>
+              <a:t> </a:t>
+            </a:r>
+            <a:r>
+              <a:rPr lang="en-US" sz="2200" dirty="0" err="1" smtClean="0">
+                <a:latin typeface="Times New Roman" panose="02020603050405020304" pitchFamily="18" charset="0"/>
+                <a:cs typeface="Times New Roman" panose="02020603050405020304" pitchFamily="18" charset="0"/>
+              </a:rPr>
+              <a:t>các</a:t>
+            </a:r>
+            <a:r>
+              <a:rPr lang="en-US" sz="2200" dirty="0" smtClean="0">
+                <a:latin typeface="Times New Roman" panose="02020603050405020304" pitchFamily="18" charset="0"/>
+                <a:cs typeface="Times New Roman" panose="02020603050405020304" pitchFamily="18" charset="0"/>
+              </a:rPr>
+              <a:t> component (React hooks), Event handling, Routing, </a:t>
+            </a:r>
+            <a:r>
+              <a:rPr lang="en-US" sz="2200" dirty="0" err="1" smtClean="0">
+                <a:latin typeface="Times New Roman" panose="02020603050405020304" pitchFamily="18" charset="0"/>
+                <a:cs typeface="Times New Roman" panose="02020603050405020304" pitchFamily="18" charset="0"/>
+              </a:rPr>
+              <a:t>tích</a:t>
+            </a:r>
+            <a:r>
+              <a:rPr lang="en-US" sz="2200" dirty="0" smtClean="0">
+                <a:latin typeface="Times New Roman" panose="02020603050405020304" pitchFamily="18" charset="0"/>
+                <a:cs typeface="Times New Roman" panose="02020603050405020304" pitchFamily="18" charset="0"/>
+              </a:rPr>
+              <a:t> </a:t>
+            </a:r>
+            <a:r>
+              <a:rPr lang="en-US" sz="2200" dirty="0" err="1" smtClean="0">
+                <a:latin typeface="Times New Roman" panose="02020603050405020304" pitchFamily="18" charset="0"/>
+                <a:cs typeface="Times New Roman" panose="02020603050405020304" pitchFamily="18" charset="0"/>
+              </a:rPr>
+              <a:t>hợp</a:t>
+            </a:r>
+            <a:r>
+              <a:rPr lang="en-US" sz="2200" dirty="0" smtClean="0">
+                <a:latin typeface="Times New Roman" panose="02020603050405020304" pitchFamily="18" charset="0"/>
+                <a:cs typeface="Times New Roman" panose="02020603050405020304" pitchFamily="18" charset="0"/>
+              </a:rPr>
+              <a:t> </a:t>
+            </a:r>
+            <a:r>
+              <a:rPr lang="en-US" sz="2200" dirty="0" err="1" smtClean="0">
+                <a:latin typeface="Times New Roman" panose="02020603050405020304" pitchFamily="18" charset="0"/>
+                <a:cs typeface="Times New Roman" panose="02020603050405020304" pitchFamily="18" charset="0"/>
+              </a:rPr>
+              <a:t>dịnh</a:t>
+            </a:r>
+            <a:r>
+              <a:rPr lang="en-US" sz="2200" dirty="0" smtClean="0">
+                <a:latin typeface="Times New Roman" panose="02020603050405020304" pitchFamily="18" charset="0"/>
+                <a:cs typeface="Times New Roman" panose="02020603050405020304" pitchFamily="18" charset="0"/>
+              </a:rPr>
+              <a:t> </a:t>
+            </a:r>
+            <a:r>
+              <a:rPr lang="en-US" sz="2200" dirty="0" err="1" smtClean="0">
+                <a:latin typeface="Times New Roman" panose="02020603050405020304" pitchFamily="18" charset="0"/>
+                <a:cs typeface="Times New Roman" panose="02020603050405020304" pitchFamily="18" charset="0"/>
+              </a:rPr>
+              <a:t>vụ</a:t>
+            </a:r>
+            <a:r>
+              <a:rPr lang="en-US" sz="2200" dirty="0" smtClean="0">
+                <a:latin typeface="Times New Roman" panose="02020603050405020304" pitchFamily="18" charset="0"/>
+                <a:cs typeface="Times New Roman" panose="02020603050405020304" pitchFamily="18" charset="0"/>
+              </a:rPr>
+              <a:t> API</a:t>
+            </a:r>
+          </a:p>
+          <a:p>
+            <a:pPr lvl="1" algn="just"/>
+            <a:r>
+              <a:rPr lang="en-US" sz="2200" dirty="0">
+                <a:latin typeface="Times New Roman" panose="02020603050405020304" pitchFamily="18" charset="0"/>
+                <a:cs typeface="Times New Roman" panose="02020603050405020304" pitchFamily="18" charset="0"/>
+              </a:rPr>
+              <a:t> </a:t>
+            </a:r>
+            <a:r>
+              <a:rPr lang="en-US" sz="2200" dirty="0" smtClean="0">
+                <a:latin typeface="Times New Roman" panose="02020603050405020304" pitchFamily="18" charset="0"/>
+                <a:cs typeface="Times New Roman" panose="02020603050405020304" pitchFamily="18" charset="0"/>
+              </a:rPr>
+              <a:t>Build </a:t>
+            </a:r>
+            <a:r>
+              <a:rPr lang="en-US" sz="2200" dirty="0" err="1" smtClean="0">
+                <a:latin typeface="Times New Roman" panose="02020603050405020304" pitchFamily="18" charset="0"/>
+                <a:cs typeface="Times New Roman" panose="02020603050405020304" pitchFamily="18" charset="0"/>
+              </a:rPr>
+              <a:t>và</a:t>
+            </a:r>
+            <a:r>
+              <a:rPr lang="en-US" sz="2200" dirty="0" smtClean="0">
+                <a:latin typeface="Times New Roman" panose="02020603050405020304" pitchFamily="18" charset="0"/>
+                <a:cs typeface="Times New Roman" panose="02020603050405020304" pitchFamily="18" charset="0"/>
+              </a:rPr>
+              <a:t> deploy </a:t>
+            </a:r>
+            <a:r>
+              <a:rPr lang="en-US" sz="2200" dirty="0" err="1" smtClean="0">
+                <a:latin typeface="Times New Roman" panose="02020603050405020304" pitchFamily="18" charset="0"/>
+                <a:cs typeface="Times New Roman" panose="02020603050405020304" pitchFamily="18" charset="0"/>
+              </a:rPr>
+              <a:t>một</a:t>
+            </a:r>
+            <a:r>
+              <a:rPr lang="en-US" sz="2200" dirty="0" smtClean="0">
+                <a:latin typeface="Times New Roman" panose="02020603050405020304" pitchFamily="18" charset="0"/>
+                <a:cs typeface="Times New Roman" panose="02020603050405020304" pitchFamily="18" charset="0"/>
+              </a:rPr>
+              <a:t> project</a:t>
+            </a:r>
+          </a:p>
+        </p:txBody>
+      </p:sp>
+    </p:spTree>
+    <p:extLst>
+      <p:ext uri="{BB962C8B-B14F-4D97-AF65-F5344CB8AC3E}">
+        <p14:creationId xmlns:p14="http://schemas.microsoft.com/office/powerpoint/2010/main" val="1163944525"/>
+      </p:ext>
+    </p:extLst>
+  </p:cSld>
+  <p:clrMapOvr>
+    <a:masterClrMapping/>
+  </p:clrMapOvr>
+  <p:timing>
+    <p:tnLst>
+      <p:par>
+        <p:cTn id="1" dur="indefinite" restart="never" nodeType="tmRoot"/>
+      </p:par>
+    </p:tnLst>
+  </p:timing>
+</p:sld>
+</file>
+
+<file path=ppt/slides/slide40.xml><?xml version="1.0" encoding="utf-8"?>
 <p:sld xmlns:a="http://schemas.openxmlformats.org/drawingml/2006/main" xmlns:r="http://schemas.openxmlformats.org/officeDocument/2006/relationships" xmlns:p="http://schemas.openxmlformats.org/presentationml/2006/main">
   <p:cSld>
     <p:spTree>
@@ -20014,804 +20720,6 @@
 </p:sld>
 </file>
 
-<file path=ppt/slides/slide4.xml><?xml version="1.0" encoding="utf-8"?>
-<p:sld xmlns:a="http://schemas.openxmlformats.org/drawingml/2006/main" xmlns:r="http://schemas.openxmlformats.org/officeDocument/2006/relationships" xmlns:p="http://schemas.openxmlformats.org/presentationml/2006/main">
-  <p:cSld>
-    <p:spTree>
-      <p:nvGrpSpPr>
-        <p:cNvPr id="1" name=""/>
-        <p:cNvGrpSpPr/>
-        <p:nvPr/>
-      </p:nvGrpSpPr>
-      <p:grpSpPr>
-        <a:xfrm>
-          <a:off x="0" y="0"/>
-          <a:ext cx="0" cy="0"/>
-          <a:chOff x="0" y="0"/>
-          <a:chExt cx="0" cy="0"/>
-        </a:xfrm>
-      </p:grpSpPr>
-      <p:sp>
-        <p:nvSpPr>
-          <p:cNvPr id="2" name="Title 1"/>
-          <p:cNvSpPr>
-            <a:spLocks noGrp="1"/>
-          </p:cNvSpPr>
-          <p:nvPr>
-            <p:ph type="title"/>
-          </p:nvPr>
-        </p:nvSpPr>
-        <p:spPr/>
-        <p:txBody>
-          <a:bodyPr/>
-          <a:lstStyle/>
-          <a:p>
-            <a:r>
-              <a:rPr lang="en-US" dirty="0" err="1" smtClean="0">
-                <a:latin typeface="Times New Roman" panose="02020603050405020304" pitchFamily="18" charset="0"/>
-                <a:cs typeface="Times New Roman" panose="02020603050405020304" pitchFamily="18" charset="0"/>
-              </a:rPr>
-              <a:t>Yêu</a:t>
-            </a:r>
-            <a:r>
-              <a:rPr lang="en-US" dirty="0" smtClean="0">
-                <a:latin typeface="Times New Roman" panose="02020603050405020304" pitchFamily="18" charset="0"/>
-                <a:cs typeface="Times New Roman" panose="02020603050405020304" pitchFamily="18" charset="0"/>
-              </a:rPr>
-              <a:t> </a:t>
-            </a:r>
-            <a:r>
-              <a:rPr lang="en-US" dirty="0" err="1" smtClean="0">
-                <a:latin typeface="Times New Roman" panose="02020603050405020304" pitchFamily="18" charset="0"/>
-                <a:cs typeface="Times New Roman" panose="02020603050405020304" pitchFamily="18" charset="0"/>
-              </a:rPr>
-              <a:t>cầu</a:t>
-            </a:r>
-            <a:r>
-              <a:rPr lang="en-US" dirty="0" smtClean="0">
-                <a:latin typeface="Times New Roman" panose="02020603050405020304" pitchFamily="18" charset="0"/>
-                <a:cs typeface="Times New Roman" panose="02020603050405020304" pitchFamily="18" charset="0"/>
-              </a:rPr>
-              <a:t> </a:t>
-            </a:r>
-            <a:r>
-              <a:rPr lang="en-US" dirty="0" err="1" smtClean="0">
-                <a:latin typeface="Times New Roman" panose="02020603050405020304" pitchFamily="18" charset="0"/>
-                <a:cs typeface="Times New Roman" panose="02020603050405020304" pitchFamily="18" charset="0"/>
-              </a:rPr>
-              <a:t>và</a:t>
-            </a:r>
-            <a:r>
-              <a:rPr lang="en-US" dirty="0" smtClean="0">
-                <a:latin typeface="Times New Roman" panose="02020603050405020304" pitchFamily="18" charset="0"/>
-                <a:cs typeface="Times New Roman" panose="02020603050405020304" pitchFamily="18" charset="0"/>
-              </a:rPr>
-              <a:t> </a:t>
-            </a:r>
-            <a:r>
-              <a:rPr lang="en-US" dirty="0" err="1" smtClean="0">
-                <a:latin typeface="Times New Roman" panose="02020603050405020304" pitchFamily="18" charset="0"/>
-                <a:cs typeface="Times New Roman" panose="02020603050405020304" pitchFamily="18" charset="0"/>
-              </a:rPr>
-              <a:t>mục</a:t>
-            </a:r>
-            <a:r>
-              <a:rPr lang="en-US" dirty="0" smtClean="0">
-                <a:latin typeface="Times New Roman" panose="02020603050405020304" pitchFamily="18" charset="0"/>
-                <a:cs typeface="Times New Roman" panose="02020603050405020304" pitchFamily="18" charset="0"/>
-              </a:rPr>
-              <a:t> </a:t>
-            </a:r>
-            <a:r>
-              <a:rPr lang="en-US" dirty="0" err="1" smtClean="0">
-                <a:latin typeface="Times New Roman" panose="02020603050405020304" pitchFamily="18" charset="0"/>
-                <a:cs typeface="Times New Roman" panose="02020603050405020304" pitchFamily="18" charset="0"/>
-              </a:rPr>
-              <a:t>tiêu</a:t>
-            </a:r>
-            <a:endParaRPr lang="en-US" dirty="0">
-              <a:latin typeface="Times New Roman" panose="02020603050405020304" pitchFamily="18" charset="0"/>
-              <a:cs typeface="Times New Roman" panose="02020603050405020304" pitchFamily="18" charset="0"/>
-            </a:endParaRPr>
-          </a:p>
-        </p:txBody>
-      </p:sp>
-      <p:sp>
-        <p:nvSpPr>
-          <p:cNvPr id="3" name="Content Placeholder 2"/>
-          <p:cNvSpPr>
-            <a:spLocks noGrp="1"/>
-          </p:cNvSpPr>
-          <p:nvPr>
-            <p:ph idx="1"/>
-          </p:nvPr>
-        </p:nvSpPr>
-        <p:spPr/>
-        <p:txBody>
-          <a:bodyPr>
-            <a:normAutofit/>
-          </a:bodyPr>
-          <a:lstStyle/>
-          <a:p>
-            <a:pPr marL="0" indent="0" algn="just">
-              <a:buNone/>
-            </a:pPr>
-            <a:r>
-              <a:rPr lang="en-US" sz="2400" dirty="0" smtClean="0">
-                <a:latin typeface="Times New Roman" panose="02020603050405020304" pitchFamily="18" charset="0"/>
-                <a:cs typeface="Times New Roman" panose="02020603050405020304" pitchFamily="18" charset="0"/>
-              </a:rPr>
-              <a:t> 2. </a:t>
-            </a:r>
-            <a:r>
-              <a:rPr lang="en-US" sz="2400" dirty="0" err="1" smtClean="0">
-                <a:latin typeface="Times New Roman" panose="02020603050405020304" pitchFamily="18" charset="0"/>
-                <a:cs typeface="Times New Roman" panose="02020603050405020304" pitchFamily="18" charset="0"/>
-              </a:rPr>
-              <a:t>Mục</a:t>
-            </a:r>
-            <a:r>
-              <a:rPr lang="en-US" sz="2400" dirty="0" smtClean="0">
-                <a:latin typeface="Times New Roman" panose="02020603050405020304" pitchFamily="18" charset="0"/>
-                <a:cs typeface="Times New Roman" panose="02020603050405020304" pitchFamily="18" charset="0"/>
-              </a:rPr>
-              <a:t> </a:t>
-            </a:r>
-            <a:r>
-              <a:rPr lang="en-US" sz="2400" dirty="0" err="1" smtClean="0">
-                <a:latin typeface="Times New Roman" panose="02020603050405020304" pitchFamily="18" charset="0"/>
-                <a:cs typeface="Times New Roman" panose="02020603050405020304" pitchFamily="18" charset="0"/>
-              </a:rPr>
-              <a:t>tiêu</a:t>
-            </a:r>
-            <a:endParaRPr lang="en-US" sz="2400" dirty="0" smtClean="0">
-              <a:latin typeface="Times New Roman" panose="02020603050405020304" pitchFamily="18" charset="0"/>
-              <a:cs typeface="Times New Roman" panose="02020603050405020304" pitchFamily="18" charset="0"/>
-            </a:endParaRPr>
-          </a:p>
-          <a:p>
-            <a:pPr lvl="1" algn="just"/>
-            <a:r>
-              <a:rPr lang="en-US" sz="2200" dirty="0">
-                <a:latin typeface="Times New Roman" panose="02020603050405020304" pitchFamily="18" charset="0"/>
-                <a:cs typeface="Times New Roman" panose="02020603050405020304" pitchFamily="18" charset="0"/>
-              </a:rPr>
-              <a:t> </a:t>
-            </a:r>
-            <a:r>
-              <a:rPr lang="en-US" sz="2200" dirty="0" err="1" smtClean="0">
-                <a:latin typeface="Times New Roman" panose="02020603050405020304" pitchFamily="18" charset="0"/>
-                <a:cs typeface="Times New Roman" panose="02020603050405020304" pitchFamily="18" charset="0"/>
-              </a:rPr>
-              <a:t>Hiểu</a:t>
-            </a:r>
-            <a:r>
-              <a:rPr lang="en-US" sz="2200" dirty="0" smtClean="0">
-                <a:latin typeface="Times New Roman" panose="02020603050405020304" pitchFamily="18" charset="0"/>
-                <a:cs typeface="Times New Roman" panose="02020603050405020304" pitchFamily="18" charset="0"/>
-              </a:rPr>
-              <a:t> </a:t>
-            </a:r>
-            <a:r>
-              <a:rPr lang="en-US" sz="2200" dirty="0" err="1" smtClean="0">
-                <a:latin typeface="Times New Roman" panose="02020603050405020304" pitchFamily="18" charset="0"/>
-                <a:cs typeface="Times New Roman" panose="02020603050405020304" pitchFamily="18" charset="0"/>
-              </a:rPr>
-              <a:t>kiến</a:t>
-            </a:r>
-            <a:r>
-              <a:rPr lang="en-US" sz="2200" dirty="0">
-                <a:latin typeface="Times New Roman" panose="02020603050405020304" pitchFamily="18" charset="0"/>
-                <a:cs typeface="Times New Roman" panose="02020603050405020304" pitchFamily="18" charset="0"/>
-              </a:rPr>
-              <a:t> </a:t>
-            </a:r>
-            <a:r>
-              <a:rPr lang="en-US" sz="2200" dirty="0" err="1" smtClean="0">
-                <a:latin typeface="Times New Roman" panose="02020603050405020304" pitchFamily="18" charset="0"/>
-                <a:cs typeface="Times New Roman" panose="02020603050405020304" pitchFamily="18" charset="0"/>
-              </a:rPr>
-              <a:t>trúc</a:t>
-            </a:r>
-            <a:r>
-              <a:rPr lang="en-US" sz="2200" dirty="0" smtClean="0">
-                <a:latin typeface="Times New Roman" panose="02020603050405020304" pitchFamily="18" charset="0"/>
-                <a:cs typeface="Times New Roman" panose="02020603050405020304" pitchFamily="18" charset="0"/>
-              </a:rPr>
-              <a:t> </a:t>
-            </a:r>
-            <a:r>
-              <a:rPr lang="en-US" sz="2200" dirty="0" err="1" smtClean="0">
-                <a:latin typeface="Times New Roman" panose="02020603050405020304" pitchFamily="18" charset="0"/>
-                <a:cs typeface="Times New Roman" panose="02020603050405020304" pitchFamily="18" charset="0"/>
-              </a:rPr>
-              <a:t>của</a:t>
-            </a:r>
-            <a:r>
-              <a:rPr lang="en-US" sz="2200" dirty="0" smtClean="0">
-                <a:latin typeface="Times New Roman" panose="02020603050405020304" pitchFamily="18" charset="0"/>
-                <a:cs typeface="Times New Roman" panose="02020603050405020304" pitchFamily="18" charset="0"/>
-              </a:rPr>
-              <a:t> React: </a:t>
-            </a:r>
-            <a:r>
-              <a:rPr lang="en-US" sz="2200" dirty="0" err="1" smtClean="0">
-                <a:latin typeface="Times New Roman" panose="02020603050405020304" pitchFamily="18" charset="0"/>
-                <a:cs typeface="Times New Roman" panose="02020603050405020304" pitchFamily="18" charset="0"/>
-              </a:rPr>
-              <a:t>tạo</a:t>
-            </a:r>
-            <a:r>
-              <a:rPr lang="en-US" sz="2200" dirty="0" smtClean="0">
-                <a:latin typeface="Times New Roman" panose="02020603050405020304" pitchFamily="18" charset="0"/>
-                <a:cs typeface="Times New Roman" panose="02020603050405020304" pitchFamily="18" charset="0"/>
-              </a:rPr>
-              <a:t> </a:t>
-            </a:r>
-            <a:r>
-              <a:rPr lang="en-US" sz="2200" dirty="0" err="1" smtClean="0">
-                <a:latin typeface="Times New Roman" panose="02020603050405020304" pitchFamily="18" charset="0"/>
-                <a:cs typeface="Times New Roman" panose="02020603050405020304" pitchFamily="18" charset="0"/>
-              </a:rPr>
-              <a:t>và</a:t>
-            </a:r>
-            <a:r>
-              <a:rPr lang="en-US" sz="2200" dirty="0" smtClean="0">
-                <a:latin typeface="Times New Roman" panose="02020603050405020304" pitchFamily="18" charset="0"/>
-                <a:cs typeface="Times New Roman" panose="02020603050405020304" pitchFamily="18" charset="0"/>
-              </a:rPr>
-              <a:t> </a:t>
-            </a:r>
-            <a:r>
-              <a:rPr lang="en-US" sz="2200" dirty="0" err="1" smtClean="0">
-                <a:latin typeface="Times New Roman" panose="02020603050405020304" pitchFamily="18" charset="0"/>
-                <a:cs typeface="Times New Roman" panose="02020603050405020304" pitchFamily="18" charset="0"/>
-              </a:rPr>
-              <a:t>quản</a:t>
-            </a:r>
-            <a:r>
-              <a:rPr lang="en-US" sz="2200" dirty="0" smtClean="0">
-                <a:latin typeface="Times New Roman" panose="02020603050405020304" pitchFamily="18" charset="0"/>
-                <a:cs typeface="Times New Roman" panose="02020603050405020304" pitchFamily="18" charset="0"/>
-              </a:rPr>
-              <a:t> </a:t>
-            </a:r>
-            <a:r>
-              <a:rPr lang="en-US" sz="2200" dirty="0" err="1" smtClean="0">
-                <a:latin typeface="Times New Roman" panose="02020603050405020304" pitchFamily="18" charset="0"/>
-                <a:cs typeface="Times New Roman" panose="02020603050405020304" pitchFamily="18" charset="0"/>
-              </a:rPr>
-              <a:t>lý</a:t>
-            </a:r>
-            <a:r>
-              <a:rPr lang="en-US" sz="2200" dirty="0" smtClean="0">
-                <a:latin typeface="Times New Roman" panose="02020603050405020304" pitchFamily="18" charset="0"/>
-                <a:cs typeface="Times New Roman" panose="02020603050405020304" pitchFamily="18" charset="0"/>
-              </a:rPr>
-              <a:t> </a:t>
-            </a:r>
-            <a:r>
-              <a:rPr lang="en-US" sz="2200" dirty="0" err="1" smtClean="0">
-                <a:latin typeface="Times New Roman" panose="02020603050405020304" pitchFamily="18" charset="0"/>
-                <a:cs typeface="Times New Roman" panose="02020603050405020304" pitchFamily="18" charset="0"/>
-              </a:rPr>
-              <a:t>các</a:t>
-            </a:r>
-            <a:r>
-              <a:rPr lang="en-US" sz="2200" dirty="0" smtClean="0">
-                <a:latin typeface="Times New Roman" panose="02020603050405020304" pitchFamily="18" charset="0"/>
-                <a:cs typeface="Times New Roman" panose="02020603050405020304" pitchFamily="18" charset="0"/>
-              </a:rPr>
-              <a:t> component (Function component)</a:t>
-            </a:r>
-          </a:p>
-          <a:p>
-            <a:pPr lvl="1" algn="just"/>
-            <a:r>
-              <a:rPr lang="en-US" sz="2200" dirty="0">
-                <a:latin typeface="Times New Roman" panose="02020603050405020304" pitchFamily="18" charset="0"/>
-                <a:cs typeface="Times New Roman" panose="02020603050405020304" pitchFamily="18" charset="0"/>
-              </a:rPr>
-              <a:t> </a:t>
-            </a:r>
-            <a:r>
-              <a:rPr lang="en-US" sz="2200" dirty="0" err="1" smtClean="0">
-                <a:latin typeface="Times New Roman" panose="02020603050405020304" pitchFamily="18" charset="0"/>
-                <a:cs typeface="Times New Roman" panose="02020603050405020304" pitchFamily="18" charset="0"/>
-              </a:rPr>
-              <a:t>Quản</a:t>
-            </a:r>
-            <a:r>
-              <a:rPr lang="en-US" sz="2200" dirty="0" smtClean="0">
-                <a:latin typeface="Times New Roman" panose="02020603050405020304" pitchFamily="18" charset="0"/>
-                <a:cs typeface="Times New Roman" panose="02020603050405020304" pitchFamily="18" charset="0"/>
-              </a:rPr>
-              <a:t> </a:t>
-            </a:r>
-            <a:r>
-              <a:rPr lang="en-US" sz="2200" dirty="0" err="1" smtClean="0">
-                <a:latin typeface="Times New Roman" panose="02020603050405020304" pitchFamily="18" charset="0"/>
-                <a:cs typeface="Times New Roman" panose="02020603050405020304" pitchFamily="18" charset="0"/>
-              </a:rPr>
-              <a:t>lý</a:t>
-            </a:r>
-            <a:r>
-              <a:rPr lang="en-US" sz="2200" dirty="0" smtClean="0">
-                <a:latin typeface="Times New Roman" panose="02020603050405020304" pitchFamily="18" charset="0"/>
-                <a:cs typeface="Times New Roman" panose="02020603050405020304" pitchFamily="18" charset="0"/>
-              </a:rPr>
-              <a:t> </a:t>
-            </a:r>
-            <a:r>
-              <a:rPr lang="en-US" sz="2200" dirty="0" err="1" smtClean="0">
-                <a:latin typeface="Times New Roman" panose="02020603050405020304" pitchFamily="18" charset="0"/>
-                <a:cs typeface="Times New Roman" panose="02020603050405020304" pitchFamily="18" charset="0"/>
-              </a:rPr>
-              <a:t>trạng</a:t>
-            </a:r>
-            <a:r>
-              <a:rPr lang="en-US" sz="2200" dirty="0" smtClean="0">
-                <a:latin typeface="Times New Roman" panose="02020603050405020304" pitchFamily="18" charset="0"/>
-                <a:cs typeface="Times New Roman" panose="02020603050405020304" pitchFamily="18" charset="0"/>
-              </a:rPr>
-              <a:t> </a:t>
-            </a:r>
-            <a:r>
-              <a:rPr lang="en-US" sz="2200" dirty="0" err="1" smtClean="0">
-                <a:latin typeface="Times New Roman" panose="02020603050405020304" pitchFamily="18" charset="0"/>
-                <a:cs typeface="Times New Roman" panose="02020603050405020304" pitchFamily="18" charset="0"/>
-              </a:rPr>
-              <a:t>thái</a:t>
-            </a:r>
-            <a:r>
-              <a:rPr lang="en-US" sz="2200" dirty="0" smtClean="0">
-                <a:latin typeface="Times New Roman" panose="02020603050405020304" pitchFamily="18" charset="0"/>
-                <a:cs typeface="Times New Roman" panose="02020603050405020304" pitchFamily="18" charset="0"/>
-              </a:rPr>
-              <a:t> </a:t>
-            </a:r>
-            <a:r>
-              <a:rPr lang="en-US" sz="2200" dirty="0" err="1" smtClean="0">
-                <a:latin typeface="Times New Roman" panose="02020603050405020304" pitchFamily="18" charset="0"/>
-                <a:cs typeface="Times New Roman" panose="02020603050405020304" pitchFamily="18" charset="0"/>
-              </a:rPr>
-              <a:t>trong</a:t>
-            </a:r>
-            <a:r>
-              <a:rPr lang="en-US" sz="2200" dirty="0" smtClean="0">
-                <a:latin typeface="Times New Roman" panose="02020603050405020304" pitchFamily="18" charset="0"/>
-                <a:cs typeface="Times New Roman" panose="02020603050405020304" pitchFamily="18" charset="0"/>
-              </a:rPr>
-              <a:t> </a:t>
-            </a:r>
-            <a:r>
-              <a:rPr lang="en-US" sz="2200" dirty="0" err="1" smtClean="0">
-                <a:latin typeface="Times New Roman" panose="02020603050405020304" pitchFamily="18" charset="0"/>
-                <a:cs typeface="Times New Roman" panose="02020603050405020304" pitchFamily="18" charset="0"/>
-              </a:rPr>
-              <a:t>các</a:t>
-            </a:r>
-            <a:r>
-              <a:rPr lang="en-US" sz="2200" dirty="0" smtClean="0">
-                <a:latin typeface="Times New Roman" panose="02020603050405020304" pitchFamily="18" charset="0"/>
-                <a:cs typeface="Times New Roman" panose="02020603050405020304" pitchFamily="18" charset="0"/>
-              </a:rPr>
-              <a:t> component (React hooks), Event handling, Routing, </a:t>
-            </a:r>
-            <a:r>
-              <a:rPr lang="en-US" sz="2200" dirty="0" err="1" smtClean="0">
-                <a:latin typeface="Times New Roman" panose="02020603050405020304" pitchFamily="18" charset="0"/>
-                <a:cs typeface="Times New Roman" panose="02020603050405020304" pitchFamily="18" charset="0"/>
-              </a:rPr>
-              <a:t>tích</a:t>
-            </a:r>
-            <a:r>
-              <a:rPr lang="en-US" sz="2200" dirty="0" smtClean="0">
-                <a:latin typeface="Times New Roman" panose="02020603050405020304" pitchFamily="18" charset="0"/>
-                <a:cs typeface="Times New Roman" panose="02020603050405020304" pitchFamily="18" charset="0"/>
-              </a:rPr>
-              <a:t> </a:t>
-            </a:r>
-            <a:r>
-              <a:rPr lang="en-US" sz="2200" dirty="0" err="1" smtClean="0">
-                <a:latin typeface="Times New Roman" panose="02020603050405020304" pitchFamily="18" charset="0"/>
-                <a:cs typeface="Times New Roman" panose="02020603050405020304" pitchFamily="18" charset="0"/>
-              </a:rPr>
-              <a:t>hợp</a:t>
-            </a:r>
-            <a:r>
-              <a:rPr lang="en-US" sz="2200" dirty="0" smtClean="0">
-                <a:latin typeface="Times New Roman" panose="02020603050405020304" pitchFamily="18" charset="0"/>
-                <a:cs typeface="Times New Roman" panose="02020603050405020304" pitchFamily="18" charset="0"/>
-              </a:rPr>
-              <a:t> </a:t>
-            </a:r>
-            <a:r>
-              <a:rPr lang="en-US" sz="2200" dirty="0" err="1" smtClean="0">
-                <a:latin typeface="Times New Roman" panose="02020603050405020304" pitchFamily="18" charset="0"/>
-                <a:cs typeface="Times New Roman" panose="02020603050405020304" pitchFamily="18" charset="0"/>
-              </a:rPr>
-              <a:t>dịnh</a:t>
-            </a:r>
-            <a:r>
-              <a:rPr lang="en-US" sz="2200" dirty="0" smtClean="0">
-                <a:latin typeface="Times New Roman" panose="02020603050405020304" pitchFamily="18" charset="0"/>
-                <a:cs typeface="Times New Roman" panose="02020603050405020304" pitchFamily="18" charset="0"/>
-              </a:rPr>
-              <a:t> </a:t>
-            </a:r>
-            <a:r>
-              <a:rPr lang="en-US" sz="2200" dirty="0" err="1" smtClean="0">
-                <a:latin typeface="Times New Roman" panose="02020603050405020304" pitchFamily="18" charset="0"/>
-                <a:cs typeface="Times New Roman" panose="02020603050405020304" pitchFamily="18" charset="0"/>
-              </a:rPr>
-              <a:t>vụ</a:t>
-            </a:r>
-            <a:r>
-              <a:rPr lang="en-US" sz="2200" dirty="0" smtClean="0">
-                <a:latin typeface="Times New Roman" panose="02020603050405020304" pitchFamily="18" charset="0"/>
-                <a:cs typeface="Times New Roman" panose="02020603050405020304" pitchFamily="18" charset="0"/>
-              </a:rPr>
-              <a:t> API</a:t>
-            </a:r>
-          </a:p>
-          <a:p>
-            <a:pPr lvl="1" algn="just"/>
-            <a:r>
-              <a:rPr lang="en-US" sz="2200" dirty="0">
-                <a:latin typeface="Times New Roman" panose="02020603050405020304" pitchFamily="18" charset="0"/>
-                <a:cs typeface="Times New Roman" panose="02020603050405020304" pitchFamily="18" charset="0"/>
-              </a:rPr>
-              <a:t> </a:t>
-            </a:r>
-            <a:r>
-              <a:rPr lang="en-US" sz="2200" dirty="0" smtClean="0">
-                <a:latin typeface="Times New Roman" panose="02020603050405020304" pitchFamily="18" charset="0"/>
-                <a:cs typeface="Times New Roman" panose="02020603050405020304" pitchFamily="18" charset="0"/>
-              </a:rPr>
-              <a:t>Build </a:t>
-            </a:r>
-            <a:r>
-              <a:rPr lang="en-US" sz="2200" dirty="0" err="1" smtClean="0">
-                <a:latin typeface="Times New Roman" panose="02020603050405020304" pitchFamily="18" charset="0"/>
-                <a:cs typeface="Times New Roman" panose="02020603050405020304" pitchFamily="18" charset="0"/>
-              </a:rPr>
-              <a:t>và</a:t>
-            </a:r>
-            <a:r>
-              <a:rPr lang="en-US" sz="2200" dirty="0" smtClean="0">
-                <a:latin typeface="Times New Roman" panose="02020603050405020304" pitchFamily="18" charset="0"/>
-                <a:cs typeface="Times New Roman" panose="02020603050405020304" pitchFamily="18" charset="0"/>
-              </a:rPr>
-              <a:t> deploy </a:t>
-            </a:r>
-            <a:r>
-              <a:rPr lang="en-US" sz="2200" dirty="0" err="1" smtClean="0">
-                <a:latin typeface="Times New Roman" panose="02020603050405020304" pitchFamily="18" charset="0"/>
-                <a:cs typeface="Times New Roman" panose="02020603050405020304" pitchFamily="18" charset="0"/>
-              </a:rPr>
-              <a:t>một</a:t>
-            </a:r>
-            <a:r>
-              <a:rPr lang="en-US" sz="2200" dirty="0" smtClean="0">
-                <a:latin typeface="Times New Roman" panose="02020603050405020304" pitchFamily="18" charset="0"/>
-                <a:cs typeface="Times New Roman" panose="02020603050405020304" pitchFamily="18" charset="0"/>
-              </a:rPr>
-              <a:t> project</a:t>
-            </a:r>
-          </a:p>
-        </p:txBody>
-      </p:sp>
-    </p:spTree>
-    <p:extLst>
-      <p:ext uri="{BB962C8B-B14F-4D97-AF65-F5344CB8AC3E}">
-        <p14:creationId xmlns:p14="http://schemas.microsoft.com/office/powerpoint/2010/main" val="1163944525"/>
-      </p:ext>
-    </p:extLst>
-  </p:cSld>
-  <p:clrMapOvr>
-    <a:masterClrMapping/>
-  </p:clrMapOvr>
-  <p:timing>
-    <p:tnLst>
-      <p:par>
-        <p:cTn id="1" dur="indefinite" restart="never" nodeType="tmRoot"/>
-      </p:par>
-    </p:tnLst>
-  </p:timing>
-</p:sld>
-</file>
-
-<file path=ppt/slides/slide40.xml><?xml version="1.0" encoding="utf-8"?>
-<p:sld xmlns:a="http://schemas.openxmlformats.org/drawingml/2006/main" xmlns:r="http://schemas.openxmlformats.org/officeDocument/2006/relationships" xmlns:p="http://schemas.openxmlformats.org/presentationml/2006/main">
-  <p:cSld>
-    <p:spTree>
-      <p:nvGrpSpPr>
-        <p:cNvPr id="1" name=""/>
-        <p:cNvGrpSpPr/>
-        <p:nvPr/>
-      </p:nvGrpSpPr>
-      <p:grpSpPr>
-        <a:xfrm>
-          <a:off x="0" y="0"/>
-          <a:ext cx="0" cy="0"/>
-          <a:chOff x="0" y="0"/>
-          <a:chExt cx="0" cy="0"/>
-        </a:xfrm>
-      </p:grpSpPr>
-      <p:sp>
-        <p:nvSpPr>
-          <p:cNvPr id="2" name="Title 1"/>
-          <p:cNvSpPr>
-            <a:spLocks noGrp="1"/>
-          </p:cNvSpPr>
-          <p:nvPr>
-            <p:ph type="title"/>
-          </p:nvPr>
-        </p:nvSpPr>
-        <p:spPr/>
-        <p:txBody>
-          <a:bodyPr/>
-          <a:lstStyle/>
-          <a:p>
-            <a:r>
-              <a:rPr lang="en-US" dirty="0" smtClean="0">
-                <a:latin typeface="Times New Roman" panose="02020603050405020304" pitchFamily="18" charset="0"/>
-                <a:cs typeface="Times New Roman" panose="02020603050405020304" pitchFamily="18" charset="0"/>
-              </a:rPr>
-              <a:t>Router</a:t>
-            </a:r>
-            <a:endParaRPr lang="en-US" dirty="0">
-              <a:latin typeface="Times New Roman" panose="02020603050405020304" pitchFamily="18" charset="0"/>
-              <a:cs typeface="Times New Roman" panose="02020603050405020304" pitchFamily="18" charset="0"/>
-            </a:endParaRPr>
-          </a:p>
-        </p:txBody>
-      </p:sp>
-      <p:sp>
-        <p:nvSpPr>
-          <p:cNvPr id="3" name="Content Placeholder 2"/>
-          <p:cNvSpPr>
-            <a:spLocks noGrp="1"/>
-          </p:cNvSpPr>
-          <p:nvPr>
-            <p:ph idx="1"/>
-          </p:nvPr>
-        </p:nvSpPr>
-        <p:spPr/>
-        <p:txBody>
-          <a:bodyPr>
-            <a:normAutofit/>
-          </a:bodyPr>
-          <a:lstStyle/>
-          <a:p>
-            <a:pPr algn="just"/>
-            <a:r>
-              <a:rPr lang="en-US" dirty="0">
-                <a:latin typeface="Times New Roman" panose="02020603050405020304" pitchFamily="18" charset="0"/>
-                <a:cs typeface="Times New Roman" panose="02020603050405020304" pitchFamily="18" charset="0"/>
-              </a:rPr>
-              <a:t>- </a:t>
-            </a:r>
-            <a:r>
-              <a:rPr lang="en-US" dirty="0" err="1" smtClean="0">
-                <a:latin typeface="Times New Roman" panose="02020603050405020304" pitchFamily="18" charset="0"/>
-                <a:cs typeface="Times New Roman" panose="02020603050405020304" pitchFamily="18" charset="0"/>
-              </a:rPr>
-              <a:t>useNavigate</a:t>
-            </a:r>
-            <a:r>
-              <a:rPr lang="en-US" dirty="0" smtClean="0">
-                <a:latin typeface="Times New Roman" panose="02020603050405020304" pitchFamily="18" charset="0"/>
-                <a:cs typeface="Times New Roman" panose="02020603050405020304" pitchFamily="18" charset="0"/>
-              </a:rPr>
-              <a:t>: </a:t>
-            </a:r>
-            <a:r>
-              <a:rPr lang="vi-VN" dirty="0">
-                <a:latin typeface="Times New Roman" panose="02020603050405020304" pitchFamily="18" charset="0"/>
-                <a:cs typeface="Times New Roman" panose="02020603050405020304" pitchFamily="18" charset="0"/>
-              </a:rPr>
-              <a:t>được sử dụng để thực hiện điều hướng chương trình </a:t>
-            </a:r>
-            <a:r>
-              <a:rPr lang="vi-VN" dirty="0" smtClean="0">
-                <a:latin typeface="Times New Roman" panose="02020603050405020304" pitchFamily="18" charset="0"/>
-                <a:cs typeface="Times New Roman" panose="02020603050405020304" pitchFamily="18" charset="0"/>
-              </a:rPr>
-              <a:t>trong </a:t>
-            </a:r>
-            <a:r>
-              <a:rPr lang="vi-VN" dirty="0">
-                <a:latin typeface="Times New Roman" panose="02020603050405020304" pitchFamily="18" charset="0"/>
-                <a:cs typeface="Times New Roman" panose="02020603050405020304" pitchFamily="18" charset="0"/>
-              </a:rPr>
-              <a:t>ứng dụng. </a:t>
-            </a:r>
-            <a:r>
-              <a:rPr lang="en-US" dirty="0">
-                <a:latin typeface="Times New Roman" panose="02020603050405020304" pitchFamily="18" charset="0"/>
-                <a:cs typeface="Times New Roman" panose="02020603050405020304" pitchFamily="18" charset="0"/>
-              </a:rPr>
-              <a:t>C</a:t>
-            </a:r>
-            <a:r>
-              <a:rPr lang="vi-VN" dirty="0" smtClean="0">
-                <a:latin typeface="Times New Roman" panose="02020603050405020304" pitchFamily="18" charset="0"/>
-                <a:cs typeface="Times New Roman" panose="02020603050405020304" pitchFamily="18" charset="0"/>
-              </a:rPr>
-              <a:t>ó </a:t>
-            </a:r>
-            <a:r>
-              <a:rPr lang="vi-VN" dirty="0">
-                <a:latin typeface="Times New Roman" panose="02020603050405020304" pitchFamily="18" charset="0"/>
-                <a:cs typeface="Times New Roman" panose="02020603050405020304" pitchFamily="18" charset="0"/>
-              </a:rPr>
-              <a:t>thể điều hướng người dùng đến một đường dẫn khác dựa trên các sự kiện hoặc logic trong </a:t>
-            </a:r>
-            <a:r>
-              <a:rPr lang="vi-VN" dirty="0" smtClean="0">
-                <a:latin typeface="Times New Roman" panose="02020603050405020304" pitchFamily="18" charset="0"/>
-                <a:cs typeface="Times New Roman" panose="02020603050405020304" pitchFamily="18" charset="0"/>
-              </a:rPr>
-              <a:t>mã</a:t>
-            </a:r>
-            <a:r>
-              <a:rPr lang="en-US" dirty="0" smtClean="0">
-                <a:latin typeface="Times New Roman" panose="02020603050405020304" pitchFamily="18" charset="0"/>
-                <a:cs typeface="Times New Roman" panose="02020603050405020304" pitchFamily="18" charset="0"/>
-              </a:rPr>
-              <a:t>.</a:t>
-            </a:r>
-          </a:p>
-          <a:p>
-            <a:pPr algn="just"/>
-            <a:r>
-              <a:rPr lang="en-US" dirty="0">
-                <a:latin typeface="Times New Roman" panose="02020603050405020304" pitchFamily="18" charset="0"/>
-                <a:cs typeface="Times New Roman" panose="02020603050405020304" pitchFamily="18" charset="0"/>
-              </a:rPr>
-              <a:t>- </a:t>
-            </a:r>
-            <a:r>
-              <a:rPr lang="en-US" dirty="0" err="1" smtClean="0">
-                <a:latin typeface="Times New Roman" panose="02020603050405020304" pitchFamily="18" charset="0"/>
-                <a:cs typeface="Times New Roman" panose="02020603050405020304" pitchFamily="18" charset="0"/>
-              </a:rPr>
-              <a:t>useLocation</a:t>
-            </a:r>
-            <a:r>
-              <a:rPr lang="en-US" dirty="0" smtClean="0">
-                <a:latin typeface="Times New Roman" panose="02020603050405020304" pitchFamily="18" charset="0"/>
-                <a:cs typeface="Times New Roman" panose="02020603050405020304" pitchFamily="18" charset="0"/>
-              </a:rPr>
-              <a:t>: </a:t>
-            </a:r>
-            <a:r>
-              <a:rPr lang="vi-VN" dirty="0">
-                <a:latin typeface="Times New Roman" panose="02020603050405020304" pitchFamily="18" charset="0"/>
-                <a:cs typeface="Times New Roman" panose="02020603050405020304" pitchFamily="18" charset="0"/>
-              </a:rPr>
-              <a:t>trả về đối tượng location hiện tại, bao gồm thông tin về URL như pathname, search, và hash. Rất hữu ích để biết vị trí hiện tại trong ứng </a:t>
-            </a:r>
-            <a:r>
-              <a:rPr lang="vi-VN" dirty="0" smtClean="0">
-                <a:latin typeface="Times New Roman" panose="02020603050405020304" pitchFamily="18" charset="0"/>
-                <a:cs typeface="Times New Roman" panose="02020603050405020304" pitchFamily="18" charset="0"/>
-              </a:rPr>
-              <a:t>dụng</a:t>
-            </a:r>
-            <a:endParaRPr lang="en-US" dirty="0" smtClean="0">
-              <a:latin typeface="Times New Roman" panose="02020603050405020304" pitchFamily="18" charset="0"/>
-              <a:cs typeface="Times New Roman" panose="02020603050405020304" pitchFamily="18" charset="0"/>
-            </a:endParaRPr>
-          </a:p>
-          <a:p>
-            <a:pPr algn="just"/>
-            <a:r>
-              <a:rPr lang="en-US" dirty="0">
-                <a:latin typeface="Times New Roman" panose="02020603050405020304" pitchFamily="18" charset="0"/>
-                <a:cs typeface="Times New Roman" panose="02020603050405020304" pitchFamily="18" charset="0"/>
-              </a:rPr>
-              <a:t>- </a:t>
-            </a:r>
-            <a:r>
-              <a:rPr lang="en-US" dirty="0" err="1" smtClean="0">
-                <a:latin typeface="Times New Roman" panose="02020603050405020304" pitchFamily="18" charset="0"/>
-                <a:cs typeface="Times New Roman" panose="02020603050405020304" pitchFamily="18" charset="0"/>
-              </a:rPr>
-              <a:t>useParams</a:t>
-            </a:r>
-            <a:r>
-              <a:rPr lang="en-US" dirty="0" smtClean="0">
-                <a:latin typeface="Times New Roman" panose="02020603050405020304" pitchFamily="18" charset="0"/>
-                <a:cs typeface="Times New Roman" panose="02020603050405020304" pitchFamily="18" charset="0"/>
-              </a:rPr>
-              <a:t>: </a:t>
-            </a:r>
-            <a:r>
-              <a:rPr lang="vi-VN" dirty="0">
-                <a:latin typeface="Times New Roman" panose="02020603050405020304" pitchFamily="18" charset="0"/>
-                <a:cs typeface="Times New Roman" panose="02020603050405020304" pitchFamily="18" charset="0"/>
-              </a:rPr>
-              <a:t>trả về một đối tượng chứa các tham số động từ URL. Hữu ích khi bạn có các đường dẫn </a:t>
-            </a:r>
-            <a:r>
-              <a:rPr lang="vi-VN" dirty="0" smtClean="0">
-                <a:latin typeface="Times New Roman" panose="02020603050405020304" pitchFamily="18" charset="0"/>
-                <a:cs typeface="Times New Roman" panose="02020603050405020304" pitchFamily="18" charset="0"/>
-              </a:rPr>
-              <a:t>động</a:t>
-            </a:r>
-            <a:endParaRPr lang="en-US" dirty="0" smtClean="0">
-              <a:latin typeface="Times New Roman" panose="02020603050405020304" pitchFamily="18" charset="0"/>
-              <a:cs typeface="Times New Roman" panose="02020603050405020304" pitchFamily="18" charset="0"/>
-            </a:endParaRPr>
-          </a:p>
-          <a:p>
-            <a:pPr algn="just"/>
-            <a:r>
-              <a:rPr lang="en-US" dirty="0">
-                <a:latin typeface="Times New Roman" panose="02020603050405020304" pitchFamily="18" charset="0"/>
-                <a:cs typeface="Times New Roman" panose="02020603050405020304" pitchFamily="18" charset="0"/>
-              </a:rPr>
-              <a:t>- </a:t>
-            </a:r>
-            <a:r>
-              <a:rPr lang="en-US" dirty="0" err="1" smtClean="0">
-                <a:latin typeface="Times New Roman" panose="02020603050405020304" pitchFamily="18" charset="0"/>
-                <a:cs typeface="Times New Roman" panose="02020603050405020304" pitchFamily="18" charset="0"/>
-              </a:rPr>
-              <a:t>useRoutes</a:t>
-            </a:r>
-            <a:r>
-              <a:rPr lang="en-US" dirty="0" smtClean="0">
-                <a:latin typeface="Times New Roman" panose="02020603050405020304" pitchFamily="18" charset="0"/>
-                <a:cs typeface="Times New Roman" panose="02020603050405020304" pitchFamily="18" charset="0"/>
-              </a:rPr>
-              <a:t>: </a:t>
-            </a:r>
-            <a:r>
-              <a:rPr lang="vi-VN" dirty="0">
-                <a:latin typeface="Times New Roman" panose="02020603050405020304" pitchFamily="18" charset="0"/>
-                <a:cs typeface="Times New Roman" panose="02020603050405020304" pitchFamily="18" charset="0"/>
-              </a:rPr>
-              <a:t>được sử dụng để định nghĩa và xử lý các tuyến đường trong ứng dụng React. Nó giúp bạn tạo một cấu trúc routing phức tạp một cách dễ </a:t>
-            </a:r>
-            <a:r>
-              <a:rPr lang="vi-VN" dirty="0" smtClean="0">
-                <a:latin typeface="Times New Roman" panose="02020603050405020304" pitchFamily="18" charset="0"/>
-                <a:cs typeface="Times New Roman" panose="02020603050405020304" pitchFamily="18" charset="0"/>
-              </a:rPr>
-              <a:t>dàng</a:t>
-            </a:r>
-            <a:endParaRPr lang="en-US" dirty="0" smtClean="0">
-              <a:latin typeface="Times New Roman" panose="02020603050405020304" pitchFamily="18" charset="0"/>
-              <a:cs typeface="Times New Roman" panose="02020603050405020304" pitchFamily="18" charset="0"/>
-            </a:endParaRPr>
-          </a:p>
-        </p:txBody>
-      </p:sp>
-    </p:spTree>
-    <p:extLst>
-      <p:ext uri="{BB962C8B-B14F-4D97-AF65-F5344CB8AC3E}">
-        <p14:creationId xmlns:p14="http://schemas.microsoft.com/office/powerpoint/2010/main" val="630310870"/>
-      </p:ext>
-    </p:extLst>
-  </p:cSld>
-  <p:clrMapOvr>
-    <a:masterClrMapping/>
-  </p:clrMapOvr>
-  <p:timing>
-    <p:tnLst>
-      <p:par>
-        <p:cTn id="1" dur="indefinite" restart="never" nodeType="tmRoot"/>
-      </p:par>
-    </p:tnLst>
-  </p:timing>
-</p:sld>
-</file>
-
 <file path=ppt/slides/slide41.xml><?xml version="1.0" encoding="utf-8"?>
 <p:sld xmlns:a="http://schemas.openxmlformats.org/drawingml/2006/main" xmlns:r="http://schemas.openxmlformats.org/officeDocument/2006/relationships" xmlns:p="http://schemas.openxmlformats.org/presentationml/2006/main">
   <p:cSld>
@@ -20888,299 +20796,194 @@
                 <a:latin typeface="Times New Roman" panose="02020603050405020304" pitchFamily="18" charset="0"/>
                 <a:cs typeface="Times New Roman" panose="02020603050405020304" pitchFamily="18" charset="0"/>
               </a:rPr>
-              <a:t>useSearchParams</a:t>
+              <a:t>useNavigate</a:t>
+            </a:r>
+            <a:r>
+              <a:rPr lang="en-US" dirty="0" smtClean="0">
+                <a:latin typeface="Times New Roman" panose="02020603050405020304" pitchFamily="18" charset="0"/>
+                <a:cs typeface="Times New Roman" panose="02020603050405020304" pitchFamily="18" charset="0"/>
+              </a:rPr>
+              <a:t>: </a:t>
+            </a:r>
+            <a:r>
+              <a:rPr lang="vi-VN" dirty="0">
+                <a:latin typeface="Times New Roman" panose="02020603050405020304" pitchFamily="18" charset="0"/>
+                <a:cs typeface="Times New Roman" panose="02020603050405020304" pitchFamily="18" charset="0"/>
+              </a:rPr>
+              <a:t>được sử dụng để thực hiện điều hướng chương trình </a:t>
+            </a:r>
+            <a:r>
+              <a:rPr lang="vi-VN" dirty="0" smtClean="0">
+                <a:latin typeface="Times New Roman" panose="02020603050405020304" pitchFamily="18" charset="0"/>
+                <a:cs typeface="Times New Roman" panose="02020603050405020304" pitchFamily="18" charset="0"/>
+              </a:rPr>
+              <a:t>trong </a:t>
+            </a:r>
+            <a:r>
+              <a:rPr lang="vi-VN" dirty="0">
+                <a:latin typeface="Times New Roman" panose="02020603050405020304" pitchFamily="18" charset="0"/>
+                <a:cs typeface="Times New Roman" panose="02020603050405020304" pitchFamily="18" charset="0"/>
+              </a:rPr>
+              <a:t>ứng dụng. </a:t>
             </a:r>
             <a:r>
               <a:rPr lang="en-US" dirty="0">
                 <a:latin typeface="Times New Roman" panose="02020603050405020304" pitchFamily="18" charset="0"/>
                 <a:cs typeface="Times New Roman" panose="02020603050405020304" pitchFamily="18" charset="0"/>
               </a:rPr>
+              <a:t>C</a:t>
+            </a:r>
+            <a:r>
+              <a:rPr lang="vi-VN" dirty="0" smtClean="0">
+                <a:latin typeface="Times New Roman" panose="02020603050405020304" pitchFamily="18" charset="0"/>
+                <a:cs typeface="Times New Roman" panose="02020603050405020304" pitchFamily="18" charset="0"/>
+              </a:rPr>
+              <a:t>ó </a:t>
+            </a:r>
+            <a:r>
+              <a:rPr lang="vi-VN" dirty="0">
+                <a:latin typeface="Times New Roman" panose="02020603050405020304" pitchFamily="18" charset="0"/>
+                <a:cs typeface="Times New Roman" panose="02020603050405020304" pitchFamily="18" charset="0"/>
+              </a:rPr>
+              <a:t>thể điều hướng người dùng đến một đường dẫn khác dựa trên các sự kiện hoặc logic trong </a:t>
+            </a:r>
+            <a:r>
+              <a:rPr lang="vi-VN" dirty="0" smtClean="0">
+                <a:latin typeface="Times New Roman" panose="02020603050405020304" pitchFamily="18" charset="0"/>
+                <a:cs typeface="Times New Roman" panose="02020603050405020304" pitchFamily="18" charset="0"/>
+              </a:rPr>
+              <a:t>mã</a:t>
+            </a:r>
+            <a:r>
+              <a:rPr lang="en-US" dirty="0" smtClean="0">
+                <a:latin typeface="Times New Roman" panose="02020603050405020304" pitchFamily="18" charset="0"/>
+                <a:cs typeface="Times New Roman" panose="02020603050405020304" pitchFamily="18" charset="0"/>
+              </a:rPr>
+              <a:t>.</a:t>
+            </a:r>
+          </a:p>
+          <a:p>
+            <a:pPr algn="just"/>
+            <a:r>
+              <a:rPr lang="en-US" dirty="0">
+                <a:latin typeface="Times New Roman" panose="02020603050405020304" pitchFamily="18" charset="0"/>
+                <a:cs typeface="Times New Roman" panose="02020603050405020304" pitchFamily="18" charset="0"/>
+              </a:rPr>
+              <a:t>- </a:t>
+            </a:r>
+            <a:r>
+              <a:rPr lang="en-US" dirty="0" err="1" smtClean="0">
+                <a:latin typeface="Times New Roman" panose="02020603050405020304" pitchFamily="18" charset="0"/>
+                <a:cs typeface="Times New Roman" panose="02020603050405020304" pitchFamily="18" charset="0"/>
+              </a:rPr>
+              <a:t>useLocation</a:t>
+            </a:r>
+            <a:r>
+              <a:rPr lang="en-US" dirty="0" smtClean="0">
+                <a:latin typeface="Times New Roman" panose="02020603050405020304" pitchFamily="18" charset="0"/>
+                <a:cs typeface="Times New Roman" panose="02020603050405020304" pitchFamily="18" charset="0"/>
+              </a:rPr>
               <a:t>: </a:t>
             </a:r>
             <a:r>
-              <a:rPr lang="en-US" dirty="0" err="1">
-                <a:latin typeface="Times New Roman" panose="02020603050405020304" pitchFamily="18" charset="0"/>
-                <a:cs typeface="Times New Roman" panose="02020603050405020304" pitchFamily="18" charset="0"/>
-              </a:rPr>
-              <a:t>cung</a:t>
-            </a:r>
+              <a:rPr lang="vi-VN" dirty="0">
+                <a:latin typeface="Times New Roman" panose="02020603050405020304" pitchFamily="18" charset="0"/>
+                <a:cs typeface="Times New Roman" panose="02020603050405020304" pitchFamily="18" charset="0"/>
+              </a:rPr>
+              <a:t>trả về đối tượng location hiện tại, bao gồm thông tin về URL như pathname, search, và hash. Rất hữu ích để biết vị trí hiện tại trong ứng </a:t>
+            </a:r>
+            <a:r>
+              <a:rPr lang="vi-VN" dirty="0" smtClean="0">
+                <a:latin typeface="Times New Roman" panose="02020603050405020304" pitchFamily="18" charset="0"/>
+                <a:cs typeface="Times New Roman" panose="02020603050405020304" pitchFamily="18" charset="0"/>
+              </a:rPr>
+              <a:t>dụng</a:t>
+            </a:r>
+            <a:endParaRPr lang="en-US" dirty="0" smtClean="0">
+              <a:latin typeface="Times New Roman" panose="02020603050405020304" pitchFamily="18" charset="0"/>
+              <a:cs typeface="Times New Roman" panose="02020603050405020304" pitchFamily="18" charset="0"/>
+            </a:endParaRPr>
+          </a:p>
+          <a:p>
+            <a:pPr algn="just"/>
             <a:r>
               <a:rPr lang="en-US" dirty="0">
                 <a:latin typeface="Times New Roman" panose="02020603050405020304" pitchFamily="18" charset="0"/>
                 <a:cs typeface="Times New Roman" panose="02020603050405020304" pitchFamily="18" charset="0"/>
               </a:rPr>
-              <a:t> </a:t>
-            </a:r>
-            <a:r>
-              <a:rPr lang="en-US" dirty="0" err="1">
-                <a:latin typeface="Times New Roman" panose="02020603050405020304" pitchFamily="18" charset="0"/>
-                <a:cs typeface="Times New Roman" panose="02020603050405020304" pitchFamily="18" charset="0"/>
-              </a:rPr>
-              <a:t>cấp</a:t>
-            </a:r>
+              <a:t>- </a:t>
+            </a:r>
+            <a:r>
+              <a:rPr lang="en-US" dirty="0" err="1" smtClean="0">
+                <a:latin typeface="Times New Roman" panose="02020603050405020304" pitchFamily="18" charset="0"/>
+                <a:cs typeface="Times New Roman" panose="02020603050405020304" pitchFamily="18" charset="0"/>
+              </a:rPr>
+              <a:t>useParams</a:t>
+            </a:r>
+            <a:r>
+              <a:rPr lang="en-US" dirty="0" smtClean="0">
+                <a:latin typeface="Times New Roman" panose="02020603050405020304" pitchFamily="18" charset="0"/>
+                <a:cs typeface="Times New Roman" panose="02020603050405020304" pitchFamily="18" charset="0"/>
+              </a:rPr>
+              <a:t>: </a:t>
+            </a:r>
+            <a:r>
+              <a:rPr lang="vi-VN" dirty="0">
+                <a:latin typeface="Times New Roman" panose="02020603050405020304" pitchFamily="18" charset="0"/>
+                <a:cs typeface="Times New Roman" panose="02020603050405020304" pitchFamily="18" charset="0"/>
+              </a:rPr>
+              <a:t>trả về một đối tượng chứa các tham số động từ URL. Hữu ích khi bạn có các đường dẫn </a:t>
+            </a:r>
+            <a:r>
+              <a:rPr lang="vi-VN" dirty="0" smtClean="0">
+                <a:latin typeface="Times New Roman" panose="02020603050405020304" pitchFamily="18" charset="0"/>
+                <a:cs typeface="Times New Roman" panose="02020603050405020304" pitchFamily="18" charset="0"/>
+              </a:rPr>
+              <a:t>động</a:t>
+            </a:r>
+            <a:endParaRPr lang="en-US" dirty="0" smtClean="0">
+              <a:latin typeface="Times New Roman" panose="02020603050405020304" pitchFamily="18" charset="0"/>
+              <a:cs typeface="Times New Roman" panose="02020603050405020304" pitchFamily="18" charset="0"/>
+            </a:endParaRPr>
+          </a:p>
+          <a:p>
+            <a:pPr algn="just"/>
             <a:r>
               <a:rPr lang="en-US" dirty="0">
                 <a:latin typeface="Times New Roman" panose="02020603050405020304" pitchFamily="18" charset="0"/>
                 <a:cs typeface="Times New Roman" panose="02020603050405020304" pitchFamily="18" charset="0"/>
               </a:rPr>
-              <a:t> </a:t>
-            </a:r>
-            <a:r>
-              <a:rPr lang="en-US" dirty="0" err="1">
-                <a:latin typeface="Times New Roman" panose="02020603050405020304" pitchFamily="18" charset="0"/>
-                <a:cs typeface="Times New Roman" panose="02020603050405020304" pitchFamily="18" charset="0"/>
-              </a:rPr>
-              <a:t>một</a:t>
-            </a:r>
-            <a:r>
-              <a:rPr lang="en-US" dirty="0">
-                <a:latin typeface="Times New Roman" panose="02020603050405020304" pitchFamily="18" charset="0"/>
-                <a:cs typeface="Times New Roman" panose="02020603050405020304" pitchFamily="18" charset="0"/>
-              </a:rPr>
-              <a:t> </a:t>
-            </a:r>
-            <a:r>
-              <a:rPr lang="en-US" dirty="0" err="1">
-                <a:latin typeface="Times New Roman" panose="02020603050405020304" pitchFamily="18" charset="0"/>
-                <a:cs typeface="Times New Roman" panose="02020603050405020304" pitchFamily="18" charset="0"/>
-              </a:rPr>
-              <a:t>cách</a:t>
-            </a:r>
-            <a:r>
-              <a:rPr lang="en-US" dirty="0">
-                <a:latin typeface="Times New Roman" panose="02020603050405020304" pitchFamily="18" charset="0"/>
-                <a:cs typeface="Times New Roman" panose="02020603050405020304" pitchFamily="18" charset="0"/>
-              </a:rPr>
-              <a:t> </a:t>
-            </a:r>
-            <a:r>
-              <a:rPr lang="en-US" dirty="0" err="1">
-                <a:latin typeface="Times New Roman" panose="02020603050405020304" pitchFamily="18" charset="0"/>
-                <a:cs typeface="Times New Roman" panose="02020603050405020304" pitchFamily="18" charset="0"/>
-              </a:rPr>
-              <a:t>dễ</a:t>
-            </a:r>
-            <a:r>
-              <a:rPr lang="en-US" dirty="0">
-                <a:latin typeface="Times New Roman" panose="02020603050405020304" pitchFamily="18" charset="0"/>
-                <a:cs typeface="Times New Roman" panose="02020603050405020304" pitchFamily="18" charset="0"/>
-              </a:rPr>
-              <a:t> </a:t>
-            </a:r>
-            <a:r>
-              <a:rPr lang="en-US" dirty="0" err="1">
+              <a:t>- </a:t>
+            </a:r>
+            <a:r>
+              <a:rPr lang="en-US" dirty="0" err="1" smtClean="0">
+                <a:latin typeface="Times New Roman" panose="02020603050405020304" pitchFamily="18" charset="0"/>
+                <a:cs typeface="Times New Roman" panose="02020603050405020304" pitchFamily="18" charset="0"/>
+              </a:rPr>
+              <a:t>useRoutes</a:t>
+            </a:r>
+            <a:r>
+              <a:rPr lang="en-US" dirty="0" smtClean="0">
+                <a:latin typeface="Times New Roman" panose="02020603050405020304" pitchFamily="18" charset="0"/>
+                <a:cs typeface="Times New Roman" panose="02020603050405020304" pitchFamily="18" charset="0"/>
+              </a:rPr>
+              <a:t>: </a:t>
+            </a:r>
+            <a:r>
+              <a:rPr lang="vi-VN" dirty="0">
+                <a:latin typeface="Times New Roman" panose="02020603050405020304" pitchFamily="18" charset="0"/>
+                <a:cs typeface="Times New Roman" panose="02020603050405020304" pitchFamily="18" charset="0"/>
+              </a:rPr>
+              <a:t>được sử dụng để định nghĩa và xử lý các tuyến đường trong ứng dụng React. Nó giúp bạn tạo một cấu trúc routing phức tạp một cách dễ </a:t>
+            </a:r>
+            <a:r>
+              <a:rPr lang="vi-VN" dirty="0" smtClean="0">
                 <a:latin typeface="Times New Roman" panose="02020603050405020304" pitchFamily="18" charset="0"/>
                 <a:cs typeface="Times New Roman" panose="02020603050405020304" pitchFamily="18" charset="0"/>
               </a:rPr>
               <a:t>dàng</a:t>
             </a:r>
-            <a:r>
-              <a:rPr lang="en-US" dirty="0">
-                <a:latin typeface="Times New Roman" panose="02020603050405020304" pitchFamily="18" charset="0"/>
-                <a:cs typeface="Times New Roman" panose="02020603050405020304" pitchFamily="18" charset="0"/>
-              </a:rPr>
-              <a:t> </a:t>
-            </a:r>
-            <a:r>
-              <a:rPr lang="en-US" dirty="0" err="1">
-                <a:latin typeface="Times New Roman" panose="02020603050405020304" pitchFamily="18" charset="0"/>
-                <a:cs typeface="Times New Roman" panose="02020603050405020304" pitchFamily="18" charset="0"/>
-              </a:rPr>
-              <a:t>để</a:t>
-            </a:r>
-            <a:r>
-              <a:rPr lang="en-US" dirty="0">
-                <a:latin typeface="Times New Roman" panose="02020603050405020304" pitchFamily="18" charset="0"/>
-                <a:cs typeface="Times New Roman" panose="02020603050405020304" pitchFamily="18" charset="0"/>
-              </a:rPr>
-              <a:t> </a:t>
-            </a:r>
-            <a:r>
-              <a:rPr lang="en-US" dirty="0" err="1">
-                <a:latin typeface="Times New Roman" panose="02020603050405020304" pitchFamily="18" charset="0"/>
-                <a:cs typeface="Times New Roman" panose="02020603050405020304" pitchFamily="18" charset="0"/>
-              </a:rPr>
-              <a:t>đọc</a:t>
-            </a:r>
-            <a:r>
-              <a:rPr lang="en-US" dirty="0">
-                <a:latin typeface="Times New Roman" panose="02020603050405020304" pitchFamily="18" charset="0"/>
-                <a:cs typeface="Times New Roman" panose="02020603050405020304" pitchFamily="18" charset="0"/>
-              </a:rPr>
-              <a:t> </a:t>
-            </a:r>
-            <a:r>
-              <a:rPr lang="en-US" dirty="0" err="1">
-                <a:latin typeface="Times New Roman" panose="02020603050405020304" pitchFamily="18" charset="0"/>
-                <a:cs typeface="Times New Roman" panose="02020603050405020304" pitchFamily="18" charset="0"/>
-              </a:rPr>
-              <a:t>và</a:t>
-            </a:r>
-            <a:r>
-              <a:rPr lang="en-US" dirty="0">
-                <a:latin typeface="Times New Roman" panose="02020603050405020304" pitchFamily="18" charset="0"/>
-                <a:cs typeface="Times New Roman" panose="02020603050405020304" pitchFamily="18" charset="0"/>
-              </a:rPr>
-              <a:t> </a:t>
-            </a:r>
-            <a:r>
-              <a:rPr lang="en-US" dirty="0" err="1">
-                <a:latin typeface="Times New Roman" panose="02020603050405020304" pitchFamily="18" charset="0"/>
-                <a:cs typeface="Times New Roman" panose="02020603050405020304" pitchFamily="18" charset="0"/>
-              </a:rPr>
-              <a:t>chỉnh</a:t>
-            </a:r>
-            <a:r>
-              <a:rPr lang="en-US" dirty="0">
-                <a:latin typeface="Times New Roman" panose="02020603050405020304" pitchFamily="18" charset="0"/>
-                <a:cs typeface="Times New Roman" panose="02020603050405020304" pitchFamily="18" charset="0"/>
-              </a:rPr>
-              <a:t> </a:t>
-            </a:r>
-            <a:r>
-              <a:rPr lang="en-US" dirty="0" err="1">
-                <a:latin typeface="Times New Roman" panose="02020603050405020304" pitchFamily="18" charset="0"/>
-                <a:cs typeface="Times New Roman" panose="02020603050405020304" pitchFamily="18" charset="0"/>
-              </a:rPr>
-              <a:t>sửa</a:t>
-            </a:r>
-            <a:r>
-              <a:rPr lang="en-US" dirty="0">
-                <a:latin typeface="Times New Roman" panose="02020603050405020304" pitchFamily="18" charset="0"/>
-                <a:cs typeface="Times New Roman" panose="02020603050405020304" pitchFamily="18" charset="0"/>
-              </a:rPr>
-              <a:t> </a:t>
-            </a:r>
-            <a:r>
-              <a:rPr lang="en-US" dirty="0" err="1">
-                <a:latin typeface="Times New Roman" panose="02020603050405020304" pitchFamily="18" charset="0"/>
-                <a:cs typeface="Times New Roman" panose="02020603050405020304" pitchFamily="18" charset="0"/>
-              </a:rPr>
-              <a:t>các</a:t>
-            </a:r>
-            <a:r>
-              <a:rPr lang="en-US" dirty="0">
-                <a:latin typeface="Times New Roman" panose="02020603050405020304" pitchFamily="18" charset="0"/>
-                <a:cs typeface="Times New Roman" panose="02020603050405020304" pitchFamily="18" charset="0"/>
-              </a:rPr>
-              <a:t> </a:t>
-            </a:r>
-            <a:r>
-              <a:rPr lang="en-US" dirty="0" err="1">
-                <a:latin typeface="Times New Roman" panose="02020603050405020304" pitchFamily="18" charset="0"/>
-                <a:cs typeface="Times New Roman" panose="02020603050405020304" pitchFamily="18" charset="0"/>
-              </a:rPr>
-              <a:t>tham</a:t>
-            </a:r>
-            <a:r>
-              <a:rPr lang="en-US" dirty="0">
-                <a:latin typeface="Times New Roman" panose="02020603050405020304" pitchFamily="18" charset="0"/>
-                <a:cs typeface="Times New Roman" panose="02020603050405020304" pitchFamily="18" charset="0"/>
-              </a:rPr>
-              <a:t> </a:t>
-            </a:r>
-            <a:r>
-              <a:rPr lang="en-US" dirty="0" err="1">
-                <a:latin typeface="Times New Roman" panose="02020603050405020304" pitchFamily="18" charset="0"/>
-                <a:cs typeface="Times New Roman" panose="02020603050405020304" pitchFamily="18" charset="0"/>
-              </a:rPr>
-              <a:t>số</a:t>
-            </a:r>
-            <a:r>
-              <a:rPr lang="en-US" dirty="0">
-                <a:latin typeface="Times New Roman" panose="02020603050405020304" pitchFamily="18" charset="0"/>
-                <a:cs typeface="Times New Roman" panose="02020603050405020304" pitchFamily="18" charset="0"/>
-              </a:rPr>
-              <a:t> </a:t>
-            </a:r>
-            <a:r>
-              <a:rPr lang="en-US" dirty="0" err="1">
-                <a:latin typeface="Times New Roman" panose="02020603050405020304" pitchFamily="18" charset="0"/>
-                <a:cs typeface="Times New Roman" panose="02020603050405020304" pitchFamily="18" charset="0"/>
-              </a:rPr>
-              <a:t>tìm</a:t>
-            </a:r>
-            <a:r>
-              <a:rPr lang="en-US" dirty="0">
-                <a:latin typeface="Times New Roman" panose="02020603050405020304" pitchFamily="18" charset="0"/>
-                <a:cs typeface="Times New Roman" panose="02020603050405020304" pitchFamily="18" charset="0"/>
-              </a:rPr>
-              <a:t> </a:t>
-            </a:r>
-            <a:r>
-              <a:rPr lang="en-US" dirty="0" err="1">
-                <a:latin typeface="Times New Roman" panose="02020603050405020304" pitchFamily="18" charset="0"/>
-                <a:cs typeface="Times New Roman" panose="02020603050405020304" pitchFamily="18" charset="0"/>
-              </a:rPr>
-              <a:t>kiếm</a:t>
-            </a:r>
-            <a:r>
-              <a:rPr lang="en-US" dirty="0">
-                <a:latin typeface="Times New Roman" panose="02020603050405020304" pitchFamily="18" charset="0"/>
-                <a:cs typeface="Times New Roman" panose="02020603050405020304" pitchFamily="18" charset="0"/>
-              </a:rPr>
-              <a:t> (query parameters) </a:t>
-            </a:r>
-            <a:r>
-              <a:rPr lang="en-US" dirty="0" err="1">
-                <a:latin typeface="Times New Roman" panose="02020603050405020304" pitchFamily="18" charset="0"/>
-                <a:cs typeface="Times New Roman" panose="02020603050405020304" pitchFamily="18" charset="0"/>
-              </a:rPr>
-              <a:t>trong</a:t>
-            </a:r>
-            <a:r>
-              <a:rPr lang="en-US" dirty="0">
-                <a:latin typeface="Times New Roman" panose="02020603050405020304" pitchFamily="18" charset="0"/>
-                <a:cs typeface="Times New Roman" panose="02020603050405020304" pitchFamily="18" charset="0"/>
-              </a:rPr>
-              <a:t> </a:t>
-            </a:r>
-            <a:r>
-              <a:rPr lang="en-US" dirty="0" smtClean="0">
-                <a:latin typeface="Times New Roman" panose="02020603050405020304" pitchFamily="18" charset="0"/>
-                <a:cs typeface="Times New Roman" panose="02020603050405020304" pitchFamily="18" charset="0"/>
-              </a:rPr>
-              <a:t>URL</a:t>
-            </a:r>
-          </a:p>
-          <a:p>
-            <a:pPr algn="just"/>
-            <a:r>
-              <a:rPr lang="en-US" dirty="0">
-                <a:latin typeface="Times New Roman" panose="02020603050405020304" pitchFamily="18" charset="0"/>
-                <a:cs typeface="Times New Roman" panose="02020603050405020304" pitchFamily="18" charset="0"/>
-              </a:rPr>
-              <a:t>- </a:t>
-            </a:r>
-            <a:r>
-              <a:rPr lang="en-US" dirty="0" err="1">
-                <a:latin typeface="Times New Roman" panose="02020603050405020304" pitchFamily="18" charset="0"/>
-                <a:cs typeface="Times New Roman" panose="02020603050405020304" pitchFamily="18" charset="0"/>
-              </a:rPr>
-              <a:t>useMatch</a:t>
-            </a:r>
-            <a:r>
-              <a:rPr lang="en-US" dirty="0">
-                <a:latin typeface="Times New Roman" panose="02020603050405020304" pitchFamily="18" charset="0"/>
-                <a:cs typeface="Times New Roman" panose="02020603050405020304" pitchFamily="18" charset="0"/>
-              </a:rPr>
-              <a:t>: </a:t>
-            </a:r>
-            <a:r>
-              <a:rPr lang="vi-VN" dirty="0">
-                <a:latin typeface="Times New Roman" panose="02020603050405020304" pitchFamily="18" charset="0"/>
-                <a:cs typeface="Times New Roman" panose="02020603050405020304" pitchFamily="18" charset="0"/>
-              </a:rPr>
-              <a:t>kiểm tra xem đường dẫn hiện tại có khớp với một đường dẫn đã cho hay không và trả về thông tin khớp nếu có. Hữu ích để kiểm tra điều kiện dựa trên URL hiện </a:t>
-            </a:r>
-            <a:r>
-              <a:rPr lang="vi-VN" dirty="0" smtClean="0">
-                <a:latin typeface="Times New Roman" panose="02020603050405020304" pitchFamily="18" charset="0"/>
-                <a:cs typeface="Times New Roman" panose="02020603050405020304" pitchFamily="18" charset="0"/>
-              </a:rPr>
-              <a:t>tại</a:t>
-            </a:r>
-            <a:endParaRPr lang="en-US" dirty="0">
+            <a:endParaRPr lang="en-US" dirty="0" smtClean="0">
               <a:latin typeface="Times New Roman" panose="02020603050405020304" pitchFamily="18" charset="0"/>
               <a:cs typeface="Times New Roman" panose="02020603050405020304" pitchFamily="18" charset="0"/>
             </a:endParaRPr>
@@ -21190,7 +20993,7 @@
     </p:spTree>
     <p:extLst>
       <p:ext uri="{BB962C8B-B14F-4D97-AF65-F5344CB8AC3E}">
-        <p14:creationId xmlns:p14="http://schemas.microsoft.com/office/powerpoint/2010/main" val="2968569732"/>
+        <p14:creationId xmlns:p14="http://schemas.microsoft.com/office/powerpoint/2010/main" val="630310870"/>
       </p:ext>
     </p:extLst>
   </p:cSld>
@@ -21244,14 +21047,7 @@
                 <a:latin typeface="Times New Roman" panose="02020603050405020304" pitchFamily="18" charset="0"/>
                 <a:cs typeface="Times New Roman" panose="02020603050405020304" pitchFamily="18" charset="0"/>
               </a:rPr>
-              <a:t>Router - </a:t>
-            </a:r>
-            <a:r>
-              <a:rPr lang="en-US" dirty="0" err="1" smtClean="0">
-                <a:latin typeface="Times New Roman" panose="02020603050405020304" pitchFamily="18" charset="0"/>
-                <a:cs typeface="Times New Roman" panose="02020603050405020304" pitchFamily="18" charset="0"/>
-              </a:rPr>
-              <a:t>useRoutes</a:t>
+              <a:t>Router</a:t>
             </a:r>
             <a:endParaRPr lang="en-US" dirty="0">
               <a:latin typeface="Times New Roman" panose="02020603050405020304" pitchFamily="18" charset="0"/>
@@ -21279,7 +21075,7 @@
           <a:p>
             <a:pPr algn="just"/>
             <a:r>
-              <a:rPr lang="en-US" dirty="0" smtClean="0">
+              <a:rPr lang="en-US" dirty="0">
                 <a:latin typeface="Times New Roman" panose="02020603050405020304" pitchFamily="18" charset="0"/>
                 <a:cs typeface="Times New Roman" panose="02020603050405020304" pitchFamily="18" charset="0"/>
               </a:rPr>
@@ -21290,259 +21086,297 @@
                 <a:latin typeface="Times New Roman" panose="02020603050405020304" pitchFamily="18" charset="0"/>
                 <a:cs typeface="Times New Roman" panose="02020603050405020304" pitchFamily="18" charset="0"/>
               </a:rPr>
-              <a:t>React.lazy</a:t>
-            </a:r>
-            <a:r>
-              <a:rPr lang="en-US" dirty="0" smtClean="0">
+              <a:t>useSearchParams</a:t>
+            </a:r>
+            <a:r>
+              <a:rPr lang="en-US" dirty="0">
                 <a:latin typeface="Times New Roman" panose="02020603050405020304" pitchFamily="18" charset="0"/>
                 <a:cs typeface="Times New Roman" panose="02020603050405020304" pitchFamily="18" charset="0"/>
               </a:rPr>
               <a:t>: </a:t>
             </a:r>
             <a:r>
-              <a:rPr lang="en-US" dirty="0" err="1" smtClean="0">
-                <a:latin typeface="Times New Roman" panose="02020603050405020304" pitchFamily="18" charset="0"/>
-                <a:cs typeface="Times New Roman" panose="02020603050405020304" pitchFamily="18" charset="0"/>
-              </a:rPr>
-              <a:t>không</a:t>
-            </a:r>
-            <a:r>
-              <a:rPr lang="en-US" dirty="0" smtClean="0">
-                <a:latin typeface="Times New Roman" panose="02020603050405020304" pitchFamily="18" charset="0"/>
-                <a:cs typeface="Times New Roman" panose="02020603050405020304" pitchFamily="18" charset="0"/>
-              </a:rPr>
-              <a:t> </a:t>
-            </a:r>
-            <a:r>
-              <a:rPr lang="en-US" dirty="0" err="1" smtClean="0">
-                <a:latin typeface="Times New Roman" panose="02020603050405020304" pitchFamily="18" charset="0"/>
-                <a:cs typeface="Times New Roman" panose="02020603050405020304" pitchFamily="18" charset="0"/>
-              </a:rPr>
-              <a:t>tải</a:t>
-            </a:r>
-            <a:r>
-              <a:rPr lang="en-US" dirty="0" smtClean="0">
-                <a:latin typeface="Times New Roman" panose="02020603050405020304" pitchFamily="18" charset="0"/>
-                <a:cs typeface="Times New Roman" panose="02020603050405020304" pitchFamily="18" charset="0"/>
-              </a:rPr>
-              <a:t> </a:t>
-            </a:r>
-            <a:r>
-              <a:rPr lang="en-US" dirty="0" err="1" smtClean="0">
-                <a:latin typeface="Times New Roman" panose="02020603050405020304" pitchFamily="18" charset="0"/>
-                <a:cs typeface="Times New Roman" panose="02020603050405020304" pitchFamily="18" charset="0"/>
-              </a:rPr>
-              <a:t>cho</a:t>
-            </a:r>
-            <a:r>
-              <a:rPr lang="en-US" dirty="0" smtClean="0">
-                <a:latin typeface="Times New Roman" panose="02020603050405020304" pitchFamily="18" charset="0"/>
-                <a:cs typeface="Times New Roman" panose="02020603050405020304" pitchFamily="18" charset="0"/>
-              </a:rPr>
-              <a:t> </a:t>
-            </a:r>
-            <a:r>
-              <a:rPr lang="en-US" dirty="0" err="1" smtClean="0">
-                <a:latin typeface="Times New Roman" panose="02020603050405020304" pitchFamily="18" charset="0"/>
-                <a:cs typeface="Times New Roman" panose="02020603050405020304" pitchFamily="18" charset="0"/>
-              </a:rPr>
-              <a:t>đến</a:t>
-            </a:r>
-            <a:r>
-              <a:rPr lang="en-US" dirty="0" smtClean="0">
-                <a:latin typeface="Times New Roman" panose="02020603050405020304" pitchFamily="18" charset="0"/>
-                <a:cs typeface="Times New Roman" panose="02020603050405020304" pitchFamily="18" charset="0"/>
-              </a:rPr>
-              <a:t> </a:t>
-            </a:r>
-            <a:r>
-              <a:rPr lang="en-US" dirty="0" err="1" smtClean="0">
-                <a:latin typeface="Times New Roman" panose="02020603050405020304" pitchFamily="18" charset="0"/>
-                <a:cs typeface="Times New Roman" panose="02020603050405020304" pitchFamily="18" charset="0"/>
-              </a:rPr>
-              <a:t>khi</a:t>
-            </a:r>
-            <a:r>
-              <a:rPr lang="en-US" dirty="0" smtClean="0">
-                <a:latin typeface="Times New Roman" panose="02020603050405020304" pitchFamily="18" charset="0"/>
-                <a:cs typeface="Times New Roman" panose="02020603050405020304" pitchFamily="18" charset="0"/>
-              </a:rPr>
-              <a:t> </a:t>
-            </a:r>
-            <a:r>
-              <a:rPr lang="en-US" dirty="0" err="1" smtClean="0">
-                <a:latin typeface="Times New Roman" panose="02020603050405020304" pitchFamily="18" charset="0"/>
-                <a:cs typeface="Times New Roman" panose="02020603050405020304" pitchFamily="18" charset="0"/>
-              </a:rPr>
-              <a:t>được</a:t>
-            </a:r>
-            <a:r>
-              <a:rPr lang="en-US" dirty="0" smtClean="0">
-                <a:latin typeface="Times New Roman" panose="02020603050405020304" pitchFamily="18" charset="0"/>
-                <a:cs typeface="Times New Roman" panose="02020603050405020304" pitchFamily="18" charset="0"/>
-              </a:rPr>
-              <a:t> </a:t>
-            </a:r>
-            <a:r>
-              <a:rPr lang="en-US" dirty="0" err="1" smtClean="0">
-                <a:latin typeface="Times New Roman" panose="02020603050405020304" pitchFamily="18" charset="0"/>
-                <a:cs typeface="Times New Roman" panose="02020603050405020304" pitchFamily="18" charset="0"/>
-              </a:rPr>
-              <a:t>kết</a:t>
-            </a:r>
-            <a:r>
-              <a:rPr lang="en-US" dirty="0" smtClean="0">
-                <a:latin typeface="Times New Roman" panose="02020603050405020304" pitchFamily="18" charset="0"/>
-                <a:cs typeface="Times New Roman" panose="02020603050405020304" pitchFamily="18" charset="0"/>
-              </a:rPr>
-              <a:t> </a:t>
-            </a:r>
-            <a:r>
-              <a:rPr lang="en-US" dirty="0" err="1" smtClean="0">
-                <a:latin typeface="Times New Roman" panose="02020603050405020304" pitchFamily="18" charset="0"/>
-                <a:cs typeface="Times New Roman" panose="02020603050405020304" pitchFamily="18" charset="0"/>
-              </a:rPr>
-              <a:t>xuất</a:t>
-            </a:r>
-            <a:endParaRPr lang="en-US" dirty="0" smtClean="0">
-              <a:latin typeface="Times New Roman" panose="02020603050405020304" pitchFamily="18" charset="0"/>
-              <a:cs typeface="Times New Roman" panose="02020603050405020304" pitchFamily="18" charset="0"/>
-            </a:endParaRPr>
+              <a:rPr lang="en-US" dirty="0" err="1">
+                <a:latin typeface="Times New Roman" panose="02020603050405020304" pitchFamily="18" charset="0"/>
+                <a:cs typeface="Times New Roman" panose="02020603050405020304" pitchFamily="18" charset="0"/>
+              </a:rPr>
+              <a:t>cung</a:t>
+            </a:r>
+            <a:r>
+              <a:rPr lang="en-US" dirty="0">
+                <a:latin typeface="Times New Roman" panose="02020603050405020304" pitchFamily="18" charset="0"/>
+                <a:cs typeface="Times New Roman" panose="02020603050405020304" pitchFamily="18" charset="0"/>
+              </a:rPr>
+              <a:t> </a:t>
+            </a:r>
+            <a:r>
+              <a:rPr lang="en-US" dirty="0" err="1">
+                <a:latin typeface="Times New Roman" panose="02020603050405020304" pitchFamily="18" charset="0"/>
+                <a:cs typeface="Times New Roman" panose="02020603050405020304" pitchFamily="18" charset="0"/>
+              </a:rPr>
+              <a:t>cấp</a:t>
+            </a:r>
+            <a:r>
+              <a:rPr lang="en-US" dirty="0">
+                <a:latin typeface="Times New Roman" panose="02020603050405020304" pitchFamily="18" charset="0"/>
+                <a:cs typeface="Times New Roman" panose="02020603050405020304" pitchFamily="18" charset="0"/>
+              </a:rPr>
+              <a:t> </a:t>
+            </a:r>
+            <a:r>
+              <a:rPr lang="en-US" dirty="0" err="1">
+                <a:latin typeface="Times New Roman" panose="02020603050405020304" pitchFamily="18" charset="0"/>
+                <a:cs typeface="Times New Roman" panose="02020603050405020304" pitchFamily="18" charset="0"/>
+              </a:rPr>
+              <a:t>một</a:t>
+            </a:r>
+            <a:r>
+              <a:rPr lang="en-US" dirty="0">
+                <a:latin typeface="Times New Roman" panose="02020603050405020304" pitchFamily="18" charset="0"/>
+                <a:cs typeface="Times New Roman" panose="02020603050405020304" pitchFamily="18" charset="0"/>
+              </a:rPr>
+              <a:t> </a:t>
+            </a:r>
+            <a:r>
+              <a:rPr lang="en-US" dirty="0" err="1">
+                <a:latin typeface="Times New Roman" panose="02020603050405020304" pitchFamily="18" charset="0"/>
+                <a:cs typeface="Times New Roman" panose="02020603050405020304" pitchFamily="18" charset="0"/>
+              </a:rPr>
+              <a:t>cách</a:t>
+            </a:r>
+            <a:r>
+              <a:rPr lang="en-US" dirty="0">
+                <a:latin typeface="Times New Roman" panose="02020603050405020304" pitchFamily="18" charset="0"/>
+                <a:cs typeface="Times New Roman" panose="02020603050405020304" pitchFamily="18" charset="0"/>
+              </a:rPr>
+              <a:t> </a:t>
+            </a:r>
+            <a:r>
+              <a:rPr lang="en-US" dirty="0" err="1">
+                <a:latin typeface="Times New Roman" panose="02020603050405020304" pitchFamily="18" charset="0"/>
+                <a:cs typeface="Times New Roman" panose="02020603050405020304" pitchFamily="18" charset="0"/>
+              </a:rPr>
+              <a:t>dễ</a:t>
+            </a:r>
+            <a:r>
+              <a:rPr lang="en-US" dirty="0">
+                <a:latin typeface="Times New Roman" panose="02020603050405020304" pitchFamily="18" charset="0"/>
+                <a:cs typeface="Times New Roman" panose="02020603050405020304" pitchFamily="18" charset="0"/>
+              </a:rPr>
+              <a:t> </a:t>
+            </a:r>
+            <a:r>
+              <a:rPr lang="en-US" dirty="0" err="1">
+                <a:latin typeface="Times New Roman" panose="02020603050405020304" pitchFamily="18" charset="0"/>
+                <a:cs typeface="Times New Roman" panose="02020603050405020304" pitchFamily="18" charset="0"/>
+              </a:rPr>
+              <a:t>dàng</a:t>
+            </a:r>
+            <a:r>
+              <a:rPr lang="en-US" dirty="0">
+                <a:latin typeface="Times New Roman" panose="02020603050405020304" pitchFamily="18" charset="0"/>
+                <a:cs typeface="Times New Roman" panose="02020603050405020304" pitchFamily="18" charset="0"/>
+              </a:rPr>
+              <a:t> </a:t>
+            </a:r>
+            <a:r>
+              <a:rPr lang="en-US" dirty="0" err="1">
+                <a:latin typeface="Times New Roman" panose="02020603050405020304" pitchFamily="18" charset="0"/>
+                <a:cs typeface="Times New Roman" panose="02020603050405020304" pitchFamily="18" charset="0"/>
+              </a:rPr>
+              <a:t>để</a:t>
+            </a:r>
+            <a:r>
+              <a:rPr lang="en-US" dirty="0">
+                <a:latin typeface="Times New Roman" panose="02020603050405020304" pitchFamily="18" charset="0"/>
+                <a:cs typeface="Times New Roman" panose="02020603050405020304" pitchFamily="18" charset="0"/>
+              </a:rPr>
+              <a:t> </a:t>
+            </a:r>
+            <a:r>
+              <a:rPr lang="en-US" dirty="0" err="1">
+                <a:latin typeface="Times New Roman" panose="02020603050405020304" pitchFamily="18" charset="0"/>
+                <a:cs typeface="Times New Roman" panose="02020603050405020304" pitchFamily="18" charset="0"/>
+              </a:rPr>
+              <a:t>đọc</a:t>
+            </a:r>
+            <a:r>
+              <a:rPr lang="en-US" dirty="0">
+                <a:latin typeface="Times New Roman" panose="02020603050405020304" pitchFamily="18" charset="0"/>
+                <a:cs typeface="Times New Roman" panose="02020603050405020304" pitchFamily="18" charset="0"/>
+              </a:rPr>
+              <a:t> </a:t>
+            </a:r>
+            <a:r>
+              <a:rPr lang="en-US" dirty="0" err="1">
+                <a:latin typeface="Times New Roman" panose="02020603050405020304" pitchFamily="18" charset="0"/>
+                <a:cs typeface="Times New Roman" panose="02020603050405020304" pitchFamily="18" charset="0"/>
+              </a:rPr>
+              <a:t>và</a:t>
+            </a:r>
+            <a:r>
+              <a:rPr lang="en-US" dirty="0">
+                <a:latin typeface="Times New Roman" panose="02020603050405020304" pitchFamily="18" charset="0"/>
+                <a:cs typeface="Times New Roman" panose="02020603050405020304" pitchFamily="18" charset="0"/>
+              </a:rPr>
+              <a:t> </a:t>
+            </a:r>
+            <a:r>
+              <a:rPr lang="en-US" dirty="0" err="1">
+                <a:latin typeface="Times New Roman" panose="02020603050405020304" pitchFamily="18" charset="0"/>
+                <a:cs typeface="Times New Roman" panose="02020603050405020304" pitchFamily="18" charset="0"/>
+              </a:rPr>
+              <a:t>chỉnh</a:t>
+            </a:r>
+            <a:r>
+              <a:rPr lang="en-US" dirty="0">
+                <a:latin typeface="Times New Roman" panose="02020603050405020304" pitchFamily="18" charset="0"/>
+                <a:cs typeface="Times New Roman" panose="02020603050405020304" pitchFamily="18" charset="0"/>
+              </a:rPr>
+              <a:t> </a:t>
+            </a:r>
+            <a:r>
+              <a:rPr lang="en-US" dirty="0" err="1">
+                <a:latin typeface="Times New Roman" panose="02020603050405020304" pitchFamily="18" charset="0"/>
+                <a:cs typeface="Times New Roman" panose="02020603050405020304" pitchFamily="18" charset="0"/>
+              </a:rPr>
+              <a:t>sửa</a:t>
+            </a:r>
+            <a:r>
+              <a:rPr lang="en-US" dirty="0">
+                <a:latin typeface="Times New Roman" panose="02020603050405020304" pitchFamily="18" charset="0"/>
+                <a:cs typeface="Times New Roman" panose="02020603050405020304" pitchFamily="18" charset="0"/>
+              </a:rPr>
+              <a:t> </a:t>
+            </a:r>
+            <a:r>
+              <a:rPr lang="en-US" dirty="0" err="1">
+                <a:latin typeface="Times New Roman" panose="02020603050405020304" pitchFamily="18" charset="0"/>
+                <a:cs typeface="Times New Roman" panose="02020603050405020304" pitchFamily="18" charset="0"/>
+              </a:rPr>
+              <a:t>các</a:t>
+            </a:r>
+            <a:r>
+              <a:rPr lang="en-US" dirty="0">
+                <a:latin typeface="Times New Roman" panose="02020603050405020304" pitchFamily="18" charset="0"/>
+                <a:cs typeface="Times New Roman" panose="02020603050405020304" pitchFamily="18" charset="0"/>
+              </a:rPr>
+              <a:t> </a:t>
+            </a:r>
+            <a:r>
+              <a:rPr lang="en-US" dirty="0" err="1">
+                <a:latin typeface="Times New Roman" panose="02020603050405020304" pitchFamily="18" charset="0"/>
+                <a:cs typeface="Times New Roman" panose="02020603050405020304" pitchFamily="18" charset="0"/>
+              </a:rPr>
+              <a:t>tham</a:t>
+            </a:r>
+            <a:r>
+              <a:rPr lang="en-US" dirty="0">
+                <a:latin typeface="Times New Roman" panose="02020603050405020304" pitchFamily="18" charset="0"/>
+                <a:cs typeface="Times New Roman" panose="02020603050405020304" pitchFamily="18" charset="0"/>
+              </a:rPr>
+              <a:t> </a:t>
+            </a:r>
+            <a:r>
+              <a:rPr lang="en-US" dirty="0" err="1">
+                <a:latin typeface="Times New Roman" panose="02020603050405020304" pitchFamily="18" charset="0"/>
+                <a:cs typeface="Times New Roman" panose="02020603050405020304" pitchFamily="18" charset="0"/>
+              </a:rPr>
+              <a:t>số</a:t>
+            </a:r>
+            <a:r>
+              <a:rPr lang="en-US" dirty="0">
+                <a:latin typeface="Times New Roman" panose="02020603050405020304" pitchFamily="18" charset="0"/>
+                <a:cs typeface="Times New Roman" panose="02020603050405020304" pitchFamily="18" charset="0"/>
+              </a:rPr>
+              <a:t> </a:t>
+            </a:r>
+            <a:r>
+              <a:rPr lang="en-US" dirty="0" err="1">
+                <a:latin typeface="Times New Roman" panose="02020603050405020304" pitchFamily="18" charset="0"/>
+                <a:cs typeface="Times New Roman" panose="02020603050405020304" pitchFamily="18" charset="0"/>
+              </a:rPr>
+              <a:t>tìm</a:t>
+            </a:r>
+            <a:r>
+              <a:rPr lang="en-US" dirty="0">
+                <a:latin typeface="Times New Roman" panose="02020603050405020304" pitchFamily="18" charset="0"/>
+                <a:cs typeface="Times New Roman" panose="02020603050405020304" pitchFamily="18" charset="0"/>
+              </a:rPr>
+              <a:t> </a:t>
+            </a:r>
+            <a:r>
+              <a:rPr lang="en-US" dirty="0" err="1">
+                <a:latin typeface="Times New Roman" panose="02020603050405020304" pitchFamily="18" charset="0"/>
+                <a:cs typeface="Times New Roman" panose="02020603050405020304" pitchFamily="18" charset="0"/>
+              </a:rPr>
+              <a:t>kiếm</a:t>
+            </a:r>
+            <a:r>
+              <a:rPr lang="en-US" dirty="0">
+                <a:latin typeface="Times New Roman" panose="02020603050405020304" pitchFamily="18" charset="0"/>
+                <a:cs typeface="Times New Roman" panose="02020603050405020304" pitchFamily="18" charset="0"/>
+              </a:rPr>
+              <a:t> (query parameters) </a:t>
+            </a:r>
+            <a:r>
+              <a:rPr lang="en-US" dirty="0" err="1">
+                <a:latin typeface="Times New Roman" panose="02020603050405020304" pitchFamily="18" charset="0"/>
+                <a:cs typeface="Times New Roman" panose="02020603050405020304" pitchFamily="18" charset="0"/>
+              </a:rPr>
+              <a:t>trong</a:t>
+            </a:r>
+            <a:r>
+              <a:rPr lang="en-US" dirty="0">
+                <a:latin typeface="Times New Roman" panose="02020603050405020304" pitchFamily="18" charset="0"/>
+                <a:cs typeface="Times New Roman" panose="02020603050405020304" pitchFamily="18" charset="0"/>
+              </a:rPr>
+              <a:t> </a:t>
+            </a:r>
+            <a:r>
+              <a:rPr lang="en-US" dirty="0" smtClean="0">
+                <a:latin typeface="Times New Roman" panose="02020603050405020304" pitchFamily="18" charset="0"/>
+                <a:cs typeface="Times New Roman" panose="02020603050405020304" pitchFamily="18" charset="0"/>
+              </a:rPr>
+              <a:t>URL</a:t>
+            </a:r>
           </a:p>
           <a:p>
             <a:pPr algn="just"/>
             <a:r>
-              <a:rPr lang="en-US" dirty="0" smtClean="0">
-                <a:latin typeface="Times New Roman" panose="02020603050405020304" pitchFamily="18" charset="0"/>
-                <a:cs typeface="Times New Roman" panose="02020603050405020304" pitchFamily="18" charset="0"/>
-              </a:rPr>
-              <a:t>- Suspense: </a:t>
-            </a:r>
-            <a:r>
-              <a:rPr lang="en-US" dirty="0" err="1" smtClean="0">
-                <a:latin typeface="Times New Roman" panose="02020603050405020304" pitchFamily="18" charset="0"/>
-                <a:cs typeface="Times New Roman" panose="02020603050405020304" pitchFamily="18" charset="0"/>
-              </a:rPr>
-              <a:t>bao</a:t>
-            </a:r>
-            <a:r>
-              <a:rPr lang="en-US" dirty="0" smtClean="0">
-                <a:latin typeface="Times New Roman" panose="02020603050405020304" pitchFamily="18" charset="0"/>
-                <a:cs typeface="Times New Roman" panose="02020603050405020304" pitchFamily="18" charset="0"/>
-              </a:rPr>
-              <a:t> </a:t>
-            </a:r>
-            <a:r>
-              <a:rPr lang="en-US" dirty="0" err="1" smtClean="0">
-                <a:latin typeface="Times New Roman" panose="02020603050405020304" pitchFamily="18" charset="0"/>
-                <a:cs typeface="Times New Roman" panose="02020603050405020304" pitchFamily="18" charset="0"/>
-              </a:rPr>
-              <a:t>bọc</a:t>
-            </a:r>
-            <a:r>
-              <a:rPr lang="en-US" dirty="0" smtClean="0">
-                <a:latin typeface="Times New Roman" panose="02020603050405020304" pitchFamily="18" charset="0"/>
-                <a:cs typeface="Times New Roman" panose="02020603050405020304" pitchFamily="18" charset="0"/>
-              </a:rPr>
-              <a:t> </a:t>
-            </a:r>
-            <a:r>
-              <a:rPr lang="en-US" dirty="0" err="1" smtClean="0">
-                <a:latin typeface="Times New Roman" panose="02020603050405020304" pitchFamily="18" charset="0"/>
-                <a:cs typeface="Times New Roman" panose="02020603050405020304" pitchFamily="18" charset="0"/>
-              </a:rPr>
-              <a:t>các</a:t>
-            </a:r>
-            <a:r>
-              <a:rPr lang="en-US" dirty="0" smtClean="0">
-                <a:latin typeface="Times New Roman" panose="02020603050405020304" pitchFamily="18" charset="0"/>
-                <a:cs typeface="Times New Roman" panose="02020603050405020304" pitchFamily="18" charset="0"/>
-              </a:rPr>
-              <a:t> </a:t>
-            </a:r>
-            <a:r>
-              <a:rPr lang="en-US" dirty="0" err="1" smtClean="0">
-                <a:latin typeface="Times New Roman" panose="02020603050405020304" pitchFamily="18" charset="0"/>
-                <a:cs typeface="Times New Roman" panose="02020603050405020304" pitchFamily="18" charset="0"/>
-              </a:rPr>
-              <a:t>thành</a:t>
-            </a:r>
-            <a:r>
-              <a:rPr lang="en-US" dirty="0" smtClean="0">
-                <a:latin typeface="Times New Roman" panose="02020603050405020304" pitchFamily="18" charset="0"/>
-                <a:cs typeface="Times New Roman" panose="02020603050405020304" pitchFamily="18" charset="0"/>
-              </a:rPr>
-              <a:t> </a:t>
-            </a:r>
-            <a:r>
-              <a:rPr lang="en-US" dirty="0" err="1" smtClean="0">
-                <a:latin typeface="Times New Roman" panose="02020603050405020304" pitchFamily="18" charset="0"/>
-                <a:cs typeface="Times New Roman" panose="02020603050405020304" pitchFamily="18" charset="0"/>
-              </a:rPr>
-              <a:t>phần</a:t>
-            </a:r>
-            <a:r>
-              <a:rPr lang="en-US" dirty="0" smtClean="0">
-                <a:latin typeface="Times New Roman" panose="02020603050405020304" pitchFamily="18" charset="0"/>
-                <a:cs typeface="Times New Roman" panose="02020603050405020304" pitchFamily="18" charset="0"/>
-              </a:rPr>
-              <a:t> </a:t>
-            </a:r>
-            <a:r>
-              <a:rPr lang="en-US" dirty="0" err="1" smtClean="0">
-                <a:latin typeface="Times New Roman" panose="02020603050405020304" pitchFamily="18" charset="0"/>
-                <a:cs typeface="Times New Roman" panose="02020603050405020304" pitchFamily="18" charset="0"/>
-              </a:rPr>
-              <a:t>cần</a:t>
-            </a:r>
-            <a:r>
-              <a:rPr lang="en-US" dirty="0" smtClean="0">
-                <a:latin typeface="Times New Roman" panose="02020603050405020304" pitchFamily="18" charset="0"/>
-                <a:cs typeface="Times New Roman" panose="02020603050405020304" pitchFamily="18" charset="0"/>
-              </a:rPr>
-              <a:t> </a:t>
-            </a:r>
-            <a:r>
-              <a:rPr lang="en-US" dirty="0" err="1" smtClean="0">
-                <a:latin typeface="Times New Roman" panose="02020603050405020304" pitchFamily="18" charset="0"/>
-                <a:cs typeface="Times New Roman" panose="02020603050405020304" pitchFamily="18" charset="0"/>
-              </a:rPr>
-              <a:t>tải</a:t>
-            </a:r>
-            <a:r>
-              <a:rPr lang="en-US" dirty="0" smtClean="0">
-                <a:latin typeface="Times New Roman" panose="02020603050405020304" pitchFamily="18" charset="0"/>
-                <a:cs typeface="Times New Roman" panose="02020603050405020304" pitchFamily="18" charset="0"/>
-              </a:rPr>
-              <a:t> </a:t>
-            </a:r>
-            <a:r>
-              <a:rPr lang="en-US" dirty="0" err="1" smtClean="0">
-                <a:latin typeface="Times New Roman" panose="02020603050405020304" pitchFamily="18" charset="0"/>
-                <a:cs typeface="Times New Roman" panose="02020603050405020304" pitchFamily="18" charset="0"/>
-              </a:rPr>
-              <a:t>chậm</a:t>
-            </a:r>
-            <a:endParaRPr lang="en-US" dirty="0" smtClean="0">
-              <a:latin typeface="Times New Roman" panose="02020603050405020304" pitchFamily="18" charset="0"/>
-              <a:cs typeface="Times New Roman" panose="02020603050405020304" pitchFamily="18" charset="0"/>
-            </a:endParaRPr>
-          </a:p>
-          <a:p>
-            <a:pPr algn="just"/>
-            <a:r>
               <a:rPr lang="en-US" dirty="0">
                 <a:latin typeface="Times New Roman" panose="02020603050405020304" pitchFamily="18" charset="0"/>
                 <a:cs typeface="Times New Roman" panose="02020603050405020304" pitchFamily="18" charset="0"/>
               </a:rPr>
-              <a:t>- fallback={spinner</a:t>
-            </a:r>
-            <a:r>
-              <a:rPr lang="en-US" dirty="0" smtClean="0">
-                <a:latin typeface="Times New Roman" panose="02020603050405020304" pitchFamily="18" charset="0"/>
-                <a:cs typeface="Times New Roman" panose="02020603050405020304" pitchFamily="18" charset="0"/>
-              </a:rPr>
-              <a:t>}: class spinner</a:t>
+              <a:t>- </a:t>
+            </a:r>
+            <a:r>
+              <a:rPr lang="en-US" dirty="0" err="1">
+                <a:latin typeface="Times New Roman" panose="02020603050405020304" pitchFamily="18" charset="0"/>
+                <a:cs typeface="Times New Roman" panose="02020603050405020304" pitchFamily="18" charset="0"/>
+              </a:rPr>
+              <a:t>useMatch</a:t>
+            </a:r>
+            <a:r>
+              <a:rPr lang="en-US" dirty="0">
+                <a:latin typeface="Times New Roman" panose="02020603050405020304" pitchFamily="18" charset="0"/>
+                <a:cs typeface="Times New Roman" panose="02020603050405020304" pitchFamily="18" charset="0"/>
+              </a:rPr>
+              <a:t>: </a:t>
+            </a:r>
+            <a:r>
+              <a:rPr lang="vi-VN" dirty="0">
+                <a:latin typeface="Times New Roman" panose="02020603050405020304" pitchFamily="18" charset="0"/>
+                <a:cs typeface="Times New Roman" panose="02020603050405020304" pitchFamily="18" charset="0"/>
+              </a:rPr>
+              <a:t>kiểm tra xem đường dẫn hiện tại có khớp với một đường dẫn đã cho hay không và trả về thông tin khớp nếu có. Hữu ích để kiểm tra điều kiện dựa trên URL hiện </a:t>
+            </a:r>
+            <a:r>
+              <a:rPr lang="vi-VN" dirty="0" smtClean="0">
+                <a:latin typeface="Times New Roman" panose="02020603050405020304" pitchFamily="18" charset="0"/>
+                <a:cs typeface="Times New Roman" panose="02020603050405020304" pitchFamily="18" charset="0"/>
+              </a:rPr>
+              <a:t>tại</a:t>
             </a:r>
             <a:endParaRPr lang="en-US" dirty="0">
               <a:latin typeface="Times New Roman" panose="02020603050405020304" pitchFamily="18" charset="0"/>
@@ -21551,34 +21385,10 @@
           </a:p>
         </p:txBody>
       </p:sp>
-      <p:pic>
-        <p:nvPicPr>
-          <p:cNvPr id="4" name="Picture 3"/>
-          <p:cNvPicPr>
-            <a:picLocks noChangeAspect="1"/>
-          </p:cNvPicPr>
-          <p:nvPr/>
-        </p:nvPicPr>
-        <p:blipFill>
-          <a:blip r:embed="rId2"/>
-          <a:stretch>
-            <a:fillRect/>
-          </a:stretch>
-        </p:blipFill>
-        <p:spPr>
-          <a:xfrm>
-            <a:off x="6257109" y="2233401"/>
-            <a:ext cx="5029200" cy="3248025"/>
-          </a:xfrm>
-          <a:prstGeom prst="rect">
-            <a:avLst/>
-          </a:prstGeom>
-        </p:spPr>
-      </p:pic>
     </p:spTree>
     <p:extLst>
       <p:ext uri="{BB962C8B-B14F-4D97-AF65-F5344CB8AC3E}">
-        <p14:creationId xmlns:p14="http://schemas.microsoft.com/office/powerpoint/2010/main" val="483497953"/>
+        <p14:creationId xmlns:p14="http://schemas.microsoft.com/office/powerpoint/2010/main" val="2968569732"/>
       </p:ext>
     </p:extLst>
   </p:cSld>
@@ -21628,6 +21438,394 @@
           <a:lstStyle/>
           <a:p>
             <a:r>
+              <a:rPr lang="en-US" dirty="0" smtClean="0">
+                <a:latin typeface="Times New Roman" panose="02020603050405020304" pitchFamily="18" charset="0"/>
+                <a:cs typeface="Times New Roman" panose="02020603050405020304" pitchFamily="18" charset="0"/>
+              </a:rPr>
+              <a:t>Router - </a:t>
+            </a:r>
+            <a:r>
+              <a:rPr lang="en-US" dirty="0" err="1" smtClean="0">
+                <a:latin typeface="Times New Roman" panose="02020603050405020304" pitchFamily="18" charset="0"/>
+                <a:cs typeface="Times New Roman" panose="02020603050405020304" pitchFamily="18" charset="0"/>
+              </a:rPr>
+              <a:t>useRoutes</a:t>
+            </a:r>
+            <a:endParaRPr lang="en-US" dirty="0">
+              <a:latin typeface="Times New Roman" panose="02020603050405020304" pitchFamily="18" charset="0"/>
+              <a:cs typeface="Times New Roman" panose="02020603050405020304" pitchFamily="18" charset="0"/>
+            </a:endParaRPr>
+          </a:p>
+        </p:txBody>
+      </p:sp>
+      <p:sp>
+        <p:nvSpPr>
+          <p:cNvPr id="3" name="Content Placeholder 2"/>
+          <p:cNvSpPr>
+            <a:spLocks noGrp="1"/>
+          </p:cNvSpPr>
+          <p:nvPr>
+            <p:ph idx="1"/>
+          </p:nvPr>
+        </p:nvSpPr>
+        <p:spPr/>
+        <p:txBody>
+          <a:bodyPr>
+            <a:normAutofit/>
+          </a:bodyPr>
+          <a:lstStyle/>
+          <a:p>
+            <a:pPr algn="just"/>
+            <a:r>
+              <a:rPr lang="en-US" dirty="0" smtClean="0">
+                <a:latin typeface="Times New Roman" panose="02020603050405020304" pitchFamily="18" charset="0"/>
+                <a:cs typeface="Times New Roman" panose="02020603050405020304" pitchFamily="18" charset="0"/>
+              </a:rPr>
+              <a:t>- </a:t>
+            </a:r>
+            <a:r>
+              <a:rPr lang="en-US" dirty="0" err="1" smtClean="0">
+                <a:latin typeface="Times New Roman" panose="02020603050405020304" pitchFamily="18" charset="0"/>
+                <a:cs typeface="Times New Roman" panose="02020603050405020304" pitchFamily="18" charset="0"/>
+              </a:rPr>
+              <a:t>React.lazy</a:t>
+            </a:r>
+            <a:r>
+              <a:rPr lang="en-US" dirty="0" smtClean="0">
+                <a:latin typeface="Times New Roman" panose="02020603050405020304" pitchFamily="18" charset="0"/>
+                <a:cs typeface="Times New Roman" panose="02020603050405020304" pitchFamily="18" charset="0"/>
+              </a:rPr>
+              <a:t>: </a:t>
+            </a:r>
+            <a:r>
+              <a:rPr lang="en-US" dirty="0" err="1" smtClean="0">
+                <a:latin typeface="Times New Roman" panose="02020603050405020304" pitchFamily="18" charset="0"/>
+                <a:cs typeface="Times New Roman" panose="02020603050405020304" pitchFamily="18" charset="0"/>
+              </a:rPr>
+              <a:t>không</a:t>
+            </a:r>
+            <a:r>
+              <a:rPr lang="en-US" dirty="0" smtClean="0">
+                <a:latin typeface="Times New Roman" panose="02020603050405020304" pitchFamily="18" charset="0"/>
+                <a:cs typeface="Times New Roman" panose="02020603050405020304" pitchFamily="18" charset="0"/>
+              </a:rPr>
+              <a:t> </a:t>
+            </a:r>
+            <a:r>
+              <a:rPr lang="en-US" dirty="0" err="1" smtClean="0">
+                <a:latin typeface="Times New Roman" panose="02020603050405020304" pitchFamily="18" charset="0"/>
+                <a:cs typeface="Times New Roman" panose="02020603050405020304" pitchFamily="18" charset="0"/>
+              </a:rPr>
+              <a:t>tải</a:t>
+            </a:r>
+            <a:r>
+              <a:rPr lang="en-US" dirty="0" smtClean="0">
+                <a:latin typeface="Times New Roman" panose="02020603050405020304" pitchFamily="18" charset="0"/>
+                <a:cs typeface="Times New Roman" panose="02020603050405020304" pitchFamily="18" charset="0"/>
+              </a:rPr>
+              <a:t> </a:t>
+            </a:r>
+            <a:r>
+              <a:rPr lang="en-US" dirty="0" err="1" smtClean="0">
+                <a:latin typeface="Times New Roman" panose="02020603050405020304" pitchFamily="18" charset="0"/>
+                <a:cs typeface="Times New Roman" panose="02020603050405020304" pitchFamily="18" charset="0"/>
+              </a:rPr>
+              <a:t>cho</a:t>
+            </a:r>
+            <a:r>
+              <a:rPr lang="en-US" dirty="0" smtClean="0">
+                <a:latin typeface="Times New Roman" panose="02020603050405020304" pitchFamily="18" charset="0"/>
+                <a:cs typeface="Times New Roman" panose="02020603050405020304" pitchFamily="18" charset="0"/>
+              </a:rPr>
+              <a:t> </a:t>
+            </a:r>
+            <a:r>
+              <a:rPr lang="en-US" dirty="0" err="1" smtClean="0">
+                <a:latin typeface="Times New Roman" panose="02020603050405020304" pitchFamily="18" charset="0"/>
+                <a:cs typeface="Times New Roman" panose="02020603050405020304" pitchFamily="18" charset="0"/>
+              </a:rPr>
+              <a:t>đến</a:t>
+            </a:r>
+            <a:r>
+              <a:rPr lang="en-US" dirty="0" smtClean="0">
+                <a:latin typeface="Times New Roman" panose="02020603050405020304" pitchFamily="18" charset="0"/>
+                <a:cs typeface="Times New Roman" panose="02020603050405020304" pitchFamily="18" charset="0"/>
+              </a:rPr>
+              <a:t> </a:t>
+            </a:r>
+            <a:r>
+              <a:rPr lang="en-US" dirty="0" err="1" smtClean="0">
+                <a:latin typeface="Times New Roman" panose="02020603050405020304" pitchFamily="18" charset="0"/>
+                <a:cs typeface="Times New Roman" panose="02020603050405020304" pitchFamily="18" charset="0"/>
+              </a:rPr>
+              <a:t>khi</a:t>
+            </a:r>
+            <a:r>
+              <a:rPr lang="en-US" dirty="0" smtClean="0">
+                <a:latin typeface="Times New Roman" panose="02020603050405020304" pitchFamily="18" charset="0"/>
+                <a:cs typeface="Times New Roman" panose="02020603050405020304" pitchFamily="18" charset="0"/>
+              </a:rPr>
+              <a:t> </a:t>
+            </a:r>
+            <a:r>
+              <a:rPr lang="en-US" dirty="0" err="1" smtClean="0">
+                <a:latin typeface="Times New Roman" panose="02020603050405020304" pitchFamily="18" charset="0"/>
+                <a:cs typeface="Times New Roman" panose="02020603050405020304" pitchFamily="18" charset="0"/>
+              </a:rPr>
+              <a:t>được</a:t>
+            </a:r>
+            <a:r>
+              <a:rPr lang="en-US" dirty="0" smtClean="0">
+                <a:latin typeface="Times New Roman" panose="02020603050405020304" pitchFamily="18" charset="0"/>
+                <a:cs typeface="Times New Roman" panose="02020603050405020304" pitchFamily="18" charset="0"/>
+              </a:rPr>
+              <a:t> </a:t>
+            </a:r>
+            <a:r>
+              <a:rPr lang="en-US" dirty="0" err="1" smtClean="0">
+                <a:latin typeface="Times New Roman" panose="02020603050405020304" pitchFamily="18" charset="0"/>
+                <a:cs typeface="Times New Roman" panose="02020603050405020304" pitchFamily="18" charset="0"/>
+              </a:rPr>
+              <a:t>kết</a:t>
+            </a:r>
+            <a:r>
+              <a:rPr lang="en-US" dirty="0" smtClean="0">
+                <a:latin typeface="Times New Roman" panose="02020603050405020304" pitchFamily="18" charset="0"/>
+                <a:cs typeface="Times New Roman" panose="02020603050405020304" pitchFamily="18" charset="0"/>
+              </a:rPr>
+              <a:t> </a:t>
+            </a:r>
+            <a:r>
+              <a:rPr lang="en-US" dirty="0" err="1" smtClean="0">
+                <a:latin typeface="Times New Roman" panose="02020603050405020304" pitchFamily="18" charset="0"/>
+                <a:cs typeface="Times New Roman" panose="02020603050405020304" pitchFamily="18" charset="0"/>
+              </a:rPr>
+              <a:t>xuất</a:t>
+            </a:r>
+            <a:endParaRPr lang="en-US" dirty="0" smtClean="0">
+              <a:latin typeface="Times New Roman" panose="02020603050405020304" pitchFamily="18" charset="0"/>
+              <a:cs typeface="Times New Roman" panose="02020603050405020304" pitchFamily="18" charset="0"/>
+            </a:endParaRPr>
+          </a:p>
+          <a:p>
+            <a:pPr algn="just"/>
+            <a:r>
+              <a:rPr lang="en-US" dirty="0" smtClean="0">
+                <a:latin typeface="Times New Roman" panose="02020603050405020304" pitchFamily="18" charset="0"/>
+                <a:cs typeface="Times New Roman" panose="02020603050405020304" pitchFamily="18" charset="0"/>
+              </a:rPr>
+              <a:t>- Suspense: </a:t>
+            </a:r>
+            <a:r>
+              <a:rPr lang="en-US" dirty="0" err="1" smtClean="0">
+                <a:latin typeface="Times New Roman" panose="02020603050405020304" pitchFamily="18" charset="0"/>
+                <a:cs typeface="Times New Roman" panose="02020603050405020304" pitchFamily="18" charset="0"/>
+              </a:rPr>
+              <a:t>bao</a:t>
+            </a:r>
+            <a:r>
+              <a:rPr lang="en-US" dirty="0" smtClean="0">
+                <a:latin typeface="Times New Roman" panose="02020603050405020304" pitchFamily="18" charset="0"/>
+                <a:cs typeface="Times New Roman" panose="02020603050405020304" pitchFamily="18" charset="0"/>
+              </a:rPr>
+              <a:t> </a:t>
+            </a:r>
+            <a:r>
+              <a:rPr lang="en-US" dirty="0" err="1" smtClean="0">
+                <a:latin typeface="Times New Roman" panose="02020603050405020304" pitchFamily="18" charset="0"/>
+                <a:cs typeface="Times New Roman" panose="02020603050405020304" pitchFamily="18" charset="0"/>
+              </a:rPr>
+              <a:t>bọc</a:t>
+            </a:r>
+            <a:r>
+              <a:rPr lang="en-US" dirty="0" smtClean="0">
+                <a:latin typeface="Times New Roman" panose="02020603050405020304" pitchFamily="18" charset="0"/>
+                <a:cs typeface="Times New Roman" panose="02020603050405020304" pitchFamily="18" charset="0"/>
+              </a:rPr>
+              <a:t> </a:t>
+            </a:r>
+            <a:r>
+              <a:rPr lang="en-US" dirty="0" err="1" smtClean="0">
+                <a:latin typeface="Times New Roman" panose="02020603050405020304" pitchFamily="18" charset="0"/>
+                <a:cs typeface="Times New Roman" panose="02020603050405020304" pitchFamily="18" charset="0"/>
+              </a:rPr>
+              <a:t>các</a:t>
+            </a:r>
+            <a:r>
+              <a:rPr lang="en-US" dirty="0" smtClean="0">
+                <a:latin typeface="Times New Roman" panose="02020603050405020304" pitchFamily="18" charset="0"/>
+                <a:cs typeface="Times New Roman" panose="02020603050405020304" pitchFamily="18" charset="0"/>
+              </a:rPr>
+              <a:t> </a:t>
+            </a:r>
+            <a:r>
+              <a:rPr lang="en-US" dirty="0" err="1" smtClean="0">
+                <a:latin typeface="Times New Roman" panose="02020603050405020304" pitchFamily="18" charset="0"/>
+                <a:cs typeface="Times New Roman" panose="02020603050405020304" pitchFamily="18" charset="0"/>
+              </a:rPr>
+              <a:t>thành</a:t>
+            </a:r>
+            <a:r>
+              <a:rPr lang="en-US" dirty="0" smtClean="0">
+                <a:latin typeface="Times New Roman" panose="02020603050405020304" pitchFamily="18" charset="0"/>
+                <a:cs typeface="Times New Roman" panose="02020603050405020304" pitchFamily="18" charset="0"/>
+              </a:rPr>
+              <a:t> </a:t>
+            </a:r>
+            <a:r>
+              <a:rPr lang="en-US" dirty="0" err="1" smtClean="0">
+                <a:latin typeface="Times New Roman" panose="02020603050405020304" pitchFamily="18" charset="0"/>
+                <a:cs typeface="Times New Roman" panose="02020603050405020304" pitchFamily="18" charset="0"/>
+              </a:rPr>
+              <a:t>phần</a:t>
+            </a:r>
+            <a:r>
+              <a:rPr lang="en-US" dirty="0" smtClean="0">
+                <a:latin typeface="Times New Roman" panose="02020603050405020304" pitchFamily="18" charset="0"/>
+                <a:cs typeface="Times New Roman" panose="02020603050405020304" pitchFamily="18" charset="0"/>
+              </a:rPr>
+              <a:t> </a:t>
+            </a:r>
+            <a:r>
+              <a:rPr lang="en-US" dirty="0" err="1" smtClean="0">
+                <a:latin typeface="Times New Roman" panose="02020603050405020304" pitchFamily="18" charset="0"/>
+                <a:cs typeface="Times New Roman" panose="02020603050405020304" pitchFamily="18" charset="0"/>
+              </a:rPr>
+              <a:t>cần</a:t>
+            </a:r>
+            <a:r>
+              <a:rPr lang="en-US" dirty="0" smtClean="0">
+                <a:latin typeface="Times New Roman" panose="02020603050405020304" pitchFamily="18" charset="0"/>
+                <a:cs typeface="Times New Roman" panose="02020603050405020304" pitchFamily="18" charset="0"/>
+              </a:rPr>
+              <a:t> </a:t>
+            </a:r>
+            <a:r>
+              <a:rPr lang="en-US" dirty="0" err="1" smtClean="0">
+                <a:latin typeface="Times New Roman" panose="02020603050405020304" pitchFamily="18" charset="0"/>
+                <a:cs typeface="Times New Roman" panose="02020603050405020304" pitchFamily="18" charset="0"/>
+              </a:rPr>
+              <a:t>tải</a:t>
+            </a:r>
+            <a:r>
+              <a:rPr lang="en-US" dirty="0" smtClean="0">
+                <a:latin typeface="Times New Roman" panose="02020603050405020304" pitchFamily="18" charset="0"/>
+                <a:cs typeface="Times New Roman" panose="02020603050405020304" pitchFamily="18" charset="0"/>
+              </a:rPr>
+              <a:t> </a:t>
+            </a:r>
+            <a:r>
+              <a:rPr lang="en-US" dirty="0" err="1" smtClean="0">
+                <a:latin typeface="Times New Roman" panose="02020603050405020304" pitchFamily="18" charset="0"/>
+                <a:cs typeface="Times New Roman" panose="02020603050405020304" pitchFamily="18" charset="0"/>
+              </a:rPr>
+              <a:t>chậm</a:t>
+            </a:r>
+            <a:endParaRPr lang="en-US" dirty="0" smtClean="0">
+              <a:latin typeface="Times New Roman" panose="02020603050405020304" pitchFamily="18" charset="0"/>
+              <a:cs typeface="Times New Roman" panose="02020603050405020304" pitchFamily="18" charset="0"/>
+            </a:endParaRPr>
+          </a:p>
+          <a:p>
+            <a:pPr algn="just"/>
+            <a:r>
+              <a:rPr lang="en-US" dirty="0">
+                <a:latin typeface="Times New Roman" panose="02020603050405020304" pitchFamily="18" charset="0"/>
+                <a:cs typeface="Times New Roman" panose="02020603050405020304" pitchFamily="18" charset="0"/>
+              </a:rPr>
+              <a:t>- fallback={spinner</a:t>
+            </a:r>
+            <a:r>
+              <a:rPr lang="en-US" dirty="0" smtClean="0">
+                <a:latin typeface="Times New Roman" panose="02020603050405020304" pitchFamily="18" charset="0"/>
+                <a:cs typeface="Times New Roman" panose="02020603050405020304" pitchFamily="18" charset="0"/>
+              </a:rPr>
+              <a:t>}: class spinner</a:t>
+            </a:r>
+            <a:endParaRPr lang="en-US" dirty="0">
+              <a:latin typeface="Times New Roman" panose="02020603050405020304" pitchFamily="18" charset="0"/>
+              <a:cs typeface="Times New Roman" panose="02020603050405020304" pitchFamily="18" charset="0"/>
+            </a:endParaRPr>
+          </a:p>
+        </p:txBody>
+      </p:sp>
+      <p:pic>
+        <p:nvPicPr>
+          <p:cNvPr id="4" name="Picture 3"/>
+          <p:cNvPicPr>
+            <a:picLocks noChangeAspect="1"/>
+          </p:cNvPicPr>
+          <p:nvPr/>
+        </p:nvPicPr>
+        <p:blipFill>
+          <a:blip r:embed="rId2"/>
+          <a:stretch>
+            <a:fillRect/>
+          </a:stretch>
+        </p:blipFill>
+        <p:spPr>
+          <a:xfrm>
+            <a:off x="6257109" y="2233401"/>
+            <a:ext cx="5029200" cy="3248025"/>
+          </a:xfrm>
+          <a:prstGeom prst="rect">
+            <a:avLst/>
+          </a:prstGeom>
+        </p:spPr>
+      </p:pic>
+    </p:spTree>
+    <p:extLst>
+      <p:ext uri="{BB962C8B-B14F-4D97-AF65-F5344CB8AC3E}">
+        <p14:creationId xmlns:p14="http://schemas.microsoft.com/office/powerpoint/2010/main" val="483497953"/>
+      </p:ext>
+    </p:extLst>
+  </p:cSld>
+  <p:clrMapOvr>
+    <a:masterClrMapping/>
+  </p:clrMapOvr>
+  <p:timing>
+    <p:tnLst>
+      <p:par>
+        <p:cTn id="1" dur="indefinite" restart="never" nodeType="tmRoot"/>
+      </p:par>
+    </p:tnLst>
+  </p:timing>
+</p:sld>
+</file>
+
+<file path=ppt/slides/slide44.xml><?xml version="1.0" encoding="utf-8"?>
+<p:sld xmlns:a="http://schemas.openxmlformats.org/drawingml/2006/main" xmlns:r="http://schemas.openxmlformats.org/officeDocument/2006/relationships" xmlns:p="http://schemas.openxmlformats.org/presentationml/2006/main">
+  <p:cSld>
+    <p:spTree>
+      <p:nvGrpSpPr>
+        <p:cNvPr id="1" name=""/>
+        <p:cNvGrpSpPr/>
+        <p:nvPr/>
+      </p:nvGrpSpPr>
+      <p:grpSpPr>
+        <a:xfrm>
+          <a:off x="0" y="0"/>
+          <a:ext cx="0" cy="0"/>
+          <a:chOff x="0" y="0"/>
+          <a:chExt cx="0" cy="0"/>
+        </a:xfrm>
+      </p:grpSpPr>
+      <p:sp>
+        <p:nvSpPr>
+          <p:cNvPr id="2" name="Title 1"/>
+          <p:cNvSpPr>
+            <a:spLocks noGrp="1"/>
+          </p:cNvSpPr>
+          <p:nvPr>
+            <p:ph type="title"/>
+          </p:nvPr>
+        </p:nvSpPr>
+        <p:spPr/>
+        <p:txBody>
+          <a:bodyPr/>
+          <a:lstStyle/>
+          <a:p>
+            <a:r>
               <a:rPr lang="en-US" dirty="0" err="1" smtClean="0">
                 <a:latin typeface="Times New Roman" panose="02020603050405020304" pitchFamily="18" charset="0"/>
                 <a:cs typeface="Times New Roman" panose="02020603050405020304" pitchFamily="18" charset="0"/>
@@ -21725,7 +21923,7 @@
 </p:sld>
 </file>
 
-<file path=ppt/slides/slide44.xml><?xml version="1.0" encoding="utf-8"?>
+<file path=ppt/slides/slide45.xml><?xml version="1.0" encoding="utf-8"?>
 <p:sld xmlns:a="http://schemas.openxmlformats.org/drawingml/2006/main" xmlns:r="http://schemas.openxmlformats.org/officeDocument/2006/relationships" xmlns:p="http://schemas.openxmlformats.org/presentationml/2006/main">
   <p:cSld>
     <p:spTree>

--- a/react_ts.pptx
+++ b/react_ts.pptx
@@ -382,7 +382,7 @@
           <a:p>
             <a:fld id="{4BDF68E2-58F2-4D09-BE8B-E3BD06533059}" type="datetimeFigureOut">
               <a:rPr lang="en-US" dirty="0"/>
-              <a:t>2024-07-09</a:t>
+              <a:t>2024-07-10</a:t>
             </a:fld>
             <a:endParaRPr lang="en-US" dirty="0"/>
           </a:p>
@@ -585,7 +585,7 @@
           <a:p>
             <a:fld id="{2E2D6473-DF6D-4702-B328-E0DD40540A4E}" type="datetimeFigureOut">
               <a:rPr lang="en-US" dirty="0"/>
-              <a:t>2024-07-09</a:t>
+              <a:t>2024-07-10</a:t>
             </a:fld>
             <a:endParaRPr lang="en-US" dirty="0"/>
           </a:p>
@@ -836,7 +836,7 @@
           <a:p>
             <a:fld id="{E26F7E3A-B166-407D-9866-32884E7D5B37}" type="datetimeFigureOut">
               <a:rPr lang="en-US" dirty="0"/>
-              <a:t>2024-07-09</a:t>
+              <a:t>2024-07-10</a:t>
             </a:fld>
             <a:endParaRPr lang="en-US" dirty="0"/>
           </a:p>
@@ -1005,7 +1005,7 @@
           <a:p>
             <a:fld id="{528FC5F6-F338-4AE4-BB23-26385BCFC423}" type="datetimeFigureOut">
               <a:rPr lang="en-US" dirty="0"/>
-              <a:t>2024-07-09</a:t>
+              <a:t>2024-07-10</a:t>
             </a:fld>
             <a:endParaRPr lang="en-US" dirty="0"/>
           </a:p>
@@ -1343,7 +1343,7 @@
           <a:p>
             <a:fld id="{20EBB0C4-6273-4C6E-B9BD-2EDC30F1CD52}" type="datetimeFigureOut">
               <a:rPr lang="en-US" dirty="0"/>
-              <a:t>2024-07-09</a:t>
+              <a:t>2024-07-10</a:t>
             </a:fld>
             <a:endParaRPr lang="en-US" dirty="0"/>
           </a:p>
@@ -1613,7 +1613,7 @@
           <a:p>
             <a:fld id="{19AB4D41-86C1-4908-B66A-0B50CEB3BF29}" type="datetimeFigureOut">
               <a:rPr lang="en-US" dirty="0"/>
-              <a:t>2024-07-09</a:t>
+              <a:t>2024-07-10</a:t>
             </a:fld>
             <a:endParaRPr lang="en-US" dirty="0"/>
           </a:p>
@@ -1987,7 +1987,7 @@
           <a:p>
             <a:fld id="{E6426E2C-56C1-4E0D-A793-0088A7FDD37E}" type="datetimeFigureOut">
               <a:rPr lang="en-US" dirty="0"/>
-              <a:t>2024-07-09</a:t>
+              <a:t>2024-07-10</a:t>
             </a:fld>
             <a:endParaRPr lang="en-US" dirty="0"/>
           </a:p>
@@ -2100,7 +2100,7 @@
           <a:p>
             <a:fld id="{C8C39B41-D8B5-4052-B551-9B5525EAA8B6}" type="datetimeFigureOut">
               <a:rPr lang="en-US" dirty="0"/>
-              <a:t>2024-07-09</a:t>
+              <a:t>2024-07-10</a:t>
             </a:fld>
             <a:endParaRPr lang="en-US" dirty="0"/>
           </a:p>
@@ -2266,7 +2266,7 @@
           <a:p>
             <a:fld id="{4D94136C-8742-45B2-AF27-D93DF72833A9}" type="datetimeFigureOut">
               <a:rPr lang="en-US" dirty="0"/>
-              <a:t>2024-07-09</a:t>
+              <a:t>2024-07-10</a:t>
             </a:fld>
             <a:endParaRPr lang="en-US" dirty="0"/>
           </a:p>
@@ -2616,7 +2616,7 @@
           <a:p>
             <a:fld id="{32ABBEA6-7C60-4B02-AE87-00D78D8422AF}" type="datetimeFigureOut">
               <a:rPr lang="en-US" dirty="0"/>
-              <a:t>2024-07-09</a:t>
+              <a:t>2024-07-10</a:t>
             </a:fld>
             <a:endParaRPr lang="en-US" dirty="0"/>
           </a:p>
@@ -2994,7 +2994,7 @@
           <a:p>
             <a:fld id="{C9CAD897-D46E-4AD2-BD9B-49DD3E640873}" type="datetimeFigureOut">
               <a:rPr lang="en-US" dirty="0"/>
-              <a:t>2024-07-09</a:t>
+              <a:t>2024-07-10</a:t>
             </a:fld>
             <a:endParaRPr lang="en-US" dirty="0"/>
           </a:p>
@@ -3276,7 +3276,7 @@
           <a:p>
             <a:fld id="{98624D31-43A5-475A-80CF-332C9F6DCF35}" type="datetimeFigureOut">
               <a:rPr lang="en-US" dirty="0"/>
-              <a:t>2024-07-09</a:t>
+              <a:t>2024-07-10</a:t>
             </a:fld>
             <a:endParaRPr lang="en-US" dirty="0"/>
           </a:p>
@@ -12458,10 +12458,194 @@
               <a:t>- </a:t>
             </a:r>
             <a:r>
+              <a:rPr lang="en-US" dirty="0" err="1">
+                <a:latin typeface="Times New Roman" panose="02020603050405020304" pitchFamily="18" charset="0"/>
+                <a:cs typeface="Times New Roman" panose="02020603050405020304" pitchFamily="18" charset="0"/>
+              </a:rPr>
+              <a:t>L</a:t>
+            </a:r>
+            <a:r>
               <a:rPr lang="en-US" dirty="0" err="1" smtClean="0">
                 <a:latin typeface="Times New Roman" panose="02020603050405020304" pitchFamily="18" charset="0"/>
                 <a:cs typeface="Times New Roman" panose="02020603050405020304" pitchFamily="18" charset="0"/>
               </a:rPr>
+              <a:t>à</a:t>
+            </a:r>
+            <a:r>
+              <a:rPr lang="en-US" dirty="0" smtClean="0">
+                <a:latin typeface="Times New Roman" panose="02020603050405020304" pitchFamily="18" charset="0"/>
+                <a:cs typeface="Times New Roman" panose="02020603050405020304" pitchFamily="18" charset="0"/>
+              </a:rPr>
+              <a:t> </a:t>
+            </a:r>
+            <a:r>
+              <a:rPr lang="en-US" dirty="0" err="1" smtClean="0">
+                <a:latin typeface="Times New Roman" panose="02020603050405020304" pitchFamily="18" charset="0"/>
+                <a:cs typeface="Times New Roman" panose="02020603050405020304" pitchFamily="18" charset="0"/>
+              </a:rPr>
+              <a:t>một</a:t>
+            </a:r>
+            <a:r>
+              <a:rPr lang="en-US" dirty="0" smtClean="0">
+                <a:latin typeface="Times New Roman" panose="02020603050405020304" pitchFamily="18" charset="0"/>
+                <a:cs typeface="Times New Roman" panose="02020603050405020304" pitchFamily="18" charset="0"/>
+              </a:rPr>
+              <a:t> hook </a:t>
+            </a:r>
+            <a:r>
+              <a:rPr lang="en-US" dirty="0" err="1" smtClean="0">
+                <a:latin typeface="Times New Roman" panose="02020603050405020304" pitchFamily="18" charset="0"/>
+                <a:cs typeface="Times New Roman" panose="02020603050405020304" pitchFamily="18" charset="0"/>
+              </a:rPr>
+              <a:t>dùng</a:t>
+            </a:r>
+            <a:r>
+              <a:rPr lang="en-US" dirty="0" smtClean="0">
+                <a:latin typeface="Times New Roman" panose="02020603050405020304" pitchFamily="18" charset="0"/>
+                <a:cs typeface="Times New Roman" panose="02020603050405020304" pitchFamily="18" charset="0"/>
+              </a:rPr>
+              <a:t> </a:t>
+            </a:r>
+            <a:r>
+              <a:rPr lang="en-US" dirty="0" err="1" smtClean="0">
+                <a:latin typeface="Times New Roman" panose="02020603050405020304" pitchFamily="18" charset="0"/>
+                <a:cs typeface="Times New Roman" panose="02020603050405020304" pitchFamily="18" charset="0"/>
+              </a:rPr>
+              <a:t>để</a:t>
+            </a:r>
+            <a:r>
+              <a:rPr lang="en-US" dirty="0" smtClean="0">
+                <a:latin typeface="Times New Roman" panose="02020603050405020304" pitchFamily="18" charset="0"/>
+                <a:cs typeface="Times New Roman" panose="02020603050405020304" pitchFamily="18" charset="0"/>
+              </a:rPr>
+              <a:t> </a:t>
+            </a:r>
+            <a:r>
+              <a:rPr lang="en-US" dirty="0" err="1" smtClean="0">
+                <a:latin typeface="Times New Roman" panose="02020603050405020304" pitchFamily="18" charset="0"/>
+                <a:cs typeface="Times New Roman" panose="02020603050405020304" pitchFamily="18" charset="0"/>
+              </a:rPr>
+              <a:t>khai</a:t>
+            </a:r>
+            <a:r>
+              <a:rPr lang="en-US" dirty="0" smtClean="0">
+                <a:latin typeface="Times New Roman" panose="02020603050405020304" pitchFamily="18" charset="0"/>
+                <a:cs typeface="Times New Roman" panose="02020603050405020304" pitchFamily="18" charset="0"/>
+              </a:rPr>
+              <a:t> </a:t>
+            </a:r>
+            <a:r>
+              <a:rPr lang="en-US" dirty="0" err="1" smtClean="0">
+                <a:latin typeface="Times New Roman" panose="02020603050405020304" pitchFamily="18" charset="0"/>
+                <a:cs typeface="Times New Roman" panose="02020603050405020304" pitchFamily="18" charset="0"/>
+              </a:rPr>
+              <a:t>báo</a:t>
+            </a:r>
+            <a:r>
+              <a:rPr lang="en-US" dirty="0" smtClean="0">
+                <a:latin typeface="Times New Roman" panose="02020603050405020304" pitchFamily="18" charset="0"/>
+                <a:cs typeface="Times New Roman" panose="02020603050405020304" pitchFamily="18" charset="0"/>
+              </a:rPr>
+              <a:t> </a:t>
+            </a:r>
+            <a:r>
+              <a:rPr lang="en-US" dirty="0" err="1" smtClean="0">
+                <a:latin typeface="Times New Roman" panose="02020603050405020304" pitchFamily="18" charset="0"/>
+                <a:cs typeface="Times New Roman" panose="02020603050405020304" pitchFamily="18" charset="0"/>
+              </a:rPr>
+              <a:t>và</a:t>
+            </a:r>
+            <a:r>
+              <a:rPr lang="en-US" dirty="0" smtClean="0">
+                <a:latin typeface="Times New Roman" panose="02020603050405020304" pitchFamily="18" charset="0"/>
+                <a:cs typeface="Times New Roman" panose="02020603050405020304" pitchFamily="18" charset="0"/>
+              </a:rPr>
+              <a:t> </a:t>
+            </a:r>
+            <a:r>
+              <a:rPr lang="en-US" dirty="0" err="1" smtClean="0">
+                <a:latin typeface="Times New Roman" panose="02020603050405020304" pitchFamily="18" charset="0"/>
+                <a:cs typeface="Times New Roman" panose="02020603050405020304" pitchFamily="18" charset="0"/>
+              </a:rPr>
+              <a:t>quản</a:t>
+            </a:r>
+            <a:r>
+              <a:rPr lang="en-US" dirty="0" smtClean="0">
+                <a:latin typeface="Times New Roman" panose="02020603050405020304" pitchFamily="18" charset="0"/>
+                <a:cs typeface="Times New Roman" panose="02020603050405020304" pitchFamily="18" charset="0"/>
+              </a:rPr>
+              <a:t> </a:t>
+            </a:r>
+            <a:r>
+              <a:rPr lang="en-US" dirty="0" err="1" smtClean="0">
+                <a:latin typeface="Times New Roman" panose="02020603050405020304" pitchFamily="18" charset="0"/>
+                <a:cs typeface="Times New Roman" panose="02020603050405020304" pitchFamily="18" charset="0"/>
+              </a:rPr>
+              <a:t>lý</a:t>
+            </a:r>
+            <a:r>
+              <a:rPr lang="en-US" dirty="0" smtClean="0">
+                <a:latin typeface="Times New Roman" panose="02020603050405020304" pitchFamily="18" charset="0"/>
+                <a:cs typeface="Times New Roman" panose="02020603050405020304" pitchFamily="18" charset="0"/>
+              </a:rPr>
+              <a:t> state </a:t>
+            </a:r>
+            <a:r>
+              <a:rPr lang="en-US" dirty="0" err="1" smtClean="0">
+                <a:latin typeface="Times New Roman" panose="02020603050405020304" pitchFamily="18" charset="0"/>
+                <a:cs typeface="Times New Roman" panose="02020603050405020304" pitchFamily="18" charset="0"/>
+              </a:rPr>
+              <a:t>trong</a:t>
+            </a:r>
+            <a:r>
+              <a:rPr lang="en-US" dirty="0" smtClean="0">
+                <a:latin typeface="Times New Roman" panose="02020603050405020304" pitchFamily="18" charset="0"/>
+                <a:cs typeface="Times New Roman" panose="02020603050405020304" pitchFamily="18" charset="0"/>
+              </a:rPr>
+              <a:t> functional component</a:t>
+            </a:r>
+          </a:p>
+          <a:p>
+            <a:r>
+              <a:rPr lang="en-US" dirty="0" smtClean="0">
+                <a:latin typeface="Times New Roman" panose="02020603050405020304" pitchFamily="18" charset="0"/>
+                <a:cs typeface="Times New Roman" panose="02020603050405020304" pitchFamily="18" charset="0"/>
+              </a:rPr>
+              <a:t>- </a:t>
+            </a:r>
+            <a:r>
+              <a:rPr lang="en-US" dirty="0" err="1" smtClean="0">
+                <a:latin typeface="Times New Roman" panose="02020603050405020304" pitchFamily="18" charset="0"/>
+                <a:cs typeface="Times New Roman" panose="02020603050405020304" pitchFamily="18" charset="0"/>
+              </a:rPr>
+              <a:t>Cập</a:t>
+            </a:r>
+            <a:r>
+              <a:rPr lang="en-US" dirty="0" smtClean="0">
+                <a:latin typeface="Times New Roman" panose="02020603050405020304" pitchFamily="18" charset="0"/>
+                <a:cs typeface="Times New Roman" panose="02020603050405020304" pitchFamily="18" charset="0"/>
+              </a:rPr>
+              <a:t> </a:t>
+            </a:r>
+            <a:r>
+              <a:rPr lang="en-US" dirty="0" err="1" smtClean="0">
+                <a:latin typeface="Times New Roman" panose="02020603050405020304" pitchFamily="18" charset="0"/>
+                <a:cs typeface="Times New Roman" panose="02020603050405020304" pitchFamily="18" charset="0"/>
+              </a:rPr>
+              <a:t>nhật</a:t>
+            </a:r>
+            <a:r>
+              <a:rPr lang="en-US" dirty="0" smtClean="0">
+                <a:latin typeface="Times New Roman" panose="02020603050405020304" pitchFamily="18" charset="0"/>
+                <a:cs typeface="Times New Roman" panose="02020603050405020304" pitchFamily="18" charset="0"/>
+              </a:rPr>
+              <a:t> state </a:t>
+            </a:r>
+            <a:r>
+              <a:rPr lang="en-US" dirty="0" err="1" smtClean="0">
+                <a:latin typeface="Times New Roman" panose="02020603050405020304" pitchFamily="18" charset="0"/>
+                <a:cs typeface="Times New Roman" panose="02020603050405020304" pitchFamily="18" charset="0"/>
+              </a:rPr>
               <a:t>là</a:t>
             </a:r>
             <a:r>
@@ -12476,21 +12660,21 @@
                 <a:latin typeface="Times New Roman" panose="02020603050405020304" pitchFamily="18" charset="0"/>
                 <a:cs typeface="Times New Roman" panose="02020603050405020304" pitchFamily="18" charset="0"/>
               </a:rPr>
-              <a:t>một</a:t>
-            </a:r>
-            <a:r>
-              <a:rPr lang="en-US" dirty="0" smtClean="0">
-                <a:latin typeface="Times New Roman" panose="02020603050405020304" pitchFamily="18" charset="0"/>
-                <a:cs typeface="Times New Roman" panose="02020603050405020304" pitchFamily="18" charset="0"/>
-              </a:rPr>
-              <a:t> hook </a:t>
+              <a:t>bất</a:t>
+            </a:r>
+            <a:r>
+              <a:rPr lang="en-US" dirty="0" smtClean="0">
+                <a:latin typeface="Times New Roman" panose="02020603050405020304" pitchFamily="18" charset="0"/>
+                <a:cs typeface="Times New Roman" panose="02020603050405020304" pitchFamily="18" charset="0"/>
+              </a:rPr>
+              <a:t> </a:t>
             </a:r>
             <a:r>
               <a:rPr lang="en-US" dirty="0" err="1" smtClean="0">
                 <a:latin typeface="Times New Roman" panose="02020603050405020304" pitchFamily="18" charset="0"/>
                 <a:cs typeface="Times New Roman" panose="02020603050405020304" pitchFamily="18" charset="0"/>
               </a:rPr>
-              <a:t>dùng</a:t>
+              <a:t>đồng</a:t>
             </a:r>
             <a:r>
               <a:rPr lang="en-US" dirty="0" smtClean="0">
@@ -12504,99 +12688,12 @@
                 <a:latin typeface="Times New Roman" panose="02020603050405020304" pitchFamily="18" charset="0"/>
                 <a:cs typeface="Times New Roman" panose="02020603050405020304" pitchFamily="18" charset="0"/>
               </a:rPr>
-              <a:t>để</a:t>
-            </a:r>
-            <a:r>
-              <a:rPr lang="en-US" dirty="0" smtClean="0">
-                <a:latin typeface="Times New Roman" panose="02020603050405020304" pitchFamily="18" charset="0"/>
-                <a:cs typeface="Times New Roman" panose="02020603050405020304" pitchFamily="18" charset="0"/>
-              </a:rPr>
-              <a:t> </a:t>
-            </a:r>
-            <a:r>
-              <a:rPr lang="en-US" dirty="0" err="1" smtClean="0">
-                <a:latin typeface="Times New Roman" panose="02020603050405020304" pitchFamily="18" charset="0"/>
-                <a:cs typeface="Times New Roman" panose="02020603050405020304" pitchFamily="18" charset="0"/>
-              </a:rPr>
-              <a:t>khai</a:t>
-            </a:r>
-            <a:r>
-              <a:rPr lang="en-US" dirty="0" smtClean="0">
-                <a:latin typeface="Times New Roman" panose="02020603050405020304" pitchFamily="18" charset="0"/>
-                <a:cs typeface="Times New Roman" panose="02020603050405020304" pitchFamily="18" charset="0"/>
-              </a:rPr>
-              <a:t> </a:t>
-            </a:r>
-            <a:r>
-              <a:rPr lang="en-US" dirty="0" err="1" smtClean="0">
-                <a:latin typeface="Times New Roman" panose="02020603050405020304" pitchFamily="18" charset="0"/>
-                <a:cs typeface="Times New Roman" panose="02020603050405020304" pitchFamily="18" charset="0"/>
-              </a:rPr>
-              <a:t>báo</a:t>
-            </a:r>
-            <a:r>
-              <a:rPr lang="en-US" dirty="0" smtClean="0">
-                <a:latin typeface="Times New Roman" panose="02020603050405020304" pitchFamily="18" charset="0"/>
-                <a:cs typeface="Times New Roman" panose="02020603050405020304" pitchFamily="18" charset="0"/>
-              </a:rPr>
-              <a:t> </a:t>
-            </a:r>
-            <a:r>
-              <a:rPr lang="en-US" dirty="0" err="1" smtClean="0">
-                <a:latin typeface="Times New Roman" panose="02020603050405020304" pitchFamily="18" charset="0"/>
-                <a:cs typeface="Times New Roman" panose="02020603050405020304" pitchFamily="18" charset="0"/>
-              </a:rPr>
-              <a:t>và</a:t>
-            </a:r>
-            <a:r>
-              <a:rPr lang="en-US" dirty="0" smtClean="0">
-                <a:latin typeface="Times New Roman" panose="02020603050405020304" pitchFamily="18" charset="0"/>
-                <a:cs typeface="Times New Roman" panose="02020603050405020304" pitchFamily="18" charset="0"/>
-              </a:rPr>
-              <a:t> </a:t>
-            </a:r>
-            <a:r>
-              <a:rPr lang="en-US" dirty="0" err="1" smtClean="0">
-                <a:latin typeface="Times New Roman" panose="02020603050405020304" pitchFamily="18" charset="0"/>
-                <a:cs typeface="Times New Roman" panose="02020603050405020304" pitchFamily="18" charset="0"/>
-              </a:rPr>
-              <a:t>quản</a:t>
-            </a:r>
-            <a:r>
-              <a:rPr lang="en-US" dirty="0" smtClean="0">
-                <a:latin typeface="Times New Roman" panose="02020603050405020304" pitchFamily="18" charset="0"/>
-                <a:cs typeface="Times New Roman" panose="02020603050405020304" pitchFamily="18" charset="0"/>
-              </a:rPr>
-              <a:t> </a:t>
-            </a:r>
-            <a:r>
-              <a:rPr lang="en-US" dirty="0" err="1" smtClean="0">
-                <a:latin typeface="Times New Roman" panose="02020603050405020304" pitchFamily="18" charset="0"/>
-                <a:cs typeface="Times New Roman" panose="02020603050405020304" pitchFamily="18" charset="0"/>
-              </a:rPr>
-              <a:t>lý</a:t>
-            </a:r>
-            <a:r>
-              <a:rPr lang="en-US" dirty="0" smtClean="0">
-                <a:latin typeface="Times New Roman" panose="02020603050405020304" pitchFamily="18" charset="0"/>
-                <a:cs typeface="Times New Roman" panose="02020603050405020304" pitchFamily="18" charset="0"/>
-              </a:rPr>
-              <a:t> state </a:t>
-            </a:r>
-            <a:r>
-              <a:rPr lang="en-US" dirty="0" err="1" smtClean="0">
-                <a:latin typeface="Times New Roman" panose="02020603050405020304" pitchFamily="18" charset="0"/>
-                <a:cs typeface="Times New Roman" panose="02020603050405020304" pitchFamily="18" charset="0"/>
-              </a:rPr>
-              <a:t>trong</a:t>
-            </a:r>
-            <a:r>
-              <a:rPr lang="en-US" dirty="0" smtClean="0">
-                <a:latin typeface="Times New Roman" panose="02020603050405020304" pitchFamily="18" charset="0"/>
-                <a:cs typeface="Times New Roman" panose="02020603050405020304" pitchFamily="18" charset="0"/>
-              </a:rPr>
-              <a:t> functional component</a:t>
-            </a:r>
+              <a:t>bộ</a:t>
+            </a:r>
+            <a:endParaRPr lang="en-US" dirty="0" smtClean="0">
+              <a:latin typeface="Times New Roman" panose="02020603050405020304" pitchFamily="18" charset="0"/>
+              <a:cs typeface="Times New Roman" panose="02020603050405020304" pitchFamily="18" charset="0"/>
+            </a:endParaRPr>
           </a:p>
           <a:p>
             <a:r>
@@ -12607,81 +12704,11 @@
               <a:t>- </a:t>
             </a:r>
             <a:r>
-              <a:rPr lang="en-US" dirty="0" err="1" smtClean="0">
-                <a:latin typeface="Times New Roman" panose="02020603050405020304" pitchFamily="18" charset="0"/>
-                <a:cs typeface="Times New Roman" panose="02020603050405020304" pitchFamily="18" charset="0"/>
-              </a:rPr>
-              <a:t>Cập</a:t>
-            </a:r>
-            <a:r>
-              <a:rPr lang="en-US" dirty="0" smtClean="0">
-                <a:latin typeface="Times New Roman" panose="02020603050405020304" pitchFamily="18" charset="0"/>
-                <a:cs typeface="Times New Roman" panose="02020603050405020304" pitchFamily="18" charset="0"/>
-              </a:rPr>
-              <a:t> </a:t>
-            </a:r>
-            <a:r>
-              <a:rPr lang="en-US" dirty="0" err="1" smtClean="0">
-                <a:latin typeface="Times New Roman" panose="02020603050405020304" pitchFamily="18" charset="0"/>
-                <a:cs typeface="Times New Roman" panose="02020603050405020304" pitchFamily="18" charset="0"/>
-              </a:rPr>
-              <a:t>nhật</a:t>
-            </a:r>
-            <a:r>
-              <a:rPr lang="en-US" dirty="0" smtClean="0">
-                <a:latin typeface="Times New Roman" panose="02020603050405020304" pitchFamily="18" charset="0"/>
-                <a:cs typeface="Times New Roman" panose="02020603050405020304" pitchFamily="18" charset="0"/>
-              </a:rPr>
-              <a:t> state </a:t>
-            </a:r>
-            <a:r>
-              <a:rPr lang="en-US" dirty="0" err="1" smtClean="0">
-                <a:latin typeface="Times New Roman" panose="02020603050405020304" pitchFamily="18" charset="0"/>
-                <a:cs typeface="Times New Roman" panose="02020603050405020304" pitchFamily="18" charset="0"/>
-              </a:rPr>
-              <a:t>là</a:t>
-            </a:r>
-            <a:r>
-              <a:rPr lang="en-US" dirty="0" smtClean="0">
-                <a:latin typeface="Times New Roman" panose="02020603050405020304" pitchFamily="18" charset="0"/>
-                <a:cs typeface="Times New Roman" panose="02020603050405020304" pitchFamily="18" charset="0"/>
-              </a:rPr>
-              <a:t> </a:t>
-            </a:r>
-            <a:r>
-              <a:rPr lang="en-US" dirty="0" err="1" smtClean="0">
-                <a:latin typeface="Times New Roman" panose="02020603050405020304" pitchFamily="18" charset="0"/>
-                <a:cs typeface="Times New Roman" panose="02020603050405020304" pitchFamily="18" charset="0"/>
-              </a:rPr>
-              <a:t>bất</a:t>
-            </a:r>
-            <a:r>
-              <a:rPr lang="en-US" dirty="0" smtClean="0">
-                <a:latin typeface="Times New Roman" panose="02020603050405020304" pitchFamily="18" charset="0"/>
-                <a:cs typeface="Times New Roman" panose="02020603050405020304" pitchFamily="18" charset="0"/>
-              </a:rPr>
-              <a:t> </a:t>
-            </a:r>
-            <a:r>
-              <a:rPr lang="en-US" dirty="0" err="1" smtClean="0">
-                <a:latin typeface="Times New Roman" panose="02020603050405020304" pitchFamily="18" charset="0"/>
-                <a:cs typeface="Times New Roman" panose="02020603050405020304" pitchFamily="18" charset="0"/>
-              </a:rPr>
-              <a:t>đồng</a:t>
-            </a:r>
-            <a:r>
-              <a:rPr lang="en-US" dirty="0" smtClean="0">
-                <a:latin typeface="Times New Roman" panose="02020603050405020304" pitchFamily="18" charset="0"/>
-                <a:cs typeface="Times New Roman" panose="02020603050405020304" pitchFamily="18" charset="0"/>
-              </a:rPr>
-              <a:t> </a:t>
-            </a:r>
-            <a:r>
-              <a:rPr lang="en-US" dirty="0" err="1" smtClean="0">
-                <a:latin typeface="Times New Roman" panose="02020603050405020304" pitchFamily="18" charset="0"/>
-                <a:cs typeface="Times New Roman" panose="02020603050405020304" pitchFamily="18" charset="0"/>
-              </a:rPr>
-              <a:t>bộ</a:t>
+              <a:rPr lang="vi-VN" dirty="0">
+                <a:latin typeface="Times New Roman" panose="02020603050405020304" pitchFamily="18" charset="0"/>
+                <a:cs typeface="Times New Roman" panose="02020603050405020304" pitchFamily="18" charset="0"/>
+              </a:rPr>
+              <a:t>Giá trị của state được giữ lại giữa các lần render</a:t>
             </a:r>
             <a:endParaRPr lang="en-US" dirty="0" smtClean="0">
               <a:latin typeface="Times New Roman" panose="02020603050405020304" pitchFamily="18" charset="0"/>
@@ -13103,11 +13130,18 @@
               <a:t>- </a:t>
             </a:r>
             <a:r>
+              <a:rPr lang="en-US" dirty="0">
+                <a:latin typeface="Times New Roman" panose="02020603050405020304" pitchFamily="18" charset="0"/>
+                <a:cs typeface="Times New Roman" panose="02020603050405020304" pitchFamily="18" charset="0"/>
+              </a:rPr>
+              <a:t>L</a:t>
+            </a:r>
+            <a:r>
               <a:rPr lang="vi-VN" dirty="0" smtClean="0">
                 <a:latin typeface="Times New Roman" panose="02020603050405020304" pitchFamily="18" charset="0"/>
                 <a:cs typeface="Times New Roman" panose="02020603050405020304" pitchFamily="18" charset="0"/>
               </a:rPr>
-              <a:t>là </a:t>
+              <a:t>à </a:t>
             </a:r>
             <a:r>
               <a:rPr lang="vi-VN" dirty="0">
@@ -13205,7 +13239,21 @@
                 <a:latin typeface="Times New Roman" panose="02020603050405020304" pitchFamily="18" charset="0"/>
                 <a:cs typeface="Times New Roman" panose="02020603050405020304" pitchFamily="18" charset="0"/>
               </a:rPr>
-              <a:t>Đây là một mảng chứa các giá trị mà useEffect lắng nghe. Nếu bất kỳ giá trị nào trong mảng này thay đổi, useEffect sẽ được kích hoạt lại.</a:t>
+              <a:t>Đây là một mảng chứa các giá trị mà useEffect lắng nghe. Nếu bất kỳ giá trị nào trong mảng này thay đổi, useEffect sẽ được kích hoạt lại</a:t>
+            </a:r>
+            <a:r>
+              <a:rPr lang="vi-VN" dirty="0" smtClean="0">
+                <a:latin typeface="Times New Roman" panose="02020603050405020304" pitchFamily="18" charset="0"/>
+                <a:cs typeface="Times New Roman" panose="02020603050405020304" pitchFamily="18" charset="0"/>
+              </a:rPr>
+              <a:t>.</a:t>
+            </a:r>
+            <a:r>
+              <a:rPr lang="en-US" dirty="0" smtClean="0">
+                <a:latin typeface="Times New Roman" panose="02020603050405020304" pitchFamily="18" charset="0"/>
+                <a:cs typeface="Times New Roman" panose="02020603050405020304" pitchFamily="18" charset="0"/>
+              </a:rPr>
+              <a:t> []</a:t>
             </a:r>
             <a:endParaRPr lang="en-US" dirty="0" smtClean="0">
               <a:latin typeface="Times New Roman" panose="02020603050405020304" pitchFamily="18" charset="0"/>
@@ -13711,18 +13759,67 @@
               <a:t>- </a:t>
             </a:r>
             <a:r>
+              <a:rPr lang="en-US" dirty="0">
+                <a:latin typeface="Times New Roman" panose="02020603050405020304" pitchFamily="18" charset="0"/>
+                <a:cs typeface="Times New Roman" panose="02020603050405020304" pitchFamily="18" charset="0"/>
+              </a:rPr>
+              <a:t>L</a:t>
+            </a:r>
+            <a:r>
+              <a:rPr lang="vi-VN" dirty="0" smtClean="0">
+                <a:latin typeface="Times New Roman" panose="02020603050405020304" pitchFamily="18" charset="0"/>
+                <a:cs typeface="Times New Roman" panose="02020603050405020304" pitchFamily="18" charset="0"/>
+              </a:rPr>
+              <a:t>à </a:t>
+            </a:r>
+            <a:r>
               <a:rPr lang="vi-VN" dirty="0">
                 <a:latin typeface="Times New Roman" panose="02020603050405020304" pitchFamily="18" charset="0"/>
                 <a:cs typeface="Times New Roman" panose="02020603050405020304" pitchFamily="18" charset="0"/>
               </a:rPr>
-              <a:t>là một hook trong React được sử dụng để tạo một đối tượng ref có thể duy trì giá trị của nó qua các lần render mà không gây ra việc render lại component khi giá trị của nó thay đổi. Ref thường được sử dụng để truy cập trực tiếp vào các DOM element hoặc để lưu trữ một giá trị bất biến trong suốt vòng đời của component</a:t>
+              <a:t>một hook trong React được sử dụng để tạo một đối tượng ref có thể duy trì giá trị của nó qua các lần render mà không gây ra việc render lại component khi giá trị của nó thay đổi. Ref thường được sử dụng để truy cập </a:t>
             </a:r>
             <a:r>
               <a:rPr lang="vi-VN" dirty="0" smtClean="0">
                 <a:latin typeface="Times New Roman" panose="02020603050405020304" pitchFamily="18" charset="0"/>
                 <a:cs typeface="Times New Roman" panose="02020603050405020304" pitchFamily="18" charset="0"/>
               </a:rPr>
-              <a:t>.</a:t>
+              <a:t>trực</a:t>
+            </a:r>
+            <a:r>
+              <a:rPr lang="en-US" dirty="0" smtClean="0">
+                <a:latin typeface="Times New Roman" panose="02020603050405020304" pitchFamily="18" charset="0"/>
+                <a:cs typeface="Times New Roman" panose="02020603050405020304" pitchFamily="18" charset="0"/>
+              </a:rPr>
+              <a:t> </a:t>
+            </a:r>
+            <a:r>
+              <a:rPr lang="vi-VN" dirty="0" smtClean="0">
+                <a:latin typeface="Times New Roman" panose="02020603050405020304" pitchFamily="18" charset="0"/>
+                <a:cs typeface="Times New Roman" panose="02020603050405020304" pitchFamily="18" charset="0"/>
+              </a:rPr>
+              <a:t>suốt </a:t>
+            </a:r>
+            <a:r>
+              <a:rPr lang="vi-VN" dirty="0">
+                <a:latin typeface="Times New Roman" panose="02020603050405020304" pitchFamily="18" charset="0"/>
+                <a:cs typeface="Times New Roman" panose="02020603050405020304" pitchFamily="18" charset="0"/>
+              </a:rPr>
+              <a:t>vòng đời của component </a:t>
+            </a:r>
+            <a:r>
+              <a:rPr lang="vi-VN" dirty="0">
+                <a:latin typeface="Times New Roman" panose="02020603050405020304" pitchFamily="18" charset="0"/>
+                <a:cs typeface="Times New Roman" panose="02020603050405020304" pitchFamily="18" charset="0"/>
+              </a:rPr>
+              <a:t>tiếp vào các DOM element hoặc để lưu trữ một giá trị bất biến </a:t>
+            </a:r>
+            <a:r>
+              <a:rPr lang="vi-VN" dirty="0" smtClean="0">
+                <a:latin typeface="Times New Roman" panose="02020603050405020304" pitchFamily="18" charset="0"/>
+                <a:cs typeface="Times New Roman" panose="02020603050405020304" pitchFamily="18" charset="0"/>
+              </a:rPr>
+              <a:t>trong.</a:t>
             </a:r>
             <a:endParaRPr lang="en-US" dirty="0" smtClean="0">
               <a:latin typeface="Times New Roman" panose="02020603050405020304" pitchFamily="18" charset="0"/>
@@ -13983,7 +14080,7 @@
                 <a:latin typeface="Times New Roman" panose="02020603050405020304" pitchFamily="18" charset="0"/>
                 <a:cs typeface="Times New Roman" panose="02020603050405020304" pitchFamily="18" charset="0"/>
               </a:rPr>
-              <a:t>- l</a:t>
+              <a:t>- L</a:t>
             </a:r>
             <a:r>
               <a:rPr lang="vi-VN" dirty="0" smtClean="0">
@@ -14133,11 +14230,25 @@
               <a:t>- </a:t>
             </a:r>
             <a:r>
+              <a:rPr lang="en-US" dirty="0">
+                <a:latin typeface="Times New Roman" panose="02020603050405020304" pitchFamily="18" charset="0"/>
+                <a:cs typeface="Times New Roman" panose="02020603050405020304" pitchFamily="18" charset="0"/>
+              </a:rPr>
+              <a:t>L</a:t>
+            </a:r>
+            <a:r>
+              <a:rPr lang="vi-VN" dirty="0" smtClean="0">
+                <a:latin typeface="Times New Roman" panose="02020603050405020304" pitchFamily="18" charset="0"/>
+                <a:cs typeface="Times New Roman" panose="02020603050405020304" pitchFamily="18" charset="0"/>
+              </a:rPr>
+              <a:t>à </a:t>
+            </a:r>
+            <a:r>
               <a:rPr lang="vi-VN" dirty="0">
                 <a:latin typeface="Times New Roman" panose="02020603050405020304" pitchFamily="18" charset="0"/>
                 <a:cs typeface="Times New Roman" panose="02020603050405020304" pitchFamily="18" charset="0"/>
               </a:rPr>
-              <a:t>là một hook trong React được sử dụng để ghi nhớ (memoize) một giá trị được tính toán từ các dependencies và chỉ tính toán lại giá trị đó khi một trong các dependencies thay đổi</a:t>
+              <a:t>một hook trong React được sử dụng để ghi nhớ (memoize) một giá trị được tính toán từ các dependencies và chỉ tính toán lại giá trị đó khi một trong các dependencies thay đổi</a:t>
             </a:r>
             <a:r>
               <a:rPr lang="vi-VN" dirty="0" smtClean="0">
@@ -14160,11 +14271,25 @@
               <a:t>- </a:t>
             </a:r>
             <a:r>
+              <a:rPr lang="en-US" dirty="0">
+                <a:latin typeface="Times New Roman" panose="02020603050405020304" pitchFamily="18" charset="0"/>
+                <a:cs typeface="Times New Roman" panose="02020603050405020304" pitchFamily="18" charset="0"/>
+              </a:rPr>
+              <a:t>G</a:t>
+            </a:r>
+            <a:r>
+              <a:rPr lang="vi-VN" dirty="0" smtClean="0">
+                <a:latin typeface="Times New Roman" panose="02020603050405020304" pitchFamily="18" charset="0"/>
+                <a:cs typeface="Times New Roman" panose="02020603050405020304" pitchFamily="18" charset="0"/>
+              </a:rPr>
+              <a:t>iúp </a:t>
+            </a:r>
+            <a:r>
               <a:rPr lang="vi-VN" dirty="0">
                 <a:latin typeface="Times New Roman" panose="02020603050405020304" pitchFamily="18" charset="0"/>
                 <a:cs typeface="Times New Roman" panose="02020603050405020304" pitchFamily="18" charset="0"/>
               </a:rPr>
-              <a:t>giúp tối ưu hóa hiệu suất của ứng dụng bằng cách tránh tính toán lại các giá trị không cần thiết trong mỗi lần render.</a:t>
+              <a:t>tối ưu hóa hiệu suất của ứng dụng bằng cách tránh tính toán lại các giá trị không cần thiết trong mỗi lần render.</a:t>
             </a:r>
             <a:endParaRPr lang="en-US" dirty="0" smtClean="0">
               <a:latin typeface="Times New Roman" panose="02020603050405020304" pitchFamily="18" charset="0"/>

--- a/react_ts.pptx
+++ b/react_ts.pptx
@@ -34,22 +34,28 @@
     <p:sldId id="280" r:id="rId28"/>
     <p:sldId id="283" r:id="rId29"/>
     <p:sldId id="307" r:id="rId30"/>
-    <p:sldId id="290" r:id="rId31"/>
-    <p:sldId id="291" r:id="rId32"/>
-    <p:sldId id="294" r:id="rId33"/>
-    <p:sldId id="293" r:id="rId34"/>
-    <p:sldId id="295" r:id="rId35"/>
-    <p:sldId id="299" r:id="rId36"/>
-    <p:sldId id="296" r:id="rId37"/>
-    <p:sldId id="297" r:id="rId38"/>
-    <p:sldId id="298" r:id="rId39"/>
-    <p:sldId id="285" r:id="rId40"/>
-    <p:sldId id="286" r:id="rId41"/>
-    <p:sldId id="287" r:id="rId42"/>
-    <p:sldId id="288" r:id="rId43"/>
-    <p:sldId id="289" r:id="rId44"/>
-    <p:sldId id="262" r:id="rId45"/>
-    <p:sldId id="263" r:id="rId46"/>
+    <p:sldId id="308" r:id="rId31"/>
+    <p:sldId id="314" r:id="rId32"/>
+    <p:sldId id="309" r:id="rId33"/>
+    <p:sldId id="310" r:id="rId34"/>
+    <p:sldId id="311" r:id="rId35"/>
+    <p:sldId id="313" r:id="rId36"/>
+    <p:sldId id="290" r:id="rId37"/>
+    <p:sldId id="291" r:id="rId38"/>
+    <p:sldId id="294" r:id="rId39"/>
+    <p:sldId id="293" r:id="rId40"/>
+    <p:sldId id="295" r:id="rId41"/>
+    <p:sldId id="299" r:id="rId42"/>
+    <p:sldId id="296" r:id="rId43"/>
+    <p:sldId id="297" r:id="rId44"/>
+    <p:sldId id="298" r:id="rId45"/>
+    <p:sldId id="285" r:id="rId46"/>
+    <p:sldId id="286" r:id="rId47"/>
+    <p:sldId id="287" r:id="rId48"/>
+    <p:sldId id="288" r:id="rId49"/>
+    <p:sldId id="289" r:id="rId50"/>
+    <p:sldId id="262" r:id="rId51"/>
+    <p:sldId id="263" r:id="rId52"/>
   </p:sldIdLst>
   <p:sldSz cx="12192000" cy="6858000"/>
   <p:notesSz cx="6858000" cy="9144000"/>
@@ -382,7 +388,7 @@
           <a:p>
             <a:fld id="{4BDF68E2-58F2-4D09-BE8B-E3BD06533059}" type="datetimeFigureOut">
               <a:rPr lang="en-US" dirty="0"/>
-              <a:t>2024-07-10</a:t>
+              <a:t>2024-07-11</a:t>
             </a:fld>
             <a:endParaRPr lang="en-US" dirty="0"/>
           </a:p>
@@ -585,7 +591,7 @@
           <a:p>
             <a:fld id="{2E2D6473-DF6D-4702-B328-E0DD40540A4E}" type="datetimeFigureOut">
               <a:rPr lang="en-US" dirty="0"/>
-              <a:t>2024-07-10</a:t>
+              <a:t>2024-07-11</a:t>
             </a:fld>
             <a:endParaRPr lang="en-US" dirty="0"/>
           </a:p>
@@ -836,7 +842,7 @@
           <a:p>
             <a:fld id="{E26F7E3A-B166-407D-9866-32884E7D5B37}" type="datetimeFigureOut">
               <a:rPr lang="en-US" dirty="0"/>
-              <a:t>2024-07-10</a:t>
+              <a:t>2024-07-11</a:t>
             </a:fld>
             <a:endParaRPr lang="en-US" dirty="0"/>
           </a:p>
@@ -1005,7 +1011,7 @@
           <a:p>
             <a:fld id="{528FC5F6-F338-4AE4-BB23-26385BCFC423}" type="datetimeFigureOut">
               <a:rPr lang="en-US" dirty="0"/>
-              <a:t>2024-07-10</a:t>
+              <a:t>2024-07-11</a:t>
             </a:fld>
             <a:endParaRPr lang="en-US" dirty="0"/>
           </a:p>
@@ -1343,7 +1349,7 @@
           <a:p>
             <a:fld id="{20EBB0C4-6273-4C6E-B9BD-2EDC30F1CD52}" type="datetimeFigureOut">
               <a:rPr lang="en-US" dirty="0"/>
-              <a:t>2024-07-10</a:t>
+              <a:t>2024-07-11</a:t>
             </a:fld>
             <a:endParaRPr lang="en-US" dirty="0"/>
           </a:p>
@@ -1613,7 +1619,7 @@
           <a:p>
             <a:fld id="{19AB4D41-86C1-4908-B66A-0B50CEB3BF29}" type="datetimeFigureOut">
               <a:rPr lang="en-US" dirty="0"/>
-              <a:t>2024-07-10</a:t>
+              <a:t>2024-07-11</a:t>
             </a:fld>
             <a:endParaRPr lang="en-US" dirty="0"/>
           </a:p>
@@ -1987,7 +1993,7 @@
           <a:p>
             <a:fld id="{E6426E2C-56C1-4E0D-A793-0088A7FDD37E}" type="datetimeFigureOut">
               <a:rPr lang="en-US" dirty="0"/>
-              <a:t>2024-07-10</a:t>
+              <a:t>2024-07-11</a:t>
             </a:fld>
             <a:endParaRPr lang="en-US" dirty="0"/>
           </a:p>
@@ -2100,7 +2106,7 @@
           <a:p>
             <a:fld id="{C8C39B41-D8B5-4052-B551-9B5525EAA8B6}" type="datetimeFigureOut">
               <a:rPr lang="en-US" dirty="0"/>
-              <a:t>2024-07-10</a:t>
+              <a:t>2024-07-11</a:t>
             </a:fld>
             <a:endParaRPr lang="en-US" dirty="0"/>
           </a:p>
@@ -2266,7 +2272,7 @@
           <a:p>
             <a:fld id="{4D94136C-8742-45B2-AF27-D93DF72833A9}" type="datetimeFigureOut">
               <a:rPr lang="en-US" dirty="0"/>
-              <a:t>2024-07-10</a:t>
+              <a:t>2024-07-11</a:t>
             </a:fld>
             <a:endParaRPr lang="en-US" dirty="0"/>
           </a:p>
@@ -2616,7 +2622,7 @@
           <a:p>
             <a:fld id="{32ABBEA6-7C60-4B02-AE87-00D78D8422AF}" type="datetimeFigureOut">
               <a:rPr lang="en-US" dirty="0"/>
-              <a:t>2024-07-10</a:t>
+              <a:t>2024-07-11</a:t>
             </a:fld>
             <a:endParaRPr lang="en-US" dirty="0"/>
           </a:p>
@@ -2994,7 +3000,7 @@
           <a:p>
             <a:fld id="{C9CAD897-D46E-4AD2-BD9B-49DD3E640873}" type="datetimeFigureOut">
               <a:rPr lang="en-US" dirty="0"/>
-              <a:t>2024-07-10</a:t>
+              <a:t>2024-07-11</a:t>
             </a:fld>
             <a:endParaRPr lang="en-US" dirty="0"/>
           </a:p>
@@ -3276,7 +3282,7 @@
           <a:p>
             <a:fld id="{98624D31-43A5-475A-80CF-332C9F6DCF35}" type="datetimeFigureOut">
               <a:rPr lang="en-US" dirty="0"/>
-              <a:t>2024-07-10</a:t>
+              <a:t>2024-07-11</a:t>
             </a:fld>
             <a:endParaRPr lang="en-US" dirty="0"/>
           </a:p>
@@ -13255,10 +13261,6 @@
               </a:rPr>
               <a:t> []</a:t>
             </a:r>
-            <a:endParaRPr lang="en-US" dirty="0" smtClean="0">
-              <a:latin typeface="Times New Roman" panose="02020603050405020304" pitchFamily="18" charset="0"/>
-              <a:cs typeface="Times New Roman" panose="02020603050405020304" pitchFamily="18" charset="0"/>
-            </a:endParaRPr>
           </a:p>
         </p:txBody>
       </p:sp>
@@ -13805,14 +13807,7 @@
                 <a:latin typeface="Times New Roman" panose="02020603050405020304" pitchFamily="18" charset="0"/>
                 <a:cs typeface="Times New Roman" panose="02020603050405020304" pitchFamily="18" charset="0"/>
               </a:rPr>
-              <a:t>vòng đời của component </a:t>
-            </a:r>
-            <a:r>
-              <a:rPr lang="vi-VN" dirty="0">
-                <a:latin typeface="Times New Roman" panose="02020603050405020304" pitchFamily="18" charset="0"/>
-                <a:cs typeface="Times New Roman" panose="02020603050405020304" pitchFamily="18" charset="0"/>
-              </a:rPr>
-              <a:t>tiếp vào các DOM element hoặc để lưu trữ một giá trị bất biến </a:t>
+              <a:t>vòng đời của component tiếp vào các DOM element hoặc để lưu trữ một giá trị bất biến </a:t>
             </a:r>
             <a:r>
               <a:rPr lang="vi-VN" dirty="0" smtClean="0">
@@ -15395,6 +15390,2547 @@
           <a:lstStyle/>
           <a:p>
             <a:r>
+              <a:rPr lang="en-US" dirty="0" err="1" smtClean="0">
+                <a:latin typeface="Times New Roman" panose="02020603050405020304" pitchFamily="18" charset="0"/>
+                <a:cs typeface="Times New Roman" panose="02020603050405020304" pitchFamily="18" charset="0"/>
+              </a:rPr>
+              <a:t>Thực</a:t>
+            </a:r>
+            <a:r>
+              <a:rPr lang="en-US" dirty="0" smtClean="0">
+                <a:latin typeface="Times New Roman" panose="02020603050405020304" pitchFamily="18" charset="0"/>
+                <a:cs typeface="Times New Roman" panose="02020603050405020304" pitchFamily="18" charset="0"/>
+              </a:rPr>
+              <a:t> </a:t>
+            </a:r>
+            <a:r>
+              <a:rPr lang="en-US" dirty="0" err="1" smtClean="0">
+                <a:latin typeface="Times New Roman" panose="02020603050405020304" pitchFamily="18" charset="0"/>
+                <a:cs typeface="Times New Roman" panose="02020603050405020304" pitchFamily="18" charset="0"/>
+              </a:rPr>
+              <a:t>hành</a:t>
+            </a:r>
+            <a:endParaRPr lang="en-US" dirty="0">
+              <a:latin typeface="Times New Roman" panose="02020603050405020304" pitchFamily="18" charset="0"/>
+              <a:cs typeface="Times New Roman" panose="02020603050405020304" pitchFamily="18" charset="0"/>
+            </a:endParaRPr>
+          </a:p>
+        </p:txBody>
+      </p:sp>
+      <p:sp>
+        <p:nvSpPr>
+          <p:cNvPr id="3" name="Content Placeholder 2"/>
+          <p:cNvSpPr>
+            <a:spLocks noGrp="1"/>
+          </p:cNvSpPr>
+          <p:nvPr>
+            <p:ph idx="1"/>
+          </p:nvPr>
+        </p:nvSpPr>
+        <p:spPr/>
+        <p:txBody>
+          <a:bodyPr/>
+          <a:lstStyle/>
+          <a:p>
+            <a:pPr marL="0" indent="0">
+              <a:buNone/>
+            </a:pPr>
+            <a:r>
+              <a:rPr lang="en-US" dirty="0" smtClean="0">
+                <a:latin typeface="Times New Roman" panose="02020603050405020304" pitchFamily="18" charset="0"/>
+                <a:cs typeface="Times New Roman" panose="02020603050405020304" pitchFamily="18" charset="0"/>
+              </a:rPr>
+              <a:t>CRUD class </a:t>
+            </a:r>
+            <a:r>
+              <a:rPr lang="en-US" dirty="0" err="1" smtClean="0">
+                <a:latin typeface="Times New Roman" panose="02020603050405020304" pitchFamily="18" charset="0"/>
+                <a:cs typeface="Times New Roman" panose="02020603050405020304" pitchFamily="18" charset="0"/>
+              </a:rPr>
+              <a:t>StudentDto</a:t>
+            </a:r>
+            <a:endParaRPr lang="en-US" dirty="0">
+              <a:latin typeface="Times New Roman" panose="02020603050405020304" pitchFamily="18" charset="0"/>
+              <a:cs typeface="Times New Roman" panose="02020603050405020304" pitchFamily="18" charset="0"/>
+            </a:endParaRPr>
+          </a:p>
+          <a:p>
+            <a:pPr>
+              <a:buFontTx/>
+              <a:buChar char="-"/>
+            </a:pPr>
+            <a:r>
+              <a:rPr lang="en-US" dirty="0" smtClean="0">
+                <a:latin typeface="Times New Roman" panose="02020603050405020304" pitchFamily="18" charset="0"/>
+                <a:cs typeface="Times New Roman" panose="02020603050405020304" pitchFamily="18" charset="0"/>
+              </a:rPr>
+              <a:t>id: Long</a:t>
+            </a:r>
+          </a:p>
+          <a:p>
+            <a:pPr>
+              <a:buFontTx/>
+              <a:buChar char="-"/>
+            </a:pPr>
+            <a:r>
+              <a:rPr lang="en-US" dirty="0" err="1" smtClean="0">
+                <a:latin typeface="Times New Roman" panose="02020603050405020304" pitchFamily="18" charset="0"/>
+                <a:cs typeface="Times New Roman" panose="02020603050405020304" pitchFamily="18" charset="0"/>
+              </a:rPr>
+              <a:t>fullName</a:t>
+            </a:r>
+            <a:r>
+              <a:rPr lang="en-US" dirty="0" smtClean="0">
+                <a:latin typeface="Times New Roman" panose="02020603050405020304" pitchFamily="18" charset="0"/>
+                <a:cs typeface="Times New Roman" panose="02020603050405020304" pitchFamily="18" charset="0"/>
+              </a:rPr>
+              <a:t>: String - </a:t>
+            </a:r>
+            <a:r>
+              <a:rPr lang="en-US" dirty="0" err="1" smtClean="0">
+                <a:latin typeface="Times New Roman" panose="02020603050405020304" pitchFamily="18" charset="0"/>
+                <a:cs typeface="Times New Roman" panose="02020603050405020304" pitchFamily="18" charset="0"/>
+              </a:rPr>
+              <a:t>NotEmpty</a:t>
+            </a:r>
+            <a:endParaRPr lang="en-US" dirty="0" smtClean="0">
+              <a:latin typeface="Times New Roman" panose="02020603050405020304" pitchFamily="18" charset="0"/>
+              <a:cs typeface="Times New Roman" panose="02020603050405020304" pitchFamily="18" charset="0"/>
+            </a:endParaRPr>
+          </a:p>
+          <a:p>
+            <a:pPr>
+              <a:buFontTx/>
+              <a:buChar char="-"/>
+            </a:pPr>
+            <a:r>
+              <a:rPr lang="en-US" dirty="0" err="1" smtClean="0">
+                <a:latin typeface="Times New Roman" panose="02020603050405020304" pitchFamily="18" charset="0"/>
+                <a:cs typeface="Times New Roman" panose="02020603050405020304" pitchFamily="18" charset="0"/>
+              </a:rPr>
+              <a:t>dob</a:t>
+            </a:r>
+            <a:r>
+              <a:rPr lang="en-US" dirty="0" smtClean="0">
+                <a:latin typeface="Times New Roman" panose="02020603050405020304" pitchFamily="18" charset="0"/>
+                <a:cs typeface="Times New Roman" panose="02020603050405020304" pitchFamily="18" charset="0"/>
+              </a:rPr>
+              <a:t>: Integer (</a:t>
+            </a:r>
+            <a:r>
+              <a:rPr lang="en-US" dirty="0" err="1" smtClean="0">
+                <a:latin typeface="Times New Roman" panose="02020603050405020304" pitchFamily="18" charset="0"/>
+                <a:cs typeface="Times New Roman" panose="02020603050405020304" pitchFamily="18" charset="0"/>
+              </a:rPr>
+              <a:t>Năm</a:t>
+            </a:r>
+            <a:r>
+              <a:rPr lang="en-US" dirty="0" smtClean="0">
+                <a:latin typeface="Times New Roman" panose="02020603050405020304" pitchFamily="18" charset="0"/>
+                <a:cs typeface="Times New Roman" panose="02020603050405020304" pitchFamily="18" charset="0"/>
+              </a:rPr>
+              <a:t> </a:t>
+            </a:r>
+            <a:r>
+              <a:rPr lang="en-US" dirty="0" err="1" smtClean="0">
+                <a:latin typeface="Times New Roman" panose="02020603050405020304" pitchFamily="18" charset="0"/>
+                <a:cs typeface="Times New Roman" panose="02020603050405020304" pitchFamily="18" charset="0"/>
+              </a:rPr>
+              <a:t>sinh</a:t>
+            </a:r>
+            <a:r>
+              <a:rPr lang="en-US" dirty="0" smtClean="0">
+                <a:latin typeface="Times New Roman" panose="02020603050405020304" pitchFamily="18" charset="0"/>
+                <a:cs typeface="Times New Roman" panose="02020603050405020304" pitchFamily="18" charset="0"/>
+              </a:rPr>
+              <a:t>) - </a:t>
+            </a:r>
+            <a:r>
+              <a:rPr lang="en-US" dirty="0" err="1" smtClean="0">
+                <a:latin typeface="Times New Roman" panose="02020603050405020304" pitchFamily="18" charset="0"/>
+                <a:cs typeface="Times New Roman" panose="02020603050405020304" pitchFamily="18" charset="0"/>
+              </a:rPr>
+              <a:t>NotNull</a:t>
+            </a:r>
+            <a:endParaRPr lang="en-US" dirty="0" smtClean="0">
+              <a:latin typeface="Times New Roman" panose="02020603050405020304" pitchFamily="18" charset="0"/>
+              <a:cs typeface="Times New Roman" panose="02020603050405020304" pitchFamily="18" charset="0"/>
+            </a:endParaRPr>
+          </a:p>
+          <a:p>
+            <a:pPr>
+              <a:buFontTx/>
+              <a:buChar char="-"/>
+            </a:pPr>
+            <a:r>
+              <a:rPr lang="en-US" dirty="0">
+                <a:latin typeface="Times New Roman" panose="02020603050405020304" pitchFamily="18" charset="0"/>
+                <a:cs typeface="Times New Roman" panose="02020603050405020304" pitchFamily="18" charset="0"/>
+              </a:rPr>
+              <a:t>a</a:t>
+            </a:r>
+            <a:r>
+              <a:rPr lang="en-US" dirty="0" smtClean="0">
+                <a:latin typeface="Times New Roman" panose="02020603050405020304" pitchFamily="18" charset="0"/>
+                <a:cs typeface="Times New Roman" panose="02020603050405020304" pitchFamily="18" charset="0"/>
+              </a:rPr>
+              <a:t>ddress: String - </a:t>
+            </a:r>
+            <a:r>
+              <a:rPr lang="en-US" dirty="0" err="1" smtClean="0">
+                <a:latin typeface="Times New Roman" panose="02020603050405020304" pitchFamily="18" charset="0"/>
+                <a:cs typeface="Times New Roman" panose="02020603050405020304" pitchFamily="18" charset="0"/>
+              </a:rPr>
+              <a:t>NotEmpty</a:t>
+            </a:r>
+            <a:endParaRPr lang="en-US" dirty="0" smtClean="0">
+              <a:latin typeface="Times New Roman" panose="02020603050405020304" pitchFamily="18" charset="0"/>
+              <a:cs typeface="Times New Roman" panose="02020603050405020304" pitchFamily="18" charset="0"/>
+            </a:endParaRPr>
+          </a:p>
+          <a:p>
+            <a:pPr marL="0" indent="0">
+              <a:buNone/>
+            </a:pPr>
+            <a:endParaRPr lang="en-US" dirty="0" smtClean="0">
+              <a:latin typeface="Times New Roman" panose="02020603050405020304" pitchFamily="18" charset="0"/>
+              <a:cs typeface="Times New Roman" panose="02020603050405020304" pitchFamily="18" charset="0"/>
+            </a:endParaRPr>
+          </a:p>
+        </p:txBody>
+      </p:sp>
+    </p:spTree>
+    <p:extLst>
+      <p:ext uri="{BB962C8B-B14F-4D97-AF65-F5344CB8AC3E}">
+        <p14:creationId xmlns:p14="http://schemas.microsoft.com/office/powerpoint/2010/main" val="751872207"/>
+      </p:ext>
+    </p:extLst>
+  </p:cSld>
+  <p:clrMapOvr>
+    <a:masterClrMapping/>
+  </p:clrMapOvr>
+  <p:timing>
+    <p:tnLst>
+      <p:par>
+        <p:cTn id="1" dur="indefinite" restart="never" nodeType="tmRoot"/>
+      </p:par>
+    </p:tnLst>
+  </p:timing>
+</p:sld>
+</file>
+
+<file path=ppt/slides/slide31.xml><?xml version="1.0" encoding="utf-8"?>
+<p:sld xmlns:a="http://schemas.openxmlformats.org/drawingml/2006/main" xmlns:r="http://schemas.openxmlformats.org/officeDocument/2006/relationships" xmlns:p="http://schemas.openxmlformats.org/presentationml/2006/main">
+  <p:cSld>
+    <p:spTree>
+      <p:nvGrpSpPr>
+        <p:cNvPr id="1" name=""/>
+        <p:cNvGrpSpPr/>
+        <p:nvPr/>
+      </p:nvGrpSpPr>
+      <p:grpSpPr>
+        <a:xfrm>
+          <a:off x="0" y="0"/>
+          <a:ext cx="0" cy="0"/>
+          <a:chOff x="0" y="0"/>
+          <a:chExt cx="0" cy="0"/>
+        </a:xfrm>
+      </p:grpSpPr>
+      <p:sp>
+        <p:nvSpPr>
+          <p:cNvPr id="2" name="Title 1"/>
+          <p:cNvSpPr>
+            <a:spLocks noGrp="1"/>
+          </p:cNvSpPr>
+          <p:nvPr>
+            <p:ph type="title"/>
+          </p:nvPr>
+        </p:nvSpPr>
+        <p:spPr/>
+        <p:txBody>
+          <a:bodyPr>
+            <a:normAutofit/>
+          </a:bodyPr>
+          <a:lstStyle/>
+          <a:p>
+            <a:r>
+              <a:rPr lang="en-US" dirty="0" smtClean="0">
+                <a:latin typeface="Times New Roman" panose="02020603050405020304" pitchFamily="18" charset="0"/>
+                <a:cs typeface="Times New Roman" panose="02020603050405020304" pitchFamily="18" charset="0"/>
+              </a:rPr>
+              <a:t>API – </a:t>
+            </a:r>
+            <a:r>
+              <a:rPr lang="en-US" dirty="0" err="1" smtClean="0">
+                <a:latin typeface="Times New Roman" panose="02020603050405020304" pitchFamily="18" charset="0"/>
+                <a:cs typeface="Times New Roman" panose="02020603050405020304" pitchFamily="18" charset="0"/>
+              </a:rPr>
+              <a:t>getList</a:t>
+            </a:r>
+            <a:r>
+              <a:rPr lang="en-US" dirty="0" smtClean="0">
+                <a:latin typeface="Times New Roman" panose="02020603050405020304" pitchFamily="18" charset="0"/>
+                <a:cs typeface="Times New Roman" panose="02020603050405020304" pitchFamily="18" charset="0"/>
+              </a:rPr>
+              <a:t/>
+            </a:r>
+            <a:br>
+              <a:rPr lang="en-US" dirty="0" smtClean="0">
+                <a:latin typeface="Times New Roman" panose="02020603050405020304" pitchFamily="18" charset="0"/>
+                <a:cs typeface="Times New Roman" panose="02020603050405020304" pitchFamily="18" charset="0"/>
+              </a:rPr>
+            </a:br>
+            <a:r>
+              <a:rPr lang="en-US" sz="2200" dirty="0">
+                <a:latin typeface="Times New Roman" panose="02020603050405020304" pitchFamily="18" charset="0"/>
+                <a:cs typeface="Times New Roman" panose="02020603050405020304" pitchFamily="18" charset="0"/>
+                <a:hlinkClick r:id="rId2"/>
+              </a:rPr>
+              <a:t>http://localhost:8696/api/public/student/getLst?_keySearch=&amp;_limit=10&amp;_</a:t>
+            </a:r>
+            <a:r>
+              <a:rPr lang="en-US" sz="2200" dirty="0" smtClean="0">
+                <a:latin typeface="Times New Roman" panose="02020603050405020304" pitchFamily="18" charset="0"/>
+                <a:cs typeface="Times New Roman" panose="02020603050405020304" pitchFamily="18" charset="0"/>
+                <a:hlinkClick r:id="rId2"/>
+              </a:rPr>
+              <a:t>offset=0</a:t>
+            </a:r>
+            <a:endParaRPr lang="en-US" dirty="0">
+              <a:latin typeface="Times New Roman" panose="02020603050405020304" pitchFamily="18" charset="0"/>
+              <a:cs typeface="Times New Roman" panose="02020603050405020304" pitchFamily="18" charset="0"/>
+            </a:endParaRPr>
+          </a:p>
+        </p:txBody>
+      </p:sp>
+      <p:sp>
+        <p:nvSpPr>
+          <p:cNvPr id="3" name="Content Placeholder 2"/>
+          <p:cNvSpPr>
+            <a:spLocks noGrp="1"/>
+          </p:cNvSpPr>
+          <p:nvPr>
+            <p:ph idx="1"/>
+          </p:nvPr>
+        </p:nvSpPr>
+        <p:spPr/>
+        <p:txBody>
+          <a:bodyPr>
+            <a:noAutofit/>
+          </a:bodyPr>
+          <a:lstStyle/>
+          <a:p>
+            <a:pPr marL="0" indent="0">
+              <a:buNone/>
+            </a:pPr>
+            <a:r>
+              <a:rPr lang="en-US" sz="1600" dirty="0" smtClean="0">
+                <a:latin typeface="Times New Roman" panose="02020603050405020304" pitchFamily="18" charset="0"/>
+                <a:cs typeface="Times New Roman" panose="02020603050405020304" pitchFamily="18" charset="0"/>
+              </a:rPr>
+              <a:t>{</a:t>
+            </a:r>
+            <a:endParaRPr lang="en-US" sz="1600" dirty="0">
+              <a:latin typeface="Times New Roman" panose="02020603050405020304" pitchFamily="18" charset="0"/>
+              <a:cs typeface="Times New Roman" panose="02020603050405020304" pitchFamily="18" charset="0"/>
+            </a:endParaRPr>
+          </a:p>
+          <a:p>
+            <a:r>
+              <a:rPr lang="en-US" sz="1600" dirty="0">
+                <a:latin typeface="Times New Roman" panose="02020603050405020304" pitchFamily="18" charset="0"/>
+                <a:cs typeface="Times New Roman" panose="02020603050405020304" pitchFamily="18" charset="0"/>
+              </a:rPr>
+              <a:t>    "success": </a:t>
+            </a:r>
+            <a:r>
+              <a:rPr lang="en-US" sz="1600" b="1" dirty="0">
+                <a:latin typeface="Times New Roman" panose="02020603050405020304" pitchFamily="18" charset="0"/>
+                <a:cs typeface="Times New Roman" panose="02020603050405020304" pitchFamily="18" charset="0"/>
+              </a:rPr>
+              <a:t>true</a:t>
+            </a:r>
+            <a:r>
+              <a:rPr lang="en-US" sz="1600" dirty="0">
+                <a:latin typeface="Times New Roman" panose="02020603050405020304" pitchFamily="18" charset="0"/>
+                <a:cs typeface="Times New Roman" panose="02020603050405020304" pitchFamily="18" charset="0"/>
+              </a:rPr>
+              <a:t>,</a:t>
+            </a:r>
+          </a:p>
+          <a:p>
+            <a:r>
+              <a:rPr lang="en-US" sz="1600" dirty="0">
+                <a:latin typeface="Times New Roman" panose="02020603050405020304" pitchFamily="18" charset="0"/>
+                <a:cs typeface="Times New Roman" panose="02020603050405020304" pitchFamily="18" charset="0"/>
+              </a:rPr>
+              <a:t>    "data": [</a:t>
+            </a:r>
+          </a:p>
+          <a:p>
+            <a:r>
+              <a:rPr lang="en-US" sz="1600" dirty="0">
+                <a:latin typeface="Times New Roman" panose="02020603050405020304" pitchFamily="18" charset="0"/>
+                <a:cs typeface="Times New Roman" panose="02020603050405020304" pitchFamily="18" charset="0"/>
+              </a:rPr>
+              <a:t>        {</a:t>
+            </a:r>
+          </a:p>
+          <a:p>
+            <a:r>
+              <a:rPr lang="en-US" sz="1600" dirty="0">
+                <a:latin typeface="Times New Roman" panose="02020603050405020304" pitchFamily="18" charset="0"/>
+                <a:cs typeface="Times New Roman" panose="02020603050405020304" pitchFamily="18" charset="0"/>
+              </a:rPr>
+              <a:t>            "id": 1,</a:t>
+            </a:r>
+          </a:p>
+          <a:p>
+            <a:r>
+              <a:rPr lang="en-US" sz="1600" dirty="0">
+                <a:latin typeface="Times New Roman" panose="02020603050405020304" pitchFamily="18" charset="0"/>
+                <a:cs typeface="Times New Roman" panose="02020603050405020304" pitchFamily="18" charset="0"/>
+              </a:rPr>
+              <a:t>            "</a:t>
+            </a:r>
+            <a:r>
+              <a:rPr lang="en-US" sz="1600" dirty="0" err="1">
+                <a:latin typeface="Times New Roman" panose="02020603050405020304" pitchFamily="18" charset="0"/>
+                <a:cs typeface="Times New Roman" panose="02020603050405020304" pitchFamily="18" charset="0"/>
+              </a:rPr>
+              <a:t>fullName</a:t>
+            </a:r>
+            <a:r>
+              <a:rPr lang="en-US" sz="1600" dirty="0">
+                <a:latin typeface="Times New Roman" panose="02020603050405020304" pitchFamily="18" charset="0"/>
+                <a:cs typeface="Times New Roman" panose="02020603050405020304" pitchFamily="18" charset="0"/>
+              </a:rPr>
+              <a:t>": "</a:t>
+            </a:r>
+            <a:r>
+              <a:rPr lang="en-US" sz="1600" dirty="0" err="1">
+                <a:latin typeface="Times New Roman" panose="02020603050405020304" pitchFamily="18" charset="0"/>
+                <a:cs typeface="Times New Roman" panose="02020603050405020304" pitchFamily="18" charset="0"/>
+              </a:rPr>
+              <a:t>Nguyễn</a:t>
+            </a:r>
+            <a:r>
+              <a:rPr lang="en-US" sz="1600" dirty="0">
+                <a:latin typeface="Times New Roman" panose="02020603050405020304" pitchFamily="18" charset="0"/>
+                <a:cs typeface="Times New Roman" panose="02020603050405020304" pitchFamily="18" charset="0"/>
+              </a:rPr>
+              <a:t> </a:t>
+            </a:r>
+            <a:r>
+              <a:rPr lang="en-US" sz="1600" dirty="0" err="1">
+                <a:latin typeface="Times New Roman" panose="02020603050405020304" pitchFamily="18" charset="0"/>
+                <a:cs typeface="Times New Roman" panose="02020603050405020304" pitchFamily="18" charset="0"/>
+              </a:rPr>
+              <a:t>Đình</a:t>
+            </a:r>
+            <a:r>
+              <a:rPr lang="en-US" sz="1600" dirty="0">
+                <a:latin typeface="Times New Roman" panose="02020603050405020304" pitchFamily="18" charset="0"/>
+                <a:cs typeface="Times New Roman" panose="02020603050405020304" pitchFamily="18" charset="0"/>
+              </a:rPr>
+              <a:t> </a:t>
+            </a:r>
+            <a:r>
+              <a:rPr lang="en-US" sz="1600" dirty="0" err="1">
+                <a:latin typeface="Times New Roman" panose="02020603050405020304" pitchFamily="18" charset="0"/>
+                <a:cs typeface="Times New Roman" panose="02020603050405020304" pitchFamily="18" charset="0"/>
+              </a:rPr>
+              <a:t>Tiến</a:t>
+            </a:r>
+            <a:r>
+              <a:rPr lang="en-US" sz="1600" dirty="0">
+                <a:latin typeface="Times New Roman" panose="02020603050405020304" pitchFamily="18" charset="0"/>
+                <a:cs typeface="Times New Roman" panose="02020603050405020304" pitchFamily="18" charset="0"/>
+              </a:rPr>
+              <a:t>",</a:t>
+            </a:r>
+          </a:p>
+          <a:p>
+            <a:r>
+              <a:rPr lang="en-US" sz="1600" dirty="0">
+                <a:latin typeface="Times New Roman" panose="02020603050405020304" pitchFamily="18" charset="0"/>
+                <a:cs typeface="Times New Roman" panose="02020603050405020304" pitchFamily="18" charset="0"/>
+              </a:rPr>
+              <a:t>            "</a:t>
+            </a:r>
+            <a:r>
+              <a:rPr lang="en-US" sz="1600" dirty="0" err="1">
+                <a:latin typeface="Times New Roman" panose="02020603050405020304" pitchFamily="18" charset="0"/>
+                <a:cs typeface="Times New Roman" panose="02020603050405020304" pitchFamily="18" charset="0"/>
+              </a:rPr>
+              <a:t>dob</a:t>
+            </a:r>
+            <a:r>
+              <a:rPr lang="en-US" sz="1600" dirty="0">
+                <a:latin typeface="Times New Roman" panose="02020603050405020304" pitchFamily="18" charset="0"/>
+                <a:cs typeface="Times New Roman" panose="02020603050405020304" pitchFamily="18" charset="0"/>
+              </a:rPr>
+              <a:t>": 1997,</a:t>
+            </a:r>
+          </a:p>
+          <a:p>
+            <a:r>
+              <a:rPr lang="en-US" sz="1600" dirty="0">
+                <a:latin typeface="Times New Roman" panose="02020603050405020304" pitchFamily="18" charset="0"/>
+                <a:cs typeface="Times New Roman" panose="02020603050405020304" pitchFamily="18" charset="0"/>
+              </a:rPr>
+              <a:t>            "address": "</a:t>
+            </a:r>
+            <a:r>
+              <a:rPr lang="en-US" sz="1600" dirty="0" err="1">
+                <a:latin typeface="Times New Roman" panose="02020603050405020304" pitchFamily="18" charset="0"/>
+                <a:cs typeface="Times New Roman" panose="02020603050405020304" pitchFamily="18" charset="0"/>
+              </a:rPr>
+              <a:t>Hà</a:t>
+            </a:r>
+            <a:r>
+              <a:rPr lang="en-US" sz="1600" dirty="0">
+                <a:latin typeface="Times New Roman" panose="02020603050405020304" pitchFamily="18" charset="0"/>
+                <a:cs typeface="Times New Roman" panose="02020603050405020304" pitchFamily="18" charset="0"/>
+              </a:rPr>
+              <a:t> </a:t>
+            </a:r>
+            <a:r>
+              <a:rPr lang="en-US" sz="1600" dirty="0" err="1">
+                <a:latin typeface="Times New Roman" panose="02020603050405020304" pitchFamily="18" charset="0"/>
+                <a:cs typeface="Times New Roman" panose="02020603050405020304" pitchFamily="18" charset="0"/>
+              </a:rPr>
+              <a:t>Nội</a:t>
+            </a:r>
+            <a:r>
+              <a:rPr lang="en-US" sz="1600" dirty="0">
+                <a:latin typeface="Times New Roman" panose="02020603050405020304" pitchFamily="18" charset="0"/>
+                <a:cs typeface="Times New Roman" panose="02020603050405020304" pitchFamily="18" charset="0"/>
+              </a:rPr>
+              <a:t>",</a:t>
+            </a:r>
+          </a:p>
+          <a:p>
+            <a:r>
+              <a:rPr lang="en-US" sz="1600" dirty="0">
+                <a:latin typeface="Times New Roman" panose="02020603050405020304" pitchFamily="18" charset="0"/>
+                <a:cs typeface="Times New Roman" panose="02020603050405020304" pitchFamily="18" charset="0"/>
+              </a:rPr>
+              <a:t>            "</a:t>
+            </a:r>
+            <a:r>
+              <a:rPr lang="en-US" sz="1600" dirty="0" err="1">
+                <a:latin typeface="Times New Roman" panose="02020603050405020304" pitchFamily="18" charset="0"/>
+                <a:cs typeface="Times New Roman" panose="02020603050405020304" pitchFamily="18" charset="0"/>
+              </a:rPr>
+              <a:t>createDate</a:t>
+            </a:r>
+            <a:r>
+              <a:rPr lang="en-US" sz="1600" dirty="0">
+                <a:latin typeface="Times New Roman" panose="02020603050405020304" pitchFamily="18" charset="0"/>
+                <a:cs typeface="Times New Roman" panose="02020603050405020304" pitchFamily="18" charset="0"/>
+              </a:rPr>
+              <a:t>": "2024-07-11T06:39:17.141+00:00"</a:t>
+            </a:r>
+          </a:p>
+          <a:p>
+            <a:r>
+              <a:rPr lang="en-US" sz="1600" dirty="0">
+                <a:latin typeface="Times New Roman" panose="02020603050405020304" pitchFamily="18" charset="0"/>
+                <a:cs typeface="Times New Roman" panose="02020603050405020304" pitchFamily="18" charset="0"/>
+              </a:rPr>
+              <a:t>        </a:t>
+            </a:r>
+            <a:r>
+              <a:rPr lang="en-US" sz="1600" dirty="0" smtClean="0">
+                <a:latin typeface="Times New Roman" panose="02020603050405020304" pitchFamily="18" charset="0"/>
+                <a:cs typeface="Times New Roman" panose="02020603050405020304" pitchFamily="18" charset="0"/>
+              </a:rPr>
+              <a:t>}</a:t>
+            </a:r>
+          </a:p>
+          <a:p>
+            <a:pPr marL="201168" lvl="1" indent="0">
+              <a:buNone/>
+            </a:pPr>
+            <a:r>
+              <a:rPr lang="en-US" sz="1600" dirty="0" smtClean="0">
+                <a:latin typeface="Times New Roman" panose="02020603050405020304" pitchFamily="18" charset="0"/>
+                <a:cs typeface="Times New Roman" panose="02020603050405020304" pitchFamily="18" charset="0"/>
+              </a:rPr>
+              <a:t>  ]</a:t>
+            </a:r>
+          </a:p>
+          <a:p>
+            <a:r>
+              <a:rPr lang="en-US" sz="1600" dirty="0" smtClean="0">
+                <a:latin typeface="Times New Roman" panose="02020603050405020304" pitchFamily="18" charset="0"/>
+                <a:cs typeface="Times New Roman" panose="02020603050405020304" pitchFamily="18" charset="0"/>
+              </a:rPr>
+              <a:t>}</a:t>
+            </a:r>
+            <a:endParaRPr lang="en-US" sz="1600" dirty="0">
+              <a:latin typeface="Times New Roman" panose="02020603050405020304" pitchFamily="18" charset="0"/>
+              <a:cs typeface="Times New Roman" panose="02020603050405020304" pitchFamily="18" charset="0"/>
+            </a:endParaRPr>
+          </a:p>
+          <a:p>
+            <a:pPr marL="0" indent="0">
+              <a:buNone/>
+            </a:pPr>
+            <a:endParaRPr lang="en-US" sz="1600" dirty="0" smtClean="0">
+              <a:latin typeface="Times New Roman" panose="02020603050405020304" pitchFamily="18" charset="0"/>
+              <a:cs typeface="Times New Roman" panose="02020603050405020304" pitchFamily="18" charset="0"/>
+            </a:endParaRPr>
+          </a:p>
+        </p:txBody>
+      </p:sp>
+    </p:spTree>
+    <p:extLst>
+      <p:ext uri="{BB962C8B-B14F-4D97-AF65-F5344CB8AC3E}">
+        <p14:creationId xmlns:p14="http://schemas.microsoft.com/office/powerpoint/2010/main" val="3263602630"/>
+      </p:ext>
+    </p:extLst>
+  </p:cSld>
+  <p:clrMapOvr>
+    <a:masterClrMapping/>
+  </p:clrMapOvr>
+  <p:timing>
+    <p:tnLst>
+      <p:par>
+        <p:cTn id="1" dur="indefinite" restart="never" nodeType="tmRoot"/>
+      </p:par>
+    </p:tnLst>
+  </p:timing>
+</p:sld>
+</file>
+
+<file path=ppt/slides/slide32.xml><?xml version="1.0" encoding="utf-8"?>
+<p:sld xmlns:a="http://schemas.openxmlformats.org/drawingml/2006/main" xmlns:r="http://schemas.openxmlformats.org/officeDocument/2006/relationships" xmlns:p="http://schemas.openxmlformats.org/presentationml/2006/main">
+  <p:cSld>
+    <p:spTree>
+      <p:nvGrpSpPr>
+        <p:cNvPr id="1" name=""/>
+        <p:cNvGrpSpPr/>
+        <p:nvPr/>
+      </p:nvGrpSpPr>
+      <p:grpSpPr>
+        <a:xfrm>
+          <a:off x="0" y="0"/>
+          <a:ext cx="0" cy="0"/>
+          <a:chOff x="0" y="0"/>
+          <a:chExt cx="0" cy="0"/>
+        </a:xfrm>
+      </p:grpSpPr>
+      <p:sp>
+        <p:nvSpPr>
+          <p:cNvPr id="2" name="Title 1"/>
+          <p:cNvSpPr>
+            <a:spLocks noGrp="1"/>
+          </p:cNvSpPr>
+          <p:nvPr>
+            <p:ph type="title"/>
+          </p:nvPr>
+        </p:nvSpPr>
+        <p:spPr/>
+        <p:txBody>
+          <a:bodyPr/>
+          <a:lstStyle/>
+          <a:p>
+            <a:r>
+              <a:rPr lang="en-US" dirty="0" smtClean="0">
+                <a:latin typeface="Times New Roman" panose="02020603050405020304" pitchFamily="18" charset="0"/>
+                <a:cs typeface="Times New Roman" panose="02020603050405020304" pitchFamily="18" charset="0"/>
+              </a:rPr>
+              <a:t>API - Insert</a:t>
+            </a:r>
+            <a:endParaRPr lang="en-US" dirty="0">
+              <a:latin typeface="Times New Roman" panose="02020603050405020304" pitchFamily="18" charset="0"/>
+              <a:cs typeface="Times New Roman" panose="02020603050405020304" pitchFamily="18" charset="0"/>
+            </a:endParaRPr>
+          </a:p>
+        </p:txBody>
+      </p:sp>
+      <p:sp>
+        <p:nvSpPr>
+          <p:cNvPr id="3" name="Content Placeholder 2"/>
+          <p:cNvSpPr>
+            <a:spLocks noGrp="1"/>
+          </p:cNvSpPr>
+          <p:nvPr>
+            <p:ph sz="half" idx="1"/>
+          </p:nvPr>
+        </p:nvSpPr>
+        <p:spPr/>
+        <p:txBody>
+          <a:bodyPr>
+            <a:normAutofit fontScale="92500" lnSpcReduction="10000"/>
+          </a:bodyPr>
+          <a:lstStyle/>
+          <a:p>
+            <a:pPr marL="0" indent="0">
+              <a:buNone/>
+            </a:pPr>
+            <a:r>
+              <a:rPr lang="en-US" dirty="0" smtClean="0">
+                <a:latin typeface="Times New Roman" panose="02020603050405020304" pitchFamily="18" charset="0"/>
+                <a:cs typeface="Times New Roman" panose="02020603050405020304" pitchFamily="18" charset="0"/>
+                <a:hlinkClick r:id="rId2"/>
+              </a:rPr>
+              <a:t>http</a:t>
+            </a:r>
+            <a:r>
+              <a:rPr lang="en-US" dirty="0">
+                <a:latin typeface="Times New Roman" panose="02020603050405020304" pitchFamily="18" charset="0"/>
+                <a:cs typeface="Times New Roman" panose="02020603050405020304" pitchFamily="18" charset="0"/>
+                <a:hlinkClick r:id="rId2"/>
+              </a:rPr>
+              <a:t>://</a:t>
+            </a:r>
+            <a:r>
+              <a:rPr lang="en-US" dirty="0" smtClean="0">
+                <a:latin typeface="Times New Roman" panose="02020603050405020304" pitchFamily="18" charset="0"/>
+                <a:cs typeface="Times New Roman" panose="02020603050405020304" pitchFamily="18" charset="0"/>
+                <a:hlinkClick r:id="rId2"/>
+              </a:rPr>
+              <a:t>localhost:8696/api/public/student/save</a:t>
+            </a:r>
+            <a:endParaRPr lang="en-US" dirty="0" smtClean="0">
+              <a:latin typeface="Times New Roman" panose="02020603050405020304" pitchFamily="18" charset="0"/>
+              <a:cs typeface="Times New Roman" panose="02020603050405020304" pitchFamily="18" charset="0"/>
+            </a:endParaRPr>
+          </a:p>
+          <a:p>
+            <a:r>
+              <a:rPr lang="en-US" dirty="0" smtClean="0">
+                <a:latin typeface="Times New Roman" panose="02020603050405020304" pitchFamily="18" charset="0"/>
+                <a:cs typeface="Times New Roman" panose="02020603050405020304" pitchFamily="18" charset="0"/>
+              </a:rPr>
+              <a:t>Method – POST</a:t>
+            </a:r>
+          </a:p>
+          <a:p>
+            <a:r>
+              <a:rPr lang="en-US" dirty="0" smtClean="0">
+                <a:latin typeface="Times New Roman" panose="02020603050405020304" pitchFamily="18" charset="0"/>
+                <a:cs typeface="Times New Roman" panose="02020603050405020304" pitchFamily="18" charset="0"/>
+              </a:rPr>
+              <a:t>application/</a:t>
+            </a:r>
+            <a:r>
+              <a:rPr lang="en-US" dirty="0" err="1" smtClean="0">
+                <a:latin typeface="Times New Roman" panose="02020603050405020304" pitchFamily="18" charset="0"/>
+                <a:cs typeface="Times New Roman" panose="02020603050405020304" pitchFamily="18" charset="0"/>
+              </a:rPr>
+              <a:t>json</a:t>
+            </a:r>
+            <a:endParaRPr lang="en-US" dirty="0" smtClean="0">
+              <a:latin typeface="Times New Roman" panose="02020603050405020304" pitchFamily="18" charset="0"/>
+              <a:cs typeface="Times New Roman" panose="02020603050405020304" pitchFamily="18" charset="0"/>
+            </a:endParaRPr>
+          </a:p>
+          <a:p>
+            <a:r>
+              <a:rPr lang="en-US" dirty="0">
+                <a:latin typeface="Times New Roman" panose="02020603050405020304" pitchFamily="18" charset="0"/>
+                <a:cs typeface="Times New Roman" panose="02020603050405020304" pitchFamily="18" charset="0"/>
+              </a:rPr>
+              <a:t>{</a:t>
+            </a:r>
+          </a:p>
+          <a:p>
+            <a:r>
+              <a:rPr lang="en-US" dirty="0">
+                <a:latin typeface="Times New Roman" panose="02020603050405020304" pitchFamily="18" charset="0"/>
+                <a:cs typeface="Times New Roman" panose="02020603050405020304" pitchFamily="18" charset="0"/>
+              </a:rPr>
+              <a:t>    </a:t>
+            </a:r>
+            <a:r>
+              <a:rPr lang="en-US" dirty="0" smtClean="0">
+                <a:latin typeface="Times New Roman" panose="02020603050405020304" pitchFamily="18" charset="0"/>
+                <a:cs typeface="Times New Roman" panose="02020603050405020304" pitchFamily="18" charset="0"/>
+              </a:rPr>
+              <a:t>"</a:t>
+            </a:r>
+            <a:r>
+              <a:rPr lang="en-US" dirty="0" err="1">
+                <a:latin typeface="Times New Roman" panose="02020603050405020304" pitchFamily="18" charset="0"/>
+                <a:cs typeface="Times New Roman" panose="02020603050405020304" pitchFamily="18" charset="0"/>
+              </a:rPr>
+              <a:t>fullName</a:t>
+            </a:r>
+            <a:r>
+              <a:rPr lang="en-US" dirty="0">
+                <a:latin typeface="Times New Roman" panose="02020603050405020304" pitchFamily="18" charset="0"/>
+                <a:cs typeface="Times New Roman" panose="02020603050405020304" pitchFamily="18" charset="0"/>
+              </a:rPr>
+              <a:t>": "</a:t>
+            </a:r>
+            <a:r>
+              <a:rPr lang="en-US" dirty="0" err="1">
+                <a:latin typeface="Times New Roman" panose="02020603050405020304" pitchFamily="18" charset="0"/>
+                <a:cs typeface="Times New Roman" panose="02020603050405020304" pitchFamily="18" charset="0"/>
+              </a:rPr>
+              <a:t>Nguyễn</a:t>
+            </a:r>
+            <a:r>
+              <a:rPr lang="en-US" dirty="0">
+                <a:latin typeface="Times New Roman" panose="02020603050405020304" pitchFamily="18" charset="0"/>
+                <a:cs typeface="Times New Roman" panose="02020603050405020304" pitchFamily="18" charset="0"/>
+              </a:rPr>
+              <a:t> </a:t>
+            </a:r>
+            <a:r>
+              <a:rPr lang="en-US" dirty="0" err="1" smtClean="0">
+                <a:latin typeface="Times New Roman" panose="02020603050405020304" pitchFamily="18" charset="0"/>
+                <a:cs typeface="Times New Roman" panose="02020603050405020304" pitchFamily="18" charset="0"/>
+              </a:rPr>
+              <a:t>Hồng</a:t>
+            </a:r>
+            <a:r>
+              <a:rPr lang="en-US" dirty="0" smtClean="0">
+                <a:latin typeface="Times New Roman" panose="02020603050405020304" pitchFamily="18" charset="0"/>
+                <a:cs typeface="Times New Roman" panose="02020603050405020304" pitchFamily="18" charset="0"/>
+              </a:rPr>
+              <a:t> </a:t>
+            </a:r>
+            <a:r>
+              <a:rPr lang="en-US" dirty="0" err="1" smtClean="0">
+                <a:latin typeface="Times New Roman" panose="02020603050405020304" pitchFamily="18" charset="0"/>
+                <a:cs typeface="Times New Roman" panose="02020603050405020304" pitchFamily="18" charset="0"/>
+              </a:rPr>
+              <a:t>Phúc</a:t>
+            </a:r>
+            <a:r>
+              <a:rPr lang="en-US" dirty="0" smtClean="0">
+                <a:latin typeface="Times New Roman" panose="02020603050405020304" pitchFamily="18" charset="0"/>
+                <a:cs typeface="Times New Roman" panose="02020603050405020304" pitchFamily="18" charset="0"/>
+              </a:rPr>
+              <a:t>",</a:t>
+            </a:r>
+            <a:endParaRPr lang="en-US" dirty="0">
+              <a:latin typeface="Times New Roman" panose="02020603050405020304" pitchFamily="18" charset="0"/>
+              <a:cs typeface="Times New Roman" panose="02020603050405020304" pitchFamily="18" charset="0"/>
+            </a:endParaRPr>
+          </a:p>
+          <a:p>
+            <a:r>
+              <a:rPr lang="en-US" dirty="0">
+                <a:latin typeface="Times New Roman" panose="02020603050405020304" pitchFamily="18" charset="0"/>
+                <a:cs typeface="Times New Roman" panose="02020603050405020304" pitchFamily="18" charset="0"/>
+              </a:rPr>
+              <a:t>    "</a:t>
+            </a:r>
+            <a:r>
+              <a:rPr lang="en-US" dirty="0" err="1">
+                <a:latin typeface="Times New Roman" panose="02020603050405020304" pitchFamily="18" charset="0"/>
+                <a:cs typeface="Times New Roman" panose="02020603050405020304" pitchFamily="18" charset="0"/>
+              </a:rPr>
+              <a:t>dob</a:t>
+            </a:r>
+            <a:r>
+              <a:rPr lang="en-US" dirty="0">
+                <a:latin typeface="Times New Roman" panose="02020603050405020304" pitchFamily="18" charset="0"/>
+                <a:cs typeface="Times New Roman" panose="02020603050405020304" pitchFamily="18" charset="0"/>
+              </a:rPr>
+              <a:t>": </a:t>
+            </a:r>
+            <a:r>
+              <a:rPr lang="en-US" dirty="0" smtClean="0">
+                <a:latin typeface="Times New Roman" panose="02020603050405020304" pitchFamily="18" charset="0"/>
+                <a:cs typeface="Times New Roman" panose="02020603050405020304" pitchFamily="18" charset="0"/>
+              </a:rPr>
+              <a:t>2017,</a:t>
+            </a:r>
+            <a:endParaRPr lang="en-US" dirty="0">
+              <a:latin typeface="Times New Roman" panose="02020603050405020304" pitchFamily="18" charset="0"/>
+              <a:cs typeface="Times New Roman" panose="02020603050405020304" pitchFamily="18" charset="0"/>
+            </a:endParaRPr>
+          </a:p>
+          <a:p>
+            <a:r>
+              <a:rPr lang="en-US" dirty="0">
+                <a:latin typeface="Times New Roman" panose="02020603050405020304" pitchFamily="18" charset="0"/>
+                <a:cs typeface="Times New Roman" panose="02020603050405020304" pitchFamily="18" charset="0"/>
+              </a:rPr>
+              <a:t>    "address": "</a:t>
+            </a:r>
+            <a:r>
+              <a:rPr lang="en-US" dirty="0" err="1">
+                <a:latin typeface="Times New Roman" panose="02020603050405020304" pitchFamily="18" charset="0"/>
+                <a:cs typeface="Times New Roman" panose="02020603050405020304" pitchFamily="18" charset="0"/>
+              </a:rPr>
+              <a:t>Hà</a:t>
+            </a:r>
+            <a:r>
+              <a:rPr lang="en-US" dirty="0">
+                <a:latin typeface="Times New Roman" panose="02020603050405020304" pitchFamily="18" charset="0"/>
+                <a:cs typeface="Times New Roman" panose="02020603050405020304" pitchFamily="18" charset="0"/>
+              </a:rPr>
+              <a:t> </a:t>
+            </a:r>
+            <a:r>
+              <a:rPr lang="en-US" dirty="0" err="1">
+                <a:latin typeface="Times New Roman" panose="02020603050405020304" pitchFamily="18" charset="0"/>
+                <a:cs typeface="Times New Roman" panose="02020603050405020304" pitchFamily="18" charset="0"/>
+              </a:rPr>
+              <a:t>Nội</a:t>
+            </a:r>
+            <a:r>
+              <a:rPr lang="en-US" dirty="0">
+                <a:latin typeface="Times New Roman" panose="02020603050405020304" pitchFamily="18" charset="0"/>
+                <a:cs typeface="Times New Roman" panose="02020603050405020304" pitchFamily="18" charset="0"/>
+              </a:rPr>
+              <a:t> - </a:t>
+            </a:r>
+            <a:r>
+              <a:rPr lang="en-US" dirty="0" err="1">
+                <a:latin typeface="Times New Roman" panose="02020603050405020304" pitchFamily="18" charset="0"/>
+                <a:cs typeface="Times New Roman" panose="02020603050405020304" pitchFamily="18" charset="0"/>
+              </a:rPr>
+              <a:t>Việt</a:t>
+            </a:r>
+            <a:r>
+              <a:rPr lang="en-US" dirty="0">
+                <a:latin typeface="Times New Roman" panose="02020603050405020304" pitchFamily="18" charset="0"/>
+                <a:cs typeface="Times New Roman" panose="02020603050405020304" pitchFamily="18" charset="0"/>
+              </a:rPr>
+              <a:t> Nam"</a:t>
+            </a:r>
+          </a:p>
+          <a:p>
+            <a:r>
+              <a:rPr lang="en-US" dirty="0">
+                <a:latin typeface="Times New Roman" panose="02020603050405020304" pitchFamily="18" charset="0"/>
+                <a:cs typeface="Times New Roman" panose="02020603050405020304" pitchFamily="18" charset="0"/>
+              </a:rPr>
+              <a:t>}</a:t>
+            </a:r>
+          </a:p>
+          <a:p>
+            <a:pPr marL="0" indent="0">
+              <a:buNone/>
+            </a:pPr>
+            <a:endParaRPr lang="en-US" dirty="0">
+              <a:latin typeface="Times New Roman" panose="02020603050405020304" pitchFamily="18" charset="0"/>
+              <a:cs typeface="Times New Roman" panose="02020603050405020304" pitchFamily="18" charset="0"/>
+            </a:endParaRPr>
+          </a:p>
+        </p:txBody>
+      </p:sp>
+      <p:sp>
+        <p:nvSpPr>
+          <p:cNvPr id="4" name="Content Placeholder 3"/>
+          <p:cNvSpPr>
+            <a:spLocks noGrp="1"/>
+          </p:cNvSpPr>
+          <p:nvPr>
+            <p:ph sz="half" idx="2"/>
+          </p:nvPr>
+        </p:nvSpPr>
+        <p:spPr/>
+        <p:txBody>
+          <a:bodyPr>
+            <a:normAutofit fontScale="92500" lnSpcReduction="10000"/>
+          </a:bodyPr>
+          <a:lstStyle/>
+          <a:p>
+            <a:r>
+              <a:rPr lang="en-US" dirty="0" smtClean="0">
+                <a:latin typeface="Times New Roman" panose="02020603050405020304" pitchFamily="18" charset="0"/>
+                <a:cs typeface="Times New Roman" panose="02020603050405020304" pitchFamily="18" charset="0"/>
+              </a:rPr>
+              <a:t>Output</a:t>
+            </a:r>
+          </a:p>
+          <a:p>
+            <a:r>
+              <a:rPr lang="en-US" dirty="0">
+                <a:latin typeface="Times New Roman" panose="02020603050405020304" pitchFamily="18" charset="0"/>
+                <a:cs typeface="Times New Roman" panose="02020603050405020304" pitchFamily="18" charset="0"/>
+              </a:rPr>
+              <a:t>{</a:t>
+            </a:r>
+          </a:p>
+          <a:p>
+            <a:r>
+              <a:rPr lang="en-US" dirty="0">
+                <a:latin typeface="Times New Roman" panose="02020603050405020304" pitchFamily="18" charset="0"/>
+                <a:cs typeface="Times New Roman" panose="02020603050405020304" pitchFamily="18" charset="0"/>
+              </a:rPr>
+              <a:t>    "success": </a:t>
+            </a:r>
+            <a:r>
+              <a:rPr lang="en-US" b="1" dirty="0">
+                <a:latin typeface="Times New Roman" panose="02020603050405020304" pitchFamily="18" charset="0"/>
+                <a:cs typeface="Times New Roman" panose="02020603050405020304" pitchFamily="18" charset="0"/>
+              </a:rPr>
+              <a:t>true</a:t>
+            </a:r>
+            <a:r>
+              <a:rPr lang="en-US" dirty="0">
+                <a:latin typeface="Times New Roman" panose="02020603050405020304" pitchFamily="18" charset="0"/>
+                <a:cs typeface="Times New Roman" panose="02020603050405020304" pitchFamily="18" charset="0"/>
+              </a:rPr>
+              <a:t>,</a:t>
+            </a:r>
+          </a:p>
+          <a:p>
+            <a:r>
+              <a:rPr lang="en-US" dirty="0">
+                <a:latin typeface="Times New Roman" panose="02020603050405020304" pitchFamily="18" charset="0"/>
+                <a:cs typeface="Times New Roman" panose="02020603050405020304" pitchFamily="18" charset="0"/>
+              </a:rPr>
+              <a:t>    "data": {</a:t>
+            </a:r>
+          </a:p>
+          <a:p>
+            <a:r>
+              <a:rPr lang="en-US" dirty="0">
+                <a:latin typeface="Times New Roman" panose="02020603050405020304" pitchFamily="18" charset="0"/>
+                <a:cs typeface="Times New Roman" panose="02020603050405020304" pitchFamily="18" charset="0"/>
+              </a:rPr>
+              <a:t>        "id": 4,</a:t>
+            </a:r>
+          </a:p>
+          <a:p>
+            <a:r>
+              <a:rPr lang="en-US" dirty="0">
+                <a:latin typeface="Times New Roman" panose="02020603050405020304" pitchFamily="18" charset="0"/>
+                <a:cs typeface="Times New Roman" panose="02020603050405020304" pitchFamily="18" charset="0"/>
+              </a:rPr>
+              <a:t>        "</a:t>
+            </a:r>
+            <a:r>
+              <a:rPr lang="en-US" dirty="0" err="1">
+                <a:latin typeface="Times New Roman" panose="02020603050405020304" pitchFamily="18" charset="0"/>
+                <a:cs typeface="Times New Roman" panose="02020603050405020304" pitchFamily="18" charset="0"/>
+              </a:rPr>
+              <a:t>fullName</a:t>
+            </a:r>
+            <a:r>
+              <a:rPr lang="en-US" dirty="0">
+                <a:latin typeface="Times New Roman" panose="02020603050405020304" pitchFamily="18" charset="0"/>
+                <a:cs typeface="Times New Roman" panose="02020603050405020304" pitchFamily="18" charset="0"/>
+              </a:rPr>
+              <a:t>": "</a:t>
+            </a:r>
+            <a:r>
+              <a:rPr lang="en-US" dirty="0" err="1">
+                <a:latin typeface="Times New Roman" panose="02020603050405020304" pitchFamily="18" charset="0"/>
+                <a:cs typeface="Times New Roman" panose="02020603050405020304" pitchFamily="18" charset="0"/>
+              </a:rPr>
+              <a:t>Nguyễn</a:t>
+            </a:r>
+            <a:r>
+              <a:rPr lang="en-US" dirty="0">
+                <a:latin typeface="Times New Roman" panose="02020603050405020304" pitchFamily="18" charset="0"/>
+                <a:cs typeface="Times New Roman" panose="02020603050405020304" pitchFamily="18" charset="0"/>
+              </a:rPr>
+              <a:t> </a:t>
+            </a:r>
+            <a:r>
+              <a:rPr lang="en-US" dirty="0" err="1">
+                <a:latin typeface="Times New Roman" panose="02020603050405020304" pitchFamily="18" charset="0"/>
+                <a:cs typeface="Times New Roman" panose="02020603050405020304" pitchFamily="18" charset="0"/>
+              </a:rPr>
+              <a:t>Hồng</a:t>
+            </a:r>
+            <a:r>
+              <a:rPr lang="en-US" dirty="0">
+                <a:latin typeface="Times New Roman" panose="02020603050405020304" pitchFamily="18" charset="0"/>
+                <a:cs typeface="Times New Roman" panose="02020603050405020304" pitchFamily="18" charset="0"/>
+              </a:rPr>
+              <a:t> </a:t>
+            </a:r>
+            <a:r>
+              <a:rPr lang="en-US" dirty="0" err="1">
+                <a:latin typeface="Times New Roman" panose="02020603050405020304" pitchFamily="18" charset="0"/>
+                <a:cs typeface="Times New Roman" panose="02020603050405020304" pitchFamily="18" charset="0"/>
+              </a:rPr>
+              <a:t>Phúc</a:t>
+            </a:r>
+            <a:r>
+              <a:rPr lang="en-US" dirty="0">
+                <a:latin typeface="Times New Roman" panose="02020603050405020304" pitchFamily="18" charset="0"/>
+                <a:cs typeface="Times New Roman" panose="02020603050405020304" pitchFamily="18" charset="0"/>
+              </a:rPr>
+              <a:t>",</a:t>
+            </a:r>
+          </a:p>
+          <a:p>
+            <a:r>
+              <a:rPr lang="en-US" dirty="0">
+                <a:latin typeface="Times New Roman" panose="02020603050405020304" pitchFamily="18" charset="0"/>
+                <a:cs typeface="Times New Roman" panose="02020603050405020304" pitchFamily="18" charset="0"/>
+              </a:rPr>
+              <a:t>        "</a:t>
+            </a:r>
+            <a:r>
+              <a:rPr lang="en-US" dirty="0" err="1">
+                <a:latin typeface="Times New Roman" panose="02020603050405020304" pitchFamily="18" charset="0"/>
+                <a:cs typeface="Times New Roman" panose="02020603050405020304" pitchFamily="18" charset="0"/>
+              </a:rPr>
+              <a:t>dob</a:t>
+            </a:r>
+            <a:r>
+              <a:rPr lang="en-US" dirty="0">
+                <a:latin typeface="Times New Roman" panose="02020603050405020304" pitchFamily="18" charset="0"/>
+                <a:cs typeface="Times New Roman" panose="02020603050405020304" pitchFamily="18" charset="0"/>
+              </a:rPr>
+              <a:t>": 2017,</a:t>
+            </a:r>
+          </a:p>
+          <a:p>
+            <a:r>
+              <a:rPr lang="en-US" dirty="0">
+                <a:latin typeface="Times New Roman" panose="02020603050405020304" pitchFamily="18" charset="0"/>
+                <a:cs typeface="Times New Roman" panose="02020603050405020304" pitchFamily="18" charset="0"/>
+              </a:rPr>
+              <a:t>        "address": "</a:t>
+            </a:r>
+            <a:r>
+              <a:rPr lang="en-US" dirty="0" err="1">
+                <a:latin typeface="Times New Roman" panose="02020603050405020304" pitchFamily="18" charset="0"/>
+                <a:cs typeface="Times New Roman" panose="02020603050405020304" pitchFamily="18" charset="0"/>
+              </a:rPr>
+              <a:t>Hà</a:t>
+            </a:r>
+            <a:r>
+              <a:rPr lang="en-US" dirty="0">
+                <a:latin typeface="Times New Roman" panose="02020603050405020304" pitchFamily="18" charset="0"/>
+                <a:cs typeface="Times New Roman" panose="02020603050405020304" pitchFamily="18" charset="0"/>
+              </a:rPr>
+              <a:t> </a:t>
+            </a:r>
+            <a:r>
+              <a:rPr lang="en-US" dirty="0" err="1">
+                <a:latin typeface="Times New Roman" panose="02020603050405020304" pitchFamily="18" charset="0"/>
+                <a:cs typeface="Times New Roman" panose="02020603050405020304" pitchFamily="18" charset="0"/>
+              </a:rPr>
+              <a:t>Nội</a:t>
+            </a:r>
+            <a:r>
+              <a:rPr lang="en-US" dirty="0">
+                <a:latin typeface="Times New Roman" panose="02020603050405020304" pitchFamily="18" charset="0"/>
+                <a:cs typeface="Times New Roman" panose="02020603050405020304" pitchFamily="18" charset="0"/>
+              </a:rPr>
+              <a:t> - </a:t>
+            </a:r>
+            <a:r>
+              <a:rPr lang="en-US" dirty="0" err="1">
+                <a:latin typeface="Times New Roman" panose="02020603050405020304" pitchFamily="18" charset="0"/>
+                <a:cs typeface="Times New Roman" panose="02020603050405020304" pitchFamily="18" charset="0"/>
+              </a:rPr>
+              <a:t>Việt</a:t>
+            </a:r>
+            <a:r>
+              <a:rPr lang="en-US" dirty="0">
+                <a:latin typeface="Times New Roman" panose="02020603050405020304" pitchFamily="18" charset="0"/>
+                <a:cs typeface="Times New Roman" panose="02020603050405020304" pitchFamily="18" charset="0"/>
+              </a:rPr>
+              <a:t> Nam"</a:t>
+            </a:r>
+          </a:p>
+          <a:p>
+            <a:r>
+              <a:rPr lang="en-US" dirty="0">
+                <a:latin typeface="Times New Roman" panose="02020603050405020304" pitchFamily="18" charset="0"/>
+                <a:cs typeface="Times New Roman" panose="02020603050405020304" pitchFamily="18" charset="0"/>
+              </a:rPr>
+              <a:t>    }</a:t>
+            </a:r>
+          </a:p>
+          <a:p>
+            <a:r>
+              <a:rPr lang="en-US" dirty="0" smtClean="0">
+                <a:latin typeface="Times New Roman" panose="02020603050405020304" pitchFamily="18" charset="0"/>
+                <a:cs typeface="Times New Roman" panose="02020603050405020304" pitchFamily="18" charset="0"/>
+              </a:rPr>
+              <a:t>}</a:t>
+            </a:r>
+            <a:endParaRPr lang="en-US" dirty="0">
+              <a:latin typeface="Times New Roman" panose="02020603050405020304" pitchFamily="18" charset="0"/>
+              <a:cs typeface="Times New Roman" panose="02020603050405020304" pitchFamily="18" charset="0"/>
+            </a:endParaRPr>
+          </a:p>
+        </p:txBody>
+      </p:sp>
+    </p:spTree>
+    <p:extLst>
+      <p:ext uri="{BB962C8B-B14F-4D97-AF65-F5344CB8AC3E}">
+        <p14:creationId xmlns:p14="http://schemas.microsoft.com/office/powerpoint/2010/main" val="1852784072"/>
+      </p:ext>
+    </p:extLst>
+  </p:cSld>
+  <p:clrMapOvr>
+    <a:masterClrMapping/>
+  </p:clrMapOvr>
+  <p:timing>
+    <p:tnLst>
+      <p:par>
+        <p:cTn id="1" dur="indefinite" restart="never" nodeType="tmRoot"/>
+      </p:par>
+    </p:tnLst>
+  </p:timing>
+</p:sld>
+</file>
+
+<file path=ppt/slides/slide33.xml><?xml version="1.0" encoding="utf-8"?>
+<p:sld xmlns:a="http://schemas.openxmlformats.org/drawingml/2006/main" xmlns:r="http://schemas.openxmlformats.org/officeDocument/2006/relationships" xmlns:p="http://schemas.openxmlformats.org/presentationml/2006/main">
+  <p:cSld>
+    <p:spTree>
+      <p:nvGrpSpPr>
+        <p:cNvPr id="1" name=""/>
+        <p:cNvGrpSpPr/>
+        <p:nvPr/>
+      </p:nvGrpSpPr>
+      <p:grpSpPr>
+        <a:xfrm>
+          <a:off x="0" y="0"/>
+          <a:ext cx="0" cy="0"/>
+          <a:chOff x="0" y="0"/>
+          <a:chExt cx="0" cy="0"/>
+        </a:xfrm>
+      </p:grpSpPr>
+      <p:sp>
+        <p:nvSpPr>
+          <p:cNvPr id="2" name="Title 1"/>
+          <p:cNvSpPr>
+            <a:spLocks noGrp="1"/>
+          </p:cNvSpPr>
+          <p:nvPr>
+            <p:ph type="title"/>
+          </p:nvPr>
+        </p:nvSpPr>
+        <p:spPr/>
+        <p:txBody>
+          <a:bodyPr/>
+          <a:lstStyle/>
+          <a:p>
+            <a:r>
+              <a:rPr lang="en-US" dirty="0" smtClean="0">
+                <a:latin typeface="Times New Roman" panose="02020603050405020304" pitchFamily="18" charset="0"/>
+                <a:cs typeface="Times New Roman" panose="02020603050405020304" pitchFamily="18" charset="0"/>
+              </a:rPr>
+              <a:t>API - Save</a:t>
+            </a:r>
+            <a:endParaRPr lang="en-US" dirty="0">
+              <a:latin typeface="Times New Roman" panose="02020603050405020304" pitchFamily="18" charset="0"/>
+              <a:cs typeface="Times New Roman" panose="02020603050405020304" pitchFamily="18" charset="0"/>
+            </a:endParaRPr>
+          </a:p>
+        </p:txBody>
+      </p:sp>
+      <p:sp>
+        <p:nvSpPr>
+          <p:cNvPr id="3" name="Content Placeholder 2"/>
+          <p:cNvSpPr>
+            <a:spLocks noGrp="1"/>
+          </p:cNvSpPr>
+          <p:nvPr>
+            <p:ph sz="half" idx="1"/>
+          </p:nvPr>
+        </p:nvSpPr>
+        <p:spPr/>
+        <p:txBody>
+          <a:bodyPr>
+            <a:normAutofit fontScale="92500" lnSpcReduction="10000"/>
+          </a:bodyPr>
+          <a:lstStyle/>
+          <a:p>
+            <a:pPr marL="0" indent="0">
+              <a:buNone/>
+            </a:pPr>
+            <a:r>
+              <a:rPr lang="en-US" sz="1900" dirty="0" smtClean="0">
+                <a:latin typeface="Times New Roman" panose="02020603050405020304" pitchFamily="18" charset="0"/>
+                <a:cs typeface="Times New Roman" panose="02020603050405020304" pitchFamily="18" charset="0"/>
+                <a:hlinkClick r:id="rId2"/>
+              </a:rPr>
+              <a:t>http</a:t>
+            </a:r>
+            <a:r>
+              <a:rPr lang="en-US" sz="1900" dirty="0">
+                <a:latin typeface="Times New Roman" panose="02020603050405020304" pitchFamily="18" charset="0"/>
+                <a:cs typeface="Times New Roman" panose="02020603050405020304" pitchFamily="18" charset="0"/>
+                <a:hlinkClick r:id="rId2"/>
+              </a:rPr>
+              <a:t>://</a:t>
+            </a:r>
+            <a:r>
+              <a:rPr lang="en-US" sz="1900" dirty="0" smtClean="0">
+                <a:latin typeface="Times New Roman" panose="02020603050405020304" pitchFamily="18" charset="0"/>
+                <a:cs typeface="Times New Roman" panose="02020603050405020304" pitchFamily="18" charset="0"/>
+                <a:hlinkClick r:id="rId2"/>
+              </a:rPr>
+              <a:t>localhost:8696/api/public/student/save</a:t>
+            </a:r>
+            <a:endParaRPr lang="en-US" sz="1900" dirty="0" smtClean="0">
+              <a:latin typeface="Times New Roman" panose="02020603050405020304" pitchFamily="18" charset="0"/>
+              <a:cs typeface="Times New Roman" panose="02020603050405020304" pitchFamily="18" charset="0"/>
+            </a:endParaRPr>
+          </a:p>
+          <a:p>
+            <a:r>
+              <a:rPr lang="en-US" sz="1900" dirty="0" smtClean="0">
+                <a:latin typeface="Times New Roman" panose="02020603050405020304" pitchFamily="18" charset="0"/>
+                <a:cs typeface="Times New Roman" panose="02020603050405020304" pitchFamily="18" charset="0"/>
+              </a:rPr>
+              <a:t>Method – POST</a:t>
+            </a:r>
+          </a:p>
+          <a:p>
+            <a:r>
+              <a:rPr lang="en-US" sz="1900" dirty="0" smtClean="0">
+                <a:latin typeface="Times New Roman" panose="02020603050405020304" pitchFamily="18" charset="0"/>
+                <a:cs typeface="Times New Roman" panose="02020603050405020304" pitchFamily="18" charset="0"/>
+              </a:rPr>
+              <a:t>application/</a:t>
+            </a:r>
+            <a:r>
+              <a:rPr lang="en-US" sz="1900" dirty="0" err="1" smtClean="0">
+                <a:latin typeface="Times New Roman" panose="02020603050405020304" pitchFamily="18" charset="0"/>
+                <a:cs typeface="Times New Roman" panose="02020603050405020304" pitchFamily="18" charset="0"/>
+              </a:rPr>
+              <a:t>json</a:t>
+            </a:r>
+            <a:endParaRPr lang="en-US" sz="1900" dirty="0" smtClean="0">
+              <a:latin typeface="Times New Roman" panose="02020603050405020304" pitchFamily="18" charset="0"/>
+              <a:cs typeface="Times New Roman" panose="02020603050405020304" pitchFamily="18" charset="0"/>
+            </a:endParaRPr>
+          </a:p>
+          <a:p>
+            <a:r>
+              <a:rPr lang="en-US" sz="1900" dirty="0" smtClean="0">
+                <a:latin typeface="Times New Roman" panose="02020603050405020304" pitchFamily="18" charset="0"/>
+                <a:cs typeface="Times New Roman" panose="02020603050405020304" pitchFamily="18" charset="0"/>
+              </a:rPr>
+              <a:t>{</a:t>
+            </a:r>
+          </a:p>
+          <a:p>
+            <a:pPr marL="201168" lvl="1" indent="0">
+              <a:buNone/>
+            </a:pPr>
+            <a:r>
+              <a:rPr lang="en-US" sz="1900" dirty="0" smtClean="0">
+                <a:latin typeface="Times New Roman" panose="02020603050405020304" pitchFamily="18" charset="0"/>
+                <a:cs typeface="Times New Roman" panose="02020603050405020304" pitchFamily="18" charset="0"/>
+              </a:rPr>
+              <a:t>  "id": 4,</a:t>
+            </a:r>
+            <a:endParaRPr lang="en-US" sz="1900" dirty="0">
+              <a:latin typeface="Times New Roman" panose="02020603050405020304" pitchFamily="18" charset="0"/>
+              <a:cs typeface="Times New Roman" panose="02020603050405020304" pitchFamily="18" charset="0"/>
+            </a:endParaRPr>
+          </a:p>
+          <a:p>
+            <a:r>
+              <a:rPr lang="en-US" sz="1900" dirty="0">
+                <a:latin typeface="Times New Roman" panose="02020603050405020304" pitchFamily="18" charset="0"/>
+                <a:cs typeface="Times New Roman" panose="02020603050405020304" pitchFamily="18" charset="0"/>
+              </a:rPr>
+              <a:t>    </a:t>
+            </a:r>
+            <a:r>
+              <a:rPr lang="en-US" sz="1900" dirty="0" smtClean="0">
+                <a:latin typeface="Times New Roman" panose="02020603050405020304" pitchFamily="18" charset="0"/>
+                <a:cs typeface="Times New Roman" panose="02020603050405020304" pitchFamily="18" charset="0"/>
+              </a:rPr>
+              <a:t>"</a:t>
+            </a:r>
+            <a:r>
+              <a:rPr lang="en-US" sz="1900" dirty="0" err="1">
+                <a:latin typeface="Times New Roman" panose="02020603050405020304" pitchFamily="18" charset="0"/>
+                <a:cs typeface="Times New Roman" panose="02020603050405020304" pitchFamily="18" charset="0"/>
+              </a:rPr>
+              <a:t>fullName</a:t>
+            </a:r>
+            <a:r>
+              <a:rPr lang="en-US" sz="1900" dirty="0">
+                <a:latin typeface="Times New Roman" panose="02020603050405020304" pitchFamily="18" charset="0"/>
+                <a:cs typeface="Times New Roman" panose="02020603050405020304" pitchFamily="18" charset="0"/>
+              </a:rPr>
+              <a:t>": "</a:t>
+            </a:r>
+            <a:r>
+              <a:rPr lang="en-US" sz="1900" dirty="0" err="1">
+                <a:latin typeface="Times New Roman" panose="02020603050405020304" pitchFamily="18" charset="0"/>
+                <a:cs typeface="Times New Roman" panose="02020603050405020304" pitchFamily="18" charset="0"/>
+              </a:rPr>
+              <a:t>Nguyễn</a:t>
+            </a:r>
+            <a:r>
+              <a:rPr lang="en-US" sz="1900" dirty="0">
+                <a:latin typeface="Times New Roman" panose="02020603050405020304" pitchFamily="18" charset="0"/>
+                <a:cs typeface="Times New Roman" panose="02020603050405020304" pitchFamily="18" charset="0"/>
+              </a:rPr>
+              <a:t> </a:t>
+            </a:r>
+            <a:r>
+              <a:rPr lang="en-US" sz="1900" dirty="0" err="1" smtClean="0">
+                <a:latin typeface="Times New Roman" panose="02020603050405020304" pitchFamily="18" charset="0"/>
+                <a:cs typeface="Times New Roman" panose="02020603050405020304" pitchFamily="18" charset="0"/>
+              </a:rPr>
+              <a:t>Hồng</a:t>
+            </a:r>
+            <a:r>
+              <a:rPr lang="en-US" sz="1900" dirty="0" smtClean="0">
+                <a:latin typeface="Times New Roman" panose="02020603050405020304" pitchFamily="18" charset="0"/>
+                <a:cs typeface="Times New Roman" panose="02020603050405020304" pitchFamily="18" charset="0"/>
+              </a:rPr>
+              <a:t> </a:t>
+            </a:r>
+            <a:r>
+              <a:rPr lang="en-US" sz="1900" dirty="0" err="1" smtClean="0">
+                <a:latin typeface="Times New Roman" panose="02020603050405020304" pitchFamily="18" charset="0"/>
+                <a:cs typeface="Times New Roman" panose="02020603050405020304" pitchFamily="18" charset="0"/>
+              </a:rPr>
+              <a:t>Phúc</a:t>
+            </a:r>
+            <a:r>
+              <a:rPr lang="en-US" sz="1900" dirty="0" smtClean="0">
+                <a:latin typeface="Times New Roman" panose="02020603050405020304" pitchFamily="18" charset="0"/>
+                <a:cs typeface="Times New Roman" panose="02020603050405020304" pitchFamily="18" charset="0"/>
+              </a:rPr>
+              <a:t>",</a:t>
+            </a:r>
+            <a:endParaRPr lang="en-US" sz="1900" dirty="0">
+              <a:latin typeface="Times New Roman" panose="02020603050405020304" pitchFamily="18" charset="0"/>
+              <a:cs typeface="Times New Roman" panose="02020603050405020304" pitchFamily="18" charset="0"/>
+            </a:endParaRPr>
+          </a:p>
+          <a:p>
+            <a:r>
+              <a:rPr lang="en-US" sz="1900" dirty="0">
+                <a:latin typeface="Times New Roman" panose="02020603050405020304" pitchFamily="18" charset="0"/>
+                <a:cs typeface="Times New Roman" panose="02020603050405020304" pitchFamily="18" charset="0"/>
+              </a:rPr>
+              <a:t>    "</a:t>
+            </a:r>
+            <a:r>
+              <a:rPr lang="en-US" sz="1900" dirty="0" err="1">
+                <a:latin typeface="Times New Roman" panose="02020603050405020304" pitchFamily="18" charset="0"/>
+                <a:cs typeface="Times New Roman" panose="02020603050405020304" pitchFamily="18" charset="0"/>
+              </a:rPr>
+              <a:t>dob</a:t>
+            </a:r>
+            <a:r>
+              <a:rPr lang="en-US" sz="1900" dirty="0">
+                <a:latin typeface="Times New Roman" panose="02020603050405020304" pitchFamily="18" charset="0"/>
+                <a:cs typeface="Times New Roman" panose="02020603050405020304" pitchFamily="18" charset="0"/>
+              </a:rPr>
+              <a:t>": </a:t>
+            </a:r>
+            <a:r>
+              <a:rPr lang="en-US" sz="1900" dirty="0" smtClean="0">
+                <a:latin typeface="Times New Roman" panose="02020603050405020304" pitchFamily="18" charset="0"/>
+                <a:cs typeface="Times New Roman" panose="02020603050405020304" pitchFamily="18" charset="0"/>
+              </a:rPr>
+              <a:t>2017,</a:t>
+            </a:r>
+            <a:endParaRPr lang="en-US" sz="1900" dirty="0">
+              <a:latin typeface="Times New Roman" panose="02020603050405020304" pitchFamily="18" charset="0"/>
+              <a:cs typeface="Times New Roman" panose="02020603050405020304" pitchFamily="18" charset="0"/>
+            </a:endParaRPr>
+          </a:p>
+          <a:p>
+            <a:r>
+              <a:rPr lang="en-US" sz="1900" dirty="0">
+                <a:latin typeface="Times New Roman" panose="02020603050405020304" pitchFamily="18" charset="0"/>
+                <a:cs typeface="Times New Roman" panose="02020603050405020304" pitchFamily="18" charset="0"/>
+              </a:rPr>
+              <a:t>    "address": </a:t>
+            </a:r>
+            <a:r>
+              <a:rPr lang="en-US" sz="1900" dirty="0" smtClean="0">
+                <a:latin typeface="Times New Roman" panose="02020603050405020304" pitchFamily="18" charset="0"/>
+                <a:cs typeface="Times New Roman" panose="02020603050405020304" pitchFamily="18" charset="0"/>
+              </a:rPr>
+              <a:t>“</a:t>
+            </a:r>
+            <a:r>
+              <a:rPr lang="en-US" sz="1900" dirty="0" err="1" smtClean="0">
+                <a:latin typeface="Times New Roman" panose="02020603050405020304" pitchFamily="18" charset="0"/>
+                <a:cs typeface="Times New Roman" panose="02020603050405020304" pitchFamily="18" charset="0"/>
+              </a:rPr>
+              <a:t>Thanh</a:t>
+            </a:r>
+            <a:r>
+              <a:rPr lang="en-US" sz="1900" dirty="0" smtClean="0">
+                <a:latin typeface="Times New Roman" panose="02020603050405020304" pitchFamily="18" charset="0"/>
+                <a:cs typeface="Times New Roman" panose="02020603050405020304" pitchFamily="18" charset="0"/>
+              </a:rPr>
+              <a:t> </a:t>
+            </a:r>
+            <a:r>
+              <a:rPr lang="en-US" sz="1900" dirty="0" err="1" smtClean="0">
+                <a:latin typeface="Times New Roman" panose="02020603050405020304" pitchFamily="18" charset="0"/>
+                <a:cs typeface="Times New Roman" panose="02020603050405020304" pitchFamily="18" charset="0"/>
+              </a:rPr>
+              <a:t>Trì</a:t>
+            </a:r>
+            <a:r>
+              <a:rPr lang="en-US" sz="1900" dirty="0" smtClean="0">
+                <a:latin typeface="Times New Roman" panose="02020603050405020304" pitchFamily="18" charset="0"/>
+                <a:cs typeface="Times New Roman" panose="02020603050405020304" pitchFamily="18" charset="0"/>
+              </a:rPr>
+              <a:t> - </a:t>
+            </a:r>
+            <a:r>
+              <a:rPr lang="en-US" sz="1900" dirty="0" err="1" smtClean="0">
+                <a:latin typeface="Times New Roman" panose="02020603050405020304" pitchFamily="18" charset="0"/>
+                <a:cs typeface="Times New Roman" panose="02020603050405020304" pitchFamily="18" charset="0"/>
+              </a:rPr>
+              <a:t>Hà</a:t>
+            </a:r>
+            <a:r>
+              <a:rPr lang="en-US" sz="1900" dirty="0" smtClean="0">
+                <a:latin typeface="Times New Roman" panose="02020603050405020304" pitchFamily="18" charset="0"/>
+                <a:cs typeface="Times New Roman" panose="02020603050405020304" pitchFamily="18" charset="0"/>
+              </a:rPr>
+              <a:t> </a:t>
+            </a:r>
+            <a:r>
+              <a:rPr lang="en-US" sz="1900" dirty="0" err="1">
+                <a:latin typeface="Times New Roman" panose="02020603050405020304" pitchFamily="18" charset="0"/>
+                <a:cs typeface="Times New Roman" panose="02020603050405020304" pitchFamily="18" charset="0"/>
+              </a:rPr>
+              <a:t>Nội</a:t>
+            </a:r>
+            <a:r>
+              <a:rPr lang="en-US" sz="1900" dirty="0">
+                <a:latin typeface="Times New Roman" panose="02020603050405020304" pitchFamily="18" charset="0"/>
+                <a:cs typeface="Times New Roman" panose="02020603050405020304" pitchFamily="18" charset="0"/>
+              </a:rPr>
+              <a:t> - </a:t>
+            </a:r>
+            <a:r>
+              <a:rPr lang="en-US" sz="1900" dirty="0" err="1">
+                <a:latin typeface="Times New Roman" panose="02020603050405020304" pitchFamily="18" charset="0"/>
+                <a:cs typeface="Times New Roman" panose="02020603050405020304" pitchFamily="18" charset="0"/>
+              </a:rPr>
+              <a:t>Việt</a:t>
+            </a:r>
+            <a:r>
+              <a:rPr lang="en-US" sz="1900" dirty="0">
+                <a:latin typeface="Times New Roman" panose="02020603050405020304" pitchFamily="18" charset="0"/>
+                <a:cs typeface="Times New Roman" panose="02020603050405020304" pitchFamily="18" charset="0"/>
+              </a:rPr>
+              <a:t> Nam"</a:t>
+            </a:r>
+          </a:p>
+          <a:p>
+            <a:r>
+              <a:rPr lang="en-US" sz="1900" dirty="0">
+                <a:latin typeface="Times New Roman" panose="02020603050405020304" pitchFamily="18" charset="0"/>
+                <a:cs typeface="Times New Roman" panose="02020603050405020304" pitchFamily="18" charset="0"/>
+              </a:rPr>
+              <a:t>}</a:t>
+            </a:r>
+          </a:p>
+          <a:p>
+            <a:pPr marL="0" indent="0">
+              <a:buNone/>
+            </a:pPr>
+            <a:endParaRPr lang="en-US" sz="1900" dirty="0">
+              <a:latin typeface="Times New Roman" panose="02020603050405020304" pitchFamily="18" charset="0"/>
+              <a:cs typeface="Times New Roman" panose="02020603050405020304" pitchFamily="18" charset="0"/>
+            </a:endParaRPr>
+          </a:p>
+        </p:txBody>
+      </p:sp>
+      <p:sp>
+        <p:nvSpPr>
+          <p:cNvPr id="4" name="Content Placeholder 3"/>
+          <p:cNvSpPr>
+            <a:spLocks noGrp="1"/>
+          </p:cNvSpPr>
+          <p:nvPr>
+            <p:ph sz="half" idx="2"/>
+          </p:nvPr>
+        </p:nvSpPr>
+        <p:spPr/>
+        <p:txBody>
+          <a:bodyPr>
+            <a:normAutofit fontScale="92500" lnSpcReduction="10000"/>
+          </a:bodyPr>
+          <a:lstStyle/>
+          <a:p>
+            <a:r>
+              <a:rPr lang="en-US" dirty="0" smtClean="0">
+                <a:latin typeface="Times New Roman" panose="02020603050405020304" pitchFamily="18" charset="0"/>
+                <a:cs typeface="Times New Roman" panose="02020603050405020304" pitchFamily="18" charset="0"/>
+              </a:rPr>
+              <a:t>Output</a:t>
+            </a:r>
+          </a:p>
+          <a:p>
+            <a:r>
+              <a:rPr lang="en-US" dirty="0">
+                <a:latin typeface="Times New Roman" panose="02020603050405020304" pitchFamily="18" charset="0"/>
+                <a:cs typeface="Times New Roman" panose="02020603050405020304" pitchFamily="18" charset="0"/>
+              </a:rPr>
+              <a:t>{</a:t>
+            </a:r>
+          </a:p>
+          <a:p>
+            <a:r>
+              <a:rPr lang="en-US" dirty="0">
+                <a:latin typeface="Times New Roman" panose="02020603050405020304" pitchFamily="18" charset="0"/>
+                <a:cs typeface="Times New Roman" panose="02020603050405020304" pitchFamily="18" charset="0"/>
+              </a:rPr>
+              <a:t>    "success": </a:t>
+            </a:r>
+            <a:r>
+              <a:rPr lang="en-US" b="1" dirty="0">
+                <a:latin typeface="Times New Roman" panose="02020603050405020304" pitchFamily="18" charset="0"/>
+                <a:cs typeface="Times New Roman" panose="02020603050405020304" pitchFamily="18" charset="0"/>
+              </a:rPr>
+              <a:t>true</a:t>
+            </a:r>
+            <a:r>
+              <a:rPr lang="en-US" dirty="0">
+                <a:latin typeface="Times New Roman" panose="02020603050405020304" pitchFamily="18" charset="0"/>
+                <a:cs typeface="Times New Roman" panose="02020603050405020304" pitchFamily="18" charset="0"/>
+              </a:rPr>
+              <a:t>,</a:t>
+            </a:r>
+          </a:p>
+          <a:p>
+            <a:r>
+              <a:rPr lang="en-US" dirty="0">
+                <a:latin typeface="Times New Roman" panose="02020603050405020304" pitchFamily="18" charset="0"/>
+                <a:cs typeface="Times New Roman" panose="02020603050405020304" pitchFamily="18" charset="0"/>
+              </a:rPr>
+              <a:t>    "data": {</a:t>
+            </a:r>
+          </a:p>
+          <a:p>
+            <a:r>
+              <a:rPr lang="en-US" dirty="0">
+                <a:latin typeface="Times New Roman" panose="02020603050405020304" pitchFamily="18" charset="0"/>
+                <a:cs typeface="Times New Roman" panose="02020603050405020304" pitchFamily="18" charset="0"/>
+              </a:rPr>
+              <a:t>        "id": 4,</a:t>
+            </a:r>
+          </a:p>
+          <a:p>
+            <a:r>
+              <a:rPr lang="en-US" dirty="0">
+                <a:latin typeface="Times New Roman" panose="02020603050405020304" pitchFamily="18" charset="0"/>
+                <a:cs typeface="Times New Roman" panose="02020603050405020304" pitchFamily="18" charset="0"/>
+              </a:rPr>
+              <a:t>        "</a:t>
+            </a:r>
+            <a:r>
+              <a:rPr lang="en-US" dirty="0" err="1">
+                <a:latin typeface="Times New Roman" panose="02020603050405020304" pitchFamily="18" charset="0"/>
+                <a:cs typeface="Times New Roman" panose="02020603050405020304" pitchFamily="18" charset="0"/>
+              </a:rPr>
+              <a:t>fullName</a:t>
+            </a:r>
+            <a:r>
+              <a:rPr lang="en-US" dirty="0">
+                <a:latin typeface="Times New Roman" panose="02020603050405020304" pitchFamily="18" charset="0"/>
+                <a:cs typeface="Times New Roman" panose="02020603050405020304" pitchFamily="18" charset="0"/>
+              </a:rPr>
+              <a:t>": "</a:t>
+            </a:r>
+            <a:r>
+              <a:rPr lang="en-US" dirty="0" err="1">
+                <a:latin typeface="Times New Roman" panose="02020603050405020304" pitchFamily="18" charset="0"/>
+                <a:cs typeface="Times New Roman" panose="02020603050405020304" pitchFamily="18" charset="0"/>
+              </a:rPr>
+              <a:t>Nguyễn</a:t>
+            </a:r>
+            <a:r>
+              <a:rPr lang="en-US" dirty="0">
+                <a:latin typeface="Times New Roman" panose="02020603050405020304" pitchFamily="18" charset="0"/>
+                <a:cs typeface="Times New Roman" panose="02020603050405020304" pitchFamily="18" charset="0"/>
+              </a:rPr>
+              <a:t> </a:t>
+            </a:r>
+            <a:r>
+              <a:rPr lang="en-US" dirty="0" err="1">
+                <a:latin typeface="Times New Roman" panose="02020603050405020304" pitchFamily="18" charset="0"/>
+                <a:cs typeface="Times New Roman" panose="02020603050405020304" pitchFamily="18" charset="0"/>
+              </a:rPr>
+              <a:t>Hồng</a:t>
+            </a:r>
+            <a:r>
+              <a:rPr lang="en-US" dirty="0">
+                <a:latin typeface="Times New Roman" panose="02020603050405020304" pitchFamily="18" charset="0"/>
+                <a:cs typeface="Times New Roman" panose="02020603050405020304" pitchFamily="18" charset="0"/>
+              </a:rPr>
+              <a:t> </a:t>
+            </a:r>
+            <a:r>
+              <a:rPr lang="en-US" dirty="0" err="1">
+                <a:latin typeface="Times New Roman" panose="02020603050405020304" pitchFamily="18" charset="0"/>
+                <a:cs typeface="Times New Roman" panose="02020603050405020304" pitchFamily="18" charset="0"/>
+              </a:rPr>
+              <a:t>Phúc</a:t>
+            </a:r>
+            <a:r>
+              <a:rPr lang="en-US" dirty="0">
+                <a:latin typeface="Times New Roman" panose="02020603050405020304" pitchFamily="18" charset="0"/>
+                <a:cs typeface="Times New Roman" panose="02020603050405020304" pitchFamily="18" charset="0"/>
+              </a:rPr>
+              <a:t>",</a:t>
+            </a:r>
+          </a:p>
+          <a:p>
+            <a:r>
+              <a:rPr lang="en-US" dirty="0">
+                <a:latin typeface="Times New Roman" panose="02020603050405020304" pitchFamily="18" charset="0"/>
+                <a:cs typeface="Times New Roman" panose="02020603050405020304" pitchFamily="18" charset="0"/>
+              </a:rPr>
+              <a:t>        "</a:t>
+            </a:r>
+            <a:r>
+              <a:rPr lang="en-US" dirty="0" err="1">
+                <a:latin typeface="Times New Roman" panose="02020603050405020304" pitchFamily="18" charset="0"/>
+                <a:cs typeface="Times New Roman" panose="02020603050405020304" pitchFamily="18" charset="0"/>
+              </a:rPr>
+              <a:t>dob</a:t>
+            </a:r>
+            <a:r>
+              <a:rPr lang="en-US" dirty="0">
+                <a:latin typeface="Times New Roman" panose="02020603050405020304" pitchFamily="18" charset="0"/>
+                <a:cs typeface="Times New Roman" panose="02020603050405020304" pitchFamily="18" charset="0"/>
+              </a:rPr>
+              <a:t>": 2017,</a:t>
+            </a:r>
+          </a:p>
+          <a:p>
+            <a:r>
+              <a:rPr lang="en-US" dirty="0">
+                <a:latin typeface="Times New Roman" panose="02020603050405020304" pitchFamily="18" charset="0"/>
+                <a:cs typeface="Times New Roman" panose="02020603050405020304" pitchFamily="18" charset="0"/>
+              </a:rPr>
+              <a:t>        "address": </a:t>
+            </a:r>
+            <a:r>
+              <a:rPr lang="en-US" dirty="0" smtClean="0">
+                <a:latin typeface="Times New Roman" panose="02020603050405020304" pitchFamily="18" charset="0"/>
+                <a:cs typeface="Times New Roman" panose="02020603050405020304" pitchFamily="18" charset="0"/>
+              </a:rPr>
+              <a:t>“</a:t>
+            </a:r>
+            <a:r>
+              <a:rPr lang="en-US" dirty="0" err="1" smtClean="0">
+                <a:latin typeface="Times New Roman" panose="02020603050405020304" pitchFamily="18" charset="0"/>
+                <a:cs typeface="Times New Roman" panose="02020603050405020304" pitchFamily="18" charset="0"/>
+              </a:rPr>
+              <a:t>Thanh</a:t>
+            </a:r>
+            <a:r>
+              <a:rPr lang="en-US" dirty="0" smtClean="0">
+                <a:latin typeface="Times New Roman" panose="02020603050405020304" pitchFamily="18" charset="0"/>
+                <a:cs typeface="Times New Roman" panose="02020603050405020304" pitchFamily="18" charset="0"/>
+              </a:rPr>
+              <a:t> </a:t>
+            </a:r>
+            <a:r>
+              <a:rPr lang="en-US" dirty="0" err="1" smtClean="0">
+                <a:latin typeface="Times New Roman" panose="02020603050405020304" pitchFamily="18" charset="0"/>
+                <a:cs typeface="Times New Roman" panose="02020603050405020304" pitchFamily="18" charset="0"/>
+              </a:rPr>
+              <a:t>Trì</a:t>
+            </a:r>
+            <a:r>
+              <a:rPr lang="en-US" dirty="0" smtClean="0">
+                <a:latin typeface="Times New Roman" panose="02020603050405020304" pitchFamily="18" charset="0"/>
+                <a:cs typeface="Times New Roman" panose="02020603050405020304" pitchFamily="18" charset="0"/>
+              </a:rPr>
+              <a:t> - </a:t>
+            </a:r>
+            <a:r>
+              <a:rPr lang="en-US" dirty="0" err="1" smtClean="0">
+                <a:latin typeface="Times New Roman" panose="02020603050405020304" pitchFamily="18" charset="0"/>
+                <a:cs typeface="Times New Roman" panose="02020603050405020304" pitchFamily="18" charset="0"/>
+              </a:rPr>
+              <a:t>Hà</a:t>
+            </a:r>
+            <a:r>
+              <a:rPr lang="en-US" dirty="0" smtClean="0">
+                <a:latin typeface="Times New Roman" panose="02020603050405020304" pitchFamily="18" charset="0"/>
+                <a:cs typeface="Times New Roman" panose="02020603050405020304" pitchFamily="18" charset="0"/>
+              </a:rPr>
+              <a:t> </a:t>
+            </a:r>
+            <a:r>
+              <a:rPr lang="en-US" dirty="0" err="1">
+                <a:latin typeface="Times New Roman" panose="02020603050405020304" pitchFamily="18" charset="0"/>
+                <a:cs typeface="Times New Roman" panose="02020603050405020304" pitchFamily="18" charset="0"/>
+              </a:rPr>
+              <a:t>Nội</a:t>
+            </a:r>
+            <a:r>
+              <a:rPr lang="en-US" dirty="0">
+                <a:latin typeface="Times New Roman" panose="02020603050405020304" pitchFamily="18" charset="0"/>
+                <a:cs typeface="Times New Roman" panose="02020603050405020304" pitchFamily="18" charset="0"/>
+              </a:rPr>
+              <a:t> - </a:t>
+            </a:r>
+            <a:r>
+              <a:rPr lang="en-US" dirty="0" err="1">
+                <a:latin typeface="Times New Roman" panose="02020603050405020304" pitchFamily="18" charset="0"/>
+                <a:cs typeface="Times New Roman" panose="02020603050405020304" pitchFamily="18" charset="0"/>
+              </a:rPr>
+              <a:t>Việt</a:t>
+            </a:r>
+            <a:r>
+              <a:rPr lang="en-US" dirty="0">
+                <a:latin typeface="Times New Roman" panose="02020603050405020304" pitchFamily="18" charset="0"/>
+                <a:cs typeface="Times New Roman" panose="02020603050405020304" pitchFamily="18" charset="0"/>
+              </a:rPr>
+              <a:t> Nam"</a:t>
+            </a:r>
+          </a:p>
+          <a:p>
+            <a:r>
+              <a:rPr lang="en-US" dirty="0">
+                <a:latin typeface="Times New Roman" panose="02020603050405020304" pitchFamily="18" charset="0"/>
+                <a:cs typeface="Times New Roman" panose="02020603050405020304" pitchFamily="18" charset="0"/>
+              </a:rPr>
+              <a:t>    }</a:t>
+            </a:r>
+          </a:p>
+          <a:p>
+            <a:r>
+              <a:rPr lang="en-US" dirty="0" smtClean="0">
+                <a:latin typeface="Times New Roman" panose="02020603050405020304" pitchFamily="18" charset="0"/>
+                <a:cs typeface="Times New Roman" panose="02020603050405020304" pitchFamily="18" charset="0"/>
+              </a:rPr>
+              <a:t>}</a:t>
+            </a:r>
+            <a:endParaRPr lang="en-US" dirty="0">
+              <a:latin typeface="Times New Roman" panose="02020603050405020304" pitchFamily="18" charset="0"/>
+              <a:cs typeface="Times New Roman" panose="02020603050405020304" pitchFamily="18" charset="0"/>
+            </a:endParaRPr>
+          </a:p>
+        </p:txBody>
+      </p:sp>
+    </p:spTree>
+    <p:extLst>
+      <p:ext uri="{BB962C8B-B14F-4D97-AF65-F5344CB8AC3E}">
+        <p14:creationId xmlns:p14="http://schemas.microsoft.com/office/powerpoint/2010/main" val="2271312667"/>
+      </p:ext>
+    </p:extLst>
+  </p:cSld>
+  <p:clrMapOvr>
+    <a:masterClrMapping/>
+  </p:clrMapOvr>
+</p:sld>
+</file>
+
+<file path=ppt/slides/slide34.xml><?xml version="1.0" encoding="utf-8"?>
+<p:sld xmlns:a="http://schemas.openxmlformats.org/drawingml/2006/main" xmlns:r="http://schemas.openxmlformats.org/officeDocument/2006/relationships" xmlns:p="http://schemas.openxmlformats.org/presentationml/2006/main">
+  <p:cSld>
+    <p:spTree>
+      <p:nvGrpSpPr>
+        <p:cNvPr id="1" name=""/>
+        <p:cNvGrpSpPr/>
+        <p:nvPr/>
+      </p:nvGrpSpPr>
+      <p:grpSpPr>
+        <a:xfrm>
+          <a:off x="0" y="0"/>
+          <a:ext cx="0" cy="0"/>
+          <a:chOff x="0" y="0"/>
+          <a:chExt cx="0" cy="0"/>
+        </a:xfrm>
+      </p:grpSpPr>
+      <p:sp>
+        <p:nvSpPr>
+          <p:cNvPr id="2" name="Title 1"/>
+          <p:cNvSpPr>
+            <a:spLocks noGrp="1"/>
+          </p:cNvSpPr>
+          <p:nvPr>
+            <p:ph type="title"/>
+          </p:nvPr>
+        </p:nvSpPr>
+        <p:spPr/>
+        <p:txBody>
+          <a:bodyPr/>
+          <a:lstStyle/>
+          <a:p>
+            <a:r>
+              <a:rPr lang="en-US" dirty="0" smtClean="0">
+                <a:latin typeface="Times New Roman" panose="02020603050405020304" pitchFamily="18" charset="0"/>
+                <a:cs typeface="Times New Roman" panose="02020603050405020304" pitchFamily="18" charset="0"/>
+              </a:rPr>
+              <a:t>API - Delete</a:t>
+            </a:r>
+            <a:endParaRPr lang="en-US" dirty="0">
+              <a:latin typeface="Times New Roman" panose="02020603050405020304" pitchFamily="18" charset="0"/>
+              <a:cs typeface="Times New Roman" panose="02020603050405020304" pitchFamily="18" charset="0"/>
+            </a:endParaRPr>
+          </a:p>
+        </p:txBody>
+      </p:sp>
+      <p:sp>
+        <p:nvSpPr>
+          <p:cNvPr id="3" name="Content Placeholder 2"/>
+          <p:cNvSpPr>
+            <a:spLocks noGrp="1"/>
+          </p:cNvSpPr>
+          <p:nvPr>
+            <p:ph sz="half" idx="1"/>
+          </p:nvPr>
+        </p:nvSpPr>
+        <p:spPr>
+          <a:xfrm>
+            <a:off x="1097278" y="1845734"/>
+            <a:ext cx="5329647" cy="4023360"/>
+          </a:xfrm>
+        </p:spPr>
+        <p:txBody>
+          <a:bodyPr>
+            <a:normAutofit/>
+          </a:bodyPr>
+          <a:lstStyle/>
+          <a:p>
+            <a:pPr marL="0" indent="0">
+              <a:buNone/>
+            </a:pPr>
+            <a:r>
+              <a:rPr lang="en-US" dirty="0" smtClean="0">
+                <a:latin typeface="Times New Roman" panose="02020603050405020304" pitchFamily="18" charset="0"/>
+                <a:cs typeface="Times New Roman" panose="02020603050405020304" pitchFamily="18" charset="0"/>
+              </a:rPr>
+              <a:t>  http</a:t>
+            </a:r>
+            <a:r>
+              <a:rPr lang="en-US" dirty="0">
+                <a:latin typeface="Times New Roman" panose="02020603050405020304" pitchFamily="18" charset="0"/>
+                <a:cs typeface="Times New Roman" panose="02020603050405020304" pitchFamily="18" charset="0"/>
+              </a:rPr>
+              <a:t>://</a:t>
+            </a:r>
+            <a:r>
+              <a:rPr lang="en-US" dirty="0" smtClean="0">
+                <a:latin typeface="Times New Roman" panose="02020603050405020304" pitchFamily="18" charset="0"/>
+                <a:cs typeface="Times New Roman" panose="02020603050405020304" pitchFamily="18" charset="0"/>
+              </a:rPr>
+              <a:t>localhost:8696/api/public/student/{id}/del</a:t>
+            </a:r>
+          </a:p>
+          <a:p>
+            <a:r>
+              <a:rPr lang="en-US" dirty="0" smtClean="0">
+                <a:latin typeface="Times New Roman" panose="02020603050405020304" pitchFamily="18" charset="0"/>
+                <a:cs typeface="Times New Roman" panose="02020603050405020304" pitchFamily="18" charset="0"/>
+              </a:rPr>
+              <a:t>Method – DELETE</a:t>
+            </a:r>
+          </a:p>
+          <a:p>
+            <a:r>
+              <a:rPr lang="en-US" dirty="0" smtClean="0">
+                <a:latin typeface="Times New Roman" panose="02020603050405020304" pitchFamily="18" charset="0"/>
+                <a:cs typeface="Times New Roman" panose="02020603050405020304" pitchFamily="18" charset="0"/>
+              </a:rPr>
+              <a:t>application/</a:t>
+            </a:r>
+            <a:r>
+              <a:rPr lang="en-US" dirty="0" err="1" smtClean="0">
+                <a:latin typeface="Times New Roman" panose="02020603050405020304" pitchFamily="18" charset="0"/>
+                <a:cs typeface="Times New Roman" panose="02020603050405020304" pitchFamily="18" charset="0"/>
+              </a:rPr>
+              <a:t>json</a:t>
+            </a:r>
+            <a:endParaRPr lang="en-US" dirty="0" smtClean="0">
+              <a:latin typeface="Times New Roman" panose="02020603050405020304" pitchFamily="18" charset="0"/>
+              <a:cs typeface="Times New Roman" panose="02020603050405020304" pitchFamily="18" charset="0"/>
+            </a:endParaRPr>
+          </a:p>
+        </p:txBody>
+      </p:sp>
+      <p:sp>
+        <p:nvSpPr>
+          <p:cNvPr id="4" name="Content Placeholder 3"/>
+          <p:cNvSpPr>
+            <a:spLocks noGrp="1"/>
+          </p:cNvSpPr>
+          <p:nvPr>
+            <p:ph sz="half" idx="2"/>
+          </p:nvPr>
+        </p:nvSpPr>
+        <p:spPr>
+          <a:xfrm>
+            <a:off x="6858000" y="1845735"/>
+            <a:ext cx="4297680" cy="4023360"/>
+          </a:xfrm>
+        </p:spPr>
+        <p:txBody>
+          <a:bodyPr>
+            <a:normAutofit/>
+          </a:bodyPr>
+          <a:lstStyle/>
+          <a:p>
+            <a:r>
+              <a:rPr lang="en-US" dirty="0" smtClean="0">
+                <a:latin typeface="Times New Roman" panose="02020603050405020304" pitchFamily="18" charset="0"/>
+                <a:cs typeface="Times New Roman" panose="02020603050405020304" pitchFamily="18" charset="0"/>
+              </a:rPr>
+              <a:t>Output</a:t>
+            </a:r>
+          </a:p>
+          <a:p>
+            <a:r>
+              <a:rPr lang="en-US" dirty="0">
+                <a:latin typeface="Times New Roman" panose="02020603050405020304" pitchFamily="18" charset="0"/>
+                <a:cs typeface="Times New Roman" panose="02020603050405020304" pitchFamily="18" charset="0"/>
+              </a:rPr>
+              <a:t>{</a:t>
+            </a:r>
+          </a:p>
+          <a:p>
+            <a:r>
+              <a:rPr lang="en-US" dirty="0">
+                <a:latin typeface="Times New Roman" panose="02020603050405020304" pitchFamily="18" charset="0"/>
+                <a:cs typeface="Times New Roman" panose="02020603050405020304" pitchFamily="18" charset="0"/>
+              </a:rPr>
+              <a:t>    "success": </a:t>
+            </a:r>
+            <a:r>
+              <a:rPr lang="en-US" b="1" dirty="0">
+                <a:latin typeface="Times New Roman" panose="02020603050405020304" pitchFamily="18" charset="0"/>
+                <a:cs typeface="Times New Roman" panose="02020603050405020304" pitchFamily="18" charset="0"/>
+              </a:rPr>
+              <a:t>false</a:t>
+            </a:r>
+            <a:r>
+              <a:rPr lang="en-US" dirty="0">
+                <a:latin typeface="Times New Roman" panose="02020603050405020304" pitchFamily="18" charset="0"/>
+                <a:cs typeface="Times New Roman" panose="02020603050405020304" pitchFamily="18" charset="0"/>
+              </a:rPr>
+              <a:t>,</a:t>
+            </a:r>
+          </a:p>
+          <a:p>
+            <a:r>
+              <a:rPr lang="en-US" dirty="0">
+                <a:latin typeface="Times New Roman" panose="02020603050405020304" pitchFamily="18" charset="0"/>
+                <a:cs typeface="Times New Roman" panose="02020603050405020304" pitchFamily="18" charset="0"/>
+              </a:rPr>
+              <a:t>    "data": "Student with ID 2 not found"</a:t>
+            </a:r>
+          </a:p>
+          <a:p>
+            <a:r>
+              <a:rPr lang="en-US" dirty="0" smtClean="0">
+                <a:latin typeface="Times New Roman" panose="02020603050405020304" pitchFamily="18" charset="0"/>
+                <a:cs typeface="Times New Roman" panose="02020603050405020304" pitchFamily="18" charset="0"/>
+              </a:rPr>
+              <a:t>}</a:t>
+            </a:r>
+          </a:p>
+          <a:p>
+            <a:r>
+              <a:rPr lang="it-IT" dirty="0">
+                <a:latin typeface="Times New Roman" panose="02020603050405020304" pitchFamily="18" charset="0"/>
+                <a:cs typeface="Times New Roman" panose="02020603050405020304" pitchFamily="18" charset="0"/>
+              </a:rPr>
+              <a:t>{</a:t>
+            </a:r>
+          </a:p>
+          <a:p>
+            <a:r>
+              <a:rPr lang="it-IT" dirty="0">
+                <a:latin typeface="Times New Roman" panose="02020603050405020304" pitchFamily="18" charset="0"/>
+                <a:cs typeface="Times New Roman" panose="02020603050405020304" pitchFamily="18" charset="0"/>
+              </a:rPr>
+              <a:t>    "success": </a:t>
+            </a:r>
+            <a:r>
+              <a:rPr lang="it-IT" b="1" dirty="0">
+                <a:latin typeface="Times New Roman" panose="02020603050405020304" pitchFamily="18" charset="0"/>
+                <a:cs typeface="Times New Roman" panose="02020603050405020304" pitchFamily="18" charset="0"/>
+              </a:rPr>
+              <a:t>true</a:t>
+            </a:r>
+            <a:r>
+              <a:rPr lang="it-IT" dirty="0">
+                <a:latin typeface="Times New Roman" panose="02020603050405020304" pitchFamily="18" charset="0"/>
+                <a:cs typeface="Times New Roman" panose="02020603050405020304" pitchFamily="18" charset="0"/>
+              </a:rPr>
+              <a:t>,</a:t>
+            </a:r>
+          </a:p>
+          <a:p>
+            <a:r>
+              <a:rPr lang="it-IT" dirty="0">
+                <a:latin typeface="Times New Roman" panose="02020603050405020304" pitchFamily="18" charset="0"/>
+                <a:cs typeface="Times New Roman" panose="02020603050405020304" pitchFamily="18" charset="0"/>
+              </a:rPr>
+              <a:t>    "data": "Delete success"</a:t>
+            </a:r>
+          </a:p>
+          <a:p>
+            <a:r>
+              <a:rPr lang="it-IT" dirty="0">
+                <a:latin typeface="Times New Roman" panose="02020603050405020304" pitchFamily="18" charset="0"/>
+                <a:cs typeface="Times New Roman" panose="02020603050405020304" pitchFamily="18" charset="0"/>
+              </a:rPr>
+              <a:t>}</a:t>
+            </a:r>
+          </a:p>
+          <a:p>
+            <a:endParaRPr lang="en-US" dirty="0">
+              <a:latin typeface="Times New Roman" panose="02020603050405020304" pitchFamily="18" charset="0"/>
+              <a:cs typeface="Times New Roman" panose="02020603050405020304" pitchFamily="18" charset="0"/>
+            </a:endParaRPr>
+          </a:p>
+        </p:txBody>
+      </p:sp>
+    </p:spTree>
+    <p:extLst>
+      <p:ext uri="{BB962C8B-B14F-4D97-AF65-F5344CB8AC3E}">
+        <p14:creationId xmlns:p14="http://schemas.microsoft.com/office/powerpoint/2010/main" val="3734015828"/>
+      </p:ext>
+    </p:extLst>
+  </p:cSld>
+  <p:clrMapOvr>
+    <a:masterClrMapping/>
+  </p:clrMapOvr>
+</p:sld>
+</file>
+
+<file path=ppt/slides/slide35.xml><?xml version="1.0" encoding="utf-8"?>
+<p:sld xmlns:a="http://schemas.openxmlformats.org/drawingml/2006/main" xmlns:r="http://schemas.openxmlformats.org/officeDocument/2006/relationships" xmlns:p="http://schemas.openxmlformats.org/presentationml/2006/main">
+  <p:cSld>
+    <p:spTree>
+      <p:nvGrpSpPr>
+        <p:cNvPr id="1" name=""/>
+        <p:cNvGrpSpPr/>
+        <p:nvPr/>
+      </p:nvGrpSpPr>
+      <p:grpSpPr>
+        <a:xfrm>
+          <a:off x="0" y="0"/>
+          <a:ext cx="0" cy="0"/>
+          <a:chOff x="0" y="0"/>
+          <a:chExt cx="0" cy="0"/>
+        </a:xfrm>
+      </p:grpSpPr>
+      <p:sp>
+        <p:nvSpPr>
+          <p:cNvPr id="2" name="Title 1"/>
+          <p:cNvSpPr>
+            <a:spLocks noGrp="1"/>
+          </p:cNvSpPr>
+          <p:nvPr>
+            <p:ph type="title"/>
+          </p:nvPr>
+        </p:nvSpPr>
+        <p:spPr/>
+        <p:txBody>
+          <a:bodyPr/>
+          <a:lstStyle/>
+          <a:p>
+            <a:r>
+              <a:rPr lang="en-US" dirty="0" smtClean="0">
+                <a:latin typeface="Times New Roman" panose="02020603050405020304" pitchFamily="18" charset="0"/>
+                <a:cs typeface="Times New Roman" panose="02020603050405020304" pitchFamily="18" charset="0"/>
+              </a:rPr>
+              <a:t>API - </a:t>
+            </a:r>
+            <a:r>
+              <a:rPr lang="en-US" dirty="0" err="1" smtClean="0">
+                <a:latin typeface="Times New Roman" panose="02020603050405020304" pitchFamily="18" charset="0"/>
+                <a:cs typeface="Times New Roman" panose="02020603050405020304" pitchFamily="18" charset="0"/>
+              </a:rPr>
+              <a:t>getDetail</a:t>
+            </a:r>
+            <a:endParaRPr lang="en-US" dirty="0">
+              <a:latin typeface="Times New Roman" panose="02020603050405020304" pitchFamily="18" charset="0"/>
+              <a:cs typeface="Times New Roman" panose="02020603050405020304" pitchFamily="18" charset="0"/>
+            </a:endParaRPr>
+          </a:p>
+        </p:txBody>
+      </p:sp>
+      <p:sp>
+        <p:nvSpPr>
+          <p:cNvPr id="3" name="Content Placeholder 2"/>
+          <p:cNvSpPr>
+            <a:spLocks noGrp="1"/>
+          </p:cNvSpPr>
+          <p:nvPr>
+            <p:ph sz="half" idx="1"/>
+          </p:nvPr>
+        </p:nvSpPr>
+        <p:spPr>
+          <a:xfrm>
+            <a:off x="1084215" y="1845734"/>
+            <a:ext cx="5786848" cy="4023360"/>
+          </a:xfrm>
+        </p:spPr>
+        <p:txBody>
+          <a:bodyPr>
+            <a:normAutofit fontScale="92500" lnSpcReduction="10000"/>
+          </a:bodyPr>
+          <a:lstStyle/>
+          <a:p>
+            <a:pPr marL="0" indent="0">
+              <a:buNone/>
+            </a:pPr>
+            <a:r>
+              <a:rPr lang="en-US" dirty="0" smtClean="0">
+                <a:latin typeface="Times New Roman" panose="02020603050405020304" pitchFamily="18" charset="0"/>
+                <a:cs typeface="Times New Roman" panose="02020603050405020304" pitchFamily="18" charset="0"/>
+              </a:rPr>
+              <a:t>  http</a:t>
+            </a:r>
+            <a:r>
+              <a:rPr lang="en-US" dirty="0">
+                <a:latin typeface="Times New Roman" panose="02020603050405020304" pitchFamily="18" charset="0"/>
+                <a:cs typeface="Times New Roman" panose="02020603050405020304" pitchFamily="18" charset="0"/>
+              </a:rPr>
+              <a:t>://</a:t>
+            </a:r>
+            <a:r>
+              <a:rPr lang="en-US" dirty="0" smtClean="0">
+                <a:latin typeface="Times New Roman" panose="02020603050405020304" pitchFamily="18" charset="0"/>
+                <a:cs typeface="Times New Roman" panose="02020603050405020304" pitchFamily="18" charset="0"/>
+              </a:rPr>
+              <a:t>localhost:8696/api/public/student/{id}/</a:t>
+            </a:r>
+            <a:r>
+              <a:rPr lang="en-US" dirty="0"/>
+              <a:t>getDetail</a:t>
+            </a:r>
+            <a:endParaRPr lang="en-US" dirty="0" smtClean="0">
+              <a:latin typeface="Times New Roman" panose="02020603050405020304" pitchFamily="18" charset="0"/>
+              <a:cs typeface="Times New Roman" panose="02020603050405020304" pitchFamily="18" charset="0"/>
+            </a:endParaRPr>
+          </a:p>
+          <a:p>
+            <a:r>
+              <a:rPr lang="en-US" dirty="0" smtClean="0">
+                <a:latin typeface="Times New Roman" panose="02020603050405020304" pitchFamily="18" charset="0"/>
+                <a:cs typeface="Times New Roman" panose="02020603050405020304" pitchFamily="18" charset="0"/>
+              </a:rPr>
+              <a:t>Method – GET</a:t>
+            </a:r>
+          </a:p>
+          <a:p>
+            <a:r>
+              <a:rPr lang="en-US" dirty="0" smtClean="0">
+                <a:latin typeface="Times New Roman" panose="02020603050405020304" pitchFamily="18" charset="0"/>
+                <a:cs typeface="Times New Roman" panose="02020603050405020304" pitchFamily="18" charset="0"/>
+              </a:rPr>
+              <a:t>application/</a:t>
+            </a:r>
+            <a:r>
+              <a:rPr lang="en-US" dirty="0" err="1" smtClean="0">
+                <a:latin typeface="Times New Roman" panose="02020603050405020304" pitchFamily="18" charset="0"/>
+                <a:cs typeface="Times New Roman" panose="02020603050405020304" pitchFamily="18" charset="0"/>
+              </a:rPr>
+              <a:t>json</a:t>
+            </a:r>
+            <a:endParaRPr lang="en-US" dirty="0" smtClean="0">
+              <a:latin typeface="Times New Roman" panose="02020603050405020304" pitchFamily="18" charset="0"/>
+              <a:cs typeface="Times New Roman" panose="02020603050405020304" pitchFamily="18" charset="0"/>
+            </a:endParaRPr>
+          </a:p>
+        </p:txBody>
+      </p:sp>
+      <p:sp>
+        <p:nvSpPr>
+          <p:cNvPr id="4" name="Content Placeholder 3"/>
+          <p:cNvSpPr>
+            <a:spLocks noGrp="1"/>
+          </p:cNvSpPr>
+          <p:nvPr>
+            <p:ph sz="half" idx="2"/>
+          </p:nvPr>
+        </p:nvSpPr>
+        <p:spPr>
+          <a:xfrm>
+            <a:off x="6871063" y="1845735"/>
+            <a:ext cx="4284616" cy="4023360"/>
+          </a:xfrm>
+        </p:spPr>
+        <p:txBody>
+          <a:bodyPr>
+            <a:normAutofit fontScale="92500" lnSpcReduction="10000"/>
+          </a:bodyPr>
+          <a:lstStyle/>
+          <a:p>
+            <a:r>
+              <a:rPr lang="en-US" dirty="0" smtClean="0">
+                <a:latin typeface="Times New Roman" panose="02020603050405020304" pitchFamily="18" charset="0"/>
+                <a:cs typeface="Times New Roman" panose="02020603050405020304" pitchFamily="18" charset="0"/>
+              </a:rPr>
+              <a:t>Output</a:t>
+            </a:r>
+          </a:p>
+          <a:p>
+            <a:r>
+              <a:rPr lang="en-US" dirty="0">
+                <a:latin typeface="Times New Roman" panose="02020603050405020304" pitchFamily="18" charset="0"/>
+                <a:cs typeface="Times New Roman" panose="02020603050405020304" pitchFamily="18" charset="0"/>
+              </a:rPr>
+              <a:t>{</a:t>
+            </a:r>
+          </a:p>
+          <a:p>
+            <a:r>
+              <a:rPr lang="en-US" dirty="0">
+                <a:latin typeface="Times New Roman" panose="02020603050405020304" pitchFamily="18" charset="0"/>
+                <a:cs typeface="Times New Roman" panose="02020603050405020304" pitchFamily="18" charset="0"/>
+              </a:rPr>
+              <a:t>    "success": </a:t>
+            </a:r>
+            <a:r>
+              <a:rPr lang="en-US" b="1" dirty="0">
+                <a:latin typeface="Times New Roman" panose="02020603050405020304" pitchFamily="18" charset="0"/>
+                <a:cs typeface="Times New Roman" panose="02020603050405020304" pitchFamily="18" charset="0"/>
+              </a:rPr>
+              <a:t>true</a:t>
+            </a:r>
+            <a:r>
+              <a:rPr lang="en-US" dirty="0">
+                <a:latin typeface="Times New Roman" panose="02020603050405020304" pitchFamily="18" charset="0"/>
+                <a:cs typeface="Times New Roman" panose="02020603050405020304" pitchFamily="18" charset="0"/>
+              </a:rPr>
+              <a:t>,</a:t>
+            </a:r>
+          </a:p>
+          <a:p>
+            <a:r>
+              <a:rPr lang="en-US" dirty="0">
+                <a:latin typeface="Times New Roman" panose="02020603050405020304" pitchFamily="18" charset="0"/>
+                <a:cs typeface="Times New Roman" panose="02020603050405020304" pitchFamily="18" charset="0"/>
+              </a:rPr>
+              <a:t>    "data": {</a:t>
+            </a:r>
+          </a:p>
+          <a:p>
+            <a:r>
+              <a:rPr lang="en-US" dirty="0">
+                <a:latin typeface="Times New Roman" panose="02020603050405020304" pitchFamily="18" charset="0"/>
+                <a:cs typeface="Times New Roman" panose="02020603050405020304" pitchFamily="18" charset="0"/>
+              </a:rPr>
+              <a:t>        "id": 3,</a:t>
+            </a:r>
+          </a:p>
+          <a:p>
+            <a:r>
+              <a:rPr lang="en-US" dirty="0">
+                <a:latin typeface="Times New Roman" panose="02020603050405020304" pitchFamily="18" charset="0"/>
+                <a:cs typeface="Times New Roman" panose="02020603050405020304" pitchFamily="18" charset="0"/>
+              </a:rPr>
+              <a:t>        "</a:t>
+            </a:r>
+            <a:r>
+              <a:rPr lang="en-US" dirty="0" err="1">
+                <a:latin typeface="Times New Roman" panose="02020603050405020304" pitchFamily="18" charset="0"/>
+                <a:cs typeface="Times New Roman" panose="02020603050405020304" pitchFamily="18" charset="0"/>
+              </a:rPr>
+              <a:t>fullName</a:t>
+            </a:r>
+            <a:r>
+              <a:rPr lang="en-US" dirty="0">
+                <a:latin typeface="Times New Roman" panose="02020603050405020304" pitchFamily="18" charset="0"/>
+                <a:cs typeface="Times New Roman" panose="02020603050405020304" pitchFamily="18" charset="0"/>
+              </a:rPr>
+              <a:t>": "</a:t>
+            </a:r>
+            <a:r>
+              <a:rPr lang="en-US" dirty="0" err="1">
+                <a:latin typeface="Times New Roman" panose="02020603050405020304" pitchFamily="18" charset="0"/>
+                <a:cs typeface="Times New Roman" panose="02020603050405020304" pitchFamily="18" charset="0"/>
+              </a:rPr>
+              <a:t>Nguyễn</a:t>
+            </a:r>
+            <a:r>
+              <a:rPr lang="en-US" dirty="0">
+                <a:latin typeface="Times New Roman" panose="02020603050405020304" pitchFamily="18" charset="0"/>
+                <a:cs typeface="Times New Roman" panose="02020603050405020304" pitchFamily="18" charset="0"/>
+              </a:rPr>
+              <a:t> </a:t>
+            </a:r>
+            <a:r>
+              <a:rPr lang="en-US" dirty="0" err="1">
+                <a:latin typeface="Times New Roman" panose="02020603050405020304" pitchFamily="18" charset="0"/>
+                <a:cs typeface="Times New Roman" panose="02020603050405020304" pitchFamily="18" charset="0"/>
+              </a:rPr>
+              <a:t>Đình</a:t>
+            </a:r>
+            <a:r>
+              <a:rPr lang="en-US" dirty="0">
+                <a:latin typeface="Times New Roman" panose="02020603050405020304" pitchFamily="18" charset="0"/>
+                <a:cs typeface="Times New Roman" panose="02020603050405020304" pitchFamily="18" charset="0"/>
+              </a:rPr>
+              <a:t> </a:t>
+            </a:r>
+            <a:r>
+              <a:rPr lang="en-US" dirty="0" err="1">
+                <a:latin typeface="Times New Roman" panose="02020603050405020304" pitchFamily="18" charset="0"/>
+                <a:cs typeface="Times New Roman" panose="02020603050405020304" pitchFamily="18" charset="0"/>
+              </a:rPr>
+              <a:t>Duy</a:t>
+            </a:r>
+            <a:r>
+              <a:rPr lang="en-US" dirty="0">
+                <a:latin typeface="Times New Roman" panose="02020603050405020304" pitchFamily="18" charset="0"/>
+                <a:cs typeface="Times New Roman" panose="02020603050405020304" pitchFamily="18" charset="0"/>
+              </a:rPr>
+              <a:t>",</a:t>
+            </a:r>
+          </a:p>
+          <a:p>
+            <a:r>
+              <a:rPr lang="en-US" dirty="0">
+                <a:latin typeface="Times New Roman" panose="02020603050405020304" pitchFamily="18" charset="0"/>
+                <a:cs typeface="Times New Roman" panose="02020603050405020304" pitchFamily="18" charset="0"/>
+              </a:rPr>
+              <a:t>        "</a:t>
+            </a:r>
+            <a:r>
+              <a:rPr lang="en-US" dirty="0" err="1">
+                <a:latin typeface="Times New Roman" panose="02020603050405020304" pitchFamily="18" charset="0"/>
+                <a:cs typeface="Times New Roman" panose="02020603050405020304" pitchFamily="18" charset="0"/>
+              </a:rPr>
+              <a:t>dob</a:t>
+            </a:r>
+            <a:r>
+              <a:rPr lang="en-US" dirty="0">
+                <a:latin typeface="Times New Roman" panose="02020603050405020304" pitchFamily="18" charset="0"/>
+                <a:cs typeface="Times New Roman" panose="02020603050405020304" pitchFamily="18" charset="0"/>
+              </a:rPr>
+              <a:t>": 1999,</a:t>
+            </a:r>
+          </a:p>
+          <a:p>
+            <a:r>
+              <a:rPr lang="en-US" dirty="0">
+                <a:latin typeface="Times New Roman" panose="02020603050405020304" pitchFamily="18" charset="0"/>
+                <a:cs typeface="Times New Roman" panose="02020603050405020304" pitchFamily="18" charset="0"/>
+              </a:rPr>
+              <a:t>        "address": "</a:t>
+            </a:r>
+            <a:r>
+              <a:rPr lang="en-US" dirty="0" err="1">
+                <a:latin typeface="Times New Roman" panose="02020603050405020304" pitchFamily="18" charset="0"/>
+                <a:cs typeface="Times New Roman" panose="02020603050405020304" pitchFamily="18" charset="0"/>
+              </a:rPr>
+              <a:t>Hà</a:t>
+            </a:r>
+            <a:r>
+              <a:rPr lang="en-US" dirty="0">
+                <a:latin typeface="Times New Roman" panose="02020603050405020304" pitchFamily="18" charset="0"/>
+                <a:cs typeface="Times New Roman" panose="02020603050405020304" pitchFamily="18" charset="0"/>
+              </a:rPr>
+              <a:t> </a:t>
+            </a:r>
+            <a:r>
+              <a:rPr lang="en-US" dirty="0" err="1">
+                <a:latin typeface="Times New Roman" panose="02020603050405020304" pitchFamily="18" charset="0"/>
+                <a:cs typeface="Times New Roman" panose="02020603050405020304" pitchFamily="18" charset="0"/>
+              </a:rPr>
+              <a:t>Nội</a:t>
+            </a:r>
+            <a:r>
+              <a:rPr lang="en-US" dirty="0">
+                <a:latin typeface="Times New Roman" panose="02020603050405020304" pitchFamily="18" charset="0"/>
+                <a:cs typeface="Times New Roman" panose="02020603050405020304" pitchFamily="18" charset="0"/>
+              </a:rPr>
+              <a:t> - </a:t>
+            </a:r>
+            <a:r>
+              <a:rPr lang="en-US" dirty="0" err="1">
+                <a:latin typeface="Times New Roman" panose="02020603050405020304" pitchFamily="18" charset="0"/>
+                <a:cs typeface="Times New Roman" panose="02020603050405020304" pitchFamily="18" charset="0"/>
+              </a:rPr>
+              <a:t>Việt</a:t>
+            </a:r>
+            <a:r>
+              <a:rPr lang="en-US" dirty="0">
+                <a:latin typeface="Times New Roman" panose="02020603050405020304" pitchFamily="18" charset="0"/>
+                <a:cs typeface="Times New Roman" panose="02020603050405020304" pitchFamily="18" charset="0"/>
+              </a:rPr>
+              <a:t> Nam"</a:t>
+            </a:r>
+          </a:p>
+          <a:p>
+            <a:r>
+              <a:rPr lang="en-US" dirty="0">
+                <a:latin typeface="Times New Roman" panose="02020603050405020304" pitchFamily="18" charset="0"/>
+                <a:cs typeface="Times New Roman" panose="02020603050405020304" pitchFamily="18" charset="0"/>
+              </a:rPr>
+              <a:t>    }</a:t>
+            </a:r>
+          </a:p>
+          <a:p>
+            <a:r>
+              <a:rPr lang="en-US" dirty="0" smtClean="0">
+                <a:latin typeface="Times New Roman" panose="02020603050405020304" pitchFamily="18" charset="0"/>
+                <a:cs typeface="Times New Roman" panose="02020603050405020304" pitchFamily="18" charset="0"/>
+              </a:rPr>
+              <a:t>}</a:t>
+            </a:r>
+            <a:endParaRPr lang="en-US" dirty="0">
+              <a:latin typeface="Times New Roman" panose="02020603050405020304" pitchFamily="18" charset="0"/>
+              <a:cs typeface="Times New Roman" panose="02020603050405020304" pitchFamily="18" charset="0"/>
+            </a:endParaRPr>
+          </a:p>
+        </p:txBody>
+      </p:sp>
+    </p:spTree>
+    <p:extLst>
+      <p:ext uri="{BB962C8B-B14F-4D97-AF65-F5344CB8AC3E}">
+        <p14:creationId xmlns:p14="http://schemas.microsoft.com/office/powerpoint/2010/main" val="513988979"/>
+      </p:ext>
+    </p:extLst>
+  </p:cSld>
+  <p:clrMapOvr>
+    <a:masterClrMapping/>
+  </p:clrMapOvr>
+</p:sld>
+</file>
+
+<file path=ppt/slides/slide36.xml><?xml version="1.0" encoding="utf-8"?>
+<p:sld xmlns:a="http://schemas.openxmlformats.org/drawingml/2006/main" xmlns:r="http://schemas.openxmlformats.org/officeDocument/2006/relationships" xmlns:p="http://schemas.openxmlformats.org/presentationml/2006/main">
+  <p:cSld>
+    <p:spTree>
+      <p:nvGrpSpPr>
+        <p:cNvPr id="1" name=""/>
+        <p:cNvGrpSpPr/>
+        <p:nvPr/>
+      </p:nvGrpSpPr>
+      <p:grpSpPr>
+        <a:xfrm>
+          <a:off x="0" y="0"/>
+          <a:ext cx="0" cy="0"/>
+          <a:chOff x="0" y="0"/>
+          <a:chExt cx="0" cy="0"/>
+        </a:xfrm>
+      </p:grpSpPr>
+      <p:sp>
+        <p:nvSpPr>
+          <p:cNvPr id="2" name="Title 1"/>
+          <p:cNvSpPr>
+            <a:spLocks noGrp="1"/>
+          </p:cNvSpPr>
+          <p:nvPr>
+            <p:ph type="title"/>
+          </p:nvPr>
+        </p:nvSpPr>
+        <p:spPr/>
+        <p:txBody>
+          <a:bodyPr/>
+          <a:lstStyle/>
+          <a:p>
+            <a:r>
               <a:rPr lang="en-US" dirty="0" err="1">
                 <a:latin typeface="Times New Roman" panose="02020603050405020304" pitchFamily="18" charset="0"/>
                 <a:cs typeface="Times New Roman" panose="02020603050405020304" pitchFamily="18" charset="0"/>
@@ -16335,7 +18871,7 @@
 </p:sld>
 </file>
 
-<file path=ppt/slides/slide31.xml><?xml version="1.0" encoding="utf-8"?>
+<file path=ppt/slides/slide37.xml><?xml version="1.0" encoding="utf-8"?>
 <p:sld xmlns:a="http://schemas.openxmlformats.org/drawingml/2006/main" xmlns:r="http://schemas.openxmlformats.org/officeDocument/2006/relationships" xmlns:p="http://schemas.openxmlformats.org/presentationml/2006/main">
   <p:cSld>
     <p:spTree>
@@ -16509,7 +19045,7 @@
 </p:sld>
 </file>
 
-<file path=ppt/slides/slide32.xml><?xml version="1.0" encoding="utf-8"?>
+<file path=ppt/slides/slide38.xml><?xml version="1.0" encoding="utf-8"?>
 <p:sld xmlns:a="http://schemas.openxmlformats.org/drawingml/2006/main" xmlns:r="http://schemas.openxmlformats.org/officeDocument/2006/relationships" xmlns:p="http://schemas.openxmlformats.org/presentationml/2006/main">
   <p:cSld>
     <p:spTree>
@@ -17186,7 +19722,7 @@
 </p:sld>
 </file>
 
-<file path=ppt/slides/slide33.xml><?xml version="1.0" encoding="utf-8"?>
+<file path=ppt/slides/slide39.xml><?xml version="1.0" encoding="utf-8"?>
 <p:sld xmlns:a="http://schemas.openxmlformats.org/drawingml/2006/main" xmlns:r="http://schemas.openxmlformats.org/officeDocument/2006/relationships" xmlns:p="http://schemas.openxmlformats.org/presentationml/2006/main">
   <p:cSld>
     <p:spTree>
@@ -17343,7 +19879,515 @@
 </p:sld>
 </file>
 
-<file path=ppt/slides/slide34.xml><?xml version="1.0" encoding="utf-8"?>
+<file path=ppt/slides/slide4.xml><?xml version="1.0" encoding="utf-8"?>
+<p:sld xmlns:a="http://schemas.openxmlformats.org/drawingml/2006/main" xmlns:r="http://schemas.openxmlformats.org/officeDocument/2006/relationships" xmlns:p="http://schemas.openxmlformats.org/presentationml/2006/main">
+  <p:cSld>
+    <p:spTree>
+      <p:nvGrpSpPr>
+        <p:cNvPr id="1" name=""/>
+        <p:cNvGrpSpPr/>
+        <p:nvPr/>
+      </p:nvGrpSpPr>
+      <p:grpSpPr>
+        <a:xfrm>
+          <a:off x="0" y="0"/>
+          <a:ext cx="0" cy="0"/>
+          <a:chOff x="0" y="0"/>
+          <a:chExt cx="0" cy="0"/>
+        </a:xfrm>
+      </p:grpSpPr>
+      <p:sp>
+        <p:nvSpPr>
+          <p:cNvPr id="2" name="Title 1"/>
+          <p:cNvSpPr>
+            <a:spLocks noGrp="1"/>
+          </p:cNvSpPr>
+          <p:nvPr>
+            <p:ph type="title"/>
+          </p:nvPr>
+        </p:nvSpPr>
+        <p:spPr/>
+        <p:txBody>
+          <a:bodyPr/>
+          <a:lstStyle/>
+          <a:p>
+            <a:r>
+              <a:rPr lang="en-US" dirty="0" err="1" smtClean="0">
+                <a:latin typeface="Times New Roman" panose="02020603050405020304" pitchFamily="18" charset="0"/>
+                <a:cs typeface="Times New Roman" panose="02020603050405020304" pitchFamily="18" charset="0"/>
+              </a:rPr>
+              <a:t>Yêu</a:t>
+            </a:r>
+            <a:r>
+              <a:rPr lang="en-US" dirty="0" smtClean="0">
+                <a:latin typeface="Times New Roman" panose="02020603050405020304" pitchFamily="18" charset="0"/>
+                <a:cs typeface="Times New Roman" panose="02020603050405020304" pitchFamily="18" charset="0"/>
+              </a:rPr>
+              <a:t> </a:t>
+            </a:r>
+            <a:r>
+              <a:rPr lang="en-US" dirty="0" err="1" smtClean="0">
+                <a:latin typeface="Times New Roman" panose="02020603050405020304" pitchFamily="18" charset="0"/>
+                <a:cs typeface="Times New Roman" panose="02020603050405020304" pitchFamily="18" charset="0"/>
+              </a:rPr>
+              <a:t>cầu</a:t>
+            </a:r>
+            <a:r>
+              <a:rPr lang="en-US" dirty="0" smtClean="0">
+                <a:latin typeface="Times New Roman" panose="02020603050405020304" pitchFamily="18" charset="0"/>
+                <a:cs typeface="Times New Roman" panose="02020603050405020304" pitchFamily="18" charset="0"/>
+              </a:rPr>
+              <a:t> </a:t>
+            </a:r>
+            <a:r>
+              <a:rPr lang="en-US" dirty="0" err="1" smtClean="0">
+                <a:latin typeface="Times New Roman" panose="02020603050405020304" pitchFamily="18" charset="0"/>
+                <a:cs typeface="Times New Roman" panose="02020603050405020304" pitchFamily="18" charset="0"/>
+              </a:rPr>
+              <a:t>và</a:t>
+            </a:r>
+            <a:r>
+              <a:rPr lang="en-US" dirty="0" smtClean="0">
+                <a:latin typeface="Times New Roman" panose="02020603050405020304" pitchFamily="18" charset="0"/>
+                <a:cs typeface="Times New Roman" panose="02020603050405020304" pitchFamily="18" charset="0"/>
+              </a:rPr>
+              <a:t> </a:t>
+            </a:r>
+            <a:r>
+              <a:rPr lang="en-US" dirty="0" err="1" smtClean="0">
+                <a:latin typeface="Times New Roman" panose="02020603050405020304" pitchFamily="18" charset="0"/>
+                <a:cs typeface="Times New Roman" panose="02020603050405020304" pitchFamily="18" charset="0"/>
+              </a:rPr>
+              <a:t>mục</a:t>
+            </a:r>
+            <a:r>
+              <a:rPr lang="en-US" dirty="0" smtClean="0">
+                <a:latin typeface="Times New Roman" panose="02020603050405020304" pitchFamily="18" charset="0"/>
+                <a:cs typeface="Times New Roman" panose="02020603050405020304" pitchFamily="18" charset="0"/>
+              </a:rPr>
+              <a:t> </a:t>
+            </a:r>
+            <a:r>
+              <a:rPr lang="en-US" dirty="0" err="1" smtClean="0">
+                <a:latin typeface="Times New Roman" panose="02020603050405020304" pitchFamily="18" charset="0"/>
+                <a:cs typeface="Times New Roman" panose="02020603050405020304" pitchFamily="18" charset="0"/>
+              </a:rPr>
+              <a:t>tiêu</a:t>
+            </a:r>
+            <a:endParaRPr lang="en-US" dirty="0">
+              <a:latin typeface="Times New Roman" panose="02020603050405020304" pitchFamily="18" charset="0"/>
+              <a:cs typeface="Times New Roman" panose="02020603050405020304" pitchFamily="18" charset="0"/>
+            </a:endParaRPr>
+          </a:p>
+        </p:txBody>
+      </p:sp>
+      <p:sp>
+        <p:nvSpPr>
+          <p:cNvPr id="3" name="Content Placeholder 2"/>
+          <p:cNvSpPr>
+            <a:spLocks noGrp="1"/>
+          </p:cNvSpPr>
+          <p:nvPr>
+            <p:ph idx="1"/>
+          </p:nvPr>
+        </p:nvSpPr>
+        <p:spPr/>
+        <p:txBody>
+          <a:bodyPr>
+            <a:normAutofit/>
+          </a:bodyPr>
+          <a:lstStyle/>
+          <a:p>
+            <a:pPr marL="0" indent="0" algn="just">
+              <a:buNone/>
+            </a:pPr>
+            <a:r>
+              <a:rPr lang="en-US" sz="2400" dirty="0" smtClean="0">
+                <a:latin typeface="Times New Roman" panose="02020603050405020304" pitchFamily="18" charset="0"/>
+                <a:cs typeface="Times New Roman" panose="02020603050405020304" pitchFamily="18" charset="0"/>
+              </a:rPr>
+              <a:t> 2. </a:t>
+            </a:r>
+            <a:r>
+              <a:rPr lang="en-US" sz="2400" dirty="0" err="1" smtClean="0">
+                <a:latin typeface="Times New Roman" panose="02020603050405020304" pitchFamily="18" charset="0"/>
+                <a:cs typeface="Times New Roman" panose="02020603050405020304" pitchFamily="18" charset="0"/>
+              </a:rPr>
+              <a:t>Mục</a:t>
+            </a:r>
+            <a:r>
+              <a:rPr lang="en-US" sz="2400" dirty="0" smtClean="0">
+                <a:latin typeface="Times New Roman" panose="02020603050405020304" pitchFamily="18" charset="0"/>
+                <a:cs typeface="Times New Roman" panose="02020603050405020304" pitchFamily="18" charset="0"/>
+              </a:rPr>
+              <a:t> </a:t>
+            </a:r>
+            <a:r>
+              <a:rPr lang="en-US" sz="2400" dirty="0" err="1" smtClean="0">
+                <a:latin typeface="Times New Roman" panose="02020603050405020304" pitchFamily="18" charset="0"/>
+                <a:cs typeface="Times New Roman" panose="02020603050405020304" pitchFamily="18" charset="0"/>
+              </a:rPr>
+              <a:t>tiêu</a:t>
+            </a:r>
+            <a:endParaRPr lang="en-US" sz="2400" dirty="0" smtClean="0">
+              <a:latin typeface="Times New Roman" panose="02020603050405020304" pitchFamily="18" charset="0"/>
+              <a:cs typeface="Times New Roman" panose="02020603050405020304" pitchFamily="18" charset="0"/>
+            </a:endParaRPr>
+          </a:p>
+          <a:p>
+            <a:pPr lvl="1" algn="just"/>
+            <a:r>
+              <a:rPr lang="en-US" sz="2200" dirty="0">
+                <a:latin typeface="Times New Roman" panose="02020603050405020304" pitchFamily="18" charset="0"/>
+                <a:cs typeface="Times New Roman" panose="02020603050405020304" pitchFamily="18" charset="0"/>
+              </a:rPr>
+              <a:t> </a:t>
+            </a:r>
+            <a:r>
+              <a:rPr lang="en-US" sz="2200" dirty="0" err="1" smtClean="0">
+                <a:latin typeface="Times New Roman" panose="02020603050405020304" pitchFamily="18" charset="0"/>
+                <a:cs typeface="Times New Roman" panose="02020603050405020304" pitchFamily="18" charset="0"/>
+              </a:rPr>
+              <a:t>Hiểu</a:t>
+            </a:r>
+            <a:r>
+              <a:rPr lang="en-US" sz="2200" dirty="0" smtClean="0">
+                <a:latin typeface="Times New Roman" panose="02020603050405020304" pitchFamily="18" charset="0"/>
+                <a:cs typeface="Times New Roman" panose="02020603050405020304" pitchFamily="18" charset="0"/>
+              </a:rPr>
+              <a:t> </a:t>
+            </a:r>
+            <a:r>
+              <a:rPr lang="en-US" sz="2200" dirty="0" err="1" smtClean="0">
+                <a:latin typeface="Times New Roman" panose="02020603050405020304" pitchFamily="18" charset="0"/>
+                <a:cs typeface="Times New Roman" panose="02020603050405020304" pitchFamily="18" charset="0"/>
+              </a:rPr>
+              <a:t>kiến</a:t>
+            </a:r>
+            <a:r>
+              <a:rPr lang="en-US" sz="2200" dirty="0">
+                <a:latin typeface="Times New Roman" panose="02020603050405020304" pitchFamily="18" charset="0"/>
+                <a:cs typeface="Times New Roman" panose="02020603050405020304" pitchFamily="18" charset="0"/>
+              </a:rPr>
+              <a:t> </a:t>
+            </a:r>
+            <a:r>
+              <a:rPr lang="en-US" sz="2200" dirty="0" err="1" smtClean="0">
+                <a:latin typeface="Times New Roman" panose="02020603050405020304" pitchFamily="18" charset="0"/>
+                <a:cs typeface="Times New Roman" panose="02020603050405020304" pitchFamily="18" charset="0"/>
+              </a:rPr>
+              <a:t>trúc</a:t>
+            </a:r>
+            <a:r>
+              <a:rPr lang="en-US" sz="2200" dirty="0" smtClean="0">
+                <a:latin typeface="Times New Roman" panose="02020603050405020304" pitchFamily="18" charset="0"/>
+                <a:cs typeface="Times New Roman" panose="02020603050405020304" pitchFamily="18" charset="0"/>
+              </a:rPr>
+              <a:t> </a:t>
+            </a:r>
+            <a:r>
+              <a:rPr lang="en-US" sz="2200" dirty="0" err="1" smtClean="0">
+                <a:latin typeface="Times New Roman" panose="02020603050405020304" pitchFamily="18" charset="0"/>
+                <a:cs typeface="Times New Roman" panose="02020603050405020304" pitchFamily="18" charset="0"/>
+              </a:rPr>
+              <a:t>của</a:t>
+            </a:r>
+            <a:r>
+              <a:rPr lang="en-US" sz="2200" dirty="0" smtClean="0">
+                <a:latin typeface="Times New Roman" panose="02020603050405020304" pitchFamily="18" charset="0"/>
+                <a:cs typeface="Times New Roman" panose="02020603050405020304" pitchFamily="18" charset="0"/>
+              </a:rPr>
+              <a:t> React: </a:t>
+            </a:r>
+            <a:r>
+              <a:rPr lang="en-US" sz="2200" dirty="0" err="1" smtClean="0">
+                <a:latin typeface="Times New Roman" panose="02020603050405020304" pitchFamily="18" charset="0"/>
+                <a:cs typeface="Times New Roman" panose="02020603050405020304" pitchFamily="18" charset="0"/>
+              </a:rPr>
+              <a:t>tạo</a:t>
+            </a:r>
+            <a:r>
+              <a:rPr lang="en-US" sz="2200" dirty="0" smtClean="0">
+                <a:latin typeface="Times New Roman" panose="02020603050405020304" pitchFamily="18" charset="0"/>
+                <a:cs typeface="Times New Roman" panose="02020603050405020304" pitchFamily="18" charset="0"/>
+              </a:rPr>
+              <a:t> </a:t>
+            </a:r>
+            <a:r>
+              <a:rPr lang="en-US" sz="2200" dirty="0" err="1" smtClean="0">
+                <a:latin typeface="Times New Roman" panose="02020603050405020304" pitchFamily="18" charset="0"/>
+                <a:cs typeface="Times New Roman" panose="02020603050405020304" pitchFamily="18" charset="0"/>
+              </a:rPr>
+              <a:t>và</a:t>
+            </a:r>
+            <a:r>
+              <a:rPr lang="en-US" sz="2200" dirty="0" smtClean="0">
+                <a:latin typeface="Times New Roman" panose="02020603050405020304" pitchFamily="18" charset="0"/>
+                <a:cs typeface="Times New Roman" panose="02020603050405020304" pitchFamily="18" charset="0"/>
+              </a:rPr>
+              <a:t> </a:t>
+            </a:r>
+            <a:r>
+              <a:rPr lang="en-US" sz="2200" dirty="0" err="1" smtClean="0">
+                <a:latin typeface="Times New Roman" panose="02020603050405020304" pitchFamily="18" charset="0"/>
+                <a:cs typeface="Times New Roman" panose="02020603050405020304" pitchFamily="18" charset="0"/>
+              </a:rPr>
+              <a:t>quản</a:t>
+            </a:r>
+            <a:r>
+              <a:rPr lang="en-US" sz="2200" dirty="0" smtClean="0">
+                <a:latin typeface="Times New Roman" panose="02020603050405020304" pitchFamily="18" charset="0"/>
+                <a:cs typeface="Times New Roman" panose="02020603050405020304" pitchFamily="18" charset="0"/>
+              </a:rPr>
+              <a:t> </a:t>
+            </a:r>
+            <a:r>
+              <a:rPr lang="en-US" sz="2200" dirty="0" err="1" smtClean="0">
+                <a:latin typeface="Times New Roman" panose="02020603050405020304" pitchFamily="18" charset="0"/>
+                <a:cs typeface="Times New Roman" panose="02020603050405020304" pitchFamily="18" charset="0"/>
+              </a:rPr>
+              <a:t>lý</a:t>
+            </a:r>
+            <a:r>
+              <a:rPr lang="en-US" sz="2200" dirty="0" smtClean="0">
+                <a:latin typeface="Times New Roman" panose="02020603050405020304" pitchFamily="18" charset="0"/>
+                <a:cs typeface="Times New Roman" panose="02020603050405020304" pitchFamily="18" charset="0"/>
+              </a:rPr>
+              <a:t> </a:t>
+            </a:r>
+            <a:r>
+              <a:rPr lang="en-US" sz="2200" dirty="0" err="1" smtClean="0">
+                <a:latin typeface="Times New Roman" panose="02020603050405020304" pitchFamily="18" charset="0"/>
+                <a:cs typeface="Times New Roman" panose="02020603050405020304" pitchFamily="18" charset="0"/>
+              </a:rPr>
+              <a:t>các</a:t>
+            </a:r>
+            <a:r>
+              <a:rPr lang="en-US" sz="2200" dirty="0" smtClean="0">
+                <a:latin typeface="Times New Roman" panose="02020603050405020304" pitchFamily="18" charset="0"/>
+                <a:cs typeface="Times New Roman" panose="02020603050405020304" pitchFamily="18" charset="0"/>
+              </a:rPr>
+              <a:t> component (Function component)</a:t>
+            </a:r>
+          </a:p>
+          <a:p>
+            <a:pPr lvl="1" algn="just"/>
+            <a:r>
+              <a:rPr lang="en-US" sz="2200" dirty="0">
+                <a:latin typeface="Times New Roman" panose="02020603050405020304" pitchFamily="18" charset="0"/>
+                <a:cs typeface="Times New Roman" panose="02020603050405020304" pitchFamily="18" charset="0"/>
+              </a:rPr>
+              <a:t> </a:t>
+            </a:r>
+            <a:r>
+              <a:rPr lang="en-US" sz="2200" dirty="0" err="1" smtClean="0">
+                <a:latin typeface="Times New Roman" panose="02020603050405020304" pitchFamily="18" charset="0"/>
+                <a:cs typeface="Times New Roman" panose="02020603050405020304" pitchFamily="18" charset="0"/>
+              </a:rPr>
+              <a:t>Quản</a:t>
+            </a:r>
+            <a:r>
+              <a:rPr lang="en-US" sz="2200" dirty="0" smtClean="0">
+                <a:latin typeface="Times New Roman" panose="02020603050405020304" pitchFamily="18" charset="0"/>
+                <a:cs typeface="Times New Roman" panose="02020603050405020304" pitchFamily="18" charset="0"/>
+              </a:rPr>
+              <a:t> </a:t>
+            </a:r>
+            <a:r>
+              <a:rPr lang="en-US" sz="2200" dirty="0" err="1" smtClean="0">
+                <a:latin typeface="Times New Roman" panose="02020603050405020304" pitchFamily="18" charset="0"/>
+                <a:cs typeface="Times New Roman" panose="02020603050405020304" pitchFamily="18" charset="0"/>
+              </a:rPr>
+              <a:t>lý</a:t>
+            </a:r>
+            <a:r>
+              <a:rPr lang="en-US" sz="2200" dirty="0" smtClean="0">
+                <a:latin typeface="Times New Roman" panose="02020603050405020304" pitchFamily="18" charset="0"/>
+                <a:cs typeface="Times New Roman" panose="02020603050405020304" pitchFamily="18" charset="0"/>
+              </a:rPr>
+              <a:t> </a:t>
+            </a:r>
+            <a:r>
+              <a:rPr lang="en-US" sz="2200" dirty="0" err="1" smtClean="0">
+                <a:latin typeface="Times New Roman" panose="02020603050405020304" pitchFamily="18" charset="0"/>
+                <a:cs typeface="Times New Roman" panose="02020603050405020304" pitchFamily="18" charset="0"/>
+              </a:rPr>
+              <a:t>trạng</a:t>
+            </a:r>
+            <a:r>
+              <a:rPr lang="en-US" sz="2200" dirty="0" smtClean="0">
+                <a:latin typeface="Times New Roman" panose="02020603050405020304" pitchFamily="18" charset="0"/>
+                <a:cs typeface="Times New Roman" panose="02020603050405020304" pitchFamily="18" charset="0"/>
+              </a:rPr>
+              <a:t> </a:t>
+            </a:r>
+            <a:r>
+              <a:rPr lang="en-US" sz="2200" dirty="0" err="1" smtClean="0">
+                <a:latin typeface="Times New Roman" panose="02020603050405020304" pitchFamily="18" charset="0"/>
+                <a:cs typeface="Times New Roman" panose="02020603050405020304" pitchFamily="18" charset="0"/>
+              </a:rPr>
+              <a:t>thái</a:t>
+            </a:r>
+            <a:r>
+              <a:rPr lang="en-US" sz="2200" dirty="0" smtClean="0">
+                <a:latin typeface="Times New Roman" panose="02020603050405020304" pitchFamily="18" charset="0"/>
+                <a:cs typeface="Times New Roman" panose="02020603050405020304" pitchFamily="18" charset="0"/>
+              </a:rPr>
+              <a:t> </a:t>
+            </a:r>
+            <a:r>
+              <a:rPr lang="en-US" sz="2200" dirty="0" err="1" smtClean="0">
+                <a:latin typeface="Times New Roman" panose="02020603050405020304" pitchFamily="18" charset="0"/>
+                <a:cs typeface="Times New Roman" panose="02020603050405020304" pitchFamily="18" charset="0"/>
+              </a:rPr>
+              <a:t>trong</a:t>
+            </a:r>
+            <a:r>
+              <a:rPr lang="en-US" sz="2200" dirty="0" smtClean="0">
+                <a:latin typeface="Times New Roman" panose="02020603050405020304" pitchFamily="18" charset="0"/>
+                <a:cs typeface="Times New Roman" panose="02020603050405020304" pitchFamily="18" charset="0"/>
+              </a:rPr>
+              <a:t> </a:t>
+            </a:r>
+            <a:r>
+              <a:rPr lang="en-US" sz="2200" dirty="0" err="1" smtClean="0">
+                <a:latin typeface="Times New Roman" panose="02020603050405020304" pitchFamily="18" charset="0"/>
+                <a:cs typeface="Times New Roman" panose="02020603050405020304" pitchFamily="18" charset="0"/>
+              </a:rPr>
+              <a:t>các</a:t>
+            </a:r>
+            <a:r>
+              <a:rPr lang="en-US" sz="2200" dirty="0" smtClean="0">
+                <a:latin typeface="Times New Roman" panose="02020603050405020304" pitchFamily="18" charset="0"/>
+                <a:cs typeface="Times New Roman" panose="02020603050405020304" pitchFamily="18" charset="0"/>
+              </a:rPr>
+              <a:t> component (React hooks), Event handling, Routing, </a:t>
+            </a:r>
+            <a:r>
+              <a:rPr lang="en-US" sz="2200" dirty="0" err="1" smtClean="0">
+                <a:latin typeface="Times New Roman" panose="02020603050405020304" pitchFamily="18" charset="0"/>
+                <a:cs typeface="Times New Roman" panose="02020603050405020304" pitchFamily="18" charset="0"/>
+              </a:rPr>
+              <a:t>tích</a:t>
+            </a:r>
+            <a:r>
+              <a:rPr lang="en-US" sz="2200" dirty="0" smtClean="0">
+                <a:latin typeface="Times New Roman" panose="02020603050405020304" pitchFamily="18" charset="0"/>
+                <a:cs typeface="Times New Roman" panose="02020603050405020304" pitchFamily="18" charset="0"/>
+              </a:rPr>
+              <a:t> </a:t>
+            </a:r>
+            <a:r>
+              <a:rPr lang="en-US" sz="2200" dirty="0" err="1" smtClean="0">
+                <a:latin typeface="Times New Roman" panose="02020603050405020304" pitchFamily="18" charset="0"/>
+                <a:cs typeface="Times New Roman" panose="02020603050405020304" pitchFamily="18" charset="0"/>
+              </a:rPr>
+              <a:t>hợp</a:t>
+            </a:r>
+            <a:r>
+              <a:rPr lang="en-US" sz="2200" dirty="0" smtClean="0">
+                <a:latin typeface="Times New Roman" panose="02020603050405020304" pitchFamily="18" charset="0"/>
+                <a:cs typeface="Times New Roman" panose="02020603050405020304" pitchFamily="18" charset="0"/>
+              </a:rPr>
+              <a:t> </a:t>
+            </a:r>
+            <a:r>
+              <a:rPr lang="en-US" sz="2200" dirty="0" err="1" smtClean="0">
+                <a:latin typeface="Times New Roman" panose="02020603050405020304" pitchFamily="18" charset="0"/>
+                <a:cs typeface="Times New Roman" panose="02020603050405020304" pitchFamily="18" charset="0"/>
+              </a:rPr>
+              <a:t>dịnh</a:t>
+            </a:r>
+            <a:r>
+              <a:rPr lang="en-US" sz="2200" dirty="0" smtClean="0">
+                <a:latin typeface="Times New Roman" panose="02020603050405020304" pitchFamily="18" charset="0"/>
+                <a:cs typeface="Times New Roman" panose="02020603050405020304" pitchFamily="18" charset="0"/>
+              </a:rPr>
+              <a:t> </a:t>
+            </a:r>
+            <a:r>
+              <a:rPr lang="en-US" sz="2200" dirty="0" err="1" smtClean="0">
+                <a:latin typeface="Times New Roman" panose="02020603050405020304" pitchFamily="18" charset="0"/>
+                <a:cs typeface="Times New Roman" panose="02020603050405020304" pitchFamily="18" charset="0"/>
+              </a:rPr>
+              <a:t>vụ</a:t>
+            </a:r>
+            <a:r>
+              <a:rPr lang="en-US" sz="2200" dirty="0" smtClean="0">
+                <a:latin typeface="Times New Roman" panose="02020603050405020304" pitchFamily="18" charset="0"/>
+                <a:cs typeface="Times New Roman" panose="02020603050405020304" pitchFamily="18" charset="0"/>
+              </a:rPr>
+              <a:t> API</a:t>
+            </a:r>
+          </a:p>
+          <a:p>
+            <a:pPr lvl="1" algn="just"/>
+            <a:r>
+              <a:rPr lang="en-US" sz="2200" dirty="0">
+                <a:latin typeface="Times New Roman" panose="02020603050405020304" pitchFamily="18" charset="0"/>
+                <a:cs typeface="Times New Roman" panose="02020603050405020304" pitchFamily="18" charset="0"/>
+              </a:rPr>
+              <a:t> </a:t>
+            </a:r>
+            <a:r>
+              <a:rPr lang="en-US" sz="2200" dirty="0" smtClean="0">
+                <a:latin typeface="Times New Roman" panose="02020603050405020304" pitchFamily="18" charset="0"/>
+                <a:cs typeface="Times New Roman" panose="02020603050405020304" pitchFamily="18" charset="0"/>
+              </a:rPr>
+              <a:t>Build </a:t>
+            </a:r>
+            <a:r>
+              <a:rPr lang="en-US" sz="2200" dirty="0" err="1" smtClean="0">
+                <a:latin typeface="Times New Roman" panose="02020603050405020304" pitchFamily="18" charset="0"/>
+                <a:cs typeface="Times New Roman" panose="02020603050405020304" pitchFamily="18" charset="0"/>
+              </a:rPr>
+              <a:t>và</a:t>
+            </a:r>
+            <a:r>
+              <a:rPr lang="en-US" sz="2200" dirty="0" smtClean="0">
+                <a:latin typeface="Times New Roman" panose="02020603050405020304" pitchFamily="18" charset="0"/>
+                <a:cs typeface="Times New Roman" panose="02020603050405020304" pitchFamily="18" charset="0"/>
+              </a:rPr>
+              <a:t> deploy </a:t>
+            </a:r>
+            <a:r>
+              <a:rPr lang="en-US" sz="2200" dirty="0" err="1" smtClean="0">
+                <a:latin typeface="Times New Roman" panose="02020603050405020304" pitchFamily="18" charset="0"/>
+                <a:cs typeface="Times New Roman" panose="02020603050405020304" pitchFamily="18" charset="0"/>
+              </a:rPr>
+              <a:t>một</a:t>
+            </a:r>
+            <a:r>
+              <a:rPr lang="en-US" sz="2200" dirty="0" smtClean="0">
+                <a:latin typeface="Times New Roman" panose="02020603050405020304" pitchFamily="18" charset="0"/>
+                <a:cs typeface="Times New Roman" panose="02020603050405020304" pitchFamily="18" charset="0"/>
+              </a:rPr>
+              <a:t> project</a:t>
+            </a:r>
+          </a:p>
+        </p:txBody>
+      </p:sp>
+    </p:spTree>
+    <p:extLst>
+      <p:ext uri="{BB962C8B-B14F-4D97-AF65-F5344CB8AC3E}">
+        <p14:creationId xmlns:p14="http://schemas.microsoft.com/office/powerpoint/2010/main" val="1163944525"/>
+      </p:ext>
+    </p:extLst>
+  </p:cSld>
+  <p:clrMapOvr>
+    <a:masterClrMapping/>
+  </p:clrMapOvr>
+  <p:timing>
+    <p:tnLst>
+      <p:par>
+        <p:cTn id="1" dur="indefinite" restart="never" nodeType="tmRoot"/>
+      </p:par>
+    </p:tnLst>
+  </p:timing>
+</p:sld>
+</file>
+
+<file path=ppt/slides/slide40.xml><?xml version="1.0" encoding="utf-8"?>
 <p:sld xmlns:a="http://schemas.openxmlformats.org/drawingml/2006/main" xmlns:r="http://schemas.openxmlformats.org/officeDocument/2006/relationships" xmlns:p="http://schemas.openxmlformats.org/presentationml/2006/main">
   <p:cSld>
     <p:spTree>
@@ -17404,7 +20448,7 @@
 </p:sld>
 </file>
 
-<file path=ppt/slides/slide35.xml><?xml version="1.0" encoding="utf-8"?>
+<file path=ppt/slides/slide41.xml><?xml version="1.0" encoding="utf-8"?>
 <p:sld xmlns:a="http://schemas.openxmlformats.org/drawingml/2006/main" xmlns:r="http://schemas.openxmlformats.org/officeDocument/2006/relationships" xmlns:p="http://schemas.openxmlformats.org/presentationml/2006/main">
   <p:cSld>
     <p:spTree>
@@ -17465,7 +20509,7 @@
 </p:sld>
 </file>
 
-<file path=ppt/slides/slide36.xml><?xml version="1.0" encoding="utf-8"?>
+<file path=ppt/slides/slide42.xml><?xml version="1.0" encoding="utf-8"?>
 <p:sld xmlns:a="http://schemas.openxmlformats.org/drawingml/2006/main" xmlns:r="http://schemas.openxmlformats.org/officeDocument/2006/relationships" xmlns:p="http://schemas.openxmlformats.org/presentationml/2006/main">
   <p:cSld>
     <p:spTree>
@@ -18523,7 +21567,7 @@
 </p:sld>
 </file>
 
-<file path=ppt/slides/slide37.xml><?xml version="1.0" encoding="utf-8"?>
+<file path=ppt/slides/slide43.xml><?xml version="1.0" encoding="utf-8"?>
 <p:sld xmlns:a="http://schemas.openxmlformats.org/drawingml/2006/main" xmlns:r="http://schemas.openxmlformats.org/officeDocument/2006/relationships" xmlns:p="http://schemas.openxmlformats.org/presentationml/2006/main">
   <p:cSld>
     <p:spTree>
@@ -19404,7 +22448,7 @@
 </p:sld>
 </file>
 
-<file path=ppt/slides/slide38.xml><?xml version="1.0" encoding="utf-8"?>
+<file path=ppt/slides/slide44.xml><?xml version="1.0" encoding="utf-8"?>
 <p:sld xmlns:a="http://schemas.openxmlformats.org/drawingml/2006/main" xmlns:r="http://schemas.openxmlformats.org/officeDocument/2006/relationships" xmlns:p="http://schemas.openxmlformats.org/presentationml/2006/main">
   <p:cSld>
     <p:spTree>
@@ -19907,7 +22951,7 @@
 </p:sld>
 </file>
 
-<file path=ppt/slides/slide39.xml><?xml version="1.0" encoding="utf-8"?>
+<file path=ppt/slides/slide45.xml><?xml version="1.0" encoding="utf-8"?>
 <p:sld xmlns:a="http://schemas.openxmlformats.org/drawingml/2006/main" xmlns:r="http://schemas.openxmlformats.org/officeDocument/2006/relationships" xmlns:p="http://schemas.openxmlformats.org/presentationml/2006/main">
   <p:cSld>
     <p:spTree>
@@ -20170,515 +23214,7 @@
 </p:sld>
 </file>
 
-<file path=ppt/slides/slide4.xml><?xml version="1.0" encoding="utf-8"?>
-<p:sld xmlns:a="http://schemas.openxmlformats.org/drawingml/2006/main" xmlns:r="http://schemas.openxmlformats.org/officeDocument/2006/relationships" xmlns:p="http://schemas.openxmlformats.org/presentationml/2006/main">
-  <p:cSld>
-    <p:spTree>
-      <p:nvGrpSpPr>
-        <p:cNvPr id="1" name=""/>
-        <p:cNvGrpSpPr/>
-        <p:nvPr/>
-      </p:nvGrpSpPr>
-      <p:grpSpPr>
-        <a:xfrm>
-          <a:off x="0" y="0"/>
-          <a:ext cx="0" cy="0"/>
-          <a:chOff x="0" y="0"/>
-          <a:chExt cx="0" cy="0"/>
-        </a:xfrm>
-      </p:grpSpPr>
-      <p:sp>
-        <p:nvSpPr>
-          <p:cNvPr id="2" name="Title 1"/>
-          <p:cNvSpPr>
-            <a:spLocks noGrp="1"/>
-          </p:cNvSpPr>
-          <p:nvPr>
-            <p:ph type="title"/>
-          </p:nvPr>
-        </p:nvSpPr>
-        <p:spPr/>
-        <p:txBody>
-          <a:bodyPr/>
-          <a:lstStyle/>
-          <a:p>
-            <a:r>
-              <a:rPr lang="en-US" dirty="0" err="1" smtClean="0">
-                <a:latin typeface="Times New Roman" panose="02020603050405020304" pitchFamily="18" charset="0"/>
-                <a:cs typeface="Times New Roman" panose="02020603050405020304" pitchFamily="18" charset="0"/>
-              </a:rPr>
-              <a:t>Yêu</a:t>
-            </a:r>
-            <a:r>
-              <a:rPr lang="en-US" dirty="0" smtClean="0">
-                <a:latin typeface="Times New Roman" panose="02020603050405020304" pitchFamily="18" charset="0"/>
-                <a:cs typeface="Times New Roman" panose="02020603050405020304" pitchFamily="18" charset="0"/>
-              </a:rPr>
-              <a:t> </a:t>
-            </a:r>
-            <a:r>
-              <a:rPr lang="en-US" dirty="0" err="1" smtClean="0">
-                <a:latin typeface="Times New Roman" panose="02020603050405020304" pitchFamily="18" charset="0"/>
-                <a:cs typeface="Times New Roman" panose="02020603050405020304" pitchFamily="18" charset="0"/>
-              </a:rPr>
-              <a:t>cầu</a:t>
-            </a:r>
-            <a:r>
-              <a:rPr lang="en-US" dirty="0" smtClean="0">
-                <a:latin typeface="Times New Roman" panose="02020603050405020304" pitchFamily="18" charset="0"/>
-                <a:cs typeface="Times New Roman" panose="02020603050405020304" pitchFamily="18" charset="0"/>
-              </a:rPr>
-              <a:t> </a:t>
-            </a:r>
-            <a:r>
-              <a:rPr lang="en-US" dirty="0" err="1" smtClean="0">
-                <a:latin typeface="Times New Roman" panose="02020603050405020304" pitchFamily="18" charset="0"/>
-                <a:cs typeface="Times New Roman" panose="02020603050405020304" pitchFamily="18" charset="0"/>
-              </a:rPr>
-              <a:t>và</a:t>
-            </a:r>
-            <a:r>
-              <a:rPr lang="en-US" dirty="0" smtClean="0">
-                <a:latin typeface="Times New Roman" panose="02020603050405020304" pitchFamily="18" charset="0"/>
-                <a:cs typeface="Times New Roman" panose="02020603050405020304" pitchFamily="18" charset="0"/>
-              </a:rPr>
-              <a:t> </a:t>
-            </a:r>
-            <a:r>
-              <a:rPr lang="en-US" dirty="0" err="1" smtClean="0">
-                <a:latin typeface="Times New Roman" panose="02020603050405020304" pitchFamily="18" charset="0"/>
-                <a:cs typeface="Times New Roman" panose="02020603050405020304" pitchFamily="18" charset="0"/>
-              </a:rPr>
-              <a:t>mục</a:t>
-            </a:r>
-            <a:r>
-              <a:rPr lang="en-US" dirty="0" smtClean="0">
-                <a:latin typeface="Times New Roman" panose="02020603050405020304" pitchFamily="18" charset="0"/>
-                <a:cs typeface="Times New Roman" panose="02020603050405020304" pitchFamily="18" charset="0"/>
-              </a:rPr>
-              <a:t> </a:t>
-            </a:r>
-            <a:r>
-              <a:rPr lang="en-US" dirty="0" err="1" smtClean="0">
-                <a:latin typeface="Times New Roman" panose="02020603050405020304" pitchFamily="18" charset="0"/>
-                <a:cs typeface="Times New Roman" panose="02020603050405020304" pitchFamily="18" charset="0"/>
-              </a:rPr>
-              <a:t>tiêu</a:t>
-            </a:r>
-            <a:endParaRPr lang="en-US" dirty="0">
-              <a:latin typeface="Times New Roman" panose="02020603050405020304" pitchFamily="18" charset="0"/>
-              <a:cs typeface="Times New Roman" panose="02020603050405020304" pitchFamily="18" charset="0"/>
-            </a:endParaRPr>
-          </a:p>
-        </p:txBody>
-      </p:sp>
-      <p:sp>
-        <p:nvSpPr>
-          <p:cNvPr id="3" name="Content Placeholder 2"/>
-          <p:cNvSpPr>
-            <a:spLocks noGrp="1"/>
-          </p:cNvSpPr>
-          <p:nvPr>
-            <p:ph idx="1"/>
-          </p:nvPr>
-        </p:nvSpPr>
-        <p:spPr/>
-        <p:txBody>
-          <a:bodyPr>
-            <a:normAutofit/>
-          </a:bodyPr>
-          <a:lstStyle/>
-          <a:p>
-            <a:pPr marL="0" indent="0" algn="just">
-              <a:buNone/>
-            </a:pPr>
-            <a:r>
-              <a:rPr lang="en-US" sz="2400" dirty="0" smtClean="0">
-                <a:latin typeface="Times New Roman" panose="02020603050405020304" pitchFamily="18" charset="0"/>
-                <a:cs typeface="Times New Roman" panose="02020603050405020304" pitchFamily="18" charset="0"/>
-              </a:rPr>
-              <a:t> 2. </a:t>
-            </a:r>
-            <a:r>
-              <a:rPr lang="en-US" sz="2400" dirty="0" err="1" smtClean="0">
-                <a:latin typeface="Times New Roman" panose="02020603050405020304" pitchFamily="18" charset="0"/>
-                <a:cs typeface="Times New Roman" panose="02020603050405020304" pitchFamily="18" charset="0"/>
-              </a:rPr>
-              <a:t>Mục</a:t>
-            </a:r>
-            <a:r>
-              <a:rPr lang="en-US" sz="2400" dirty="0" smtClean="0">
-                <a:latin typeface="Times New Roman" panose="02020603050405020304" pitchFamily="18" charset="0"/>
-                <a:cs typeface="Times New Roman" panose="02020603050405020304" pitchFamily="18" charset="0"/>
-              </a:rPr>
-              <a:t> </a:t>
-            </a:r>
-            <a:r>
-              <a:rPr lang="en-US" sz="2400" dirty="0" err="1" smtClean="0">
-                <a:latin typeface="Times New Roman" panose="02020603050405020304" pitchFamily="18" charset="0"/>
-                <a:cs typeface="Times New Roman" panose="02020603050405020304" pitchFamily="18" charset="0"/>
-              </a:rPr>
-              <a:t>tiêu</a:t>
-            </a:r>
-            <a:endParaRPr lang="en-US" sz="2400" dirty="0" smtClean="0">
-              <a:latin typeface="Times New Roman" panose="02020603050405020304" pitchFamily="18" charset="0"/>
-              <a:cs typeface="Times New Roman" panose="02020603050405020304" pitchFamily="18" charset="0"/>
-            </a:endParaRPr>
-          </a:p>
-          <a:p>
-            <a:pPr lvl="1" algn="just"/>
-            <a:r>
-              <a:rPr lang="en-US" sz="2200" dirty="0">
-                <a:latin typeface="Times New Roman" panose="02020603050405020304" pitchFamily="18" charset="0"/>
-                <a:cs typeface="Times New Roman" panose="02020603050405020304" pitchFamily="18" charset="0"/>
-              </a:rPr>
-              <a:t> </a:t>
-            </a:r>
-            <a:r>
-              <a:rPr lang="en-US" sz="2200" dirty="0" err="1" smtClean="0">
-                <a:latin typeface="Times New Roman" panose="02020603050405020304" pitchFamily="18" charset="0"/>
-                <a:cs typeface="Times New Roman" panose="02020603050405020304" pitchFamily="18" charset="0"/>
-              </a:rPr>
-              <a:t>Hiểu</a:t>
-            </a:r>
-            <a:r>
-              <a:rPr lang="en-US" sz="2200" dirty="0" smtClean="0">
-                <a:latin typeface="Times New Roman" panose="02020603050405020304" pitchFamily="18" charset="0"/>
-                <a:cs typeface="Times New Roman" panose="02020603050405020304" pitchFamily="18" charset="0"/>
-              </a:rPr>
-              <a:t> </a:t>
-            </a:r>
-            <a:r>
-              <a:rPr lang="en-US" sz="2200" dirty="0" err="1" smtClean="0">
-                <a:latin typeface="Times New Roman" panose="02020603050405020304" pitchFamily="18" charset="0"/>
-                <a:cs typeface="Times New Roman" panose="02020603050405020304" pitchFamily="18" charset="0"/>
-              </a:rPr>
-              <a:t>kiến</a:t>
-            </a:r>
-            <a:r>
-              <a:rPr lang="en-US" sz="2200" dirty="0">
-                <a:latin typeface="Times New Roman" panose="02020603050405020304" pitchFamily="18" charset="0"/>
-                <a:cs typeface="Times New Roman" panose="02020603050405020304" pitchFamily="18" charset="0"/>
-              </a:rPr>
-              <a:t> </a:t>
-            </a:r>
-            <a:r>
-              <a:rPr lang="en-US" sz="2200" dirty="0" err="1" smtClean="0">
-                <a:latin typeface="Times New Roman" panose="02020603050405020304" pitchFamily="18" charset="0"/>
-                <a:cs typeface="Times New Roman" panose="02020603050405020304" pitchFamily="18" charset="0"/>
-              </a:rPr>
-              <a:t>trúc</a:t>
-            </a:r>
-            <a:r>
-              <a:rPr lang="en-US" sz="2200" dirty="0" smtClean="0">
-                <a:latin typeface="Times New Roman" panose="02020603050405020304" pitchFamily="18" charset="0"/>
-                <a:cs typeface="Times New Roman" panose="02020603050405020304" pitchFamily="18" charset="0"/>
-              </a:rPr>
-              <a:t> </a:t>
-            </a:r>
-            <a:r>
-              <a:rPr lang="en-US" sz="2200" dirty="0" err="1" smtClean="0">
-                <a:latin typeface="Times New Roman" panose="02020603050405020304" pitchFamily="18" charset="0"/>
-                <a:cs typeface="Times New Roman" panose="02020603050405020304" pitchFamily="18" charset="0"/>
-              </a:rPr>
-              <a:t>của</a:t>
-            </a:r>
-            <a:r>
-              <a:rPr lang="en-US" sz="2200" dirty="0" smtClean="0">
-                <a:latin typeface="Times New Roman" panose="02020603050405020304" pitchFamily="18" charset="0"/>
-                <a:cs typeface="Times New Roman" panose="02020603050405020304" pitchFamily="18" charset="0"/>
-              </a:rPr>
-              <a:t> React: </a:t>
-            </a:r>
-            <a:r>
-              <a:rPr lang="en-US" sz="2200" dirty="0" err="1" smtClean="0">
-                <a:latin typeface="Times New Roman" panose="02020603050405020304" pitchFamily="18" charset="0"/>
-                <a:cs typeface="Times New Roman" panose="02020603050405020304" pitchFamily="18" charset="0"/>
-              </a:rPr>
-              <a:t>tạo</a:t>
-            </a:r>
-            <a:r>
-              <a:rPr lang="en-US" sz="2200" dirty="0" smtClean="0">
-                <a:latin typeface="Times New Roman" panose="02020603050405020304" pitchFamily="18" charset="0"/>
-                <a:cs typeface="Times New Roman" panose="02020603050405020304" pitchFamily="18" charset="0"/>
-              </a:rPr>
-              <a:t> </a:t>
-            </a:r>
-            <a:r>
-              <a:rPr lang="en-US" sz="2200" dirty="0" err="1" smtClean="0">
-                <a:latin typeface="Times New Roman" panose="02020603050405020304" pitchFamily="18" charset="0"/>
-                <a:cs typeface="Times New Roman" panose="02020603050405020304" pitchFamily="18" charset="0"/>
-              </a:rPr>
-              <a:t>và</a:t>
-            </a:r>
-            <a:r>
-              <a:rPr lang="en-US" sz="2200" dirty="0" smtClean="0">
-                <a:latin typeface="Times New Roman" panose="02020603050405020304" pitchFamily="18" charset="0"/>
-                <a:cs typeface="Times New Roman" panose="02020603050405020304" pitchFamily="18" charset="0"/>
-              </a:rPr>
-              <a:t> </a:t>
-            </a:r>
-            <a:r>
-              <a:rPr lang="en-US" sz="2200" dirty="0" err="1" smtClean="0">
-                <a:latin typeface="Times New Roman" panose="02020603050405020304" pitchFamily="18" charset="0"/>
-                <a:cs typeface="Times New Roman" panose="02020603050405020304" pitchFamily="18" charset="0"/>
-              </a:rPr>
-              <a:t>quản</a:t>
-            </a:r>
-            <a:r>
-              <a:rPr lang="en-US" sz="2200" dirty="0" smtClean="0">
-                <a:latin typeface="Times New Roman" panose="02020603050405020304" pitchFamily="18" charset="0"/>
-                <a:cs typeface="Times New Roman" panose="02020603050405020304" pitchFamily="18" charset="0"/>
-              </a:rPr>
-              <a:t> </a:t>
-            </a:r>
-            <a:r>
-              <a:rPr lang="en-US" sz="2200" dirty="0" err="1" smtClean="0">
-                <a:latin typeface="Times New Roman" panose="02020603050405020304" pitchFamily="18" charset="0"/>
-                <a:cs typeface="Times New Roman" panose="02020603050405020304" pitchFamily="18" charset="0"/>
-              </a:rPr>
-              <a:t>lý</a:t>
-            </a:r>
-            <a:r>
-              <a:rPr lang="en-US" sz="2200" dirty="0" smtClean="0">
-                <a:latin typeface="Times New Roman" panose="02020603050405020304" pitchFamily="18" charset="0"/>
-                <a:cs typeface="Times New Roman" panose="02020603050405020304" pitchFamily="18" charset="0"/>
-              </a:rPr>
-              <a:t> </a:t>
-            </a:r>
-            <a:r>
-              <a:rPr lang="en-US" sz="2200" dirty="0" err="1" smtClean="0">
-                <a:latin typeface="Times New Roman" panose="02020603050405020304" pitchFamily="18" charset="0"/>
-                <a:cs typeface="Times New Roman" panose="02020603050405020304" pitchFamily="18" charset="0"/>
-              </a:rPr>
-              <a:t>các</a:t>
-            </a:r>
-            <a:r>
-              <a:rPr lang="en-US" sz="2200" dirty="0" smtClean="0">
-                <a:latin typeface="Times New Roman" panose="02020603050405020304" pitchFamily="18" charset="0"/>
-                <a:cs typeface="Times New Roman" panose="02020603050405020304" pitchFamily="18" charset="0"/>
-              </a:rPr>
-              <a:t> component (Function component)</a:t>
-            </a:r>
-          </a:p>
-          <a:p>
-            <a:pPr lvl="1" algn="just"/>
-            <a:r>
-              <a:rPr lang="en-US" sz="2200" dirty="0">
-                <a:latin typeface="Times New Roman" panose="02020603050405020304" pitchFamily="18" charset="0"/>
-                <a:cs typeface="Times New Roman" panose="02020603050405020304" pitchFamily="18" charset="0"/>
-              </a:rPr>
-              <a:t> </a:t>
-            </a:r>
-            <a:r>
-              <a:rPr lang="en-US" sz="2200" dirty="0" err="1" smtClean="0">
-                <a:latin typeface="Times New Roman" panose="02020603050405020304" pitchFamily="18" charset="0"/>
-                <a:cs typeface="Times New Roman" panose="02020603050405020304" pitchFamily="18" charset="0"/>
-              </a:rPr>
-              <a:t>Quản</a:t>
-            </a:r>
-            <a:r>
-              <a:rPr lang="en-US" sz="2200" dirty="0" smtClean="0">
-                <a:latin typeface="Times New Roman" panose="02020603050405020304" pitchFamily="18" charset="0"/>
-                <a:cs typeface="Times New Roman" panose="02020603050405020304" pitchFamily="18" charset="0"/>
-              </a:rPr>
-              <a:t> </a:t>
-            </a:r>
-            <a:r>
-              <a:rPr lang="en-US" sz="2200" dirty="0" err="1" smtClean="0">
-                <a:latin typeface="Times New Roman" panose="02020603050405020304" pitchFamily="18" charset="0"/>
-                <a:cs typeface="Times New Roman" panose="02020603050405020304" pitchFamily="18" charset="0"/>
-              </a:rPr>
-              <a:t>lý</a:t>
-            </a:r>
-            <a:r>
-              <a:rPr lang="en-US" sz="2200" dirty="0" smtClean="0">
-                <a:latin typeface="Times New Roman" panose="02020603050405020304" pitchFamily="18" charset="0"/>
-                <a:cs typeface="Times New Roman" panose="02020603050405020304" pitchFamily="18" charset="0"/>
-              </a:rPr>
-              <a:t> </a:t>
-            </a:r>
-            <a:r>
-              <a:rPr lang="en-US" sz="2200" dirty="0" err="1" smtClean="0">
-                <a:latin typeface="Times New Roman" panose="02020603050405020304" pitchFamily="18" charset="0"/>
-                <a:cs typeface="Times New Roman" panose="02020603050405020304" pitchFamily="18" charset="0"/>
-              </a:rPr>
-              <a:t>trạng</a:t>
-            </a:r>
-            <a:r>
-              <a:rPr lang="en-US" sz="2200" dirty="0" smtClean="0">
-                <a:latin typeface="Times New Roman" panose="02020603050405020304" pitchFamily="18" charset="0"/>
-                <a:cs typeface="Times New Roman" panose="02020603050405020304" pitchFamily="18" charset="0"/>
-              </a:rPr>
-              <a:t> </a:t>
-            </a:r>
-            <a:r>
-              <a:rPr lang="en-US" sz="2200" dirty="0" err="1" smtClean="0">
-                <a:latin typeface="Times New Roman" panose="02020603050405020304" pitchFamily="18" charset="0"/>
-                <a:cs typeface="Times New Roman" panose="02020603050405020304" pitchFamily="18" charset="0"/>
-              </a:rPr>
-              <a:t>thái</a:t>
-            </a:r>
-            <a:r>
-              <a:rPr lang="en-US" sz="2200" dirty="0" smtClean="0">
-                <a:latin typeface="Times New Roman" panose="02020603050405020304" pitchFamily="18" charset="0"/>
-                <a:cs typeface="Times New Roman" panose="02020603050405020304" pitchFamily="18" charset="0"/>
-              </a:rPr>
-              <a:t> </a:t>
-            </a:r>
-            <a:r>
-              <a:rPr lang="en-US" sz="2200" dirty="0" err="1" smtClean="0">
-                <a:latin typeface="Times New Roman" panose="02020603050405020304" pitchFamily="18" charset="0"/>
-                <a:cs typeface="Times New Roman" panose="02020603050405020304" pitchFamily="18" charset="0"/>
-              </a:rPr>
-              <a:t>trong</a:t>
-            </a:r>
-            <a:r>
-              <a:rPr lang="en-US" sz="2200" dirty="0" smtClean="0">
-                <a:latin typeface="Times New Roman" panose="02020603050405020304" pitchFamily="18" charset="0"/>
-                <a:cs typeface="Times New Roman" panose="02020603050405020304" pitchFamily="18" charset="0"/>
-              </a:rPr>
-              <a:t> </a:t>
-            </a:r>
-            <a:r>
-              <a:rPr lang="en-US" sz="2200" dirty="0" err="1" smtClean="0">
-                <a:latin typeface="Times New Roman" panose="02020603050405020304" pitchFamily="18" charset="0"/>
-                <a:cs typeface="Times New Roman" panose="02020603050405020304" pitchFamily="18" charset="0"/>
-              </a:rPr>
-              <a:t>các</a:t>
-            </a:r>
-            <a:r>
-              <a:rPr lang="en-US" sz="2200" dirty="0" smtClean="0">
-                <a:latin typeface="Times New Roman" panose="02020603050405020304" pitchFamily="18" charset="0"/>
-                <a:cs typeface="Times New Roman" panose="02020603050405020304" pitchFamily="18" charset="0"/>
-              </a:rPr>
-              <a:t> component (React hooks), Event handling, Routing, </a:t>
-            </a:r>
-            <a:r>
-              <a:rPr lang="en-US" sz="2200" dirty="0" err="1" smtClean="0">
-                <a:latin typeface="Times New Roman" panose="02020603050405020304" pitchFamily="18" charset="0"/>
-                <a:cs typeface="Times New Roman" panose="02020603050405020304" pitchFamily="18" charset="0"/>
-              </a:rPr>
-              <a:t>tích</a:t>
-            </a:r>
-            <a:r>
-              <a:rPr lang="en-US" sz="2200" dirty="0" smtClean="0">
-                <a:latin typeface="Times New Roman" panose="02020603050405020304" pitchFamily="18" charset="0"/>
-                <a:cs typeface="Times New Roman" panose="02020603050405020304" pitchFamily="18" charset="0"/>
-              </a:rPr>
-              <a:t> </a:t>
-            </a:r>
-            <a:r>
-              <a:rPr lang="en-US" sz="2200" dirty="0" err="1" smtClean="0">
-                <a:latin typeface="Times New Roman" panose="02020603050405020304" pitchFamily="18" charset="0"/>
-                <a:cs typeface="Times New Roman" panose="02020603050405020304" pitchFamily="18" charset="0"/>
-              </a:rPr>
-              <a:t>hợp</a:t>
-            </a:r>
-            <a:r>
-              <a:rPr lang="en-US" sz="2200" dirty="0" smtClean="0">
-                <a:latin typeface="Times New Roman" panose="02020603050405020304" pitchFamily="18" charset="0"/>
-                <a:cs typeface="Times New Roman" panose="02020603050405020304" pitchFamily="18" charset="0"/>
-              </a:rPr>
-              <a:t> </a:t>
-            </a:r>
-            <a:r>
-              <a:rPr lang="en-US" sz="2200" dirty="0" err="1" smtClean="0">
-                <a:latin typeface="Times New Roman" panose="02020603050405020304" pitchFamily="18" charset="0"/>
-                <a:cs typeface="Times New Roman" panose="02020603050405020304" pitchFamily="18" charset="0"/>
-              </a:rPr>
-              <a:t>dịnh</a:t>
-            </a:r>
-            <a:r>
-              <a:rPr lang="en-US" sz="2200" dirty="0" smtClean="0">
-                <a:latin typeface="Times New Roman" panose="02020603050405020304" pitchFamily="18" charset="0"/>
-                <a:cs typeface="Times New Roman" panose="02020603050405020304" pitchFamily="18" charset="0"/>
-              </a:rPr>
-              <a:t> </a:t>
-            </a:r>
-            <a:r>
-              <a:rPr lang="en-US" sz="2200" dirty="0" err="1" smtClean="0">
-                <a:latin typeface="Times New Roman" panose="02020603050405020304" pitchFamily="18" charset="0"/>
-                <a:cs typeface="Times New Roman" panose="02020603050405020304" pitchFamily="18" charset="0"/>
-              </a:rPr>
-              <a:t>vụ</a:t>
-            </a:r>
-            <a:r>
-              <a:rPr lang="en-US" sz="2200" dirty="0" smtClean="0">
-                <a:latin typeface="Times New Roman" panose="02020603050405020304" pitchFamily="18" charset="0"/>
-                <a:cs typeface="Times New Roman" panose="02020603050405020304" pitchFamily="18" charset="0"/>
-              </a:rPr>
-              <a:t> API</a:t>
-            </a:r>
-          </a:p>
-          <a:p>
-            <a:pPr lvl="1" algn="just"/>
-            <a:r>
-              <a:rPr lang="en-US" sz="2200" dirty="0">
-                <a:latin typeface="Times New Roman" panose="02020603050405020304" pitchFamily="18" charset="0"/>
-                <a:cs typeface="Times New Roman" panose="02020603050405020304" pitchFamily="18" charset="0"/>
-              </a:rPr>
-              <a:t> </a:t>
-            </a:r>
-            <a:r>
-              <a:rPr lang="en-US" sz="2200" dirty="0" smtClean="0">
-                <a:latin typeface="Times New Roman" panose="02020603050405020304" pitchFamily="18" charset="0"/>
-                <a:cs typeface="Times New Roman" panose="02020603050405020304" pitchFamily="18" charset="0"/>
-              </a:rPr>
-              <a:t>Build </a:t>
-            </a:r>
-            <a:r>
-              <a:rPr lang="en-US" sz="2200" dirty="0" err="1" smtClean="0">
-                <a:latin typeface="Times New Roman" panose="02020603050405020304" pitchFamily="18" charset="0"/>
-                <a:cs typeface="Times New Roman" panose="02020603050405020304" pitchFamily="18" charset="0"/>
-              </a:rPr>
-              <a:t>và</a:t>
-            </a:r>
-            <a:r>
-              <a:rPr lang="en-US" sz="2200" dirty="0" smtClean="0">
-                <a:latin typeface="Times New Roman" panose="02020603050405020304" pitchFamily="18" charset="0"/>
-                <a:cs typeface="Times New Roman" panose="02020603050405020304" pitchFamily="18" charset="0"/>
-              </a:rPr>
-              <a:t> deploy </a:t>
-            </a:r>
-            <a:r>
-              <a:rPr lang="en-US" sz="2200" dirty="0" err="1" smtClean="0">
-                <a:latin typeface="Times New Roman" panose="02020603050405020304" pitchFamily="18" charset="0"/>
-                <a:cs typeface="Times New Roman" panose="02020603050405020304" pitchFamily="18" charset="0"/>
-              </a:rPr>
-              <a:t>một</a:t>
-            </a:r>
-            <a:r>
-              <a:rPr lang="en-US" sz="2200" dirty="0" smtClean="0">
-                <a:latin typeface="Times New Roman" panose="02020603050405020304" pitchFamily="18" charset="0"/>
-                <a:cs typeface="Times New Roman" panose="02020603050405020304" pitchFamily="18" charset="0"/>
-              </a:rPr>
-              <a:t> project</a:t>
-            </a:r>
-          </a:p>
-        </p:txBody>
-      </p:sp>
-    </p:spTree>
-    <p:extLst>
-      <p:ext uri="{BB962C8B-B14F-4D97-AF65-F5344CB8AC3E}">
-        <p14:creationId xmlns:p14="http://schemas.microsoft.com/office/powerpoint/2010/main" val="1163944525"/>
-      </p:ext>
-    </p:extLst>
-  </p:cSld>
-  <p:clrMapOvr>
-    <a:masterClrMapping/>
-  </p:clrMapOvr>
-  <p:timing>
-    <p:tnLst>
-      <p:par>
-        <p:cTn id="1" dur="indefinite" restart="never" nodeType="tmRoot"/>
-      </p:par>
-    </p:tnLst>
-  </p:timing>
-</p:sld>
-</file>
-
-<file path=ppt/slides/slide40.xml><?xml version="1.0" encoding="utf-8"?>
+<file path=ppt/slides/slide46.xml><?xml version="1.0" encoding="utf-8"?>
 <p:sld xmlns:a="http://schemas.openxmlformats.org/drawingml/2006/main" xmlns:r="http://schemas.openxmlformats.org/officeDocument/2006/relationships" xmlns:p="http://schemas.openxmlformats.org/presentationml/2006/main">
   <p:cSld>
     <p:spTree>
@@ -20845,7 +23381,7 @@
 </p:sld>
 </file>
 
-<file path=ppt/slides/slide41.xml><?xml version="1.0" encoding="utf-8"?>
+<file path=ppt/slides/slide47.xml><?xml version="1.0" encoding="utf-8"?>
 <p:sld xmlns:a="http://schemas.openxmlformats.org/drawingml/2006/main" xmlns:r="http://schemas.openxmlformats.org/officeDocument/2006/relationships" xmlns:p="http://schemas.openxmlformats.org/presentationml/2006/main">
   <p:cSld>
     <p:spTree>
@@ -21135,7 +23671,7 @@
 </p:sld>
 </file>
 
-<file path=ppt/slides/slide42.xml><?xml version="1.0" encoding="utf-8"?>
+<file path=ppt/slides/slide48.xml><?xml version="1.0" encoding="utf-8"?>
 <p:sld xmlns:a="http://schemas.openxmlformats.org/drawingml/2006/main" xmlns:r="http://schemas.openxmlformats.org/officeDocument/2006/relationships" xmlns:p="http://schemas.openxmlformats.org/presentationml/2006/main">
   <p:cSld>
     <p:spTree>
@@ -21530,7 +24066,7 @@
 </p:sld>
 </file>
 
-<file path=ppt/slides/slide43.xml><?xml version="1.0" encoding="utf-8"?>
+<file path=ppt/slides/slide49.xml><?xml version="1.0" encoding="utf-8"?>
 <p:sld xmlns:a="http://schemas.openxmlformats.org/drawingml/2006/main" xmlns:r="http://schemas.openxmlformats.org/officeDocument/2006/relationships" xmlns:p="http://schemas.openxmlformats.org/presentationml/2006/main">
   <p:cSld>
     <p:spTree>
@@ -21902,217 +24438,6 @@
     <p:extLst>
       <p:ext uri="{BB962C8B-B14F-4D97-AF65-F5344CB8AC3E}">
         <p14:creationId xmlns:p14="http://schemas.microsoft.com/office/powerpoint/2010/main" val="483497953"/>
-      </p:ext>
-    </p:extLst>
-  </p:cSld>
-  <p:clrMapOvr>
-    <a:masterClrMapping/>
-  </p:clrMapOvr>
-  <p:timing>
-    <p:tnLst>
-      <p:par>
-        <p:cTn id="1" dur="indefinite" restart="never" nodeType="tmRoot"/>
-      </p:par>
-    </p:tnLst>
-  </p:timing>
-</p:sld>
-</file>
-
-<file path=ppt/slides/slide44.xml><?xml version="1.0" encoding="utf-8"?>
-<p:sld xmlns:a="http://schemas.openxmlformats.org/drawingml/2006/main" xmlns:r="http://schemas.openxmlformats.org/officeDocument/2006/relationships" xmlns:p="http://schemas.openxmlformats.org/presentationml/2006/main">
-  <p:cSld>
-    <p:spTree>
-      <p:nvGrpSpPr>
-        <p:cNvPr id="1" name=""/>
-        <p:cNvGrpSpPr/>
-        <p:nvPr/>
-      </p:nvGrpSpPr>
-      <p:grpSpPr>
-        <a:xfrm>
-          <a:off x="0" y="0"/>
-          <a:ext cx="0" cy="0"/>
-          <a:chOff x="0" y="0"/>
-          <a:chExt cx="0" cy="0"/>
-        </a:xfrm>
-      </p:grpSpPr>
-      <p:sp>
-        <p:nvSpPr>
-          <p:cNvPr id="2" name="Title 1"/>
-          <p:cNvSpPr>
-            <a:spLocks noGrp="1"/>
-          </p:cNvSpPr>
-          <p:nvPr>
-            <p:ph type="title"/>
-          </p:nvPr>
-        </p:nvSpPr>
-        <p:spPr/>
-        <p:txBody>
-          <a:bodyPr/>
-          <a:lstStyle/>
-          <a:p>
-            <a:r>
-              <a:rPr lang="en-US" dirty="0" err="1" smtClean="0">
-                <a:latin typeface="Times New Roman" panose="02020603050405020304" pitchFamily="18" charset="0"/>
-                <a:cs typeface="Times New Roman" panose="02020603050405020304" pitchFamily="18" charset="0"/>
-              </a:rPr>
-              <a:t>Thực</a:t>
-            </a:r>
-            <a:r>
-              <a:rPr lang="en-US" dirty="0" smtClean="0">
-                <a:latin typeface="Times New Roman" panose="02020603050405020304" pitchFamily="18" charset="0"/>
-                <a:cs typeface="Times New Roman" panose="02020603050405020304" pitchFamily="18" charset="0"/>
-              </a:rPr>
-              <a:t> </a:t>
-            </a:r>
-            <a:r>
-              <a:rPr lang="en-US" dirty="0" err="1" smtClean="0">
-                <a:latin typeface="Times New Roman" panose="02020603050405020304" pitchFamily="18" charset="0"/>
-                <a:cs typeface="Times New Roman" panose="02020603050405020304" pitchFamily="18" charset="0"/>
-              </a:rPr>
-              <a:t>hành</a:t>
-            </a:r>
-            <a:endParaRPr lang="en-US" dirty="0">
-              <a:latin typeface="Times New Roman" panose="02020603050405020304" pitchFamily="18" charset="0"/>
-              <a:cs typeface="Times New Roman" panose="02020603050405020304" pitchFamily="18" charset="0"/>
-            </a:endParaRPr>
-          </a:p>
-        </p:txBody>
-      </p:sp>
-      <p:sp>
-        <p:nvSpPr>
-          <p:cNvPr id="3" name="Content Placeholder 2"/>
-          <p:cNvSpPr>
-            <a:spLocks noGrp="1"/>
-          </p:cNvSpPr>
-          <p:nvPr>
-            <p:ph idx="1"/>
-          </p:nvPr>
-        </p:nvSpPr>
-        <p:spPr/>
-        <p:txBody>
-          <a:bodyPr/>
-          <a:lstStyle/>
-          <a:p>
-            <a:r>
-              <a:rPr lang="en-US" dirty="0" smtClean="0">
-                <a:latin typeface="Times New Roman" panose="02020603050405020304" pitchFamily="18" charset="0"/>
-                <a:cs typeface="Times New Roman" panose="02020603050405020304" pitchFamily="18" charset="0"/>
-              </a:rPr>
-              <a:t>- </a:t>
-            </a:r>
-            <a:r>
-              <a:rPr lang="en-US" dirty="0" err="1">
-                <a:latin typeface="Times New Roman" panose="02020603050405020304" pitchFamily="18" charset="0"/>
-                <a:cs typeface="Times New Roman" panose="02020603050405020304" pitchFamily="18" charset="0"/>
-              </a:rPr>
-              <a:t>T</a:t>
-            </a:r>
-            <a:r>
-              <a:rPr lang="en-US" dirty="0" err="1" smtClean="0">
-                <a:latin typeface="Times New Roman" panose="02020603050405020304" pitchFamily="18" charset="0"/>
-                <a:cs typeface="Times New Roman" panose="02020603050405020304" pitchFamily="18" charset="0"/>
-              </a:rPr>
-              <a:t>ạo</a:t>
-            </a:r>
-            <a:r>
-              <a:rPr lang="en-US" dirty="0" smtClean="0">
-                <a:latin typeface="Times New Roman" panose="02020603050405020304" pitchFamily="18" charset="0"/>
-                <a:cs typeface="Times New Roman" panose="02020603050405020304" pitchFamily="18" charset="0"/>
-              </a:rPr>
-              <a:t> form crud</a:t>
-            </a:r>
-            <a:endParaRPr lang="en-US" dirty="0">
-              <a:latin typeface="Times New Roman" panose="02020603050405020304" pitchFamily="18" charset="0"/>
-              <a:cs typeface="Times New Roman" panose="02020603050405020304" pitchFamily="18" charset="0"/>
-            </a:endParaRPr>
-          </a:p>
-        </p:txBody>
-      </p:sp>
-    </p:spTree>
-    <p:extLst>
-      <p:ext uri="{BB962C8B-B14F-4D97-AF65-F5344CB8AC3E}">
-        <p14:creationId xmlns:p14="http://schemas.microsoft.com/office/powerpoint/2010/main" val="296805246"/>
-      </p:ext>
-    </p:extLst>
-  </p:cSld>
-  <p:clrMapOvr>
-    <a:masterClrMapping/>
-  </p:clrMapOvr>
-  <p:timing>
-    <p:tnLst>
-      <p:par>
-        <p:cTn id="1" dur="indefinite" restart="never" nodeType="tmRoot"/>
-      </p:par>
-    </p:tnLst>
-  </p:timing>
-</p:sld>
-</file>
-
-<file path=ppt/slides/slide45.xml><?xml version="1.0" encoding="utf-8"?>
-<p:sld xmlns:a="http://schemas.openxmlformats.org/drawingml/2006/main" xmlns:r="http://schemas.openxmlformats.org/officeDocument/2006/relationships" xmlns:p="http://schemas.openxmlformats.org/presentationml/2006/main">
-  <p:cSld>
-    <p:spTree>
-      <p:nvGrpSpPr>
-        <p:cNvPr id="1" name=""/>
-        <p:cNvGrpSpPr/>
-        <p:nvPr/>
-      </p:nvGrpSpPr>
-      <p:grpSpPr>
-        <a:xfrm>
-          <a:off x="0" y="0"/>
-          <a:ext cx="0" cy="0"/>
-          <a:chOff x="0" y="0"/>
-          <a:chExt cx="0" cy="0"/>
-        </a:xfrm>
-      </p:grpSpPr>
-      <p:sp>
-        <p:nvSpPr>
-          <p:cNvPr id="2" name="Title 1"/>
-          <p:cNvSpPr>
-            <a:spLocks noGrp="1"/>
-          </p:cNvSpPr>
-          <p:nvPr>
-            <p:ph type="title"/>
-          </p:nvPr>
-        </p:nvSpPr>
-        <p:spPr/>
-        <p:txBody>
-          <a:bodyPr/>
-          <a:lstStyle/>
-          <a:p>
-            <a:endParaRPr lang="en-US" dirty="0">
-              <a:latin typeface="Times New Roman" panose="02020603050405020304" pitchFamily="18" charset="0"/>
-              <a:cs typeface="Times New Roman" panose="02020603050405020304" pitchFamily="18" charset="0"/>
-            </a:endParaRPr>
-          </a:p>
-        </p:txBody>
-      </p:sp>
-      <p:sp>
-        <p:nvSpPr>
-          <p:cNvPr id="3" name="Content Placeholder 2"/>
-          <p:cNvSpPr>
-            <a:spLocks noGrp="1"/>
-          </p:cNvSpPr>
-          <p:nvPr>
-            <p:ph idx="1"/>
-          </p:nvPr>
-        </p:nvSpPr>
-        <p:spPr/>
-        <p:txBody>
-          <a:bodyPr/>
-          <a:lstStyle/>
-          <a:p>
-            <a:endParaRPr lang="en-US" dirty="0">
-              <a:latin typeface="Times New Roman" panose="02020603050405020304" pitchFamily="18" charset="0"/>
-              <a:cs typeface="Times New Roman" panose="02020603050405020304" pitchFamily="18" charset="0"/>
-            </a:endParaRPr>
-          </a:p>
-        </p:txBody>
-      </p:sp>
-    </p:spTree>
-    <p:extLst>
-      <p:ext uri="{BB962C8B-B14F-4D97-AF65-F5344CB8AC3E}">
-        <p14:creationId xmlns:p14="http://schemas.microsoft.com/office/powerpoint/2010/main" val="3545649084"/>
       </p:ext>
     </p:extLst>
   </p:cSld>
@@ -23542,6 +25867,217 @@
     <p:extLst>
       <p:ext uri="{BB962C8B-B14F-4D97-AF65-F5344CB8AC3E}">
         <p14:creationId xmlns:p14="http://schemas.microsoft.com/office/powerpoint/2010/main" val="4083166528"/>
+      </p:ext>
+    </p:extLst>
+  </p:cSld>
+  <p:clrMapOvr>
+    <a:masterClrMapping/>
+  </p:clrMapOvr>
+  <p:timing>
+    <p:tnLst>
+      <p:par>
+        <p:cTn id="1" dur="indefinite" restart="never" nodeType="tmRoot"/>
+      </p:par>
+    </p:tnLst>
+  </p:timing>
+</p:sld>
+</file>
+
+<file path=ppt/slides/slide50.xml><?xml version="1.0" encoding="utf-8"?>
+<p:sld xmlns:a="http://schemas.openxmlformats.org/drawingml/2006/main" xmlns:r="http://schemas.openxmlformats.org/officeDocument/2006/relationships" xmlns:p="http://schemas.openxmlformats.org/presentationml/2006/main">
+  <p:cSld>
+    <p:spTree>
+      <p:nvGrpSpPr>
+        <p:cNvPr id="1" name=""/>
+        <p:cNvGrpSpPr/>
+        <p:nvPr/>
+      </p:nvGrpSpPr>
+      <p:grpSpPr>
+        <a:xfrm>
+          <a:off x="0" y="0"/>
+          <a:ext cx="0" cy="0"/>
+          <a:chOff x="0" y="0"/>
+          <a:chExt cx="0" cy="0"/>
+        </a:xfrm>
+      </p:grpSpPr>
+      <p:sp>
+        <p:nvSpPr>
+          <p:cNvPr id="2" name="Title 1"/>
+          <p:cNvSpPr>
+            <a:spLocks noGrp="1"/>
+          </p:cNvSpPr>
+          <p:nvPr>
+            <p:ph type="title"/>
+          </p:nvPr>
+        </p:nvSpPr>
+        <p:spPr/>
+        <p:txBody>
+          <a:bodyPr/>
+          <a:lstStyle/>
+          <a:p>
+            <a:r>
+              <a:rPr lang="en-US" dirty="0" err="1" smtClean="0">
+                <a:latin typeface="Times New Roman" panose="02020603050405020304" pitchFamily="18" charset="0"/>
+                <a:cs typeface="Times New Roman" panose="02020603050405020304" pitchFamily="18" charset="0"/>
+              </a:rPr>
+              <a:t>Thực</a:t>
+            </a:r>
+            <a:r>
+              <a:rPr lang="en-US" dirty="0" smtClean="0">
+                <a:latin typeface="Times New Roman" panose="02020603050405020304" pitchFamily="18" charset="0"/>
+                <a:cs typeface="Times New Roman" panose="02020603050405020304" pitchFamily="18" charset="0"/>
+              </a:rPr>
+              <a:t> </a:t>
+            </a:r>
+            <a:r>
+              <a:rPr lang="en-US" dirty="0" err="1" smtClean="0">
+                <a:latin typeface="Times New Roman" panose="02020603050405020304" pitchFamily="18" charset="0"/>
+                <a:cs typeface="Times New Roman" panose="02020603050405020304" pitchFamily="18" charset="0"/>
+              </a:rPr>
+              <a:t>hành</a:t>
+            </a:r>
+            <a:endParaRPr lang="en-US" dirty="0">
+              <a:latin typeface="Times New Roman" panose="02020603050405020304" pitchFamily="18" charset="0"/>
+              <a:cs typeface="Times New Roman" panose="02020603050405020304" pitchFamily="18" charset="0"/>
+            </a:endParaRPr>
+          </a:p>
+        </p:txBody>
+      </p:sp>
+      <p:sp>
+        <p:nvSpPr>
+          <p:cNvPr id="3" name="Content Placeholder 2"/>
+          <p:cNvSpPr>
+            <a:spLocks noGrp="1"/>
+          </p:cNvSpPr>
+          <p:nvPr>
+            <p:ph idx="1"/>
+          </p:nvPr>
+        </p:nvSpPr>
+        <p:spPr/>
+        <p:txBody>
+          <a:bodyPr/>
+          <a:lstStyle/>
+          <a:p>
+            <a:r>
+              <a:rPr lang="en-US" dirty="0" smtClean="0">
+                <a:latin typeface="Times New Roman" panose="02020603050405020304" pitchFamily="18" charset="0"/>
+                <a:cs typeface="Times New Roman" panose="02020603050405020304" pitchFamily="18" charset="0"/>
+              </a:rPr>
+              <a:t>- </a:t>
+            </a:r>
+            <a:r>
+              <a:rPr lang="en-US" dirty="0" err="1">
+                <a:latin typeface="Times New Roman" panose="02020603050405020304" pitchFamily="18" charset="0"/>
+                <a:cs typeface="Times New Roman" panose="02020603050405020304" pitchFamily="18" charset="0"/>
+              </a:rPr>
+              <a:t>T</a:t>
+            </a:r>
+            <a:r>
+              <a:rPr lang="en-US" dirty="0" err="1" smtClean="0">
+                <a:latin typeface="Times New Roman" panose="02020603050405020304" pitchFamily="18" charset="0"/>
+                <a:cs typeface="Times New Roman" panose="02020603050405020304" pitchFamily="18" charset="0"/>
+              </a:rPr>
+              <a:t>ạo</a:t>
+            </a:r>
+            <a:r>
+              <a:rPr lang="en-US" dirty="0" smtClean="0">
+                <a:latin typeface="Times New Roman" panose="02020603050405020304" pitchFamily="18" charset="0"/>
+                <a:cs typeface="Times New Roman" panose="02020603050405020304" pitchFamily="18" charset="0"/>
+              </a:rPr>
+              <a:t> form crud</a:t>
+            </a:r>
+            <a:endParaRPr lang="en-US" dirty="0">
+              <a:latin typeface="Times New Roman" panose="02020603050405020304" pitchFamily="18" charset="0"/>
+              <a:cs typeface="Times New Roman" panose="02020603050405020304" pitchFamily="18" charset="0"/>
+            </a:endParaRPr>
+          </a:p>
+        </p:txBody>
+      </p:sp>
+    </p:spTree>
+    <p:extLst>
+      <p:ext uri="{BB962C8B-B14F-4D97-AF65-F5344CB8AC3E}">
+        <p14:creationId xmlns:p14="http://schemas.microsoft.com/office/powerpoint/2010/main" val="296805246"/>
+      </p:ext>
+    </p:extLst>
+  </p:cSld>
+  <p:clrMapOvr>
+    <a:masterClrMapping/>
+  </p:clrMapOvr>
+  <p:timing>
+    <p:tnLst>
+      <p:par>
+        <p:cTn id="1" dur="indefinite" restart="never" nodeType="tmRoot"/>
+      </p:par>
+    </p:tnLst>
+  </p:timing>
+</p:sld>
+</file>
+
+<file path=ppt/slides/slide51.xml><?xml version="1.0" encoding="utf-8"?>
+<p:sld xmlns:a="http://schemas.openxmlformats.org/drawingml/2006/main" xmlns:r="http://schemas.openxmlformats.org/officeDocument/2006/relationships" xmlns:p="http://schemas.openxmlformats.org/presentationml/2006/main">
+  <p:cSld>
+    <p:spTree>
+      <p:nvGrpSpPr>
+        <p:cNvPr id="1" name=""/>
+        <p:cNvGrpSpPr/>
+        <p:nvPr/>
+      </p:nvGrpSpPr>
+      <p:grpSpPr>
+        <a:xfrm>
+          <a:off x="0" y="0"/>
+          <a:ext cx="0" cy="0"/>
+          <a:chOff x="0" y="0"/>
+          <a:chExt cx="0" cy="0"/>
+        </a:xfrm>
+      </p:grpSpPr>
+      <p:sp>
+        <p:nvSpPr>
+          <p:cNvPr id="2" name="Title 1"/>
+          <p:cNvSpPr>
+            <a:spLocks noGrp="1"/>
+          </p:cNvSpPr>
+          <p:nvPr>
+            <p:ph type="title"/>
+          </p:nvPr>
+        </p:nvSpPr>
+        <p:spPr/>
+        <p:txBody>
+          <a:bodyPr/>
+          <a:lstStyle/>
+          <a:p>
+            <a:endParaRPr lang="en-US" dirty="0">
+              <a:latin typeface="Times New Roman" panose="02020603050405020304" pitchFamily="18" charset="0"/>
+              <a:cs typeface="Times New Roman" panose="02020603050405020304" pitchFamily="18" charset="0"/>
+            </a:endParaRPr>
+          </a:p>
+        </p:txBody>
+      </p:sp>
+      <p:sp>
+        <p:nvSpPr>
+          <p:cNvPr id="3" name="Content Placeholder 2"/>
+          <p:cNvSpPr>
+            <a:spLocks noGrp="1"/>
+          </p:cNvSpPr>
+          <p:nvPr>
+            <p:ph idx="1"/>
+          </p:nvPr>
+        </p:nvSpPr>
+        <p:spPr/>
+        <p:txBody>
+          <a:bodyPr/>
+          <a:lstStyle/>
+          <a:p>
+            <a:endParaRPr lang="en-US" dirty="0">
+              <a:latin typeface="Times New Roman" panose="02020603050405020304" pitchFamily="18" charset="0"/>
+              <a:cs typeface="Times New Roman" panose="02020603050405020304" pitchFamily="18" charset="0"/>
+            </a:endParaRPr>
+          </a:p>
+        </p:txBody>
+      </p:sp>
+    </p:spTree>
+    <p:extLst>
+      <p:ext uri="{BB962C8B-B14F-4D97-AF65-F5344CB8AC3E}">
+        <p14:creationId xmlns:p14="http://schemas.microsoft.com/office/powerpoint/2010/main" val="3545649084"/>
       </p:ext>
     </p:extLst>
   </p:cSld>

--- a/react_ts.pptx
+++ b/react_ts.pptx
@@ -388,7 +388,7 @@
           <a:p>
             <a:fld id="{4BDF68E2-58F2-4D09-BE8B-E3BD06533059}" type="datetimeFigureOut">
               <a:rPr lang="en-US" dirty="0"/>
-              <a:t>2024-07-11</a:t>
+              <a:t>2024-07-12</a:t>
             </a:fld>
             <a:endParaRPr lang="en-US" dirty="0"/>
           </a:p>
@@ -591,7 +591,7 @@
           <a:p>
             <a:fld id="{2E2D6473-DF6D-4702-B328-E0DD40540A4E}" type="datetimeFigureOut">
               <a:rPr lang="en-US" dirty="0"/>
-              <a:t>2024-07-11</a:t>
+              <a:t>2024-07-12</a:t>
             </a:fld>
             <a:endParaRPr lang="en-US" dirty="0"/>
           </a:p>
@@ -842,7 +842,7 @@
           <a:p>
             <a:fld id="{E26F7E3A-B166-407D-9866-32884E7D5B37}" type="datetimeFigureOut">
               <a:rPr lang="en-US" dirty="0"/>
-              <a:t>2024-07-11</a:t>
+              <a:t>2024-07-12</a:t>
             </a:fld>
             <a:endParaRPr lang="en-US" dirty="0"/>
           </a:p>
@@ -1011,7 +1011,7 @@
           <a:p>
             <a:fld id="{528FC5F6-F338-4AE4-BB23-26385BCFC423}" type="datetimeFigureOut">
               <a:rPr lang="en-US" dirty="0"/>
-              <a:t>2024-07-11</a:t>
+              <a:t>2024-07-12</a:t>
             </a:fld>
             <a:endParaRPr lang="en-US" dirty="0"/>
           </a:p>
@@ -1349,7 +1349,7 @@
           <a:p>
             <a:fld id="{20EBB0C4-6273-4C6E-B9BD-2EDC30F1CD52}" type="datetimeFigureOut">
               <a:rPr lang="en-US" dirty="0"/>
-              <a:t>2024-07-11</a:t>
+              <a:t>2024-07-12</a:t>
             </a:fld>
             <a:endParaRPr lang="en-US" dirty="0"/>
           </a:p>
@@ -1619,7 +1619,7 @@
           <a:p>
             <a:fld id="{19AB4D41-86C1-4908-B66A-0B50CEB3BF29}" type="datetimeFigureOut">
               <a:rPr lang="en-US" dirty="0"/>
-              <a:t>2024-07-11</a:t>
+              <a:t>2024-07-12</a:t>
             </a:fld>
             <a:endParaRPr lang="en-US" dirty="0"/>
           </a:p>
@@ -1993,7 +1993,7 @@
           <a:p>
             <a:fld id="{E6426E2C-56C1-4E0D-A793-0088A7FDD37E}" type="datetimeFigureOut">
               <a:rPr lang="en-US" dirty="0"/>
-              <a:t>2024-07-11</a:t>
+              <a:t>2024-07-12</a:t>
             </a:fld>
             <a:endParaRPr lang="en-US" dirty="0"/>
           </a:p>
@@ -2106,7 +2106,7 @@
           <a:p>
             <a:fld id="{C8C39B41-D8B5-4052-B551-9B5525EAA8B6}" type="datetimeFigureOut">
               <a:rPr lang="en-US" dirty="0"/>
-              <a:t>2024-07-11</a:t>
+              <a:t>2024-07-12</a:t>
             </a:fld>
             <a:endParaRPr lang="en-US" dirty="0"/>
           </a:p>
@@ -2272,7 +2272,7 @@
           <a:p>
             <a:fld id="{4D94136C-8742-45B2-AF27-D93DF72833A9}" type="datetimeFigureOut">
               <a:rPr lang="en-US" dirty="0"/>
-              <a:t>2024-07-11</a:t>
+              <a:t>2024-07-12</a:t>
             </a:fld>
             <a:endParaRPr lang="en-US" dirty="0"/>
           </a:p>
@@ -2622,7 +2622,7 @@
           <a:p>
             <a:fld id="{32ABBEA6-7C60-4B02-AE87-00D78D8422AF}" type="datetimeFigureOut">
               <a:rPr lang="en-US" dirty="0"/>
-              <a:t>2024-07-11</a:t>
+              <a:t>2024-07-12</a:t>
             </a:fld>
             <a:endParaRPr lang="en-US" dirty="0"/>
           </a:p>
@@ -3000,7 +3000,7 @@
           <a:p>
             <a:fld id="{C9CAD897-D46E-4AD2-BD9B-49DD3E640873}" type="datetimeFigureOut">
               <a:rPr lang="en-US" dirty="0"/>
-              <a:t>2024-07-11</a:t>
+              <a:t>2024-07-12</a:t>
             </a:fld>
             <a:endParaRPr lang="en-US" dirty="0"/>
           </a:p>
@@ -3282,7 +3282,7 @@
           <a:p>
             <a:fld id="{98624D31-43A5-475A-80CF-332C9F6DCF35}" type="datetimeFigureOut">
               <a:rPr lang="en-US" dirty="0"/>
-              <a:t>2024-07-11</a:t>
+              <a:t>2024-07-12</a:t>
             </a:fld>
             <a:endParaRPr lang="en-US" dirty="0"/>
           </a:p>

--- a/react_ts.pptx
+++ b/react_ts.pptx
@@ -388,7 +388,7 @@
           <a:p>
             <a:fld id="{4BDF68E2-58F2-4D09-BE8B-E3BD06533059}" type="datetimeFigureOut">
               <a:rPr lang="en-US" dirty="0"/>
-              <a:t>2024-07-12</a:t>
+              <a:t>2024-07-16</a:t>
             </a:fld>
             <a:endParaRPr lang="en-US" dirty="0"/>
           </a:p>
@@ -591,7 +591,7 @@
           <a:p>
             <a:fld id="{2E2D6473-DF6D-4702-B328-E0DD40540A4E}" type="datetimeFigureOut">
               <a:rPr lang="en-US" dirty="0"/>
-              <a:t>2024-07-12</a:t>
+              <a:t>2024-07-16</a:t>
             </a:fld>
             <a:endParaRPr lang="en-US" dirty="0"/>
           </a:p>
@@ -842,7 +842,7 @@
           <a:p>
             <a:fld id="{E26F7E3A-B166-407D-9866-32884E7D5B37}" type="datetimeFigureOut">
               <a:rPr lang="en-US" dirty="0"/>
-              <a:t>2024-07-12</a:t>
+              <a:t>2024-07-16</a:t>
             </a:fld>
             <a:endParaRPr lang="en-US" dirty="0"/>
           </a:p>
@@ -1011,7 +1011,7 @@
           <a:p>
             <a:fld id="{528FC5F6-F338-4AE4-BB23-26385BCFC423}" type="datetimeFigureOut">
               <a:rPr lang="en-US" dirty="0"/>
-              <a:t>2024-07-12</a:t>
+              <a:t>2024-07-16</a:t>
             </a:fld>
             <a:endParaRPr lang="en-US" dirty="0"/>
           </a:p>
@@ -1349,7 +1349,7 @@
           <a:p>
             <a:fld id="{20EBB0C4-6273-4C6E-B9BD-2EDC30F1CD52}" type="datetimeFigureOut">
               <a:rPr lang="en-US" dirty="0"/>
-              <a:t>2024-07-12</a:t>
+              <a:t>2024-07-16</a:t>
             </a:fld>
             <a:endParaRPr lang="en-US" dirty="0"/>
           </a:p>
@@ -1619,7 +1619,7 @@
           <a:p>
             <a:fld id="{19AB4D41-86C1-4908-B66A-0B50CEB3BF29}" type="datetimeFigureOut">
               <a:rPr lang="en-US" dirty="0"/>
-              <a:t>2024-07-12</a:t>
+              <a:t>2024-07-16</a:t>
             </a:fld>
             <a:endParaRPr lang="en-US" dirty="0"/>
           </a:p>
@@ -1993,7 +1993,7 @@
           <a:p>
             <a:fld id="{E6426E2C-56C1-4E0D-A793-0088A7FDD37E}" type="datetimeFigureOut">
               <a:rPr lang="en-US" dirty="0"/>
-              <a:t>2024-07-12</a:t>
+              <a:t>2024-07-16</a:t>
             </a:fld>
             <a:endParaRPr lang="en-US" dirty="0"/>
           </a:p>
@@ -2106,7 +2106,7 @@
           <a:p>
             <a:fld id="{C8C39B41-D8B5-4052-B551-9B5525EAA8B6}" type="datetimeFigureOut">
               <a:rPr lang="en-US" dirty="0"/>
-              <a:t>2024-07-12</a:t>
+              <a:t>2024-07-16</a:t>
             </a:fld>
             <a:endParaRPr lang="en-US" dirty="0"/>
           </a:p>
@@ -2272,7 +2272,7 @@
           <a:p>
             <a:fld id="{4D94136C-8742-45B2-AF27-D93DF72833A9}" type="datetimeFigureOut">
               <a:rPr lang="en-US" dirty="0"/>
-              <a:t>2024-07-12</a:t>
+              <a:t>2024-07-16</a:t>
             </a:fld>
             <a:endParaRPr lang="en-US" dirty="0"/>
           </a:p>
@@ -2622,7 +2622,7 @@
           <a:p>
             <a:fld id="{32ABBEA6-7C60-4B02-AE87-00D78D8422AF}" type="datetimeFigureOut">
               <a:rPr lang="en-US" dirty="0"/>
-              <a:t>2024-07-12</a:t>
+              <a:t>2024-07-16</a:t>
             </a:fld>
             <a:endParaRPr lang="en-US" dirty="0"/>
           </a:p>
@@ -3000,7 +3000,7 @@
           <a:p>
             <a:fld id="{C9CAD897-D46E-4AD2-BD9B-49DD3E640873}" type="datetimeFigureOut">
               <a:rPr lang="en-US" dirty="0"/>
-              <a:t>2024-07-12</a:t>
+              <a:t>2024-07-16</a:t>
             </a:fld>
             <a:endParaRPr lang="en-US" dirty="0"/>
           </a:p>
@@ -3282,7 +3282,7 @@
           <a:p>
             <a:fld id="{98624D31-43A5-475A-80CF-332C9F6DCF35}" type="datetimeFigureOut">
               <a:rPr lang="en-US" dirty="0"/>
-              <a:t>2024-07-12</a:t>
+              <a:t>2024-07-16</a:t>
             </a:fld>
             <a:endParaRPr lang="en-US" dirty="0"/>
           </a:p>
@@ -17540,7 +17540,14 @@
                 <a:latin typeface="Times New Roman" panose="02020603050405020304" pitchFamily="18" charset="0"/>
                 <a:cs typeface="Times New Roman" panose="02020603050405020304" pitchFamily="18" charset="0"/>
               </a:rPr>
-              <a:t>API - </a:t>
+              <a:t>API </a:t>
+            </a:r>
+            <a:r>
+              <a:rPr lang="en-US" dirty="0" smtClean="0">
+                <a:latin typeface="Times New Roman" panose="02020603050405020304" pitchFamily="18" charset="0"/>
+                <a:cs typeface="Times New Roman" panose="02020603050405020304" pitchFamily="18" charset="0"/>
+              </a:rPr>
+              <a:t>– </a:t>
             </a:r>
             <a:r>
               <a:rPr lang="en-US" dirty="0" err="1" smtClean="0">

--- a/react_ts.pptx
+++ b/react_ts.pptx
@@ -388,7 +388,7 @@
           <a:p>
             <a:fld id="{4BDF68E2-58F2-4D09-BE8B-E3BD06533059}" type="datetimeFigureOut">
               <a:rPr lang="en-US" dirty="0"/>
-              <a:t>2024-07-16</a:t>
+              <a:t>2024-07-19</a:t>
             </a:fld>
             <a:endParaRPr lang="en-US" dirty="0"/>
           </a:p>
@@ -591,7 +591,7 @@
           <a:p>
             <a:fld id="{2E2D6473-DF6D-4702-B328-E0DD40540A4E}" type="datetimeFigureOut">
               <a:rPr lang="en-US" dirty="0"/>
-              <a:t>2024-07-16</a:t>
+              <a:t>2024-07-19</a:t>
             </a:fld>
             <a:endParaRPr lang="en-US" dirty="0"/>
           </a:p>
@@ -842,7 +842,7 @@
           <a:p>
             <a:fld id="{E26F7E3A-B166-407D-9866-32884E7D5B37}" type="datetimeFigureOut">
               <a:rPr lang="en-US" dirty="0"/>
-              <a:t>2024-07-16</a:t>
+              <a:t>2024-07-19</a:t>
             </a:fld>
             <a:endParaRPr lang="en-US" dirty="0"/>
           </a:p>
@@ -1011,7 +1011,7 @@
           <a:p>
             <a:fld id="{528FC5F6-F338-4AE4-BB23-26385BCFC423}" type="datetimeFigureOut">
               <a:rPr lang="en-US" dirty="0"/>
-              <a:t>2024-07-16</a:t>
+              <a:t>2024-07-19</a:t>
             </a:fld>
             <a:endParaRPr lang="en-US" dirty="0"/>
           </a:p>
@@ -1349,7 +1349,7 @@
           <a:p>
             <a:fld id="{20EBB0C4-6273-4C6E-B9BD-2EDC30F1CD52}" type="datetimeFigureOut">
               <a:rPr lang="en-US" dirty="0"/>
-              <a:t>2024-07-16</a:t>
+              <a:t>2024-07-19</a:t>
             </a:fld>
             <a:endParaRPr lang="en-US" dirty="0"/>
           </a:p>
@@ -1619,7 +1619,7 @@
           <a:p>
             <a:fld id="{19AB4D41-86C1-4908-B66A-0B50CEB3BF29}" type="datetimeFigureOut">
               <a:rPr lang="en-US" dirty="0"/>
-              <a:t>2024-07-16</a:t>
+              <a:t>2024-07-19</a:t>
             </a:fld>
             <a:endParaRPr lang="en-US" dirty="0"/>
           </a:p>
@@ -1993,7 +1993,7 @@
           <a:p>
             <a:fld id="{E6426E2C-56C1-4E0D-A793-0088A7FDD37E}" type="datetimeFigureOut">
               <a:rPr lang="en-US" dirty="0"/>
-              <a:t>2024-07-16</a:t>
+              <a:t>2024-07-19</a:t>
             </a:fld>
             <a:endParaRPr lang="en-US" dirty="0"/>
           </a:p>
@@ -2106,7 +2106,7 @@
           <a:p>
             <a:fld id="{C8C39B41-D8B5-4052-B551-9B5525EAA8B6}" type="datetimeFigureOut">
               <a:rPr lang="en-US" dirty="0"/>
-              <a:t>2024-07-16</a:t>
+              <a:t>2024-07-19</a:t>
             </a:fld>
             <a:endParaRPr lang="en-US" dirty="0"/>
           </a:p>
@@ -2272,7 +2272,7 @@
           <a:p>
             <a:fld id="{4D94136C-8742-45B2-AF27-D93DF72833A9}" type="datetimeFigureOut">
               <a:rPr lang="en-US" dirty="0"/>
-              <a:t>2024-07-16</a:t>
+              <a:t>2024-07-19</a:t>
             </a:fld>
             <a:endParaRPr lang="en-US" dirty="0"/>
           </a:p>
@@ -2622,7 +2622,7 @@
           <a:p>
             <a:fld id="{32ABBEA6-7C60-4B02-AE87-00D78D8422AF}" type="datetimeFigureOut">
               <a:rPr lang="en-US" dirty="0"/>
-              <a:t>2024-07-16</a:t>
+              <a:t>2024-07-19</a:t>
             </a:fld>
             <a:endParaRPr lang="en-US" dirty="0"/>
           </a:p>
@@ -3000,7 +3000,7 @@
           <a:p>
             <a:fld id="{C9CAD897-D46E-4AD2-BD9B-49DD3E640873}" type="datetimeFigureOut">
               <a:rPr lang="en-US" dirty="0"/>
-              <a:t>2024-07-16</a:t>
+              <a:t>2024-07-19</a:t>
             </a:fld>
             <a:endParaRPr lang="en-US" dirty="0"/>
           </a:p>
@@ -3282,7 +3282,7 @@
           <a:p>
             <a:fld id="{98624D31-43A5-475A-80CF-332C9F6DCF35}" type="datetimeFigureOut">
               <a:rPr lang="en-US" dirty="0"/>
-              <a:t>2024-07-16</a:t>
+              <a:t>2024-07-19</a:t>
             </a:fld>
             <a:endParaRPr lang="en-US" dirty="0"/>
           </a:p>
@@ -17540,14 +17540,7 @@
                 <a:latin typeface="Times New Roman" panose="02020603050405020304" pitchFamily="18" charset="0"/>
                 <a:cs typeface="Times New Roman" panose="02020603050405020304" pitchFamily="18" charset="0"/>
               </a:rPr>
-              <a:t>API </a:t>
-            </a:r>
-            <a:r>
-              <a:rPr lang="en-US" dirty="0" smtClean="0">
-                <a:latin typeface="Times New Roman" panose="02020603050405020304" pitchFamily="18" charset="0"/>
-                <a:cs typeface="Times New Roman" panose="02020603050405020304" pitchFamily="18" charset="0"/>
-              </a:rPr>
-              <a:t>– </a:t>
+              <a:t>API – </a:t>
             </a:r>
             <a:r>
               <a:rPr lang="en-US" dirty="0" err="1" smtClean="0">
@@ -23425,7 +23418,7 @@
                 <a:latin typeface="Times New Roman" panose="02020603050405020304" pitchFamily="18" charset="0"/>
                 <a:cs typeface="Times New Roman" panose="02020603050405020304" pitchFamily="18" charset="0"/>
               </a:rPr>
-              <a:t>Router</a:t>
+              <a:t>Router - hooks</a:t>
             </a:r>
             <a:endParaRPr lang="en-US" dirty="0">
               <a:latin typeface="Times New Roman" panose="02020603050405020304" pitchFamily="18" charset="0"/>
